--- a/pics/2021-06-19-Gauss_elimination/pics.pptx
+++ b/pics/2021-06-19-Gauss_elimination/pics.pptx
@@ -6,6 +6,8 @@
   </p:sldMasterIdLst>
   <p:sldIdLst>
     <p:sldId id="256" r:id="rId2"/>
+    <p:sldId id="257" r:id="rId3"/>
+    <p:sldId id="258" r:id="rId4"/>
   </p:sldIdLst>
   <p:sldSz cx="12192000" cy="6858000"/>
   <p:notesSz cx="6858000" cy="9144000"/>
@@ -104,6 +106,11 @@
       </a:defRPr>
     </a:lvl9pPr>
   </p:defaultTextStyle>
+  <p:extLst>
+    <p:ext uri="{EFAFB233-063F-42B5-8137-9DF3F51BA10A}">
+      <p15:sldGuideLst xmlns:p15="http://schemas.microsoft.com/office/powerpoint/2012/main"/>
+    </p:ext>
+  </p:extLst>
 </p:presentation>
 </file>
 
@@ -3321,8 +3328,8 @@
           <a:chExt cx="0" cy="0"/>
         </a:xfrm>
       </p:grpSpPr>
-      <mc:AlternateContent xmlns:mc="http://schemas.openxmlformats.org/markup-compatibility/2006">
-        <mc:Choice xmlns:a14="http://schemas.microsoft.com/office/drawing/2010/main" Requires="a14">
+      <mc:AlternateContent xmlns:mc="http://schemas.openxmlformats.org/markup-compatibility/2006" xmlns:a14="http://schemas.microsoft.com/office/drawing/2010/main">
+        <mc:Choice Requires="a14">
           <p:sp>
             <p:nvSpPr>
               <p:cNvPr id="4" name="TextBox 3">
@@ -3351,6 +3358,7 @@
               </a:bodyPr>
               <a:lstStyle/>
               <a:p>
+                <a:pPr/>
                 <a14:m>
                   <m:oMathPara xmlns:m="http://schemas.openxmlformats.org/officeDocument/2006/math">
                     <m:oMathParaPr>
@@ -3383,7 +3391,7 @@
             </p:txBody>
           </p:sp>
         </mc:Choice>
-        <mc:Fallback>
+        <mc:Fallback xmlns="">
           <p:sp>
             <p:nvSpPr>
               <p:cNvPr id="4" name="TextBox 3">
@@ -3428,8 +3436,8 @@
           </p:sp>
         </mc:Fallback>
       </mc:AlternateContent>
-      <mc:AlternateContent xmlns:mc="http://schemas.openxmlformats.org/markup-compatibility/2006">
-        <mc:Choice xmlns:a14="http://schemas.microsoft.com/office/drawing/2010/main" Requires="a14">
+      <mc:AlternateContent xmlns:mc="http://schemas.openxmlformats.org/markup-compatibility/2006" xmlns:a14="http://schemas.microsoft.com/office/drawing/2010/main">
+        <mc:Choice Requires="a14">
           <p:sp>
             <p:nvSpPr>
               <p:cNvPr id="5" name="TextBox 4">
@@ -3458,6 +3466,7 @@
               </a:bodyPr>
               <a:lstStyle/>
               <a:p>
+                <a:pPr/>
                 <a14:m>
                   <m:oMathPara xmlns:m="http://schemas.openxmlformats.org/officeDocument/2006/math">
                     <m:oMathParaPr>
@@ -3520,7 +3529,13 @@
                                       <a:rPr lang="en-US" altLang="ko-KR" sz="2800" b="0" i="1" smtClean="0">
                                         <a:latin typeface="Cambria Math" panose="02040503050406030204" pitchFamily="18" charset="0"/>
                                       </a:rPr>
-                                      <m:t>11</m:t>
+                                      <m:t>1</m:t>
+                                    </m:r>
+                                    <m:r>
+                                      <a:rPr lang="en-US" altLang="ko-KR" sz="2800" b="0" i="1" smtClean="0">
+                                        <a:latin typeface="Cambria Math" panose="02040503050406030204" pitchFamily="18" charset="0"/>
+                                      </a:rPr>
+                                      <m:t>1</m:t>
                                     </m:r>
                                   </m:sub>
                                 </m:sSub>
@@ -4003,7 +4018,7 @@
             </p:txBody>
           </p:sp>
         </mc:Choice>
-        <mc:Fallback>
+        <mc:Fallback xmlns="">
           <p:sp>
             <p:nvSpPr>
               <p:cNvPr id="5" name="TextBox 4">
@@ -4048,8 +4063,8 @@
           </p:sp>
         </mc:Fallback>
       </mc:AlternateContent>
-      <mc:AlternateContent xmlns:mc="http://schemas.openxmlformats.org/markup-compatibility/2006">
-        <mc:Choice xmlns:a14="http://schemas.microsoft.com/office/drawing/2010/main" Requires="a14">
+      <mc:AlternateContent xmlns:mc="http://schemas.openxmlformats.org/markup-compatibility/2006" xmlns:a14="http://schemas.microsoft.com/office/drawing/2010/main">
+        <mc:Choice Requires="a14">
           <p:sp>
             <p:nvSpPr>
               <p:cNvPr id="7" name="TextBox 6">
@@ -4078,6 +4093,7 @@
               </a:bodyPr>
               <a:lstStyle/>
               <a:p>
+                <a:pPr/>
                 <a14:m>
                   <m:oMathPara xmlns:m="http://schemas.openxmlformats.org/officeDocument/2006/math">
                     <m:oMathParaPr>
@@ -4116,7 +4132,7 @@
             </p:txBody>
           </p:sp>
         </mc:Choice>
-        <mc:Fallback>
+        <mc:Fallback xmlns="">
           <p:sp>
             <p:nvSpPr>
               <p:cNvPr id="7" name="TextBox 6">
@@ -4161,8 +4177,8 @@
           </p:sp>
         </mc:Fallback>
       </mc:AlternateContent>
-      <mc:AlternateContent xmlns:mc="http://schemas.openxmlformats.org/markup-compatibility/2006">
-        <mc:Choice xmlns:a14="http://schemas.microsoft.com/office/drawing/2010/main" Requires="a14">
+      <mc:AlternateContent xmlns:mc="http://schemas.openxmlformats.org/markup-compatibility/2006" xmlns:a14="http://schemas.microsoft.com/office/drawing/2010/main">
+        <mc:Choice Requires="a14">
           <p:sp>
             <p:nvSpPr>
               <p:cNvPr id="8" name="TextBox 7">
@@ -4191,6 +4207,7 @@
               </a:bodyPr>
               <a:lstStyle/>
               <a:p>
+                <a:pPr/>
                 <a14:m>
                   <m:oMathPara xmlns:m="http://schemas.openxmlformats.org/officeDocument/2006/math">
                     <m:oMathParaPr>
@@ -4682,7 +4699,7 @@
             </p:txBody>
           </p:sp>
         </mc:Choice>
-        <mc:Fallback>
+        <mc:Fallback xmlns="">
           <p:sp>
             <p:nvSpPr>
               <p:cNvPr id="8" name="TextBox 7">
@@ -4727,8 +4744,8 @@
           </p:sp>
         </mc:Fallback>
       </mc:AlternateContent>
-      <mc:AlternateContent xmlns:mc="http://schemas.openxmlformats.org/markup-compatibility/2006">
-        <mc:Choice xmlns:a14="http://schemas.microsoft.com/office/drawing/2010/main" Requires="a14">
+      <mc:AlternateContent xmlns:mc="http://schemas.openxmlformats.org/markup-compatibility/2006" xmlns:a14="http://schemas.microsoft.com/office/drawing/2010/main">
+        <mc:Choice Requires="a14">
           <p:sp>
             <p:nvSpPr>
               <p:cNvPr id="9" name="TextBox 8">
@@ -4757,6 +4774,7 @@
               </a:bodyPr>
               <a:lstStyle/>
               <a:p>
+                <a:pPr/>
                 <a14:m>
                   <m:oMathPara xmlns:m="http://schemas.openxmlformats.org/officeDocument/2006/math">
                     <m:oMathParaPr>
@@ -4894,7 +4912,13 @@
                                       <a:rPr lang="en-US" altLang="ko-KR" sz="2800" b="0" i="1" smtClean="0">
                                         <a:latin typeface="Cambria Math" panose="02040503050406030204" pitchFamily="18" charset="0"/>
                                       </a:rPr>
-                                      <m:t>11</m:t>
+                                      <m:t>1</m:t>
+                                    </m:r>
+                                    <m:r>
+                                      <a:rPr lang="en-US" altLang="ko-KR" sz="2800" b="0" i="1" smtClean="0">
+                                        <a:latin typeface="Cambria Math" panose="02040503050406030204" pitchFamily="18" charset="0"/>
+                                      </a:rPr>
+                                      <m:t>1</m:t>
                                     </m:r>
                                   </m:sub>
                                 </m:sSub>
@@ -5452,7 +5476,7 @@
             </p:txBody>
           </p:sp>
         </mc:Choice>
-        <mc:Fallback>
+        <mc:Fallback xmlns="">
           <p:sp>
             <p:nvSpPr>
               <p:cNvPr id="9" name="TextBox 8">
@@ -5852,6 +5876,4971 @@
     <p:extLst>
       <p:ext uri="{BB962C8B-B14F-4D97-AF65-F5344CB8AC3E}">
         <p14:creationId xmlns:p14="http://schemas.microsoft.com/office/powerpoint/2010/main" val="1065807577"/>
+      </p:ext>
+    </p:extLst>
+  </p:cSld>
+  <p:clrMapOvr>
+    <a:masterClrMapping/>
+  </p:clrMapOvr>
+</p:sld>
+</file>
+
+<file path=ppt/slides/slide2.xml><?xml version="1.0" encoding="utf-8"?>
+<p:sld xmlns:a="http://schemas.openxmlformats.org/drawingml/2006/main" xmlns:r="http://schemas.openxmlformats.org/officeDocument/2006/relationships" xmlns:p="http://schemas.openxmlformats.org/presentationml/2006/main">
+  <p:cSld>
+    <p:spTree>
+      <p:nvGrpSpPr>
+        <p:cNvPr id="1" name=""/>
+        <p:cNvGrpSpPr/>
+        <p:nvPr/>
+      </p:nvGrpSpPr>
+      <p:grpSpPr>
+        <a:xfrm>
+          <a:off x="0" y="0"/>
+          <a:ext cx="0" cy="0"/>
+          <a:chOff x="0" y="0"/>
+          <a:chExt cx="0" cy="0"/>
+        </a:xfrm>
+      </p:grpSpPr>
+      <p:cxnSp>
+        <p:nvCxnSpPr>
+          <p:cNvPr id="6" name="직선 연결선 5">
+            <a:extLst>
+              <a:ext uri="{FF2B5EF4-FFF2-40B4-BE49-F238E27FC236}">
+                <a16:creationId xmlns:a16="http://schemas.microsoft.com/office/drawing/2014/main" id="{31654EA8-B9F1-411B-924F-A39AFFF25FE4}"/>
+              </a:ext>
+            </a:extLst>
+          </p:cNvPr>
+          <p:cNvCxnSpPr>
+            <a:cxnSpLocks/>
+          </p:cNvCxnSpPr>
+          <p:nvPr/>
+        </p:nvCxnSpPr>
+        <p:spPr>
+          <a:xfrm>
+            <a:off x="3620145" y="1718452"/>
+            <a:ext cx="0" cy="3530975"/>
+          </a:xfrm>
+          <a:prstGeom prst="line">
+            <a:avLst/>
+          </a:prstGeom>
+          <a:ln w="19050"/>
+        </p:spPr>
+        <p:style>
+          <a:lnRef idx="1">
+            <a:schemeClr val="dk1"/>
+          </a:lnRef>
+          <a:fillRef idx="0">
+            <a:schemeClr val="dk1"/>
+          </a:fillRef>
+          <a:effectRef idx="0">
+            <a:schemeClr val="dk1"/>
+          </a:effectRef>
+          <a:fontRef idx="minor">
+            <a:schemeClr val="tx1"/>
+          </a:fontRef>
+        </p:style>
+      </p:cxnSp>
+      <p:cxnSp>
+        <p:nvCxnSpPr>
+          <p:cNvPr id="7" name="직선 연결선 6">
+            <a:extLst>
+              <a:ext uri="{FF2B5EF4-FFF2-40B4-BE49-F238E27FC236}">
+                <a16:creationId xmlns:a16="http://schemas.microsoft.com/office/drawing/2014/main" id="{4E07B35E-E95F-4959-B154-E7714662533C}"/>
+              </a:ext>
+            </a:extLst>
+          </p:cNvPr>
+          <p:cNvCxnSpPr/>
+          <p:nvPr/>
+        </p:nvCxnSpPr>
+        <p:spPr>
+          <a:xfrm>
+            <a:off x="3620145" y="1726776"/>
+            <a:ext cx="272051" cy="0"/>
+          </a:xfrm>
+          <a:prstGeom prst="line">
+            <a:avLst/>
+          </a:prstGeom>
+          <a:ln w="19050"/>
+        </p:spPr>
+        <p:style>
+          <a:lnRef idx="1">
+            <a:schemeClr val="dk1"/>
+          </a:lnRef>
+          <a:fillRef idx="0">
+            <a:schemeClr val="dk1"/>
+          </a:fillRef>
+          <a:effectRef idx="0">
+            <a:schemeClr val="dk1"/>
+          </a:effectRef>
+          <a:fontRef idx="minor">
+            <a:schemeClr val="tx1"/>
+          </a:fontRef>
+        </p:style>
+      </p:cxnSp>
+      <p:cxnSp>
+        <p:nvCxnSpPr>
+          <p:cNvPr id="8" name="직선 연결선 7">
+            <a:extLst>
+              <a:ext uri="{FF2B5EF4-FFF2-40B4-BE49-F238E27FC236}">
+                <a16:creationId xmlns:a16="http://schemas.microsoft.com/office/drawing/2014/main" id="{E4FFF66C-C336-47F1-93F9-02E956F4091B}"/>
+              </a:ext>
+            </a:extLst>
+          </p:cNvPr>
+          <p:cNvCxnSpPr/>
+          <p:nvPr/>
+        </p:nvCxnSpPr>
+        <p:spPr>
+          <a:xfrm>
+            <a:off x="3620145" y="5240261"/>
+            <a:ext cx="272051" cy="0"/>
+          </a:xfrm>
+          <a:prstGeom prst="line">
+            <a:avLst/>
+          </a:prstGeom>
+          <a:ln w="19050"/>
+        </p:spPr>
+        <p:style>
+          <a:lnRef idx="1">
+            <a:schemeClr val="dk1"/>
+          </a:lnRef>
+          <a:fillRef idx="0">
+            <a:schemeClr val="dk1"/>
+          </a:fillRef>
+          <a:effectRef idx="0">
+            <a:schemeClr val="dk1"/>
+          </a:effectRef>
+          <a:fontRef idx="minor">
+            <a:schemeClr val="tx1"/>
+          </a:fontRef>
+        </p:style>
+      </p:cxnSp>
+      <p:cxnSp>
+        <p:nvCxnSpPr>
+          <p:cNvPr id="10" name="직선 연결선 9">
+            <a:extLst>
+              <a:ext uri="{FF2B5EF4-FFF2-40B4-BE49-F238E27FC236}">
+                <a16:creationId xmlns:a16="http://schemas.microsoft.com/office/drawing/2014/main" id="{F04DF4A3-A86D-4539-A457-19D81BC14F59}"/>
+              </a:ext>
+            </a:extLst>
+          </p:cNvPr>
+          <p:cNvCxnSpPr/>
+          <p:nvPr/>
+        </p:nvCxnSpPr>
+        <p:spPr>
+          <a:xfrm flipH="1">
+            <a:off x="8571855" y="1718453"/>
+            <a:ext cx="0" cy="3530974"/>
+          </a:xfrm>
+          <a:prstGeom prst="line">
+            <a:avLst/>
+          </a:prstGeom>
+          <a:ln w="19050"/>
+        </p:spPr>
+        <p:style>
+          <a:lnRef idx="1">
+            <a:schemeClr val="dk1"/>
+          </a:lnRef>
+          <a:fillRef idx="0">
+            <a:schemeClr val="dk1"/>
+          </a:fillRef>
+          <a:effectRef idx="0">
+            <a:schemeClr val="dk1"/>
+          </a:effectRef>
+          <a:fontRef idx="minor">
+            <a:schemeClr val="tx1"/>
+          </a:fontRef>
+        </p:style>
+      </p:cxnSp>
+      <p:cxnSp>
+        <p:nvCxnSpPr>
+          <p:cNvPr id="11" name="직선 연결선 10">
+            <a:extLst>
+              <a:ext uri="{FF2B5EF4-FFF2-40B4-BE49-F238E27FC236}">
+                <a16:creationId xmlns:a16="http://schemas.microsoft.com/office/drawing/2014/main" id="{64673F54-A7E0-4DB9-A52F-91F6F84A4C48}"/>
+              </a:ext>
+            </a:extLst>
+          </p:cNvPr>
+          <p:cNvCxnSpPr/>
+          <p:nvPr/>
+        </p:nvCxnSpPr>
+        <p:spPr>
+          <a:xfrm flipH="1">
+            <a:off x="8299804" y="1726776"/>
+            <a:ext cx="272051" cy="0"/>
+          </a:xfrm>
+          <a:prstGeom prst="line">
+            <a:avLst/>
+          </a:prstGeom>
+          <a:ln w="19050"/>
+        </p:spPr>
+        <p:style>
+          <a:lnRef idx="1">
+            <a:schemeClr val="dk1"/>
+          </a:lnRef>
+          <a:fillRef idx="0">
+            <a:schemeClr val="dk1"/>
+          </a:fillRef>
+          <a:effectRef idx="0">
+            <a:schemeClr val="dk1"/>
+          </a:effectRef>
+          <a:fontRef idx="minor">
+            <a:schemeClr val="tx1"/>
+          </a:fontRef>
+        </p:style>
+      </p:cxnSp>
+      <p:cxnSp>
+        <p:nvCxnSpPr>
+          <p:cNvPr id="12" name="직선 연결선 11">
+            <a:extLst>
+              <a:ext uri="{FF2B5EF4-FFF2-40B4-BE49-F238E27FC236}">
+                <a16:creationId xmlns:a16="http://schemas.microsoft.com/office/drawing/2014/main" id="{6AE9AB7F-9042-41D0-8094-A670CFD71A82}"/>
+              </a:ext>
+            </a:extLst>
+          </p:cNvPr>
+          <p:cNvCxnSpPr/>
+          <p:nvPr/>
+        </p:nvCxnSpPr>
+        <p:spPr>
+          <a:xfrm flipH="1">
+            <a:off x="8299804" y="5240261"/>
+            <a:ext cx="272051" cy="0"/>
+          </a:xfrm>
+          <a:prstGeom prst="line">
+            <a:avLst/>
+          </a:prstGeom>
+          <a:ln w="19050"/>
+        </p:spPr>
+        <p:style>
+          <a:lnRef idx="1">
+            <a:schemeClr val="dk1"/>
+          </a:lnRef>
+          <a:fillRef idx="0">
+            <a:schemeClr val="dk1"/>
+          </a:fillRef>
+          <a:effectRef idx="0">
+            <a:schemeClr val="dk1"/>
+          </a:effectRef>
+          <a:fontRef idx="minor">
+            <a:schemeClr val="tx1"/>
+          </a:fontRef>
+        </p:style>
+      </p:cxnSp>
+      <p:sp>
+        <p:nvSpPr>
+          <p:cNvPr id="14" name="TextBox 13">
+            <a:extLst>
+              <a:ext uri="{FF2B5EF4-FFF2-40B4-BE49-F238E27FC236}">
+                <a16:creationId xmlns:a16="http://schemas.microsoft.com/office/drawing/2014/main" id="{E949D324-98A0-40F7-84A4-65067AE1B247}"/>
+              </a:ext>
+            </a:extLst>
+          </p:cNvPr>
+          <p:cNvSpPr txBox="1"/>
+          <p:nvPr/>
+        </p:nvSpPr>
+        <p:spPr>
+          <a:xfrm>
+            <a:off x="3923065" y="1608568"/>
+            <a:ext cx="543740" cy="523220"/>
+          </a:xfrm>
+          <a:prstGeom prst="rect">
+            <a:avLst/>
+          </a:prstGeom>
+          <a:noFill/>
+        </p:spPr>
+        <p:txBody>
+          <a:bodyPr wrap="none" rtlCol="0" anchor="ctr">
+            <a:spAutoFit/>
+          </a:bodyPr>
+          <a:lstStyle/>
+          <a:p>
+            <a:pPr algn="ctr"/>
+            <a:r>
+              <a:rPr lang="ko-KR" altLang="en-US" sz="2800" dirty="0"/>
+              <a:t>▲</a:t>
+            </a:r>
+          </a:p>
+        </p:txBody>
+      </p:sp>
+      <p:sp>
+        <p:nvSpPr>
+          <p:cNvPr id="15" name="TextBox 14">
+            <a:extLst>
+              <a:ext uri="{FF2B5EF4-FFF2-40B4-BE49-F238E27FC236}">
+                <a16:creationId xmlns:a16="http://schemas.microsoft.com/office/drawing/2014/main" id="{5A89365F-595E-448D-8C11-2AD4E3EDA249}"/>
+              </a:ext>
+            </a:extLst>
+          </p:cNvPr>
+          <p:cNvSpPr txBox="1"/>
+          <p:nvPr/>
+        </p:nvSpPr>
+        <p:spPr>
+          <a:xfrm>
+            <a:off x="4004015" y="2244408"/>
+            <a:ext cx="381837" cy="523220"/>
+          </a:xfrm>
+          <a:prstGeom prst="rect">
+            <a:avLst/>
+          </a:prstGeom>
+          <a:noFill/>
+        </p:spPr>
+        <p:txBody>
+          <a:bodyPr wrap="none" rtlCol="0" anchor="ctr">
+            <a:spAutoFit/>
+          </a:bodyPr>
+          <a:lstStyle/>
+          <a:p>
+            <a:pPr algn="ctr"/>
+            <a:r>
+              <a:rPr lang="en-US" altLang="ko-KR" sz="2800" dirty="0"/>
+              <a:t>0</a:t>
+            </a:r>
+            <a:endParaRPr lang="ko-KR" altLang="en-US" sz="2800" dirty="0"/>
+          </a:p>
+        </p:txBody>
+      </p:sp>
+      <p:sp>
+        <p:nvSpPr>
+          <p:cNvPr id="16" name="TextBox 15">
+            <a:extLst>
+              <a:ext uri="{FF2B5EF4-FFF2-40B4-BE49-F238E27FC236}">
+                <a16:creationId xmlns:a16="http://schemas.microsoft.com/office/drawing/2014/main" id="{C2D93AB9-1EB8-4A18-BEA3-CB6A1473383E}"/>
+              </a:ext>
+            </a:extLst>
+          </p:cNvPr>
+          <p:cNvSpPr txBox="1"/>
+          <p:nvPr/>
+        </p:nvSpPr>
+        <p:spPr>
+          <a:xfrm>
+            <a:off x="4004017" y="2880248"/>
+            <a:ext cx="381835" cy="523220"/>
+          </a:xfrm>
+          <a:prstGeom prst="rect">
+            <a:avLst/>
+          </a:prstGeom>
+          <a:noFill/>
+        </p:spPr>
+        <p:txBody>
+          <a:bodyPr wrap="none" rtlCol="0" anchor="ctr">
+            <a:spAutoFit/>
+          </a:bodyPr>
+          <a:lstStyle/>
+          <a:p>
+            <a:pPr algn="ctr"/>
+            <a:r>
+              <a:rPr lang="en-US" altLang="ko-KR" sz="2800" dirty="0"/>
+              <a:t>0</a:t>
+            </a:r>
+            <a:endParaRPr lang="ko-KR" altLang="en-US" sz="2800" dirty="0"/>
+          </a:p>
+        </p:txBody>
+      </p:sp>
+      <p:sp>
+        <p:nvSpPr>
+          <p:cNvPr id="17" name="TextBox 16">
+            <a:extLst>
+              <a:ext uri="{FF2B5EF4-FFF2-40B4-BE49-F238E27FC236}">
+                <a16:creationId xmlns:a16="http://schemas.microsoft.com/office/drawing/2014/main" id="{119143F9-9662-4BFC-8C7E-8F5237C8D6C3}"/>
+              </a:ext>
+            </a:extLst>
+          </p:cNvPr>
+          <p:cNvSpPr txBox="1"/>
+          <p:nvPr/>
+        </p:nvSpPr>
+        <p:spPr>
+          <a:xfrm>
+            <a:off x="4004017" y="3516088"/>
+            <a:ext cx="381835" cy="523220"/>
+          </a:xfrm>
+          <a:prstGeom prst="rect">
+            <a:avLst/>
+          </a:prstGeom>
+          <a:noFill/>
+        </p:spPr>
+        <p:txBody>
+          <a:bodyPr wrap="none" rtlCol="0" anchor="ctr">
+            <a:spAutoFit/>
+          </a:bodyPr>
+          <a:lstStyle/>
+          <a:p>
+            <a:pPr algn="ctr"/>
+            <a:r>
+              <a:rPr lang="en-US" altLang="ko-KR" sz="2800" dirty="0"/>
+              <a:t>0</a:t>
+            </a:r>
+            <a:endParaRPr lang="ko-KR" altLang="en-US" sz="2800" dirty="0"/>
+          </a:p>
+        </p:txBody>
+      </p:sp>
+      <p:sp>
+        <p:nvSpPr>
+          <p:cNvPr id="18" name="TextBox 17">
+            <a:extLst>
+              <a:ext uri="{FF2B5EF4-FFF2-40B4-BE49-F238E27FC236}">
+                <a16:creationId xmlns:a16="http://schemas.microsoft.com/office/drawing/2014/main" id="{D65CEA8C-7F03-47CF-8C8B-E71BA660DF53}"/>
+              </a:ext>
+            </a:extLst>
+          </p:cNvPr>
+          <p:cNvSpPr txBox="1"/>
+          <p:nvPr/>
+        </p:nvSpPr>
+        <p:spPr>
+          <a:xfrm>
+            <a:off x="4004017" y="4151928"/>
+            <a:ext cx="381835" cy="523220"/>
+          </a:xfrm>
+          <a:prstGeom prst="rect">
+            <a:avLst/>
+          </a:prstGeom>
+          <a:noFill/>
+        </p:spPr>
+        <p:txBody>
+          <a:bodyPr wrap="none" rtlCol="0" anchor="ctr">
+            <a:spAutoFit/>
+          </a:bodyPr>
+          <a:lstStyle/>
+          <a:p>
+            <a:pPr algn="ctr"/>
+            <a:r>
+              <a:rPr lang="en-US" altLang="ko-KR" sz="2800" dirty="0"/>
+              <a:t>0</a:t>
+            </a:r>
+            <a:endParaRPr lang="ko-KR" altLang="en-US" sz="2800" dirty="0"/>
+          </a:p>
+        </p:txBody>
+      </p:sp>
+      <p:sp>
+        <p:nvSpPr>
+          <p:cNvPr id="20" name="TextBox 19">
+            <a:extLst>
+              <a:ext uri="{FF2B5EF4-FFF2-40B4-BE49-F238E27FC236}">
+                <a16:creationId xmlns:a16="http://schemas.microsoft.com/office/drawing/2014/main" id="{124A2A46-0B07-44A3-B17A-50E4AC7A54C1}"/>
+              </a:ext>
+            </a:extLst>
+          </p:cNvPr>
+          <p:cNvSpPr txBox="1"/>
+          <p:nvPr/>
+        </p:nvSpPr>
+        <p:spPr>
+          <a:xfrm>
+            <a:off x="4625632" y="1608568"/>
+            <a:ext cx="332142" cy="523220"/>
+          </a:xfrm>
+          <a:prstGeom prst="rect">
+            <a:avLst/>
+          </a:prstGeom>
+          <a:noFill/>
+        </p:spPr>
+        <p:txBody>
+          <a:bodyPr wrap="none" rtlCol="0" anchor="ctr">
+            <a:spAutoFit/>
+          </a:bodyPr>
+          <a:lstStyle/>
+          <a:p>
+            <a:pPr algn="ctr"/>
+            <a:r>
+              <a:rPr lang="en-US" altLang="ko-KR" sz="2800" dirty="0"/>
+              <a:t>-</a:t>
+            </a:r>
+            <a:endParaRPr lang="ko-KR" altLang="en-US" sz="2800" dirty="0"/>
+          </a:p>
+        </p:txBody>
+      </p:sp>
+      <p:sp>
+        <p:nvSpPr>
+          <p:cNvPr id="21" name="TextBox 20">
+            <a:extLst>
+              <a:ext uri="{FF2B5EF4-FFF2-40B4-BE49-F238E27FC236}">
+                <a16:creationId xmlns:a16="http://schemas.microsoft.com/office/drawing/2014/main" id="{127B6753-0375-4F50-8EBB-C3EBF58B25A0}"/>
+              </a:ext>
+            </a:extLst>
+          </p:cNvPr>
+          <p:cNvSpPr txBox="1"/>
+          <p:nvPr/>
+        </p:nvSpPr>
+        <p:spPr>
+          <a:xfrm>
+            <a:off x="4519833" y="2244408"/>
+            <a:ext cx="543740" cy="523220"/>
+          </a:xfrm>
+          <a:prstGeom prst="rect">
+            <a:avLst/>
+          </a:prstGeom>
+          <a:noFill/>
+        </p:spPr>
+        <p:txBody>
+          <a:bodyPr wrap="none" rtlCol="0" anchor="ctr">
+            <a:spAutoFit/>
+          </a:bodyPr>
+          <a:lstStyle/>
+          <a:p>
+            <a:pPr algn="ctr"/>
+            <a:r>
+              <a:rPr lang="ko-KR" altLang="en-US" sz="2800" dirty="0"/>
+              <a:t>▲</a:t>
+            </a:r>
+          </a:p>
+        </p:txBody>
+      </p:sp>
+      <p:sp>
+        <p:nvSpPr>
+          <p:cNvPr id="22" name="TextBox 21">
+            <a:extLst>
+              <a:ext uri="{FF2B5EF4-FFF2-40B4-BE49-F238E27FC236}">
+                <a16:creationId xmlns:a16="http://schemas.microsoft.com/office/drawing/2014/main" id="{B116CB62-58E4-4818-B572-748F45E877D0}"/>
+              </a:ext>
+            </a:extLst>
+          </p:cNvPr>
+          <p:cNvSpPr txBox="1"/>
+          <p:nvPr/>
+        </p:nvSpPr>
+        <p:spPr>
+          <a:xfrm>
+            <a:off x="4600786" y="2880248"/>
+            <a:ext cx="381835" cy="523220"/>
+          </a:xfrm>
+          <a:prstGeom prst="rect">
+            <a:avLst/>
+          </a:prstGeom>
+          <a:noFill/>
+        </p:spPr>
+        <p:txBody>
+          <a:bodyPr wrap="none" rtlCol="0" anchor="ctr">
+            <a:spAutoFit/>
+          </a:bodyPr>
+          <a:lstStyle/>
+          <a:p>
+            <a:pPr algn="ctr"/>
+            <a:r>
+              <a:rPr lang="en-US" altLang="ko-KR" sz="2800" dirty="0"/>
+              <a:t>0</a:t>
+            </a:r>
+            <a:endParaRPr lang="ko-KR" altLang="en-US" sz="2800" dirty="0"/>
+          </a:p>
+        </p:txBody>
+      </p:sp>
+      <p:sp>
+        <p:nvSpPr>
+          <p:cNvPr id="23" name="TextBox 22">
+            <a:extLst>
+              <a:ext uri="{FF2B5EF4-FFF2-40B4-BE49-F238E27FC236}">
+                <a16:creationId xmlns:a16="http://schemas.microsoft.com/office/drawing/2014/main" id="{083578AA-42ED-487F-B693-11DB0F61806B}"/>
+              </a:ext>
+            </a:extLst>
+          </p:cNvPr>
+          <p:cNvSpPr txBox="1"/>
+          <p:nvPr/>
+        </p:nvSpPr>
+        <p:spPr>
+          <a:xfrm>
+            <a:off x="4600786" y="3516088"/>
+            <a:ext cx="381835" cy="523220"/>
+          </a:xfrm>
+          <a:prstGeom prst="rect">
+            <a:avLst/>
+          </a:prstGeom>
+          <a:noFill/>
+        </p:spPr>
+        <p:txBody>
+          <a:bodyPr wrap="none" rtlCol="0" anchor="ctr">
+            <a:spAutoFit/>
+          </a:bodyPr>
+          <a:lstStyle/>
+          <a:p>
+            <a:pPr algn="ctr"/>
+            <a:r>
+              <a:rPr lang="en-US" altLang="ko-KR" sz="2800" dirty="0"/>
+              <a:t>0</a:t>
+            </a:r>
+            <a:endParaRPr lang="ko-KR" altLang="en-US" sz="2800" dirty="0"/>
+          </a:p>
+        </p:txBody>
+      </p:sp>
+      <p:sp>
+        <p:nvSpPr>
+          <p:cNvPr id="24" name="TextBox 23">
+            <a:extLst>
+              <a:ext uri="{FF2B5EF4-FFF2-40B4-BE49-F238E27FC236}">
+                <a16:creationId xmlns:a16="http://schemas.microsoft.com/office/drawing/2014/main" id="{5D84D04F-C822-4A52-A05E-744ABD508093}"/>
+              </a:ext>
+            </a:extLst>
+          </p:cNvPr>
+          <p:cNvSpPr txBox="1"/>
+          <p:nvPr/>
+        </p:nvSpPr>
+        <p:spPr>
+          <a:xfrm>
+            <a:off x="4600786" y="4151928"/>
+            <a:ext cx="381835" cy="523220"/>
+          </a:xfrm>
+          <a:prstGeom prst="rect">
+            <a:avLst/>
+          </a:prstGeom>
+          <a:noFill/>
+        </p:spPr>
+        <p:txBody>
+          <a:bodyPr wrap="none" rtlCol="0" anchor="ctr">
+            <a:spAutoFit/>
+          </a:bodyPr>
+          <a:lstStyle/>
+          <a:p>
+            <a:pPr algn="ctr"/>
+            <a:r>
+              <a:rPr lang="en-US" altLang="ko-KR" sz="2800" dirty="0"/>
+              <a:t>0</a:t>
+            </a:r>
+            <a:endParaRPr lang="ko-KR" altLang="en-US" sz="2800" dirty="0"/>
+          </a:p>
+        </p:txBody>
+      </p:sp>
+      <p:sp>
+        <p:nvSpPr>
+          <p:cNvPr id="26" name="TextBox 25">
+            <a:extLst>
+              <a:ext uri="{FF2B5EF4-FFF2-40B4-BE49-F238E27FC236}">
+                <a16:creationId xmlns:a16="http://schemas.microsoft.com/office/drawing/2014/main" id="{41E6F538-9F9C-4553-9A66-9C05463EAB60}"/>
+              </a:ext>
+            </a:extLst>
+          </p:cNvPr>
+          <p:cNvSpPr txBox="1"/>
+          <p:nvPr/>
+        </p:nvSpPr>
+        <p:spPr>
+          <a:xfrm>
+            <a:off x="5222401" y="1608568"/>
+            <a:ext cx="332142" cy="523220"/>
+          </a:xfrm>
+          <a:prstGeom prst="rect">
+            <a:avLst/>
+          </a:prstGeom>
+          <a:noFill/>
+        </p:spPr>
+        <p:txBody>
+          <a:bodyPr wrap="none" rtlCol="0" anchor="ctr">
+            <a:spAutoFit/>
+          </a:bodyPr>
+          <a:lstStyle/>
+          <a:p>
+            <a:pPr algn="ctr"/>
+            <a:r>
+              <a:rPr lang="en-US" altLang="ko-KR" sz="2800" dirty="0"/>
+              <a:t>-</a:t>
+            </a:r>
+            <a:endParaRPr lang="ko-KR" altLang="en-US" sz="2800" dirty="0"/>
+          </a:p>
+        </p:txBody>
+      </p:sp>
+      <p:sp>
+        <p:nvSpPr>
+          <p:cNvPr id="27" name="TextBox 26">
+            <a:extLst>
+              <a:ext uri="{FF2B5EF4-FFF2-40B4-BE49-F238E27FC236}">
+                <a16:creationId xmlns:a16="http://schemas.microsoft.com/office/drawing/2014/main" id="{BA05173D-B233-4D44-9BC7-E4670389830C}"/>
+              </a:ext>
+            </a:extLst>
+          </p:cNvPr>
+          <p:cNvSpPr txBox="1"/>
+          <p:nvPr/>
+        </p:nvSpPr>
+        <p:spPr>
+          <a:xfrm>
+            <a:off x="5222400" y="2244408"/>
+            <a:ext cx="332142" cy="523220"/>
+          </a:xfrm>
+          <a:prstGeom prst="rect">
+            <a:avLst/>
+          </a:prstGeom>
+          <a:noFill/>
+        </p:spPr>
+        <p:txBody>
+          <a:bodyPr wrap="none" rtlCol="0" anchor="ctr">
+            <a:spAutoFit/>
+          </a:bodyPr>
+          <a:lstStyle/>
+          <a:p>
+            <a:pPr algn="ctr"/>
+            <a:r>
+              <a:rPr lang="en-US" altLang="ko-KR" sz="2800" dirty="0"/>
+              <a:t>-</a:t>
+            </a:r>
+            <a:endParaRPr lang="ko-KR" altLang="en-US" sz="2800" dirty="0"/>
+          </a:p>
+        </p:txBody>
+      </p:sp>
+      <p:sp>
+        <p:nvSpPr>
+          <p:cNvPr id="28" name="TextBox 27">
+            <a:extLst>
+              <a:ext uri="{FF2B5EF4-FFF2-40B4-BE49-F238E27FC236}">
+                <a16:creationId xmlns:a16="http://schemas.microsoft.com/office/drawing/2014/main" id="{E9547A23-6AB5-453B-9412-5817BE440F6C}"/>
+              </a:ext>
+            </a:extLst>
+          </p:cNvPr>
+          <p:cNvSpPr txBox="1"/>
+          <p:nvPr/>
+        </p:nvSpPr>
+        <p:spPr>
+          <a:xfrm>
+            <a:off x="5116603" y="2880248"/>
+            <a:ext cx="543740" cy="523220"/>
+          </a:xfrm>
+          <a:prstGeom prst="rect">
+            <a:avLst/>
+          </a:prstGeom>
+          <a:noFill/>
+        </p:spPr>
+        <p:txBody>
+          <a:bodyPr wrap="none" rtlCol="0" anchor="ctr">
+            <a:spAutoFit/>
+          </a:bodyPr>
+          <a:lstStyle/>
+          <a:p>
+            <a:pPr algn="ctr"/>
+            <a:r>
+              <a:rPr lang="ko-KR" altLang="en-US" sz="2800" dirty="0"/>
+              <a:t>▲</a:t>
+            </a:r>
+          </a:p>
+        </p:txBody>
+      </p:sp>
+      <p:sp>
+        <p:nvSpPr>
+          <p:cNvPr id="29" name="TextBox 28">
+            <a:extLst>
+              <a:ext uri="{FF2B5EF4-FFF2-40B4-BE49-F238E27FC236}">
+                <a16:creationId xmlns:a16="http://schemas.microsoft.com/office/drawing/2014/main" id="{D8D463D9-B497-4B82-88D7-4BC7471DF49C}"/>
+              </a:ext>
+            </a:extLst>
+          </p:cNvPr>
+          <p:cNvSpPr txBox="1"/>
+          <p:nvPr/>
+        </p:nvSpPr>
+        <p:spPr>
+          <a:xfrm>
+            <a:off x="5197555" y="3516088"/>
+            <a:ext cx="381835" cy="523220"/>
+          </a:xfrm>
+          <a:prstGeom prst="rect">
+            <a:avLst/>
+          </a:prstGeom>
+          <a:noFill/>
+        </p:spPr>
+        <p:txBody>
+          <a:bodyPr wrap="none" rtlCol="0" anchor="ctr">
+            <a:spAutoFit/>
+          </a:bodyPr>
+          <a:lstStyle/>
+          <a:p>
+            <a:pPr algn="ctr"/>
+            <a:r>
+              <a:rPr lang="en-US" altLang="ko-KR" sz="2800" dirty="0"/>
+              <a:t>0</a:t>
+            </a:r>
+            <a:endParaRPr lang="ko-KR" altLang="en-US" sz="2800" dirty="0"/>
+          </a:p>
+        </p:txBody>
+      </p:sp>
+      <p:sp>
+        <p:nvSpPr>
+          <p:cNvPr id="30" name="TextBox 29">
+            <a:extLst>
+              <a:ext uri="{FF2B5EF4-FFF2-40B4-BE49-F238E27FC236}">
+                <a16:creationId xmlns:a16="http://schemas.microsoft.com/office/drawing/2014/main" id="{39C5CF66-680C-47A0-ABB7-21ED54599E87}"/>
+              </a:ext>
+            </a:extLst>
+          </p:cNvPr>
+          <p:cNvSpPr txBox="1"/>
+          <p:nvPr/>
+        </p:nvSpPr>
+        <p:spPr>
+          <a:xfrm>
+            <a:off x="5197555" y="4151928"/>
+            <a:ext cx="381835" cy="523220"/>
+          </a:xfrm>
+          <a:prstGeom prst="rect">
+            <a:avLst/>
+          </a:prstGeom>
+          <a:noFill/>
+        </p:spPr>
+        <p:txBody>
+          <a:bodyPr wrap="none" rtlCol="0" anchor="ctr">
+            <a:spAutoFit/>
+          </a:bodyPr>
+          <a:lstStyle/>
+          <a:p>
+            <a:pPr algn="ctr"/>
+            <a:r>
+              <a:rPr lang="en-US" altLang="ko-KR" sz="2800" dirty="0"/>
+              <a:t>0</a:t>
+            </a:r>
+            <a:endParaRPr lang="ko-KR" altLang="en-US" sz="2800" dirty="0"/>
+          </a:p>
+        </p:txBody>
+      </p:sp>
+      <p:sp>
+        <p:nvSpPr>
+          <p:cNvPr id="32" name="TextBox 31">
+            <a:extLst>
+              <a:ext uri="{FF2B5EF4-FFF2-40B4-BE49-F238E27FC236}">
+                <a16:creationId xmlns:a16="http://schemas.microsoft.com/office/drawing/2014/main" id="{EB1F1875-3A73-4A80-85F5-46EF251DCDC3}"/>
+              </a:ext>
+            </a:extLst>
+          </p:cNvPr>
+          <p:cNvSpPr txBox="1"/>
+          <p:nvPr/>
+        </p:nvSpPr>
+        <p:spPr>
+          <a:xfrm>
+            <a:off x="5819171" y="1608568"/>
+            <a:ext cx="332142" cy="523220"/>
+          </a:xfrm>
+          <a:prstGeom prst="rect">
+            <a:avLst/>
+          </a:prstGeom>
+          <a:noFill/>
+        </p:spPr>
+        <p:txBody>
+          <a:bodyPr wrap="none" rtlCol="0" anchor="ctr">
+            <a:spAutoFit/>
+          </a:bodyPr>
+          <a:lstStyle/>
+          <a:p>
+            <a:pPr algn="ctr"/>
+            <a:r>
+              <a:rPr lang="en-US" altLang="ko-KR" sz="2800" dirty="0"/>
+              <a:t>-</a:t>
+            </a:r>
+            <a:endParaRPr lang="ko-KR" altLang="en-US" sz="2800" dirty="0"/>
+          </a:p>
+        </p:txBody>
+      </p:sp>
+      <p:sp>
+        <p:nvSpPr>
+          <p:cNvPr id="33" name="TextBox 32">
+            <a:extLst>
+              <a:ext uri="{FF2B5EF4-FFF2-40B4-BE49-F238E27FC236}">
+                <a16:creationId xmlns:a16="http://schemas.microsoft.com/office/drawing/2014/main" id="{C4F940DE-E250-451B-AC81-9B92E2FAD39D}"/>
+              </a:ext>
+            </a:extLst>
+          </p:cNvPr>
+          <p:cNvSpPr txBox="1"/>
+          <p:nvPr/>
+        </p:nvSpPr>
+        <p:spPr>
+          <a:xfrm>
+            <a:off x="5819170" y="2244408"/>
+            <a:ext cx="332142" cy="523220"/>
+          </a:xfrm>
+          <a:prstGeom prst="rect">
+            <a:avLst/>
+          </a:prstGeom>
+          <a:noFill/>
+        </p:spPr>
+        <p:txBody>
+          <a:bodyPr wrap="none" rtlCol="0" anchor="ctr">
+            <a:spAutoFit/>
+          </a:bodyPr>
+          <a:lstStyle/>
+          <a:p>
+            <a:pPr algn="ctr"/>
+            <a:r>
+              <a:rPr lang="en-US" altLang="ko-KR" sz="2800" dirty="0"/>
+              <a:t>-</a:t>
+            </a:r>
+            <a:endParaRPr lang="ko-KR" altLang="en-US" sz="2800" dirty="0"/>
+          </a:p>
+        </p:txBody>
+      </p:sp>
+      <p:sp>
+        <p:nvSpPr>
+          <p:cNvPr id="34" name="TextBox 33">
+            <a:extLst>
+              <a:ext uri="{FF2B5EF4-FFF2-40B4-BE49-F238E27FC236}">
+                <a16:creationId xmlns:a16="http://schemas.microsoft.com/office/drawing/2014/main" id="{D6FC296A-18B7-4E2C-89C5-F48681E0B45E}"/>
+              </a:ext>
+            </a:extLst>
+          </p:cNvPr>
+          <p:cNvSpPr txBox="1"/>
+          <p:nvPr/>
+        </p:nvSpPr>
+        <p:spPr>
+          <a:xfrm>
+            <a:off x="5819171" y="2880248"/>
+            <a:ext cx="332142" cy="523220"/>
+          </a:xfrm>
+          <a:prstGeom prst="rect">
+            <a:avLst/>
+          </a:prstGeom>
+          <a:noFill/>
+        </p:spPr>
+        <p:txBody>
+          <a:bodyPr wrap="none" rtlCol="0" anchor="ctr">
+            <a:spAutoFit/>
+          </a:bodyPr>
+          <a:lstStyle/>
+          <a:p>
+            <a:pPr algn="ctr"/>
+            <a:r>
+              <a:rPr lang="en-US" altLang="ko-KR" sz="2800" dirty="0"/>
+              <a:t>-</a:t>
+            </a:r>
+            <a:endParaRPr lang="ko-KR" altLang="en-US" sz="2800" dirty="0"/>
+          </a:p>
+        </p:txBody>
+      </p:sp>
+      <p:sp>
+        <p:nvSpPr>
+          <p:cNvPr id="35" name="TextBox 34">
+            <a:extLst>
+              <a:ext uri="{FF2B5EF4-FFF2-40B4-BE49-F238E27FC236}">
+                <a16:creationId xmlns:a16="http://schemas.microsoft.com/office/drawing/2014/main" id="{03ADA3B6-5DD7-4A0E-9F82-235D39B06CAD}"/>
+              </a:ext>
+            </a:extLst>
+          </p:cNvPr>
+          <p:cNvSpPr txBox="1"/>
+          <p:nvPr/>
+        </p:nvSpPr>
+        <p:spPr>
+          <a:xfrm>
+            <a:off x="5713373" y="3516088"/>
+            <a:ext cx="543740" cy="523220"/>
+          </a:xfrm>
+          <a:prstGeom prst="rect">
+            <a:avLst/>
+          </a:prstGeom>
+          <a:noFill/>
+        </p:spPr>
+        <p:txBody>
+          <a:bodyPr wrap="none" rtlCol="0" anchor="ctr">
+            <a:spAutoFit/>
+          </a:bodyPr>
+          <a:lstStyle/>
+          <a:p>
+            <a:pPr algn="ctr"/>
+            <a:r>
+              <a:rPr lang="ko-KR" altLang="en-US" sz="2800" dirty="0"/>
+              <a:t>▲</a:t>
+            </a:r>
+          </a:p>
+        </p:txBody>
+      </p:sp>
+      <p:sp>
+        <p:nvSpPr>
+          <p:cNvPr id="36" name="TextBox 35">
+            <a:extLst>
+              <a:ext uri="{FF2B5EF4-FFF2-40B4-BE49-F238E27FC236}">
+                <a16:creationId xmlns:a16="http://schemas.microsoft.com/office/drawing/2014/main" id="{E0D33BCD-4207-4D60-BD4A-E99A3202B09A}"/>
+              </a:ext>
+            </a:extLst>
+          </p:cNvPr>
+          <p:cNvSpPr txBox="1"/>
+          <p:nvPr/>
+        </p:nvSpPr>
+        <p:spPr>
+          <a:xfrm>
+            <a:off x="5794325" y="4151928"/>
+            <a:ext cx="381835" cy="523220"/>
+          </a:xfrm>
+          <a:prstGeom prst="rect">
+            <a:avLst/>
+          </a:prstGeom>
+          <a:noFill/>
+        </p:spPr>
+        <p:txBody>
+          <a:bodyPr wrap="none" rtlCol="0" anchor="ctr">
+            <a:spAutoFit/>
+          </a:bodyPr>
+          <a:lstStyle/>
+          <a:p>
+            <a:pPr algn="ctr"/>
+            <a:r>
+              <a:rPr lang="en-US" altLang="ko-KR" sz="2800" dirty="0"/>
+              <a:t>0</a:t>
+            </a:r>
+            <a:endParaRPr lang="ko-KR" altLang="en-US" sz="2800" dirty="0"/>
+          </a:p>
+        </p:txBody>
+      </p:sp>
+      <p:sp>
+        <p:nvSpPr>
+          <p:cNvPr id="38" name="TextBox 37">
+            <a:extLst>
+              <a:ext uri="{FF2B5EF4-FFF2-40B4-BE49-F238E27FC236}">
+                <a16:creationId xmlns:a16="http://schemas.microsoft.com/office/drawing/2014/main" id="{B0679E40-9E97-4B74-9C7D-BC84F520AFDC}"/>
+              </a:ext>
+            </a:extLst>
+          </p:cNvPr>
+          <p:cNvSpPr txBox="1"/>
+          <p:nvPr/>
+        </p:nvSpPr>
+        <p:spPr>
+          <a:xfrm>
+            <a:off x="7446487" y="1608568"/>
+            <a:ext cx="332142" cy="523220"/>
+          </a:xfrm>
+          <a:prstGeom prst="rect">
+            <a:avLst/>
+          </a:prstGeom>
+          <a:noFill/>
+        </p:spPr>
+        <p:txBody>
+          <a:bodyPr wrap="none" rtlCol="0" anchor="ctr">
+            <a:spAutoFit/>
+          </a:bodyPr>
+          <a:lstStyle/>
+          <a:p>
+            <a:pPr algn="ctr"/>
+            <a:r>
+              <a:rPr lang="en-US" altLang="ko-KR" sz="2800" dirty="0"/>
+              <a:t>-</a:t>
+            </a:r>
+            <a:endParaRPr lang="ko-KR" altLang="en-US" sz="2800" dirty="0"/>
+          </a:p>
+        </p:txBody>
+      </p:sp>
+      <p:sp>
+        <p:nvSpPr>
+          <p:cNvPr id="39" name="TextBox 38">
+            <a:extLst>
+              <a:ext uri="{FF2B5EF4-FFF2-40B4-BE49-F238E27FC236}">
+                <a16:creationId xmlns:a16="http://schemas.microsoft.com/office/drawing/2014/main" id="{364E99E8-A09C-4B3D-BEEE-5D23EC68C987}"/>
+              </a:ext>
+            </a:extLst>
+          </p:cNvPr>
+          <p:cNvSpPr txBox="1"/>
+          <p:nvPr/>
+        </p:nvSpPr>
+        <p:spPr>
+          <a:xfrm>
+            <a:off x="7446486" y="2244408"/>
+            <a:ext cx="332142" cy="523220"/>
+          </a:xfrm>
+          <a:prstGeom prst="rect">
+            <a:avLst/>
+          </a:prstGeom>
+          <a:noFill/>
+        </p:spPr>
+        <p:txBody>
+          <a:bodyPr wrap="none" rtlCol="0" anchor="ctr">
+            <a:spAutoFit/>
+          </a:bodyPr>
+          <a:lstStyle/>
+          <a:p>
+            <a:pPr algn="ctr"/>
+            <a:r>
+              <a:rPr lang="en-US" altLang="ko-KR" sz="2800" dirty="0"/>
+              <a:t>-</a:t>
+            </a:r>
+            <a:endParaRPr lang="ko-KR" altLang="en-US" sz="2800" dirty="0"/>
+          </a:p>
+        </p:txBody>
+      </p:sp>
+      <p:sp>
+        <p:nvSpPr>
+          <p:cNvPr id="40" name="TextBox 39">
+            <a:extLst>
+              <a:ext uri="{FF2B5EF4-FFF2-40B4-BE49-F238E27FC236}">
+                <a16:creationId xmlns:a16="http://schemas.microsoft.com/office/drawing/2014/main" id="{C15776E0-C9E5-41A0-90EC-ED193AE8E9A2}"/>
+              </a:ext>
+            </a:extLst>
+          </p:cNvPr>
+          <p:cNvSpPr txBox="1"/>
+          <p:nvPr/>
+        </p:nvSpPr>
+        <p:spPr>
+          <a:xfrm>
+            <a:off x="7446487" y="2880248"/>
+            <a:ext cx="332142" cy="523220"/>
+          </a:xfrm>
+          <a:prstGeom prst="rect">
+            <a:avLst/>
+          </a:prstGeom>
+          <a:noFill/>
+        </p:spPr>
+        <p:txBody>
+          <a:bodyPr wrap="none" rtlCol="0" anchor="ctr">
+            <a:spAutoFit/>
+          </a:bodyPr>
+          <a:lstStyle/>
+          <a:p>
+            <a:pPr algn="ctr"/>
+            <a:r>
+              <a:rPr lang="en-US" altLang="ko-KR" sz="2800" dirty="0"/>
+              <a:t>-</a:t>
+            </a:r>
+            <a:endParaRPr lang="ko-KR" altLang="en-US" sz="2800" dirty="0"/>
+          </a:p>
+        </p:txBody>
+      </p:sp>
+      <p:sp>
+        <p:nvSpPr>
+          <p:cNvPr id="41" name="TextBox 40">
+            <a:extLst>
+              <a:ext uri="{FF2B5EF4-FFF2-40B4-BE49-F238E27FC236}">
+                <a16:creationId xmlns:a16="http://schemas.microsoft.com/office/drawing/2014/main" id="{5833ED93-0BC9-4777-BECA-C9478AC8027A}"/>
+              </a:ext>
+            </a:extLst>
+          </p:cNvPr>
+          <p:cNvSpPr txBox="1"/>
+          <p:nvPr/>
+        </p:nvSpPr>
+        <p:spPr>
+          <a:xfrm>
+            <a:off x="7446487" y="3516088"/>
+            <a:ext cx="332142" cy="523220"/>
+          </a:xfrm>
+          <a:prstGeom prst="rect">
+            <a:avLst/>
+          </a:prstGeom>
+          <a:noFill/>
+        </p:spPr>
+        <p:txBody>
+          <a:bodyPr wrap="none" rtlCol="0" anchor="ctr">
+            <a:spAutoFit/>
+          </a:bodyPr>
+          <a:lstStyle/>
+          <a:p>
+            <a:pPr algn="ctr"/>
+            <a:r>
+              <a:rPr lang="en-US" altLang="ko-KR" sz="2800" dirty="0"/>
+              <a:t>-</a:t>
+            </a:r>
+            <a:endParaRPr lang="ko-KR" altLang="en-US" sz="2800" dirty="0"/>
+          </a:p>
+        </p:txBody>
+      </p:sp>
+      <p:sp>
+        <p:nvSpPr>
+          <p:cNvPr id="42" name="TextBox 41">
+            <a:extLst>
+              <a:ext uri="{FF2B5EF4-FFF2-40B4-BE49-F238E27FC236}">
+                <a16:creationId xmlns:a16="http://schemas.microsoft.com/office/drawing/2014/main" id="{0B54336C-54D2-4BC3-81A0-224422FF32CB}"/>
+              </a:ext>
+            </a:extLst>
+          </p:cNvPr>
+          <p:cNvSpPr txBox="1"/>
+          <p:nvPr/>
+        </p:nvSpPr>
+        <p:spPr>
+          <a:xfrm>
+            <a:off x="7340689" y="4151928"/>
+            <a:ext cx="543740" cy="523220"/>
+          </a:xfrm>
+          <a:prstGeom prst="rect">
+            <a:avLst/>
+          </a:prstGeom>
+          <a:noFill/>
+        </p:spPr>
+        <p:txBody>
+          <a:bodyPr wrap="none" rtlCol="0" anchor="ctr">
+            <a:spAutoFit/>
+          </a:bodyPr>
+          <a:lstStyle/>
+          <a:p>
+            <a:pPr algn="ctr"/>
+            <a:r>
+              <a:rPr lang="ko-KR" altLang="en-US" sz="2800" dirty="0"/>
+              <a:t>▲</a:t>
+            </a:r>
+          </a:p>
+        </p:txBody>
+      </p:sp>
+      <p:sp>
+        <p:nvSpPr>
+          <p:cNvPr id="45" name="TextBox 44">
+            <a:extLst>
+              <a:ext uri="{FF2B5EF4-FFF2-40B4-BE49-F238E27FC236}">
+                <a16:creationId xmlns:a16="http://schemas.microsoft.com/office/drawing/2014/main" id="{2DE82AF6-A0E8-49D0-827D-E73A55F68FC1}"/>
+              </a:ext>
+            </a:extLst>
+          </p:cNvPr>
+          <p:cNvSpPr txBox="1"/>
+          <p:nvPr/>
+        </p:nvSpPr>
+        <p:spPr>
+          <a:xfrm>
+            <a:off x="7942815" y="1608568"/>
+            <a:ext cx="332142" cy="523220"/>
+          </a:xfrm>
+          <a:prstGeom prst="rect">
+            <a:avLst/>
+          </a:prstGeom>
+          <a:noFill/>
+        </p:spPr>
+        <p:txBody>
+          <a:bodyPr wrap="none" rtlCol="0" anchor="ctr">
+            <a:spAutoFit/>
+          </a:bodyPr>
+          <a:lstStyle/>
+          <a:p>
+            <a:pPr algn="ctr"/>
+            <a:r>
+              <a:rPr lang="en-US" altLang="ko-KR" sz="2800" dirty="0"/>
+              <a:t>-</a:t>
+            </a:r>
+            <a:endParaRPr lang="ko-KR" altLang="en-US" sz="2800" dirty="0"/>
+          </a:p>
+        </p:txBody>
+      </p:sp>
+      <p:sp>
+        <p:nvSpPr>
+          <p:cNvPr id="46" name="TextBox 45">
+            <a:extLst>
+              <a:ext uri="{FF2B5EF4-FFF2-40B4-BE49-F238E27FC236}">
+                <a16:creationId xmlns:a16="http://schemas.microsoft.com/office/drawing/2014/main" id="{DB1A34F2-31F8-463D-A344-14D2069A3DBA}"/>
+              </a:ext>
+            </a:extLst>
+          </p:cNvPr>
+          <p:cNvSpPr txBox="1"/>
+          <p:nvPr/>
+        </p:nvSpPr>
+        <p:spPr>
+          <a:xfrm>
+            <a:off x="7942814" y="2244408"/>
+            <a:ext cx="332142" cy="523220"/>
+          </a:xfrm>
+          <a:prstGeom prst="rect">
+            <a:avLst/>
+          </a:prstGeom>
+          <a:noFill/>
+        </p:spPr>
+        <p:txBody>
+          <a:bodyPr wrap="none" rtlCol="0" anchor="ctr">
+            <a:spAutoFit/>
+          </a:bodyPr>
+          <a:lstStyle/>
+          <a:p>
+            <a:pPr algn="ctr"/>
+            <a:r>
+              <a:rPr lang="en-US" altLang="ko-KR" sz="2800" dirty="0"/>
+              <a:t>-</a:t>
+            </a:r>
+            <a:endParaRPr lang="ko-KR" altLang="en-US" sz="2800" dirty="0"/>
+          </a:p>
+        </p:txBody>
+      </p:sp>
+      <p:sp>
+        <p:nvSpPr>
+          <p:cNvPr id="47" name="TextBox 46">
+            <a:extLst>
+              <a:ext uri="{FF2B5EF4-FFF2-40B4-BE49-F238E27FC236}">
+                <a16:creationId xmlns:a16="http://schemas.microsoft.com/office/drawing/2014/main" id="{949B3861-2E42-42D5-BAFB-F97BEE0E038B}"/>
+              </a:ext>
+            </a:extLst>
+          </p:cNvPr>
+          <p:cNvSpPr txBox="1"/>
+          <p:nvPr/>
+        </p:nvSpPr>
+        <p:spPr>
+          <a:xfrm>
+            <a:off x="7942815" y="2880248"/>
+            <a:ext cx="332142" cy="523220"/>
+          </a:xfrm>
+          <a:prstGeom prst="rect">
+            <a:avLst/>
+          </a:prstGeom>
+          <a:noFill/>
+        </p:spPr>
+        <p:txBody>
+          <a:bodyPr wrap="none" rtlCol="0" anchor="ctr">
+            <a:spAutoFit/>
+          </a:bodyPr>
+          <a:lstStyle/>
+          <a:p>
+            <a:pPr algn="ctr"/>
+            <a:r>
+              <a:rPr lang="en-US" altLang="ko-KR" sz="2800" dirty="0"/>
+              <a:t>-</a:t>
+            </a:r>
+            <a:endParaRPr lang="ko-KR" altLang="en-US" sz="2800" dirty="0"/>
+          </a:p>
+        </p:txBody>
+      </p:sp>
+      <p:sp>
+        <p:nvSpPr>
+          <p:cNvPr id="48" name="TextBox 47">
+            <a:extLst>
+              <a:ext uri="{FF2B5EF4-FFF2-40B4-BE49-F238E27FC236}">
+                <a16:creationId xmlns:a16="http://schemas.microsoft.com/office/drawing/2014/main" id="{D8C31931-2FC7-41F8-820E-70A0A6B9F179}"/>
+              </a:ext>
+            </a:extLst>
+          </p:cNvPr>
+          <p:cNvSpPr txBox="1"/>
+          <p:nvPr/>
+        </p:nvSpPr>
+        <p:spPr>
+          <a:xfrm>
+            <a:off x="7942815" y="3516088"/>
+            <a:ext cx="332142" cy="523220"/>
+          </a:xfrm>
+          <a:prstGeom prst="rect">
+            <a:avLst/>
+          </a:prstGeom>
+          <a:noFill/>
+        </p:spPr>
+        <p:txBody>
+          <a:bodyPr wrap="none" rtlCol="0" anchor="ctr">
+            <a:spAutoFit/>
+          </a:bodyPr>
+          <a:lstStyle/>
+          <a:p>
+            <a:pPr algn="ctr"/>
+            <a:r>
+              <a:rPr lang="en-US" altLang="ko-KR" sz="2800" dirty="0"/>
+              <a:t>-</a:t>
+            </a:r>
+            <a:endParaRPr lang="ko-KR" altLang="en-US" sz="2800" dirty="0"/>
+          </a:p>
+        </p:txBody>
+      </p:sp>
+      <p:sp>
+        <p:nvSpPr>
+          <p:cNvPr id="49" name="TextBox 48">
+            <a:extLst>
+              <a:ext uri="{FF2B5EF4-FFF2-40B4-BE49-F238E27FC236}">
+                <a16:creationId xmlns:a16="http://schemas.microsoft.com/office/drawing/2014/main" id="{9CDD0A07-C504-4B48-925A-F9A6BA21FB98}"/>
+              </a:ext>
+            </a:extLst>
+          </p:cNvPr>
+          <p:cNvSpPr txBox="1"/>
+          <p:nvPr/>
+        </p:nvSpPr>
+        <p:spPr>
+          <a:xfrm>
+            <a:off x="7942815" y="4151928"/>
+            <a:ext cx="332142" cy="523220"/>
+          </a:xfrm>
+          <a:prstGeom prst="rect">
+            <a:avLst/>
+          </a:prstGeom>
+          <a:noFill/>
+        </p:spPr>
+        <p:txBody>
+          <a:bodyPr wrap="none" rtlCol="0" anchor="ctr">
+            <a:spAutoFit/>
+          </a:bodyPr>
+          <a:lstStyle/>
+          <a:p>
+            <a:pPr algn="ctr"/>
+            <a:r>
+              <a:rPr lang="en-US" altLang="ko-KR" sz="2800" dirty="0"/>
+              <a:t>-</a:t>
+            </a:r>
+            <a:endParaRPr lang="ko-KR" altLang="en-US" sz="2800" dirty="0"/>
+          </a:p>
+        </p:txBody>
+      </p:sp>
+      <p:sp>
+        <p:nvSpPr>
+          <p:cNvPr id="50" name="TextBox 49">
+            <a:extLst>
+              <a:ext uri="{FF2B5EF4-FFF2-40B4-BE49-F238E27FC236}">
+                <a16:creationId xmlns:a16="http://schemas.microsoft.com/office/drawing/2014/main" id="{A9ECA51C-C425-4946-BF9F-09407F2FBA4C}"/>
+              </a:ext>
+            </a:extLst>
+          </p:cNvPr>
+          <p:cNvSpPr txBox="1"/>
+          <p:nvPr/>
+        </p:nvSpPr>
+        <p:spPr>
+          <a:xfrm>
+            <a:off x="6348090" y="1608568"/>
+            <a:ext cx="332142" cy="523220"/>
+          </a:xfrm>
+          <a:prstGeom prst="rect">
+            <a:avLst/>
+          </a:prstGeom>
+          <a:noFill/>
+        </p:spPr>
+        <p:txBody>
+          <a:bodyPr wrap="none" rtlCol="0" anchor="ctr">
+            <a:spAutoFit/>
+          </a:bodyPr>
+          <a:lstStyle/>
+          <a:p>
+            <a:pPr algn="ctr"/>
+            <a:r>
+              <a:rPr lang="en-US" altLang="ko-KR" sz="2800" dirty="0"/>
+              <a:t>-</a:t>
+            </a:r>
+            <a:endParaRPr lang="ko-KR" altLang="en-US" sz="2800" dirty="0"/>
+          </a:p>
+        </p:txBody>
+      </p:sp>
+      <p:sp>
+        <p:nvSpPr>
+          <p:cNvPr id="51" name="TextBox 50">
+            <a:extLst>
+              <a:ext uri="{FF2B5EF4-FFF2-40B4-BE49-F238E27FC236}">
+                <a16:creationId xmlns:a16="http://schemas.microsoft.com/office/drawing/2014/main" id="{55787D8D-9ED1-4999-A251-58AA218BB274}"/>
+              </a:ext>
+            </a:extLst>
+          </p:cNvPr>
+          <p:cNvSpPr txBox="1"/>
+          <p:nvPr/>
+        </p:nvSpPr>
+        <p:spPr>
+          <a:xfrm>
+            <a:off x="6348089" y="2244408"/>
+            <a:ext cx="332142" cy="523220"/>
+          </a:xfrm>
+          <a:prstGeom prst="rect">
+            <a:avLst/>
+          </a:prstGeom>
+          <a:noFill/>
+        </p:spPr>
+        <p:txBody>
+          <a:bodyPr wrap="none" rtlCol="0" anchor="ctr">
+            <a:spAutoFit/>
+          </a:bodyPr>
+          <a:lstStyle/>
+          <a:p>
+            <a:pPr algn="ctr"/>
+            <a:r>
+              <a:rPr lang="en-US" altLang="ko-KR" sz="2800" dirty="0"/>
+              <a:t>-</a:t>
+            </a:r>
+            <a:endParaRPr lang="ko-KR" altLang="en-US" sz="2800" dirty="0"/>
+          </a:p>
+        </p:txBody>
+      </p:sp>
+      <p:sp>
+        <p:nvSpPr>
+          <p:cNvPr id="52" name="TextBox 51">
+            <a:extLst>
+              <a:ext uri="{FF2B5EF4-FFF2-40B4-BE49-F238E27FC236}">
+                <a16:creationId xmlns:a16="http://schemas.microsoft.com/office/drawing/2014/main" id="{7246F523-EC24-4694-AB85-D279B6B61AE7}"/>
+              </a:ext>
+            </a:extLst>
+          </p:cNvPr>
+          <p:cNvSpPr txBox="1"/>
+          <p:nvPr/>
+        </p:nvSpPr>
+        <p:spPr>
+          <a:xfrm>
+            <a:off x="6348090" y="2880248"/>
+            <a:ext cx="332142" cy="523220"/>
+          </a:xfrm>
+          <a:prstGeom prst="rect">
+            <a:avLst/>
+          </a:prstGeom>
+          <a:noFill/>
+        </p:spPr>
+        <p:txBody>
+          <a:bodyPr wrap="none" rtlCol="0" anchor="ctr">
+            <a:spAutoFit/>
+          </a:bodyPr>
+          <a:lstStyle/>
+          <a:p>
+            <a:pPr algn="ctr"/>
+            <a:r>
+              <a:rPr lang="en-US" altLang="ko-KR" sz="2800" dirty="0"/>
+              <a:t>-</a:t>
+            </a:r>
+            <a:endParaRPr lang="ko-KR" altLang="en-US" sz="2800" dirty="0"/>
+          </a:p>
+        </p:txBody>
+      </p:sp>
+      <p:sp>
+        <p:nvSpPr>
+          <p:cNvPr id="53" name="TextBox 52">
+            <a:extLst>
+              <a:ext uri="{FF2B5EF4-FFF2-40B4-BE49-F238E27FC236}">
+                <a16:creationId xmlns:a16="http://schemas.microsoft.com/office/drawing/2014/main" id="{37B73226-5AF4-417B-BB31-A3984DA358DA}"/>
+              </a:ext>
+            </a:extLst>
+          </p:cNvPr>
+          <p:cNvSpPr txBox="1"/>
+          <p:nvPr/>
+        </p:nvSpPr>
+        <p:spPr>
+          <a:xfrm>
+            <a:off x="6368930" y="3577642"/>
+            <a:ext cx="290464" cy="400110"/>
+          </a:xfrm>
+          <a:prstGeom prst="rect">
+            <a:avLst/>
+          </a:prstGeom>
+          <a:noFill/>
+        </p:spPr>
+        <p:txBody>
+          <a:bodyPr wrap="none" rtlCol="0" anchor="ctr">
+            <a:spAutoFit/>
+          </a:bodyPr>
+          <a:lstStyle/>
+          <a:p>
+            <a:pPr algn="ctr"/>
+            <a:r>
+              <a:rPr lang="en-US" altLang="ko-KR" sz="2000" dirty="0"/>
+              <a:t>-</a:t>
+            </a:r>
+            <a:endParaRPr lang="ko-KR" altLang="en-US" sz="2800" dirty="0"/>
+          </a:p>
+        </p:txBody>
+      </p:sp>
+      <p:sp>
+        <p:nvSpPr>
+          <p:cNvPr id="54" name="TextBox 53">
+            <a:extLst>
+              <a:ext uri="{FF2B5EF4-FFF2-40B4-BE49-F238E27FC236}">
+                <a16:creationId xmlns:a16="http://schemas.microsoft.com/office/drawing/2014/main" id="{785D348E-9980-4518-956E-53FAF8C0A198}"/>
+              </a:ext>
+            </a:extLst>
+          </p:cNvPr>
+          <p:cNvSpPr txBox="1"/>
+          <p:nvPr/>
+        </p:nvSpPr>
+        <p:spPr>
+          <a:xfrm>
+            <a:off x="6323244" y="4151928"/>
+            <a:ext cx="381835" cy="523220"/>
+          </a:xfrm>
+          <a:prstGeom prst="rect">
+            <a:avLst/>
+          </a:prstGeom>
+          <a:noFill/>
+        </p:spPr>
+        <p:txBody>
+          <a:bodyPr wrap="none" rtlCol="0" anchor="ctr">
+            <a:spAutoFit/>
+          </a:bodyPr>
+          <a:lstStyle/>
+          <a:p>
+            <a:pPr algn="ctr"/>
+            <a:r>
+              <a:rPr lang="en-US" altLang="ko-KR" sz="2800" dirty="0"/>
+              <a:t>0</a:t>
+            </a:r>
+            <a:endParaRPr lang="ko-KR" altLang="en-US" sz="2800" dirty="0"/>
+          </a:p>
+        </p:txBody>
+      </p:sp>
+      <p:sp>
+        <p:nvSpPr>
+          <p:cNvPr id="55" name="TextBox 54">
+            <a:extLst>
+              <a:ext uri="{FF2B5EF4-FFF2-40B4-BE49-F238E27FC236}">
+                <a16:creationId xmlns:a16="http://schemas.microsoft.com/office/drawing/2014/main" id="{0FDCA593-B62B-4F17-A809-EEA74578B5CC}"/>
+              </a:ext>
+            </a:extLst>
+          </p:cNvPr>
+          <p:cNvSpPr txBox="1"/>
+          <p:nvPr/>
+        </p:nvSpPr>
+        <p:spPr>
+          <a:xfrm>
+            <a:off x="6921893" y="1608568"/>
+            <a:ext cx="332142" cy="523220"/>
+          </a:xfrm>
+          <a:prstGeom prst="rect">
+            <a:avLst/>
+          </a:prstGeom>
+          <a:noFill/>
+        </p:spPr>
+        <p:txBody>
+          <a:bodyPr wrap="none" rtlCol="0" anchor="ctr">
+            <a:spAutoFit/>
+          </a:bodyPr>
+          <a:lstStyle/>
+          <a:p>
+            <a:pPr algn="ctr"/>
+            <a:r>
+              <a:rPr lang="en-US" altLang="ko-KR" sz="2800" dirty="0"/>
+              <a:t>-</a:t>
+            </a:r>
+            <a:endParaRPr lang="ko-KR" altLang="en-US" sz="2800" dirty="0"/>
+          </a:p>
+        </p:txBody>
+      </p:sp>
+      <p:sp>
+        <p:nvSpPr>
+          <p:cNvPr id="56" name="TextBox 55">
+            <a:extLst>
+              <a:ext uri="{FF2B5EF4-FFF2-40B4-BE49-F238E27FC236}">
+                <a16:creationId xmlns:a16="http://schemas.microsoft.com/office/drawing/2014/main" id="{FA7415B3-09A3-4F4A-90BE-D2862DCEC34A}"/>
+              </a:ext>
+            </a:extLst>
+          </p:cNvPr>
+          <p:cNvSpPr txBox="1"/>
+          <p:nvPr/>
+        </p:nvSpPr>
+        <p:spPr>
+          <a:xfrm>
+            <a:off x="6921892" y="2244408"/>
+            <a:ext cx="332142" cy="523220"/>
+          </a:xfrm>
+          <a:prstGeom prst="rect">
+            <a:avLst/>
+          </a:prstGeom>
+          <a:noFill/>
+        </p:spPr>
+        <p:txBody>
+          <a:bodyPr wrap="none" rtlCol="0" anchor="ctr">
+            <a:spAutoFit/>
+          </a:bodyPr>
+          <a:lstStyle/>
+          <a:p>
+            <a:pPr algn="ctr"/>
+            <a:r>
+              <a:rPr lang="en-US" altLang="ko-KR" sz="2800" dirty="0"/>
+              <a:t>-</a:t>
+            </a:r>
+            <a:endParaRPr lang="ko-KR" altLang="en-US" sz="2800" dirty="0"/>
+          </a:p>
+        </p:txBody>
+      </p:sp>
+      <p:sp>
+        <p:nvSpPr>
+          <p:cNvPr id="57" name="TextBox 56">
+            <a:extLst>
+              <a:ext uri="{FF2B5EF4-FFF2-40B4-BE49-F238E27FC236}">
+                <a16:creationId xmlns:a16="http://schemas.microsoft.com/office/drawing/2014/main" id="{00C4B18D-18C8-4A30-AD71-42EC99135D27}"/>
+              </a:ext>
+            </a:extLst>
+          </p:cNvPr>
+          <p:cNvSpPr txBox="1"/>
+          <p:nvPr/>
+        </p:nvSpPr>
+        <p:spPr>
+          <a:xfrm>
+            <a:off x="6921893" y="2880248"/>
+            <a:ext cx="332142" cy="523220"/>
+          </a:xfrm>
+          <a:prstGeom prst="rect">
+            <a:avLst/>
+          </a:prstGeom>
+          <a:noFill/>
+        </p:spPr>
+        <p:txBody>
+          <a:bodyPr wrap="none" rtlCol="0" anchor="ctr">
+            <a:spAutoFit/>
+          </a:bodyPr>
+          <a:lstStyle/>
+          <a:p>
+            <a:pPr algn="ctr"/>
+            <a:r>
+              <a:rPr lang="en-US" altLang="ko-KR" sz="2800" dirty="0"/>
+              <a:t>-</a:t>
+            </a:r>
+            <a:endParaRPr lang="ko-KR" altLang="en-US" sz="2800" dirty="0"/>
+          </a:p>
+        </p:txBody>
+      </p:sp>
+      <p:sp>
+        <p:nvSpPr>
+          <p:cNvPr id="58" name="TextBox 57">
+            <a:extLst>
+              <a:ext uri="{FF2B5EF4-FFF2-40B4-BE49-F238E27FC236}">
+                <a16:creationId xmlns:a16="http://schemas.microsoft.com/office/drawing/2014/main" id="{D39CE8D5-65A0-4619-85EA-29EB83B11044}"/>
+              </a:ext>
+            </a:extLst>
+          </p:cNvPr>
+          <p:cNvSpPr txBox="1"/>
+          <p:nvPr/>
+        </p:nvSpPr>
+        <p:spPr>
+          <a:xfrm>
+            <a:off x="6919489" y="3516088"/>
+            <a:ext cx="336951" cy="523220"/>
+          </a:xfrm>
+          <a:prstGeom prst="rect">
+            <a:avLst/>
+          </a:prstGeom>
+          <a:noFill/>
+        </p:spPr>
+        <p:txBody>
+          <a:bodyPr wrap="none" rtlCol="0" anchor="ctr">
+            <a:spAutoFit/>
+          </a:bodyPr>
+          <a:lstStyle/>
+          <a:p>
+            <a:pPr algn="ctr"/>
+            <a:r>
+              <a:rPr lang="en-US" altLang="ko-KR" sz="2800" dirty="0"/>
+              <a:t>-</a:t>
+            </a:r>
+            <a:endParaRPr lang="ko-KR" altLang="en-US" sz="2800" dirty="0"/>
+          </a:p>
+        </p:txBody>
+      </p:sp>
+      <p:sp>
+        <p:nvSpPr>
+          <p:cNvPr id="59" name="TextBox 58">
+            <a:extLst>
+              <a:ext uri="{FF2B5EF4-FFF2-40B4-BE49-F238E27FC236}">
+                <a16:creationId xmlns:a16="http://schemas.microsoft.com/office/drawing/2014/main" id="{61A1AAC2-E01E-4B68-9105-5902040CE611}"/>
+              </a:ext>
+            </a:extLst>
+          </p:cNvPr>
+          <p:cNvSpPr txBox="1"/>
+          <p:nvPr/>
+        </p:nvSpPr>
+        <p:spPr>
+          <a:xfrm>
+            <a:off x="6897047" y="4151928"/>
+            <a:ext cx="381835" cy="523220"/>
+          </a:xfrm>
+          <a:prstGeom prst="rect">
+            <a:avLst/>
+          </a:prstGeom>
+          <a:noFill/>
+        </p:spPr>
+        <p:txBody>
+          <a:bodyPr wrap="none" rtlCol="0" anchor="ctr">
+            <a:spAutoFit/>
+          </a:bodyPr>
+          <a:lstStyle/>
+          <a:p>
+            <a:pPr algn="ctr"/>
+            <a:r>
+              <a:rPr lang="en-US" altLang="ko-KR" sz="2800" dirty="0"/>
+              <a:t>0</a:t>
+            </a:r>
+            <a:endParaRPr lang="ko-KR" altLang="en-US" sz="2800" dirty="0"/>
+          </a:p>
+        </p:txBody>
+      </p:sp>
+      <p:sp>
+        <p:nvSpPr>
+          <p:cNvPr id="60" name="TextBox 59">
+            <a:extLst>
+              <a:ext uri="{FF2B5EF4-FFF2-40B4-BE49-F238E27FC236}">
+                <a16:creationId xmlns:a16="http://schemas.microsoft.com/office/drawing/2014/main" id="{ECDFC2DA-CC33-4844-8147-B9CFD9F1866A}"/>
+              </a:ext>
+            </a:extLst>
+          </p:cNvPr>
+          <p:cNvSpPr txBox="1"/>
+          <p:nvPr/>
+        </p:nvSpPr>
+        <p:spPr>
+          <a:xfrm>
+            <a:off x="4004017" y="4726212"/>
+            <a:ext cx="381835" cy="523220"/>
+          </a:xfrm>
+          <a:prstGeom prst="rect">
+            <a:avLst/>
+          </a:prstGeom>
+          <a:noFill/>
+        </p:spPr>
+        <p:txBody>
+          <a:bodyPr wrap="none" rtlCol="0" anchor="ctr">
+            <a:spAutoFit/>
+          </a:bodyPr>
+          <a:lstStyle/>
+          <a:p>
+            <a:pPr algn="ctr"/>
+            <a:r>
+              <a:rPr lang="en-US" altLang="ko-KR" sz="2800" dirty="0"/>
+              <a:t>0</a:t>
+            </a:r>
+            <a:endParaRPr lang="ko-KR" altLang="en-US" sz="2800" dirty="0"/>
+          </a:p>
+        </p:txBody>
+      </p:sp>
+      <p:sp>
+        <p:nvSpPr>
+          <p:cNvPr id="61" name="TextBox 60">
+            <a:extLst>
+              <a:ext uri="{FF2B5EF4-FFF2-40B4-BE49-F238E27FC236}">
+                <a16:creationId xmlns:a16="http://schemas.microsoft.com/office/drawing/2014/main" id="{95D8FD8B-B8B4-4B61-B289-3A7353D81078}"/>
+              </a:ext>
+            </a:extLst>
+          </p:cNvPr>
+          <p:cNvSpPr txBox="1"/>
+          <p:nvPr/>
+        </p:nvSpPr>
+        <p:spPr>
+          <a:xfrm>
+            <a:off x="4600786" y="4726212"/>
+            <a:ext cx="381835" cy="523220"/>
+          </a:xfrm>
+          <a:prstGeom prst="rect">
+            <a:avLst/>
+          </a:prstGeom>
+          <a:noFill/>
+        </p:spPr>
+        <p:txBody>
+          <a:bodyPr wrap="none" rtlCol="0" anchor="ctr">
+            <a:spAutoFit/>
+          </a:bodyPr>
+          <a:lstStyle/>
+          <a:p>
+            <a:pPr algn="ctr"/>
+            <a:r>
+              <a:rPr lang="en-US" altLang="ko-KR" sz="2800" dirty="0"/>
+              <a:t>0</a:t>
+            </a:r>
+            <a:endParaRPr lang="ko-KR" altLang="en-US" sz="2800" dirty="0"/>
+          </a:p>
+        </p:txBody>
+      </p:sp>
+      <p:sp>
+        <p:nvSpPr>
+          <p:cNvPr id="62" name="TextBox 61">
+            <a:extLst>
+              <a:ext uri="{FF2B5EF4-FFF2-40B4-BE49-F238E27FC236}">
+                <a16:creationId xmlns:a16="http://schemas.microsoft.com/office/drawing/2014/main" id="{B0314713-63C7-43FD-87B5-3FD8A8F977DC}"/>
+              </a:ext>
+            </a:extLst>
+          </p:cNvPr>
+          <p:cNvSpPr txBox="1"/>
+          <p:nvPr/>
+        </p:nvSpPr>
+        <p:spPr>
+          <a:xfrm>
+            <a:off x="5197555" y="4726212"/>
+            <a:ext cx="381835" cy="523220"/>
+          </a:xfrm>
+          <a:prstGeom prst="rect">
+            <a:avLst/>
+          </a:prstGeom>
+          <a:noFill/>
+        </p:spPr>
+        <p:txBody>
+          <a:bodyPr wrap="none" rtlCol="0" anchor="ctr">
+            <a:spAutoFit/>
+          </a:bodyPr>
+          <a:lstStyle/>
+          <a:p>
+            <a:pPr algn="ctr"/>
+            <a:r>
+              <a:rPr lang="en-US" altLang="ko-KR" sz="2800" dirty="0"/>
+              <a:t>0</a:t>
+            </a:r>
+            <a:endParaRPr lang="ko-KR" altLang="en-US" sz="2800" dirty="0"/>
+          </a:p>
+        </p:txBody>
+      </p:sp>
+      <p:sp>
+        <p:nvSpPr>
+          <p:cNvPr id="63" name="TextBox 62">
+            <a:extLst>
+              <a:ext uri="{FF2B5EF4-FFF2-40B4-BE49-F238E27FC236}">
+                <a16:creationId xmlns:a16="http://schemas.microsoft.com/office/drawing/2014/main" id="{F403DCF9-7C65-456B-BAFE-5DDACC83498C}"/>
+              </a:ext>
+            </a:extLst>
+          </p:cNvPr>
+          <p:cNvSpPr txBox="1"/>
+          <p:nvPr/>
+        </p:nvSpPr>
+        <p:spPr>
+          <a:xfrm>
+            <a:off x="5794325" y="4726212"/>
+            <a:ext cx="381835" cy="523220"/>
+          </a:xfrm>
+          <a:prstGeom prst="rect">
+            <a:avLst/>
+          </a:prstGeom>
+          <a:noFill/>
+        </p:spPr>
+        <p:txBody>
+          <a:bodyPr wrap="none" rtlCol="0" anchor="ctr">
+            <a:spAutoFit/>
+          </a:bodyPr>
+          <a:lstStyle/>
+          <a:p>
+            <a:pPr algn="ctr"/>
+            <a:r>
+              <a:rPr lang="en-US" altLang="ko-KR" sz="2800" dirty="0"/>
+              <a:t>0</a:t>
+            </a:r>
+            <a:endParaRPr lang="ko-KR" altLang="en-US" sz="2800" dirty="0"/>
+          </a:p>
+        </p:txBody>
+      </p:sp>
+      <p:sp>
+        <p:nvSpPr>
+          <p:cNvPr id="64" name="TextBox 63">
+            <a:extLst>
+              <a:ext uri="{FF2B5EF4-FFF2-40B4-BE49-F238E27FC236}">
+                <a16:creationId xmlns:a16="http://schemas.microsoft.com/office/drawing/2014/main" id="{932BD6CE-AFB2-4528-9C4A-863BDDAE8122}"/>
+              </a:ext>
+            </a:extLst>
+          </p:cNvPr>
+          <p:cNvSpPr txBox="1"/>
+          <p:nvPr/>
+        </p:nvSpPr>
+        <p:spPr>
+          <a:xfrm>
+            <a:off x="7421641" y="4726212"/>
+            <a:ext cx="381835" cy="523220"/>
+          </a:xfrm>
+          <a:prstGeom prst="rect">
+            <a:avLst/>
+          </a:prstGeom>
+          <a:noFill/>
+        </p:spPr>
+        <p:txBody>
+          <a:bodyPr wrap="none" rtlCol="0" anchor="ctr">
+            <a:spAutoFit/>
+          </a:bodyPr>
+          <a:lstStyle/>
+          <a:p>
+            <a:pPr algn="ctr"/>
+            <a:r>
+              <a:rPr lang="en-US" altLang="ko-KR" sz="2800" dirty="0"/>
+              <a:t>0</a:t>
+            </a:r>
+            <a:endParaRPr lang="ko-KR" altLang="en-US" sz="2800" dirty="0"/>
+          </a:p>
+        </p:txBody>
+      </p:sp>
+      <p:sp>
+        <p:nvSpPr>
+          <p:cNvPr id="65" name="TextBox 64">
+            <a:extLst>
+              <a:ext uri="{FF2B5EF4-FFF2-40B4-BE49-F238E27FC236}">
+                <a16:creationId xmlns:a16="http://schemas.microsoft.com/office/drawing/2014/main" id="{3168B3D8-B14C-4711-941B-89D29183EF3C}"/>
+              </a:ext>
+            </a:extLst>
+          </p:cNvPr>
+          <p:cNvSpPr txBox="1"/>
+          <p:nvPr/>
+        </p:nvSpPr>
+        <p:spPr>
+          <a:xfrm>
+            <a:off x="7917969" y="4726212"/>
+            <a:ext cx="381835" cy="523220"/>
+          </a:xfrm>
+          <a:prstGeom prst="rect">
+            <a:avLst/>
+          </a:prstGeom>
+          <a:noFill/>
+        </p:spPr>
+        <p:txBody>
+          <a:bodyPr wrap="none" rtlCol="0" anchor="ctr">
+            <a:spAutoFit/>
+          </a:bodyPr>
+          <a:lstStyle/>
+          <a:p>
+            <a:pPr algn="ctr"/>
+            <a:r>
+              <a:rPr lang="en-US" altLang="ko-KR" sz="2800" dirty="0"/>
+              <a:t>0</a:t>
+            </a:r>
+            <a:endParaRPr lang="ko-KR" altLang="en-US" sz="2800" dirty="0"/>
+          </a:p>
+        </p:txBody>
+      </p:sp>
+      <p:sp>
+        <p:nvSpPr>
+          <p:cNvPr id="66" name="TextBox 65">
+            <a:extLst>
+              <a:ext uri="{FF2B5EF4-FFF2-40B4-BE49-F238E27FC236}">
+                <a16:creationId xmlns:a16="http://schemas.microsoft.com/office/drawing/2014/main" id="{5A6AB1F3-6B70-4C2D-B1CB-4E98B378EB7D}"/>
+              </a:ext>
+            </a:extLst>
+          </p:cNvPr>
+          <p:cNvSpPr txBox="1"/>
+          <p:nvPr/>
+        </p:nvSpPr>
+        <p:spPr>
+          <a:xfrm>
+            <a:off x="6323244" y="4726212"/>
+            <a:ext cx="381835" cy="523220"/>
+          </a:xfrm>
+          <a:prstGeom prst="rect">
+            <a:avLst/>
+          </a:prstGeom>
+          <a:noFill/>
+        </p:spPr>
+        <p:txBody>
+          <a:bodyPr wrap="none" rtlCol="0" anchor="ctr">
+            <a:spAutoFit/>
+          </a:bodyPr>
+          <a:lstStyle/>
+          <a:p>
+            <a:pPr algn="ctr"/>
+            <a:r>
+              <a:rPr lang="en-US" altLang="ko-KR" sz="2800" dirty="0"/>
+              <a:t>0</a:t>
+            </a:r>
+            <a:endParaRPr lang="ko-KR" altLang="en-US" sz="2800" dirty="0"/>
+          </a:p>
+        </p:txBody>
+      </p:sp>
+      <p:sp>
+        <p:nvSpPr>
+          <p:cNvPr id="67" name="TextBox 66">
+            <a:extLst>
+              <a:ext uri="{FF2B5EF4-FFF2-40B4-BE49-F238E27FC236}">
+                <a16:creationId xmlns:a16="http://schemas.microsoft.com/office/drawing/2014/main" id="{F103C784-26E5-4FBC-A0B3-73FF0422AEEE}"/>
+              </a:ext>
+            </a:extLst>
+          </p:cNvPr>
+          <p:cNvSpPr txBox="1"/>
+          <p:nvPr/>
+        </p:nvSpPr>
+        <p:spPr>
+          <a:xfrm>
+            <a:off x="6897047" y="4726212"/>
+            <a:ext cx="381835" cy="523220"/>
+          </a:xfrm>
+          <a:prstGeom prst="rect">
+            <a:avLst/>
+          </a:prstGeom>
+          <a:noFill/>
+        </p:spPr>
+        <p:txBody>
+          <a:bodyPr wrap="none" rtlCol="0" anchor="ctr">
+            <a:spAutoFit/>
+          </a:bodyPr>
+          <a:lstStyle/>
+          <a:p>
+            <a:pPr algn="ctr"/>
+            <a:r>
+              <a:rPr lang="en-US" altLang="ko-KR" sz="2800" dirty="0"/>
+              <a:t>0</a:t>
+            </a:r>
+            <a:endParaRPr lang="ko-KR" altLang="en-US" sz="2800" dirty="0"/>
+          </a:p>
+        </p:txBody>
+      </p:sp>
+    </p:spTree>
+    <p:extLst>
+      <p:ext uri="{BB962C8B-B14F-4D97-AF65-F5344CB8AC3E}">
+        <p14:creationId xmlns:p14="http://schemas.microsoft.com/office/powerpoint/2010/main" val="250050525"/>
+      </p:ext>
+    </p:extLst>
+  </p:cSld>
+  <p:clrMapOvr>
+    <a:masterClrMapping/>
+  </p:clrMapOvr>
+</p:sld>
+</file>
+
+<file path=ppt/slides/slide3.xml><?xml version="1.0" encoding="utf-8"?>
+<p:sld xmlns:a="http://schemas.openxmlformats.org/drawingml/2006/main" xmlns:r="http://schemas.openxmlformats.org/officeDocument/2006/relationships" xmlns:p="http://schemas.openxmlformats.org/presentationml/2006/main">
+  <p:cSld>
+    <p:spTree>
+      <p:nvGrpSpPr>
+        <p:cNvPr id="1" name=""/>
+        <p:cNvGrpSpPr/>
+        <p:nvPr/>
+      </p:nvGrpSpPr>
+      <p:grpSpPr>
+        <a:xfrm>
+          <a:off x="0" y="0"/>
+          <a:ext cx="0" cy="0"/>
+          <a:chOff x="0" y="0"/>
+          <a:chExt cx="0" cy="0"/>
+        </a:xfrm>
+      </p:grpSpPr>
+      <p:cxnSp>
+        <p:nvCxnSpPr>
+          <p:cNvPr id="6" name="직선 연결선 5">
+            <a:extLst>
+              <a:ext uri="{FF2B5EF4-FFF2-40B4-BE49-F238E27FC236}">
+                <a16:creationId xmlns:a16="http://schemas.microsoft.com/office/drawing/2014/main" id="{31654EA8-B9F1-411B-924F-A39AFFF25FE4}"/>
+              </a:ext>
+            </a:extLst>
+          </p:cNvPr>
+          <p:cNvCxnSpPr>
+            <a:cxnSpLocks/>
+          </p:cNvCxnSpPr>
+          <p:nvPr/>
+        </p:nvCxnSpPr>
+        <p:spPr>
+          <a:xfrm>
+            <a:off x="3620145" y="1718452"/>
+            <a:ext cx="0" cy="3530975"/>
+          </a:xfrm>
+          <a:prstGeom prst="line">
+            <a:avLst/>
+          </a:prstGeom>
+          <a:ln w="19050"/>
+        </p:spPr>
+        <p:style>
+          <a:lnRef idx="1">
+            <a:schemeClr val="dk1"/>
+          </a:lnRef>
+          <a:fillRef idx="0">
+            <a:schemeClr val="dk1"/>
+          </a:fillRef>
+          <a:effectRef idx="0">
+            <a:schemeClr val="dk1"/>
+          </a:effectRef>
+          <a:fontRef idx="minor">
+            <a:schemeClr val="tx1"/>
+          </a:fontRef>
+        </p:style>
+      </p:cxnSp>
+      <p:cxnSp>
+        <p:nvCxnSpPr>
+          <p:cNvPr id="7" name="직선 연결선 6">
+            <a:extLst>
+              <a:ext uri="{FF2B5EF4-FFF2-40B4-BE49-F238E27FC236}">
+                <a16:creationId xmlns:a16="http://schemas.microsoft.com/office/drawing/2014/main" id="{4E07B35E-E95F-4959-B154-E7714662533C}"/>
+              </a:ext>
+            </a:extLst>
+          </p:cNvPr>
+          <p:cNvCxnSpPr/>
+          <p:nvPr/>
+        </p:nvCxnSpPr>
+        <p:spPr>
+          <a:xfrm>
+            <a:off x="3620145" y="1726776"/>
+            <a:ext cx="272051" cy="0"/>
+          </a:xfrm>
+          <a:prstGeom prst="line">
+            <a:avLst/>
+          </a:prstGeom>
+          <a:ln w="19050"/>
+        </p:spPr>
+        <p:style>
+          <a:lnRef idx="1">
+            <a:schemeClr val="dk1"/>
+          </a:lnRef>
+          <a:fillRef idx="0">
+            <a:schemeClr val="dk1"/>
+          </a:fillRef>
+          <a:effectRef idx="0">
+            <a:schemeClr val="dk1"/>
+          </a:effectRef>
+          <a:fontRef idx="minor">
+            <a:schemeClr val="tx1"/>
+          </a:fontRef>
+        </p:style>
+      </p:cxnSp>
+      <p:cxnSp>
+        <p:nvCxnSpPr>
+          <p:cNvPr id="8" name="직선 연결선 7">
+            <a:extLst>
+              <a:ext uri="{FF2B5EF4-FFF2-40B4-BE49-F238E27FC236}">
+                <a16:creationId xmlns:a16="http://schemas.microsoft.com/office/drawing/2014/main" id="{E4FFF66C-C336-47F1-93F9-02E956F4091B}"/>
+              </a:ext>
+            </a:extLst>
+          </p:cNvPr>
+          <p:cNvCxnSpPr/>
+          <p:nvPr/>
+        </p:nvCxnSpPr>
+        <p:spPr>
+          <a:xfrm>
+            <a:off x="3620145" y="5240261"/>
+            <a:ext cx="272051" cy="0"/>
+          </a:xfrm>
+          <a:prstGeom prst="line">
+            <a:avLst/>
+          </a:prstGeom>
+          <a:ln w="19050"/>
+        </p:spPr>
+        <p:style>
+          <a:lnRef idx="1">
+            <a:schemeClr val="dk1"/>
+          </a:lnRef>
+          <a:fillRef idx="0">
+            <a:schemeClr val="dk1"/>
+          </a:fillRef>
+          <a:effectRef idx="0">
+            <a:schemeClr val="dk1"/>
+          </a:effectRef>
+          <a:fontRef idx="minor">
+            <a:schemeClr val="tx1"/>
+          </a:fontRef>
+        </p:style>
+      </p:cxnSp>
+      <p:cxnSp>
+        <p:nvCxnSpPr>
+          <p:cNvPr id="10" name="직선 연결선 9">
+            <a:extLst>
+              <a:ext uri="{FF2B5EF4-FFF2-40B4-BE49-F238E27FC236}">
+                <a16:creationId xmlns:a16="http://schemas.microsoft.com/office/drawing/2014/main" id="{F04DF4A3-A86D-4539-A457-19D81BC14F59}"/>
+              </a:ext>
+            </a:extLst>
+          </p:cNvPr>
+          <p:cNvCxnSpPr/>
+          <p:nvPr/>
+        </p:nvCxnSpPr>
+        <p:spPr>
+          <a:xfrm flipH="1">
+            <a:off x="8571855" y="1718453"/>
+            <a:ext cx="0" cy="3530974"/>
+          </a:xfrm>
+          <a:prstGeom prst="line">
+            <a:avLst/>
+          </a:prstGeom>
+          <a:ln w="19050"/>
+        </p:spPr>
+        <p:style>
+          <a:lnRef idx="1">
+            <a:schemeClr val="dk1"/>
+          </a:lnRef>
+          <a:fillRef idx="0">
+            <a:schemeClr val="dk1"/>
+          </a:fillRef>
+          <a:effectRef idx="0">
+            <a:schemeClr val="dk1"/>
+          </a:effectRef>
+          <a:fontRef idx="minor">
+            <a:schemeClr val="tx1"/>
+          </a:fontRef>
+        </p:style>
+      </p:cxnSp>
+      <p:cxnSp>
+        <p:nvCxnSpPr>
+          <p:cNvPr id="11" name="직선 연결선 10">
+            <a:extLst>
+              <a:ext uri="{FF2B5EF4-FFF2-40B4-BE49-F238E27FC236}">
+                <a16:creationId xmlns:a16="http://schemas.microsoft.com/office/drawing/2014/main" id="{64673F54-A7E0-4DB9-A52F-91F6F84A4C48}"/>
+              </a:ext>
+            </a:extLst>
+          </p:cNvPr>
+          <p:cNvCxnSpPr/>
+          <p:nvPr/>
+        </p:nvCxnSpPr>
+        <p:spPr>
+          <a:xfrm flipH="1">
+            <a:off x="8299804" y="1726776"/>
+            <a:ext cx="272051" cy="0"/>
+          </a:xfrm>
+          <a:prstGeom prst="line">
+            <a:avLst/>
+          </a:prstGeom>
+          <a:ln w="19050"/>
+        </p:spPr>
+        <p:style>
+          <a:lnRef idx="1">
+            <a:schemeClr val="dk1"/>
+          </a:lnRef>
+          <a:fillRef idx="0">
+            <a:schemeClr val="dk1"/>
+          </a:fillRef>
+          <a:effectRef idx="0">
+            <a:schemeClr val="dk1"/>
+          </a:effectRef>
+          <a:fontRef idx="minor">
+            <a:schemeClr val="tx1"/>
+          </a:fontRef>
+        </p:style>
+      </p:cxnSp>
+      <p:cxnSp>
+        <p:nvCxnSpPr>
+          <p:cNvPr id="12" name="직선 연결선 11">
+            <a:extLst>
+              <a:ext uri="{FF2B5EF4-FFF2-40B4-BE49-F238E27FC236}">
+                <a16:creationId xmlns:a16="http://schemas.microsoft.com/office/drawing/2014/main" id="{6AE9AB7F-9042-41D0-8094-A670CFD71A82}"/>
+              </a:ext>
+            </a:extLst>
+          </p:cNvPr>
+          <p:cNvCxnSpPr/>
+          <p:nvPr/>
+        </p:nvCxnSpPr>
+        <p:spPr>
+          <a:xfrm flipH="1">
+            <a:off x="8299804" y="5240261"/>
+            <a:ext cx="272051" cy="0"/>
+          </a:xfrm>
+          <a:prstGeom prst="line">
+            <a:avLst/>
+          </a:prstGeom>
+          <a:ln w="19050"/>
+        </p:spPr>
+        <p:style>
+          <a:lnRef idx="1">
+            <a:schemeClr val="dk1"/>
+          </a:lnRef>
+          <a:fillRef idx="0">
+            <a:schemeClr val="dk1"/>
+          </a:fillRef>
+          <a:effectRef idx="0">
+            <a:schemeClr val="dk1"/>
+          </a:effectRef>
+          <a:fontRef idx="minor">
+            <a:schemeClr val="tx1"/>
+          </a:fontRef>
+        </p:style>
+      </p:cxnSp>
+      <p:sp>
+        <p:nvSpPr>
+          <p:cNvPr id="14" name="TextBox 13">
+            <a:extLst>
+              <a:ext uri="{FF2B5EF4-FFF2-40B4-BE49-F238E27FC236}">
+                <a16:creationId xmlns:a16="http://schemas.microsoft.com/office/drawing/2014/main" id="{E949D324-98A0-40F7-84A4-65067AE1B247}"/>
+              </a:ext>
+            </a:extLst>
+          </p:cNvPr>
+          <p:cNvSpPr txBox="1"/>
+          <p:nvPr/>
+        </p:nvSpPr>
+        <p:spPr>
+          <a:xfrm>
+            <a:off x="3923065" y="1608568"/>
+            <a:ext cx="543740" cy="523220"/>
+          </a:xfrm>
+          <a:prstGeom prst="rect">
+            <a:avLst/>
+          </a:prstGeom>
+          <a:noFill/>
+        </p:spPr>
+        <p:txBody>
+          <a:bodyPr wrap="none" rtlCol="0" anchor="ctr">
+            <a:spAutoFit/>
+          </a:bodyPr>
+          <a:lstStyle/>
+          <a:p>
+            <a:pPr algn="ctr"/>
+            <a:r>
+              <a:rPr lang="ko-KR" altLang="en-US" sz="2800" dirty="0"/>
+              <a:t>▲</a:t>
+            </a:r>
+          </a:p>
+        </p:txBody>
+      </p:sp>
+      <p:sp>
+        <p:nvSpPr>
+          <p:cNvPr id="15" name="TextBox 14">
+            <a:extLst>
+              <a:ext uri="{FF2B5EF4-FFF2-40B4-BE49-F238E27FC236}">
+                <a16:creationId xmlns:a16="http://schemas.microsoft.com/office/drawing/2014/main" id="{5A89365F-595E-448D-8C11-2AD4E3EDA249}"/>
+              </a:ext>
+            </a:extLst>
+          </p:cNvPr>
+          <p:cNvSpPr txBox="1"/>
+          <p:nvPr/>
+        </p:nvSpPr>
+        <p:spPr>
+          <a:xfrm>
+            <a:off x="4004015" y="2244408"/>
+            <a:ext cx="381837" cy="523220"/>
+          </a:xfrm>
+          <a:prstGeom prst="rect">
+            <a:avLst/>
+          </a:prstGeom>
+          <a:noFill/>
+        </p:spPr>
+        <p:txBody>
+          <a:bodyPr wrap="none" rtlCol="0" anchor="ctr">
+            <a:spAutoFit/>
+          </a:bodyPr>
+          <a:lstStyle/>
+          <a:p>
+            <a:pPr algn="ctr"/>
+            <a:r>
+              <a:rPr lang="en-US" altLang="ko-KR" sz="2800" dirty="0"/>
+              <a:t>0</a:t>
+            </a:r>
+            <a:endParaRPr lang="ko-KR" altLang="en-US" sz="2800" dirty="0"/>
+          </a:p>
+        </p:txBody>
+      </p:sp>
+      <p:sp>
+        <p:nvSpPr>
+          <p:cNvPr id="16" name="TextBox 15">
+            <a:extLst>
+              <a:ext uri="{FF2B5EF4-FFF2-40B4-BE49-F238E27FC236}">
+                <a16:creationId xmlns:a16="http://schemas.microsoft.com/office/drawing/2014/main" id="{C2D93AB9-1EB8-4A18-BEA3-CB6A1473383E}"/>
+              </a:ext>
+            </a:extLst>
+          </p:cNvPr>
+          <p:cNvSpPr txBox="1"/>
+          <p:nvPr/>
+        </p:nvSpPr>
+        <p:spPr>
+          <a:xfrm>
+            <a:off x="4004017" y="2880248"/>
+            <a:ext cx="381835" cy="523220"/>
+          </a:xfrm>
+          <a:prstGeom prst="rect">
+            <a:avLst/>
+          </a:prstGeom>
+          <a:noFill/>
+        </p:spPr>
+        <p:txBody>
+          <a:bodyPr wrap="none" rtlCol="0" anchor="ctr">
+            <a:spAutoFit/>
+          </a:bodyPr>
+          <a:lstStyle/>
+          <a:p>
+            <a:pPr algn="ctr"/>
+            <a:r>
+              <a:rPr lang="en-US" altLang="ko-KR" sz="2800" dirty="0"/>
+              <a:t>0</a:t>
+            </a:r>
+            <a:endParaRPr lang="ko-KR" altLang="en-US" sz="2800" dirty="0"/>
+          </a:p>
+        </p:txBody>
+      </p:sp>
+      <p:sp>
+        <p:nvSpPr>
+          <p:cNvPr id="17" name="TextBox 16">
+            <a:extLst>
+              <a:ext uri="{FF2B5EF4-FFF2-40B4-BE49-F238E27FC236}">
+                <a16:creationId xmlns:a16="http://schemas.microsoft.com/office/drawing/2014/main" id="{119143F9-9662-4BFC-8C7E-8F5237C8D6C3}"/>
+              </a:ext>
+            </a:extLst>
+          </p:cNvPr>
+          <p:cNvSpPr txBox="1"/>
+          <p:nvPr/>
+        </p:nvSpPr>
+        <p:spPr>
+          <a:xfrm>
+            <a:off x="4004017" y="3516088"/>
+            <a:ext cx="381835" cy="523220"/>
+          </a:xfrm>
+          <a:prstGeom prst="rect">
+            <a:avLst/>
+          </a:prstGeom>
+          <a:noFill/>
+        </p:spPr>
+        <p:txBody>
+          <a:bodyPr wrap="none" rtlCol="0" anchor="ctr">
+            <a:spAutoFit/>
+          </a:bodyPr>
+          <a:lstStyle/>
+          <a:p>
+            <a:pPr algn="ctr"/>
+            <a:r>
+              <a:rPr lang="en-US" altLang="ko-KR" sz="2800" dirty="0"/>
+              <a:t>0</a:t>
+            </a:r>
+            <a:endParaRPr lang="ko-KR" altLang="en-US" sz="2800" dirty="0"/>
+          </a:p>
+        </p:txBody>
+      </p:sp>
+      <p:sp>
+        <p:nvSpPr>
+          <p:cNvPr id="18" name="TextBox 17">
+            <a:extLst>
+              <a:ext uri="{FF2B5EF4-FFF2-40B4-BE49-F238E27FC236}">
+                <a16:creationId xmlns:a16="http://schemas.microsoft.com/office/drawing/2014/main" id="{D65CEA8C-7F03-47CF-8C8B-E71BA660DF53}"/>
+              </a:ext>
+            </a:extLst>
+          </p:cNvPr>
+          <p:cNvSpPr txBox="1"/>
+          <p:nvPr/>
+        </p:nvSpPr>
+        <p:spPr>
+          <a:xfrm>
+            <a:off x="4004017" y="4151928"/>
+            <a:ext cx="381835" cy="523220"/>
+          </a:xfrm>
+          <a:prstGeom prst="rect">
+            <a:avLst/>
+          </a:prstGeom>
+          <a:noFill/>
+        </p:spPr>
+        <p:txBody>
+          <a:bodyPr wrap="none" rtlCol="0" anchor="ctr">
+            <a:spAutoFit/>
+          </a:bodyPr>
+          <a:lstStyle/>
+          <a:p>
+            <a:pPr algn="ctr"/>
+            <a:r>
+              <a:rPr lang="en-US" altLang="ko-KR" sz="2800" dirty="0"/>
+              <a:t>0</a:t>
+            </a:r>
+            <a:endParaRPr lang="ko-KR" altLang="en-US" sz="2800" dirty="0"/>
+          </a:p>
+        </p:txBody>
+      </p:sp>
+      <p:sp>
+        <p:nvSpPr>
+          <p:cNvPr id="20" name="TextBox 19">
+            <a:extLst>
+              <a:ext uri="{FF2B5EF4-FFF2-40B4-BE49-F238E27FC236}">
+                <a16:creationId xmlns:a16="http://schemas.microsoft.com/office/drawing/2014/main" id="{124A2A46-0B07-44A3-B17A-50E4AC7A54C1}"/>
+              </a:ext>
+            </a:extLst>
+          </p:cNvPr>
+          <p:cNvSpPr txBox="1"/>
+          <p:nvPr/>
+        </p:nvSpPr>
+        <p:spPr>
+          <a:xfrm>
+            <a:off x="4625632" y="1608568"/>
+            <a:ext cx="332142" cy="523220"/>
+          </a:xfrm>
+          <a:prstGeom prst="rect">
+            <a:avLst/>
+          </a:prstGeom>
+          <a:noFill/>
+        </p:spPr>
+        <p:txBody>
+          <a:bodyPr wrap="none" rtlCol="0" anchor="ctr">
+            <a:spAutoFit/>
+          </a:bodyPr>
+          <a:lstStyle/>
+          <a:p>
+            <a:pPr algn="ctr"/>
+            <a:r>
+              <a:rPr lang="en-US" altLang="ko-KR" sz="2800" dirty="0"/>
+              <a:t>-</a:t>
+            </a:r>
+            <a:endParaRPr lang="ko-KR" altLang="en-US" sz="2800" dirty="0"/>
+          </a:p>
+        </p:txBody>
+      </p:sp>
+      <p:sp>
+        <p:nvSpPr>
+          <p:cNvPr id="21" name="TextBox 20">
+            <a:extLst>
+              <a:ext uri="{FF2B5EF4-FFF2-40B4-BE49-F238E27FC236}">
+                <a16:creationId xmlns:a16="http://schemas.microsoft.com/office/drawing/2014/main" id="{127B6753-0375-4F50-8EBB-C3EBF58B25A0}"/>
+              </a:ext>
+            </a:extLst>
+          </p:cNvPr>
+          <p:cNvSpPr txBox="1"/>
+          <p:nvPr/>
+        </p:nvSpPr>
+        <p:spPr>
+          <a:xfrm>
+            <a:off x="4519833" y="2244408"/>
+            <a:ext cx="543740" cy="523220"/>
+          </a:xfrm>
+          <a:prstGeom prst="rect">
+            <a:avLst/>
+          </a:prstGeom>
+          <a:noFill/>
+        </p:spPr>
+        <p:txBody>
+          <a:bodyPr wrap="none" rtlCol="0" anchor="ctr">
+            <a:spAutoFit/>
+          </a:bodyPr>
+          <a:lstStyle/>
+          <a:p>
+            <a:pPr algn="ctr"/>
+            <a:r>
+              <a:rPr lang="ko-KR" altLang="en-US" sz="2800" dirty="0"/>
+              <a:t>▲</a:t>
+            </a:r>
+          </a:p>
+        </p:txBody>
+      </p:sp>
+      <p:sp>
+        <p:nvSpPr>
+          <p:cNvPr id="22" name="TextBox 21">
+            <a:extLst>
+              <a:ext uri="{FF2B5EF4-FFF2-40B4-BE49-F238E27FC236}">
+                <a16:creationId xmlns:a16="http://schemas.microsoft.com/office/drawing/2014/main" id="{B116CB62-58E4-4818-B572-748F45E877D0}"/>
+              </a:ext>
+            </a:extLst>
+          </p:cNvPr>
+          <p:cNvSpPr txBox="1"/>
+          <p:nvPr/>
+        </p:nvSpPr>
+        <p:spPr>
+          <a:xfrm>
+            <a:off x="4600786" y="2880248"/>
+            <a:ext cx="381835" cy="523220"/>
+          </a:xfrm>
+          <a:prstGeom prst="rect">
+            <a:avLst/>
+          </a:prstGeom>
+          <a:noFill/>
+        </p:spPr>
+        <p:txBody>
+          <a:bodyPr wrap="none" rtlCol="0" anchor="ctr">
+            <a:spAutoFit/>
+          </a:bodyPr>
+          <a:lstStyle/>
+          <a:p>
+            <a:pPr algn="ctr"/>
+            <a:r>
+              <a:rPr lang="en-US" altLang="ko-KR" sz="2800" dirty="0"/>
+              <a:t>0</a:t>
+            </a:r>
+            <a:endParaRPr lang="ko-KR" altLang="en-US" sz="2800" dirty="0"/>
+          </a:p>
+        </p:txBody>
+      </p:sp>
+      <p:sp>
+        <p:nvSpPr>
+          <p:cNvPr id="23" name="TextBox 22">
+            <a:extLst>
+              <a:ext uri="{FF2B5EF4-FFF2-40B4-BE49-F238E27FC236}">
+                <a16:creationId xmlns:a16="http://schemas.microsoft.com/office/drawing/2014/main" id="{083578AA-42ED-487F-B693-11DB0F61806B}"/>
+              </a:ext>
+            </a:extLst>
+          </p:cNvPr>
+          <p:cNvSpPr txBox="1"/>
+          <p:nvPr/>
+        </p:nvSpPr>
+        <p:spPr>
+          <a:xfrm>
+            <a:off x="4600786" y="3516088"/>
+            <a:ext cx="381835" cy="523220"/>
+          </a:xfrm>
+          <a:prstGeom prst="rect">
+            <a:avLst/>
+          </a:prstGeom>
+          <a:noFill/>
+        </p:spPr>
+        <p:txBody>
+          <a:bodyPr wrap="none" rtlCol="0" anchor="ctr">
+            <a:spAutoFit/>
+          </a:bodyPr>
+          <a:lstStyle/>
+          <a:p>
+            <a:pPr algn="ctr"/>
+            <a:r>
+              <a:rPr lang="en-US" altLang="ko-KR" sz="2800" dirty="0"/>
+              <a:t>0</a:t>
+            </a:r>
+            <a:endParaRPr lang="ko-KR" altLang="en-US" sz="2800" dirty="0"/>
+          </a:p>
+        </p:txBody>
+      </p:sp>
+      <p:sp>
+        <p:nvSpPr>
+          <p:cNvPr id="24" name="TextBox 23">
+            <a:extLst>
+              <a:ext uri="{FF2B5EF4-FFF2-40B4-BE49-F238E27FC236}">
+                <a16:creationId xmlns:a16="http://schemas.microsoft.com/office/drawing/2014/main" id="{5D84D04F-C822-4A52-A05E-744ABD508093}"/>
+              </a:ext>
+            </a:extLst>
+          </p:cNvPr>
+          <p:cNvSpPr txBox="1"/>
+          <p:nvPr/>
+        </p:nvSpPr>
+        <p:spPr>
+          <a:xfrm>
+            <a:off x="4600786" y="4151928"/>
+            <a:ext cx="381835" cy="523220"/>
+          </a:xfrm>
+          <a:prstGeom prst="rect">
+            <a:avLst/>
+          </a:prstGeom>
+          <a:noFill/>
+        </p:spPr>
+        <p:txBody>
+          <a:bodyPr wrap="none" rtlCol="0" anchor="ctr">
+            <a:spAutoFit/>
+          </a:bodyPr>
+          <a:lstStyle/>
+          <a:p>
+            <a:pPr algn="ctr"/>
+            <a:r>
+              <a:rPr lang="en-US" altLang="ko-KR" sz="2800" dirty="0"/>
+              <a:t>0</a:t>
+            </a:r>
+            <a:endParaRPr lang="ko-KR" altLang="en-US" sz="2800" dirty="0"/>
+          </a:p>
+        </p:txBody>
+      </p:sp>
+      <p:sp>
+        <p:nvSpPr>
+          <p:cNvPr id="26" name="TextBox 25">
+            <a:extLst>
+              <a:ext uri="{FF2B5EF4-FFF2-40B4-BE49-F238E27FC236}">
+                <a16:creationId xmlns:a16="http://schemas.microsoft.com/office/drawing/2014/main" id="{41E6F538-9F9C-4553-9A66-9C05463EAB60}"/>
+              </a:ext>
+            </a:extLst>
+          </p:cNvPr>
+          <p:cNvSpPr txBox="1"/>
+          <p:nvPr/>
+        </p:nvSpPr>
+        <p:spPr>
+          <a:xfrm>
+            <a:off x="5222401" y="1608568"/>
+            <a:ext cx="332142" cy="523220"/>
+          </a:xfrm>
+          <a:prstGeom prst="rect">
+            <a:avLst/>
+          </a:prstGeom>
+          <a:noFill/>
+        </p:spPr>
+        <p:txBody>
+          <a:bodyPr wrap="none" rtlCol="0" anchor="ctr">
+            <a:spAutoFit/>
+          </a:bodyPr>
+          <a:lstStyle/>
+          <a:p>
+            <a:pPr algn="ctr"/>
+            <a:r>
+              <a:rPr lang="en-US" altLang="ko-KR" sz="2800" dirty="0"/>
+              <a:t>-</a:t>
+            </a:r>
+            <a:endParaRPr lang="ko-KR" altLang="en-US" sz="2800" dirty="0"/>
+          </a:p>
+        </p:txBody>
+      </p:sp>
+      <p:sp>
+        <p:nvSpPr>
+          <p:cNvPr id="27" name="TextBox 26">
+            <a:extLst>
+              <a:ext uri="{FF2B5EF4-FFF2-40B4-BE49-F238E27FC236}">
+                <a16:creationId xmlns:a16="http://schemas.microsoft.com/office/drawing/2014/main" id="{BA05173D-B233-4D44-9BC7-E4670389830C}"/>
+              </a:ext>
+            </a:extLst>
+          </p:cNvPr>
+          <p:cNvSpPr txBox="1"/>
+          <p:nvPr/>
+        </p:nvSpPr>
+        <p:spPr>
+          <a:xfrm>
+            <a:off x="5222400" y="2244408"/>
+            <a:ext cx="332142" cy="523220"/>
+          </a:xfrm>
+          <a:prstGeom prst="rect">
+            <a:avLst/>
+          </a:prstGeom>
+          <a:noFill/>
+        </p:spPr>
+        <p:txBody>
+          <a:bodyPr wrap="none" rtlCol="0" anchor="ctr">
+            <a:spAutoFit/>
+          </a:bodyPr>
+          <a:lstStyle/>
+          <a:p>
+            <a:pPr algn="ctr"/>
+            <a:r>
+              <a:rPr lang="en-US" altLang="ko-KR" sz="2800" dirty="0"/>
+              <a:t>-</a:t>
+            </a:r>
+            <a:endParaRPr lang="ko-KR" altLang="en-US" sz="2800" dirty="0"/>
+          </a:p>
+        </p:txBody>
+      </p:sp>
+      <p:sp>
+        <p:nvSpPr>
+          <p:cNvPr id="28" name="TextBox 27">
+            <a:extLst>
+              <a:ext uri="{FF2B5EF4-FFF2-40B4-BE49-F238E27FC236}">
+                <a16:creationId xmlns:a16="http://schemas.microsoft.com/office/drawing/2014/main" id="{E9547A23-6AB5-453B-9412-5817BE440F6C}"/>
+              </a:ext>
+            </a:extLst>
+          </p:cNvPr>
+          <p:cNvSpPr txBox="1"/>
+          <p:nvPr/>
+        </p:nvSpPr>
+        <p:spPr>
+          <a:xfrm>
+            <a:off x="5116603" y="2880248"/>
+            <a:ext cx="543740" cy="523220"/>
+          </a:xfrm>
+          <a:prstGeom prst="rect">
+            <a:avLst/>
+          </a:prstGeom>
+          <a:noFill/>
+        </p:spPr>
+        <p:txBody>
+          <a:bodyPr wrap="none" rtlCol="0" anchor="ctr">
+            <a:spAutoFit/>
+          </a:bodyPr>
+          <a:lstStyle/>
+          <a:p>
+            <a:pPr algn="ctr"/>
+            <a:r>
+              <a:rPr lang="ko-KR" altLang="en-US" sz="2800" dirty="0"/>
+              <a:t>▲</a:t>
+            </a:r>
+          </a:p>
+        </p:txBody>
+      </p:sp>
+      <p:sp>
+        <p:nvSpPr>
+          <p:cNvPr id="29" name="TextBox 28">
+            <a:extLst>
+              <a:ext uri="{FF2B5EF4-FFF2-40B4-BE49-F238E27FC236}">
+                <a16:creationId xmlns:a16="http://schemas.microsoft.com/office/drawing/2014/main" id="{D8D463D9-B497-4B82-88D7-4BC7471DF49C}"/>
+              </a:ext>
+            </a:extLst>
+          </p:cNvPr>
+          <p:cNvSpPr txBox="1"/>
+          <p:nvPr/>
+        </p:nvSpPr>
+        <p:spPr>
+          <a:xfrm>
+            <a:off x="5197555" y="3516088"/>
+            <a:ext cx="381835" cy="523220"/>
+          </a:xfrm>
+          <a:prstGeom prst="rect">
+            <a:avLst/>
+          </a:prstGeom>
+          <a:noFill/>
+        </p:spPr>
+        <p:txBody>
+          <a:bodyPr wrap="none" rtlCol="0" anchor="ctr">
+            <a:spAutoFit/>
+          </a:bodyPr>
+          <a:lstStyle/>
+          <a:p>
+            <a:pPr algn="ctr"/>
+            <a:r>
+              <a:rPr lang="en-US" altLang="ko-KR" sz="2800" dirty="0"/>
+              <a:t>0</a:t>
+            </a:r>
+            <a:endParaRPr lang="ko-KR" altLang="en-US" sz="2800" dirty="0"/>
+          </a:p>
+        </p:txBody>
+      </p:sp>
+      <p:sp>
+        <p:nvSpPr>
+          <p:cNvPr id="30" name="TextBox 29">
+            <a:extLst>
+              <a:ext uri="{FF2B5EF4-FFF2-40B4-BE49-F238E27FC236}">
+                <a16:creationId xmlns:a16="http://schemas.microsoft.com/office/drawing/2014/main" id="{39C5CF66-680C-47A0-ABB7-21ED54599E87}"/>
+              </a:ext>
+            </a:extLst>
+          </p:cNvPr>
+          <p:cNvSpPr txBox="1"/>
+          <p:nvPr/>
+        </p:nvSpPr>
+        <p:spPr>
+          <a:xfrm>
+            <a:off x="5197555" y="4151928"/>
+            <a:ext cx="381835" cy="523220"/>
+          </a:xfrm>
+          <a:prstGeom prst="rect">
+            <a:avLst/>
+          </a:prstGeom>
+          <a:noFill/>
+        </p:spPr>
+        <p:txBody>
+          <a:bodyPr wrap="none" rtlCol="0" anchor="ctr">
+            <a:spAutoFit/>
+          </a:bodyPr>
+          <a:lstStyle/>
+          <a:p>
+            <a:pPr algn="ctr"/>
+            <a:r>
+              <a:rPr lang="en-US" altLang="ko-KR" sz="2800" dirty="0"/>
+              <a:t>0</a:t>
+            </a:r>
+            <a:endParaRPr lang="ko-KR" altLang="en-US" sz="2800" dirty="0"/>
+          </a:p>
+        </p:txBody>
+      </p:sp>
+      <p:sp>
+        <p:nvSpPr>
+          <p:cNvPr id="32" name="TextBox 31">
+            <a:extLst>
+              <a:ext uri="{FF2B5EF4-FFF2-40B4-BE49-F238E27FC236}">
+                <a16:creationId xmlns:a16="http://schemas.microsoft.com/office/drawing/2014/main" id="{EB1F1875-3A73-4A80-85F5-46EF251DCDC3}"/>
+              </a:ext>
+            </a:extLst>
+          </p:cNvPr>
+          <p:cNvSpPr txBox="1"/>
+          <p:nvPr/>
+        </p:nvSpPr>
+        <p:spPr>
+          <a:xfrm>
+            <a:off x="5819171" y="1608568"/>
+            <a:ext cx="332142" cy="523220"/>
+          </a:xfrm>
+          <a:prstGeom prst="rect">
+            <a:avLst/>
+          </a:prstGeom>
+          <a:noFill/>
+        </p:spPr>
+        <p:txBody>
+          <a:bodyPr wrap="none" rtlCol="0" anchor="ctr">
+            <a:spAutoFit/>
+          </a:bodyPr>
+          <a:lstStyle/>
+          <a:p>
+            <a:pPr algn="ctr"/>
+            <a:r>
+              <a:rPr lang="en-US" altLang="ko-KR" sz="2800" dirty="0"/>
+              <a:t>-</a:t>
+            </a:r>
+            <a:endParaRPr lang="ko-KR" altLang="en-US" sz="2800" dirty="0"/>
+          </a:p>
+        </p:txBody>
+      </p:sp>
+      <p:sp>
+        <p:nvSpPr>
+          <p:cNvPr id="33" name="TextBox 32">
+            <a:extLst>
+              <a:ext uri="{FF2B5EF4-FFF2-40B4-BE49-F238E27FC236}">
+                <a16:creationId xmlns:a16="http://schemas.microsoft.com/office/drawing/2014/main" id="{C4F940DE-E250-451B-AC81-9B92E2FAD39D}"/>
+              </a:ext>
+            </a:extLst>
+          </p:cNvPr>
+          <p:cNvSpPr txBox="1"/>
+          <p:nvPr/>
+        </p:nvSpPr>
+        <p:spPr>
+          <a:xfrm>
+            <a:off x="5819170" y="2244408"/>
+            <a:ext cx="332142" cy="523220"/>
+          </a:xfrm>
+          <a:prstGeom prst="rect">
+            <a:avLst/>
+          </a:prstGeom>
+          <a:noFill/>
+        </p:spPr>
+        <p:txBody>
+          <a:bodyPr wrap="none" rtlCol="0" anchor="ctr">
+            <a:spAutoFit/>
+          </a:bodyPr>
+          <a:lstStyle/>
+          <a:p>
+            <a:pPr algn="ctr"/>
+            <a:r>
+              <a:rPr lang="en-US" altLang="ko-KR" sz="2800" dirty="0"/>
+              <a:t>-</a:t>
+            </a:r>
+            <a:endParaRPr lang="ko-KR" altLang="en-US" sz="2800" dirty="0"/>
+          </a:p>
+        </p:txBody>
+      </p:sp>
+      <p:sp>
+        <p:nvSpPr>
+          <p:cNvPr id="34" name="TextBox 33">
+            <a:extLst>
+              <a:ext uri="{FF2B5EF4-FFF2-40B4-BE49-F238E27FC236}">
+                <a16:creationId xmlns:a16="http://schemas.microsoft.com/office/drawing/2014/main" id="{D6FC296A-18B7-4E2C-89C5-F48681E0B45E}"/>
+              </a:ext>
+            </a:extLst>
+          </p:cNvPr>
+          <p:cNvSpPr txBox="1"/>
+          <p:nvPr/>
+        </p:nvSpPr>
+        <p:spPr>
+          <a:xfrm>
+            <a:off x="5819171" y="2880248"/>
+            <a:ext cx="332142" cy="523220"/>
+          </a:xfrm>
+          <a:prstGeom prst="rect">
+            <a:avLst/>
+          </a:prstGeom>
+          <a:noFill/>
+        </p:spPr>
+        <p:txBody>
+          <a:bodyPr wrap="none" rtlCol="0" anchor="ctr">
+            <a:spAutoFit/>
+          </a:bodyPr>
+          <a:lstStyle/>
+          <a:p>
+            <a:pPr algn="ctr"/>
+            <a:r>
+              <a:rPr lang="en-US" altLang="ko-KR" sz="2800" dirty="0"/>
+              <a:t>-</a:t>
+            </a:r>
+            <a:endParaRPr lang="ko-KR" altLang="en-US" sz="2800" dirty="0"/>
+          </a:p>
+        </p:txBody>
+      </p:sp>
+      <p:sp>
+        <p:nvSpPr>
+          <p:cNvPr id="35" name="TextBox 34">
+            <a:extLst>
+              <a:ext uri="{FF2B5EF4-FFF2-40B4-BE49-F238E27FC236}">
+                <a16:creationId xmlns:a16="http://schemas.microsoft.com/office/drawing/2014/main" id="{03ADA3B6-5DD7-4A0E-9F82-235D39B06CAD}"/>
+              </a:ext>
+            </a:extLst>
+          </p:cNvPr>
+          <p:cNvSpPr txBox="1"/>
+          <p:nvPr/>
+        </p:nvSpPr>
+        <p:spPr>
+          <a:xfrm>
+            <a:off x="5713373" y="3516088"/>
+            <a:ext cx="543740" cy="523220"/>
+          </a:xfrm>
+          <a:prstGeom prst="rect">
+            <a:avLst/>
+          </a:prstGeom>
+          <a:noFill/>
+        </p:spPr>
+        <p:txBody>
+          <a:bodyPr wrap="none" rtlCol="0" anchor="ctr">
+            <a:spAutoFit/>
+          </a:bodyPr>
+          <a:lstStyle/>
+          <a:p>
+            <a:pPr algn="ctr"/>
+            <a:r>
+              <a:rPr lang="ko-KR" altLang="en-US" sz="2800" dirty="0"/>
+              <a:t>▲</a:t>
+            </a:r>
+          </a:p>
+        </p:txBody>
+      </p:sp>
+      <p:sp>
+        <p:nvSpPr>
+          <p:cNvPr id="36" name="TextBox 35">
+            <a:extLst>
+              <a:ext uri="{FF2B5EF4-FFF2-40B4-BE49-F238E27FC236}">
+                <a16:creationId xmlns:a16="http://schemas.microsoft.com/office/drawing/2014/main" id="{E0D33BCD-4207-4D60-BD4A-E99A3202B09A}"/>
+              </a:ext>
+            </a:extLst>
+          </p:cNvPr>
+          <p:cNvSpPr txBox="1"/>
+          <p:nvPr/>
+        </p:nvSpPr>
+        <p:spPr>
+          <a:xfrm>
+            <a:off x="5794325" y="4151928"/>
+            <a:ext cx="381835" cy="523220"/>
+          </a:xfrm>
+          <a:prstGeom prst="rect">
+            <a:avLst/>
+          </a:prstGeom>
+          <a:noFill/>
+        </p:spPr>
+        <p:txBody>
+          <a:bodyPr wrap="none" rtlCol="0" anchor="ctr">
+            <a:spAutoFit/>
+          </a:bodyPr>
+          <a:lstStyle/>
+          <a:p>
+            <a:pPr algn="ctr"/>
+            <a:r>
+              <a:rPr lang="en-US" altLang="ko-KR" sz="2800" dirty="0"/>
+              <a:t>0</a:t>
+            </a:r>
+            <a:endParaRPr lang="ko-KR" altLang="en-US" sz="2800" dirty="0"/>
+          </a:p>
+        </p:txBody>
+      </p:sp>
+      <p:sp>
+        <p:nvSpPr>
+          <p:cNvPr id="38" name="TextBox 37">
+            <a:extLst>
+              <a:ext uri="{FF2B5EF4-FFF2-40B4-BE49-F238E27FC236}">
+                <a16:creationId xmlns:a16="http://schemas.microsoft.com/office/drawing/2014/main" id="{B0679E40-9E97-4B74-9C7D-BC84F520AFDC}"/>
+              </a:ext>
+            </a:extLst>
+          </p:cNvPr>
+          <p:cNvSpPr txBox="1"/>
+          <p:nvPr/>
+        </p:nvSpPr>
+        <p:spPr>
+          <a:xfrm>
+            <a:off x="7446487" y="1608568"/>
+            <a:ext cx="332142" cy="523220"/>
+          </a:xfrm>
+          <a:prstGeom prst="rect">
+            <a:avLst/>
+          </a:prstGeom>
+          <a:noFill/>
+        </p:spPr>
+        <p:txBody>
+          <a:bodyPr wrap="none" rtlCol="0" anchor="ctr">
+            <a:spAutoFit/>
+          </a:bodyPr>
+          <a:lstStyle/>
+          <a:p>
+            <a:pPr algn="ctr"/>
+            <a:r>
+              <a:rPr lang="en-US" altLang="ko-KR" sz="2800" dirty="0"/>
+              <a:t>-</a:t>
+            </a:r>
+            <a:endParaRPr lang="ko-KR" altLang="en-US" sz="2800" dirty="0"/>
+          </a:p>
+        </p:txBody>
+      </p:sp>
+      <p:sp>
+        <p:nvSpPr>
+          <p:cNvPr id="39" name="TextBox 38">
+            <a:extLst>
+              <a:ext uri="{FF2B5EF4-FFF2-40B4-BE49-F238E27FC236}">
+                <a16:creationId xmlns:a16="http://schemas.microsoft.com/office/drawing/2014/main" id="{364E99E8-A09C-4B3D-BEEE-5D23EC68C987}"/>
+              </a:ext>
+            </a:extLst>
+          </p:cNvPr>
+          <p:cNvSpPr txBox="1"/>
+          <p:nvPr/>
+        </p:nvSpPr>
+        <p:spPr>
+          <a:xfrm>
+            <a:off x="7446486" y="2244408"/>
+            <a:ext cx="332142" cy="523220"/>
+          </a:xfrm>
+          <a:prstGeom prst="rect">
+            <a:avLst/>
+          </a:prstGeom>
+          <a:noFill/>
+        </p:spPr>
+        <p:txBody>
+          <a:bodyPr wrap="none" rtlCol="0" anchor="ctr">
+            <a:spAutoFit/>
+          </a:bodyPr>
+          <a:lstStyle/>
+          <a:p>
+            <a:pPr algn="ctr"/>
+            <a:r>
+              <a:rPr lang="en-US" altLang="ko-KR" sz="2800" dirty="0"/>
+              <a:t>-</a:t>
+            </a:r>
+            <a:endParaRPr lang="ko-KR" altLang="en-US" sz="2800" dirty="0"/>
+          </a:p>
+        </p:txBody>
+      </p:sp>
+      <p:sp>
+        <p:nvSpPr>
+          <p:cNvPr id="40" name="TextBox 39">
+            <a:extLst>
+              <a:ext uri="{FF2B5EF4-FFF2-40B4-BE49-F238E27FC236}">
+                <a16:creationId xmlns:a16="http://schemas.microsoft.com/office/drawing/2014/main" id="{C15776E0-C9E5-41A0-90EC-ED193AE8E9A2}"/>
+              </a:ext>
+            </a:extLst>
+          </p:cNvPr>
+          <p:cNvSpPr txBox="1"/>
+          <p:nvPr/>
+        </p:nvSpPr>
+        <p:spPr>
+          <a:xfrm>
+            <a:off x="7446487" y="2880248"/>
+            <a:ext cx="332142" cy="523220"/>
+          </a:xfrm>
+          <a:prstGeom prst="rect">
+            <a:avLst/>
+          </a:prstGeom>
+          <a:noFill/>
+        </p:spPr>
+        <p:txBody>
+          <a:bodyPr wrap="none" rtlCol="0" anchor="ctr">
+            <a:spAutoFit/>
+          </a:bodyPr>
+          <a:lstStyle/>
+          <a:p>
+            <a:pPr algn="ctr"/>
+            <a:r>
+              <a:rPr lang="en-US" altLang="ko-KR" sz="2800" dirty="0"/>
+              <a:t>-</a:t>
+            </a:r>
+            <a:endParaRPr lang="ko-KR" altLang="en-US" sz="2800" dirty="0"/>
+          </a:p>
+        </p:txBody>
+      </p:sp>
+      <p:sp>
+        <p:nvSpPr>
+          <p:cNvPr id="41" name="TextBox 40">
+            <a:extLst>
+              <a:ext uri="{FF2B5EF4-FFF2-40B4-BE49-F238E27FC236}">
+                <a16:creationId xmlns:a16="http://schemas.microsoft.com/office/drawing/2014/main" id="{5833ED93-0BC9-4777-BECA-C9478AC8027A}"/>
+              </a:ext>
+            </a:extLst>
+          </p:cNvPr>
+          <p:cNvSpPr txBox="1"/>
+          <p:nvPr/>
+        </p:nvSpPr>
+        <p:spPr>
+          <a:xfrm>
+            <a:off x="7446487" y="3516088"/>
+            <a:ext cx="332142" cy="523220"/>
+          </a:xfrm>
+          <a:prstGeom prst="rect">
+            <a:avLst/>
+          </a:prstGeom>
+          <a:noFill/>
+        </p:spPr>
+        <p:txBody>
+          <a:bodyPr wrap="none" rtlCol="0" anchor="ctr">
+            <a:spAutoFit/>
+          </a:bodyPr>
+          <a:lstStyle/>
+          <a:p>
+            <a:pPr algn="ctr"/>
+            <a:r>
+              <a:rPr lang="en-US" altLang="ko-KR" sz="2800" dirty="0"/>
+              <a:t>-</a:t>
+            </a:r>
+            <a:endParaRPr lang="ko-KR" altLang="en-US" sz="2800" dirty="0"/>
+          </a:p>
+        </p:txBody>
+      </p:sp>
+      <p:sp>
+        <p:nvSpPr>
+          <p:cNvPr id="42" name="TextBox 41">
+            <a:extLst>
+              <a:ext uri="{FF2B5EF4-FFF2-40B4-BE49-F238E27FC236}">
+                <a16:creationId xmlns:a16="http://schemas.microsoft.com/office/drawing/2014/main" id="{0B54336C-54D2-4BC3-81A0-224422FF32CB}"/>
+              </a:ext>
+            </a:extLst>
+          </p:cNvPr>
+          <p:cNvSpPr txBox="1"/>
+          <p:nvPr/>
+        </p:nvSpPr>
+        <p:spPr>
+          <a:xfrm>
+            <a:off x="7340689" y="4151928"/>
+            <a:ext cx="543740" cy="523220"/>
+          </a:xfrm>
+          <a:prstGeom prst="rect">
+            <a:avLst/>
+          </a:prstGeom>
+          <a:noFill/>
+        </p:spPr>
+        <p:txBody>
+          <a:bodyPr wrap="none" rtlCol="0" anchor="ctr">
+            <a:spAutoFit/>
+          </a:bodyPr>
+          <a:lstStyle/>
+          <a:p>
+            <a:pPr algn="ctr"/>
+            <a:r>
+              <a:rPr lang="ko-KR" altLang="en-US" sz="2800" dirty="0"/>
+              <a:t>▲</a:t>
+            </a:r>
+          </a:p>
+        </p:txBody>
+      </p:sp>
+      <p:sp>
+        <p:nvSpPr>
+          <p:cNvPr id="45" name="TextBox 44">
+            <a:extLst>
+              <a:ext uri="{FF2B5EF4-FFF2-40B4-BE49-F238E27FC236}">
+                <a16:creationId xmlns:a16="http://schemas.microsoft.com/office/drawing/2014/main" id="{2DE82AF6-A0E8-49D0-827D-E73A55F68FC1}"/>
+              </a:ext>
+            </a:extLst>
+          </p:cNvPr>
+          <p:cNvSpPr txBox="1"/>
+          <p:nvPr/>
+        </p:nvSpPr>
+        <p:spPr>
+          <a:xfrm>
+            <a:off x="7942815" y="1608568"/>
+            <a:ext cx="332142" cy="523220"/>
+          </a:xfrm>
+          <a:prstGeom prst="rect">
+            <a:avLst/>
+          </a:prstGeom>
+          <a:noFill/>
+        </p:spPr>
+        <p:txBody>
+          <a:bodyPr wrap="none" rtlCol="0" anchor="ctr">
+            <a:spAutoFit/>
+          </a:bodyPr>
+          <a:lstStyle/>
+          <a:p>
+            <a:pPr algn="ctr"/>
+            <a:r>
+              <a:rPr lang="en-US" altLang="ko-KR" sz="2800" dirty="0"/>
+              <a:t>-</a:t>
+            </a:r>
+            <a:endParaRPr lang="ko-KR" altLang="en-US" sz="2800" dirty="0"/>
+          </a:p>
+        </p:txBody>
+      </p:sp>
+      <p:sp>
+        <p:nvSpPr>
+          <p:cNvPr id="46" name="TextBox 45">
+            <a:extLst>
+              <a:ext uri="{FF2B5EF4-FFF2-40B4-BE49-F238E27FC236}">
+                <a16:creationId xmlns:a16="http://schemas.microsoft.com/office/drawing/2014/main" id="{DB1A34F2-31F8-463D-A344-14D2069A3DBA}"/>
+              </a:ext>
+            </a:extLst>
+          </p:cNvPr>
+          <p:cNvSpPr txBox="1"/>
+          <p:nvPr/>
+        </p:nvSpPr>
+        <p:spPr>
+          <a:xfrm>
+            <a:off x="7942814" y="2244408"/>
+            <a:ext cx="332142" cy="523220"/>
+          </a:xfrm>
+          <a:prstGeom prst="rect">
+            <a:avLst/>
+          </a:prstGeom>
+          <a:noFill/>
+        </p:spPr>
+        <p:txBody>
+          <a:bodyPr wrap="none" rtlCol="0" anchor="ctr">
+            <a:spAutoFit/>
+          </a:bodyPr>
+          <a:lstStyle/>
+          <a:p>
+            <a:pPr algn="ctr"/>
+            <a:r>
+              <a:rPr lang="en-US" altLang="ko-KR" sz="2800" dirty="0"/>
+              <a:t>-</a:t>
+            </a:r>
+            <a:endParaRPr lang="ko-KR" altLang="en-US" sz="2800" dirty="0"/>
+          </a:p>
+        </p:txBody>
+      </p:sp>
+      <p:sp>
+        <p:nvSpPr>
+          <p:cNvPr id="47" name="TextBox 46">
+            <a:extLst>
+              <a:ext uri="{FF2B5EF4-FFF2-40B4-BE49-F238E27FC236}">
+                <a16:creationId xmlns:a16="http://schemas.microsoft.com/office/drawing/2014/main" id="{949B3861-2E42-42D5-BAFB-F97BEE0E038B}"/>
+              </a:ext>
+            </a:extLst>
+          </p:cNvPr>
+          <p:cNvSpPr txBox="1"/>
+          <p:nvPr/>
+        </p:nvSpPr>
+        <p:spPr>
+          <a:xfrm>
+            <a:off x="7942815" y="2880248"/>
+            <a:ext cx="332142" cy="523220"/>
+          </a:xfrm>
+          <a:prstGeom prst="rect">
+            <a:avLst/>
+          </a:prstGeom>
+          <a:noFill/>
+        </p:spPr>
+        <p:txBody>
+          <a:bodyPr wrap="none" rtlCol="0" anchor="ctr">
+            <a:spAutoFit/>
+          </a:bodyPr>
+          <a:lstStyle/>
+          <a:p>
+            <a:pPr algn="ctr"/>
+            <a:r>
+              <a:rPr lang="en-US" altLang="ko-KR" sz="2800" dirty="0"/>
+              <a:t>-</a:t>
+            </a:r>
+            <a:endParaRPr lang="ko-KR" altLang="en-US" sz="2800" dirty="0"/>
+          </a:p>
+        </p:txBody>
+      </p:sp>
+      <p:sp>
+        <p:nvSpPr>
+          <p:cNvPr id="48" name="TextBox 47">
+            <a:extLst>
+              <a:ext uri="{FF2B5EF4-FFF2-40B4-BE49-F238E27FC236}">
+                <a16:creationId xmlns:a16="http://schemas.microsoft.com/office/drawing/2014/main" id="{D8C31931-2FC7-41F8-820E-70A0A6B9F179}"/>
+              </a:ext>
+            </a:extLst>
+          </p:cNvPr>
+          <p:cNvSpPr txBox="1"/>
+          <p:nvPr/>
+        </p:nvSpPr>
+        <p:spPr>
+          <a:xfrm>
+            <a:off x="7942815" y="3516088"/>
+            <a:ext cx="332142" cy="523220"/>
+          </a:xfrm>
+          <a:prstGeom prst="rect">
+            <a:avLst/>
+          </a:prstGeom>
+          <a:noFill/>
+        </p:spPr>
+        <p:txBody>
+          <a:bodyPr wrap="none" rtlCol="0" anchor="ctr">
+            <a:spAutoFit/>
+          </a:bodyPr>
+          <a:lstStyle/>
+          <a:p>
+            <a:pPr algn="ctr"/>
+            <a:r>
+              <a:rPr lang="en-US" altLang="ko-KR" sz="2800" dirty="0"/>
+              <a:t>-</a:t>
+            </a:r>
+            <a:endParaRPr lang="ko-KR" altLang="en-US" sz="2800" dirty="0"/>
+          </a:p>
+        </p:txBody>
+      </p:sp>
+      <p:sp>
+        <p:nvSpPr>
+          <p:cNvPr id="49" name="TextBox 48">
+            <a:extLst>
+              <a:ext uri="{FF2B5EF4-FFF2-40B4-BE49-F238E27FC236}">
+                <a16:creationId xmlns:a16="http://schemas.microsoft.com/office/drawing/2014/main" id="{9CDD0A07-C504-4B48-925A-F9A6BA21FB98}"/>
+              </a:ext>
+            </a:extLst>
+          </p:cNvPr>
+          <p:cNvSpPr txBox="1"/>
+          <p:nvPr/>
+        </p:nvSpPr>
+        <p:spPr>
+          <a:xfrm>
+            <a:off x="7942815" y="4151928"/>
+            <a:ext cx="332142" cy="523220"/>
+          </a:xfrm>
+          <a:prstGeom prst="rect">
+            <a:avLst/>
+          </a:prstGeom>
+          <a:noFill/>
+        </p:spPr>
+        <p:txBody>
+          <a:bodyPr wrap="none" rtlCol="0" anchor="ctr">
+            <a:spAutoFit/>
+          </a:bodyPr>
+          <a:lstStyle/>
+          <a:p>
+            <a:pPr algn="ctr"/>
+            <a:r>
+              <a:rPr lang="en-US" altLang="ko-KR" sz="2800" dirty="0"/>
+              <a:t>-</a:t>
+            </a:r>
+            <a:endParaRPr lang="ko-KR" altLang="en-US" sz="2800" dirty="0"/>
+          </a:p>
+        </p:txBody>
+      </p:sp>
+      <p:sp>
+        <p:nvSpPr>
+          <p:cNvPr id="50" name="TextBox 49">
+            <a:extLst>
+              <a:ext uri="{FF2B5EF4-FFF2-40B4-BE49-F238E27FC236}">
+                <a16:creationId xmlns:a16="http://schemas.microsoft.com/office/drawing/2014/main" id="{A9ECA51C-C425-4946-BF9F-09407F2FBA4C}"/>
+              </a:ext>
+            </a:extLst>
+          </p:cNvPr>
+          <p:cNvSpPr txBox="1"/>
+          <p:nvPr/>
+        </p:nvSpPr>
+        <p:spPr>
+          <a:xfrm>
+            <a:off x="6348090" y="1608568"/>
+            <a:ext cx="332142" cy="523220"/>
+          </a:xfrm>
+          <a:prstGeom prst="rect">
+            <a:avLst/>
+          </a:prstGeom>
+          <a:noFill/>
+        </p:spPr>
+        <p:txBody>
+          <a:bodyPr wrap="none" rtlCol="0" anchor="ctr">
+            <a:spAutoFit/>
+          </a:bodyPr>
+          <a:lstStyle/>
+          <a:p>
+            <a:pPr algn="ctr"/>
+            <a:r>
+              <a:rPr lang="en-US" altLang="ko-KR" sz="2800" dirty="0"/>
+              <a:t>-</a:t>
+            </a:r>
+            <a:endParaRPr lang="ko-KR" altLang="en-US" sz="2800" dirty="0"/>
+          </a:p>
+        </p:txBody>
+      </p:sp>
+      <p:sp>
+        <p:nvSpPr>
+          <p:cNvPr id="51" name="TextBox 50">
+            <a:extLst>
+              <a:ext uri="{FF2B5EF4-FFF2-40B4-BE49-F238E27FC236}">
+                <a16:creationId xmlns:a16="http://schemas.microsoft.com/office/drawing/2014/main" id="{55787D8D-9ED1-4999-A251-58AA218BB274}"/>
+              </a:ext>
+            </a:extLst>
+          </p:cNvPr>
+          <p:cNvSpPr txBox="1"/>
+          <p:nvPr/>
+        </p:nvSpPr>
+        <p:spPr>
+          <a:xfrm>
+            <a:off x="6348089" y="2244408"/>
+            <a:ext cx="332142" cy="523220"/>
+          </a:xfrm>
+          <a:prstGeom prst="rect">
+            <a:avLst/>
+          </a:prstGeom>
+          <a:noFill/>
+        </p:spPr>
+        <p:txBody>
+          <a:bodyPr wrap="none" rtlCol="0" anchor="ctr">
+            <a:spAutoFit/>
+          </a:bodyPr>
+          <a:lstStyle/>
+          <a:p>
+            <a:pPr algn="ctr"/>
+            <a:r>
+              <a:rPr lang="en-US" altLang="ko-KR" sz="2800" dirty="0"/>
+              <a:t>-</a:t>
+            </a:r>
+            <a:endParaRPr lang="ko-KR" altLang="en-US" sz="2800" dirty="0"/>
+          </a:p>
+        </p:txBody>
+      </p:sp>
+      <p:sp>
+        <p:nvSpPr>
+          <p:cNvPr id="52" name="TextBox 51">
+            <a:extLst>
+              <a:ext uri="{FF2B5EF4-FFF2-40B4-BE49-F238E27FC236}">
+                <a16:creationId xmlns:a16="http://schemas.microsoft.com/office/drawing/2014/main" id="{7246F523-EC24-4694-AB85-D279B6B61AE7}"/>
+              </a:ext>
+            </a:extLst>
+          </p:cNvPr>
+          <p:cNvSpPr txBox="1"/>
+          <p:nvPr/>
+        </p:nvSpPr>
+        <p:spPr>
+          <a:xfrm>
+            <a:off x="6348090" y="2880248"/>
+            <a:ext cx="332142" cy="523220"/>
+          </a:xfrm>
+          <a:prstGeom prst="rect">
+            <a:avLst/>
+          </a:prstGeom>
+          <a:noFill/>
+        </p:spPr>
+        <p:txBody>
+          <a:bodyPr wrap="none" rtlCol="0" anchor="ctr">
+            <a:spAutoFit/>
+          </a:bodyPr>
+          <a:lstStyle/>
+          <a:p>
+            <a:pPr algn="ctr"/>
+            <a:r>
+              <a:rPr lang="en-US" altLang="ko-KR" sz="2800" dirty="0"/>
+              <a:t>-</a:t>
+            </a:r>
+            <a:endParaRPr lang="ko-KR" altLang="en-US" sz="2800" dirty="0"/>
+          </a:p>
+        </p:txBody>
+      </p:sp>
+      <p:sp>
+        <p:nvSpPr>
+          <p:cNvPr id="53" name="TextBox 52">
+            <a:extLst>
+              <a:ext uri="{FF2B5EF4-FFF2-40B4-BE49-F238E27FC236}">
+                <a16:creationId xmlns:a16="http://schemas.microsoft.com/office/drawing/2014/main" id="{37B73226-5AF4-417B-BB31-A3984DA358DA}"/>
+              </a:ext>
+            </a:extLst>
+          </p:cNvPr>
+          <p:cNvSpPr txBox="1"/>
+          <p:nvPr/>
+        </p:nvSpPr>
+        <p:spPr>
+          <a:xfrm>
+            <a:off x="6368930" y="3577642"/>
+            <a:ext cx="290464" cy="400110"/>
+          </a:xfrm>
+          <a:prstGeom prst="rect">
+            <a:avLst/>
+          </a:prstGeom>
+          <a:noFill/>
+        </p:spPr>
+        <p:txBody>
+          <a:bodyPr wrap="none" rtlCol="0" anchor="ctr">
+            <a:spAutoFit/>
+          </a:bodyPr>
+          <a:lstStyle/>
+          <a:p>
+            <a:pPr algn="ctr"/>
+            <a:r>
+              <a:rPr lang="en-US" altLang="ko-KR" sz="2000" dirty="0"/>
+              <a:t>-</a:t>
+            </a:r>
+            <a:endParaRPr lang="ko-KR" altLang="en-US" sz="2800" dirty="0"/>
+          </a:p>
+        </p:txBody>
+      </p:sp>
+      <p:sp>
+        <p:nvSpPr>
+          <p:cNvPr id="54" name="TextBox 53">
+            <a:extLst>
+              <a:ext uri="{FF2B5EF4-FFF2-40B4-BE49-F238E27FC236}">
+                <a16:creationId xmlns:a16="http://schemas.microsoft.com/office/drawing/2014/main" id="{785D348E-9980-4518-956E-53FAF8C0A198}"/>
+              </a:ext>
+            </a:extLst>
+          </p:cNvPr>
+          <p:cNvSpPr txBox="1"/>
+          <p:nvPr/>
+        </p:nvSpPr>
+        <p:spPr>
+          <a:xfrm>
+            <a:off x="6323244" y="4151928"/>
+            <a:ext cx="381835" cy="523220"/>
+          </a:xfrm>
+          <a:prstGeom prst="rect">
+            <a:avLst/>
+          </a:prstGeom>
+          <a:noFill/>
+        </p:spPr>
+        <p:txBody>
+          <a:bodyPr wrap="none" rtlCol="0" anchor="ctr">
+            <a:spAutoFit/>
+          </a:bodyPr>
+          <a:lstStyle/>
+          <a:p>
+            <a:pPr algn="ctr"/>
+            <a:r>
+              <a:rPr lang="en-US" altLang="ko-KR" sz="2800" dirty="0"/>
+              <a:t>0</a:t>
+            </a:r>
+            <a:endParaRPr lang="ko-KR" altLang="en-US" sz="2800" dirty="0"/>
+          </a:p>
+        </p:txBody>
+      </p:sp>
+      <p:sp>
+        <p:nvSpPr>
+          <p:cNvPr id="55" name="TextBox 54">
+            <a:extLst>
+              <a:ext uri="{FF2B5EF4-FFF2-40B4-BE49-F238E27FC236}">
+                <a16:creationId xmlns:a16="http://schemas.microsoft.com/office/drawing/2014/main" id="{0FDCA593-B62B-4F17-A809-EEA74578B5CC}"/>
+              </a:ext>
+            </a:extLst>
+          </p:cNvPr>
+          <p:cNvSpPr txBox="1"/>
+          <p:nvPr/>
+        </p:nvSpPr>
+        <p:spPr>
+          <a:xfrm>
+            <a:off x="6921893" y="1608568"/>
+            <a:ext cx="332142" cy="523220"/>
+          </a:xfrm>
+          <a:prstGeom prst="rect">
+            <a:avLst/>
+          </a:prstGeom>
+          <a:noFill/>
+        </p:spPr>
+        <p:txBody>
+          <a:bodyPr wrap="none" rtlCol="0" anchor="ctr">
+            <a:spAutoFit/>
+          </a:bodyPr>
+          <a:lstStyle/>
+          <a:p>
+            <a:pPr algn="ctr"/>
+            <a:r>
+              <a:rPr lang="en-US" altLang="ko-KR" sz="2800" dirty="0"/>
+              <a:t>-</a:t>
+            </a:r>
+            <a:endParaRPr lang="ko-KR" altLang="en-US" sz="2800" dirty="0"/>
+          </a:p>
+        </p:txBody>
+      </p:sp>
+      <p:sp>
+        <p:nvSpPr>
+          <p:cNvPr id="56" name="TextBox 55">
+            <a:extLst>
+              <a:ext uri="{FF2B5EF4-FFF2-40B4-BE49-F238E27FC236}">
+                <a16:creationId xmlns:a16="http://schemas.microsoft.com/office/drawing/2014/main" id="{FA7415B3-09A3-4F4A-90BE-D2862DCEC34A}"/>
+              </a:ext>
+            </a:extLst>
+          </p:cNvPr>
+          <p:cNvSpPr txBox="1"/>
+          <p:nvPr/>
+        </p:nvSpPr>
+        <p:spPr>
+          <a:xfrm>
+            <a:off x="6921892" y="2244408"/>
+            <a:ext cx="332142" cy="523220"/>
+          </a:xfrm>
+          <a:prstGeom prst="rect">
+            <a:avLst/>
+          </a:prstGeom>
+          <a:noFill/>
+        </p:spPr>
+        <p:txBody>
+          <a:bodyPr wrap="none" rtlCol="0" anchor="ctr">
+            <a:spAutoFit/>
+          </a:bodyPr>
+          <a:lstStyle/>
+          <a:p>
+            <a:pPr algn="ctr"/>
+            <a:r>
+              <a:rPr lang="en-US" altLang="ko-KR" sz="2800" dirty="0"/>
+              <a:t>-</a:t>
+            </a:r>
+            <a:endParaRPr lang="ko-KR" altLang="en-US" sz="2800" dirty="0"/>
+          </a:p>
+        </p:txBody>
+      </p:sp>
+      <p:sp>
+        <p:nvSpPr>
+          <p:cNvPr id="57" name="TextBox 56">
+            <a:extLst>
+              <a:ext uri="{FF2B5EF4-FFF2-40B4-BE49-F238E27FC236}">
+                <a16:creationId xmlns:a16="http://schemas.microsoft.com/office/drawing/2014/main" id="{00C4B18D-18C8-4A30-AD71-42EC99135D27}"/>
+              </a:ext>
+            </a:extLst>
+          </p:cNvPr>
+          <p:cNvSpPr txBox="1"/>
+          <p:nvPr/>
+        </p:nvSpPr>
+        <p:spPr>
+          <a:xfrm>
+            <a:off x="6921893" y="2880248"/>
+            <a:ext cx="332142" cy="523220"/>
+          </a:xfrm>
+          <a:prstGeom prst="rect">
+            <a:avLst/>
+          </a:prstGeom>
+          <a:noFill/>
+        </p:spPr>
+        <p:txBody>
+          <a:bodyPr wrap="none" rtlCol="0" anchor="ctr">
+            <a:spAutoFit/>
+          </a:bodyPr>
+          <a:lstStyle/>
+          <a:p>
+            <a:pPr algn="ctr"/>
+            <a:r>
+              <a:rPr lang="en-US" altLang="ko-KR" sz="2800" dirty="0"/>
+              <a:t>-</a:t>
+            </a:r>
+            <a:endParaRPr lang="ko-KR" altLang="en-US" sz="2800" dirty="0"/>
+          </a:p>
+        </p:txBody>
+      </p:sp>
+      <p:sp>
+        <p:nvSpPr>
+          <p:cNvPr id="58" name="TextBox 57">
+            <a:extLst>
+              <a:ext uri="{FF2B5EF4-FFF2-40B4-BE49-F238E27FC236}">
+                <a16:creationId xmlns:a16="http://schemas.microsoft.com/office/drawing/2014/main" id="{D39CE8D5-65A0-4619-85EA-29EB83B11044}"/>
+              </a:ext>
+            </a:extLst>
+          </p:cNvPr>
+          <p:cNvSpPr txBox="1"/>
+          <p:nvPr/>
+        </p:nvSpPr>
+        <p:spPr>
+          <a:xfrm>
+            <a:off x="6919489" y="3516088"/>
+            <a:ext cx="336951" cy="523220"/>
+          </a:xfrm>
+          <a:prstGeom prst="rect">
+            <a:avLst/>
+          </a:prstGeom>
+          <a:noFill/>
+        </p:spPr>
+        <p:txBody>
+          <a:bodyPr wrap="none" rtlCol="0" anchor="ctr">
+            <a:spAutoFit/>
+          </a:bodyPr>
+          <a:lstStyle/>
+          <a:p>
+            <a:pPr algn="ctr"/>
+            <a:r>
+              <a:rPr lang="en-US" altLang="ko-KR" sz="2800" dirty="0"/>
+              <a:t>-</a:t>
+            </a:r>
+            <a:endParaRPr lang="ko-KR" altLang="en-US" sz="2800" dirty="0"/>
+          </a:p>
+        </p:txBody>
+      </p:sp>
+      <p:sp>
+        <p:nvSpPr>
+          <p:cNvPr id="59" name="TextBox 58">
+            <a:extLst>
+              <a:ext uri="{FF2B5EF4-FFF2-40B4-BE49-F238E27FC236}">
+                <a16:creationId xmlns:a16="http://schemas.microsoft.com/office/drawing/2014/main" id="{61A1AAC2-E01E-4B68-9105-5902040CE611}"/>
+              </a:ext>
+            </a:extLst>
+          </p:cNvPr>
+          <p:cNvSpPr txBox="1"/>
+          <p:nvPr/>
+        </p:nvSpPr>
+        <p:spPr>
+          <a:xfrm>
+            <a:off x="6897047" y="4151928"/>
+            <a:ext cx="381835" cy="523220"/>
+          </a:xfrm>
+          <a:prstGeom prst="rect">
+            <a:avLst/>
+          </a:prstGeom>
+          <a:noFill/>
+        </p:spPr>
+        <p:txBody>
+          <a:bodyPr wrap="none" rtlCol="0" anchor="ctr">
+            <a:spAutoFit/>
+          </a:bodyPr>
+          <a:lstStyle/>
+          <a:p>
+            <a:pPr algn="ctr"/>
+            <a:r>
+              <a:rPr lang="en-US" altLang="ko-KR" sz="2800" dirty="0"/>
+              <a:t>0</a:t>
+            </a:r>
+            <a:endParaRPr lang="ko-KR" altLang="en-US" sz="2800" dirty="0"/>
+          </a:p>
+        </p:txBody>
+      </p:sp>
+      <p:sp>
+        <p:nvSpPr>
+          <p:cNvPr id="60" name="TextBox 59">
+            <a:extLst>
+              <a:ext uri="{FF2B5EF4-FFF2-40B4-BE49-F238E27FC236}">
+                <a16:creationId xmlns:a16="http://schemas.microsoft.com/office/drawing/2014/main" id="{ECDFC2DA-CC33-4844-8147-B9CFD9F1866A}"/>
+              </a:ext>
+            </a:extLst>
+          </p:cNvPr>
+          <p:cNvSpPr txBox="1"/>
+          <p:nvPr/>
+        </p:nvSpPr>
+        <p:spPr>
+          <a:xfrm>
+            <a:off x="4004017" y="4726212"/>
+            <a:ext cx="381835" cy="523220"/>
+          </a:xfrm>
+          <a:prstGeom prst="rect">
+            <a:avLst/>
+          </a:prstGeom>
+          <a:noFill/>
+        </p:spPr>
+        <p:txBody>
+          <a:bodyPr wrap="none" rtlCol="0" anchor="ctr">
+            <a:spAutoFit/>
+          </a:bodyPr>
+          <a:lstStyle/>
+          <a:p>
+            <a:pPr algn="ctr"/>
+            <a:r>
+              <a:rPr lang="en-US" altLang="ko-KR" sz="2800" dirty="0"/>
+              <a:t>0</a:t>
+            </a:r>
+            <a:endParaRPr lang="ko-KR" altLang="en-US" sz="2800" dirty="0"/>
+          </a:p>
+        </p:txBody>
+      </p:sp>
+      <p:sp>
+        <p:nvSpPr>
+          <p:cNvPr id="61" name="TextBox 60">
+            <a:extLst>
+              <a:ext uri="{FF2B5EF4-FFF2-40B4-BE49-F238E27FC236}">
+                <a16:creationId xmlns:a16="http://schemas.microsoft.com/office/drawing/2014/main" id="{95D8FD8B-B8B4-4B61-B289-3A7353D81078}"/>
+              </a:ext>
+            </a:extLst>
+          </p:cNvPr>
+          <p:cNvSpPr txBox="1"/>
+          <p:nvPr/>
+        </p:nvSpPr>
+        <p:spPr>
+          <a:xfrm>
+            <a:off x="4600786" y="4726212"/>
+            <a:ext cx="381835" cy="523220"/>
+          </a:xfrm>
+          <a:prstGeom prst="rect">
+            <a:avLst/>
+          </a:prstGeom>
+          <a:noFill/>
+        </p:spPr>
+        <p:txBody>
+          <a:bodyPr wrap="none" rtlCol="0" anchor="ctr">
+            <a:spAutoFit/>
+          </a:bodyPr>
+          <a:lstStyle/>
+          <a:p>
+            <a:pPr algn="ctr"/>
+            <a:r>
+              <a:rPr lang="en-US" altLang="ko-KR" sz="2800" dirty="0"/>
+              <a:t>0</a:t>
+            </a:r>
+            <a:endParaRPr lang="ko-KR" altLang="en-US" sz="2800" dirty="0"/>
+          </a:p>
+        </p:txBody>
+      </p:sp>
+      <p:sp>
+        <p:nvSpPr>
+          <p:cNvPr id="62" name="TextBox 61">
+            <a:extLst>
+              <a:ext uri="{FF2B5EF4-FFF2-40B4-BE49-F238E27FC236}">
+                <a16:creationId xmlns:a16="http://schemas.microsoft.com/office/drawing/2014/main" id="{B0314713-63C7-43FD-87B5-3FD8A8F977DC}"/>
+              </a:ext>
+            </a:extLst>
+          </p:cNvPr>
+          <p:cNvSpPr txBox="1"/>
+          <p:nvPr/>
+        </p:nvSpPr>
+        <p:spPr>
+          <a:xfrm>
+            <a:off x="5197555" y="4726212"/>
+            <a:ext cx="381835" cy="523220"/>
+          </a:xfrm>
+          <a:prstGeom prst="rect">
+            <a:avLst/>
+          </a:prstGeom>
+          <a:noFill/>
+        </p:spPr>
+        <p:txBody>
+          <a:bodyPr wrap="none" rtlCol="0" anchor="ctr">
+            <a:spAutoFit/>
+          </a:bodyPr>
+          <a:lstStyle/>
+          <a:p>
+            <a:pPr algn="ctr"/>
+            <a:r>
+              <a:rPr lang="en-US" altLang="ko-KR" sz="2800" dirty="0"/>
+              <a:t>0</a:t>
+            </a:r>
+            <a:endParaRPr lang="ko-KR" altLang="en-US" sz="2800" dirty="0"/>
+          </a:p>
+        </p:txBody>
+      </p:sp>
+      <p:sp>
+        <p:nvSpPr>
+          <p:cNvPr id="63" name="TextBox 62">
+            <a:extLst>
+              <a:ext uri="{FF2B5EF4-FFF2-40B4-BE49-F238E27FC236}">
+                <a16:creationId xmlns:a16="http://schemas.microsoft.com/office/drawing/2014/main" id="{F403DCF9-7C65-456B-BAFE-5DDACC83498C}"/>
+              </a:ext>
+            </a:extLst>
+          </p:cNvPr>
+          <p:cNvSpPr txBox="1"/>
+          <p:nvPr/>
+        </p:nvSpPr>
+        <p:spPr>
+          <a:xfrm>
+            <a:off x="5794325" y="4726212"/>
+            <a:ext cx="381835" cy="523220"/>
+          </a:xfrm>
+          <a:prstGeom prst="rect">
+            <a:avLst/>
+          </a:prstGeom>
+          <a:noFill/>
+        </p:spPr>
+        <p:txBody>
+          <a:bodyPr wrap="none" rtlCol="0" anchor="ctr">
+            <a:spAutoFit/>
+          </a:bodyPr>
+          <a:lstStyle/>
+          <a:p>
+            <a:pPr algn="ctr"/>
+            <a:r>
+              <a:rPr lang="en-US" altLang="ko-KR" sz="2800" dirty="0"/>
+              <a:t>0</a:t>
+            </a:r>
+            <a:endParaRPr lang="ko-KR" altLang="en-US" sz="2800" dirty="0"/>
+          </a:p>
+        </p:txBody>
+      </p:sp>
+      <p:sp>
+        <p:nvSpPr>
+          <p:cNvPr id="64" name="TextBox 63">
+            <a:extLst>
+              <a:ext uri="{FF2B5EF4-FFF2-40B4-BE49-F238E27FC236}">
+                <a16:creationId xmlns:a16="http://schemas.microsoft.com/office/drawing/2014/main" id="{932BD6CE-AFB2-4528-9C4A-863BDDAE8122}"/>
+              </a:ext>
+            </a:extLst>
+          </p:cNvPr>
+          <p:cNvSpPr txBox="1"/>
+          <p:nvPr/>
+        </p:nvSpPr>
+        <p:spPr>
+          <a:xfrm>
+            <a:off x="7421641" y="4726212"/>
+            <a:ext cx="381835" cy="523220"/>
+          </a:xfrm>
+          <a:prstGeom prst="rect">
+            <a:avLst/>
+          </a:prstGeom>
+          <a:noFill/>
+        </p:spPr>
+        <p:txBody>
+          <a:bodyPr wrap="none" rtlCol="0" anchor="ctr">
+            <a:spAutoFit/>
+          </a:bodyPr>
+          <a:lstStyle/>
+          <a:p>
+            <a:pPr algn="ctr"/>
+            <a:r>
+              <a:rPr lang="en-US" altLang="ko-KR" sz="2800" dirty="0"/>
+              <a:t>0</a:t>
+            </a:r>
+            <a:endParaRPr lang="ko-KR" altLang="en-US" sz="2800" dirty="0"/>
+          </a:p>
+        </p:txBody>
+      </p:sp>
+      <p:sp>
+        <p:nvSpPr>
+          <p:cNvPr id="65" name="TextBox 64">
+            <a:extLst>
+              <a:ext uri="{FF2B5EF4-FFF2-40B4-BE49-F238E27FC236}">
+                <a16:creationId xmlns:a16="http://schemas.microsoft.com/office/drawing/2014/main" id="{3168B3D8-B14C-4711-941B-89D29183EF3C}"/>
+              </a:ext>
+            </a:extLst>
+          </p:cNvPr>
+          <p:cNvSpPr txBox="1"/>
+          <p:nvPr/>
+        </p:nvSpPr>
+        <p:spPr>
+          <a:xfrm>
+            <a:off x="7917969" y="4726212"/>
+            <a:ext cx="381835" cy="523220"/>
+          </a:xfrm>
+          <a:prstGeom prst="rect">
+            <a:avLst/>
+          </a:prstGeom>
+          <a:noFill/>
+        </p:spPr>
+        <p:txBody>
+          <a:bodyPr wrap="none" rtlCol="0" anchor="ctr">
+            <a:spAutoFit/>
+          </a:bodyPr>
+          <a:lstStyle/>
+          <a:p>
+            <a:pPr algn="ctr"/>
+            <a:r>
+              <a:rPr lang="en-US" altLang="ko-KR" sz="2800" dirty="0"/>
+              <a:t>0</a:t>
+            </a:r>
+            <a:endParaRPr lang="ko-KR" altLang="en-US" sz="2800" dirty="0"/>
+          </a:p>
+        </p:txBody>
+      </p:sp>
+      <p:sp>
+        <p:nvSpPr>
+          <p:cNvPr id="66" name="TextBox 65">
+            <a:extLst>
+              <a:ext uri="{FF2B5EF4-FFF2-40B4-BE49-F238E27FC236}">
+                <a16:creationId xmlns:a16="http://schemas.microsoft.com/office/drawing/2014/main" id="{5A6AB1F3-6B70-4C2D-B1CB-4E98B378EB7D}"/>
+              </a:ext>
+            </a:extLst>
+          </p:cNvPr>
+          <p:cNvSpPr txBox="1"/>
+          <p:nvPr/>
+        </p:nvSpPr>
+        <p:spPr>
+          <a:xfrm>
+            <a:off x="6323244" y="4726212"/>
+            <a:ext cx="381835" cy="523220"/>
+          </a:xfrm>
+          <a:prstGeom prst="rect">
+            <a:avLst/>
+          </a:prstGeom>
+          <a:noFill/>
+        </p:spPr>
+        <p:txBody>
+          <a:bodyPr wrap="none" rtlCol="0" anchor="ctr">
+            <a:spAutoFit/>
+          </a:bodyPr>
+          <a:lstStyle/>
+          <a:p>
+            <a:pPr algn="ctr"/>
+            <a:r>
+              <a:rPr lang="en-US" altLang="ko-KR" sz="2800" dirty="0"/>
+              <a:t>0</a:t>
+            </a:r>
+            <a:endParaRPr lang="ko-KR" altLang="en-US" sz="2800" dirty="0"/>
+          </a:p>
+        </p:txBody>
+      </p:sp>
+      <p:sp>
+        <p:nvSpPr>
+          <p:cNvPr id="67" name="TextBox 66">
+            <a:extLst>
+              <a:ext uri="{FF2B5EF4-FFF2-40B4-BE49-F238E27FC236}">
+                <a16:creationId xmlns:a16="http://schemas.microsoft.com/office/drawing/2014/main" id="{F103C784-26E5-4FBC-A0B3-73FF0422AEEE}"/>
+              </a:ext>
+            </a:extLst>
+          </p:cNvPr>
+          <p:cNvSpPr txBox="1"/>
+          <p:nvPr/>
+        </p:nvSpPr>
+        <p:spPr>
+          <a:xfrm>
+            <a:off x="6897047" y="4726212"/>
+            <a:ext cx="381835" cy="523220"/>
+          </a:xfrm>
+          <a:prstGeom prst="rect">
+            <a:avLst/>
+          </a:prstGeom>
+          <a:noFill/>
+        </p:spPr>
+        <p:txBody>
+          <a:bodyPr wrap="none" rtlCol="0" anchor="ctr">
+            <a:spAutoFit/>
+          </a:bodyPr>
+          <a:lstStyle/>
+          <a:p>
+            <a:pPr algn="ctr"/>
+            <a:r>
+              <a:rPr lang="en-US" altLang="ko-KR" sz="2800" dirty="0"/>
+              <a:t>0</a:t>
+            </a:r>
+            <a:endParaRPr lang="ko-KR" altLang="en-US" sz="2800" dirty="0"/>
+          </a:p>
+        </p:txBody>
+      </p:sp>
+      <p:cxnSp>
+        <p:nvCxnSpPr>
+          <p:cNvPr id="5" name="직선 연결선 4">
+            <a:extLst>
+              <a:ext uri="{FF2B5EF4-FFF2-40B4-BE49-F238E27FC236}">
+                <a16:creationId xmlns:a16="http://schemas.microsoft.com/office/drawing/2014/main" id="{C5C227FC-0406-44E9-9AC9-6A81FF50E9AB}"/>
+              </a:ext>
+            </a:extLst>
+          </p:cNvPr>
+          <p:cNvCxnSpPr/>
+          <p:nvPr/>
+        </p:nvCxnSpPr>
+        <p:spPr>
+          <a:xfrm>
+            <a:off x="3915248" y="2174460"/>
+            <a:ext cx="574609" cy="0"/>
+          </a:xfrm>
+          <a:prstGeom prst="line">
+            <a:avLst/>
+          </a:prstGeom>
+          <a:ln w="38100">
+            <a:solidFill>
+              <a:schemeClr val="tx1"/>
+            </a:solidFill>
+          </a:ln>
+        </p:spPr>
+        <p:style>
+          <a:lnRef idx="1">
+            <a:schemeClr val="accent1"/>
+          </a:lnRef>
+          <a:fillRef idx="0">
+            <a:schemeClr val="accent1"/>
+          </a:fillRef>
+          <a:effectRef idx="0">
+            <a:schemeClr val="accent1"/>
+          </a:effectRef>
+          <a:fontRef idx="minor">
+            <a:schemeClr val="tx1"/>
+          </a:fontRef>
+        </p:style>
+      </p:cxnSp>
+      <p:cxnSp>
+        <p:nvCxnSpPr>
+          <p:cNvPr id="68" name="직선 연결선 67">
+            <a:extLst>
+              <a:ext uri="{FF2B5EF4-FFF2-40B4-BE49-F238E27FC236}">
+                <a16:creationId xmlns:a16="http://schemas.microsoft.com/office/drawing/2014/main" id="{21D8B38D-0F89-4873-9971-35606AA85404}"/>
+              </a:ext>
+            </a:extLst>
+          </p:cNvPr>
+          <p:cNvCxnSpPr>
+            <a:cxnSpLocks/>
+          </p:cNvCxnSpPr>
+          <p:nvPr/>
+        </p:nvCxnSpPr>
+        <p:spPr>
+          <a:xfrm>
+            <a:off x="4482237" y="2771912"/>
+            <a:ext cx="616663" cy="0"/>
+          </a:xfrm>
+          <a:prstGeom prst="line">
+            <a:avLst/>
+          </a:prstGeom>
+          <a:ln w="38100">
+            <a:solidFill>
+              <a:schemeClr val="tx1"/>
+            </a:solidFill>
+          </a:ln>
+        </p:spPr>
+        <p:style>
+          <a:lnRef idx="1">
+            <a:schemeClr val="accent1"/>
+          </a:lnRef>
+          <a:fillRef idx="0">
+            <a:schemeClr val="accent1"/>
+          </a:fillRef>
+          <a:effectRef idx="0">
+            <a:schemeClr val="accent1"/>
+          </a:effectRef>
+          <a:fontRef idx="minor">
+            <a:schemeClr val="tx1"/>
+          </a:fontRef>
+        </p:style>
+      </p:cxnSp>
+      <p:cxnSp>
+        <p:nvCxnSpPr>
+          <p:cNvPr id="69" name="직선 연결선 68">
+            <a:extLst>
+              <a:ext uri="{FF2B5EF4-FFF2-40B4-BE49-F238E27FC236}">
+                <a16:creationId xmlns:a16="http://schemas.microsoft.com/office/drawing/2014/main" id="{3260DB80-3E3F-4E14-9BC0-EBB89FD55910}"/>
+              </a:ext>
+            </a:extLst>
+          </p:cNvPr>
+          <p:cNvCxnSpPr>
+            <a:cxnSpLocks/>
+          </p:cNvCxnSpPr>
+          <p:nvPr/>
+        </p:nvCxnSpPr>
+        <p:spPr>
+          <a:xfrm>
+            <a:off x="5100087" y="3429000"/>
+            <a:ext cx="590736" cy="0"/>
+          </a:xfrm>
+          <a:prstGeom prst="line">
+            <a:avLst/>
+          </a:prstGeom>
+          <a:ln w="38100">
+            <a:solidFill>
+              <a:schemeClr val="tx1"/>
+            </a:solidFill>
+          </a:ln>
+        </p:spPr>
+        <p:style>
+          <a:lnRef idx="1">
+            <a:schemeClr val="accent1"/>
+          </a:lnRef>
+          <a:fillRef idx="0">
+            <a:schemeClr val="accent1"/>
+          </a:fillRef>
+          <a:effectRef idx="0">
+            <a:schemeClr val="accent1"/>
+          </a:effectRef>
+          <a:fontRef idx="minor">
+            <a:schemeClr val="tx1"/>
+          </a:fontRef>
+        </p:style>
+      </p:cxnSp>
+      <p:cxnSp>
+        <p:nvCxnSpPr>
+          <p:cNvPr id="70" name="직선 연결선 69">
+            <a:extLst>
+              <a:ext uri="{FF2B5EF4-FFF2-40B4-BE49-F238E27FC236}">
+                <a16:creationId xmlns:a16="http://schemas.microsoft.com/office/drawing/2014/main" id="{0DAA53C9-6D2D-46A8-95EF-11AF58708348}"/>
+              </a:ext>
+            </a:extLst>
+          </p:cNvPr>
+          <p:cNvCxnSpPr>
+            <a:cxnSpLocks/>
+          </p:cNvCxnSpPr>
+          <p:nvPr/>
+        </p:nvCxnSpPr>
+        <p:spPr>
+          <a:xfrm>
+            <a:off x="5673814" y="4065232"/>
+            <a:ext cx="1636430" cy="0"/>
+          </a:xfrm>
+          <a:prstGeom prst="line">
+            <a:avLst/>
+          </a:prstGeom>
+          <a:ln w="38100">
+            <a:solidFill>
+              <a:schemeClr val="tx1"/>
+            </a:solidFill>
+          </a:ln>
+        </p:spPr>
+        <p:style>
+          <a:lnRef idx="1">
+            <a:schemeClr val="accent1"/>
+          </a:lnRef>
+          <a:fillRef idx="0">
+            <a:schemeClr val="accent1"/>
+          </a:fillRef>
+          <a:effectRef idx="0">
+            <a:schemeClr val="accent1"/>
+          </a:effectRef>
+          <a:fontRef idx="minor">
+            <a:schemeClr val="tx1"/>
+          </a:fontRef>
+        </p:style>
+      </p:cxnSp>
+      <p:cxnSp>
+        <p:nvCxnSpPr>
+          <p:cNvPr id="71" name="직선 연결선 70">
+            <a:extLst>
+              <a:ext uri="{FF2B5EF4-FFF2-40B4-BE49-F238E27FC236}">
+                <a16:creationId xmlns:a16="http://schemas.microsoft.com/office/drawing/2014/main" id="{7C989169-C91E-457F-8BE3-1BDDF19064DF}"/>
+              </a:ext>
+            </a:extLst>
+          </p:cNvPr>
+          <p:cNvCxnSpPr>
+            <a:cxnSpLocks/>
+          </p:cNvCxnSpPr>
+          <p:nvPr/>
+        </p:nvCxnSpPr>
+        <p:spPr>
+          <a:xfrm>
+            <a:off x="7290770" y="4701464"/>
+            <a:ext cx="1262035" cy="0"/>
+          </a:xfrm>
+          <a:prstGeom prst="line">
+            <a:avLst/>
+          </a:prstGeom>
+          <a:ln w="38100">
+            <a:solidFill>
+              <a:schemeClr val="tx1"/>
+            </a:solidFill>
+          </a:ln>
+        </p:spPr>
+        <p:style>
+          <a:lnRef idx="1">
+            <a:schemeClr val="accent1"/>
+          </a:lnRef>
+          <a:fillRef idx="0">
+            <a:schemeClr val="accent1"/>
+          </a:fillRef>
+          <a:effectRef idx="0">
+            <a:schemeClr val="accent1"/>
+          </a:effectRef>
+          <a:fontRef idx="minor">
+            <a:schemeClr val="tx1"/>
+          </a:fontRef>
+        </p:style>
+      </p:cxnSp>
+      <p:cxnSp>
+        <p:nvCxnSpPr>
+          <p:cNvPr id="25" name="직선 연결선 24">
+            <a:extLst>
+              <a:ext uri="{FF2B5EF4-FFF2-40B4-BE49-F238E27FC236}">
+                <a16:creationId xmlns:a16="http://schemas.microsoft.com/office/drawing/2014/main" id="{3F4DB0AE-5C3A-4C4A-B9E8-41FEE24DBA39}"/>
+              </a:ext>
+            </a:extLst>
+          </p:cNvPr>
+          <p:cNvCxnSpPr/>
+          <p:nvPr/>
+        </p:nvCxnSpPr>
+        <p:spPr>
+          <a:xfrm>
+            <a:off x="4488994" y="2174460"/>
+            <a:ext cx="0" cy="593168"/>
+          </a:xfrm>
+          <a:prstGeom prst="line">
+            <a:avLst/>
+          </a:prstGeom>
+          <a:ln w="38100">
+            <a:solidFill>
+              <a:schemeClr val="tx1"/>
+            </a:solidFill>
+          </a:ln>
+        </p:spPr>
+        <p:style>
+          <a:lnRef idx="1">
+            <a:schemeClr val="accent1"/>
+          </a:lnRef>
+          <a:fillRef idx="0">
+            <a:schemeClr val="accent1"/>
+          </a:fillRef>
+          <a:effectRef idx="0">
+            <a:schemeClr val="accent1"/>
+          </a:effectRef>
+          <a:fontRef idx="minor">
+            <a:schemeClr val="tx1"/>
+          </a:fontRef>
+        </p:style>
+      </p:cxnSp>
+      <p:cxnSp>
+        <p:nvCxnSpPr>
+          <p:cNvPr id="37" name="직선 연결선 36">
+            <a:extLst>
+              <a:ext uri="{FF2B5EF4-FFF2-40B4-BE49-F238E27FC236}">
+                <a16:creationId xmlns:a16="http://schemas.microsoft.com/office/drawing/2014/main" id="{D1CAE60B-2256-4113-BE19-C82C193F9394}"/>
+              </a:ext>
+            </a:extLst>
+          </p:cNvPr>
+          <p:cNvCxnSpPr/>
+          <p:nvPr/>
+        </p:nvCxnSpPr>
+        <p:spPr>
+          <a:xfrm>
+            <a:off x="5098900" y="2767628"/>
+            <a:ext cx="0" cy="661372"/>
+          </a:xfrm>
+          <a:prstGeom prst="line">
+            <a:avLst/>
+          </a:prstGeom>
+          <a:ln w="38100">
+            <a:solidFill>
+              <a:schemeClr val="tx1"/>
+            </a:solidFill>
+          </a:ln>
+        </p:spPr>
+        <p:style>
+          <a:lnRef idx="1">
+            <a:schemeClr val="accent1"/>
+          </a:lnRef>
+          <a:fillRef idx="0">
+            <a:schemeClr val="accent1"/>
+          </a:fillRef>
+          <a:effectRef idx="0">
+            <a:schemeClr val="accent1"/>
+          </a:effectRef>
+          <a:fontRef idx="minor">
+            <a:schemeClr val="tx1"/>
+          </a:fontRef>
+        </p:style>
+      </p:cxnSp>
+      <p:cxnSp>
+        <p:nvCxnSpPr>
+          <p:cNvPr id="72" name="직선 연결선 71">
+            <a:extLst>
+              <a:ext uri="{FF2B5EF4-FFF2-40B4-BE49-F238E27FC236}">
+                <a16:creationId xmlns:a16="http://schemas.microsoft.com/office/drawing/2014/main" id="{61EF895A-63F5-42E2-AAF4-B1E7EB9BDD3C}"/>
+              </a:ext>
+            </a:extLst>
+          </p:cNvPr>
+          <p:cNvCxnSpPr/>
+          <p:nvPr/>
+        </p:nvCxnSpPr>
+        <p:spPr>
+          <a:xfrm>
+            <a:off x="5690823" y="3429000"/>
+            <a:ext cx="0" cy="636232"/>
+          </a:xfrm>
+          <a:prstGeom prst="line">
+            <a:avLst/>
+          </a:prstGeom>
+          <a:ln w="38100">
+            <a:solidFill>
+              <a:schemeClr val="tx1"/>
+            </a:solidFill>
+          </a:ln>
+        </p:spPr>
+        <p:style>
+          <a:lnRef idx="1">
+            <a:schemeClr val="accent1"/>
+          </a:lnRef>
+          <a:fillRef idx="0">
+            <a:schemeClr val="accent1"/>
+          </a:fillRef>
+          <a:effectRef idx="0">
+            <a:schemeClr val="accent1"/>
+          </a:effectRef>
+          <a:fontRef idx="minor">
+            <a:schemeClr val="tx1"/>
+          </a:fontRef>
+        </p:style>
+      </p:cxnSp>
+      <p:cxnSp>
+        <p:nvCxnSpPr>
+          <p:cNvPr id="75" name="직선 연결선 74">
+            <a:extLst>
+              <a:ext uri="{FF2B5EF4-FFF2-40B4-BE49-F238E27FC236}">
+                <a16:creationId xmlns:a16="http://schemas.microsoft.com/office/drawing/2014/main" id="{E623654B-1E62-483B-B35C-1E335D6A9058}"/>
+              </a:ext>
+            </a:extLst>
+          </p:cNvPr>
+          <p:cNvCxnSpPr/>
+          <p:nvPr/>
+        </p:nvCxnSpPr>
+        <p:spPr>
+          <a:xfrm>
+            <a:off x="7294122" y="4065232"/>
+            <a:ext cx="0" cy="636232"/>
+          </a:xfrm>
+          <a:prstGeom prst="line">
+            <a:avLst/>
+          </a:prstGeom>
+          <a:ln w="38100">
+            <a:solidFill>
+              <a:schemeClr val="tx1"/>
+            </a:solidFill>
+          </a:ln>
+        </p:spPr>
+        <p:style>
+          <a:lnRef idx="1">
+            <a:schemeClr val="accent1"/>
+          </a:lnRef>
+          <a:fillRef idx="0">
+            <a:schemeClr val="accent1"/>
+          </a:fillRef>
+          <a:effectRef idx="0">
+            <a:schemeClr val="accent1"/>
+          </a:effectRef>
+          <a:fontRef idx="minor">
+            <a:schemeClr val="tx1"/>
+          </a:fontRef>
+        </p:style>
+      </p:cxnSp>
+      <p:sp>
+        <p:nvSpPr>
+          <p:cNvPr id="78" name="타원 77">
+            <a:extLst>
+              <a:ext uri="{FF2B5EF4-FFF2-40B4-BE49-F238E27FC236}">
+                <a16:creationId xmlns:a16="http://schemas.microsoft.com/office/drawing/2014/main" id="{E467CE54-DB05-4418-95A6-30E2DA187633}"/>
+              </a:ext>
+            </a:extLst>
+          </p:cNvPr>
+          <p:cNvSpPr/>
+          <p:nvPr/>
+        </p:nvSpPr>
+        <p:spPr>
+          <a:xfrm>
+            <a:off x="3910773" y="1578751"/>
+            <a:ext cx="570177" cy="570177"/>
+          </a:xfrm>
+          <a:prstGeom prst="ellipse">
+            <a:avLst/>
+          </a:prstGeom>
+          <a:noFill/>
+          <a:ln w="38100">
+            <a:solidFill>
+              <a:schemeClr val="accent2"/>
+            </a:solidFill>
+          </a:ln>
+        </p:spPr>
+        <p:style>
+          <a:lnRef idx="2">
+            <a:schemeClr val="accent1">
+              <a:shade val="50000"/>
+            </a:schemeClr>
+          </a:lnRef>
+          <a:fillRef idx="1">
+            <a:schemeClr val="accent1"/>
+          </a:fillRef>
+          <a:effectRef idx="0">
+            <a:schemeClr val="accent1"/>
+          </a:effectRef>
+          <a:fontRef idx="minor">
+            <a:schemeClr val="lt1"/>
+          </a:fontRef>
+        </p:style>
+        <p:txBody>
+          <a:bodyPr rtlCol="0" anchor="ctr"/>
+          <a:lstStyle/>
+          <a:p>
+            <a:pPr algn="ctr"/>
+            <a:endParaRPr lang="ko-KR" altLang="en-US"/>
+          </a:p>
+        </p:txBody>
+      </p:sp>
+      <p:sp>
+        <p:nvSpPr>
+          <p:cNvPr id="79" name="타원 78">
+            <a:extLst>
+              <a:ext uri="{FF2B5EF4-FFF2-40B4-BE49-F238E27FC236}">
+                <a16:creationId xmlns:a16="http://schemas.microsoft.com/office/drawing/2014/main" id="{DD6595A0-469E-495E-823D-02D648D249A2}"/>
+              </a:ext>
+            </a:extLst>
+          </p:cNvPr>
+          <p:cNvSpPr/>
+          <p:nvPr/>
+        </p:nvSpPr>
+        <p:spPr>
+          <a:xfrm>
+            <a:off x="4506614" y="2191983"/>
+            <a:ext cx="570177" cy="570177"/>
+          </a:xfrm>
+          <a:prstGeom prst="ellipse">
+            <a:avLst/>
+          </a:prstGeom>
+          <a:noFill/>
+          <a:ln w="38100">
+            <a:solidFill>
+              <a:schemeClr val="accent2"/>
+            </a:solidFill>
+          </a:ln>
+        </p:spPr>
+        <p:style>
+          <a:lnRef idx="2">
+            <a:schemeClr val="accent1">
+              <a:shade val="50000"/>
+            </a:schemeClr>
+          </a:lnRef>
+          <a:fillRef idx="1">
+            <a:schemeClr val="accent1"/>
+          </a:fillRef>
+          <a:effectRef idx="0">
+            <a:schemeClr val="accent1"/>
+          </a:effectRef>
+          <a:fontRef idx="minor">
+            <a:schemeClr val="lt1"/>
+          </a:fontRef>
+        </p:style>
+        <p:txBody>
+          <a:bodyPr rtlCol="0" anchor="ctr"/>
+          <a:lstStyle/>
+          <a:p>
+            <a:pPr algn="ctr"/>
+            <a:endParaRPr lang="ko-KR" altLang="en-US"/>
+          </a:p>
+        </p:txBody>
+      </p:sp>
+      <p:sp>
+        <p:nvSpPr>
+          <p:cNvPr id="80" name="타원 79">
+            <a:extLst>
+              <a:ext uri="{FF2B5EF4-FFF2-40B4-BE49-F238E27FC236}">
+                <a16:creationId xmlns:a16="http://schemas.microsoft.com/office/drawing/2014/main" id="{380A52DE-386E-466E-8CE1-478CE99269CF}"/>
+              </a:ext>
+            </a:extLst>
+          </p:cNvPr>
+          <p:cNvSpPr/>
+          <p:nvPr/>
+        </p:nvSpPr>
+        <p:spPr>
+          <a:xfrm>
+            <a:off x="5100544" y="2860361"/>
+            <a:ext cx="570177" cy="570177"/>
+          </a:xfrm>
+          <a:prstGeom prst="ellipse">
+            <a:avLst/>
+          </a:prstGeom>
+          <a:noFill/>
+          <a:ln w="38100">
+            <a:solidFill>
+              <a:schemeClr val="accent2"/>
+            </a:solidFill>
+          </a:ln>
+        </p:spPr>
+        <p:style>
+          <a:lnRef idx="2">
+            <a:schemeClr val="accent1">
+              <a:shade val="50000"/>
+            </a:schemeClr>
+          </a:lnRef>
+          <a:fillRef idx="1">
+            <a:schemeClr val="accent1"/>
+          </a:fillRef>
+          <a:effectRef idx="0">
+            <a:schemeClr val="accent1"/>
+          </a:effectRef>
+          <a:fontRef idx="minor">
+            <a:schemeClr val="lt1"/>
+          </a:fontRef>
+        </p:style>
+        <p:txBody>
+          <a:bodyPr rtlCol="0" anchor="ctr"/>
+          <a:lstStyle/>
+          <a:p>
+            <a:pPr algn="ctr"/>
+            <a:endParaRPr lang="ko-KR" altLang="en-US"/>
+          </a:p>
+        </p:txBody>
+      </p:sp>
+      <p:sp>
+        <p:nvSpPr>
+          <p:cNvPr id="81" name="타원 80">
+            <a:extLst>
+              <a:ext uri="{FF2B5EF4-FFF2-40B4-BE49-F238E27FC236}">
+                <a16:creationId xmlns:a16="http://schemas.microsoft.com/office/drawing/2014/main" id="{EB6628E6-B359-4CCF-A13D-CB76A165A1F3}"/>
+              </a:ext>
+            </a:extLst>
+          </p:cNvPr>
+          <p:cNvSpPr/>
+          <p:nvPr/>
+        </p:nvSpPr>
+        <p:spPr>
+          <a:xfrm>
+            <a:off x="5702503" y="3492608"/>
+            <a:ext cx="570177" cy="570177"/>
+          </a:xfrm>
+          <a:prstGeom prst="ellipse">
+            <a:avLst/>
+          </a:prstGeom>
+          <a:noFill/>
+          <a:ln w="38100">
+            <a:solidFill>
+              <a:schemeClr val="accent2"/>
+            </a:solidFill>
+          </a:ln>
+        </p:spPr>
+        <p:style>
+          <a:lnRef idx="2">
+            <a:schemeClr val="accent1">
+              <a:shade val="50000"/>
+            </a:schemeClr>
+          </a:lnRef>
+          <a:fillRef idx="1">
+            <a:schemeClr val="accent1"/>
+          </a:fillRef>
+          <a:effectRef idx="0">
+            <a:schemeClr val="accent1"/>
+          </a:effectRef>
+          <a:fontRef idx="minor">
+            <a:schemeClr val="lt1"/>
+          </a:fontRef>
+        </p:style>
+        <p:txBody>
+          <a:bodyPr rtlCol="0" anchor="ctr"/>
+          <a:lstStyle/>
+          <a:p>
+            <a:pPr algn="ctr"/>
+            <a:endParaRPr lang="ko-KR" altLang="en-US"/>
+          </a:p>
+        </p:txBody>
+      </p:sp>
+      <p:sp>
+        <p:nvSpPr>
+          <p:cNvPr id="82" name="타원 81">
+            <a:extLst>
+              <a:ext uri="{FF2B5EF4-FFF2-40B4-BE49-F238E27FC236}">
+                <a16:creationId xmlns:a16="http://schemas.microsoft.com/office/drawing/2014/main" id="{2CE6625E-AA47-4389-AF07-AB4A18EDD60B}"/>
+              </a:ext>
+            </a:extLst>
+          </p:cNvPr>
+          <p:cNvSpPr/>
+          <p:nvPr/>
+        </p:nvSpPr>
+        <p:spPr>
+          <a:xfrm>
+            <a:off x="7333380" y="4104971"/>
+            <a:ext cx="570177" cy="570177"/>
+          </a:xfrm>
+          <a:prstGeom prst="ellipse">
+            <a:avLst/>
+          </a:prstGeom>
+          <a:noFill/>
+          <a:ln w="38100">
+            <a:solidFill>
+              <a:schemeClr val="accent2"/>
+            </a:solidFill>
+          </a:ln>
+        </p:spPr>
+        <p:style>
+          <a:lnRef idx="2">
+            <a:schemeClr val="accent1">
+              <a:shade val="50000"/>
+            </a:schemeClr>
+          </a:lnRef>
+          <a:fillRef idx="1">
+            <a:schemeClr val="accent1"/>
+          </a:fillRef>
+          <a:effectRef idx="0">
+            <a:schemeClr val="accent1"/>
+          </a:effectRef>
+          <a:fontRef idx="minor">
+            <a:schemeClr val="lt1"/>
+          </a:fontRef>
+        </p:style>
+        <p:txBody>
+          <a:bodyPr rtlCol="0" anchor="ctr"/>
+          <a:lstStyle/>
+          <a:p>
+            <a:pPr algn="ctr"/>
+            <a:endParaRPr lang="ko-KR" altLang="en-US"/>
+          </a:p>
+        </p:txBody>
+      </p:sp>
+      <p:cxnSp>
+        <p:nvCxnSpPr>
+          <p:cNvPr id="85" name="직선 화살표 연결선 84">
+            <a:extLst>
+              <a:ext uri="{FF2B5EF4-FFF2-40B4-BE49-F238E27FC236}">
+                <a16:creationId xmlns:a16="http://schemas.microsoft.com/office/drawing/2014/main" id="{AB4CEFE4-077C-4625-9E2C-5F761F8B95EC}"/>
+              </a:ext>
+            </a:extLst>
+          </p:cNvPr>
+          <p:cNvCxnSpPr>
+            <a:stCxn id="83" idx="1"/>
+          </p:cNvCxnSpPr>
+          <p:nvPr/>
+        </p:nvCxnSpPr>
+        <p:spPr>
+          <a:xfrm flipH="1">
+            <a:off x="4488994" y="1238872"/>
+            <a:ext cx="1330176" cy="487904"/>
+          </a:xfrm>
+          <a:prstGeom prst="straightConnector1">
+            <a:avLst/>
+          </a:prstGeom>
+          <a:ln w="19050">
+            <a:solidFill>
+              <a:schemeClr val="tx2"/>
+            </a:solidFill>
+            <a:prstDash val="sysDot"/>
+            <a:tailEnd type="triangle"/>
+          </a:ln>
+        </p:spPr>
+        <p:style>
+          <a:lnRef idx="1">
+            <a:schemeClr val="accent1"/>
+          </a:lnRef>
+          <a:fillRef idx="0">
+            <a:schemeClr val="accent1"/>
+          </a:fillRef>
+          <a:effectRef idx="0">
+            <a:schemeClr val="accent1"/>
+          </a:effectRef>
+          <a:fontRef idx="minor">
+            <a:schemeClr val="tx1"/>
+          </a:fontRef>
+        </p:style>
+      </p:cxnSp>
+      <p:cxnSp>
+        <p:nvCxnSpPr>
+          <p:cNvPr id="87" name="직선 화살표 연결선 86">
+            <a:extLst>
+              <a:ext uri="{FF2B5EF4-FFF2-40B4-BE49-F238E27FC236}">
+                <a16:creationId xmlns:a16="http://schemas.microsoft.com/office/drawing/2014/main" id="{6DE4627E-70EC-43FD-AEF4-AF38D604446E}"/>
+              </a:ext>
+            </a:extLst>
+          </p:cNvPr>
+          <p:cNvCxnSpPr>
+            <a:cxnSpLocks/>
+            <a:endCxn id="79" idx="7"/>
+          </p:cNvCxnSpPr>
+          <p:nvPr/>
+        </p:nvCxnSpPr>
+        <p:spPr>
+          <a:xfrm flipH="1">
+            <a:off x="4993291" y="1527274"/>
+            <a:ext cx="891902" cy="748209"/>
+          </a:xfrm>
+          <a:prstGeom prst="straightConnector1">
+            <a:avLst/>
+          </a:prstGeom>
+          <a:ln w="19050">
+            <a:solidFill>
+              <a:schemeClr val="tx2"/>
+            </a:solidFill>
+            <a:prstDash val="sysDot"/>
+            <a:tailEnd type="triangle"/>
+          </a:ln>
+        </p:spPr>
+        <p:style>
+          <a:lnRef idx="1">
+            <a:schemeClr val="accent1"/>
+          </a:lnRef>
+          <a:fillRef idx="0">
+            <a:schemeClr val="accent1"/>
+          </a:fillRef>
+          <a:effectRef idx="0">
+            <a:schemeClr val="accent1"/>
+          </a:effectRef>
+          <a:fontRef idx="minor">
+            <a:schemeClr val="tx1"/>
+          </a:fontRef>
+        </p:style>
+      </p:cxnSp>
+      <p:cxnSp>
+        <p:nvCxnSpPr>
+          <p:cNvPr id="89" name="직선 화살표 연결선 88">
+            <a:extLst>
+              <a:ext uri="{FF2B5EF4-FFF2-40B4-BE49-F238E27FC236}">
+                <a16:creationId xmlns:a16="http://schemas.microsoft.com/office/drawing/2014/main" id="{637B0387-35E7-4F5A-A703-C67711D38E84}"/>
+              </a:ext>
+            </a:extLst>
+          </p:cNvPr>
+          <p:cNvCxnSpPr>
+            <a:cxnSpLocks/>
+          </p:cNvCxnSpPr>
+          <p:nvPr/>
+        </p:nvCxnSpPr>
+        <p:spPr>
+          <a:xfrm flipH="1">
+            <a:off x="5602348" y="1564687"/>
+            <a:ext cx="636268" cy="1323265"/>
+          </a:xfrm>
+          <a:prstGeom prst="straightConnector1">
+            <a:avLst/>
+          </a:prstGeom>
+          <a:ln w="19050">
+            <a:solidFill>
+              <a:schemeClr val="tx2"/>
+            </a:solidFill>
+            <a:prstDash val="sysDot"/>
+            <a:tailEnd type="triangle"/>
+          </a:ln>
+        </p:spPr>
+        <p:style>
+          <a:lnRef idx="1">
+            <a:schemeClr val="accent1"/>
+          </a:lnRef>
+          <a:fillRef idx="0">
+            <a:schemeClr val="accent1"/>
+          </a:fillRef>
+          <a:effectRef idx="0">
+            <a:schemeClr val="accent1"/>
+          </a:effectRef>
+          <a:fontRef idx="minor">
+            <a:schemeClr val="tx1"/>
+          </a:fontRef>
+        </p:style>
+      </p:cxnSp>
+      <p:cxnSp>
+        <p:nvCxnSpPr>
+          <p:cNvPr id="93" name="직선 화살표 연결선 92">
+            <a:extLst>
+              <a:ext uri="{FF2B5EF4-FFF2-40B4-BE49-F238E27FC236}">
+                <a16:creationId xmlns:a16="http://schemas.microsoft.com/office/drawing/2014/main" id="{DCBF479C-D0D8-4078-8289-246A5F9B67BD}"/>
+              </a:ext>
+            </a:extLst>
+          </p:cNvPr>
+          <p:cNvCxnSpPr>
+            <a:stCxn id="83" idx="2"/>
+          </p:cNvCxnSpPr>
+          <p:nvPr/>
+        </p:nvCxnSpPr>
+        <p:spPr>
+          <a:xfrm flipH="1">
+            <a:off x="6096000" y="1531259"/>
+            <a:ext cx="364019" cy="1917628"/>
+          </a:xfrm>
+          <a:prstGeom prst="straightConnector1">
+            <a:avLst/>
+          </a:prstGeom>
+          <a:ln w="19050">
+            <a:solidFill>
+              <a:schemeClr val="tx2"/>
+            </a:solidFill>
+            <a:prstDash val="sysDot"/>
+            <a:tailEnd type="triangle"/>
+          </a:ln>
+        </p:spPr>
+        <p:style>
+          <a:lnRef idx="1">
+            <a:schemeClr val="accent1"/>
+          </a:lnRef>
+          <a:fillRef idx="0">
+            <a:schemeClr val="accent1"/>
+          </a:fillRef>
+          <a:effectRef idx="0">
+            <a:schemeClr val="accent1"/>
+          </a:effectRef>
+          <a:fontRef idx="minor">
+            <a:schemeClr val="tx1"/>
+          </a:fontRef>
+        </p:style>
+      </p:cxnSp>
+      <p:sp>
+        <p:nvSpPr>
+          <p:cNvPr id="83" name="TextBox 82">
+            <a:extLst>
+              <a:ext uri="{FF2B5EF4-FFF2-40B4-BE49-F238E27FC236}">
+                <a16:creationId xmlns:a16="http://schemas.microsoft.com/office/drawing/2014/main" id="{7E47BFCE-9742-4373-962F-3EBCCC668E8B}"/>
+              </a:ext>
+            </a:extLst>
+          </p:cNvPr>
+          <p:cNvSpPr txBox="1"/>
+          <p:nvPr/>
+        </p:nvSpPr>
+        <p:spPr>
+          <a:xfrm>
+            <a:off x="5819170" y="946484"/>
+            <a:ext cx="1281698" cy="584775"/>
+          </a:xfrm>
+          <a:prstGeom prst="rect">
+            <a:avLst/>
+          </a:prstGeom>
+          <a:solidFill>
+            <a:schemeClr val="bg1"/>
+          </a:solidFill>
+          <a:ln w="38100">
+            <a:solidFill>
+              <a:schemeClr val="accent2"/>
+            </a:solidFill>
+          </a:ln>
+        </p:spPr>
+        <p:txBody>
+          <a:bodyPr wrap="none" rtlCol="0">
+            <a:spAutoFit/>
+          </a:bodyPr>
+          <a:lstStyle/>
+          <a:p>
+            <a:r>
+              <a:rPr lang="en-US" altLang="ko-KR" sz="3200" dirty="0">
+                <a:solidFill>
+                  <a:schemeClr val="accent2"/>
+                </a:solidFill>
+              </a:rPr>
+              <a:t>Pivots</a:t>
+            </a:r>
+            <a:endParaRPr lang="ko-KR" altLang="en-US" sz="3200" dirty="0">
+              <a:solidFill>
+                <a:schemeClr val="accent2"/>
+              </a:solidFill>
+            </a:endParaRPr>
+          </a:p>
+        </p:txBody>
+      </p:sp>
+      <p:cxnSp>
+        <p:nvCxnSpPr>
+          <p:cNvPr id="94" name="직선 화살표 연결선 93">
+            <a:extLst>
+              <a:ext uri="{FF2B5EF4-FFF2-40B4-BE49-F238E27FC236}">
+                <a16:creationId xmlns:a16="http://schemas.microsoft.com/office/drawing/2014/main" id="{CB888FCE-CC26-4673-A684-2B8A16A91E6B}"/>
+              </a:ext>
+            </a:extLst>
+          </p:cNvPr>
+          <p:cNvCxnSpPr>
+            <a:cxnSpLocks/>
+            <a:endCxn id="82" idx="0"/>
+          </p:cNvCxnSpPr>
+          <p:nvPr/>
+        </p:nvCxnSpPr>
+        <p:spPr>
+          <a:xfrm>
+            <a:off x="6682742" y="1531259"/>
+            <a:ext cx="935727" cy="2573712"/>
+          </a:xfrm>
+          <a:prstGeom prst="straightConnector1">
+            <a:avLst/>
+          </a:prstGeom>
+          <a:ln w="19050">
+            <a:solidFill>
+              <a:schemeClr val="tx2"/>
+            </a:solidFill>
+            <a:prstDash val="sysDot"/>
+            <a:tailEnd type="triangle"/>
+          </a:ln>
+        </p:spPr>
+        <p:style>
+          <a:lnRef idx="1">
+            <a:schemeClr val="accent1"/>
+          </a:lnRef>
+          <a:fillRef idx="0">
+            <a:schemeClr val="accent1"/>
+          </a:fillRef>
+          <a:effectRef idx="0">
+            <a:schemeClr val="accent1"/>
+          </a:effectRef>
+          <a:fontRef idx="minor">
+            <a:schemeClr val="tx1"/>
+          </a:fontRef>
+        </p:style>
+      </p:cxnSp>
+    </p:spTree>
+    <p:extLst>
+      <p:ext uri="{BB962C8B-B14F-4D97-AF65-F5344CB8AC3E}">
+        <p14:creationId xmlns:p14="http://schemas.microsoft.com/office/powerpoint/2010/main" val="2153141492"/>
       </p:ext>
     </p:extLst>
   </p:cSld>

--- a/pics/2021-06-19-Gauss_elimination/pics.pptx
+++ b/pics/2021-06-19-Gauss_elimination/pics.pptx
@@ -8,6 +8,7 @@
     <p:sldId id="256" r:id="rId2"/>
     <p:sldId id="257" r:id="rId3"/>
     <p:sldId id="258" r:id="rId4"/>
+    <p:sldId id="259" r:id="rId5"/>
   </p:sldIdLst>
   <p:sldSz cx="12192000" cy="6858000"/>
   <p:notesSz cx="6858000" cy="9144000"/>
@@ -108,7 +109,7 @@
   </p:defaultTextStyle>
   <p:extLst>
     <p:ext uri="{EFAFB233-063F-42B5-8137-9DF3F51BA10A}">
-      <p15:sldGuideLst xmlns:p15="http://schemas.microsoft.com/office/powerpoint/2012/main"/>
+      <p15:sldGuideLst xmlns:p15="http://schemas.microsoft.com/office/powerpoint/2012/main" xmlns=""/>
     </p:ext>
   </p:extLst>
 </p:presentation>
@@ -136,7 +137,7 @@
           <p:cNvPr id="2" name="제목 1">
             <a:extLst>
               <a:ext uri="{FF2B5EF4-FFF2-40B4-BE49-F238E27FC236}">
-                <a16:creationId xmlns:a16="http://schemas.microsoft.com/office/drawing/2014/main" id="{82FD9A84-23B0-4DDC-9F1E-E4507843FC7F}"/>
+                <a16:creationId xmlns:a16="http://schemas.microsoft.com/office/drawing/2014/main" xmlns="" id="{82FD9A84-23B0-4DDC-9F1E-E4507843FC7F}"/>
               </a:ext>
             </a:extLst>
           </p:cNvPr>
@@ -173,7 +174,7 @@
           <p:cNvPr id="3" name="부제목 2">
             <a:extLst>
               <a:ext uri="{FF2B5EF4-FFF2-40B4-BE49-F238E27FC236}">
-                <a16:creationId xmlns:a16="http://schemas.microsoft.com/office/drawing/2014/main" id="{CEE0360A-1042-442A-85A5-39F4AB809954}"/>
+                <a16:creationId xmlns:a16="http://schemas.microsoft.com/office/drawing/2014/main" xmlns="" id="{CEE0360A-1042-442A-85A5-39F4AB809954}"/>
               </a:ext>
             </a:extLst>
           </p:cNvPr>
@@ -243,7 +244,7 @@
           <p:cNvPr id="4" name="날짜 개체 틀 3">
             <a:extLst>
               <a:ext uri="{FF2B5EF4-FFF2-40B4-BE49-F238E27FC236}">
-                <a16:creationId xmlns:a16="http://schemas.microsoft.com/office/drawing/2014/main" id="{AD31096B-81DE-476D-AC4A-548AB37F258F}"/>
+                <a16:creationId xmlns:a16="http://schemas.microsoft.com/office/drawing/2014/main" xmlns="" id="{AD31096B-81DE-476D-AC4A-548AB37F258F}"/>
               </a:ext>
             </a:extLst>
           </p:cNvPr>
@@ -261,7 +262,7 @@
           <a:p>
             <a:fld id="{68E4AC84-9D0B-4907-B40A-7842A44BBA07}" type="datetimeFigureOut">
               <a:rPr lang="ko-KR" altLang="en-US" smtClean="0"/>
-              <a:t>2021-06-19</a:t>
+              <a:t>2021-06-21</a:t>
             </a:fld>
             <a:endParaRPr lang="ko-KR" altLang="en-US"/>
           </a:p>
@@ -272,7 +273,7 @@
           <p:cNvPr id="5" name="바닥글 개체 틀 4">
             <a:extLst>
               <a:ext uri="{FF2B5EF4-FFF2-40B4-BE49-F238E27FC236}">
-                <a16:creationId xmlns:a16="http://schemas.microsoft.com/office/drawing/2014/main" id="{82F78726-B95D-4F08-9EA8-A509EC1CB9BC}"/>
+                <a16:creationId xmlns:a16="http://schemas.microsoft.com/office/drawing/2014/main" xmlns="" id="{82F78726-B95D-4F08-9EA8-A509EC1CB9BC}"/>
               </a:ext>
             </a:extLst>
           </p:cNvPr>
@@ -297,7 +298,7 @@
           <p:cNvPr id="6" name="슬라이드 번호 개체 틀 5">
             <a:extLst>
               <a:ext uri="{FF2B5EF4-FFF2-40B4-BE49-F238E27FC236}">
-                <a16:creationId xmlns:a16="http://schemas.microsoft.com/office/drawing/2014/main" id="{41620B87-BC61-4D76-B365-8D154DF1FF5D}"/>
+                <a16:creationId xmlns:a16="http://schemas.microsoft.com/office/drawing/2014/main" xmlns="" id="{41620B87-BC61-4D76-B365-8D154DF1FF5D}"/>
               </a:ext>
             </a:extLst>
           </p:cNvPr>
@@ -356,7 +357,7 @@
           <p:cNvPr id="2" name="제목 1">
             <a:extLst>
               <a:ext uri="{FF2B5EF4-FFF2-40B4-BE49-F238E27FC236}">
-                <a16:creationId xmlns:a16="http://schemas.microsoft.com/office/drawing/2014/main" id="{F092569F-A8E8-4D91-9958-46BF3E408308}"/>
+                <a16:creationId xmlns:a16="http://schemas.microsoft.com/office/drawing/2014/main" xmlns="" id="{F092569F-A8E8-4D91-9958-46BF3E408308}"/>
               </a:ext>
             </a:extLst>
           </p:cNvPr>
@@ -384,7 +385,7 @@
           <p:cNvPr id="3" name="세로 텍스트 개체 틀 2">
             <a:extLst>
               <a:ext uri="{FF2B5EF4-FFF2-40B4-BE49-F238E27FC236}">
-                <a16:creationId xmlns:a16="http://schemas.microsoft.com/office/drawing/2014/main" id="{306F85FF-E03A-454B-A5C4-19883EBF5C8E}"/>
+                <a16:creationId xmlns:a16="http://schemas.microsoft.com/office/drawing/2014/main" xmlns="" id="{306F85FF-E03A-454B-A5C4-19883EBF5C8E}"/>
               </a:ext>
             </a:extLst>
           </p:cNvPr>
@@ -441,7 +442,7 @@
           <p:cNvPr id="4" name="날짜 개체 틀 3">
             <a:extLst>
               <a:ext uri="{FF2B5EF4-FFF2-40B4-BE49-F238E27FC236}">
-                <a16:creationId xmlns:a16="http://schemas.microsoft.com/office/drawing/2014/main" id="{677FC95D-B651-4BE5-B429-C9DD9D1A6AD9}"/>
+                <a16:creationId xmlns:a16="http://schemas.microsoft.com/office/drawing/2014/main" xmlns="" id="{677FC95D-B651-4BE5-B429-C9DD9D1A6AD9}"/>
               </a:ext>
             </a:extLst>
           </p:cNvPr>
@@ -459,7 +460,7 @@
           <a:p>
             <a:fld id="{68E4AC84-9D0B-4907-B40A-7842A44BBA07}" type="datetimeFigureOut">
               <a:rPr lang="ko-KR" altLang="en-US" smtClean="0"/>
-              <a:t>2021-06-19</a:t>
+              <a:t>2021-06-21</a:t>
             </a:fld>
             <a:endParaRPr lang="ko-KR" altLang="en-US"/>
           </a:p>
@@ -470,7 +471,7 @@
           <p:cNvPr id="5" name="바닥글 개체 틀 4">
             <a:extLst>
               <a:ext uri="{FF2B5EF4-FFF2-40B4-BE49-F238E27FC236}">
-                <a16:creationId xmlns:a16="http://schemas.microsoft.com/office/drawing/2014/main" id="{17B0A179-6D78-4EDE-9BFB-FD6B9E8605DE}"/>
+                <a16:creationId xmlns:a16="http://schemas.microsoft.com/office/drawing/2014/main" xmlns="" id="{17B0A179-6D78-4EDE-9BFB-FD6B9E8605DE}"/>
               </a:ext>
             </a:extLst>
           </p:cNvPr>
@@ -495,7 +496,7 @@
           <p:cNvPr id="6" name="슬라이드 번호 개체 틀 5">
             <a:extLst>
               <a:ext uri="{FF2B5EF4-FFF2-40B4-BE49-F238E27FC236}">
-                <a16:creationId xmlns:a16="http://schemas.microsoft.com/office/drawing/2014/main" id="{CCE1120A-CB2A-4FDB-9008-1730415D7E77}"/>
+                <a16:creationId xmlns:a16="http://schemas.microsoft.com/office/drawing/2014/main" xmlns="" id="{CCE1120A-CB2A-4FDB-9008-1730415D7E77}"/>
               </a:ext>
             </a:extLst>
           </p:cNvPr>
@@ -554,7 +555,7 @@
           <p:cNvPr id="2" name="세로 제목 1">
             <a:extLst>
               <a:ext uri="{FF2B5EF4-FFF2-40B4-BE49-F238E27FC236}">
-                <a16:creationId xmlns:a16="http://schemas.microsoft.com/office/drawing/2014/main" id="{713EE1BA-9FF3-4680-AA0E-7568F9F26CA3}"/>
+                <a16:creationId xmlns:a16="http://schemas.microsoft.com/office/drawing/2014/main" xmlns="" id="{713EE1BA-9FF3-4680-AA0E-7568F9F26CA3}"/>
               </a:ext>
             </a:extLst>
           </p:cNvPr>
@@ -587,7 +588,7 @@
           <p:cNvPr id="3" name="세로 텍스트 개체 틀 2">
             <a:extLst>
               <a:ext uri="{FF2B5EF4-FFF2-40B4-BE49-F238E27FC236}">
-                <a16:creationId xmlns:a16="http://schemas.microsoft.com/office/drawing/2014/main" id="{F06BF7C5-6051-47BB-BC1E-8723B08B58C8}"/>
+                <a16:creationId xmlns:a16="http://schemas.microsoft.com/office/drawing/2014/main" xmlns="" id="{F06BF7C5-6051-47BB-BC1E-8723B08B58C8}"/>
               </a:ext>
             </a:extLst>
           </p:cNvPr>
@@ -649,7 +650,7 @@
           <p:cNvPr id="4" name="날짜 개체 틀 3">
             <a:extLst>
               <a:ext uri="{FF2B5EF4-FFF2-40B4-BE49-F238E27FC236}">
-                <a16:creationId xmlns:a16="http://schemas.microsoft.com/office/drawing/2014/main" id="{2DF38F08-8E8B-440A-A721-A229FD5C42BD}"/>
+                <a16:creationId xmlns:a16="http://schemas.microsoft.com/office/drawing/2014/main" xmlns="" id="{2DF38F08-8E8B-440A-A721-A229FD5C42BD}"/>
               </a:ext>
             </a:extLst>
           </p:cNvPr>
@@ -667,7 +668,7 @@
           <a:p>
             <a:fld id="{68E4AC84-9D0B-4907-B40A-7842A44BBA07}" type="datetimeFigureOut">
               <a:rPr lang="ko-KR" altLang="en-US" smtClean="0"/>
-              <a:t>2021-06-19</a:t>
+              <a:t>2021-06-21</a:t>
             </a:fld>
             <a:endParaRPr lang="ko-KR" altLang="en-US"/>
           </a:p>
@@ -678,7 +679,7 @@
           <p:cNvPr id="5" name="바닥글 개체 틀 4">
             <a:extLst>
               <a:ext uri="{FF2B5EF4-FFF2-40B4-BE49-F238E27FC236}">
-                <a16:creationId xmlns:a16="http://schemas.microsoft.com/office/drawing/2014/main" id="{A115BB80-9B7F-469A-9E7C-7E99844C3373}"/>
+                <a16:creationId xmlns:a16="http://schemas.microsoft.com/office/drawing/2014/main" xmlns="" id="{A115BB80-9B7F-469A-9E7C-7E99844C3373}"/>
               </a:ext>
             </a:extLst>
           </p:cNvPr>
@@ -703,7 +704,7 @@
           <p:cNvPr id="6" name="슬라이드 번호 개체 틀 5">
             <a:extLst>
               <a:ext uri="{FF2B5EF4-FFF2-40B4-BE49-F238E27FC236}">
-                <a16:creationId xmlns:a16="http://schemas.microsoft.com/office/drawing/2014/main" id="{247323E3-93F3-45E3-B0B4-2C3083B2BD5D}"/>
+                <a16:creationId xmlns:a16="http://schemas.microsoft.com/office/drawing/2014/main" xmlns="" id="{247323E3-93F3-45E3-B0B4-2C3083B2BD5D}"/>
               </a:ext>
             </a:extLst>
           </p:cNvPr>
@@ -762,7 +763,7 @@
           <p:cNvPr id="2" name="제목 1">
             <a:extLst>
               <a:ext uri="{FF2B5EF4-FFF2-40B4-BE49-F238E27FC236}">
-                <a16:creationId xmlns:a16="http://schemas.microsoft.com/office/drawing/2014/main" id="{542E9315-D97B-4790-900C-A3A31E9BCA3F}"/>
+                <a16:creationId xmlns:a16="http://schemas.microsoft.com/office/drawing/2014/main" xmlns="" id="{542E9315-D97B-4790-900C-A3A31E9BCA3F}"/>
               </a:ext>
             </a:extLst>
           </p:cNvPr>
@@ -790,7 +791,7 @@
           <p:cNvPr id="3" name="내용 개체 틀 2">
             <a:extLst>
               <a:ext uri="{FF2B5EF4-FFF2-40B4-BE49-F238E27FC236}">
-                <a16:creationId xmlns:a16="http://schemas.microsoft.com/office/drawing/2014/main" id="{064D2570-1793-4554-A583-2AE03EB9AA28}"/>
+                <a16:creationId xmlns:a16="http://schemas.microsoft.com/office/drawing/2014/main" xmlns="" id="{064D2570-1793-4554-A583-2AE03EB9AA28}"/>
               </a:ext>
             </a:extLst>
           </p:cNvPr>
@@ -847,7 +848,7 @@
           <p:cNvPr id="4" name="날짜 개체 틀 3">
             <a:extLst>
               <a:ext uri="{FF2B5EF4-FFF2-40B4-BE49-F238E27FC236}">
-                <a16:creationId xmlns:a16="http://schemas.microsoft.com/office/drawing/2014/main" id="{E234608A-0B5E-4FB3-8769-43CBB3139D17}"/>
+                <a16:creationId xmlns:a16="http://schemas.microsoft.com/office/drawing/2014/main" xmlns="" id="{E234608A-0B5E-4FB3-8769-43CBB3139D17}"/>
               </a:ext>
             </a:extLst>
           </p:cNvPr>
@@ -865,7 +866,7 @@
           <a:p>
             <a:fld id="{68E4AC84-9D0B-4907-B40A-7842A44BBA07}" type="datetimeFigureOut">
               <a:rPr lang="ko-KR" altLang="en-US" smtClean="0"/>
-              <a:t>2021-06-19</a:t>
+              <a:t>2021-06-21</a:t>
             </a:fld>
             <a:endParaRPr lang="ko-KR" altLang="en-US"/>
           </a:p>
@@ -876,7 +877,7 @@
           <p:cNvPr id="5" name="바닥글 개체 틀 4">
             <a:extLst>
               <a:ext uri="{FF2B5EF4-FFF2-40B4-BE49-F238E27FC236}">
-                <a16:creationId xmlns:a16="http://schemas.microsoft.com/office/drawing/2014/main" id="{219BE070-83CD-4A1F-9006-D11B22B3805E}"/>
+                <a16:creationId xmlns:a16="http://schemas.microsoft.com/office/drawing/2014/main" xmlns="" id="{219BE070-83CD-4A1F-9006-D11B22B3805E}"/>
               </a:ext>
             </a:extLst>
           </p:cNvPr>
@@ -901,7 +902,7 @@
           <p:cNvPr id="6" name="슬라이드 번호 개체 틀 5">
             <a:extLst>
               <a:ext uri="{FF2B5EF4-FFF2-40B4-BE49-F238E27FC236}">
-                <a16:creationId xmlns:a16="http://schemas.microsoft.com/office/drawing/2014/main" id="{9E996741-6FA4-4ECD-B30F-2C88B1566259}"/>
+                <a16:creationId xmlns:a16="http://schemas.microsoft.com/office/drawing/2014/main" xmlns="" id="{9E996741-6FA4-4ECD-B30F-2C88B1566259}"/>
               </a:ext>
             </a:extLst>
           </p:cNvPr>
@@ -960,7 +961,7 @@
           <p:cNvPr id="2" name="제목 1">
             <a:extLst>
               <a:ext uri="{FF2B5EF4-FFF2-40B4-BE49-F238E27FC236}">
-                <a16:creationId xmlns:a16="http://schemas.microsoft.com/office/drawing/2014/main" id="{0209848F-ED0D-4CD1-BFAD-B84A6CBC7C26}"/>
+                <a16:creationId xmlns:a16="http://schemas.microsoft.com/office/drawing/2014/main" xmlns="" id="{0209848F-ED0D-4CD1-BFAD-B84A6CBC7C26}"/>
               </a:ext>
             </a:extLst>
           </p:cNvPr>
@@ -997,7 +998,7 @@
           <p:cNvPr id="3" name="텍스트 개체 틀 2">
             <a:extLst>
               <a:ext uri="{FF2B5EF4-FFF2-40B4-BE49-F238E27FC236}">
-                <a16:creationId xmlns:a16="http://schemas.microsoft.com/office/drawing/2014/main" id="{F8648BDA-D60E-490D-BAC6-13D7D8737F92}"/>
+                <a16:creationId xmlns:a16="http://schemas.microsoft.com/office/drawing/2014/main" xmlns="" id="{F8648BDA-D60E-490D-BAC6-13D7D8737F92}"/>
               </a:ext>
             </a:extLst>
           </p:cNvPr>
@@ -1122,7 +1123,7 @@
           <p:cNvPr id="4" name="날짜 개체 틀 3">
             <a:extLst>
               <a:ext uri="{FF2B5EF4-FFF2-40B4-BE49-F238E27FC236}">
-                <a16:creationId xmlns:a16="http://schemas.microsoft.com/office/drawing/2014/main" id="{194813D0-14E8-4168-A592-047383F27B22}"/>
+                <a16:creationId xmlns:a16="http://schemas.microsoft.com/office/drawing/2014/main" xmlns="" id="{194813D0-14E8-4168-A592-047383F27B22}"/>
               </a:ext>
             </a:extLst>
           </p:cNvPr>
@@ -1140,7 +1141,7 @@
           <a:p>
             <a:fld id="{68E4AC84-9D0B-4907-B40A-7842A44BBA07}" type="datetimeFigureOut">
               <a:rPr lang="ko-KR" altLang="en-US" smtClean="0"/>
-              <a:t>2021-06-19</a:t>
+              <a:t>2021-06-21</a:t>
             </a:fld>
             <a:endParaRPr lang="ko-KR" altLang="en-US"/>
           </a:p>
@@ -1151,7 +1152,7 @@
           <p:cNvPr id="5" name="바닥글 개체 틀 4">
             <a:extLst>
               <a:ext uri="{FF2B5EF4-FFF2-40B4-BE49-F238E27FC236}">
-                <a16:creationId xmlns:a16="http://schemas.microsoft.com/office/drawing/2014/main" id="{E5F219B1-1116-4FDC-BF3E-B4A02B5CD1C2}"/>
+                <a16:creationId xmlns:a16="http://schemas.microsoft.com/office/drawing/2014/main" xmlns="" id="{E5F219B1-1116-4FDC-BF3E-B4A02B5CD1C2}"/>
               </a:ext>
             </a:extLst>
           </p:cNvPr>
@@ -1176,7 +1177,7 @@
           <p:cNvPr id="6" name="슬라이드 번호 개체 틀 5">
             <a:extLst>
               <a:ext uri="{FF2B5EF4-FFF2-40B4-BE49-F238E27FC236}">
-                <a16:creationId xmlns:a16="http://schemas.microsoft.com/office/drawing/2014/main" id="{673B3113-B1B8-48EA-B2B4-BB9616B0ECB6}"/>
+                <a16:creationId xmlns:a16="http://schemas.microsoft.com/office/drawing/2014/main" xmlns="" id="{673B3113-B1B8-48EA-B2B4-BB9616B0ECB6}"/>
               </a:ext>
             </a:extLst>
           </p:cNvPr>
@@ -1235,7 +1236,7 @@
           <p:cNvPr id="2" name="제목 1">
             <a:extLst>
               <a:ext uri="{FF2B5EF4-FFF2-40B4-BE49-F238E27FC236}">
-                <a16:creationId xmlns:a16="http://schemas.microsoft.com/office/drawing/2014/main" id="{5CC783B0-E58E-45E3-A956-71DDD1DEA916}"/>
+                <a16:creationId xmlns:a16="http://schemas.microsoft.com/office/drawing/2014/main" xmlns="" id="{5CC783B0-E58E-45E3-A956-71DDD1DEA916}"/>
               </a:ext>
             </a:extLst>
           </p:cNvPr>
@@ -1263,7 +1264,7 @@
           <p:cNvPr id="3" name="내용 개체 틀 2">
             <a:extLst>
               <a:ext uri="{FF2B5EF4-FFF2-40B4-BE49-F238E27FC236}">
-                <a16:creationId xmlns:a16="http://schemas.microsoft.com/office/drawing/2014/main" id="{E4B67569-DC9E-4BE2-813C-9F9E6B4178A6}"/>
+                <a16:creationId xmlns:a16="http://schemas.microsoft.com/office/drawing/2014/main" xmlns="" id="{E4B67569-DC9E-4BE2-813C-9F9E6B4178A6}"/>
               </a:ext>
             </a:extLst>
           </p:cNvPr>
@@ -1325,7 +1326,7 @@
           <p:cNvPr id="4" name="내용 개체 틀 3">
             <a:extLst>
               <a:ext uri="{FF2B5EF4-FFF2-40B4-BE49-F238E27FC236}">
-                <a16:creationId xmlns:a16="http://schemas.microsoft.com/office/drawing/2014/main" id="{ED021C7A-2BCA-42A1-9CF3-8B6B5C4D1757}"/>
+                <a16:creationId xmlns:a16="http://schemas.microsoft.com/office/drawing/2014/main" xmlns="" id="{ED021C7A-2BCA-42A1-9CF3-8B6B5C4D1757}"/>
               </a:ext>
             </a:extLst>
           </p:cNvPr>
@@ -1387,7 +1388,7 @@
           <p:cNvPr id="5" name="날짜 개체 틀 4">
             <a:extLst>
               <a:ext uri="{FF2B5EF4-FFF2-40B4-BE49-F238E27FC236}">
-                <a16:creationId xmlns:a16="http://schemas.microsoft.com/office/drawing/2014/main" id="{B874C3BA-9EDD-45E8-B90F-D6710AD56966}"/>
+                <a16:creationId xmlns:a16="http://schemas.microsoft.com/office/drawing/2014/main" xmlns="" id="{B874C3BA-9EDD-45E8-B90F-D6710AD56966}"/>
               </a:ext>
             </a:extLst>
           </p:cNvPr>
@@ -1405,7 +1406,7 @@
           <a:p>
             <a:fld id="{68E4AC84-9D0B-4907-B40A-7842A44BBA07}" type="datetimeFigureOut">
               <a:rPr lang="ko-KR" altLang="en-US" smtClean="0"/>
-              <a:t>2021-06-19</a:t>
+              <a:t>2021-06-21</a:t>
             </a:fld>
             <a:endParaRPr lang="ko-KR" altLang="en-US"/>
           </a:p>
@@ -1416,7 +1417,7 @@
           <p:cNvPr id="6" name="바닥글 개체 틀 5">
             <a:extLst>
               <a:ext uri="{FF2B5EF4-FFF2-40B4-BE49-F238E27FC236}">
-                <a16:creationId xmlns:a16="http://schemas.microsoft.com/office/drawing/2014/main" id="{89D6A7A6-B6D3-4334-A4F6-4CAD144CEBC1}"/>
+                <a16:creationId xmlns:a16="http://schemas.microsoft.com/office/drawing/2014/main" xmlns="" id="{89D6A7A6-B6D3-4334-A4F6-4CAD144CEBC1}"/>
               </a:ext>
             </a:extLst>
           </p:cNvPr>
@@ -1441,7 +1442,7 @@
           <p:cNvPr id="7" name="슬라이드 번호 개체 틀 6">
             <a:extLst>
               <a:ext uri="{FF2B5EF4-FFF2-40B4-BE49-F238E27FC236}">
-                <a16:creationId xmlns:a16="http://schemas.microsoft.com/office/drawing/2014/main" id="{07D6CC4E-156B-4F4A-8806-33D280BA21A4}"/>
+                <a16:creationId xmlns:a16="http://schemas.microsoft.com/office/drawing/2014/main" xmlns="" id="{07D6CC4E-156B-4F4A-8806-33D280BA21A4}"/>
               </a:ext>
             </a:extLst>
           </p:cNvPr>
@@ -1500,7 +1501,7 @@
           <p:cNvPr id="2" name="제목 1">
             <a:extLst>
               <a:ext uri="{FF2B5EF4-FFF2-40B4-BE49-F238E27FC236}">
-                <a16:creationId xmlns:a16="http://schemas.microsoft.com/office/drawing/2014/main" id="{002E2470-6192-444B-A3B0-95C61C230D23}"/>
+                <a16:creationId xmlns:a16="http://schemas.microsoft.com/office/drawing/2014/main" xmlns="" id="{002E2470-6192-444B-A3B0-95C61C230D23}"/>
               </a:ext>
             </a:extLst>
           </p:cNvPr>
@@ -1533,7 +1534,7 @@
           <p:cNvPr id="3" name="텍스트 개체 틀 2">
             <a:extLst>
               <a:ext uri="{FF2B5EF4-FFF2-40B4-BE49-F238E27FC236}">
-                <a16:creationId xmlns:a16="http://schemas.microsoft.com/office/drawing/2014/main" id="{232C3042-B39A-4154-80D5-44979CC1897B}"/>
+                <a16:creationId xmlns:a16="http://schemas.microsoft.com/office/drawing/2014/main" xmlns="" id="{232C3042-B39A-4154-80D5-44979CC1897B}"/>
               </a:ext>
             </a:extLst>
           </p:cNvPr>
@@ -1604,7 +1605,7 @@
           <p:cNvPr id="4" name="내용 개체 틀 3">
             <a:extLst>
               <a:ext uri="{FF2B5EF4-FFF2-40B4-BE49-F238E27FC236}">
-                <a16:creationId xmlns:a16="http://schemas.microsoft.com/office/drawing/2014/main" id="{177A3D28-E61D-4637-9523-5AE51910C79E}"/>
+                <a16:creationId xmlns:a16="http://schemas.microsoft.com/office/drawing/2014/main" xmlns="" id="{177A3D28-E61D-4637-9523-5AE51910C79E}"/>
               </a:ext>
             </a:extLst>
           </p:cNvPr>
@@ -1666,7 +1667,7 @@
           <p:cNvPr id="5" name="텍스트 개체 틀 4">
             <a:extLst>
               <a:ext uri="{FF2B5EF4-FFF2-40B4-BE49-F238E27FC236}">
-                <a16:creationId xmlns:a16="http://schemas.microsoft.com/office/drawing/2014/main" id="{3B4CB177-8D51-466E-94D3-B942E6BDCAF1}"/>
+                <a16:creationId xmlns:a16="http://schemas.microsoft.com/office/drawing/2014/main" xmlns="" id="{3B4CB177-8D51-466E-94D3-B942E6BDCAF1}"/>
               </a:ext>
             </a:extLst>
           </p:cNvPr>
@@ -1737,7 +1738,7 @@
           <p:cNvPr id="6" name="내용 개체 틀 5">
             <a:extLst>
               <a:ext uri="{FF2B5EF4-FFF2-40B4-BE49-F238E27FC236}">
-                <a16:creationId xmlns:a16="http://schemas.microsoft.com/office/drawing/2014/main" id="{FCC27AE7-F123-4093-8D55-B1E7D886BAAE}"/>
+                <a16:creationId xmlns:a16="http://schemas.microsoft.com/office/drawing/2014/main" xmlns="" id="{FCC27AE7-F123-4093-8D55-B1E7D886BAAE}"/>
               </a:ext>
             </a:extLst>
           </p:cNvPr>
@@ -1799,7 +1800,7 @@
           <p:cNvPr id="7" name="날짜 개체 틀 6">
             <a:extLst>
               <a:ext uri="{FF2B5EF4-FFF2-40B4-BE49-F238E27FC236}">
-                <a16:creationId xmlns:a16="http://schemas.microsoft.com/office/drawing/2014/main" id="{4EF5F44B-4B10-4CE4-84DF-61CB982F46C4}"/>
+                <a16:creationId xmlns:a16="http://schemas.microsoft.com/office/drawing/2014/main" xmlns="" id="{4EF5F44B-4B10-4CE4-84DF-61CB982F46C4}"/>
               </a:ext>
             </a:extLst>
           </p:cNvPr>
@@ -1817,7 +1818,7 @@
           <a:p>
             <a:fld id="{68E4AC84-9D0B-4907-B40A-7842A44BBA07}" type="datetimeFigureOut">
               <a:rPr lang="ko-KR" altLang="en-US" smtClean="0"/>
-              <a:t>2021-06-19</a:t>
+              <a:t>2021-06-21</a:t>
             </a:fld>
             <a:endParaRPr lang="ko-KR" altLang="en-US"/>
           </a:p>
@@ -1828,7 +1829,7 @@
           <p:cNvPr id="8" name="바닥글 개체 틀 7">
             <a:extLst>
               <a:ext uri="{FF2B5EF4-FFF2-40B4-BE49-F238E27FC236}">
-                <a16:creationId xmlns:a16="http://schemas.microsoft.com/office/drawing/2014/main" id="{985E034B-E71B-4030-9EFD-A4747CD80D8E}"/>
+                <a16:creationId xmlns:a16="http://schemas.microsoft.com/office/drawing/2014/main" xmlns="" id="{985E034B-E71B-4030-9EFD-A4747CD80D8E}"/>
               </a:ext>
             </a:extLst>
           </p:cNvPr>
@@ -1853,7 +1854,7 @@
           <p:cNvPr id="9" name="슬라이드 번호 개체 틀 8">
             <a:extLst>
               <a:ext uri="{FF2B5EF4-FFF2-40B4-BE49-F238E27FC236}">
-                <a16:creationId xmlns:a16="http://schemas.microsoft.com/office/drawing/2014/main" id="{AB72CB64-E8EE-46AA-A128-255F121799A8}"/>
+                <a16:creationId xmlns:a16="http://schemas.microsoft.com/office/drawing/2014/main" xmlns="" id="{AB72CB64-E8EE-46AA-A128-255F121799A8}"/>
               </a:ext>
             </a:extLst>
           </p:cNvPr>
@@ -1912,7 +1913,7 @@
           <p:cNvPr id="2" name="제목 1">
             <a:extLst>
               <a:ext uri="{FF2B5EF4-FFF2-40B4-BE49-F238E27FC236}">
-                <a16:creationId xmlns:a16="http://schemas.microsoft.com/office/drawing/2014/main" id="{AEF8F40F-4397-4FDF-A5D5-88B4E3513C2B}"/>
+                <a16:creationId xmlns:a16="http://schemas.microsoft.com/office/drawing/2014/main" xmlns="" id="{AEF8F40F-4397-4FDF-A5D5-88B4E3513C2B}"/>
               </a:ext>
             </a:extLst>
           </p:cNvPr>
@@ -1940,7 +1941,7 @@
           <p:cNvPr id="3" name="날짜 개체 틀 2">
             <a:extLst>
               <a:ext uri="{FF2B5EF4-FFF2-40B4-BE49-F238E27FC236}">
-                <a16:creationId xmlns:a16="http://schemas.microsoft.com/office/drawing/2014/main" id="{EBB36E9A-9689-47BC-AA19-5BFB91C597BF}"/>
+                <a16:creationId xmlns:a16="http://schemas.microsoft.com/office/drawing/2014/main" xmlns="" id="{EBB36E9A-9689-47BC-AA19-5BFB91C597BF}"/>
               </a:ext>
             </a:extLst>
           </p:cNvPr>
@@ -1958,7 +1959,7 @@
           <a:p>
             <a:fld id="{68E4AC84-9D0B-4907-B40A-7842A44BBA07}" type="datetimeFigureOut">
               <a:rPr lang="ko-KR" altLang="en-US" smtClean="0"/>
-              <a:t>2021-06-19</a:t>
+              <a:t>2021-06-21</a:t>
             </a:fld>
             <a:endParaRPr lang="ko-KR" altLang="en-US"/>
           </a:p>
@@ -1969,7 +1970,7 @@
           <p:cNvPr id="4" name="바닥글 개체 틀 3">
             <a:extLst>
               <a:ext uri="{FF2B5EF4-FFF2-40B4-BE49-F238E27FC236}">
-                <a16:creationId xmlns:a16="http://schemas.microsoft.com/office/drawing/2014/main" id="{16ED28E3-FA87-4DC6-BBF5-2523AE235996}"/>
+                <a16:creationId xmlns:a16="http://schemas.microsoft.com/office/drawing/2014/main" xmlns="" id="{16ED28E3-FA87-4DC6-BBF5-2523AE235996}"/>
               </a:ext>
             </a:extLst>
           </p:cNvPr>
@@ -1994,7 +1995,7 @@
           <p:cNvPr id="5" name="슬라이드 번호 개체 틀 4">
             <a:extLst>
               <a:ext uri="{FF2B5EF4-FFF2-40B4-BE49-F238E27FC236}">
-                <a16:creationId xmlns:a16="http://schemas.microsoft.com/office/drawing/2014/main" id="{7B5FFF4C-5230-4EE9-A873-C55D50A00E20}"/>
+                <a16:creationId xmlns:a16="http://schemas.microsoft.com/office/drawing/2014/main" xmlns="" id="{7B5FFF4C-5230-4EE9-A873-C55D50A00E20}"/>
               </a:ext>
             </a:extLst>
           </p:cNvPr>
@@ -2053,7 +2054,7 @@
           <p:cNvPr id="2" name="날짜 개체 틀 1">
             <a:extLst>
               <a:ext uri="{FF2B5EF4-FFF2-40B4-BE49-F238E27FC236}">
-                <a16:creationId xmlns:a16="http://schemas.microsoft.com/office/drawing/2014/main" id="{35F21E98-0C1F-41DE-94BD-D0A36AD2D29C}"/>
+                <a16:creationId xmlns:a16="http://schemas.microsoft.com/office/drawing/2014/main" xmlns="" id="{35F21E98-0C1F-41DE-94BD-D0A36AD2D29C}"/>
               </a:ext>
             </a:extLst>
           </p:cNvPr>
@@ -2071,7 +2072,7 @@
           <a:p>
             <a:fld id="{68E4AC84-9D0B-4907-B40A-7842A44BBA07}" type="datetimeFigureOut">
               <a:rPr lang="ko-KR" altLang="en-US" smtClean="0"/>
-              <a:t>2021-06-19</a:t>
+              <a:t>2021-06-21</a:t>
             </a:fld>
             <a:endParaRPr lang="ko-KR" altLang="en-US"/>
           </a:p>
@@ -2082,7 +2083,7 @@
           <p:cNvPr id="3" name="바닥글 개체 틀 2">
             <a:extLst>
               <a:ext uri="{FF2B5EF4-FFF2-40B4-BE49-F238E27FC236}">
-                <a16:creationId xmlns:a16="http://schemas.microsoft.com/office/drawing/2014/main" id="{D120FB64-D602-4C0B-B949-F06FDF4440C7}"/>
+                <a16:creationId xmlns:a16="http://schemas.microsoft.com/office/drawing/2014/main" xmlns="" id="{D120FB64-D602-4C0B-B949-F06FDF4440C7}"/>
               </a:ext>
             </a:extLst>
           </p:cNvPr>
@@ -2107,7 +2108,7 @@
           <p:cNvPr id="4" name="슬라이드 번호 개체 틀 3">
             <a:extLst>
               <a:ext uri="{FF2B5EF4-FFF2-40B4-BE49-F238E27FC236}">
-                <a16:creationId xmlns:a16="http://schemas.microsoft.com/office/drawing/2014/main" id="{7034A2F1-467E-4E0F-80BF-14F0BD523EF3}"/>
+                <a16:creationId xmlns:a16="http://schemas.microsoft.com/office/drawing/2014/main" xmlns="" id="{7034A2F1-467E-4E0F-80BF-14F0BD523EF3}"/>
               </a:ext>
             </a:extLst>
           </p:cNvPr>
@@ -2166,7 +2167,7 @@
           <p:cNvPr id="2" name="제목 1">
             <a:extLst>
               <a:ext uri="{FF2B5EF4-FFF2-40B4-BE49-F238E27FC236}">
-                <a16:creationId xmlns:a16="http://schemas.microsoft.com/office/drawing/2014/main" id="{6016A49F-5A88-41A2-83FE-688E4FE2F7A2}"/>
+                <a16:creationId xmlns:a16="http://schemas.microsoft.com/office/drawing/2014/main" xmlns="" id="{6016A49F-5A88-41A2-83FE-688E4FE2F7A2}"/>
               </a:ext>
             </a:extLst>
           </p:cNvPr>
@@ -2203,7 +2204,7 @@
           <p:cNvPr id="3" name="내용 개체 틀 2">
             <a:extLst>
               <a:ext uri="{FF2B5EF4-FFF2-40B4-BE49-F238E27FC236}">
-                <a16:creationId xmlns:a16="http://schemas.microsoft.com/office/drawing/2014/main" id="{3949AC53-B2A8-4903-9A08-5539EF9A0A71}"/>
+                <a16:creationId xmlns:a16="http://schemas.microsoft.com/office/drawing/2014/main" xmlns="" id="{3949AC53-B2A8-4903-9A08-5539EF9A0A71}"/>
               </a:ext>
             </a:extLst>
           </p:cNvPr>
@@ -2293,7 +2294,7 @@
           <p:cNvPr id="4" name="텍스트 개체 틀 3">
             <a:extLst>
               <a:ext uri="{FF2B5EF4-FFF2-40B4-BE49-F238E27FC236}">
-                <a16:creationId xmlns:a16="http://schemas.microsoft.com/office/drawing/2014/main" id="{A5A2EE3C-01CD-46FF-B520-0CB0E9C792FD}"/>
+                <a16:creationId xmlns:a16="http://schemas.microsoft.com/office/drawing/2014/main" xmlns="" id="{A5A2EE3C-01CD-46FF-B520-0CB0E9C792FD}"/>
               </a:ext>
             </a:extLst>
           </p:cNvPr>
@@ -2364,7 +2365,7 @@
           <p:cNvPr id="5" name="날짜 개체 틀 4">
             <a:extLst>
               <a:ext uri="{FF2B5EF4-FFF2-40B4-BE49-F238E27FC236}">
-                <a16:creationId xmlns:a16="http://schemas.microsoft.com/office/drawing/2014/main" id="{4410F14A-0993-4DD0-AEC0-57479592E028}"/>
+                <a16:creationId xmlns:a16="http://schemas.microsoft.com/office/drawing/2014/main" xmlns="" id="{4410F14A-0993-4DD0-AEC0-57479592E028}"/>
               </a:ext>
             </a:extLst>
           </p:cNvPr>
@@ -2382,7 +2383,7 @@
           <a:p>
             <a:fld id="{68E4AC84-9D0B-4907-B40A-7842A44BBA07}" type="datetimeFigureOut">
               <a:rPr lang="ko-KR" altLang="en-US" smtClean="0"/>
-              <a:t>2021-06-19</a:t>
+              <a:t>2021-06-21</a:t>
             </a:fld>
             <a:endParaRPr lang="ko-KR" altLang="en-US"/>
           </a:p>
@@ -2393,7 +2394,7 @@
           <p:cNvPr id="6" name="바닥글 개체 틀 5">
             <a:extLst>
               <a:ext uri="{FF2B5EF4-FFF2-40B4-BE49-F238E27FC236}">
-                <a16:creationId xmlns:a16="http://schemas.microsoft.com/office/drawing/2014/main" id="{87BFC81E-59B1-40AA-9EF8-39726CCBC8C6}"/>
+                <a16:creationId xmlns:a16="http://schemas.microsoft.com/office/drawing/2014/main" xmlns="" id="{87BFC81E-59B1-40AA-9EF8-39726CCBC8C6}"/>
               </a:ext>
             </a:extLst>
           </p:cNvPr>
@@ -2418,7 +2419,7 @@
           <p:cNvPr id="7" name="슬라이드 번호 개체 틀 6">
             <a:extLst>
               <a:ext uri="{FF2B5EF4-FFF2-40B4-BE49-F238E27FC236}">
-                <a16:creationId xmlns:a16="http://schemas.microsoft.com/office/drawing/2014/main" id="{BE224A03-62D7-4837-A9B9-502B3CFF0CA1}"/>
+                <a16:creationId xmlns:a16="http://schemas.microsoft.com/office/drawing/2014/main" xmlns="" id="{BE224A03-62D7-4837-A9B9-502B3CFF0CA1}"/>
               </a:ext>
             </a:extLst>
           </p:cNvPr>
@@ -2477,7 +2478,7 @@
           <p:cNvPr id="2" name="제목 1">
             <a:extLst>
               <a:ext uri="{FF2B5EF4-FFF2-40B4-BE49-F238E27FC236}">
-                <a16:creationId xmlns:a16="http://schemas.microsoft.com/office/drawing/2014/main" id="{6820D006-DADA-4E0F-85F6-2AE0BF5F9BD9}"/>
+                <a16:creationId xmlns:a16="http://schemas.microsoft.com/office/drawing/2014/main" xmlns="" id="{6820D006-DADA-4E0F-85F6-2AE0BF5F9BD9}"/>
               </a:ext>
             </a:extLst>
           </p:cNvPr>
@@ -2514,7 +2515,7 @@
           <p:cNvPr id="3" name="그림 개체 틀 2">
             <a:extLst>
               <a:ext uri="{FF2B5EF4-FFF2-40B4-BE49-F238E27FC236}">
-                <a16:creationId xmlns:a16="http://schemas.microsoft.com/office/drawing/2014/main" id="{15065FCD-F315-4F45-8B8F-C8AA9CFE7558}"/>
+                <a16:creationId xmlns:a16="http://schemas.microsoft.com/office/drawing/2014/main" xmlns="" id="{15065FCD-F315-4F45-8B8F-C8AA9CFE7558}"/>
               </a:ext>
             </a:extLst>
           </p:cNvPr>
@@ -2581,7 +2582,7 @@
           <p:cNvPr id="4" name="텍스트 개체 틀 3">
             <a:extLst>
               <a:ext uri="{FF2B5EF4-FFF2-40B4-BE49-F238E27FC236}">
-                <a16:creationId xmlns:a16="http://schemas.microsoft.com/office/drawing/2014/main" id="{0B2F3633-7591-4EE6-80E2-B6BE56D06676}"/>
+                <a16:creationId xmlns:a16="http://schemas.microsoft.com/office/drawing/2014/main" xmlns="" id="{0B2F3633-7591-4EE6-80E2-B6BE56D06676}"/>
               </a:ext>
             </a:extLst>
           </p:cNvPr>
@@ -2652,7 +2653,7 @@
           <p:cNvPr id="5" name="날짜 개체 틀 4">
             <a:extLst>
               <a:ext uri="{FF2B5EF4-FFF2-40B4-BE49-F238E27FC236}">
-                <a16:creationId xmlns:a16="http://schemas.microsoft.com/office/drawing/2014/main" id="{668B9296-C06C-4BB0-9161-9BC987F25CBA}"/>
+                <a16:creationId xmlns:a16="http://schemas.microsoft.com/office/drawing/2014/main" xmlns="" id="{668B9296-C06C-4BB0-9161-9BC987F25CBA}"/>
               </a:ext>
             </a:extLst>
           </p:cNvPr>
@@ -2670,7 +2671,7 @@
           <a:p>
             <a:fld id="{68E4AC84-9D0B-4907-B40A-7842A44BBA07}" type="datetimeFigureOut">
               <a:rPr lang="ko-KR" altLang="en-US" smtClean="0"/>
-              <a:t>2021-06-19</a:t>
+              <a:t>2021-06-21</a:t>
             </a:fld>
             <a:endParaRPr lang="ko-KR" altLang="en-US"/>
           </a:p>
@@ -2681,7 +2682,7 @@
           <p:cNvPr id="6" name="바닥글 개체 틀 5">
             <a:extLst>
               <a:ext uri="{FF2B5EF4-FFF2-40B4-BE49-F238E27FC236}">
-                <a16:creationId xmlns:a16="http://schemas.microsoft.com/office/drawing/2014/main" id="{89C9091E-2431-40B4-9754-89A845C10572}"/>
+                <a16:creationId xmlns:a16="http://schemas.microsoft.com/office/drawing/2014/main" xmlns="" id="{89C9091E-2431-40B4-9754-89A845C10572}"/>
               </a:ext>
             </a:extLst>
           </p:cNvPr>
@@ -2706,7 +2707,7 @@
           <p:cNvPr id="7" name="슬라이드 번호 개체 틀 6">
             <a:extLst>
               <a:ext uri="{FF2B5EF4-FFF2-40B4-BE49-F238E27FC236}">
-                <a16:creationId xmlns:a16="http://schemas.microsoft.com/office/drawing/2014/main" id="{7D3BA3A0-7973-4D9A-B31A-D8A7EDE38D0E}"/>
+                <a16:creationId xmlns:a16="http://schemas.microsoft.com/office/drawing/2014/main" xmlns="" id="{7D3BA3A0-7973-4D9A-B31A-D8A7EDE38D0E}"/>
               </a:ext>
             </a:extLst>
           </p:cNvPr>
@@ -2770,7 +2771,7 @@
           <p:cNvPr id="2" name="제목 개체 틀 1">
             <a:extLst>
               <a:ext uri="{FF2B5EF4-FFF2-40B4-BE49-F238E27FC236}">
-                <a16:creationId xmlns:a16="http://schemas.microsoft.com/office/drawing/2014/main" id="{03CAFE74-71B2-43D6-B59D-BB06350B4F98}"/>
+                <a16:creationId xmlns:a16="http://schemas.microsoft.com/office/drawing/2014/main" xmlns="" id="{03CAFE74-71B2-43D6-B59D-BB06350B4F98}"/>
               </a:ext>
             </a:extLst>
           </p:cNvPr>
@@ -2808,7 +2809,7 @@
           <p:cNvPr id="3" name="텍스트 개체 틀 2">
             <a:extLst>
               <a:ext uri="{FF2B5EF4-FFF2-40B4-BE49-F238E27FC236}">
-                <a16:creationId xmlns:a16="http://schemas.microsoft.com/office/drawing/2014/main" id="{AC1CDCF7-B90A-48CC-B538-E403C1797D13}"/>
+                <a16:creationId xmlns:a16="http://schemas.microsoft.com/office/drawing/2014/main" xmlns="" id="{AC1CDCF7-B90A-48CC-B538-E403C1797D13}"/>
               </a:ext>
             </a:extLst>
           </p:cNvPr>
@@ -2875,7 +2876,7 @@
           <p:cNvPr id="4" name="날짜 개체 틀 3">
             <a:extLst>
               <a:ext uri="{FF2B5EF4-FFF2-40B4-BE49-F238E27FC236}">
-                <a16:creationId xmlns:a16="http://schemas.microsoft.com/office/drawing/2014/main" id="{65080B58-1334-4397-815E-53DC3EF258B1}"/>
+                <a16:creationId xmlns:a16="http://schemas.microsoft.com/office/drawing/2014/main" xmlns="" id="{65080B58-1334-4397-815E-53DC3EF258B1}"/>
               </a:ext>
             </a:extLst>
           </p:cNvPr>
@@ -2911,7 +2912,7 @@
           <a:p>
             <a:fld id="{68E4AC84-9D0B-4907-B40A-7842A44BBA07}" type="datetimeFigureOut">
               <a:rPr lang="ko-KR" altLang="en-US" smtClean="0"/>
-              <a:t>2021-06-19</a:t>
+              <a:t>2021-06-21</a:t>
             </a:fld>
             <a:endParaRPr lang="ko-KR" altLang="en-US"/>
           </a:p>
@@ -2922,7 +2923,7 @@
           <p:cNvPr id="5" name="바닥글 개체 틀 4">
             <a:extLst>
               <a:ext uri="{FF2B5EF4-FFF2-40B4-BE49-F238E27FC236}">
-                <a16:creationId xmlns:a16="http://schemas.microsoft.com/office/drawing/2014/main" id="{A2171A12-EC13-4527-9F01-81CD24D4FE7F}"/>
+                <a16:creationId xmlns:a16="http://schemas.microsoft.com/office/drawing/2014/main" xmlns="" id="{A2171A12-EC13-4527-9F01-81CD24D4FE7F}"/>
               </a:ext>
             </a:extLst>
           </p:cNvPr>
@@ -2965,7 +2966,7 @@
           <p:cNvPr id="6" name="슬라이드 번호 개체 틀 5">
             <a:extLst>
               <a:ext uri="{FF2B5EF4-FFF2-40B4-BE49-F238E27FC236}">
-                <a16:creationId xmlns:a16="http://schemas.microsoft.com/office/drawing/2014/main" id="{F6C9E1DD-87D5-4A6A-94C2-588923E6386C}"/>
+                <a16:creationId xmlns:a16="http://schemas.microsoft.com/office/drawing/2014/main" xmlns="" id="{F6C9E1DD-87D5-4A6A-94C2-588923E6386C}"/>
               </a:ext>
             </a:extLst>
           </p:cNvPr>
@@ -3335,7 +3336,7 @@
               <p:cNvPr id="4" name="TextBox 3">
                 <a:extLst>
                   <a:ext uri="{FF2B5EF4-FFF2-40B4-BE49-F238E27FC236}">
-                    <a16:creationId xmlns:a16="http://schemas.microsoft.com/office/drawing/2014/main" id="{F34F46D6-FE84-46CE-A94E-97A1E2B0B647}"/>
+                    <a16:creationId xmlns:a16="http://schemas.microsoft.com/office/drawing/2014/main" xmlns="" id="{F34F46D6-FE84-46CE-A94E-97A1E2B0B647}"/>
                   </a:ext>
                 </a:extLst>
               </p:cNvPr>
@@ -3443,7 +3444,7 @@
               <p:cNvPr id="5" name="TextBox 4">
                 <a:extLst>
                   <a:ext uri="{FF2B5EF4-FFF2-40B4-BE49-F238E27FC236}">
-                    <a16:creationId xmlns:a16="http://schemas.microsoft.com/office/drawing/2014/main" id="{4B7F7B80-DA81-41D1-AB8E-BC560CA90E42}"/>
+                    <a16:creationId xmlns:a16="http://schemas.microsoft.com/office/drawing/2014/main" xmlns="" id="{4B7F7B80-DA81-41D1-AB8E-BC560CA90E42}"/>
                   </a:ext>
                 </a:extLst>
               </p:cNvPr>
@@ -3479,7 +3480,7 @@
                           <m:endChr m:val="]"/>
                           <m:ctrlPr>
                             <a:rPr lang="en-US" altLang="ko-KR" sz="2800" i="1" smtClean="0">
-                              <a:latin typeface="Cambria Math" panose="02040503050406030204" pitchFamily="18" charset="0"/>
+                              <a:latin typeface="Cambria Math"/>
                             </a:rPr>
                           </m:ctrlPr>
                         </m:dPr>
@@ -3496,7 +3497,7 @@
                               </m:mcs>
                               <m:ctrlPr>
                                 <a:rPr lang="en-US" altLang="ko-KR" sz="2800" i="1" smtClean="0">
-                                  <a:latin typeface="Cambria Math" panose="02040503050406030204" pitchFamily="18" charset="0"/>
+                                  <a:latin typeface="Cambria Math"/>
                                 </a:rPr>
                               </m:ctrlPr>
                             </m:mPr>
@@ -3506,7 +3507,7 @@
                                   <m:sSubPr>
                                     <m:ctrlPr>
                                       <a:rPr lang="en-US" altLang="ko-KR" sz="2800" i="1" smtClean="0">
-                                        <a:latin typeface="Cambria Math" panose="02040503050406030204" pitchFamily="18" charset="0"/>
+                                        <a:latin typeface="Cambria Math"/>
                                       </a:rPr>
                                     </m:ctrlPr>
                                   </m:sSubPr>
@@ -3545,7 +3546,7 @@
                                   <m:sSubPr>
                                     <m:ctrlPr>
                                       <a:rPr lang="en-US" altLang="ko-KR" sz="2800" i="1" smtClean="0">
-                                        <a:latin typeface="Cambria Math" panose="02040503050406030204" pitchFamily="18" charset="0"/>
+                                        <a:latin typeface="Cambria Math"/>
                                       </a:rPr>
                                     </m:ctrlPr>
                                   </m:sSubPr>
@@ -3572,7 +3573,7 @@
                                   <m:sSubPr>
                                     <m:ctrlPr>
                                       <a:rPr lang="en-US" altLang="ko-KR" sz="2800" i="1" smtClean="0">
-                                        <a:latin typeface="Cambria Math" panose="02040503050406030204" pitchFamily="18" charset="0"/>
+                                        <a:latin typeface="Cambria Math"/>
                                       </a:rPr>
                                     </m:ctrlPr>
                                   </m:sSubPr>
@@ -3601,7 +3602,7 @@
                                   <m:sSubPr>
                                     <m:ctrlPr>
                                       <a:rPr lang="en-US" altLang="ko-KR" sz="2800" i="1" smtClean="0">
-                                        <a:latin typeface="Cambria Math" panose="02040503050406030204" pitchFamily="18" charset="0"/>
+                                        <a:latin typeface="Cambria Math"/>
                                       </a:rPr>
                                     </m:ctrlPr>
                                   </m:sSubPr>
@@ -3628,7 +3629,7 @@
                                   <m:sSubPr>
                                     <m:ctrlPr>
                                       <a:rPr lang="en-US" altLang="ko-KR" sz="2800" i="1" smtClean="0">
-                                        <a:latin typeface="Cambria Math" panose="02040503050406030204" pitchFamily="18" charset="0"/>
+                                        <a:latin typeface="Cambria Math"/>
                                       </a:rPr>
                                     </m:ctrlPr>
                                   </m:sSubPr>
@@ -3655,7 +3656,7 @@
                                   <m:sSubPr>
                                     <m:ctrlPr>
                                       <a:rPr lang="en-US" altLang="ko-KR" sz="2800" i="1" smtClean="0">
-                                        <a:latin typeface="Cambria Math" panose="02040503050406030204" pitchFamily="18" charset="0"/>
+                                        <a:latin typeface="Cambria Math"/>
                                       </a:rPr>
                                     </m:ctrlPr>
                                   </m:sSubPr>
@@ -3684,7 +3685,7 @@
                                   <m:sSubPr>
                                     <m:ctrlPr>
                                       <a:rPr lang="en-US" altLang="ko-KR" sz="2800" i="1" smtClean="0">
-                                        <a:latin typeface="Cambria Math" panose="02040503050406030204" pitchFamily="18" charset="0"/>
+                                        <a:latin typeface="Cambria Math"/>
                                       </a:rPr>
                                     </m:ctrlPr>
                                   </m:sSubPr>
@@ -3711,7 +3712,7 @@
                                   <m:sSubPr>
                                     <m:ctrlPr>
                                       <a:rPr lang="en-US" altLang="ko-KR" sz="2800" i="1" smtClean="0">
-                                        <a:latin typeface="Cambria Math" panose="02040503050406030204" pitchFamily="18" charset="0"/>
+                                        <a:latin typeface="Cambria Math"/>
                                       </a:rPr>
                                     </m:ctrlPr>
                                   </m:sSubPr>
@@ -3738,7 +3739,7 @@
                                   <m:sSubPr>
                                     <m:ctrlPr>
                                       <a:rPr lang="en-US" altLang="ko-KR" sz="2800" i="1" smtClean="0">
-                                        <a:latin typeface="Cambria Math" panose="02040503050406030204" pitchFamily="18" charset="0"/>
+                                        <a:latin typeface="Cambria Math"/>
                                       </a:rPr>
                                     </m:ctrlPr>
                                   </m:sSubPr>
@@ -3770,7 +3771,7 @@
                           <m:endChr m:val="]"/>
                           <m:ctrlPr>
                             <a:rPr lang="en-US" altLang="ko-KR" sz="2800" i="1" smtClean="0">
-                              <a:latin typeface="Cambria Math" panose="02040503050406030204" pitchFamily="18" charset="0"/>
+                              <a:latin typeface="Cambria Math"/>
                             </a:rPr>
                           </m:ctrlPr>
                         </m:dPr>
@@ -3787,7 +3788,7 @@
                               </m:mcs>
                               <m:ctrlPr>
                                 <a:rPr lang="en-US" altLang="ko-KR" sz="2800" i="1" smtClean="0">
-                                  <a:latin typeface="Cambria Math" panose="02040503050406030204" pitchFamily="18" charset="0"/>
+                                  <a:latin typeface="Cambria Math"/>
                                 </a:rPr>
                               </m:ctrlPr>
                             </m:mPr>
@@ -3797,7 +3798,7 @@
                                   <m:sSubPr>
                                     <m:ctrlPr>
                                       <a:rPr lang="en-US" altLang="ko-KR" sz="2800" i="1" smtClean="0">
-                                        <a:latin typeface="Cambria Math" panose="02040503050406030204" pitchFamily="18" charset="0"/>
+                                        <a:latin typeface="Cambria Math"/>
                                       </a:rPr>
                                     </m:ctrlPr>
                                   </m:sSubPr>
@@ -3832,7 +3833,7 @@
                                   <m:sSubPr>
                                     <m:ctrlPr>
                                       <a:rPr lang="en-US" altLang="ko-KR" sz="2800" i="1" smtClean="0">
-                                        <a:latin typeface="Cambria Math" panose="02040503050406030204" pitchFamily="18" charset="0"/>
+                                        <a:latin typeface="Cambria Math"/>
                                       </a:rPr>
                                     </m:ctrlPr>
                                   </m:sSubPr>
@@ -3861,7 +3862,7 @@
                                   <m:sSubPr>
                                     <m:ctrlPr>
                                       <a:rPr lang="en-US" altLang="ko-KR" sz="2800" i="1" smtClean="0">
-                                        <a:latin typeface="Cambria Math" panose="02040503050406030204" pitchFamily="18" charset="0"/>
+                                        <a:latin typeface="Cambria Math"/>
                                       </a:rPr>
                                     </m:ctrlPr>
                                   </m:sSubPr>
@@ -3899,7 +3900,7 @@
                           <m:endChr m:val="]"/>
                           <m:ctrlPr>
                             <a:rPr lang="en-US" altLang="ko-KR" sz="2800" i="1" smtClean="0">
-                              <a:latin typeface="Cambria Math" panose="02040503050406030204" pitchFamily="18" charset="0"/>
+                              <a:latin typeface="Cambria Math"/>
                             </a:rPr>
                           </m:ctrlPr>
                         </m:dPr>
@@ -3916,7 +3917,7 @@
                               </m:mcs>
                               <m:ctrlPr>
                                 <a:rPr lang="en-US" altLang="ko-KR" sz="2800" i="1" smtClean="0">
-                                  <a:latin typeface="Cambria Math" panose="02040503050406030204" pitchFamily="18" charset="0"/>
+                                  <a:latin typeface="Cambria Math"/>
                                 </a:rPr>
                               </m:ctrlPr>
                             </m:mPr>
@@ -3926,7 +3927,7 @@
                                   <m:sSubPr>
                                     <m:ctrlPr>
                                       <a:rPr lang="en-US" altLang="ko-KR" sz="2800" i="1" smtClean="0">
-                                        <a:latin typeface="Cambria Math" panose="02040503050406030204" pitchFamily="18" charset="0"/>
+                                        <a:latin typeface="Cambria Math"/>
                                       </a:rPr>
                                     </m:ctrlPr>
                                   </m:sSubPr>
@@ -3955,7 +3956,7 @@
                                   <m:sSubPr>
                                     <m:ctrlPr>
                                       <a:rPr lang="en-US" altLang="ko-KR" sz="2800" i="1" smtClean="0">
-                                        <a:latin typeface="Cambria Math" panose="02040503050406030204" pitchFamily="18" charset="0"/>
+                                        <a:latin typeface="Cambria Math"/>
                                       </a:rPr>
                                     </m:ctrlPr>
                                   </m:sSubPr>
@@ -3984,7 +3985,7 @@
                                   <m:sSubPr>
                                     <m:ctrlPr>
                                       <a:rPr lang="en-US" altLang="ko-KR" sz="2800" i="1" smtClean="0">
-                                        <a:latin typeface="Cambria Math" panose="02040503050406030204" pitchFamily="18" charset="0"/>
+                                        <a:latin typeface="Cambria Math"/>
                                       </a:rPr>
                                     </m:ctrlPr>
                                   </m:sSubPr>
@@ -4070,7 +4071,7 @@
               <p:cNvPr id="7" name="TextBox 6">
                 <a:extLst>
                   <a:ext uri="{FF2B5EF4-FFF2-40B4-BE49-F238E27FC236}">
-                    <a16:creationId xmlns:a16="http://schemas.microsoft.com/office/drawing/2014/main" id="{37B607A9-E2C5-45FB-9311-6A4CF92D2B7F}"/>
+                    <a16:creationId xmlns:a16="http://schemas.microsoft.com/office/drawing/2014/main" xmlns="" id="{37B607A9-E2C5-45FB-9311-6A4CF92D2B7F}"/>
                   </a:ext>
                 </a:extLst>
               </p:cNvPr>
@@ -4184,7 +4185,7 @@
               <p:cNvPr id="8" name="TextBox 7">
                 <a:extLst>
                   <a:ext uri="{FF2B5EF4-FFF2-40B4-BE49-F238E27FC236}">
-                    <a16:creationId xmlns:a16="http://schemas.microsoft.com/office/drawing/2014/main" id="{74A4CDE9-564D-4577-9B20-F6BE76B49A11}"/>
+                    <a16:creationId xmlns:a16="http://schemas.microsoft.com/office/drawing/2014/main" xmlns="" id="{74A4CDE9-564D-4577-9B20-F6BE76B49A11}"/>
                   </a:ext>
                 </a:extLst>
               </p:cNvPr>
@@ -4220,7 +4221,7 @@
                           <m:endChr m:val="]"/>
                           <m:ctrlPr>
                             <a:rPr lang="en-US" altLang="ko-KR" sz="2800" i="1" smtClean="0">
-                              <a:latin typeface="Cambria Math" panose="02040503050406030204" pitchFamily="18" charset="0"/>
+                              <a:latin typeface="Cambria Math"/>
                             </a:rPr>
                           </m:ctrlPr>
                         </m:dPr>
@@ -4237,7 +4238,7 @@
                               </m:mcs>
                               <m:ctrlPr>
                                 <a:rPr lang="en-US" altLang="ko-KR" sz="2800" i="1" smtClean="0">
-                                  <a:latin typeface="Cambria Math" panose="02040503050406030204" pitchFamily="18" charset="0"/>
+                                  <a:latin typeface="Cambria Math"/>
                                 </a:rPr>
                               </m:ctrlPr>
                             </m:mPr>
@@ -4247,7 +4248,7 @@
                                   <m:sSubPr>
                                     <m:ctrlPr>
                                       <a:rPr lang="en-US" altLang="ko-KR" sz="2800" b="0" i="1" smtClean="0">
-                                        <a:latin typeface="Cambria Math" panose="02040503050406030204" pitchFamily="18" charset="0"/>
+                                        <a:latin typeface="Cambria Math"/>
                                       </a:rPr>
                                     </m:ctrlPr>
                                   </m:sSubPr>
@@ -4283,7 +4284,7 @@
                                   <m:sSubPr>
                                     <m:ctrlPr>
                                       <a:rPr lang="en-US" altLang="ko-KR" sz="2800" b="0" i="1" smtClean="0">
-                                        <a:latin typeface="Cambria Math" panose="02040503050406030204" pitchFamily="18" charset="0"/>
+                                        <a:latin typeface="Cambria Math"/>
                                       </a:rPr>
                                     </m:ctrlPr>
                                   </m:sSubPr>
@@ -4310,7 +4311,7 @@
                                   <m:sSubPr>
                                     <m:ctrlPr>
                                       <a:rPr lang="en-US" altLang="ko-KR" sz="2800" b="0" i="1" smtClean="0">
-                                        <a:latin typeface="Cambria Math" panose="02040503050406030204" pitchFamily="18" charset="0"/>
+                                        <a:latin typeface="Cambria Math"/>
                                       </a:rPr>
                                     </m:ctrlPr>
                                   </m:sSubPr>
@@ -4347,7 +4348,7 @@
                                   <m:sSubPr>
                                     <m:ctrlPr>
                                       <a:rPr lang="en-US" altLang="ko-KR" sz="2800" b="0" i="1" smtClean="0">
-                                        <a:latin typeface="Cambria Math" panose="02040503050406030204" pitchFamily="18" charset="0"/>
+                                        <a:latin typeface="Cambria Math"/>
                                       </a:rPr>
                                     </m:ctrlPr>
                                   </m:sSubPr>
@@ -4374,7 +4375,7 @@
                                   <m:sSubPr>
                                     <m:ctrlPr>
                                       <a:rPr lang="en-US" altLang="ko-KR" sz="2800" b="0" i="1" smtClean="0">
-                                        <a:latin typeface="Cambria Math" panose="02040503050406030204" pitchFamily="18" charset="0"/>
+                                        <a:latin typeface="Cambria Math"/>
                                       </a:rPr>
                                     </m:ctrlPr>
                                   </m:sSubPr>
@@ -4419,7 +4420,7 @@
                                   <m:sSubPr>
                                     <m:ctrlPr>
                                       <a:rPr lang="en-US" altLang="ko-KR" sz="2800" i="1" smtClean="0">
-                                        <a:latin typeface="Cambria Math" panose="02040503050406030204" pitchFamily="18" charset="0"/>
+                                        <a:latin typeface="Cambria Math"/>
                                       </a:rPr>
                                     </m:ctrlPr>
                                   </m:sSubPr>
@@ -4451,7 +4452,7 @@
                           <m:endChr m:val="]"/>
                           <m:ctrlPr>
                             <a:rPr lang="en-US" altLang="ko-KR" sz="2800" i="1" smtClean="0">
-                              <a:latin typeface="Cambria Math" panose="02040503050406030204" pitchFamily="18" charset="0"/>
+                              <a:latin typeface="Cambria Math"/>
                             </a:rPr>
                           </m:ctrlPr>
                         </m:dPr>
@@ -4468,7 +4469,7 @@
                               </m:mcs>
                               <m:ctrlPr>
                                 <a:rPr lang="en-US" altLang="ko-KR" sz="2800" i="1" smtClean="0">
-                                  <a:latin typeface="Cambria Math" panose="02040503050406030204" pitchFamily="18" charset="0"/>
+                                  <a:latin typeface="Cambria Math"/>
                                 </a:rPr>
                               </m:ctrlPr>
                             </m:mPr>
@@ -4478,7 +4479,7 @@
                                   <m:sSubPr>
                                     <m:ctrlPr>
                                       <a:rPr lang="en-US" altLang="ko-KR" sz="2800" i="1" smtClean="0">
-                                        <a:latin typeface="Cambria Math" panose="02040503050406030204" pitchFamily="18" charset="0"/>
+                                        <a:latin typeface="Cambria Math"/>
                                       </a:rPr>
                                     </m:ctrlPr>
                                   </m:sSubPr>
@@ -4513,7 +4514,7 @@
                                   <m:sSubPr>
                                     <m:ctrlPr>
                                       <a:rPr lang="en-US" altLang="ko-KR" sz="2800" i="1" smtClean="0">
-                                        <a:latin typeface="Cambria Math" panose="02040503050406030204" pitchFamily="18" charset="0"/>
+                                        <a:latin typeface="Cambria Math"/>
                                       </a:rPr>
                                     </m:ctrlPr>
                                   </m:sSubPr>
@@ -4542,7 +4543,7 @@
                                   <m:sSubPr>
                                     <m:ctrlPr>
                                       <a:rPr lang="en-US" altLang="ko-KR" sz="2800" i="1" smtClean="0">
-                                        <a:latin typeface="Cambria Math" panose="02040503050406030204" pitchFamily="18" charset="0"/>
+                                        <a:latin typeface="Cambria Math"/>
                                       </a:rPr>
                                     </m:ctrlPr>
                                   </m:sSubPr>
@@ -4580,7 +4581,7 @@
                           <m:endChr m:val="]"/>
                           <m:ctrlPr>
                             <a:rPr lang="en-US" altLang="ko-KR" sz="2800" i="1" smtClean="0">
-                              <a:latin typeface="Cambria Math" panose="02040503050406030204" pitchFamily="18" charset="0"/>
+                              <a:latin typeface="Cambria Math"/>
                             </a:rPr>
                           </m:ctrlPr>
                         </m:dPr>
@@ -4597,7 +4598,7 @@
                               </m:mcs>
                               <m:ctrlPr>
                                 <a:rPr lang="en-US" altLang="ko-KR" sz="2800" i="1" smtClean="0">
-                                  <a:latin typeface="Cambria Math" panose="02040503050406030204" pitchFamily="18" charset="0"/>
+                                  <a:latin typeface="Cambria Math"/>
                                 </a:rPr>
                               </m:ctrlPr>
                             </m:mPr>
@@ -4607,7 +4608,7 @@
                                   <m:sSubPr>
                                     <m:ctrlPr>
                                       <a:rPr lang="en-US" altLang="ko-KR" sz="2800" b="0" i="1" smtClean="0">
-                                        <a:latin typeface="Cambria Math" panose="02040503050406030204" pitchFamily="18" charset="0"/>
+                                        <a:latin typeface="Cambria Math"/>
                                       </a:rPr>
                                     </m:ctrlPr>
                                   </m:sSubPr>
@@ -4636,7 +4637,7 @@
                                   <m:sSubPr>
                                     <m:ctrlPr>
                                       <a:rPr lang="en-US" altLang="ko-KR" sz="2800" b="0" i="1" smtClean="0">
-                                        <a:latin typeface="Cambria Math" panose="02040503050406030204" pitchFamily="18" charset="0"/>
+                                        <a:latin typeface="Cambria Math"/>
                                       </a:rPr>
                                     </m:ctrlPr>
                                   </m:sSubPr>
@@ -4665,7 +4666,7 @@
                                   <m:sSubPr>
                                     <m:ctrlPr>
                                       <a:rPr lang="en-US" altLang="ko-KR" sz="2800" b="0" i="1" smtClean="0">
-                                        <a:latin typeface="Cambria Math" panose="02040503050406030204" pitchFamily="18" charset="0"/>
+                                        <a:latin typeface="Cambria Math"/>
                                       </a:rPr>
                                     </m:ctrlPr>
                                   </m:sSubPr>
@@ -4751,7 +4752,7 @@
               <p:cNvPr id="9" name="TextBox 8">
                 <a:extLst>
                   <a:ext uri="{FF2B5EF4-FFF2-40B4-BE49-F238E27FC236}">
-                    <a16:creationId xmlns:a16="http://schemas.microsoft.com/office/drawing/2014/main" id="{5ECA733F-061C-4EE8-8AF3-82841742D6E1}"/>
+                    <a16:creationId xmlns:a16="http://schemas.microsoft.com/office/drawing/2014/main" xmlns="" id="{5ECA733F-061C-4EE8-8AF3-82841742D6E1}"/>
                   </a:ext>
                 </a:extLst>
               </p:cNvPr>
@@ -4785,7 +4786,7 @@
                         <m:sSubPr>
                           <m:ctrlPr>
                             <a:rPr lang="en-US" altLang="ko-KR" sz="2800" b="0" i="1" smtClean="0">
-                              <a:latin typeface="Cambria Math" panose="02040503050406030204" pitchFamily="18" charset="0"/>
+                              <a:latin typeface="Cambria Math"/>
                             </a:rPr>
                           </m:ctrlPr>
                         </m:sSubPr>
@@ -4810,7 +4811,7 @@
                         <m:sSubPr>
                           <m:ctrlPr>
                             <a:rPr lang="en-US" altLang="ko-KR" sz="2800" b="0" i="1" smtClean="0">
-                              <a:latin typeface="Cambria Math" panose="02040503050406030204" pitchFamily="18" charset="0"/>
+                              <a:latin typeface="Cambria Math"/>
                             </a:rPr>
                           </m:ctrlPr>
                         </m:sSubPr>
@@ -4835,7 +4836,7 @@
                         <m:sSubPr>
                           <m:ctrlPr>
                             <a:rPr lang="en-US" altLang="ko-KR" sz="2800" b="0" i="1" smtClean="0">
-                              <a:latin typeface="Cambria Math" panose="02040503050406030204" pitchFamily="18" charset="0"/>
+                              <a:latin typeface="Cambria Math"/>
                             </a:rPr>
                           </m:ctrlPr>
                         </m:sSubPr>
@@ -4862,7 +4863,7 @@
                           <m:endChr m:val="]"/>
                           <m:ctrlPr>
                             <a:rPr lang="en-US" altLang="ko-KR" sz="2800" i="1" smtClean="0">
-                              <a:latin typeface="Cambria Math" panose="02040503050406030204" pitchFamily="18" charset="0"/>
+                              <a:latin typeface="Cambria Math"/>
                             </a:rPr>
                           </m:ctrlPr>
                         </m:dPr>
@@ -4879,7 +4880,7 @@
                               </m:mcs>
                               <m:ctrlPr>
                                 <a:rPr lang="en-US" altLang="ko-KR" sz="2800" i="1" smtClean="0">
-                                  <a:latin typeface="Cambria Math" panose="02040503050406030204" pitchFamily="18" charset="0"/>
+                                  <a:latin typeface="Cambria Math"/>
                                 </a:rPr>
                               </m:ctrlPr>
                             </m:mPr>
@@ -4889,7 +4890,7 @@
                                   <m:sSubPr>
                                     <m:ctrlPr>
                                       <a:rPr lang="en-US" altLang="ko-KR" sz="2800" i="1" smtClean="0">
-                                        <a:latin typeface="Cambria Math" panose="02040503050406030204" pitchFamily="18" charset="0"/>
+                                        <a:latin typeface="Cambria Math"/>
                                       </a:rPr>
                                     </m:ctrlPr>
                                   </m:sSubPr>
@@ -4928,7 +4929,7 @@
                                   <m:sSubPr>
                                     <m:ctrlPr>
                                       <a:rPr lang="en-US" altLang="ko-KR" sz="2800" i="1" smtClean="0">
-                                        <a:latin typeface="Cambria Math" panose="02040503050406030204" pitchFamily="18" charset="0"/>
+                                        <a:latin typeface="Cambria Math"/>
                                       </a:rPr>
                                     </m:ctrlPr>
                                   </m:sSubPr>
@@ -4955,7 +4956,7 @@
                                   <m:sSubPr>
                                     <m:ctrlPr>
                                       <a:rPr lang="en-US" altLang="ko-KR" sz="2800" i="1" smtClean="0">
-                                        <a:latin typeface="Cambria Math" panose="02040503050406030204" pitchFamily="18" charset="0"/>
+                                        <a:latin typeface="Cambria Math"/>
                                       </a:rPr>
                                     </m:ctrlPr>
                                   </m:sSubPr>
@@ -4984,7 +4985,7 @@
                                   <m:sSubPr>
                                     <m:ctrlPr>
                                       <a:rPr lang="en-US" altLang="ko-KR" sz="2800" i="1" smtClean="0">
-                                        <a:latin typeface="Cambria Math" panose="02040503050406030204" pitchFamily="18" charset="0"/>
+                                        <a:latin typeface="Cambria Math"/>
                                       </a:rPr>
                                     </m:ctrlPr>
                                   </m:sSubPr>
@@ -5011,7 +5012,7 @@
                                   <m:sSubPr>
                                     <m:ctrlPr>
                                       <a:rPr lang="en-US" altLang="ko-KR" sz="2800" i="1" smtClean="0">
-                                        <a:latin typeface="Cambria Math" panose="02040503050406030204" pitchFamily="18" charset="0"/>
+                                        <a:latin typeface="Cambria Math"/>
                                       </a:rPr>
                                     </m:ctrlPr>
                                   </m:sSubPr>
@@ -5038,7 +5039,7 @@
                                   <m:sSubPr>
                                     <m:ctrlPr>
                                       <a:rPr lang="en-US" altLang="ko-KR" sz="2800" i="1" smtClean="0">
-                                        <a:latin typeface="Cambria Math" panose="02040503050406030204" pitchFamily="18" charset="0"/>
+                                        <a:latin typeface="Cambria Math"/>
                                       </a:rPr>
                                     </m:ctrlPr>
                                   </m:sSubPr>
@@ -5067,7 +5068,7 @@
                                   <m:sSubPr>
                                     <m:ctrlPr>
                                       <a:rPr lang="en-US" altLang="ko-KR" sz="2800" i="1" smtClean="0">
-                                        <a:latin typeface="Cambria Math" panose="02040503050406030204" pitchFamily="18" charset="0"/>
+                                        <a:latin typeface="Cambria Math"/>
                                       </a:rPr>
                                     </m:ctrlPr>
                                   </m:sSubPr>
@@ -5094,7 +5095,7 @@
                                   <m:sSubPr>
                                     <m:ctrlPr>
                                       <a:rPr lang="en-US" altLang="ko-KR" sz="2800" i="1" smtClean="0">
-                                        <a:latin typeface="Cambria Math" panose="02040503050406030204" pitchFamily="18" charset="0"/>
+                                        <a:latin typeface="Cambria Math"/>
                                       </a:rPr>
                                     </m:ctrlPr>
                                   </m:sSubPr>
@@ -5121,7 +5122,7 @@
                                   <m:sSubPr>
                                     <m:ctrlPr>
                                       <a:rPr lang="en-US" altLang="ko-KR" sz="2800" i="1" smtClean="0">
-                                        <a:latin typeface="Cambria Math" panose="02040503050406030204" pitchFamily="18" charset="0"/>
+                                        <a:latin typeface="Cambria Math"/>
                                       </a:rPr>
                                     </m:ctrlPr>
                                   </m:sSubPr>
@@ -5153,7 +5154,7 @@
                           <m:endChr m:val="]"/>
                           <m:ctrlPr>
                             <a:rPr lang="en-US" altLang="ko-KR" sz="2800" i="1" smtClean="0">
-                              <a:latin typeface="Cambria Math" panose="02040503050406030204" pitchFamily="18" charset="0"/>
+                              <a:latin typeface="Cambria Math"/>
                             </a:rPr>
                           </m:ctrlPr>
                         </m:dPr>
@@ -5170,7 +5171,7 @@
                               </m:mcs>
                               <m:ctrlPr>
                                 <a:rPr lang="en-US" altLang="ko-KR" sz="2800" i="1" smtClean="0">
-                                  <a:latin typeface="Cambria Math" panose="02040503050406030204" pitchFamily="18" charset="0"/>
+                                  <a:latin typeface="Cambria Math"/>
                                 </a:rPr>
                               </m:ctrlPr>
                             </m:mPr>
@@ -5180,7 +5181,7 @@
                                   <m:sSubPr>
                                     <m:ctrlPr>
                                       <a:rPr lang="en-US" altLang="ko-KR" sz="2800" i="1" smtClean="0">
-                                        <a:latin typeface="Cambria Math" panose="02040503050406030204" pitchFamily="18" charset="0"/>
+                                        <a:latin typeface="Cambria Math"/>
                                       </a:rPr>
                                     </m:ctrlPr>
                                   </m:sSubPr>
@@ -5215,7 +5216,7 @@
                                   <m:sSubPr>
                                     <m:ctrlPr>
                                       <a:rPr lang="en-US" altLang="ko-KR" sz="2800" i="1" smtClean="0">
-                                        <a:latin typeface="Cambria Math" panose="02040503050406030204" pitchFamily="18" charset="0"/>
+                                        <a:latin typeface="Cambria Math"/>
                                       </a:rPr>
                                     </m:ctrlPr>
                                   </m:sSubPr>
@@ -5244,7 +5245,7 @@
                                   <m:sSubPr>
                                     <m:ctrlPr>
                                       <a:rPr lang="en-US" altLang="ko-KR" sz="2800" i="1" smtClean="0">
-                                        <a:latin typeface="Cambria Math" panose="02040503050406030204" pitchFamily="18" charset="0"/>
+                                        <a:latin typeface="Cambria Math"/>
                                       </a:rPr>
                                     </m:ctrlPr>
                                   </m:sSubPr>
@@ -5280,7 +5281,7 @@
                         <m:sSubPr>
                           <m:ctrlPr>
                             <a:rPr lang="en-US" altLang="ko-KR" sz="2800" b="0" i="1" smtClean="0">
-                              <a:latin typeface="Cambria Math" panose="02040503050406030204" pitchFamily="18" charset="0"/>
+                              <a:latin typeface="Cambria Math"/>
                             </a:rPr>
                           </m:ctrlPr>
                         </m:sSubPr>
@@ -5305,7 +5306,7 @@
                         <m:sSubPr>
                           <m:ctrlPr>
                             <a:rPr lang="en-US" altLang="ko-KR" sz="2800" b="0" i="1" smtClean="0">
-                              <a:latin typeface="Cambria Math" panose="02040503050406030204" pitchFamily="18" charset="0"/>
+                              <a:latin typeface="Cambria Math"/>
                             </a:rPr>
                           </m:ctrlPr>
                         </m:sSubPr>
@@ -5330,7 +5331,7 @@
                         <m:sSubPr>
                           <m:ctrlPr>
                             <a:rPr lang="en-US" altLang="ko-KR" sz="2800" b="0" i="1" smtClean="0">
-                              <a:latin typeface="Cambria Math" panose="02040503050406030204" pitchFamily="18" charset="0"/>
+                              <a:latin typeface="Cambria Math"/>
                             </a:rPr>
                           </m:ctrlPr>
                         </m:sSubPr>
@@ -5357,7 +5358,7 @@
                           <m:endChr m:val="]"/>
                           <m:ctrlPr>
                             <a:rPr lang="en-US" altLang="ko-KR" sz="2800" i="1" smtClean="0">
-                              <a:latin typeface="Cambria Math" panose="02040503050406030204" pitchFamily="18" charset="0"/>
+                              <a:latin typeface="Cambria Math"/>
                             </a:rPr>
                           </m:ctrlPr>
                         </m:dPr>
@@ -5374,7 +5375,7 @@
                               </m:mcs>
                               <m:ctrlPr>
                                 <a:rPr lang="en-US" altLang="ko-KR" sz="2800" i="1" smtClean="0">
-                                  <a:latin typeface="Cambria Math" panose="02040503050406030204" pitchFamily="18" charset="0"/>
+                                  <a:latin typeface="Cambria Math"/>
                                 </a:rPr>
                               </m:ctrlPr>
                             </m:mPr>
@@ -5384,7 +5385,7 @@
                                   <m:sSubPr>
                                     <m:ctrlPr>
                                       <a:rPr lang="en-US" altLang="ko-KR" sz="2800" i="1" smtClean="0">
-                                        <a:latin typeface="Cambria Math" panose="02040503050406030204" pitchFamily="18" charset="0"/>
+                                        <a:latin typeface="Cambria Math"/>
                                       </a:rPr>
                                     </m:ctrlPr>
                                   </m:sSubPr>
@@ -5413,7 +5414,7 @@
                                   <m:sSubPr>
                                     <m:ctrlPr>
                                       <a:rPr lang="en-US" altLang="ko-KR" sz="2800" i="1" smtClean="0">
-                                        <a:latin typeface="Cambria Math" panose="02040503050406030204" pitchFamily="18" charset="0"/>
+                                        <a:latin typeface="Cambria Math"/>
                                       </a:rPr>
                                     </m:ctrlPr>
                                   </m:sSubPr>
@@ -5442,7 +5443,7 @@
                                   <m:sSubPr>
                                     <m:ctrlPr>
                                       <a:rPr lang="en-US" altLang="ko-KR" sz="2800" i="1" smtClean="0">
-                                        <a:latin typeface="Cambria Math" panose="02040503050406030204" pitchFamily="18" charset="0"/>
+                                        <a:latin typeface="Cambria Math"/>
                                       </a:rPr>
                                     </m:ctrlPr>
                                   </m:sSubPr>
@@ -5526,7 +5527,7 @@
           <p:cNvPr id="11" name="직사각형 10">
             <a:extLst>
               <a:ext uri="{FF2B5EF4-FFF2-40B4-BE49-F238E27FC236}">
-                <a16:creationId xmlns:a16="http://schemas.microsoft.com/office/drawing/2014/main" id="{EC07FC50-5869-434D-B327-BA5A06AD9846}"/>
+                <a16:creationId xmlns:a16="http://schemas.microsoft.com/office/drawing/2014/main" xmlns="" id="{EC07FC50-5869-434D-B327-BA5A06AD9846}"/>
               </a:ext>
             </a:extLst>
           </p:cNvPr>
@@ -5578,7 +5579,7 @@
           <p:cNvPr id="12" name="직사각형 11">
             <a:extLst>
               <a:ext uri="{FF2B5EF4-FFF2-40B4-BE49-F238E27FC236}">
-                <a16:creationId xmlns:a16="http://schemas.microsoft.com/office/drawing/2014/main" id="{2985F8F7-35F1-4E55-A515-D79AEDF5390D}"/>
+                <a16:creationId xmlns:a16="http://schemas.microsoft.com/office/drawing/2014/main" xmlns="" id="{2985F8F7-35F1-4E55-A515-D79AEDF5390D}"/>
               </a:ext>
             </a:extLst>
           </p:cNvPr>
@@ -5630,7 +5631,7 @@
           <p:cNvPr id="13" name="직사각형 12">
             <a:extLst>
               <a:ext uri="{FF2B5EF4-FFF2-40B4-BE49-F238E27FC236}">
-                <a16:creationId xmlns:a16="http://schemas.microsoft.com/office/drawing/2014/main" id="{EC6677BE-F9DC-4204-94B2-CF9876300807}"/>
+                <a16:creationId xmlns:a16="http://schemas.microsoft.com/office/drawing/2014/main" xmlns="" id="{EC6677BE-F9DC-4204-94B2-CF9876300807}"/>
               </a:ext>
             </a:extLst>
           </p:cNvPr>
@@ -5682,7 +5683,7 @@
           <p:cNvPr id="15" name="연결선: 꺾임 14">
             <a:extLst>
               <a:ext uri="{FF2B5EF4-FFF2-40B4-BE49-F238E27FC236}">
-                <a16:creationId xmlns:a16="http://schemas.microsoft.com/office/drawing/2014/main" id="{5BF2169F-BCBB-4B4D-86D9-EF1F48FDA2DB}"/>
+                <a16:creationId xmlns:a16="http://schemas.microsoft.com/office/drawing/2014/main" xmlns="" id="{5BF2169F-BCBB-4B4D-86D9-EF1F48FDA2DB}"/>
               </a:ext>
             </a:extLst>
           </p:cNvPr>
@@ -5727,7 +5728,7 @@
           <p:cNvPr id="16" name="연결선: 꺾임 15">
             <a:extLst>
               <a:ext uri="{FF2B5EF4-FFF2-40B4-BE49-F238E27FC236}">
-                <a16:creationId xmlns:a16="http://schemas.microsoft.com/office/drawing/2014/main" id="{08DAF2D8-3CC9-484C-9F5D-3AFC6F51A9EB}"/>
+                <a16:creationId xmlns:a16="http://schemas.microsoft.com/office/drawing/2014/main" xmlns="" id="{08DAF2D8-3CC9-484C-9F5D-3AFC6F51A9EB}"/>
               </a:ext>
             </a:extLst>
           </p:cNvPr>
@@ -5772,7 +5773,7 @@
           <p:cNvPr id="22" name="직선 화살표 연결선 21">
             <a:extLst>
               <a:ext uri="{FF2B5EF4-FFF2-40B4-BE49-F238E27FC236}">
-                <a16:creationId xmlns:a16="http://schemas.microsoft.com/office/drawing/2014/main" id="{BAAAC0B8-DD48-4B1B-A5CF-7F66ACB4A93B}"/>
+                <a16:creationId xmlns:a16="http://schemas.microsoft.com/office/drawing/2014/main" xmlns="" id="{BAAAC0B8-DD48-4B1B-A5CF-7F66ACB4A93B}"/>
               </a:ext>
             </a:extLst>
           </p:cNvPr>
@@ -5818,7 +5819,7 @@
           <p:cNvPr id="23" name="TextBox 22">
             <a:extLst>
               <a:ext uri="{FF2B5EF4-FFF2-40B4-BE49-F238E27FC236}">
-                <a16:creationId xmlns:a16="http://schemas.microsoft.com/office/drawing/2014/main" id="{A6BCFE26-2DA0-4D5A-B7C6-79668BCF3812}"/>
+                <a16:creationId xmlns:a16="http://schemas.microsoft.com/office/drawing/2014/main" xmlns="" id="{A6BCFE26-2DA0-4D5A-B7C6-79668BCF3812}"/>
               </a:ext>
             </a:extLst>
           </p:cNvPr>
@@ -5907,7 +5908,7 @@
           <p:cNvPr id="6" name="직선 연결선 5">
             <a:extLst>
               <a:ext uri="{FF2B5EF4-FFF2-40B4-BE49-F238E27FC236}">
-                <a16:creationId xmlns:a16="http://schemas.microsoft.com/office/drawing/2014/main" id="{31654EA8-B9F1-411B-924F-A39AFFF25FE4}"/>
+                <a16:creationId xmlns:a16="http://schemas.microsoft.com/office/drawing/2014/main" xmlns="" id="{31654EA8-B9F1-411B-924F-A39AFFF25FE4}"/>
               </a:ext>
             </a:extLst>
           </p:cNvPr>
@@ -5946,7 +5947,7 @@
           <p:cNvPr id="7" name="직선 연결선 6">
             <a:extLst>
               <a:ext uri="{FF2B5EF4-FFF2-40B4-BE49-F238E27FC236}">
-                <a16:creationId xmlns:a16="http://schemas.microsoft.com/office/drawing/2014/main" id="{4E07B35E-E95F-4959-B154-E7714662533C}"/>
+                <a16:creationId xmlns:a16="http://schemas.microsoft.com/office/drawing/2014/main" xmlns="" id="{4E07B35E-E95F-4959-B154-E7714662533C}"/>
               </a:ext>
             </a:extLst>
           </p:cNvPr>
@@ -5983,7 +5984,7 @@
           <p:cNvPr id="8" name="직선 연결선 7">
             <a:extLst>
               <a:ext uri="{FF2B5EF4-FFF2-40B4-BE49-F238E27FC236}">
-                <a16:creationId xmlns:a16="http://schemas.microsoft.com/office/drawing/2014/main" id="{E4FFF66C-C336-47F1-93F9-02E956F4091B}"/>
+                <a16:creationId xmlns:a16="http://schemas.microsoft.com/office/drawing/2014/main" xmlns="" id="{E4FFF66C-C336-47F1-93F9-02E956F4091B}"/>
               </a:ext>
             </a:extLst>
           </p:cNvPr>
@@ -6020,7 +6021,7 @@
           <p:cNvPr id="10" name="직선 연결선 9">
             <a:extLst>
               <a:ext uri="{FF2B5EF4-FFF2-40B4-BE49-F238E27FC236}">
-                <a16:creationId xmlns:a16="http://schemas.microsoft.com/office/drawing/2014/main" id="{F04DF4A3-A86D-4539-A457-19D81BC14F59}"/>
+                <a16:creationId xmlns:a16="http://schemas.microsoft.com/office/drawing/2014/main" xmlns="" id="{F04DF4A3-A86D-4539-A457-19D81BC14F59}"/>
               </a:ext>
             </a:extLst>
           </p:cNvPr>
@@ -6057,7 +6058,7 @@
           <p:cNvPr id="11" name="직선 연결선 10">
             <a:extLst>
               <a:ext uri="{FF2B5EF4-FFF2-40B4-BE49-F238E27FC236}">
-                <a16:creationId xmlns:a16="http://schemas.microsoft.com/office/drawing/2014/main" id="{64673F54-A7E0-4DB9-A52F-91F6F84A4C48}"/>
+                <a16:creationId xmlns:a16="http://schemas.microsoft.com/office/drawing/2014/main" xmlns="" id="{64673F54-A7E0-4DB9-A52F-91F6F84A4C48}"/>
               </a:ext>
             </a:extLst>
           </p:cNvPr>
@@ -6094,7 +6095,7 @@
           <p:cNvPr id="12" name="직선 연결선 11">
             <a:extLst>
               <a:ext uri="{FF2B5EF4-FFF2-40B4-BE49-F238E27FC236}">
-                <a16:creationId xmlns:a16="http://schemas.microsoft.com/office/drawing/2014/main" id="{6AE9AB7F-9042-41D0-8094-A670CFD71A82}"/>
+                <a16:creationId xmlns:a16="http://schemas.microsoft.com/office/drawing/2014/main" xmlns="" id="{6AE9AB7F-9042-41D0-8094-A670CFD71A82}"/>
               </a:ext>
             </a:extLst>
           </p:cNvPr>
@@ -6131,7 +6132,7 @@
           <p:cNvPr id="14" name="TextBox 13">
             <a:extLst>
               <a:ext uri="{FF2B5EF4-FFF2-40B4-BE49-F238E27FC236}">
-                <a16:creationId xmlns:a16="http://schemas.microsoft.com/office/drawing/2014/main" id="{E949D324-98A0-40F7-84A4-65067AE1B247}"/>
+                <a16:creationId xmlns:a16="http://schemas.microsoft.com/office/drawing/2014/main" xmlns="" id="{E949D324-98A0-40F7-84A4-65067AE1B247}"/>
               </a:ext>
             </a:extLst>
           </p:cNvPr>
@@ -6167,7 +6168,7 @@
           <p:cNvPr id="15" name="TextBox 14">
             <a:extLst>
               <a:ext uri="{FF2B5EF4-FFF2-40B4-BE49-F238E27FC236}">
-                <a16:creationId xmlns:a16="http://schemas.microsoft.com/office/drawing/2014/main" id="{5A89365F-595E-448D-8C11-2AD4E3EDA249}"/>
+                <a16:creationId xmlns:a16="http://schemas.microsoft.com/office/drawing/2014/main" xmlns="" id="{5A89365F-595E-448D-8C11-2AD4E3EDA249}"/>
               </a:ext>
             </a:extLst>
           </p:cNvPr>
@@ -6204,7 +6205,7 @@
           <p:cNvPr id="16" name="TextBox 15">
             <a:extLst>
               <a:ext uri="{FF2B5EF4-FFF2-40B4-BE49-F238E27FC236}">
-                <a16:creationId xmlns:a16="http://schemas.microsoft.com/office/drawing/2014/main" id="{C2D93AB9-1EB8-4A18-BEA3-CB6A1473383E}"/>
+                <a16:creationId xmlns:a16="http://schemas.microsoft.com/office/drawing/2014/main" xmlns="" id="{C2D93AB9-1EB8-4A18-BEA3-CB6A1473383E}"/>
               </a:ext>
             </a:extLst>
           </p:cNvPr>
@@ -6241,7 +6242,7 @@
           <p:cNvPr id="17" name="TextBox 16">
             <a:extLst>
               <a:ext uri="{FF2B5EF4-FFF2-40B4-BE49-F238E27FC236}">
-                <a16:creationId xmlns:a16="http://schemas.microsoft.com/office/drawing/2014/main" id="{119143F9-9662-4BFC-8C7E-8F5237C8D6C3}"/>
+                <a16:creationId xmlns:a16="http://schemas.microsoft.com/office/drawing/2014/main" xmlns="" id="{119143F9-9662-4BFC-8C7E-8F5237C8D6C3}"/>
               </a:ext>
             </a:extLst>
           </p:cNvPr>
@@ -6278,7 +6279,7 @@
           <p:cNvPr id="18" name="TextBox 17">
             <a:extLst>
               <a:ext uri="{FF2B5EF4-FFF2-40B4-BE49-F238E27FC236}">
-                <a16:creationId xmlns:a16="http://schemas.microsoft.com/office/drawing/2014/main" id="{D65CEA8C-7F03-47CF-8C8B-E71BA660DF53}"/>
+                <a16:creationId xmlns:a16="http://schemas.microsoft.com/office/drawing/2014/main" xmlns="" id="{D65CEA8C-7F03-47CF-8C8B-E71BA660DF53}"/>
               </a:ext>
             </a:extLst>
           </p:cNvPr>
@@ -6315,7 +6316,7 @@
           <p:cNvPr id="20" name="TextBox 19">
             <a:extLst>
               <a:ext uri="{FF2B5EF4-FFF2-40B4-BE49-F238E27FC236}">
-                <a16:creationId xmlns:a16="http://schemas.microsoft.com/office/drawing/2014/main" id="{124A2A46-0B07-44A3-B17A-50E4AC7A54C1}"/>
+                <a16:creationId xmlns:a16="http://schemas.microsoft.com/office/drawing/2014/main" xmlns="" id="{124A2A46-0B07-44A3-B17A-50E4AC7A54C1}"/>
               </a:ext>
             </a:extLst>
           </p:cNvPr>
@@ -6352,7 +6353,7 @@
           <p:cNvPr id="21" name="TextBox 20">
             <a:extLst>
               <a:ext uri="{FF2B5EF4-FFF2-40B4-BE49-F238E27FC236}">
-                <a16:creationId xmlns:a16="http://schemas.microsoft.com/office/drawing/2014/main" id="{127B6753-0375-4F50-8EBB-C3EBF58B25A0}"/>
+                <a16:creationId xmlns:a16="http://schemas.microsoft.com/office/drawing/2014/main" xmlns="" id="{127B6753-0375-4F50-8EBB-C3EBF58B25A0}"/>
               </a:ext>
             </a:extLst>
           </p:cNvPr>
@@ -6388,7 +6389,7 @@
           <p:cNvPr id="22" name="TextBox 21">
             <a:extLst>
               <a:ext uri="{FF2B5EF4-FFF2-40B4-BE49-F238E27FC236}">
-                <a16:creationId xmlns:a16="http://schemas.microsoft.com/office/drawing/2014/main" id="{B116CB62-58E4-4818-B572-748F45E877D0}"/>
+                <a16:creationId xmlns:a16="http://schemas.microsoft.com/office/drawing/2014/main" xmlns="" id="{B116CB62-58E4-4818-B572-748F45E877D0}"/>
               </a:ext>
             </a:extLst>
           </p:cNvPr>
@@ -6425,7 +6426,7 @@
           <p:cNvPr id="23" name="TextBox 22">
             <a:extLst>
               <a:ext uri="{FF2B5EF4-FFF2-40B4-BE49-F238E27FC236}">
-                <a16:creationId xmlns:a16="http://schemas.microsoft.com/office/drawing/2014/main" id="{083578AA-42ED-487F-B693-11DB0F61806B}"/>
+                <a16:creationId xmlns:a16="http://schemas.microsoft.com/office/drawing/2014/main" xmlns="" id="{083578AA-42ED-487F-B693-11DB0F61806B}"/>
               </a:ext>
             </a:extLst>
           </p:cNvPr>
@@ -6462,7 +6463,7 @@
           <p:cNvPr id="24" name="TextBox 23">
             <a:extLst>
               <a:ext uri="{FF2B5EF4-FFF2-40B4-BE49-F238E27FC236}">
-                <a16:creationId xmlns:a16="http://schemas.microsoft.com/office/drawing/2014/main" id="{5D84D04F-C822-4A52-A05E-744ABD508093}"/>
+                <a16:creationId xmlns:a16="http://schemas.microsoft.com/office/drawing/2014/main" xmlns="" id="{5D84D04F-C822-4A52-A05E-744ABD508093}"/>
               </a:ext>
             </a:extLst>
           </p:cNvPr>
@@ -6499,7 +6500,7 @@
           <p:cNvPr id="26" name="TextBox 25">
             <a:extLst>
               <a:ext uri="{FF2B5EF4-FFF2-40B4-BE49-F238E27FC236}">
-                <a16:creationId xmlns:a16="http://schemas.microsoft.com/office/drawing/2014/main" id="{41E6F538-9F9C-4553-9A66-9C05463EAB60}"/>
+                <a16:creationId xmlns:a16="http://schemas.microsoft.com/office/drawing/2014/main" xmlns="" id="{41E6F538-9F9C-4553-9A66-9C05463EAB60}"/>
               </a:ext>
             </a:extLst>
           </p:cNvPr>
@@ -6536,7 +6537,7 @@
           <p:cNvPr id="27" name="TextBox 26">
             <a:extLst>
               <a:ext uri="{FF2B5EF4-FFF2-40B4-BE49-F238E27FC236}">
-                <a16:creationId xmlns:a16="http://schemas.microsoft.com/office/drawing/2014/main" id="{BA05173D-B233-4D44-9BC7-E4670389830C}"/>
+                <a16:creationId xmlns:a16="http://schemas.microsoft.com/office/drawing/2014/main" xmlns="" id="{BA05173D-B233-4D44-9BC7-E4670389830C}"/>
               </a:ext>
             </a:extLst>
           </p:cNvPr>
@@ -6573,7 +6574,7 @@
           <p:cNvPr id="28" name="TextBox 27">
             <a:extLst>
               <a:ext uri="{FF2B5EF4-FFF2-40B4-BE49-F238E27FC236}">
-                <a16:creationId xmlns:a16="http://schemas.microsoft.com/office/drawing/2014/main" id="{E9547A23-6AB5-453B-9412-5817BE440F6C}"/>
+                <a16:creationId xmlns:a16="http://schemas.microsoft.com/office/drawing/2014/main" xmlns="" id="{E9547A23-6AB5-453B-9412-5817BE440F6C}"/>
               </a:ext>
             </a:extLst>
           </p:cNvPr>
@@ -6609,7 +6610,7 @@
           <p:cNvPr id="29" name="TextBox 28">
             <a:extLst>
               <a:ext uri="{FF2B5EF4-FFF2-40B4-BE49-F238E27FC236}">
-                <a16:creationId xmlns:a16="http://schemas.microsoft.com/office/drawing/2014/main" id="{D8D463D9-B497-4B82-88D7-4BC7471DF49C}"/>
+                <a16:creationId xmlns:a16="http://schemas.microsoft.com/office/drawing/2014/main" xmlns="" id="{D8D463D9-B497-4B82-88D7-4BC7471DF49C}"/>
               </a:ext>
             </a:extLst>
           </p:cNvPr>
@@ -6646,7 +6647,7 @@
           <p:cNvPr id="30" name="TextBox 29">
             <a:extLst>
               <a:ext uri="{FF2B5EF4-FFF2-40B4-BE49-F238E27FC236}">
-                <a16:creationId xmlns:a16="http://schemas.microsoft.com/office/drawing/2014/main" id="{39C5CF66-680C-47A0-ABB7-21ED54599E87}"/>
+                <a16:creationId xmlns:a16="http://schemas.microsoft.com/office/drawing/2014/main" xmlns="" id="{39C5CF66-680C-47A0-ABB7-21ED54599E87}"/>
               </a:ext>
             </a:extLst>
           </p:cNvPr>
@@ -6683,7 +6684,7 @@
           <p:cNvPr id="32" name="TextBox 31">
             <a:extLst>
               <a:ext uri="{FF2B5EF4-FFF2-40B4-BE49-F238E27FC236}">
-                <a16:creationId xmlns:a16="http://schemas.microsoft.com/office/drawing/2014/main" id="{EB1F1875-3A73-4A80-85F5-46EF251DCDC3}"/>
+                <a16:creationId xmlns:a16="http://schemas.microsoft.com/office/drawing/2014/main" xmlns="" id="{EB1F1875-3A73-4A80-85F5-46EF251DCDC3}"/>
               </a:ext>
             </a:extLst>
           </p:cNvPr>
@@ -6720,7 +6721,7 @@
           <p:cNvPr id="33" name="TextBox 32">
             <a:extLst>
               <a:ext uri="{FF2B5EF4-FFF2-40B4-BE49-F238E27FC236}">
-                <a16:creationId xmlns:a16="http://schemas.microsoft.com/office/drawing/2014/main" id="{C4F940DE-E250-451B-AC81-9B92E2FAD39D}"/>
+                <a16:creationId xmlns:a16="http://schemas.microsoft.com/office/drawing/2014/main" xmlns="" id="{C4F940DE-E250-451B-AC81-9B92E2FAD39D}"/>
               </a:ext>
             </a:extLst>
           </p:cNvPr>
@@ -6757,7 +6758,7 @@
           <p:cNvPr id="34" name="TextBox 33">
             <a:extLst>
               <a:ext uri="{FF2B5EF4-FFF2-40B4-BE49-F238E27FC236}">
-                <a16:creationId xmlns:a16="http://schemas.microsoft.com/office/drawing/2014/main" id="{D6FC296A-18B7-4E2C-89C5-F48681E0B45E}"/>
+                <a16:creationId xmlns:a16="http://schemas.microsoft.com/office/drawing/2014/main" xmlns="" id="{D6FC296A-18B7-4E2C-89C5-F48681E0B45E}"/>
               </a:ext>
             </a:extLst>
           </p:cNvPr>
@@ -6794,7 +6795,7 @@
           <p:cNvPr id="35" name="TextBox 34">
             <a:extLst>
               <a:ext uri="{FF2B5EF4-FFF2-40B4-BE49-F238E27FC236}">
-                <a16:creationId xmlns:a16="http://schemas.microsoft.com/office/drawing/2014/main" id="{03ADA3B6-5DD7-4A0E-9F82-235D39B06CAD}"/>
+                <a16:creationId xmlns:a16="http://schemas.microsoft.com/office/drawing/2014/main" xmlns="" id="{03ADA3B6-5DD7-4A0E-9F82-235D39B06CAD}"/>
               </a:ext>
             </a:extLst>
           </p:cNvPr>
@@ -6830,7 +6831,7 @@
           <p:cNvPr id="36" name="TextBox 35">
             <a:extLst>
               <a:ext uri="{FF2B5EF4-FFF2-40B4-BE49-F238E27FC236}">
-                <a16:creationId xmlns:a16="http://schemas.microsoft.com/office/drawing/2014/main" id="{E0D33BCD-4207-4D60-BD4A-E99A3202B09A}"/>
+                <a16:creationId xmlns:a16="http://schemas.microsoft.com/office/drawing/2014/main" xmlns="" id="{E0D33BCD-4207-4D60-BD4A-E99A3202B09A}"/>
               </a:ext>
             </a:extLst>
           </p:cNvPr>
@@ -6867,7 +6868,7 @@
           <p:cNvPr id="38" name="TextBox 37">
             <a:extLst>
               <a:ext uri="{FF2B5EF4-FFF2-40B4-BE49-F238E27FC236}">
-                <a16:creationId xmlns:a16="http://schemas.microsoft.com/office/drawing/2014/main" id="{B0679E40-9E97-4B74-9C7D-BC84F520AFDC}"/>
+                <a16:creationId xmlns:a16="http://schemas.microsoft.com/office/drawing/2014/main" xmlns="" id="{B0679E40-9E97-4B74-9C7D-BC84F520AFDC}"/>
               </a:ext>
             </a:extLst>
           </p:cNvPr>
@@ -6904,7 +6905,7 @@
           <p:cNvPr id="39" name="TextBox 38">
             <a:extLst>
               <a:ext uri="{FF2B5EF4-FFF2-40B4-BE49-F238E27FC236}">
-                <a16:creationId xmlns:a16="http://schemas.microsoft.com/office/drawing/2014/main" id="{364E99E8-A09C-4B3D-BEEE-5D23EC68C987}"/>
+                <a16:creationId xmlns:a16="http://schemas.microsoft.com/office/drawing/2014/main" xmlns="" id="{364E99E8-A09C-4B3D-BEEE-5D23EC68C987}"/>
               </a:ext>
             </a:extLst>
           </p:cNvPr>
@@ -6941,7 +6942,7 @@
           <p:cNvPr id="40" name="TextBox 39">
             <a:extLst>
               <a:ext uri="{FF2B5EF4-FFF2-40B4-BE49-F238E27FC236}">
-                <a16:creationId xmlns:a16="http://schemas.microsoft.com/office/drawing/2014/main" id="{C15776E0-C9E5-41A0-90EC-ED193AE8E9A2}"/>
+                <a16:creationId xmlns:a16="http://schemas.microsoft.com/office/drawing/2014/main" xmlns="" id="{C15776E0-C9E5-41A0-90EC-ED193AE8E9A2}"/>
               </a:ext>
             </a:extLst>
           </p:cNvPr>
@@ -6978,7 +6979,7 @@
           <p:cNvPr id="41" name="TextBox 40">
             <a:extLst>
               <a:ext uri="{FF2B5EF4-FFF2-40B4-BE49-F238E27FC236}">
-                <a16:creationId xmlns:a16="http://schemas.microsoft.com/office/drawing/2014/main" id="{5833ED93-0BC9-4777-BECA-C9478AC8027A}"/>
+                <a16:creationId xmlns:a16="http://schemas.microsoft.com/office/drawing/2014/main" xmlns="" id="{5833ED93-0BC9-4777-BECA-C9478AC8027A}"/>
               </a:ext>
             </a:extLst>
           </p:cNvPr>
@@ -7015,7 +7016,7 @@
           <p:cNvPr id="42" name="TextBox 41">
             <a:extLst>
               <a:ext uri="{FF2B5EF4-FFF2-40B4-BE49-F238E27FC236}">
-                <a16:creationId xmlns:a16="http://schemas.microsoft.com/office/drawing/2014/main" id="{0B54336C-54D2-4BC3-81A0-224422FF32CB}"/>
+                <a16:creationId xmlns:a16="http://schemas.microsoft.com/office/drawing/2014/main" xmlns="" id="{0B54336C-54D2-4BC3-81A0-224422FF32CB}"/>
               </a:ext>
             </a:extLst>
           </p:cNvPr>
@@ -7051,7 +7052,7 @@
           <p:cNvPr id="45" name="TextBox 44">
             <a:extLst>
               <a:ext uri="{FF2B5EF4-FFF2-40B4-BE49-F238E27FC236}">
-                <a16:creationId xmlns:a16="http://schemas.microsoft.com/office/drawing/2014/main" id="{2DE82AF6-A0E8-49D0-827D-E73A55F68FC1}"/>
+                <a16:creationId xmlns:a16="http://schemas.microsoft.com/office/drawing/2014/main" xmlns="" id="{2DE82AF6-A0E8-49D0-827D-E73A55F68FC1}"/>
               </a:ext>
             </a:extLst>
           </p:cNvPr>
@@ -7088,7 +7089,7 @@
           <p:cNvPr id="46" name="TextBox 45">
             <a:extLst>
               <a:ext uri="{FF2B5EF4-FFF2-40B4-BE49-F238E27FC236}">
-                <a16:creationId xmlns:a16="http://schemas.microsoft.com/office/drawing/2014/main" id="{DB1A34F2-31F8-463D-A344-14D2069A3DBA}"/>
+                <a16:creationId xmlns:a16="http://schemas.microsoft.com/office/drawing/2014/main" xmlns="" id="{DB1A34F2-31F8-463D-A344-14D2069A3DBA}"/>
               </a:ext>
             </a:extLst>
           </p:cNvPr>
@@ -7125,7 +7126,7 @@
           <p:cNvPr id="47" name="TextBox 46">
             <a:extLst>
               <a:ext uri="{FF2B5EF4-FFF2-40B4-BE49-F238E27FC236}">
-                <a16:creationId xmlns:a16="http://schemas.microsoft.com/office/drawing/2014/main" id="{949B3861-2E42-42D5-BAFB-F97BEE0E038B}"/>
+                <a16:creationId xmlns:a16="http://schemas.microsoft.com/office/drawing/2014/main" xmlns="" id="{949B3861-2E42-42D5-BAFB-F97BEE0E038B}"/>
               </a:ext>
             </a:extLst>
           </p:cNvPr>
@@ -7162,7 +7163,7 @@
           <p:cNvPr id="48" name="TextBox 47">
             <a:extLst>
               <a:ext uri="{FF2B5EF4-FFF2-40B4-BE49-F238E27FC236}">
-                <a16:creationId xmlns:a16="http://schemas.microsoft.com/office/drawing/2014/main" id="{D8C31931-2FC7-41F8-820E-70A0A6B9F179}"/>
+                <a16:creationId xmlns:a16="http://schemas.microsoft.com/office/drawing/2014/main" xmlns="" id="{D8C31931-2FC7-41F8-820E-70A0A6B9F179}"/>
               </a:ext>
             </a:extLst>
           </p:cNvPr>
@@ -7199,7 +7200,7 @@
           <p:cNvPr id="49" name="TextBox 48">
             <a:extLst>
               <a:ext uri="{FF2B5EF4-FFF2-40B4-BE49-F238E27FC236}">
-                <a16:creationId xmlns:a16="http://schemas.microsoft.com/office/drawing/2014/main" id="{9CDD0A07-C504-4B48-925A-F9A6BA21FB98}"/>
+                <a16:creationId xmlns:a16="http://schemas.microsoft.com/office/drawing/2014/main" xmlns="" id="{9CDD0A07-C504-4B48-925A-F9A6BA21FB98}"/>
               </a:ext>
             </a:extLst>
           </p:cNvPr>
@@ -7236,7 +7237,7 @@
           <p:cNvPr id="50" name="TextBox 49">
             <a:extLst>
               <a:ext uri="{FF2B5EF4-FFF2-40B4-BE49-F238E27FC236}">
-                <a16:creationId xmlns:a16="http://schemas.microsoft.com/office/drawing/2014/main" id="{A9ECA51C-C425-4946-BF9F-09407F2FBA4C}"/>
+                <a16:creationId xmlns:a16="http://schemas.microsoft.com/office/drawing/2014/main" xmlns="" id="{A9ECA51C-C425-4946-BF9F-09407F2FBA4C}"/>
               </a:ext>
             </a:extLst>
           </p:cNvPr>
@@ -7273,7 +7274,7 @@
           <p:cNvPr id="51" name="TextBox 50">
             <a:extLst>
               <a:ext uri="{FF2B5EF4-FFF2-40B4-BE49-F238E27FC236}">
-                <a16:creationId xmlns:a16="http://schemas.microsoft.com/office/drawing/2014/main" id="{55787D8D-9ED1-4999-A251-58AA218BB274}"/>
+                <a16:creationId xmlns:a16="http://schemas.microsoft.com/office/drawing/2014/main" xmlns="" id="{55787D8D-9ED1-4999-A251-58AA218BB274}"/>
               </a:ext>
             </a:extLst>
           </p:cNvPr>
@@ -7310,7 +7311,7 @@
           <p:cNvPr id="52" name="TextBox 51">
             <a:extLst>
               <a:ext uri="{FF2B5EF4-FFF2-40B4-BE49-F238E27FC236}">
-                <a16:creationId xmlns:a16="http://schemas.microsoft.com/office/drawing/2014/main" id="{7246F523-EC24-4694-AB85-D279B6B61AE7}"/>
+                <a16:creationId xmlns:a16="http://schemas.microsoft.com/office/drawing/2014/main" xmlns="" id="{7246F523-EC24-4694-AB85-D279B6B61AE7}"/>
               </a:ext>
             </a:extLst>
           </p:cNvPr>
@@ -7347,7 +7348,7 @@
           <p:cNvPr id="53" name="TextBox 52">
             <a:extLst>
               <a:ext uri="{FF2B5EF4-FFF2-40B4-BE49-F238E27FC236}">
-                <a16:creationId xmlns:a16="http://schemas.microsoft.com/office/drawing/2014/main" id="{37B73226-5AF4-417B-BB31-A3984DA358DA}"/>
+                <a16:creationId xmlns:a16="http://schemas.microsoft.com/office/drawing/2014/main" xmlns="" id="{37B73226-5AF4-417B-BB31-A3984DA358DA}"/>
               </a:ext>
             </a:extLst>
           </p:cNvPr>
@@ -7384,7 +7385,7 @@
           <p:cNvPr id="54" name="TextBox 53">
             <a:extLst>
               <a:ext uri="{FF2B5EF4-FFF2-40B4-BE49-F238E27FC236}">
-                <a16:creationId xmlns:a16="http://schemas.microsoft.com/office/drawing/2014/main" id="{785D348E-9980-4518-956E-53FAF8C0A198}"/>
+                <a16:creationId xmlns:a16="http://schemas.microsoft.com/office/drawing/2014/main" xmlns="" id="{785D348E-9980-4518-956E-53FAF8C0A198}"/>
               </a:ext>
             </a:extLst>
           </p:cNvPr>
@@ -7421,7 +7422,7 @@
           <p:cNvPr id="55" name="TextBox 54">
             <a:extLst>
               <a:ext uri="{FF2B5EF4-FFF2-40B4-BE49-F238E27FC236}">
-                <a16:creationId xmlns:a16="http://schemas.microsoft.com/office/drawing/2014/main" id="{0FDCA593-B62B-4F17-A809-EEA74578B5CC}"/>
+                <a16:creationId xmlns:a16="http://schemas.microsoft.com/office/drawing/2014/main" xmlns="" id="{0FDCA593-B62B-4F17-A809-EEA74578B5CC}"/>
               </a:ext>
             </a:extLst>
           </p:cNvPr>
@@ -7458,7 +7459,7 @@
           <p:cNvPr id="56" name="TextBox 55">
             <a:extLst>
               <a:ext uri="{FF2B5EF4-FFF2-40B4-BE49-F238E27FC236}">
-                <a16:creationId xmlns:a16="http://schemas.microsoft.com/office/drawing/2014/main" id="{FA7415B3-09A3-4F4A-90BE-D2862DCEC34A}"/>
+                <a16:creationId xmlns:a16="http://schemas.microsoft.com/office/drawing/2014/main" xmlns="" id="{FA7415B3-09A3-4F4A-90BE-D2862DCEC34A}"/>
               </a:ext>
             </a:extLst>
           </p:cNvPr>
@@ -7495,7 +7496,7 @@
           <p:cNvPr id="57" name="TextBox 56">
             <a:extLst>
               <a:ext uri="{FF2B5EF4-FFF2-40B4-BE49-F238E27FC236}">
-                <a16:creationId xmlns:a16="http://schemas.microsoft.com/office/drawing/2014/main" id="{00C4B18D-18C8-4A30-AD71-42EC99135D27}"/>
+                <a16:creationId xmlns:a16="http://schemas.microsoft.com/office/drawing/2014/main" xmlns="" id="{00C4B18D-18C8-4A30-AD71-42EC99135D27}"/>
               </a:ext>
             </a:extLst>
           </p:cNvPr>
@@ -7532,7 +7533,7 @@
           <p:cNvPr id="58" name="TextBox 57">
             <a:extLst>
               <a:ext uri="{FF2B5EF4-FFF2-40B4-BE49-F238E27FC236}">
-                <a16:creationId xmlns:a16="http://schemas.microsoft.com/office/drawing/2014/main" id="{D39CE8D5-65A0-4619-85EA-29EB83B11044}"/>
+                <a16:creationId xmlns:a16="http://schemas.microsoft.com/office/drawing/2014/main" xmlns="" id="{D39CE8D5-65A0-4619-85EA-29EB83B11044}"/>
               </a:ext>
             </a:extLst>
           </p:cNvPr>
@@ -7569,7 +7570,7 @@
           <p:cNvPr id="59" name="TextBox 58">
             <a:extLst>
               <a:ext uri="{FF2B5EF4-FFF2-40B4-BE49-F238E27FC236}">
-                <a16:creationId xmlns:a16="http://schemas.microsoft.com/office/drawing/2014/main" id="{61A1AAC2-E01E-4B68-9105-5902040CE611}"/>
+                <a16:creationId xmlns:a16="http://schemas.microsoft.com/office/drawing/2014/main" xmlns="" id="{61A1AAC2-E01E-4B68-9105-5902040CE611}"/>
               </a:ext>
             </a:extLst>
           </p:cNvPr>
@@ -7606,7 +7607,7 @@
           <p:cNvPr id="60" name="TextBox 59">
             <a:extLst>
               <a:ext uri="{FF2B5EF4-FFF2-40B4-BE49-F238E27FC236}">
-                <a16:creationId xmlns:a16="http://schemas.microsoft.com/office/drawing/2014/main" id="{ECDFC2DA-CC33-4844-8147-B9CFD9F1866A}"/>
+                <a16:creationId xmlns:a16="http://schemas.microsoft.com/office/drawing/2014/main" xmlns="" id="{ECDFC2DA-CC33-4844-8147-B9CFD9F1866A}"/>
               </a:ext>
             </a:extLst>
           </p:cNvPr>
@@ -7643,7 +7644,7 @@
           <p:cNvPr id="61" name="TextBox 60">
             <a:extLst>
               <a:ext uri="{FF2B5EF4-FFF2-40B4-BE49-F238E27FC236}">
-                <a16:creationId xmlns:a16="http://schemas.microsoft.com/office/drawing/2014/main" id="{95D8FD8B-B8B4-4B61-B289-3A7353D81078}"/>
+                <a16:creationId xmlns:a16="http://schemas.microsoft.com/office/drawing/2014/main" xmlns="" id="{95D8FD8B-B8B4-4B61-B289-3A7353D81078}"/>
               </a:ext>
             </a:extLst>
           </p:cNvPr>
@@ -7680,7 +7681,7 @@
           <p:cNvPr id="62" name="TextBox 61">
             <a:extLst>
               <a:ext uri="{FF2B5EF4-FFF2-40B4-BE49-F238E27FC236}">
-                <a16:creationId xmlns:a16="http://schemas.microsoft.com/office/drawing/2014/main" id="{B0314713-63C7-43FD-87B5-3FD8A8F977DC}"/>
+                <a16:creationId xmlns:a16="http://schemas.microsoft.com/office/drawing/2014/main" xmlns="" id="{B0314713-63C7-43FD-87B5-3FD8A8F977DC}"/>
               </a:ext>
             </a:extLst>
           </p:cNvPr>
@@ -7717,7 +7718,7 @@
           <p:cNvPr id="63" name="TextBox 62">
             <a:extLst>
               <a:ext uri="{FF2B5EF4-FFF2-40B4-BE49-F238E27FC236}">
-                <a16:creationId xmlns:a16="http://schemas.microsoft.com/office/drawing/2014/main" id="{F403DCF9-7C65-456B-BAFE-5DDACC83498C}"/>
+                <a16:creationId xmlns:a16="http://schemas.microsoft.com/office/drawing/2014/main" xmlns="" id="{F403DCF9-7C65-456B-BAFE-5DDACC83498C}"/>
               </a:ext>
             </a:extLst>
           </p:cNvPr>
@@ -7754,7 +7755,7 @@
           <p:cNvPr id="64" name="TextBox 63">
             <a:extLst>
               <a:ext uri="{FF2B5EF4-FFF2-40B4-BE49-F238E27FC236}">
-                <a16:creationId xmlns:a16="http://schemas.microsoft.com/office/drawing/2014/main" id="{932BD6CE-AFB2-4528-9C4A-863BDDAE8122}"/>
+                <a16:creationId xmlns:a16="http://schemas.microsoft.com/office/drawing/2014/main" xmlns="" id="{932BD6CE-AFB2-4528-9C4A-863BDDAE8122}"/>
               </a:ext>
             </a:extLst>
           </p:cNvPr>
@@ -7791,7 +7792,7 @@
           <p:cNvPr id="65" name="TextBox 64">
             <a:extLst>
               <a:ext uri="{FF2B5EF4-FFF2-40B4-BE49-F238E27FC236}">
-                <a16:creationId xmlns:a16="http://schemas.microsoft.com/office/drawing/2014/main" id="{3168B3D8-B14C-4711-941B-89D29183EF3C}"/>
+                <a16:creationId xmlns:a16="http://schemas.microsoft.com/office/drawing/2014/main" xmlns="" id="{3168B3D8-B14C-4711-941B-89D29183EF3C}"/>
               </a:ext>
             </a:extLst>
           </p:cNvPr>
@@ -7828,7 +7829,7 @@
           <p:cNvPr id="66" name="TextBox 65">
             <a:extLst>
               <a:ext uri="{FF2B5EF4-FFF2-40B4-BE49-F238E27FC236}">
-                <a16:creationId xmlns:a16="http://schemas.microsoft.com/office/drawing/2014/main" id="{5A6AB1F3-6B70-4C2D-B1CB-4E98B378EB7D}"/>
+                <a16:creationId xmlns:a16="http://schemas.microsoft.com/office/drawing/2014/main" xmlns="" id="{5A6AB1F3-6B70-4C2D-B1CB-4E98B378EB7D}"/>
               </a:ext>
             </a:extLst>
           </p:cNvPr>
@@ -7865,7 +7866,7 @@
           <p:cNvPr id="67" name="TextBox 66">
             <a:extLst>
               <a:ext uri="{FF2B5EF4-FFF2-40B4-BE49-F238E27FC236}">
-                <a16:creationId xmlns:a16="http://schemas.microsoft.com/office/drawing/2014/main" id="{F103C784-26E5-4FBC-A0B3-73FF0422AEEE}"/>
+                <a16:creationId xmlns:a16="http://schemas.microsoft.com/office/drawing/2014/main" xmlns="" id="{F103C784-26E5-4FBC-A0B3-73FF0422AEEE}"/>
               </a:ext>
             </a:extLst>
           </p:cNvPr>
@@ -7932,7 +7933,7 @@
           <p:cNvPr id="6" name="직선 연결선 5">
             <a:extLst>
               <a:ext uri="{FF2B5EF4-FFF2-40B4-BE49-F238E27FC236}">
-                <a16:creationId xmlns:a16="http://schemas.microsoft.com/office/drawing/2014/main" id="{31654EA8-B9F1-411B-924F-A39AFFF25FE4}"/>
+                <a16:creationId xmlns:a16="http://schemas.microsoft.com/office/drawing/2014/main" xmlns="" id="{31654EA8-B9F1-411B-924F-A39AFFF25FE4}"/>
               </a:ext>
             </a:extLst>
           </p:cNvPr>
@@ -7971,7 +7972,7 @@
           <p:cNvPr id="7" name="직선 연결선 6">
             <a:extLst>
               <a:ext uri="{FF2B5EF4-FFF2-40B4-BE49-F238E27FC236}">
-                <a16:creationId xmlns:a16="http://schemas.microsoft.com/office/drawing/2014/main" id="{4E07B35E-E95F-4959-B154-E7714662533C}"/>
+                <a16:creationId xmlns:a16="http://schemas.microsoft.com/office/drawing/2014/main" xmlns="" id="{4E07B35E-E95F-4959-B154-E7714662533C}"/>
               </a:ext>
             </a:extLst>
           </p:cNvPr>
@@ -8008,7 +8009,7 @@
           <p:cNvPr id="8" name="직선 연결선 7">
             <a:extLst>
               <a:ext uri="{FF2B5EF4-FFF2-40B4-BE49-F238E27FC236}">
-                <a16:creationId xmlns:a16="http://schemas.microsoft.com/office/drawing/2014/main" id="{E4FFF66C-C336-47F1-93F9-02E956F4091B}"/>
+                <a16:creationId xmlns:a16="http://schemas.microsoft.com/office/drawing/2014/main" xmlns="" id="{E4FFF66C-C336-47F1-93F9-02E956F4091B}"/>
               </a:ext>
             </a:extLst>
           </p:cNvPr>
@@ -8045,7 +8046,7 @@
           <p:cNvPr id="10" name="직선 연결선 9">
             <a:extLst>
               <a:ext uri="{FF2B5EF4-FFF2-40B4-BE49-F238E27FC236}">
-                <a16:creationId xmlns:a16="http://schemas.microsoft.com/office/drawing/2014/main" id="{F04DF4A3-A86D-4539-A457-19D81BC14F59}"/>
+                <a16:creationId xmlns:a16="http://schemas.microsoft.com/office/drawing/2014/main" xmlns="" id="{F04DF4A3-A86D-4539-A457-19D81BC14F59}"/>
               </a:ext>
             </a:extLst>
           </p:cNvPr>
@@ -8082,7 +8083,7 @@
           <p:cNvPr id="11" name="직선 연결선 10">
             <a:extLst>
               <a:ext uri="{FF2B5EF4-FFF2-40B4-BE49-F238E27FC236}">
-                <a16:creationId xmlns:a16="http://schemas.microsoft.com/office/drawing/2014/main" id="{64673F54-A7E0-4DB9-A52F-91F6F84A4C48}"/>
+                <a16:creationId xmlns:a16="http://schemas.microsoft.com/office/drawing/2014/main" xmlns="" id="{64673F54-A7E0-4DB9-A52F-91F6F84A4C48}"/>
               </a:ext>
             </a:extLst>
           </p:cNvPr>
@@ -8119,7 +8120,7 @@
           <p:cNvPr id="12" name="직선 연결선 11">
             <a:extLst>
               <a:ext uri="{FF2B5EF4-FFF2-40B4-BE49-F238E27FC236}">
-                <a16:creationId xmlns:a16="http://schemas.microsoft.com/office/drawing/2014/main" id="{6AE9AB7F-9042-41D0-8094-A670CFD71A82}"/>
+                <a16:creationId xmlns:a16="http://schemas.microsoft.com/office/drawing/2014/main" xmlns="" id="{6AE9AB7F-9042-41D0-8094-A670CFD71A82}"/>
               </a:ext>
             </a:extLst>
           </p:cNvPr>
@@ -8156,7 +8157,7 @@
           <p:cNvPr id="14" name="TextBox 13">
             <a:extLst>
               <a:ext uri="{FF2B5EF4-FFF2-40B4-BE49-F238E27FC236}">
-                <a16:creationId xmlns:a16="http://schemas.microsoft.com/office/drawing/2014/main" id="{E949D324-98A0-40F7-84A4-65067AE1B247}"/>
+                <a16:creationId xmlns:a16="http://schemas.microsoft.com/office/drawing/2014/main" xmlns="" id="{E949D324-98A0-40F7-84A4-65067AE1B247}"/>
               </a:ext>
             </a:extLst>
           </p:cNvPr>
@@ -8192,7 +8193,7 @@
           <p:cNvPr id="15" name="TextBox 14">
             <a:extLst>
               <a:ext uri="{FF2B5EF4-FFF2-40B4-BE49-F238E27FC236}">
-                <a16:creationId xmlns:a16="http://schemas.microsoft.com/office/drawing/2014/main" id="{5A89365F-595E-448D-8C11-2AD4E3EDA249}"/>
+                <a16:creationId xmlns:a16="http://schemas.microsoft.com/office/drawing/2014/main" xmlns="" id="{5A89365F-595E-448D-8C11-2AD4E3EDA249}"/>
               </a:ext>
             </a:extLst>
           </p:cNvPr>
@@ -8229,7 +8230,7 @@
           <p:cNvPr id="16" name="TextBox 15">
             <a:extLst>
               <a:ext uri="{FF2B5EF4-FFF2-40B4-BE49-F238E27FC236}">
-                <a16:creationId xmlns:a16="http://schemas.microsoft.com/office/drawing/2014/main" id="{C2D93AB9-1EB8-4A18-BEA3-CB6A1473383E}"/>
+                <a16:creationId xmlns:a16="http://schemas.microsoft.com/office/drawing/2014/main" xmlns="" id="{C2D93AB9-1EB8-4A18-BEA3-CB6A1473383E}"/>
               </a:ext>
             </a:extLst>
           </p:cNvPr>
@@ -8266,7 +8267,7 @@
           <p:cNvPr id="17" name="TextBox 16">
             <a:extLst>
               <a:ext uri="{FF2B5EF4-FFF2-40B4-BE49-F238E27FC236}">
-                <a16:creationId xmlns:a16="http://schemas.microsoft.com/office/drawing/2014/main" id="{119143F9-9662-4BFC-8C7E-8F5237C8D6C3}"/>
+                <a16:creationId xmlns:a16="http://schemas.microsoft.com/office/drawing/2014/main" xmlns="" id="{119143F9-9662-4BFC-8C7E-8F5237C8D6C3}"/>
               </a:ext>
             </a:extLst>
           </p:cNvPr>
@@ -8303,7 +8304,7 @@
           <p:cNvPr id="18" name="TextBox 17">
             <a:extLst>
               <a:ext uri="{FF2B5EF4-FFF2-40B4-BE49-F238E27FC236}">
-                <a16:creationId xmlns:a16="http://schemas.microsoft.com/office/drawing/2014/main" id="{D65CEA8C-7F03-47CF-8C8B-E71BA660DF53}"/>
+                <a16:creationId xmlns:a16="http://schemas.microsoft.com/office/drawing/2014/main" xmlns="" id="{D65CEA8C-7F03-47CF-8C8B-E71BA660DF53}"/>
               </a:ext>
             </a:extLst>
           </p:cNvPr>
@@ -8340,7 +8341,7 @@
           <p:cNvPr id="20" name="TextBox 19">
             <a:extLst>
               <a:ext uri="{FF2B5EF4-FFF2-40B4-BE49-F238E27FC236}">
-                <a16:creationId xmlns:a16="http://schemas.microsoft.com/office/drawing/2014/main" id="{124A2A46-0B07-44A3-B17A-50E4AC7A54C1}"/>
+                <a16:creationId xmlns:a16="http://schemas.microsoft.com/office/drawing/2014/main" xmlns="" id="{124A2A46-0B07-44A3-B17A-50E4AC7A54C1}"/>
               </a:ext>
             </a:extLst>
           </p:cNvPr>
@@ -8377,7 +8378,7 @@
           <p:cNvPr id="21" name="TextBox 20">
             <a:extLst>
               <a:ext uri="{FF2B5EF4-FFF2-40B4-BE49-F238E27FC236}">
-                <a16:creationId xmlns:a16="http://schemas.microsoft.com/office/drawing/2014/main" id="{127B6753-0375-4F50-8EBB-C3EBF58B25A0}"/>
+                <a16:creationId xmlns:a16="http://schemas.microsoft.com/office/drawing/2014/main" xmlns="" id="{127B6753-0375-4F50-8EBB-C3EBF58B25A0}"/>
               </a:ext>
             </a:extLst>
           </p:cNvPr>
@@ -8413,7 +8414,7 @@
           <p:cNvPr id="22" name="TextBox 21">
             <a:extLst>
               <a:ext uri="{FF2B5EF4-FFF2-40B4-BE49-F238E27FC236}">
-                <a16:creationId xmlns:a16="http://schemas.microsoft.com/office/drawing/2014/main" id="{B116CB62-58E4-4818-B572-748F45E877D0}"/>
+                <a16:creationId xmlns:a16="http://schemas.microsoft.com/office/drawing/2014/main" xmlns="" id="{B116CB62-58E4-4818-B572-748F45E877D0}"/>
               </a:ext>
             </a:extLst>
           </p:cNvPr>
@@ -8450,7 +8451,7 @@
           <p:cNvPr id="23" name="TextBox 22">
             <a:extLst>
               <a:ext uri="{FF2B5EF4-FFF2-40B4-BE49-F238E27FC236}">
-                <a16:creationId xmlns:a16="http://schemas.microsoft.com/office/drawing/2014/main" id="{083578AA-42ED-487F-B693-11DB0F61806B}"/>
+                <a16:creationId xmlns:a16="http://schemas.microsoft.com/office/drawing/2014/main" xmlns="" id="{083578AA-42ED-487F-B693-11DB0F61806B}"/>
               </a:ext>
             </a:extLst>
           </p:cNvPr>
@@ -8487,7 +8488,7 @@
           <p:cNvPr id="24" name="TextBox 23">
             <a:extLst>
               <a:ext uri="{FF2B5EF4-FFF2-40B4-BE49-F238E27FC236}">
-                <a16:creationId xmlns:a16="http://schemas.microsoft.com/office/drawing/2014/main" id="{5D84D04F-C822-4A52-A05E-744ABD508093}"/>
+                <a16:creationId xmlns:a16="http://schemas.microsoft.com/office/drawing/2014/main" xmlns="" id="{5D84D04F-C822-4A52-A05E-744ABD508093}"/>
               </a:ext>
             </a:extLst>
           </p:cNvPr>
@@ -8524,7 +8525,7 @@
           <p:cNvPr id="26" name="TextBox 25">
             <a:extLst>
               <a:ext uri="{FF2B5EF4-FFF2-40B4-BE49-F238E27FC236}">
-                <a16:creationId xmlns:a16="http://schemas.microsoft.com/office/drawing/2014/main" id="{41E6F538-9F9C-4553-9A66-9C05463EAB60}"/>
+                <a16:creationId xmlns:a16="http://schemas.microsoft.com/office/drawing/2014/main" xmlns="" id="{41E6F538-9F9C-4553-9A66-9C05463EAB60}"/>
               </a:ext>
             </a:extLst>
           </p:cNvPr>
@@ -8561,7 +8562,7 @@
           <p:cNvPr id="27" name="TextBox 26">
             <a:extLst>
               <a:ext uri="{FF2B5EF4-FFF2-40B4-BE49-F238E27FC236}">
-                <a16:creationId xmlns:a16="http://schemas.microsoft.com/office/drawing/2014/main" id="{BA05173D-B233-4D44-9BC7-E4670389830C}"/>
+                <a16:creationId xmlns:a16="http://schemas.microsoft.com/office/drawing/2014/main" xmlns="" id="{BA05173D-B233-4D44-9BC7-E4670389830C}"/>
               </a:ext>
             </a:extLst>
           </p:cNvPr>
@@ -8598,7 +8599,7 @@
           <p:cNvPr id="28" name="TextBox 27">
             <a:extLst>
               <a:ext uri="{FF2B5EF4-FFF2-40B4-BE49-F238E27FC236}">
-                <a16:creationId xmlns:a16="http://schemas.microsoft.com/office/drawing/2014/main" id="{E9547A23-6AB5-453B-9412-5817BE440F6C}"/>
+                <a16:creationId xmlns:a16="http://schemas.microsoft.com/office/drawing/2014/main" xmlns="" id="{E9547A23-6AB5-453B-9412-5817BE440F6C}"/>
               </a:ext>
             </a:extLst>
           </p:cNvPr>
@@ -8634,7 +8635,7 @@
           <p:cNvPr id="29" name="TextBox 28">
             <a:extLst>
               <a:ext uri="{FF2B5EF4-FFF2-40B4-BE49-F238E27FC236}">
-                <a16:creationId xmlns:a16="http://schemas.microsoft.com/office/drawing/2014/main" id="{D8D463D9-B497-4B82-88D7-4BC7471DF49C}"/>
+                <a16:creationId xmlns:a16="http://schemas.microsoft.com/office/drawing/2014/main" xmlns="" id="{D8D463D9-B497-4B82-88D7-4BC7471DF49C}"/>
               </a:ext>
             </a:extLst>
           </p:cNvPr>
@@ -8671,7 +8672,7 @@
           <p:cNvPr id="30" name="TextBox 29">
             <a:extLst>
               <a:ext uri="{FF2B5EF4-FFF2-40B4-BE49-F238E27FC236}">
-                <a16:creationId xmlns:a16="http://schemas.microsoft.com/office/drawing/2014/main" id="{39C5CF66-680C-47A0-ABB7-21ED54599E87}"/>
+                <a16:creationId xmlns:a16="http://schemas.microsoft.com/office/drawing/2014/main" xmlns="" id="{39C5CF66-680C-47A0-ABB7-21ED54599E87}"/>
               </a:ext>
             </a:extLst>
           </p:cNvPr>
@@ -8708,7 +8709,7 @@
           <p:cNvPr id="32" name="TextBox 31">
             <a:extLst>
               <a:ext uri="{FF2B5EF4-FFF2-40B4-BE49-F238E27FC236}">
-                <a16:creationId xmlns:a16="http://schemas.microsoft.com/office/drawing/2014/main" id="{EB1F1875-3A73-4A80-85F5-46EF251DCDC3}"/>
+                <a16:creationId xmlns:a16="http://schemas.microsoft.com/office/drawing/2014/main" xmlns="" id="{EB1F1875-3A73-4A80-85F5-46EF251DCDC3}"/>
               </a:ext>
             </a:extLst>
           </p:cNvPr>
@@ -8745,7 +8746,7 @@
           <p:cNvPr id="33" name="TextBox 32">
             <a:extLst>
               <a:ext uri="{FF2B5EF4-FFF2-40B4-BE49-F238E27FC236}">
-                <a16:creationId xmlns:a16="http://schemas.microsoft.com/office/drawing/2014/main" id="{C4F940DE-E250-451B-AC81-9B92E2FAD39D}"/>
+                <a16:creationId xmlns:a16="http://schemas.microsoft.com/office/drawing/2014/main" xmlns="" id="{C4F940DE-E250-451B-AC81-9B92E2FAD39D}"/>
               </a:ext>
             </a:extLst>
           </p:cNvPr>
@@ -8782,7 +8783,7 @@
           <p:cNvPr id="34" name="TextBox 33">
             <a:extLst>
               <a:ext uri="{FF2B5EF4-FFF2-40B4-BE49-F238E27FC236}">
-                <a16:creationId xmlns:a16="http://schemas.microsoft.com/office/drawing/2014/main" id="{D6FC296A-18B7-4E2C-89C5-F48681E0B45E}"/>
+                <a16:creationId xmlns:a16="http://schemas.microsoft.com/office/drawing/2014/main" xmlns="" id="{D6FC296A-18B7-4E2C-89C5-F48681E0B45E}"/>
               </a:ext>
             </a:extLst>
           </p:cNvPr>
@@ -8819,7 +8820,7 @@
           <p:cNvPr id="35" name="TextBox 34">
             <a:extLst>
               <a:ext uri="{FF2B5EF4-FFF2-40B4-BE49-F238E27FC236}">
-                <a16:creationId xmlns:a16="http://schemas.microsoft.com/office/drawing/2014/main" id="{03ADA3B6-5DD7-4A0E-9F82-235D39B06CAD}"/>
+                <a16:creationId xmlns:a16="http://schemas.microsoft.com/office/drawing/2014/main" xmlns="" id="{03ADA3B6-5DD7-4A0E-9F82-235D39B06CAD}"/>
               </a:ext>
             </a:extLst>
           </p:cNvPr>
@@ -8855,7 +8856,7 @@
           <p:cNvPr id="36" name="TextBox 35">
             <a:extLst>
               <a:ext uri="{FF2B5EF4-FFF2-40B4-BE49-F238E27FC236}">
-                <a16:creationId xmlns:a16="http://schemas.microsoft.com/office/drawing/2014/main" id="{E0D33BCD-4207-4D60-BD4A-E99A3202B09A}"/>
+                <a16:creationId xmlns:a16="http://schemas.microsoft.com/office/drawing/2014/main" xmlns="" id="{E0D33BCD-4207-4D60-BD4A-E99A3202B09A}"/>
               </a:ext>
             </a:extLst>
           </p:cNvPr>
@@ -8892,7 +8893,7 @@
           <p:cNvPr id="38" name="TextBox 37">
             <a:extLst>
               <a:ext uri="{FF2B5EF4-FFF2-40B4-BE49-F238E27FC236}">
-                <a16:creationId xmlns:a16="http://schemas.microsoft.com/office/drawing/2014/main" id="{B0679E40-9E97-4B74-9C7D-BC84F520AFDC}"/>
+                <a16:creationId xmlns:a16="http://schemas.microsoft.com/office/drawing/2014/main" xmlns="" id="{B0679E40-9E97-4B74-9C7D-BC84F520AFDC}"/>
               </a:ext>
             </a:extLst>
           </p:cNvPr>
@@ -8929,7 +8930,7 @@
           <p:cNvPr id="39" name="TextBox 38">
             <a:extLst>
               <a:ext uri="{FF2B5EF4-FFF2-40B4-BE49-F238E27FC236}">
-                <a16:creationId xmlns:a16="http://schemas.microsoft.com/office/drawing/2014/main" id="{364E99E8-A09C-4B3D-BEEE-5D23EC68C987}"/>
+                <a16:creationId xmlns:a16="http://schemas.microsoft.com/office/drawing/2014/main" xmlns="" id="{364E99E8-A09C-4B3D-BEEE-5D23EC68C987}"/>
               </a:ext>
             </a:extLst>
           </p:cNvPr>
@@ -8966,7 +8967,7 @@
           <p:cNvPr id="40" name="TextBox 39">
             <a:extLst>
               <a:ext uri="{FF2B5EF4-FFF2-40B4-BE49-F238E27FC236}">
-                <a16:creationId xmlns:a16="http://schemas.microsoft.com/office/drawing/2014/main" id="{C15776E0-C9E5-41A0-90EC-ED193AE8E9A2}"/>
+                <a16:creationId xmlns:a16="http://schemas.microsoft.com/office/drawing/2014/main" xmlns="" id="{C15776E0-C9E5-41A0-90EC-ED193AE8E9A2}"/>
               </a:ext>
             </a:extLst>
           </p:cNvPr>
@@ -9003,7 +9004,7 @@
           <p:cNvPr id="41" name="TextBox 40">
             <a:extLst>
               <a:ext uri="{FF2B5EF4-FFF2-40B4-BE49-F238E27FC236}">
-                <a16:creationId xmlns:a16="http://schemas.microsoft.com/office/drawing/2014/main" id="{5833ED93-0BC9-4777-BECA-C9478AC8027A}"/>
+                <a16:creationId xmlns:a16="http://schemas.microsoft.com/office/drawing/2014/main" xmlns="" id="{5833ED93-0BC9-4777-BECA-C9478AC8027A}"/>
               </a:ext>
             </a:extLst>
           </p:cNvPr>
@@ -9040,7 +9041,7 @@
           <p:cNvPr id="42" name="TextBox 41">
             <a:extLst>
               <a:ext uri="{FF2B5EF4-FFF2-40B4-BE49-F238E27FC236}">
-                <a16:creationId xmlns:a16="http://schemas.microsoft.com/office/drawing/2014/main" id="{0B54336C-54D2-4BC3-81A0-224422FF32CB}"/>
+                <a16:creationId xmlns:a16="http://schemas.microsoft.com/office/drawing/2014/main" xmlns="" id="{0B54336C-54D2-4BC3-81A0-224422FF32CB}"/>
               </a:ext>
             </a:extLst>
           </p:cNvPr>
@@ -9076,7 +9077,7 @@
           <p:cNvPr id="45" name="TextBox 44">
             <a:extLst>
               <a:ext uri="{FF2B5EF4-FFF2-40B4-BE49-F238E27FC236}">
-                <a16:creationId xmlns:a16="http://schemas.microsoft.com/office/drawing/2014/main" id="{2DE82AF6-A0E8-49D0-827D-E73A55F68FC1}"/>
+                <a16:creationId xmlns:a16="http://schemas.microsoft.com/office/drawing/2014/main" xmlns="" id="{2DE82AF6-A0E8-49D0-827D-E73A55F68FC1}"/>
               </a:ext>
             </a:extLst>
           </p:cNvPr>
@@ -9113,7 +9114,7 @@
           <p:cNvPr id="46" name="TextBox 45">
             <a:extLst>
               <a:ext uri="{FF2B5EF4-FFF2-40B4-BE49-F238E27FC236}">
-                <a16:creationId xmlns:a16="http://schemas.microsoft.com/office/drawing/2014/main" id="{DB1A34F2-31F8-463D-A344-14D2069A3DBA}"/>
+                <a16:creationId xmlns:a16="http://schemas.microsoft.com/office/drawing/2014/main" xmlns="" id="{DB1A34F2-31F8-463D-A344-14D2069A3DBA}"/>
               </a:ext>
             </a:extLst>
           </p:cNvPr>
@@ -9150,7 +9151,7 @@
           <p:cNvPr id="47" name="TextBox 46">
             <a:extLst>
               <a:ext uri="{FF2B5EF4-FFF2-40B4-BE49-F238E27FC236}">
-                <a16:creationId xmlns:a16="http://schemas.microsoft.com/office/drawing/2014/main" id="{949B3861-2E42-42D5-BAFB-F97BEE0E038B}"/>
+                <a16:creationId xmlns:a16="http://schemas.microsoft.com/office/drawing/2014/main" xmlns="" id="{949B3861-2E42-42D5-BAFB-F97BEE0E038B}"/>
               </a:ext>
             </a:extLst>
           </p:cNvPr>
@@ -9187,7 +9188,7 @@
           <p:cNvPr id="48" name="TextBox 47">
             <a:extLst>
               <a:ext uri="{FF2B5EF4-FFF2-40B4-BE49-F238E27FC236}">
-                <a16:creationId xmlns:a16="http://schemas.microsoft.com/office/drawing/2014/main" id="{D8C31931-2FC7-41F8-820E-70A0A6B9F179}"/>
+                <a16:creationId xmlns:a16="http://schemas.microsoft.com/office/drawing/2014/main" xmlns="" id="{D8C31931-2FC7-41F8-820E-70A0A6B9F179}"/>
               </a:ext>
             </a:extLst>
           </p:cNvPr>
@@ -9224,7 +9225,7 @@
           <p:cNvPr id="49" name="TextBox 48">
             <a:extLst>
               <a:ext uri="{FF2B5EF4-FFF2-40B4-BE49-F238E27FC236}">
-                <a16:creationId xmlns:a16="http://schemas.microsoft.com/office/drawing/2014/main" id="{9CDD0A07-C504-4B48-925A-F9A6BA21FB98}"/>
+                <a16:creationId xmlns:a16="http://schemas.microsoft.com/office/drawing/2014/main" xmlns="" id="{9CDD0A07-C504-4B48-925A-F9A6BA21FB98}"/>
               </a:ext>
             </a:extLst>
           </p:cNvPr>
@@ -9261,7 +9262,7 @@
           <p:cNvPr id="50" name="TextBox 49">
             <a:extLst>
               <a:ext uri="{FF2B5EF4-FFF2-40B4-BE49-F238E27FC236}">
-                <a16:creationId xmlns:a16="http://schemas.microsoft.com/office/drawing/2014/main" id="{A9ECA51C-C425-4946-BF9F-09407F2FBA4C}"/>
+                <a16:creationId xmlns:a16="http://schemas.microsoft.com/office/drawing/2014/main" xmlns="" id="{A9ECA51C-C425-4946-BF9F-09407F2FBA4C}"/>
               </a:ext>
             </a:extLst>
           </p:cNvPr>
@@ -9298,7 +9299,7 @@
           <p:cNvPr id="51" name="TextBox 50">
             <a:extLst>
               <a:ext uri="{FF2B5EF4-FFF2-40B4-BE49-F238E27FC236}">
-                <a16:creationId xmlns:a16="http://schemas.microsoft.com/office/drawing/2014/main" id="{55787D8D-9ED1-4999-A251-58AA218BB274}"/>
+                <a16:creationId xmlns:a16="http://schemas.microsoft.com/office/drawing/2014/main" xmlns="" id="{55787D8D-9ED1-4999-A251-58AA218BB274}"/>
               </a:ext>
             </a:extLst>
           </p:cNvPr>
@@ -9335,7 +9336,7 @@
           <p:cNvPr id="52" name="TextBox 51">
             <a:extLst>
               <a:ext uri="{FF2B5EF4-FFF2-40B4-BE49-F238E27FC236}">
-                <a16:creationId xmlns:a16="http://schemas.microsoft.com/office/drawing/2014/main" id="{7246F523-EC24-4694-AB85-D279B6B61AE7}"/>
+                <a16:creationId xmlns:a16="http://schemas.microsoft.com/office/drawing/2014/main" xmlns="" id="{7246F523-EC24-4694-AB85-D279B6B61AE7}"/>
               </a:ext>
             </a:extLst>
           </p:cNvPr>
@@ -9372,7 +9373,7 @@
           <p:cNvPr id="53" name="TextBox 52">
             <a:extLst>
               <a:ext uri="{FF2B5EF4-FFF2-40B4-BE49-F238E27FC236}">
-                <a16:creationId xmlns:a16="http://schemas.microsoft.com/office/drawing/2014/main" id="{37B73226-5AF4-417B-BB31-A3984DA358DA}"/>
+                <a16:creationId xmlns:a16="http://schemas.microsoft.com/office/drawing/2014/main" xmlns="" id="{37B73226-5AF4-417B-BB31-A3984DA358DA}"/>
               </a:ext>
             </a:extLst>
           </p:cNvPr>
@@ -9409,7 +9410,7 @@
           <p:cNvPr id="54" name="TextBox 53">
             <a:extLst>
               <a:ext uri="{FF2B5EF4-FFF2-40B4-BE49-F238E27FC236}">
-                <a16:creationId xmlns:a16="http://schemas.microsoft.com/office/drawing/2014/main" id="{785D348E-9980-4518-956E-53FAF8C0A198}"/>
+                <a16:creationId xmlns:a16="http://schemas.microsoft.com/office/drawing/2014/main" xmlns="" id="{785D348E-9980-4518-956E-53FAF8C0A198}"/>
               </a:ext>
             </a:extLst>
           </p:cNvPr>
@@ -9446,7 +9447,7 @@
           <p:cNvPr id="55" name="TextBox 54">
             <a:extLst>
               <a:ext uri="{FF2B5EF4-FFF2-40B4-BE49-F238E27FC236}">
-                <a16:creationId xmlns:a16="http://schemas.microsoft.com/office/drawing/2014/main" id="{0FDCA593-B62B-4F17-A809-EEA74578B5CC}"/>
+                <a16:creationId xmlns:a16="http://schemas.microsoft.com/office/drawing/2014/main" xmlns="" id="{0FDCA593-B62B-4F17-A809-EEA74578B5CC}"/>
               </a:ext>
             </a:extLst>
           </p:cNvPr>
@@ -9483,7 +9484,7 @@
           <p:cNvPr id="56" name="TextBox 55">
             <a:extLst>
               <a:ext uri="{FF2B5EF4-FFF2-40B4-BE49-F238E27FC236}">
-                <a16:creationId xmlns:a16="http://schemas.microsoft.com/office/drawing/2014/main" id="{FA7415B3-09A3-4F4A-90BE-D2862DCEC34A}"/>
+                <a16:creationId xmlns:a16="http://schemas.microsoft.com/office/drawing/2014/main" xmlns="" id="{FA7415B3-09A3-4F4A-90BE-D2862DCEC34A}"/>
               </a:ext>
             </a:extLst>
           </p:cNvPr>
@@ -9520,7 +9521,7 @@
           <p:cNvPr id="57" name="TextBox 56">
             <a:extLst>
               <a:ext uri="{FF2B5EF4-FFF2-40B4-BE49-F238E27FC236}">
-                <a16:creationId xmlns:a16="http://schemas.microsoft.com/office/drawing/2014/main" id="{00C4B18D-18C8-4A30-AD71-42EC99135D27}"/>
+                <a16:creationId xmlns:a16="http://schemas.microsoft.com/office/drawing/2014/main" xmlns="" id="{00C4B18D-18C8-4A30-AD71-42EC99135D27}"/>
               </a:ext>
             </a:extLst>
           </p:cNvPr>
@@ -9557,7 +9558,7 @@
           <p:cNvPr id="58" name="TextBox 57">
             <a:extLst>
               <a:ext uri="{FF2B5EF4-FFF2-40B4-BE49-F238E27FC236}">
-                <a16:creationId xmlns:a16="http://schemas.microsoft.com/office/drawing/2014/main" id="{D39CE8D5-65A0-4619-85EA-29EB83B11044}"/>
+                <a16:creationId xmlns:a16="http://schemas.microsoft.com/office/drawing/2014/main" xmlns="" id="{D39CE8D5-65A0-4619-85EA-29EB83B11044}"/>
               </a:ext>
             </a:extLst>
           </p:cNvPr>
@@ -9594,7 +9595,7 @@
           <p:cNvPr id="59" name="TextBox 58">
             <a:extLst>
               <a:ext uri="{FF2B5EF4-FFF2-40B4-BE49-F238E27FC236}">
-                <a16:creationId xmlns:a16="http://schemas.microsoft.com/office/drawing/2014/main" id="{61A1AAC2-E01E-4B68-9105-5902040CE611}"/>
+                <a16:creationId xmlns:a16="http://schemas.microsoft.com/office/drawing/2014/main" xmlns="" id="{61A1AAC2-E01E-4B68-9105-5902040CE611}"/>
               </a:ext>
             </a:extLst>
           </p:cNvPr>
@@ -9631,7 +9632,7 @@
           <p:cNvPr id="60" name="TextBox 59">
             <a:extLst>
               <a:ext uri="{FF2B5EF4-FFF2-40B4-BE49-F238E27FC236}">
-                <a16:creationId xmlns:a16="http://schemas.microsoft.com/office/drawing/2014/main" id="{ECDFC2DA-CC33-4844-8147-B9CFD9F1866A}"/>
+                <a16:creationId xmlns:a16="http://schemas.microsoft.com/office/drawing/2014/main" xmlns="" id="{ECDFC2DA-CC33-4844-8147-B9CFD9F1866A}"/>
               </a:ext>
             </a:extLst>
           </p:cNvPr>
@@ -9668,7 +9669,7 @@
           <p:cNvPr id="61" name="TextBox 60">
             <a:extLst>
               <a:ext uri="{FF2B5EF4-FFF2-40B4-BE49-F238E27FC236}">
-                <a16:creationId xmlns:a16="http://schemas.microsoft.com/office/drawing/2014/main" id="{95D8FD8B-B8B4-4B61-B289-3A7353D81078}"/>
+                <a16:creationId xmlns:a16="http://schemas.microsoft.com/office/drawing/2014/main" xmlns="" id="{95D8FD8B-B8B4-4B61-B289-3A7353D81078}"/>
               </a:ext>
             </a:extLst>
           </p:cNvPr>
@@ -9705,7 +9706,7 @@
           <p:cNvPr id="62" name="TextBox 61">
             <a:extLst>
               <a:ext uri="{FF2B5EF4-FFF2-40B4-BE49-F238E27FC236}">
-                <a16:creationId xmlns:a16="http://schemas.microsoft.com/office/drawing/2014/main" id="{B0314713-63C7-43FD-87B5-3FD8A8F977DC}"/>
+                <a16:creationId xmlns:a16="http://schemas.microsoft.com/office/drawing/2014/main" xmlns="" id="{B0314713-63C7-43FD-87B5-3FD8A8F977DC}"/>
               </a:ext>
             </a:extLst>
           </p:cNvPr>
@@ -9742,7 +9743,7 @@
           <p:cNvPr id="63" name="TextBox 62">
             <a:extLst>
               <a:ext uri="{FF2B5EF4-FFF2-40B4-BE49-F238E27FC236}">
-                <a16:creationId xmlns:a16="http://schemas.microsoft.com/office/drawing/2014/main" id="{F403DCF9-7C65-456B-BAFE-5DDACC83498C}"/>
+                <a16:creationId xmlns:a16="http://schemas.microsoft.com/office/drawing/2014/main" xmlns="" id="{F403DCF9-7C65-456B-BAFE-5DDACC83498C}"/>
               </a:ext>
             </a:extLst>
           </p:cNvPr>
@@ -9779,7 +9780,7 @@
           <p:cNvPr id="64" name="TextBox 63">
             <a:extLst>
               <a:ext uri="{FF2B5EF4-FFF2-40B4-BE49-F238E27FC236}">
-                <a16:creationId xmlns:a16="http://schemas.microsoft.com/office/drawing/2014/main" id="{932BD6CE-AFB2-4528-9C4A-863BDDAE8122}"/>
+                <a16:creationId xmlns:a16="http://schemas.microsoft.com/office/drawing/2014/main" xmlns="" id="{932BD6CE-AFB2-4528-9C4A-863BDDAE8122}"/>
               </a:ext>
             </a:extLst>
           </p:cNvPr>
@@ -9816,7 +9817,7 @@
           <p:cNvPr id="65" name="TextBox 64">
             <a:extLst>
               <a:ext uri="{FF2B5EF4-FFF2-40B4-BE49-F238E27FC236}">
-                <a16:creationId xmlns:a16="http://schemas.microsoft.com/office/drawing/2014/main" id="{3168B3D8-B14C-4711-941B-89D29183EF3C}"/>
+                <a16:creationId xmlns:a16="http://schemas.microsoft.com/office/drawing/2014/main" xmlns="" id="{3168B3D8-B14C-4711-941B-89D29183EF3C}"/>
               </a:ext>
             </a:extLst>
           </p:cNvPr>
@@ -9853,7 +9854,7 @@
           <p:cNvPr id="66" name="TextBox 65">
             <a:extLst>
               <a:ext uri="{FF2B5EF4-FFF2-40B4-BE49-F238E27FC236}">
-                <a16:creationId xmlns:a16="http://schemas.microsoft.com/office/drawing/2014/main" id="{5A6AB1F3-6B70-4C2D-B1CB-4E98B378EB7D}"/>
+                <a16:creationId xmlns:a16="http://schemas.microsoft.com/office/drawing/2014/main" xmlns="" id="{5A6AB1F3-6B70-4C2D-B1CB-4E98B378EB7D}"/>
               </a:ext>
             </a:extLst>
           </p:cNvPr>
@@ -9890,7 +9891,7 @@
           <p:cNvPr id="67" name="TextBox 66">
             <a:extLst>
               <a:ext uri="{FF2B5EF4-FFF2-40B4-BE49-F238E27FC236}">
-                <a16:creationId xmlns:a16="http://schemas.microsoft.com/office/drawing/2014/main" id="{F103C784-26E5-4FBC-A0B3-73FF0422AEEE}"/>
+                <a16:creationId xmlns:a16="http://schemas.microsoft.com/office/drawing/2014/main" xmlns="" id="{F103C784-26E5-4FBC-A0B3-73FF0422AEEE}"/>
               </a:ext>
             </a:extLst>
           </p:cNvPr>
@@ -9927,7 +9928,7 @@
           <p:cNvPr id="5" name="직선 연결선 4">
             <a:extLst>
               <a:ext uri="{FF2B5EF4-FFF2-40B4-BE49-F238E27FC236}">
-                <a16:creationId xmlns:a16="http://schemas.microsoft.com/office/drawing/2014/main" id="{C5C227FC-0406-44E9-9AC9-6A81FF50E9AB}"/>
+                <a16:creationId xmlns:a16="http://schemas.microsoft.com/office/drawing/2014/main" xmlns="" id="{C5C227FC-0406-44E9-9AC9-6A81FF50E9AB}"/>
               </a:ext>
             </a:extLst>
           </p:cNvPr>
@@ -9968,7 +9969,7 @@
           <p:cNvPr id="68" name="직선 연결선 67">
             <a:extLst>
               <a:ext uri="{FF2B5EF4-FFF2-40B4-BE49-F238E27FC236}">
-                <a16:creationId xmlns:a16="http://schemas.microsoft.com/office/drawing/2014/main" id="{21D8B38D-0F89-4873-9971-35606AA85404}"/>
+                <a16:creationId xmlns:a16="http://schemas.microsoft.com/office/drawing/2014/main" xmlns="" id="{21D8B38D-0F89-4873-9971-35606AA85404}"/>
               </a:ext>
             </a:extLst>
           </p:cNvPr>
@@ -10011,7 +10012,7 @@
           <p:cNvPr id="69" name="직선 연결선 68">
             <a:extLst>
               <a:ext uri="{FF2B5EF4-FFF2-40B4-BE49-F238E27FC236}">
-                <a16:creationId xmlns:a16="http://schemas.microsoft.com/office/drawing/2014/main" id="{3260DB80-3E3F-4E14-9BC0-EBB89FD55910}"/>
+                <a16:creationId xmlns:a16="http://schemas.microsoft.com/office/drawing/2014/main" xmlns="" id="{3260DB80-3E3F-4E14-9BC0-EBB89FD55910}"/>
               </a:ext>
             </a:extLst>
           </p:cNvPr>
@@ -10054,7 +10055,7 @@
           <p:cNvPr id="70" name="직선 연결선 69">
             <a:extLst>
               <a:ext uri="{FF2B5EF4-FFF2-40B4-BE49-F238E27FC236}">
-                <a16:creationId xmlns:a16="http://schemas.microsoft.com/office/drawing/2014/main" id="{0DAA53C9-6D2D-46A8-95EF-11AF58708348}"/>
+                <a16:creationId xmlns:a16="http://schemas.microsoft.com/office/drawing/2014/main" xmlns="" id="{0DAA53C9-6D2D-46A8-95EF-11AF58708348}"/>
               </a:ext>
             </a:extLst>
           </p:cNvPr>
@@ -10097,7 +10098,7 @@
           <p:cNvPr id="71" name="직선 연결선 70">
             <a:extLst>
               <a:ext uri="{FF2B5EF4-FFF2-40B4-BE49-F238E27FC236}">
-                <a16:creationId xmlns:a16="http://schemas.microsoft.com/office/drawing/2014/main" id="{7C989169-C91E-457F-8BE3-1BDDF19064DF}"/>
+                <a16:creationId xmlns:a16="http://schemas.microsoft.com/office/drawing/2014/main" xmlns="" id="{7C989169-C91E-457F-8BE3-1BDDF19064DF}"/>
               </a:ext>
             </a:extLst>
           </p:cNvPr>
@@ -10140,7 +10141,7 @@
           <p:cNvPr id="25" name="직선 연결선 24">
             <a:extLst>
               <a:ext uri="{FF2B5EF4-FFF2-40B4-BE49-F238E27FC236}">
-                <a16:creationId xmlns:a16="http://schemas.microsoft.com/office/drawing/2014/main" id="{3F4DB0AE-5C3A-4C4A-B9E8-41FEE24DBA39}"/>
+                <a16:creationId xmlns:a16="http://schemas.microsoft.com/office/drawing/2014/main" xmlns="" id="{3F4DB0AE-5C3A-4C4A-B9E8-41FEE24DBA39}"/>
               </a:ext>
             </a:extLst>
           </p:cNvPr>
@@ -10181,7 +10182,7 @@
           <p:cNvPr id="37" name="직선 연결선 36">
             <a:extLst>
               <a:ext uri="{FF2B5EF4-FFF2-40B4-BE49-F238E27FC236}">
-                <a16:creationId xmlns:a16="http://schemas.microsoft.com/office/drawing/2014/main" id="{D1CAE60B-2256-4113-BE19-C82C193F9394}"/>
+                <a16:creationId xmlns:a16="http://schemas.microsoft.com/office/drawing/2014/main" xmlns="" id="{D1CAE60B-2256-4113-BE19-C82C193F9394}"/>
               </a:ext>
             </a:extLst>
           </p:cNvPr>
@@ -10222,7 +10223,7 @@
           <p:cNvPr id="72" name="직선 연결선 71">
             <a:extLst>
               <a:ext uri="{FF2B5EF4-FFF2-40B4-BE49-F238E27FC236}">
-                <a16:creationId xmlns:a16="http://schemas.microsoft.com/office/drawing/2014/main" id="{61EF895A-63F5-42E2-AAF4-B1E7EB9BDD3C}"/>
+                <a16:creationId xmlns:a16="http://schemas.microsoft.com/office/drawing/2014/main" xmlns="" id="{61EF895A-63F5-42E2-AAF4-B1E7EB9BDD3C}"/>
               </a:ext>
             </a:extLst>
           </p:cNvPr>
@@ -10263,7 +10264,7 @@
           <p:cNvPr id="75" name="직선 연결선 74">
             <a:extLst>
               <a:ext uri="{FF2B5EF4-FFF2-40B4-BE49-F238E27FC236}">
-                <a16:creationId xmlns:a16="http://schemas.microsoft.com/office/drawing/2014/main" id="{E623654B-1E62-483B-B35C-1E335D6A9058}"/>
+                <a16:creationId xmlns:a16="http://schemas.microsoft.com/office/drawing/2014/main" xmlns="" id="{E623654B-1E62-483B-B35C-1E335D6A9058}"/>
               </a:ext>
             </a:extLst>
           </p:cNvPr>
@@ -10304,7 +10305,7 @@
           <p:cNvPr id="78" name="타원 77">
             <a:extLst>
               <a:ext uri="{FF2B5EF4-FFF2-40B4-BE49-F238E27FC236}">
-                <a16:creationId xmlns:a16="http://schemas.microsoft.com/office/drawing/2014/main" id="{E467CE54-DB05-4418-95A6-30E2DA187633}"/>
+                <a16:creationId xmlns:a16="http://schemas.microsoft.com/office/drawing/2014/main" xmlns="" id="{E467CE54-DB05-4418-95A6-30E2DA187633}"/>
               </a:ext>
             </a:extLst>
           </p:cNvPr>
@@ -10356,7 +10357,7 @@
           <p:cNvPr id="79" name="타원 78">
             <a:extLst>
               <a:ext uri="{FF2B5EF4-FFF2-40B4-BE49-F238E27FC236}">
-                <a16:creationId xmlns:a16="http://schemas.microsoft.com/office/drawing/2014/main" id="{DD6595A0-469E-495E-823D-02D648D249A2}"/>
+                <a16:creationId xmlns:a16="http://schemas.microsoft.com/office/drawing/2014/main" xmlns="" id="{DD6595A0-469E-495E-823D-02D648D249A2}"/>
               </a:ext>
             </a:extLst>
           </p:cNvPr>
@@ -10408,7 +10409,7 @@
           <p:cNvPr id="80" name="타원 79">
             <a:extLst>
               <a:ext uri="{FF2B5EF4-FFF2-40B4-BE49-F238E27FC236}">
-                <a16:creationId xmlns:a16="http://schemas.microsoft.com/office/drawing/2014/main" id="{380A52DE-386E-466E-8CE1-478CE99269CF}"/>
+                <a16:creationId xmlns:a16="http://schemas.microsoft.com/office/drawing/2014/main" xmlns="" id="{380A52DE-386E-466E-8CE1-478CE99269CF}"/>
               </a:ext>
             </a:extLst>
           </p:cNvPr>
@@ -10460,7 +10461,7 @@
           <p:cNvPr id="81" name="타원 80">
             <a:extLst>
               <a:ext uri="{FF2B5EF4-FFF2-40B4-BE49-F238E27FC236}">
-                <a16:creationId xmlns:a16="http://schemas.microsoft.com/office/drawing/2014/main" id="{EB6628E6-B359-4CCF-A13D-CB76A165A1F3}"/>
+                <a16:creationId xmlns:a16="http://schemas.microsoft.com/office/drawing/2014/main" xmlns="" id="{EB6628E6-B359-4CCF-A13D-CB76A165A1F3}"/>
               </a:ext>
             </a:extLst>
           </p:cNvPr>
@@ -10512,7 +10513,7 @@
           <p:cNvPr id="82" name="타원 81">
             <a:extLst>
               <a:ext uri="{FF2B5EF4-FFF2-40B4-BE49-F238E27FC236}">
-                <a16:creationId xmlns:a16="http://schemas.microsoft.com/office/drawing/2014/main" id="{2CE6625E-AA47-4389-AF07-AB4A18EDD60B}"/>
+                <a16:creationId xmlns:a16="http://schemas.microsoft.com/office/drawing/2014/main" xmlns="" id="{2CE6625E-AA47-4389-AF07-AB4A18EDD60B}"/>
               </a:ext>
             </a:extLst>
           </p:cNvPr>
@@ -10564,7 +10565,7 @@
           <p:cNvPr id="85" name="직선 화살표 연결선 84">
             <a:extLst>
               <a:ext uri="{FF2B5EF4-FFF2-40B4-BE49-F238E27FC236}">
-                <a16:creationId xmlns:a16="http://schemas.microsoft.com/office/drawing/2014/main" id="{AB4CEFE4-077C-4625-9E2C-5F761F8B95EC}"/>
+                <a16:creationId xmlns:a16="http://schemas.microsoft.com/office/drawing/2014/main" xmlns="" id="{AB4CEFE4-077C-4625-9E2C-5F761F8B95EC}"/>
               </a:ext>
             </a:extLst>
           </p:cNvPr>
@@ -10609,7 +10610,7 @@
           <p:cNvPr id="87" name="직선 화살표 연결선 86">
             <a:extLst>
               <a:ext uri="{FF2B5EF4-FFF2-40B4-BE49-F238E27FC236}">
-                <a16:creationId xmlns:a16="http://schemas.microsoft.com/office/drawing/2014/main" id="{6DE4627E-70EC-43FD-AEF4-AF38D604446E}"/>
+                <a16:creationId xmlns:a16="http://schemas.microsoft.com/office/drawing/2014/main" xmlns="" id="{6DE4627E-70EC-43FD-AEF4-AF38D604446E}"/>
               </a:ext>
             </a:extLst>
           </p:cNvPr>
@@ -10655,7 +10656,7 @@
           <p:cNvPr id="89" name="직선 화살표 연결선 88">
             <a:extLst>
               <a:ext uri="{FF2B5EF4-FFF2-40B4-BE49-F238E27FC236}">
-                <a16:creationId xmlns:a16="http://schemas.microsoft.com/office/drawing/2014/main" id="{637B0387-35E7-4F5A-A703-C67711D38E84}"/>
+                <a16:creationId xmlns:a16="http://schemas.microsoft.com/office/drawing/2014/main" xmlns="" id="{637B0387-35E7-4F5A-A703-C67711D38E84}"/>
               </a:ext>
             </a:extLst>
           </p:cNvPr>
@@ -10700,7 +10701,7 @@
           <p:cNvPr id="93" name="직선 화살표 연결선 92">
             <a:extLst>
               <a:ext uri="{FF2B5EF4-FFF2-40B4-BE49-F238E27FC236}">
-                <a16:creationId xmlns:a16="http://schemas.microsoft.com/office/drawing/2014/main" id="{DCBF479C-D0D8-4078-8289-246A5F9B67BD}"/>
+                <a16:creationId xmlns:a16="http://schemas.microsoft.com/office/drawing/2014/main" xmlns="" id="{DCBF479C-D0D8-4078-8289-246A5F9B67BD}"/>
               </a:ext>
             </a:extLst>
           </p:cNvPr>
@@ -10745,7 +10746,7 @@
           <p:cNvPr id="83" name="TextBox 82">
             <a:extLst>
               <a:ext uri="{FF2B5EF4-FFF2-40B4-BE49-F238E27FC236}">
-                <a16:creationId xmlns:a16="http://schemas.microsoft.com/office/drawing/2014/main" id="{7E47BFCE-9742-4373-962F-3EBCCC668E8B}"/>
+                <a16:creationId xmlns:a16="http://schemas.microsoft.com/office/drawing/2014/main" xmlns="" id="{7E47BFCE-9742-4373-962F-3EBCCC668E8B}"/>
               </a:ext>
             </a:extLst>
           </p:cNvPr>
@@ -10796,7 +10797,7 @@
           <p:cNvPr id="94" name="직선 화살표 연결선 93">
             <a:extLst>
               <a:ext uri="{FF2B5EF4-FFF2-40B4-BE49-F238E27FC236}">
-                <a16:creationId xmlns:a16="http://schemas.microsoft.com/office/drawing/2014/main" id="{CB888FCE-CC26-4673-A684-2B8A16A91E6B}"/>
+                <a16:creationId xmlns:a16="http://schemas.microsoft.com/office/drawing/2014/main" xmlns="" id="{CB888FCE-CC26-4673-A684-2B8A16A91E6B}"/>
               </a:ext>
             </a:extLst>
           </p:cNvPr>
@@ -10841,6 +10842,481 @@
     <p:extLst>
       <p:ext uri="{BB962C8B-B14F-4D97-AF65-F5344CB8AC3E}">
         <p14:creationId xmlns:p14="http://schemas.microsoft.com/office/powerpoint/2010/main" val="2153141492"/>
+      </p:ext>
+    </p:extLst>
+  </p:cSld>
+  <p:clrMapOvr>
+    <a:masterClrMapping/>
+  </p:clrMapOvr>
+</p:sld>
+</file>
+
+<file path=ppt/slides/slide4.xml><?xml version="1.0" encoding="utf-8"?>
+<p:sld xmlns:a="http://schemas.openxmlformats.org/drawingml/2006/main" xmlns:r="http://schemas.openxmlformats.org/officeDocument/2006/relationships" xmlns:p="http://schemas.openxmlformats.org/presentationml/2006/main">
+  <p:cSld>
+    <p:spTree>
+      <p:nvGrpSpPr>
+        <p:cNvPr id="1" name=""/>
+        <p:cNvGrpSpPr/>
+        <p:nvPr/>
+      </p:nvGrpSpPr>
+      <p:grpSpPr>
+        <a:xfrm>
+          <a:off x="0" y="0"/>
+          <a:ext cx="0" cy="0"/>
+          <a:chOff x="0" y="0"/>
+          <a:chExt cx="0" cy="0"/>
+        </a:xfrm>
+      </p:grpSpPr>
+      <p:pic>
+        <p:nvPicPr>
+          <p:cNvPr id="1026" name="Picture 2"/>
+          <p:cNvPicPr>
+            <a:picLocks noChangeAspect="1" noChangeArrowheads="1"/>
+          </p:cNvPicPr>
+          <p:nvPr/>
+        </p:nvPicPr>
+        <p:blipFill>
+          <a:blip r:embed="rId2">
+            <a:extLst>
+              <a:ext uri="{28A0092B-C50C-407E-A947-70E740481C1C}">
+                <a14:useLocalDpi xmlns:a14="http://schemas.microsoft.com/office/drawing/2010/main" val="0"/>
+              </a:ext>
+            </a:extLst>
+          </a:blip>
+          <a:srcRect/>
+          <a:stretch>
+            <a:fillRect/>
+          </a:stretch>
+        </p:blipFill>
+        <p:spPr bwMode="auto">
+          <a:xfrm>
+            <a:off x="2249839" y="546101"/>
+            <a:ext cx="7692324" cy="5765800"/>
+          </a:xfrm>
+          <a:prstGeom prst="rect">
+            <a:avLst/>
+          </a:prstGeom>
+          <a:noFill/>
+          <a:ln>
+            <a:noFill/>
+          </a:ln>
+          <a:effectLst/>
+          <a:extLst>
+            <a:ext uri="{909E8E84-426E-40DD-AFC4-6F175D3DCCD1}">
+              <a14:hiddenFill xmlns:a14="http://schemas.microsoft.com/office/drawing/2010/main">
+                <a:solidFill>
+                  <a:schemeClr val="accent1"/>
+                </a:solidFill>
+              </a14:hiddenFill>
+            </a:ext>
+            <a:ext uri="{91240B29-F687-4F45-9708-019B960494DF}">
+              <a14:hiddenLine xmlns:a14="http://schemas.microsoft.com/office/drawing/2010/main" w="9525">
+                <a:solidFill>
+                  <a:schemeClr val="tx1"/>
+                </a:solidFill>
+                <a:miter lim="800000"/>
+                <a:headEnd/>
+                <a:tailEnd/>
+              </a14:hiddenLine>
+            </a:ext>
+            <a:ext uri="{AF507438-7753-43E0-B8FC-AC1667EBCBE1}">
+              <a14:hiddenEffects xmlns:a14="http://schemas.microsoft.com/office/drawing/2010/main">
+                <a:effectLst>
+                  <a:outerShdw dist="35921" dir="2700000" algn="ctr" rotWithShape="0">
+                    <a:schemeClr val="bg2"/>
+                  </a:outerShdw>
+                </a:effectLst>
+              </a14:hiddenEffects>
+            </a:ext>
+          </a:extLst>
+        </p:spPr>
+      </p:pic>
+      <mc:AlternateContent xmlns:mc="http://schemas.openxmlformats.org/markup-compatibility/2006">
+        <mc:Choice xmlns:a14="http://schemas.microsoft.com/office/drawing/2010/main" Requires="a14">
+          <p:sp>
+            <p:nvSpPr>
+              <p:cNvPr id="4" name="TextBox 3"/>
+              <p:cNvSpPr txBox="1"/>
+              <p:nvPr/>
+            </p:nvSpPr>
+            <p:spPr>
+              <a:xfrm>
+                <a:off x="2895600" y="1170464"/>
+                <a:ext cx="1978555" cy="461665"/>
+              </a:xfrm>
+              <a:prstGeom prst="rect">
+                <a:avLst/>
+              </a:prstGeom>
+              <a:noFill/>
+              <a:ln>
+                <a:solidFill>
+                  <a:schemeClr val="tx1"/>
+                </a:solidFill>
+              </a:ln>
+            </p:spPr>
+            <p:txBody>
+              <a:bodyPr wrap="none" rtlCol="0">
+                <a:spAutoFit/>
+              </a:bodyPr>
+              <a:lstStyle/>
+              <a:p>
+                <a14:m>
+                  <m:oMathPara xmlns:m="http://schemas.openxmlformats.org/officeDocument/2006/math">
+                    <m:oMathParaPr>
+                      <m:jc m:val="centerGroup"/>
+                    </m:oMathParaPr>
+                    <m:oMath xmlns:m="http://schemas.openxmlformats.org/officeDocument/2006/math">
+                      <m:r>
+                        <a:rPr lang="en-US" altLang="ko-KR" sz="2400" b="0" i="1" smtClean="0">
+                          <a:solidFill>
+                            <a:srgbClr val="0072BD"/>
+                          </a:solidFill>
+                          <a:latin typeface="Cambria Math"/>
+                        </a:rPr>
+                        <m:t>𝑦</m:t>
+                      </m:r>
+                      <m:r>
+                        <a:rPr lang="en-US" altLang="ko-KR" sz="2400" b="0" i="1" smtClean="0">
+                          <a:solidFill>
+                            <a:srgbClr val="0072BD"/>
+                          </a:solidFill>
+                          <a:latin typeface="Cambria Math"/>
+                        </a:rPr>
+                        <m:t>=−2</m:t>
+                      </m:r>
+                      <m:r>
+                        <a:rPr lang="en-US" altLang="ko-KR" sz="2400" b="0" i="1" smtClean="0">
+                          <a:solidFill>
+                            <a:srgbClr val="0072BD"/>
+                          </a:solidFill>
+                          <a:latin typeface="Cambria Math"/>
+                        </a:rPr>
+                        <m:t>𝑥</m:t>
+                      </m:r>
+                      <m:r>
+                        <a:rPr lang="en-US" altLang="ko-KR" sz="2400" b="0" i="1" smtClean="0">
+                          <a:solidFill>
+                            <a:srgbClr val="0072BD"/>
+                          </a:solidFill>
+                          <a:latin typeface="Cambria Math"/>
+                        </a:rPr>
+                        <m:t>−1</m:t>
+                      </m:r>
+                    </m:oMath>
+                  </m:oMathPara>
+                </a14:m>
+                <a:endParaRPr lang="ko-KR" altLang="en-US" sz="2400" dirty="0">
+                  <a:solidFill>
+                    <a:srgbClr val="0072BD"/>
+                  </a:solidFill>
+                </a:endParaRPr>
+              </a:p>
+            </p:txBody>
+          </p:sp>
+        </mc:Choice>
+        <mc:Fallback>
+          <p:sp>
+            <p:nvSpPr>
+              <p:cNvPr id="4" name="TextBox 3"/>
+              <p:cNvSpPr txBox="1">
+                <a:spLocks noRot="1" noChangeAspect="1" noMove="1" noResize="1" noEditPoints="1" noAdjustHandles="1" noChangeArrowheads="1" noChangeShapeType="1" noTextEdit="1"/>
+              </p:cNvSpPr>
+              <p:nvPr/>
+            </p:nvSpPr>
+            <p:spPr>
+              <a:xfrm>
+                <a:off x="2895600" y="1170464"/>
+                <a:ext cx="1978555" cy="461665"/>
+              </a:xfrm>
+              <a:prstGeom prst="rect">
+                <a:avLst/>
+              </a:prstGeom>
+              <a:blipFill rotWithShape="1">
+                <a:blip r:embed="rId3"/>
+                <a:stretch>
+                  <a:fillRect b="-10256"/>
+                </a:stretch>
+              </a:blipFill>
+              <a:ln>
+                <a:solidFill>
+                  <a:schemeClr val="tx1"/>
+                </a:solidFill>
+              </a:ln>
+            </p:spPr>
+            <p:txBody>
+              <a:bodyPr/>
+              <a:lstStyle/>
+              <a:p>
+                <a:r>
+                  <a:rPr lang="ko-KR" altLang="en-US">
+                    <a:noFill/>
+                  </a:rPr>
+                  <a:t> </a:t>
+                </a:r>
+              </a:p>
+            </p:txBody>
+          </p:sp>
+        </mc:Fallback>
+      </mc:AlternateContent>
+      <mc:AlternateContent xmlns:mc="http://schemas.openxmlformats.org/markup-compatibility/2006">
+        <mc:Choice xmlns:a14="http://schemas.microsoft.com/office/drawing/2010/main" Requires="a14">
+          <p:sp>
+            <p:nvSpPr>
+              <p:cNvPr id="6" name="TextBox 5"/>
+              <p:cNvSpPr txBox="1"/>
+              <p:nvPr/>
+            </p:nvSpPr>
+            <p:spPr>
+              <a:xfrm>
+                <a:off x="8362756" y="2521317"/>
+                <a:ext cx="1579407" cy="461665"/>
+              </a:xfrm>
+              <a:prstGeom prst="rect">
+                <a:avLst/>
+              </a:prstGeom>
+              <a:noFill/>
+              <a:ln>
+                <a:solidFill>
+                  <a:schemeClr val="tx1"/>
+                </a:solidFill>
+              </a:ln>
+            </p:spPr>
+            <p:txBody>
+              <a:bodyPr wrap="none" rtlCol="0">
+                <a:spAutoFit/>
+              </a:bodyPr>
+              <a:lstStyle/>
+              <a:p>
+                <a14:m>
+                  <m:oMathPara xmlns:m="http://schemas.openxmlformats.org/officeDocument/2006/math">
+                    <m:oMathParaPr>
+                      <m:jc m:val="centerGroup"/>
+                    </m:oMathParaPr>
+                    <m:oMath xmlns:m="http://schemas.openxmlformats.org/officeDocument/2006/math">
+                      <m:r>
+                        <a:rPr lang="en-US" altLang="ko-KR" sz="2400" b="0" i="1" smtClean="0">
+                          <a:solidFill>
+                            <a:srgbClr val="EDB120"/>
+                          </a:solidFill>
+                          <a:latin typeface="Cambria Math"/>
+                        </a:rPr>
+                        <m:t>𝑦</m:t>
+                      </m:r>
+                      <m:r>
+                        <a:rPr lang="en-US" altLang="ko-KR" sz="2400" b="0" i="1" smtClean="0">
+                          <a:solidFill>
+                            <a:srgbClr val="EDB120"/>
+                          </a:solidFill>
+                          <a:latin typeface="Cambria Math"/>
+                        </a:rPr>
+                        <m:t>=</m:t>
+                      </m:r>
+                      <m:r>
+                        <a:rPr lang="en-US" altLang="ko-KR" sz="2400" b="0" i="1" smtClean="0">
+                          <a:solidFill>
+                            <a:srgbClr val="EDB120"/>
+                          </a:solidFill>
+                          <a:latin typeface="Cambria Math"/>
+                        </a:rPr>
+                        <m:t>𝑥</m:t>
+                      </m:r>
+                      <m:r>
+                        <a:rPr lang="en-US" altLang="ko-KR" sz="2400" b="0" i="1" smtClean="0">
+                          <a:solidFill>
+                            <a:srgbClr val="EDB120"/>
+                          </a:solidFill>
+                          <a:latin typeface="Cambria Math"/>
+                        </a:rPr>
+                        <m:t>+1</m:t>
+                      </m:r>
+                    </m:oMath>
+                  </m:oMathPara>
+                </a14:m>
+                <a:endParaRPr lang="ko-KR" altLang="en-US" sz="2400" dirty="0">
+                  <a:solidFill>
+                    <a:srgbClr val="EDB120"/>
+                  </a:solidFill>
+                </a:endParaRPr>
+              </a:p>
+            </p:txBody>
+          </p:sp>
+        </mc:Choice>
+        <mc:Fallback>
+          <p:sp>
+            <p:nvSpPr>
+              <p:cNvPr id="6" name="TextBox 5"/>
+              <p:cNvSpPr txBox="1">
+                <a:spLocks noRot="1" noChangeAspect="1" noMove="1" noResize="1" noEditPoints="1" noAdjustHandles="1" noChangeArrowheads="1" noChangeShapeType="1" noTextEdit="1"/>
+              </p:cNvSpPr>
+              <p:nvPr/>
+            </p:nvSpPr>
+            <p:spPr>
+              <a:xfrm>
+                <a:off x="8362756" y="2521317"/>
+                <a:ext cx="1579407" cy="461665"/>
+              </a:xfrm>
+              <a:prstGeom prst="rect">
+                <a:avLst/>
+              </a:prstGeom>
+              <a:blipFill rotWithShape="1">
+                <a:blip r:embed="rId4"/>
+                <a:stretch>
+                  <a:fillRect b="-11688"/>
+                </a:stretch>
+              </a:blipFill>
+              <a:ln>
+                <a:solidFill>
+                  <a:schemeClr val="tx1"/>
+                </a:solidFill>
+              </a:ln>
+            </p:spPr>
+            <p:txBody>
+              <a:bodyPr/>
+              <a:lstStyle/>
+              <a:p>
+                <a:r>
+                  <a:rPr lang="ko-KR" altLang="en-US">
+                    <a:noFill/>
+                  </a:rPr>
+                  <a:t> </a:t>
+                </a:r>
+              </a:p>
+            </p:txBody>
+          </p:sp>
+        </mc:Fallback>
+      </mc:AlternateContent>
+      <mc:AlternateContent xmlns:mc="http://schemas.openxmlformats.org/markup-compatibility/2006">
+        <mc:Choice xmlns:a14="http://schemas.microsoft.com/office/drawing/2010/main" Requires="a14">
+          <p:sp>
+            <p:nvSpPr>
+              <p:cNvPr id="7" name="TextBox 6"/>
+              <p:cNvSpPr txBox="1"/>
+              <p:nvPr/>
+            </p:nvSpPr>
+            <p:spPr>
+              <a:xfrm>
+                <a:off x="7488093" y="3585528"/>
+                <a:ext cx="1749325" cy="461665"/>
+              </a:xfrm>
+              <a:prstGeom prst="rect">
+                <a:avLst/>
+              </a:prstGeom>
+              <a:noFill/>
+              <a:ln>
+                <a:solidFill>
+                  <a:schemeClr val="tx1"/>
+                </a:solidFill>
+              </a:ln>
+            </p:spPr>
+            <p:txBody>
+              <a:bodyPr wrap="none" rtlCol="0">
+                <a:spAutoFit/>
+              </a:bodyPr>
+              <a:lstStyle/>
+              <a:p>
+                <a14:m>
+                  <m:oMathPara xmlns:m="http://schemas.openxmlformats.org/officeDocument/2006/math">
+                    <m:oMathParaPr>
+                      <m:jc m:val="centerGroup"/>
+                    </m:oMathParaPr>
+                    <m:oMath xmlns:m="http://schemas.openxmlformats.org/officeDocument/2006/math">
+                      <m:r>
+                        <a:rPr lang="en-US" altLang="ko-KR" sz="2400" b="0" i="1" smtClean="0">
+                          <a:solidFill>
+                            <a:srgbClr val="D95319"/>
+                          </a:solidFill>
+                          <a:latin typeface="Cambria Math"/>
+                        </a:rPr>
+                        <m:t>𝑦</m:t>
+                      </m:r>
+                      <m:r>
+                        <a:rPr lang="en-US" altLang="ko-KR" sz="2400" b="0" i="1" smtClean="0">
+                          <a:solidFill>
+                            <a:srgbClr val="D95319"/>
+                          </a:solidFill>
+                          <a:latin typeface="Cambria Math"/>
+                        </a:rPr>
+                        <m:t>=3</m:t>
+                      </m:r>
+                      <m:r>
+                        <a:rPr lang="en-US" altLang="ko-KR" sz="2400" b="0" i="1" smtClean="0">
+                          <a:solidFill>
+                            <a:srgbClr val="D95319"/>
+                          </a:solidFill>
+                          <a:latin typeface="Cambria Math"/>
+                        </a:rPr>
+                        <m:t>𝑥</m:t>
+                      </m:r>
+                      <m:r>
+                        <a:rPr lang="en-US" altLang="ko-KR" sz="2400" b="0" i="1" smtClean="0">
+                          <a:solidFill>
+                            <a:srgbClr val="D95319"/>
+                          </a:solidFill>
+                          <a:latin typeface="Cambria Math"/>
+                        </a:rPr>
+                        <m:t>−2</m:t>
+                      </m:r>
+                    </m:oMath>
+                  </m:oMathPara>
+                </a14:m>
+                <a:endParaRPr lang="ko-KR" altLang="en-US" sz="2400" dirty="0">
+                  <a:solidFill>
+                    <a:srgbClr val="D95319"/>
+                  </a:solidFill>
+                </a:endParaRPr>
+              </a:p>
+            </p:txBody>
+          </p:sp>
+        </mc:Choice>
+        <mc:Fallback>
+          <p:sp>
+            <p:nvSpPr>
+              <p:cNvPr id="7" name="TextBox 6"/>
+              <p:cNvSpPr txBox="1">
+                <a:spLocks noRot="1" noChangeAspect="1" noMove="1" noResize="1" noEditPoints="1" noAdjustHandles="1" noChangeArrowheads="1" noChangeShapeType="1" noTextEdit="1"/>
+              </p:cNvSpPr>
+              <p:nvPr/>
+            </p:nvSpPr>
+            <p:spPr>
+              <a:xfrm>
+                <a:off x="7488093" y="3585528"/>
+                <a:ext cx="1749325" cy="461665"/>
+              </a:xfrm>
+              <a:prstGeom prst="rect">
+                <a:avLst/>
+              </a:prstGeom>
+              <a:blipFill rotWithShape="1">
+                <a:blip r:embed="rId5"/>
+                <a:stretch>
+                  <a:fillRect b="-10256"/>
+                </a:stretch>
+              </a:blipFill>
+              <a:ln>
+                <a:solidFill>
+                  <a:schemeClr val="tx1"/>
+                </a:solidFill>
+              </a:ln>
+            </p:spPr>
+            <p:txBody>
+              <a:bodyPr/>
+              <a:lstStyle/>
+              <a:p>
+                <a:r>
+                  <a:rPr lang="ko-KR" altLang="en-US">
+                    <a:noFill/>
+                  </a:rPr>
+                  <a:t> </a:t>
+                </a:r>
+              </a:p>
+            </p:txBody>
+          </p:sp>
+        </mc:Fallback>
+      </mc:AlternateContent>
+    </p:spTree>
+    <p:extLst>
+      <p:ext uri="{BB962C8B-B14F-4D97-AF65-F5344CB8AC3E}">
+        <p14:creationId xmlns:p14="http://schemas.microsoft.com/office/powerpoint/2010/main" val="1296032743"/>
       </p:ext>
     </p:extLst>
   </p:cSld>
@@ -10893,7 +11369,7 @@
     </a:clrScheme>
     <a:fontScheme name="Office">
       <a:majorFont>
-        <a:latin typeface="맑은 고딕" panose="020F0302020204030204"/>
+        <a:latin typeface="맑은 고딕"/>
         <a:ea typeface=""/>
         <a:cs typeface=""/>
         <a:font script="Jpan" typeface="游ゴシック Light"/>
@@ -10945,7 +11421,7 @@
         <a:font script="Tfng" typeface="Ebrima"/>
       </a:majorFont>
       <a:minorFont>
-        <a:latin typeface="맑은 고딕" panose="020F0502020204030204"/>
+        <a:latin typeface="맑은 고딕"/>
         <a:ea typeface=""/>
         <a:cs typeface=""/>
         <a:font script="Jpan" typeface="游ゴシック"/>
@@ -11139,7 +11615,7 @@
   <a:extraClrSchemeLst/>
   <a:extLst>
     <a:ext uri="{05A4C25C-085E-4340-85A3-A5531E510DB2}">
-      <thm15:themeFamily xmlns:thm15="http://schemas.microsoft.com/office/thememl/2012/main" name="Office Theme" id="{62F939B6-93AF-4DB8-9C6B-D6C7DFDC589F}" vid="{4A3C46E8-61CC-4603-A589-7422A47A8E4A}"/>
+      <thm15:themeFamily xmlns:thm15="http://schemas.microsoft.com/office/thememl/2012/main" xmlns="" name="Office Theme" id="{62F939B6-93AF-4DB8-9C6B-D6C7DFDC589F}" vid="{4A3C46E8-61CC-4603-A589-7422A47A8E4A}"/>
     </a:ext>
   </a:extLst>
 </a:theme>

--- a/pics/2021-06-19-Gauss_elimination/pics.pptx
+++ b/pics/2021-06-19-Gauss_elimination/pics.pptx
@@ -8,7 +8,8 @@
     <p:sldId id="256" r:id="rId2"/>
     <p:sldId id="257" r:id="rId3"/>
     <p:sldId id="258" r:id="rId4"/>
-    <p:sldId id="259" r:id="rId5"/>
+    <p:sldId id="260" r:id="rId5"/>
+    <p:sldId id="259" r:id="rId6"/>
   </p:sldIdLst>
   <p:sldSz cx="12192000" cy="6858000"/>
   <p:notesSz cx="6858000" cy="9144000"/>
@@ -109,7 +110,7 @@
   </p:defaultTextStyle>
   <p:extLst>
     <p:ext uri="{EFAFB233-063F-42B5-8137-9DF3F51BA10A}">
-      <p15:sldGuideLst xmlns:p15="http://schemas.microsoft.com/office/powerpoint/2012/main" xmlns=""/>
+      <p15:sldGuideLst xmlns="" xmlns:p15="http://schemas.microsoft.com/office/powerpoint/2012/main"/>
     </p:ext>
   </p:extLst>
 </p:presentation>
@@ -137,7 +138,7 @@
           <p:cNvPr id="2" name="제목 1">
             <a:extLst>
               <a:ext uri="{FF2B5EF4-FFF2-40B4-BE49-F238E27FC236}">
-                <a16:creationId xmlns:a16="http://schemas.microsoft.com/office/drawing/2014/main" xmlns="" id="{82FD9A84-23B0-4DDC-9F1E-E4507843FC7F}"/>
+                <a16:creationId xmlns="" xmlns:a16="http://schemas.microsoft.com/office/drawing/2014/main" id="{82FD9A84-23B0-4DDC-9F1E-E4507843FC7F}"/>
               </a:ext>
             </a:extLst>
           </p:cNvPr>
@@ -174,7 +175,7 @@
           <p:cNvPr id="3" name="부제목 2">
             <a:extLst>
               <a:ext uri="{FF2B5EF4-FFF2-40B4-BE49-F238E27FC236}">
-                <a16:creationId xmlns:a16="http://schemas.microsoft.com/office/drawing/2014/main" xmlns="" id="{CEE0360A-1042-442A-85A5-39F4AB809954}"/>
+                <a16:creationId xmlns="" xmlns:a16="http://schemas.microsoft.com/office/drawing/2014/main" id="{CEE0360A-1042-442A-85A5-39F4AB809954}"/>
               </a:ext>
             </a:extLst>
           </p:cNvPr>
@@ -244,7 +245,7 @@
           <p:cNvPr id="4" name="날짜 개체 틀 3">
             <a:extLst>
               <a:ext uri="{FF2B5EF4-FFF2-40B4-BE49-F238E27FC236}">
-                <a16:creationId xmlns:a16="http://schemas.microsoft.com/office/drawing/2014/main" xmlns="" id="{AD31096B-81DE-476D-AC4A-548AB37F258F}"/>
+                <a16:creationId xmlns="" xmlns:a16="http://schemas.microsoft.com/office/drawing/2014/main" id="{AD31096B-81DE-476D-AC4A-548AB37F258F}"/>
               </a:ext>
             </a:extLst>
           </p:cNvPr>
@@ -262,7 +263,7 @@
           <a:p>
             <a:fld id="{68E4AC84-9D0B-4907-B40A-7842A44BBA07}" type="datetimeFigureOut">
               <a:rPr lang="ko-KR" altLang="en-US" smtClean="0"/>
-              <a:t>2021-06-21</a:t>
+              <a:t>2021-06-29</a:t>
             </a:fld>
             <a:endParaRPr lang="ko-KR" altLang="en-US"/>
           </a:p>
@@ -273,7 +274,7 @@
           <p:cNvPr id="5" name="바닥글 개체 틀 4">
             <a:extLst>
               <a:ext uri="{FF2B5EF4-FFF2-40B4-BE49-F238E27FC236}">
-                <a16:creationId xmlns:a16="http://schemas.microsoft.com/office/drawing/2014/main" xmlns="" id="{82F78726-B95D-4F08-9EA8-A509EC1CB9BC}"/>
+                <a16:creationId xmlns="" xmlns:a16="http://schemas.microsoft.com/office/drawing/2014/main" id="{82F78726-B95D-4F08-9EA8-A509EC1CB9BC}"/>
               </a:ext>
             </a:extLst>
           </p:cNvPr>
@@ -298,7 +299,7 @@
           <p:cNvPr id="6" name="슬라이드 번호 개체 틀 5">
             <a:extLst>
               <a:ext uri="{FF2B5EF4-FFF2-40B4-BE49-F238E27FC236}">
-                <a16:creationId xmlns:a16="http://schemas.microsoft.com/office/drawing/2014/main" xmlns="" id="{41620B87-BC61-4D76-B365-8D154DF1FF5D}"/>
+                <a16:creationId xmlns="" xmlns:a16="http://schemas.microsoft.com/office/drawing/2014/main" id="{41620B87-BC61-4D76-B365-8D154DF1FF5D}"/>
               </a:ext>
             </a:extLst>
           </p:cNvPr>
@@ -357,7 +358,7 @@
           <p:cNvPr id="2" name="제목 1">
             <a:extLst>
               <a:ext uri="{FF2B5EF4-FFF2-40B4-BE49-F238E27FC236}">
-                <a16:creationId xmlns:a16="http://schemas.microsoft.com/office/drawing/2014/main" xmlns="" id="{F092569F-A8E8-4D91-9958-46BF3E408308}"/>
+                <a16:creationId xmlns="" xmlns:a16="http://schemas.microsoft.com/office/drawing/2014/main" id="{F092569F-A8E8-4D91-9958-46BF3E408308}"/>
               </a:ext>
             </a:extLst>
           </p:cNvPr>
@@ -385,7 +386,7 @@
           <p:cNvPr id="3" name="세로 텍스트 개체 틀 2">
             <a:extLst>
               <a:ext uri="{FF2B5EF4-FFF2-40B4-BE49-F238E27FC236}">
-                <a16:creationId xmlns:a16="http://schemas.microsoft.com/office/drawing/2014/main" xmlns="" id="{306F85FF-E03A-454B-A5C4-19883EBF5C8E}"/>
+                <a16:creationId xmlns="" xmlns:a16="http://schemas.microsoft.com/office/drawing/2014/main" id="{306F85FF-E03A-454B-A5C4-19883EBF5C8E}"/>
               </a:ext>
             </a:extLst>
           </p:cNvPr>
@@ -442,7 +443,7 @@
           <p:cNvPr id="4" name="날짜 개체 틀 3">
             <a:extLst>
               <a:ext uri="{FF2B5EF4-FFF2-40B4-BE49-F238E27FC236}">
-                <a16:creationId xmlns:a16="http://schemas.microsoft.com/office/drawing/2014/main" xmlns="" id="{677FC95D-B651-4BE5-B429-C9DD9D1A6AD9}"/>
+                <a16:creationId xmlns="" xmlns:a16="http://schemas.microsoft.com/office/drawing/2014/main" id="{677FC95D-B651-4BE5-B429-C9DD9D1A6AD9}"/>
               </a:ext>
             </a:extLst>
           </p:cNvPr>
@@ -460,7 +461,7 @@
           <a:p>
             <a:fld id="{68E4AC84-9D0B-4907-B40A-7842A44BBA07}" type="datetimeFigureOut">
               <a:rPr lang="ko-KR" altLang="en-US" smtClean="0"/>
-              <a:t>2021-06-21</a:t>
+              <a:t>2021-06-29</a:t>
             </a:fld>
             <a:endParaRPr lang="ko-KR" altLang="en-US"/>
           </a:p>
@@ -471,7 +472,7 @@
           <p:cNvPr id="5" name="바닥글 개체 틀 4">
             <a:extLst>
               <a:ext uri="{FF2B5EF4-FFF2-40B4-BE49-F238E27FC236}">
-                <a16:creationId xmlns:a16="http://schemas.microsoft.com/office/drawing/2014/main" xmlns="" id="{17B0A179-6D78-4EDE-9BFB-FD6B9E8605DE}"/>
+                <a16:creationId xmlns="" xmlns:a16="http://schemas.microsoft.com/office/drawing/2014/main" id="{17B0A179-6D78-4EDE-9BFB-FD6B9E8605DE}"/>
               </a:ext>
             </a:extLst>
           </p:cNvPr>
@@ -496,7 +497,7 @@
           <p:cNvPr id="6" name="슬라이드 번호 개체 틀 5">
             <a:extLst>
               <a:ext uri="{FF2B5EF4-FFF2-40B4-BE49-F238E27FC236}">
-                <a16:creationId xmlns:a16="http://schemas.microsoft.com/office/drawing/2014/main" xmlns="" id="{CCE1120A-CB2A-4FDB-9008-1730415D7E77}"/>
+                <a16:creationId xmlns="" xmlns:a16="http://schemas.microsoft.com/office/drawing/2014/main" id="{CCE1120A-CB2A-4FDB-9008-1730415D7E77}"/>
               </a:ext>
             </a:extLst>
           </p:cNvPr>
@@ -555,7 +556,7 @@
           <p:cNvPr id="2" name="세로 제목 1">
             <a:extLst>
               <a:ext uri="{FF2B5EF4-FFF2-40B4-BE49-F238E27FC236}">
-                <a16:creationId xmlns:a16="http://schemas.microsoft.com/office/drawing/2014/main" xmlns="" id="{713EE1BA-9FF3-4680-AA0E-7568F9F26CA3}"/>
+                <a16:creationId xmlns="" xmlns:a16="http://schemas.microsoft.com/office/drawing/2014/main" id="{713EE1BA-9FF3-4680-AA0E-7568F9F26CA3}"/>
               </a:ext>
             </a:extLst>
           </p:cNvPr>
@@ -588,7 +589,7 @@
           <p:cNvPr id="3" name="세로 텍스트 개체 틀 2">
             <a:extLst>
               <a:ext uri="{FF2B5EF4-FFF2-40B4-BE49-F238E27FC236}">
-                <a16:creationId xmlns:a16="http://schemas.microsoft.com/office/drawing/2014/main" xmlns="" id="{F06BF7C5-6051-47BB-BC1E-8723B08B58C8}"/>
+                <a16:creationId xmlns="" xmlns:a16="http://schemas.microsoft.com/office/drawing/2014/main" id="{F06BF7C5-6051-47BB-BC1E-8723B08B58C8}"/>
               </a:ext>
             </a:extLst>
           </p:cNvPr>
@@ -650,7 +651,7 @@
           <p:cNvPr id="4" name="날짜 개체 틀 3">
             <a:extLst>
               <a:ext uri="{FF2B5EF4-FFF2-40B4-BE49-F238E27FC236}">
-                <a16:creationId xmlns:a16="http://schemas.microsoft.com/office/drawing/2014/main" xmlns="" id="{2DF38F08-8E8B-440A-A721-A229FD5C42BD}"/>
+                <a16:creationId xmlns="" xmlns:a16="http://schemas.microsoft.com/office/drawing/2014/main" id="{2DF38F08-8E8B-440A-A721-A229FD5C42BD}"/>
               </a:ext>
             </a:extLst>
           </p:cNvPr>
@@ -668,7 +669,7 @@
           <a:p>
             <a:fld id="{68E4AC84-9D0B-4907-B40A-7842A44BBA07}" type="datetimeFigureOut">
               <a:rPr lang="ko-KR" altLang="en-US" smtClean="0"/>
-              <a:t>2021-06-21</a:t>
+              <a:t>2021-06-29</a:t>
             </a:fld>
             <a:endParaRPr lang="ko-KR" altLang="en-US"/>
           </a:p>
@@ -679,7 +680,7 @@
           <p:cNvPr id="5" name="바닥글 개체 틀 4">
             <a:extLst>
               <a:ext uri="{FF2B5EF4-FFF2-40B4-BE49-F238E27FC236}">
-                <a16:creationId xmlns:a16="http://schemas.microsoft.com/office/drawing/2014/main" xmlns="" id="{A115BB80-9B7F-469A-9E7C-7E99844C3373}"/>
+                <a16:creationId xmlns="" xmlns:a16="http://schemas.microsoft.com/office/drawing/2014/main" id="{A115BB80-9B7F-469A-9E7C-7E99844C3373}"/>
               </a:ext>
             </a:extLst>
           </p:cNvPr>
@@ -704,7 +705,7 @@
           <p:cNvPr id="6" name="슬라이드 번호 개체 틀 5">
             <a:extLst>
               <a:ext uri="{FF2B5EF4-FFF2-40B4-BE49-F238E27FC236}">
-                <a16:creationId xmlns:a16="http://schemas.microsoft.com/office/drawing/2014/main" xmlns="" id="{247323E3-93F3-45E3-B0B4-2C3083B2BD5D}"/>
+                <a16:creationId xmlns="" xmlns:a16="http://schemas.microsoft.com/office/drawing/2014/main" id="{247323E3-93F3-45E3-B0B4-2C3083B2BD5D}"/>
               </a:ext>
             </a:extLst>
           </p:cNvPr>
@@ -763,7 +764,7 @@
           <p:cNvPr id="2" name="제목 1">
             <a:extLst>
               <a:ext uri="{FF2B5EF4-FFF2-40B4-BE49-F238E27FC236}">
-                <a16:creationId xmlns:a16="http://schemas.microsoft.com/office/drawing/2014/main" xmlns="" id="{542E9315-D97B-4790-900C-A3A31E9BCA3F}"/>
+                <a16:creationId xmlns="" xmlns:a16="http://schemas.microsoft.com/office/drawing/2014/main" id="{542E9315-D97B-4790-900C-A3A31E9BCA3F}"/>
               </a:ext>
             </a:extLst>
           </p:cNvPr>
@@ -791,7 +792,7 @@
           <p:cNvPr id="3" name="내용 개체 틀 2">
             <a:extLst>
               <a:ext uri="{FF2B5EF4-FFF2-40B4-BE49-F238E27FC236}">
-                <a16:creationId xmlns:a16="http://schemas.microsoft.com/office/drawing/2014/main" xmlns="" id="{064D2570-1793-4554-A583-2AE03EB9AA28}"/>
+                <a16:creationId xmlns="" xmlns:a16="http://schemas.microsoft.com/office/drawing/2014/main" id="{064D2570-1793-4554-A583-2AE03EB9AA28}"/>
               </a:ext>
             </a:extLst>
           </p:cNvPr>
@@ -848,7 +849,7 @@
           <p:cNvPr id="4" name="날짜 개체 틀 3">
             <a:extLst>
               <a:ext uri="{FF2B5EF4-FFF2-40B4-BE49-F238E27FC236}">
-                <a16:creationId xmlns:a16="http://schemas.microsoft.com/office/drawing/2014/main" xmlns="" id="{E234608A-0B5E-4FB3-8769-43CBB3139D17}"/>
+                <a16:creationId xmlns="" xmlns:a16="http://schemas.microsoft.com/office/drawing/2014/main" id="{E234608A-0B5E-4FB3-8769-43CBB3139D17}"/>
               </a:ext>
             </a:extLst>
           </p:cNvPr>
@@ -866,7 +867,7 @@
           <a:p>
             <a:fld id="{68E4AC84-9D0B-4907-B40A-7842A44BBA07}" type="datetimeFigureOut">
               <a:rPr lang="ko-KR" altLang="en-US" smtClean="0"/>
-              <a:t>2021-06-21</a:t>
+              <a:t>2021-06-29</a:t>
             </a:fld>
             <a:endParaRPr lang="ko-KR" altLang="en-US"/>
           </a:p>
@@ -877,7 +878,7 @@
           <p:cNvPr id="5" name="바닥글 개체 틀 4">
             <a:extLst>
               <a:ext uri="{FF2B5EF4-FFF2-40B4-BE49-F238E27FC236}">
-                <a16:creationId xmlns:a16="http://schemas.microsoft.com/office/drawing/2014/main" xmlns="" id="{219BE070-83CD-4A1F-9006-D11B22B3805E}"/>
+                <a16:creationId xmlns="" xmlns:a16="http://schemas.microsoft.com/office/drawing/2014/main" id="{219BE070-83CD-4A1F-9006-D11B22B3805E}"/>
               </a:ext>
             </a:extLst>
           </p:cNvPr>
@@ -902,7 +903,7 @@
           <p:cNvPr id="6" name="슬라이드 번호 개체 틀 5">
             <a:extLst>
               <a:ext uri="{FF2B5EF4-FFF2-40B4-BE49-F238E27FC236}">
-                <a16:creationId xmlns:a16="http://schemas.microsoft.com/office/drawing/2014/main" xmlns="" id="{9E996741-6FA4-4ECD-B30F-2C88B1566259}"/>
+                <a16:creationId xmlns="" xmlns:a16="http://schemas.microsoft.com/office/drawing/2014/main" id="{9E996741-6FA4-4ECD-B30F-2C88B1566259}"/>
               </a:ext>
             </a:extLst>
           </p:cNvPr>
@@ -961,7 +962,7 @@
           <p:cNvPr id="2" name="제목 1">
             <a:extLst>
               <a:ext uri="{FF2B5EF4-FFF2-40B4-BE49-F238E27FC236}">
-                <a16:creationId xmlns:a16="http://schemas.microsoft.com/office/drawing/2014/main" xmlns="" id="{0209848F-ED0D-4CD1-BFAD-B84A6CBC7C26}"/>
+                <a16:creationId xmlns="" xmlns:a16="http://schemas.microsoft.com/office/drawing/2014/main" id="{0209848F-ED0D-4CD1-BFAD-B84A6CBC7C26}"/>
               </a:ext>
             </a:extLst>
           </p:cNvPr>
@@ -998,7 +999,7 @@
           <p:cNvPr id="3" name="텍스트 개체 틀 2">
             <a:extLst>
               <a:ext uri="{FF2B5EF4-FFF2-40B4-BE49-F238E27FC236}">
-                <a16:creationId xmlns:a16="http://schemas.microsoft.com/office/drawing/2014/main" xmlns="" id="{F8648BDA-D60E-490D-BAC6-13D7D8737F92}"/>
+                <a16:creationId xmlns="" xmlns:a16="http://schemas.microsoft.com/office/drawing/2014/main" id="{F8648BDA-D60E-490D-BAC6-13D7D8737F92}"/>
               </a:ext>
             </a:extLst>
           </p:cNvPr>
@@ -1123,7 +1124,7 @@
           <p:cNvPr id="4" name="날짜 개체 틀 3">
             <a:extLst>
               <a:ext uri="{FF2B5EF4-FFF2-40B4-BE49-F238E27FC236}">
-                <a16:creationId xmlns:a16="http://schemas.microsoft.com/office/drawing/2014/main" xmlns="" id="{194813D0-14E8-4168-A592-047383F27B22}"/>
+                <a16:creationId xmlns="" xmlns:a16="http://schemas.microsoft.com/office/drawing/2014/main" id="{194813D0-14E8-4168-A592-047383F27B22}"/>
               </a:ext>
             </a:extLst>
           </p:cNvPr>
@@ -1141,7 +1142,7 @@
           <a:p>
             <a:fld id="{68E4AC84-9D0B-4907-B40A-7842A44BBA07}" type="datetimeFigureOut">
               <a:rPr lang="ko-KR" altLang="en-US" smtClean="0"/>
-              <a:t>2021-06-21</a:t>
+              <a:t>2021-06-29</a:t>
             </a:fld>
             <a:endParaRPr lang="ko-KR" altLang="en-US"/>
           </a:p>
@@ -1152,7 +1153,7 @@
           <p:cNvPr id="5" name="바닥글 개체 틀 4">
             <a:extLst>
               <a:ext uri="{FF2B5EF4-FFF2-40B4-BE49-F238E27FC236}">
-                <a16:creationId xmlns:a16="http://schemas.microsoft.com/office/drawing/2014/main" xmlns="" id="{E5F219B1-1116-4FDC-BF3E-B4A02B5CD1C2}"/>
+                <a16:creationId xmlns="" xmlns:a16="http://schemas.microsoft.com/office/drawing/2014/main" id="{E5F219B1-1116-4FDC-BF3E-B4A02B5CD1C2}"/>
               </a:ext>
             </a:extLst>
           </p:cNvPr>
@@ -1177,7 +1178,7 @@
           <p:cNvPr id="6" name="슬라이드 번호 개체 틀 5">
             <a:extLst>
               <a:ext uri="{FF2B5EF4-FFF2-40B4-BE49-F238E27FC236}">
-                <a16:creationId xmlns:a16="http://schemas.microsoft.com/office/drawing/2014/main" xmlns="" id="{673B3113-B1B8-48EA-B2B4-BB9616B0ECB6}"/>
+                <a16:creationId xmlns="" xmlns:a16="http://schemas.microsoft.com/office/drawing/2014/main" id="{673B3113-B1B8-48EA-B2B4-BB9616B0ECB6}"/>
               </a:ext>
             </a:extLst>
           </p:cNvPr>
@@ -1236,7 +1237,7 @@
           <p:cNvPr id="2" name="제목 1">
             <a:extLst>
               <a:ext uri="{FF2B5EF4-FFF2-40B4-BE49-F238E27FC236}">
-                <a16:creationId xmlns:a16="http://schemas.microsoft.com/office/drawing/2014/main" xmlns="" id="{5CC783B0-E58E-45E3-A956-71DDD1DEA916}"/>
+                <a16:creationId xmlns="" xmlns:a16="http://schemas.microsoft.com/office/drawing/2014/main" id="{5CC783B0-E58E-45E3-A956-71DDD1DEA916}"/>
               </a:ext>
             </a:extLst>
           </p:cNvPr>
@@ -1264,7 +1265,7 @@
           <p:cNvPr id="3" name="내용 개체 틀 2">
             <a:extLst>
               <a:ext uri="{FF2B5EF4-FFF2-40B4-BE49-F238E27FC236}">
-                <a16:creationId xmlns:a16="http://schemas.microsoft.com/office/drawing/2014/main" xmlns="" id="{E4B67569-DC9E-4BE2-813C-9F9E6B4178A6}"/>
+                <a16:creationId xmlns="" xmlns:a16="http://schemas.microsoft.com/office/drawing/2014/main" id="{E4B67569-DC9E-4BE2-813C-9F9E6B4178A6}"/>
               </a:ext>
             </a:extLst>
           </p:cNvPr>
@@ -1326,7 +1327,7 @@
           <p:cNvPr id="4" name="내용 개체 틀 3">
             <a:extLst>
               <a:ext uri="{FF2B5EF4-FFF2-40B4-BE49-F238E27FC236}">
-                <a16:creationId xmlns:a16="http://schemas.microsoft.com/office/drawing/2014/main" xmlns="" id="{ED021C7A-2BCA-42A1-9CF3-8B6B5C4D1757}"/>
+                <a16:creationId xmlns="" xmlns:a16="http://schemas.microsoft.com/office/drawing/2014/main" id="{ED021C7A-2BCA-42A1-9CF3-8B6B5C4D1757}"/>
               </a:ext>
             </a:extLst>
           </p:cNvPr>
@@ -1388,7 +1389,7 @@
           <p:cNvPr id="5" name="날짜 개체 틀 4">
             <a:extLst>
               <a:ext uri="{FF2B5EF4-FFF2-40B4-BE49-F238E27FC236}">
-                <a16:creationId xmlns:a16="http://schemas.microsoft.com/office/drawing/2014/main" xmlns="" id="{B874C3BA-9EDD-45E8-B90F-D6710AD56966}"/>
+                <a16:creationId xmlns="" xmlns:a16="http://schemas.microsoft.com/office/drawing/2014/main" id="{B874C3BA-9EDD-45E8-B90F-D6710AD56966}"/>
               </a:ext>
             </a:extLst>
           </p:cNvPr>
@@ -1406,7 +1407,7 @@
           <a:p>
             <a:fld id="{68E4AC84-9D0B-4907-B40A-7842A44BBA07}" type="datetimeFigureOut">
               <a:rPr lang="ko-KR" altLang="en-US" smtClean="0"/>
-              <a:t>2021-06-21</a:t>
+              <a:t>2021-06-29</a:t>
             </a:fld>
             <a:endParaRPr lang="ko-KR" altLang="en-US"/>
           </a:p>
@@ -1417,7 +1418,7 @@
           <p:cNvPr id="6" name="바닥글 개체 틀 5">
             <a:extLst>
               <a:ext uri="{FF2B5EF4-FFF2-40B4-BE49-F238E27FC236}">
-                <a16:creationId xmlns:a16="http://schemas.microsoft.com/office/drawing/2014/main" xmlns="" id="{89D6A7A6-B6D3-4334-A4F6-4CAD144CEBC1}"/>
+                <a16:creationId xmlns="" xmlns:a16="http://schemas.microsoft.com/office/drawing/2014/main" id="{89D6A7A6-B6D3-4334-A4F6-4CAD144CEBC1}"/>
               </a:ext>
             </a:extLst>
           </p:cNvPr>
@@ -1442,7 +1443,7 @@
           <p:cNvPr id="7" name="슬라이드 번호 개체 틀 6">
             <a:extLst>
               <a:ext uri="{FF2B5EF4-FFF2-40B4-BE49-F238E27FC236}">
-                <a16:creationId xmlns:a16="http://schemas.microsoft.com/office/drawing/2014/main" xmlns="" id="{07D6CC4E-156B-4F4A-8806-33D280BA21A4}"/>
+                <a16:creationId xmlns="" xmlns:a16="http://schemas.microsoft.com/office/drawing/2014/main" id="{07D6CC4E-156B-4F4A-8806-33D280BA21A4}"/>
               </a:ext>
             </a:extLst>
           </p:cNvPr>
@@ -1501,7 +1502,7 @@
           <p:cNvPr id="2" name="제목 1">
             <a:extLst>
               <a:ext uri="{FF2B5EF4-FFF2-40B4-BE49-F238E27FC236}">
-                <a16:creationId xmlns:a16="http://schemas.microsoft.com/office/drawing/2014/main" xmlns="" id="{002E2470-6192-444B-A3B0-95C61C230D23}"/>
+                <a16:creationId xmlns="" xmlns:a16="http://schemas.microsoft.com/office/drawing/2014/main" id="{002E2470-6192-444B-A3B0-95C61C230D23}"/>
               </a:ext>
             </a:extLst>
           </p:cNvPr>
@@ -1534,7 +1535,7 @@
           <p:cNvPr id="3" name="텍스트 개체 틀 2">
             <a:extLst>
               <a:ext uri="{FF2B5EF4-FFF2-40B4-BE49-F238E27FC236}">
-                <a16:creationId xmlns:a16="http://schemas.microsoft.com/office/drawing/2014/main" xmlns="" id="{232C3042-B39A-4154-80D5-44979CC1897B}"/>
+                <a16:creationId xmlns="" xmlns:a16="http://schemas.microsoft.com/office/drawing/2014/main" id="{232C3042-B39A-4154-80D5-44979CC1897B}"/>
               </a:ext>
             </a:extLst>
           </p:cNvPr>
@@ -1605,7 +1606,7 @@
           <p:cNvPr id="4" name="내용 개체 틀 3">
             <a:extLst>
               <a:ext uri="{FF2B5EF4-FFF2-40B4-BE49-F238E27FC236}">
-                <a16:creationId xmlns:a16="http://schemas.microsoft.com/office/drawing/2014/main" xmlns="" id="{177A3D28-E61D-4637-9523-5AE51910C79E}"/>
+                <a16:creationId xmlns="" xmlns:a16="http://schemas.microsoft.com/office/drawing/2014/main" id="{177A3D28-E61D-4637-9523-5AE51910C79E}"/>
               </a:ext>
             </a:extLst>
           </p:cNvPr>
@@ -1667,7 +1668,7 @@
           <p:cNvPr id="5" name="텍스트 개체 틀 4">
             <a:extLst>
               <a:ext uri="{FF2B5EF4-FFF2-40B4-BE49-F238E27FC236}">
-                <a16:creationId xmlns:a16="http://schemas.microsoft.com/office/drawing/2014/main" xmlns="" id="{3B4CB177-8D51-466E-94D3-B942E6BDCAF1}"/>
+                <a16:creationId xmlns="" xmlns:a16="http://schemas.microsoft.com/office/drawing/2014/main" id="{3B4CB177-8D51-466E-94D3-B942E6BDCAF1}"/>
               </a:ext>
             </a:extLst>
           </p:cNvPr>
@@ -1738,7 +1739,7 @@
           <p:cNvPr id="6" name="내용 개체 틀 5">
             <a:extLst>
               <a:ext uri="{FF2B5EF4-FFF2-40B4-BE49-F238E27FC236}">
-                <a16:creationId xmlns:a16="http://schemas.microsoft.com/office/drawing/2014/main" xmlns="" id="{FCC27AE7-F123-4093-8D55-B1E7D886BAAE}"/>
+                <a16:creationId xmlns="" xmlns:a16="http://schemas.microsoft.com/office/drawing/2014/main" id="{FCC27AE7-F123-4093-8D55-B1E7D886BAAE}"/>
               </a:ext>
             </a:extLst>
           </p:cNvPr>
@@ -1800,7 +1801,7 @@
           <p:cNvPr id="7" name="날짜 개체 틀 6">
             <a:extLst>
               <a:ext uri="{FF2B5EF4-FFF2-40B4-BE49-F238E27FC236}">
-                <a16:creationId xmlns:a16="http://schemas.microsoft.com/office/drawing/2014/main" xmlns="" id="{4EF5F44B-4B10-4CE4-84DF-61CB982F46C4}"/>
+                <a16:creationId xmlns="" xmlns:a16="http://schemas.microsoft.com/office/drawing/2014/main" id="{4EF5F44B-4B10-4CE4-84DF-61CB982F46C4}"/>
               </a:ext>
             </a:extLst>
           </p:cNvPr>
@@ -1818,7 +1819,7 @@
           <a:p>
             <a:fld id="{68E4AC84-9D0B-4907-B40A-7842A44BBA07}" type="datetimeFigureOut">
               <a:rPr lang="ko-KR" altLang="en-US" smtClean="0"/>
-              <a:t>2021-06-21</a:t>
+              <a:t>2021-06-29</a:t>
             </a:fld>
             <a:endParaRPr lang="ko-KR" altLang="en-US"/>
           </a:p>
@@ -1829,7 +1830,7 @@
           <p:cNvPr id="8" name="바닥글 개체 틀 7">
             <a:extLst>
               <a:ext uri="{FF2B5EF4-FFF2-40B4-BE49-F238E27FC236}">
-                <a16:creationId xmlns:a16="http://schemas.microsoft.com/office/drawing/2014/main" xmlns="" id="{985E034B-E71B-4030-9EFD-A4747CD80D8E}"/>
+                <a16:creationId xmlns="" xmlns:a16="http://schemas.microsoft.com/office/drawing/2014/main" id="{985E034B-E71B-4030-9EFD-A4747CD80D8E}"/>
               </a:ext>
             </a:extLst>
           </p:cNvPr>
@@ -1854,7 +1855,7 @@
           <p:cNvPr id="9" name="슬라이드 번호 개체 틀 8">
             <a:extLst>
               <a:ext uri="{FF2B5EF4-FFF2-40B4-BE49-F238E27FC236}">
-                <a16:creationId xmlns:a16="http://schemas.microsoft.com/office/drawing/2014/main" xmlns="" id="{AB72CB64-E8EE-46AA-A128-255F121799A8}"/>
+                <a16:creationId xmlns="" xmlns:a16="http://schemas.microsoft.com/office/drawing/2014/main" id="{AB72CB64-E8EE-46AA-A128-255F121799A8}"/>
               </a:ext>
             </a:extLst>
           </p:cNvPr>
@@ -1913,7 +1914,7 @@
           <p:cNvPr id="2" name="제목 1">
             <a:extLst>
               <a:ext uri="{FF2B5EF4-FFF2-40B4-BE49-F238E27FC236}">
-                <a16:creationId xmlns:a16="http://schemas.microsoft.com/office/drawing/2014/main" xmlns="" id="{AEF8F40F-4397-4FDF-A5D5-88B4E3513C2B}"/>
+                <a16:creationId xmlns="" xmlns:a16="http://schemas.microsoft.com/office/drawing/2014/main" id="{AEF8F40F-4397-4FDF-A5D5-88B4E3513C2B}"/>
               </a:ext>
             </a:extLst>
           </p:cNvPr>
@@ -1941,7 +1942,7 @@
           <p:cNvPr id="3" name="날짜 개체 틀 2">
             <a:extLst>
               <a:ext uri="{FF2B5EF4-FFF2-40B4-BE49-F238E27FC236}">
-                <a16:creationId xmlns:a16="http://schemas.microsoft.com/office/drawing/2014/main" xmlns="" id="{EBB36E9A-9689-47BC-AA19-5BFB91C597BF}"/>
+                <a16:creationId xmlns="" xmlns:a16="http://schemas.microsoft.com/office/drawing/2014/main" id="{EBB36E9A-9689-47BC-AA19-5BFB91C597BF}"/>
               </a:ext>
             </a:extLst>
           </p:cNvPr>
@@ -1959,7 +1960,7 @@
           <a:p>
             <a:fld id="{68E4AC84-9D0B-4907-B40A-7842A44BBA07}" type="datetimeFigureOut">
               <a:rPr lang="ko-KR" altLang="en-US" smtClean="0"/>
-              <a:t>2021-06-21</a:t>
+              <a:t>2021-06-29</a:t>
             </a:fld>
             <a:endParaRPr lang="ko-KR" altLang="en-US"/>
           </a:p>
@@ -1970,7 +1971,7 @@
           <p:cNvPr id="4" name="바닥글 개체 틀 3">
             <a:extLst>
               <a:ext uri="{FF2B5EF4-FFF2-40B4-BE49-F238E27FC236}">
-                <a16:creationId xmlns:a16="http://schemas.microsoft.com/office/drawing/2014/main" xmlns="" id="{16ED28E3-FA87-4DC6-BBF5-2523AE235996}"/>
+                <a16:creationId xmlns="" xmlns:a16="http://schemas.microsoft.com/office/drawing/2014/main" id="{16ED28E3-FA87-4DC6-BBF5-2523AE235996}"/>
               </a:ext>
             </a:extLst>
           </p:cNvPr>
@@ -1995,7 +1996,7 @@
           <p:cNvPr id="5" name="슬라이드 번호 개체 틀 4">
             <a:extLst>
               <a:ext uri="{FF2B5EF4-FFF2-40B4-BE49-F238E27FC236}">
-                <a16:creationId xmlns:a16="http://schemas.microsoft.com/office/drawing/2014/main" xmlns="" id="{7B5FFF4C-5230-4EE9-A873-C55D50A00E20}"/>
+                <a16:creationId xmlns="" xmlns:a16="http://schemas.microsoft.com/office/drawing/2014/main" id="{7B5FFF4C-5230-4EE9-A873-C55D50A00E20}"/>
               </a:ext>
             </a:extLst>
           </p:cNvPr>
@@ -2054,7 +2055,7 @@
           <p:cNvPr id="2" name="날짜 개체 틀 1">
             <a:extLst>
               <a:ext uri="{FF2B5EF4-FFF2-40B4-BE49-F238E27FC236}">
-                <a16:creationId xmlns:a16="http://schemas.microsoft.com/office/drawing/2014/main" xmlns="" id="{35F21E98-0C1F-41DE-94BD-D0A36AD2D29C}"/>
+                <a16:creationId xmlns="" xmlns:a16="http://schemas.microsoft.com/office/drawing/2014/main" id="{35F21E98-0C1F-41DE-94BD-D0A36AD2D29C}"/>
               </a:ext>
             </a:extLst>
           </p:cNvPr>
@@ -2072,7 +2073,7 @@
           <a:p>
             <a:fld id="{68E4AC84-9D0B-4907-B40A-7842A44BBA07}" type="datetimeFigureOut">
               <a:rPr lang="ko-KR" altLang="en-US" smtClean="0"/>
-              <a:t>2021-06-21</a:t>
+              <a:t>2021-06-29</a:t>
             </a:fld>
             <a:endParaRPr lang="ko-KR" altLang="en-US"/>
           </a:p>
@@ -2083,7 +2084,7 @@
           <p:cNvPr id="3" name="바닥글 개체 틀 2">
             <a:extLst>
               <a:ext uri="{FF2B5EF4-FFF2-40B4-BE49-F238E27FC236}">
-                <a16:creationId xmlns:a16="http://schemas.microsoft.com/office/drawing/2014/main" xmlns="" id="{D120FB64-D602-4C0B-B949-F06FDF4440C7}"/>
+                <a16:creationId xmlns="" xmlns:a16="http://schemas.microsoft.com/office/drawing/2014/main" id="{D120FB64-D602-4C0B-B949-F06FDF4440C7}"/>
               </a:ext>
             </a:extLst>
           </p:cNvPr>
@@ -2108,7 +2109,7 @@
           <p:cNvPr id="4" name="슬라이드 번호 개체 틀 3">
             <a:extLst>
               <a:ext uri="{FF2B5EF4-FFF2-40B4-BE49-F238E27FC236}">
-                <a16:creationId xmlns:a16="http://schemas.microsoft.com/office/drawing/2014/main" xmlns="" id="{7034A2F1-467E-4E0F-80BF-14F0BD523EF3}"/>
+                <a16:creationId xmlns="" xmlns:a16="http://schemas.microsoft.com/office/drawing/2014/main" id="{7034A2F1-467E-4E0F-80BF-14F0BD523EF3}"/>
               </a:ext>
             </a:extLst>
           </p:cNvPr>
@@ -2167,7 +2168,7 @@
           <p:cNvPr id="2" name="제목 1">
             <a:extLst>
               <a:ext uri="{FF2B5EF4-FFF2-40B4-BE49-F238E27FC236}">
-                <a16:creationId xmlns:a16="http://schemas.microsoft.com/office/drawing/2014/main" xmlns="" id="{6016A49F-5A88-41A2-83FE-688E4FE2F7A2}"/>
+                <a16:creationId xmlns="" xmlns:a16="http://schemas.microsoft.com/office/drawing/2014/main" id="{6016A49F-5A88-41A2-83FE-688E4FE2F7A2}"/>
               </a:ext>
             </a:extLst>
           </p:cNvPr>
@@ -2204,7 +2205,7 @@
           <p:cNvPr id="3" name="내용 개체 틀 2">
             <a:extLst>
               <a:ext uri="{FF2B5EF4-FFF2-40B4-BE49-F238E27FC236}">
-                <a16:creationId xmlns:a16="http://schemas.microsoft.com/office/drawing/2014/main" xmlns="" id="{3949AC53-B2A8-4903-9A08-5539EF9A0A71}"/>
+                <a16:creationId xmlns="" xmlns:a16="http://schemas.microsoft.com/office/drawing/2014/main" id="{3949AC53-B2A8-4903-9A08-5539EF9A0A71}"/>
               </a:ext>
             </a:extLst>
           </p:cNvPr>
@@ -2294,7 +2295,7 @@
           <p:cNvPr id="4" name="텍스트 개체 틀 3">
             <a:extLst>
               <a:ext uri="{FF2B5EF4-FFF2-40B4-BE49-F238E27FC236}">
-                <a16:creationId xmlns:a16="http://schemas.microsoft.com/office/drawing/2014/main" xmlns="" id="{A5A2EE3C-01CD-46FF-B520-0CB0E9C792FD}"/>
+                <a16:creationId xmlns="" xmlns:a16="http://schemas.microsoft.com/office/drawing/2014/main" id="{A5A2EE3C-01CD-46FF-B520-0CB0E9C792FD}"/>
               </a:ext>
             </a:extLst>
           </p:cNvPr>
@@ -2365,7 +2366,7 @@
           <p:cNvPr id="5" name="날짜 개체 틀 4">
             <a:extLst>
               <a:ext uri="{FF2B5EF4-FFF2-40B4-BE49-F238E27FC236}">
-                <a16:creationId xmlns:a16="http://schemas.microsoft.com/office/drawing/2014/main" xmlns="" id="{4410F14A-0993-4DD0-AEC0-57479592E028}"/>
+                <a16:creationId xmlns="" xmlns:a16="http://schemas.microsoft.com/office/drawing/2014/main" id="{4410F14A-0993-4DD0-AEC0-57479592E028}"/>
               </a:ext>
             </a:extLst>
           </p:cNvPr>
@@ -2383,7 +2384,7 @@
           <a:p>
             <a:fld id="{68E4AC84-9D0B-4907-B40A-7842A44BBA07}" type="datetimeFigureOut">
               <a:rPr lang="ko-KR" altLang="en-US" smtClean="0"/>
-              <a:t>2021-06-21</a:t>
+              <a:t>2021-06-29</a:t>
             </a:fld>
             <a:endParaRPr lang="ko-KR" altLang="en-US"/>
           </a:p>
@@ -2394,7 +2395,7 @@
           <p:cNvPr id="6" name="바닥글 개체 틀 5">
             <a:extLst>
               <a:ext uri="{FF2B5EF4-FFF2-40B4-BE49-F238E27FC236}">
-                <a16:creationId xmlns:a16="http://schemas.microsoft.com/office/drawing/2014/main" xmlns="" id="{87BFC81E-59B1-40AA-9EF8-39726CCBC8C6}"/>
+                <a16:creationId xmlns="" xmlns:a16="http://schemas.microsoft.com/office/drawing/2014/main" id="{87BFC81E-59B1-40AA-9EF8-39726CCBC8C6}"/>
               </a:ext>
             </a:extLst>
           </p:cNvPr>
@@ -2419,7 +2420,7 @@
           <p:cNvPr id="7" name="슬라이드 번호 개체 틀 6">
             <a:extLst>
               <a:ext uri="{FF2B5EF4-FFF2-40B4-BE49-F238E27FC236}">
-                <a16:creationId xmlns:a16="http://schemas.microsoft.com/office/drawing/2014/main" xmlns="" id="{BE224A03-62D7-4837-A9B9-502B3CFF0CA1}"/>
+                <a16:creationId xmlns="" xmlns:a16="http://schemas.microsoft.com/office/drawing/2014/main" id="{BE224A03-62D7-4837-A9B9-502B3CFF0CA1}"/>
               </a:ext>
             </a:extLst>
           </p:cNvPr>
@@ -2478,7 +2479,7 @@
           <p:cNvPr id="2" name="제목 1">
             <a:extLst>
               <a:ext uri="{FF2B5EF4-FFF2-40B4-BE49-F238E27FC236}">
-                <a16:creationId xmlns:a16="http://schemas.microsoft.com/office/drawing/2014/main" xmlns="" id="{6820D006-DADA-4E0F-85F6-2AE0BF5F9BD9}"/>
+                <a16:creationId xmlns="" xmlns:a16="http://schemas.microsoft.com/office/drawing/2014/main" id="{6820D006-DADA-4E0F-85F6-2AE0BF5F9BD9}"/>
               </a:ext>
             </a:extLst>
           </p:cNvPr>
@@ -2515,7 +2516,7 @@
           <p:cNvPr id="3" name="그림 개체 틀 2">
             <a:extLst>
               <a:ext uri="{FF2B5EF4-FFF2-40B4-BE49-F238E27FC236}">
-                <a16:creationId xmlns:a16="http://schemas.microsoft.com/office/drawing/2014/main" xmlns="" id="{15065FCD-F315-4F45-8B8F-C8AA9CFE7558}"/>
+                <a16:creationId xmlns="" xmlns:a16="http://schemas.microsoft.com/office/drawing/2014/main" id="{15065FCD-F315-4F45-8B8F-C8AA9CFE7558}"/>
               </a:ext>
             </a:extLst>
           </p:cNvPr>
@@ -2582,7 +2583,7 @@
           <p:cNvPr id="4" name="텍스트 개체 틀 3">
             <a:extLst>
               <a:ext uri="{FF2B5EF4-FFF2-40B4-BE49-F238E27FC236}">
-                <a16:creationId xmlns:a16="http://schemas.microsoft.com/office/drawing/2014/main" xmlns="" id="{0B2F3633-7591-4EE6-80E2-B6BE56D06676}"/>
+                <a16:creationId xmlns="" xmlns:a16="http://schemas.microsoft.com/office/drawing/2014/main" id="{0B2F3633-7591-4EE6-80E2-B6BE56D06676}"/>
               </a:ext>
             </a:extLst>
           </p:cNvPr>
@@ -2653,7 +2654,7 @@
           <p:cNvPr id="5" name="날짜 개체 틀 4">
             <a:extLst>
               <a:ext uri="{FF2B5EF4-FFF2-40B4-BE49-F238E27FC236}">
-                <a16:creationId xmlns:a16="http://schemas.microsoft.com/office/drawing/2014/main" xmlns="" id="{668B9296-C06C-4BB0-9161-9BC987F25CBA}"/>
+                <a16:creationId xmlns="" xmlns:a16="http://schemas.microsoft.com/office/drawing/2014/main" id="{668B9296-C06C-4BB0-9161-9BC987F25CBA}"/>
               </a:ext>
             </a:extLst>
           </p:cNvPr>
@@ -2671,7 +2672,7 @@
           <a:p>
             <a:fld id="{68E4AC84-9D0B-4907-B40A-7842A44BBA07}" type="datetimeFigureOut">
               <a:rPr lang="ko-KR" altLang="en-US" smtClean="0"/>
-              <a:t>2021-06-21</a:t>
+              <a:t>2021-06-29</a:t>
             </a:fld>
             <a:endParaRPr lang="ko-KR" altLang="en-US"/>
           </a:p>
@@ -2682,7 +2683,7 @@
           <p:cNvPr id="6" name="바닥글 개체 틀 5">
             <a:extLst>
               <a:ext uri="{FF2B5EF4-FFF2-40B4-BE49-F238E27FC236}">
-                <a16:creationId xmlns:a16="http://schemas.microsoft.com/office/drawing/2014/main" xmlns="" id="{89C9091E-2431-40B4-9754-89A845C10572}"/>
+                <a16:creationId xmlns="" xmlns:a16="http://schemas.microsoft.com/office/drawing/2014/main" id="{89C9091E-2431-40B4-9754-89A845C10572}"/>
               </a:ext>
             </a:extLst>
           </p:cNvPr>
@@ -2707,7 +2708,7 @@
           <p:cNvPr id="7" name="슬라이드 번호 개체 틀 6">
             <a:extLst>
               <a:ext uri="{FF2B5EF4-FFF2-40B4-BE49-F238E27FC236}">
-                <a16:creationId xmlns:a16="http://schemas.microsoft.com/office/drawing/2014/main" xmlns="" id="{7D3BA3A0-7973-4D9A-B31A-D8A7EDE38D0E}"/>
+                <a16:creationId xmlns="" xmlns:a16="http://schemas.microsoft.com/office/drawing/2014/main" id="{7D3BA3A0-7973-4D9A-B31A-D8A7EDE38D0E}"/>
               </a:ext>
             </a:extLst>
           </p:cNvPr>
@@ -2771,7 +2772,7 @@
           <p:cNvPr id="2" name="제목 개체 틀 1">
             <a:extLst>
               <a:ext uri="{FF2B5EF4-FFF2-40B4-BE49-F238E27FC236}">
-                <a16:creationId xmlns:a16="http://schemas.microsoft.com/office/drawing/2014/main" xmlns="" id="{03CAFE74-71B2-43D6-B59D-BB06350B4F98}"/>
+                <a16:creationId xmlns="" xmlns:a16="http://schemas.microsoft.com/office/drawing/2014/main" id="{03CAFE74-71B2-43D6-B59D-BB06350B4F98}"/>
               </a:ext>
             </a:extLst>
           </p:cNvPr>
@@ -2809,7 +2810,7 @@
           <p:cNvPr id="3" name="텍스트 개체 틀 2">
             <a:extLst>
               <a:ext uri="{FF2B5EF4-FFF2-40B4-BE49-F238E27FC236}">
-                <a16:creationId xmlns:a16="http://schemas.microsoft.com/office/drawing/2014/main" xmlns="" id="{AC1CDCF7-B90A-48CC-B538-E403C1797D13}"/>
+                <a16:creationId xmlns="" xmlns:a16="http://schemas.microsoft.com/office/drawing/2014/main" id="{AC1CDCF7-B90A-48CC-B538-E403C1797D13}"/>
               </a:ext>
             </a:extLst>
           </p:cNvPr>
@@ -2876,7 +2877,7 @@
           <p:cNvPr id="4" name="날짜 개체 틀 3">
             <a:extLst>
               <a:ext uri="{FF2B5EF4-FFF2-40B4-BE49-F238E27FC236}">
-                <a16:creationId xmlns:a16="http://schemas.microsoft.com/office/drawing/2014/main" xmlns="" id="{65080B58-1334-4397-815E-53DC3EF258B1}"/>
+                <a16:creationId xmlns="" xmlns:a16="http://schemas.microsoft.com/office/drawing/2014/main" id="{65080B58-1334-4397-815E-53DC3EF258B1}"/>
               </a:ext>
             </a:extLst>
           </p:cNvPr>
@@ -2912,7 +2913,7 @@
           <a:p>
             <a:fld id="{68E4AC84-9D0B-4907-B40A-7842A44BBA07}" type="datetimeFigureOut">
               <a:rPr lang="ko-KR" altLang="en-US" smtClean="0"/>
-              <a:t>2021-06-21</a:t>
+              <a:t>2021-06-29</a:t>
             </a:fld>
             <a:endParaRPr lang="ko-KR" altLang="en-US"/>
           </a:p>
@@ -2923,7 +2924,7 @@
           <p:cNvPr id="5" name="바닥글 개체 틀 4">
             <a:extLst>
               <a:ext uri="{FF2B5EF4-FFF2-40B4-BE49-F238E27FC236}">
-                <a16:creationId xmlns:a16="http://schemas.microsoft.com/office/drawing/2014/main" xmlns="" id="{A2171A12-EC13-4527-9F01-81CD24D4FE7F}"/>
+                <a16:creationId xmlns="" xmlns:a16="http://schemas.microsoft.com/office/drawing/2014/main" id="{A2171A12-EC13-4527-9F01-81CD24D4FE7F}"/>
               </a:ext>
             </a:extLst>
           </p:cNvPr>
@@ -2966,7 +2967,7 @@
           <p:cNvPr id="6" name="슬라이드 번호 개체 틀 5">
             <a:extLst>
               <a:ext uri="{FF2B5EF4-FFF2-40B4-BE49-F238E27FC236}">
-                <a16:creationId xmlns:a16="http://schemas.microsoft.com/office/drawing/2014/main" xmlns="" id="{F6C9E1DD-87D5-4A6A-94C2-588923E6386C}"/>
+                <a16:creationId xmlns="" xmlns:a16="http://schemas.microsoft.com/office/drawing/2014/main" id="{F6C9E1DD-87D5-4A6A-94C2-588923E6386C}"/>
               </a:ext>
             </a:extLst>
           </p:cNvPr>
@@ -3336,7 +3337,7 @@
               <p:cNvPr id="4" name="TextBox 3">
                 <a:extLst>
                   <a:ext uri="{FF2B5EF4-FFF2-40B4-BE49-F238E27FC236}">
-                    <a16:creationId xmlns:a16="http://schemas.microsoft.com/office/drawing/2014/main" xmlns="" id="{F34F46D6-FE84-46CE-A94E-97A1E2B0B647}"/>
+                    <a16:creationId xmlns="" xmlns:a16="http://schemas.microsoft.com/office/drawing/2014/main" id="{F34F46D6-FE84-46CE-A94E-97A1E2B0B647}"/>
                   </a:ext>
                 </a:extLst>
               </p:cNvPr>
@@ -3444,7 +3445,7 @@
               <p:cNvPr id="5" name="TextBox 4">
                 <a:extLst>
                   <a:ext uri="{FF2B5EF4-FFF2-40B4-BE49-F238E27FC236}">
-                    <a16:creationId xmlns:a16="http://schemas.microsoft.com/office/drawing/2014/main" xmlns="" id="{4B7F7B80-DA81-41D1-AB8E-BC560CA90E42}"/>
+                    <a16:creationId xmlns="" xmlns:a16="http://schemas.microsoft.com/office/drawing/2014/main" id="{4B7F7B80-DA81-41D1-AB8E-BC560CA90E42}"/>
                   </a:ext>
                 </a:extLst>
               </p:cNvPr>
@@ -4071,7 +4072,7 @@
               <p:cNvPr id="7" name="TextBox 6">
                 <a:extLst>
                   <a:ext uri="{FF2B5EF4-FFF2-40B4-BE49-F238E27FC236}">
-                    <a16:creationId xmlns:a16="http://schemas.microsoft.com/office/drawing/2014/main" xmlns="" id="{37B607A9-E2C5-45FB-9311-6A4CF92D2B7F}"/>
+                    <a16:creationId xmlns="" xmlns:a16="http://schemas.microsoft.com/office/drawing/2014/main" id="{37B607A9-E2C5-45FB-9311-6A4CF92D2B7F}"/>
                   </a:ext>
                 </a:extLst>
               </p:cNvPr>
@@ -4185,7 +4186,7 @@
               <p:cNvPr id="8" name="TextBox 7">
                 <a:extLst>
                   <a:ext uri="{FF2B5EF4-FFF2-40B4-BE49-F238E27FC236}">
-                    <a16:creationId xmlns:a16="http://schemas.microsoft.com/office/drawing/2014/main" xmlns="" id="{74A4CDE9-564D-4577-9B20-F6BE76B49A11}"/>
+                    <a16:creationId xmlns="" xmlns:a16="http://schemas.microsoft.com/office/drawing/2014/main" id="{74A4CDE9-564D-4577-9B20-F6BE76B49A11}"/>
                   </a:ext>
                 </a:extLst>
               </p:cNvPr>
@@ -4752,7 +4753,7 @@
               <p:cNvPr id="9" name="TextBox 8">
                 <a:extLst>
                   <a:ext uri="{FF2B5EF4-FFF2-40B4-BE49-F238E27FC236}">
-                    <a16:creationId xmlns:a16="http://schemas.microsoft.com/office/drawing/2014/main" xmlns="" id="{5ECA733F-061C-4EE8-8AF3-82841742D6E1}"/>
+                    <a16:creationId xmlns="" xmlns:a16="http://schemas.microsoft.com/office/drawing/2014/main" id="{5ECA733F-061C-4EE8-8AF3-82841742D6E1}"/>
                   </a:ext>
                 </a:extLst>
               </p:cNvPr>
@@ -5527,7 +5528,7 @@
           <p:cNvPr id="11" name="직사각형 10">
             <a:extLst>
               <a:ext uri="{FF2B5EF4-FFF2-40B4-BE49-F238E27FC236}">
-                <a16:creationId xmlns:a16="http://schemas.microsoft.com/office/drawing/2014/main" xmlns="" id="{EC07FC50-5869-434D-B327-BA5A06AD9846}"/>
+                <a16:creationId xmlns="" xmlns:a16="http://schemas.microsoft.com/office/drawing/2014/main" id="{EC07FC50-5869-434D-B327-BA5A06AD9846}"/>
               </a:ext>
             </a:extLst>
           </p:cNvPr>
@@ -5579,7 +5580,7 @@
           <p:cNvPr id="12" name="직사각형 11">
             <a:extLst>
               <a:ext uri="{FF2B5EF4-FFF2-40B4-BE49-F238E27FC236}">
-                <a16:creationId xmlns:a16="http://schemas.microsoft.com/office/drawing/2014/main" xmlns="" id="{2985F8F7-35F1-4E55-A515-D79AEDF5390D}"/>
+                <a16:creationId xmlns="" xmlns:a16="http://schemas.microsoft.com/office/drawing/2014/main" id="{2985F8F7-35F1-4E55-A515-D79AEDF5390D}"/>
               </a:ext>
             </a:extLst>
           </p:cNvPr>
@@ -5631,7 +5632,7 @@
           <p:cNvPr id="13" name="직사각형 12">
             <a:extLst>
               <a:ext uri="{FF2B5EF4-FFF2-40B4-BE49-F238E27FC236}">
-                <a16:creationId xmlns:a16="http://schemas.microsoft.com/office/drawing/2014/main" xmlns="" id="{EC6677BE-F9DC-4204-94B2-CF9876300807}"/>
+                <a16:creationId xmlns="" xmlns:a16="http://schemas.microsoft.com/office/drawing/2014/main" id="{EC6677BE-F9DC-4204-94B2-CF9876300807}"/>
               </a:ext>
             </a:extLst>
           </p:cNvPr>
@@ -5683,7 +5684,7 @@
           <p:cNvPr id="15" name="연결선: 꺾임 14">
             <a:extLst>
               <a:ext uri="{FF2B5EF4-FFF2-40B4-BE49-F238E27FC236}">
-                <a16:creationId xmlns:a16="http://schemas.microsoft.com/office/drawing/2014/main" xmlns="" id="{5BF2169F-BCBB-4B4D-86D9-EF1F48FDA2DB}"/>
+                <a16:creationId xmlns="" xmlns:a16="http://schemas.microsoft.com/office/drawing/2014/main" id="{5BF2169F-BCBB-4B4D-86D9-EF1F48FDA2DB}"/>
               </a:ext>
             </a:extLst>
           </p:cNvPr>
@@ -5728,7 +5729,7 @@
           <p:cNvPr id="16" name="연결선: 꺾임 15">
             <a:extLst>
               <a:ext uri="{FF2B5EF4-FFF2-40B4-BE49-F238E27FC236}">
-                <a16:creationId xmlns:a16="http://schemas.microsoft.com/office/drawing/2014/main" xmlns="" id="{08DAF2D8-3CC9-484C-9F5D-3AFC6F51A9EB}"/>
+                <a16:creationId xmlns="" xmlns:a16="http://schemas.microsoft.com/office/drawing/2014/main" id="{08DAF2D8-3CC9-484C-9F5D-3AFC6F51A9EB}"/>
               </a:ext>
             </a:extLst>
           </p:cNvPr>
@@ -5773,7 +5774,7 @@
           <p:cNvPr id="22" name="직선 화살표 연결선 21">
             <a:extLst>
               <a:ext uri="{FF2B5EF4-FFF2-40B4-BE49-F238E27FC236}">
-                <a16:creationId xmlns:a16="http://schemas.microsoft.com/office/drawing/2014/main" xmlns="" id="{BAAAC0B8-DD48-4B1B-A5CF-7F66ACB4A93B}"/>
+                <a16:creationId xmlns="" xmlns:a16="http://schemas.microsoft.com/office/drawing/2014/main" id="{BAAAC0B8-DD48-4B1B-A5CF-7F66ACB4A93B}"/>
               </a:ext>
             </a:extLst>
           </p:cNvPr>
@@ -5819,7 +5820,7 @@
           <p:cNvPr id="23" name="TextBox 22">
             <a:extLst>
               <a:ext uri="{FF2B5EF4-FFF2-40B4-BE49-F238E27FC236}">
-                <a16:creationId xmlns:a16="http://schemas.microsoft.com/office/drawing/2014/main" xmlns="" id="{A6BCFE26-2DA0-4D5A-B7C6-79668BCF3812}"/>
+                <a16:creationId xmlns="" xmlns:a16="http://schemas.microsoft.com/office/drawing/2014/main" id="{A6BCFE26-2DA0-4D5A-B7C6-79668BCF3812}"/>
               </a:ext>
             </a:extLst>
           </p:cNvPr>
@@ -5908,7 +5909,7 @@
           <p:cNvPr id="6" name="직선 연결선 5">
             <a:extLst>
               <a:ext uri="{FF2B5EF4-FFF2-40B4-BE49-F238E27FC236}">
-                <a16:creationId xmlns:a16="http://schemas.microsoft.com/office/drawing/2014/main" xmlns="" id="{31654EA8-B9F1-411B-924F-A39AFFF25FE4}"/>
+                <a16:creationId xmlns="" xmlns:a16="http://schemas.microsoft.com/office/drawing/2014/main" id="{31654EA8-B9F1-411B-924F-A39AFFF25FE4}"/>
               </a:ext>
             </a:extLst>
           </p:cNvPr>
@@ -5947,7 +5948,7 @@
           <p:cNvPr id="7" name="직선 연결선 6">
             <a:extLst>
               <a:ext uri="{FF2B5EF4-FFF2-40B4-BE49-F238E27FC236}">
-                <a16:creationId xmlns:a16="http://schemas.microsoft.com/office/drawing/2014/main" xmlns="" id="{4E07B35E-E95F-4959-B154-E7714662533C}"/>
+                <a16:creationId xmlns="" xmlns:a16="http://schemas.microsoft.com/office/drawing/2014/main" id="{4E07B35E-E95F-4959-B154-E7714662533C}"/>
               </a:ext>
             </a:extLst>
           </p:cNvPr>
@@ -5984,7 +5985,7 @@
           <p:cNvPr id="8" name="직선 연결선 7">
             <a:extLst>
               <a:ext uri="{FF2B5EF4-FFF2-40B4-BE49-F238E27FC236}">
-                <a16:creationId xmlns:a16="http://schemas.microsoft.com/office/drawing/2014/main" xmlns="" id="{E4FFF66C-C336-47F1-93F9-02E956F4091B}"/>
+                <a16:creationId xmlns="" xmlns:a16="http://schemas.microsoft.com/office/drawing/2014/main" id="{E4FFF66C-C336-47F1-93F9-02E956F4091B}"/>
               </a:ext>
             </a:extLst>
           </p:cNvPr>
@@ -6021,7 +6022,7 @@
           <p:cNvPr id="10" name="직선 연결선 9">
             <a:extLst>
               <a:ext uri="{FF2B5EF4-FFF2-40B4-BE49-F238E27FC236}">
-                <a16:creationId xmlns:a16="http://schemas.microsoft.com/office/drawing/2014/main" xmlns="" id="{F04DF4A3-A86D-4539-A457-19D81BC14F59}"/>
+                <a16:creationId xmlns="" xmlns:a16="http://schemas.microsoft.com/office/drawing/2014/main" id="{F04DF4A3-A86D-4539-A457-19D81BC14F59}"/>
               </a:ext>
             </a:extLst>
           </p:cNvPr>
@@ -6058,7 +6059,7 @@
           <p:cNvPr id="11" name="직선 연결선 10">
             <a:extLst>
               <a:ext uri="{FF2B5EF4-FFF2-40B4-BE49-F238E27FC236}">
-                <a16:creationId xmlns:a16="http://schemas.microsoft.com/office/drawing/2014/main" xmlns="" id="{64673F54-A7E0-4DB9-A52F-91F6F84A4C48}"/>
+                <a16:creationId xmlns="" xmlns:a16="http://schemas.microsoft.com/office/drawing/2014/main" id="{64673F54-A7E0-4DB9-A52F-91F6F84A4C48}"/>
               </a:ext>
             </a:extLst>
           </p:cNvPr>
@@ -6095,7 +6096,7 @@
           <p:cNvPr id="12" name="직선 연결선 11">
             <a:extLst>
               <a:ext uri="{FF2B5EF4-FFF2-40B4-BE49-F238E27FC236}">
-                <a16:creationId xmlns:a16="http://schemas.microsoft.com/office/drawing/2014/main" xmlns="" id="{6AE9AB7F-9042-41D0-8094-A670CFD71A82}"/>
+                <a16:creationId xmlns="" xmlns:a16="http://schemas.microsoft.com/office/drawing/2014/main" id="{6AE9AB7F-9042-41D0-8094-A670CFD71A82}"/>
               </a:ext>
             </a:extLst>
           </p:cNvPr>
@@ -6132,7 +6133,7 @@
           <p:cNvPr id="14" name="TextBox 13">
             <a:extLst>
               <a:ext uri="{FF2B5EF4-FFF2-40B4-BE49-F238E27FC236}">
-                <a16:creationId xmlns:a16="http://schemas.microsoft.com/office/drawing/2014/main" xmlns="" id="{E949D324-98A0-40F7-84A4-65067AE1B247}"/>
+                <a16:creationId xmlns="" xmlns:a16="http://schemas.microsoft.com/office/drawing/2014/main" id="{E949D324-98A0-40F7-84A4-65067AE1B247}"/>
               </a:ext>
             </a:extLst>
           </p:cNvPr>
@@ -6168,7 +6169,7 @@
           <p:cNvPr id="15" name="TextBox 14">
             <a:extLst>
               <a:ext uri="{FF2B5EF4-FFF2-40B4-BE49-F238E27FC236}">
-                <a16:creationId xmlns:a16="http://schemas.microsoft.com/office/drawing/2014/main" xmlns="" id="{5A89365F-595E-448D-8C11-2AD4E3EDA249}"/>
+                <a16:creationId xmlns="" xmlns:a16="http://schemas.microsoft.com/office/drawing/2014/main" id="{5A89365F-595E-448D-8C11-2AD4E3EDA249}"/>
               </a:ext>
             </a:extLst>
           </p:cNvPr>
@@ -6205,7 +6206,7 @@
           <p:cNvPr id="16" name="TextBox 15">
             <a:extLst>
               <a:ext uri="{FF2B5EF4-FFF2-40B4-BE49-F238E27FC236}">
-                <a16:creationId xmlns:a16="http://schemas.microsoft.com/office/drawing/2014/main" xmlns="" id="{C2D93AB9-1EB8-4A18-BEA3-CB6A1473383E}"/>
+                <a16:creationId xmlns="" xmlns:a16="http://schemas.microsoft.com/office/drawing/2014/main" id="{C2D93AB9-1EB8-4A18-BEA3-CB6A1473383E}"/>
               </a:ext>
             </a:extLst>
           </p:cNvPr>
@@ -6242,7 +6243,7 @@
           <p:cNvPr id="17" name="TextBox 16">
             <a:extLst>
               <a:ext uri="{FF2B5EF4-FFF2-40B4-BE49-F238E27FC236}">
-                <a16:creationId xmlns:a16="http://schemas.microsoft.com/office/drawing/2014/main" xmlns="" id="{119143F9-9662-4BFC-8C7E-8F5237C8D6C3}"/>
+                <a16:creationId xmlns="" xmlns:a16="http://schemas.microsoft.com/office/drawing/2014/main" id="{119143F9-9662-4BFC-8C7E-8F5237C8D6C3}"/>
               </a:ext>
             </a:extLst>
           </p:cNvPr>
@@ -6279,7 +6280,7 @@
           <p:cNvPr id="18" name="TextBox 17">
             <a:extLst>
               <a:ext uri="{FF2B5EF4-FFF2-40B4-BE49-F238E27FC236}">
-                <a16:creationId xmlns:a16="http://schemas.microsoft.com/office/drawing/2014/main" xmlns="" id="{D65CEA8C-7F03-47CF-8C8B-E71BA660DF53}"/>
+                <a16:creationId xmlns="" xmlns:a16="http://schemas.microsoft.com/office/drawing/2014/main" id="{D65CEA8C-7F03-47CF-8C8B-E71BA660DF53}"/>
               </a:ext>
             </a:extLst>
           </p:cNvPr>
@@ -6316,7 +6317,7 @@
           <p:cNvPr id="20" name="TextBox 19">
             <a:extLst>
               <a:ext uri="{FF2B5EF4-FFF2-40B4-BE49-F238E27FC236}">
-                <a16:creationId xmlns:a16="http://schemas.microsoft.com/office/drawing/2014/main" xmlns="" id="{124A2A46-0B07-44A3-B17A-50E4AC7A54C1}"/>
+                <a16:creationId xmlns="" xmlns:a16="http://schemas.microsoft.com/office/drawing/2014/main" id="{124A2A46-0B07-44A3-B17A-50E4AC7A54C1}"/>
               </a:ext>
             </a:extLst>
           </p:cNvPr>
@@ -6353,7 +6354,7 @@
           <p:cNvPr id="21" name="TextBox 20">
             <a:extLst>
               <a:ext uri="{FF2B5EF4-FFF2-40B4-BE49-F238E27FC236}">
-                <a16:creationId xmlns:a16="http://schemas.microsoft.com/office/drawing/2014/main" xmlns="" id="{127B6753-0375-4F50-8EBB-C3EBF58B25A0}"/>
+                <a16:creationId xmlns="" xmlns:a16="http://schemas.microsoft.com/office/drawing/2014/main" id="{127B6753-0375-4F50-8EBB-C3EBF58B25A0}"/>
               </a:ext>
             </a:extLst>
           </p:cNvPr>
@@ -6389,7 +6390,7 @@
           <p:cNvPr id="22" name="TextBox 21">
             <a:extLst>
               <a:ext uri="{FF2B5EF4-FFF2-40B4-BE49-F238E27FC236}">
-                <a16:creationId xmlns:a16="http://schemas.microsoft.com/office/drawing/2014/main" xmlns="" id="{B116CB62-58E4-4818-B572-748F45E877D0}"/>
+                <a16:creationId xmlns="" xmlns:a16="http://schemas.microsoft.com/office/drawing/2014/main" id="{B116CB62-58E4-4818-B572-748F45E877D0}"/>
               </a:ext>
             </a:extLst>
           </p:cNvPr>
@@ -6426,7 +6427,7 @@
           <p:cNvPr id="23" name="TextBox 22">
             <a:extLst>
               <a:ext uri="{FF2B5EF4-FFF2-40B4-BE49-F238E27FC236}">
-                <a16:creationId xmlns:a16="http://schemas.microsoft.com/office/drawing/2014/main" xmlns="" id="{083578AA-42ED-487F-B693-11DB0F61806B}"/>
+                <a16:creationId xmlns="" xmlns:a16="http://schemas.microsoft.com/office/drawing/2014/main" id="{083578AA-42ED-487F-B693-11DB0F61806B}"/>
               </a:ext>
             </a:extLst>
           </p:cNvPr>
@@ -6463,7 +6464,7 @@
           <p:cNvPr id="24" name="TextBox 23">
             <a:extLst>
               <a:ext uri="{FF2B5EF4-FFF2-40B4-BE49-F238E27FC236}">
-                <a16:creationId xmlns:a16="http://schemas.microsoft.com/office/drawing/2014/main" xmlns="" id="{5D84D04F-C822-4A52-A05E-744ABD508093}"/>
+                <a16:creationId xmlns="" xmlns:a16="http://schemas.microsoft.com/office/drawing/2014/main" id="{5D84D04F-C822-4A52-A05E-744ABD508093}"/>
               </a:ext>
             </a:extLst>
           </p:cNvPr>
@@ -6500,7 +6501,7 @@
           <p:cNvPr id="26" name="TextBox 25">
             <a:extLst>
               <a:ext uri="{FF2B5EF4-FFF2-40B4-BE49-F238E27FC236}">
-                <a16:creationId xmlns:a16="http://schemas.microsoft.com/office/drawing/2014/main" xmlns="" id="{41E6F538-9F9C-4553-9A66-9C05463EAB60}"/>
+                <a16:creationId xmlns="" xmlns:a16="http://schemas.microsoft.com/office/drawing/2014/main" id="{41E6F538-9F9C-4553-9A66-9C05463EAB60}"/>
               </a:ext>
             </a:extLst>
           </p:cNvPr>
@@ -6537,7 +6538,7 @@
           <p:cNvPr id="27" name="TextBox 26">
             <a:extLst>
               <a:ext uri="{FF2B5EF4-FFF2-40B4-BE49-F238E27FC236}">
-                <a16:creationId xmlns:a16="http://schemas.microsoft.com/office/drawing/2014/main" xmlns="" id="{BA05173D-B233-4D44-9BC7-E4670389830C}"/>
+                <a16:creationId xmlns="" xmlns:a16="http://schemas.microsoft.com/office/drawing/2014/main" id="{BA05173D-B233-4D44-9BC7-E4670389830C}"/>
               </a:ext>
             </a:extLst>
           </p:cNvPr>
@@ -6574,7 +6575,7 @@
           <p:cNvPr id="28" name="TextBox 27">
             <a:extLst>
               <a:ext uri="{FF2B5EF4-FFF2-40B4-BE49-F238E27FC236}">
-                <a16:creationId xmlns:a16="http://schemas.microsoft.com/office/drawing/2014/main" xmlns="" id="{E9547A23-6AB5-453B-9412-5817BE440F6C}"/>
+                <a16:creationId xmlns="" xmlns:a16="http://schemas.microsoft.com/office/drawing/2014/main" id="{E9547A23-6AB5-453B-9412-5817BE440F6C}"/>
               </a:ext>
             </a:extLst>
           </p:cNvPr>
@@ -6610,7 +6611,7 @@
           <p:cNvPr id="29" name="TextBox 28">
             <a:extLst>
               <a:ext uri="{FF2B5EF4-FFF2-40B4-BE49-F238E27FC236}">
-                <a16:creationId xmlns:a16="http://schemas.microsoft.com/office/drawing/2014/main" xmlns="" id="{D8D463D9-B497-4B82-88D7-4BC7471DF49C}"/>
+                <a16:creationId xmlns="" xmlns:a16="http://schemas.microsoft.com/office/drawing/2014/main" id="{D8D463D9-B497-4B82-88D7-4BC7471DF49C}"/>
               </a:ext>
             </a:extLst>
           </p:cNvPr>
@@ -6647,7 +6648,7 @@
           <p:cNvPr id="30" name="TextBox 29">
             <a:extLst>
               <a:ext uri="{FF2B5EF4-FFF2-40B4-BE49-F238E27FC236}">
-                <a16:creationId xmlns:a16="http://schemas.microsoft.com/office/drawing/2014/main" xmlns="" id="{39C5CF66-680C-47A0-ABB7-21ED54599E87}"/>
+                <a16:creationId xmlns="" xmlns:a16="http://schemas.microsoft.com/office/drawing/2014/main" id="{39C5CF66-680C-47A0-ABB7-21ED54599E87}"/>
               </a:ext>
             </a:extLst>
           </p:cNvPr>
@@ -6684,7 +6685,7 @@
           <p:cNvPr id="32" name="TextBox 31">
             <a:extLst>
               <a:ext uri="{FF2B5EF4-FFF2-40B4-BE49-F238E27FC236}">
-                <a16:creationId xmlns:a16="http://schemas.microsoft.com/office/drawing/2014/main" xmlns="" id="{EB1F1875-3A73-4A80-85F5-46EF251DCDC3}"/>
+                <a16:creationId xmlns="" xmlns:a16="http://schemas.microsoft.com/office/drawing/2014/main" id="{EB1F1875-3A73-4A80-85F5-46EF251DCDC3}"/>
               </a:ext>
             </a:extLst>
           </p:cNvPr>
@@ -6721,7 +6722,7 @@
           <p:cNvPr id="33" name="TextBox 32">
             <a:extLst>
               <a:ext uri="{FF2B5EF4-FFF2-40B4-BE49-F238E27FC236}">
-                <a16:creationId xmlns:a16="http://schemas.microsoft.com/office/drawing/2014/main" xmlns="" id="{C4F940DE-E250-451B-AC81-9B92E2FAD39D}"/>
+                <a16:creationId xmlns="" xmlns:a16="http://schemas.microsoft.com/office/drawing/2014/main" id="{C4F940DE-E250-451B-AC81-9B92E2FAD39D}"/>
               </a:ext>
             </a:extLst>
           </p:cNvPr>
@@ -6758,7 +6759,7 @@
           <p:cNvPr id="34" name="TextBox 33">
             <a:extLst>
               <a:ext uri="{FF2B5EF4-FFF2-40B4-BE49-F238E27FC236}">
-                <a16:creationId xmlns:a16="http://schemas.microsoft.com/office/drawing/2014/main" xmlns="" id="{D6FC296A-18B7-4E2C-89C5-F48681E0B45E}"/>
+                <a16:creationId xmlns="" xmlns:a16="http://schemas.microsoft.com/office/drawing/2014/main" id="{D6FC296A-18B7-4E2C-89C5-F48681E0B45E}"/>
               </a:ext>
             </a:extLst>
           </p:cNvPr>
@@ -6795,7 +6796,7 @@
           <p:cNvPr id="35" name="TextBox 34">
             <a:extLst>
               <a:ext uri="{FF2B5EF4-FFF2-40B4-BE49-F238E27FC236}">
-                <a16:creationId xmlns:a16="http://schemas.microsoft.com/office/drawing/2014/main" xmlns="" id="{03ADA3B6-5DD7-4A0E-9F82-235D39B06CAD}"/>
+                <a16:creationId xmlns="" xmlns:a16="http://schemas.microsoft.com/office/drawing/2014/main" id="{03ADA3B6-5DD7-4A0E-9F82-235D39B06CAD}"/>
               </a:ext>
             </a:extLst>
           </p:cNvPr>
@@ -6831,7 +6832,7 @@
           <p:cNvPr id="36" name="TextBox 35">
             <a:extLst>
               <a:ext uri="{FF2B5EF4-FFF2-40B4-BE49-F238E27FC236}">
-                <a16:creationId xmlns:a16="http://schemas.microsoft.com/office/drawing/2014/main" xmlns="" id="{E0D33BCD-4207-4D60-BD4A-E99A3202B09A}"/>
+                <a16:creationId xmlns="" xmlns:a16="http://schemas.microsoft.com/office/drawing/2014/main" id="{E0D33BCD-4207-4D60-BD4A-E99A3202B09A}"/>
               </a:ext>
             </a:extLst>
           </p:cNvPr>
@@ -6868,7 +6869,7 @@
           <p:cNvPr id="38" name="TextBox 37">
             <a:extLst>
               <a:ext uri="{FF2B5EF4-FFF2-40B4-BE49-F238E27FC236}">
-                <a16:creationId xmlns:a16="http://schemas.microsoft.com/office/drawing/2014/main" xmlns="" id="{B0679E40-9E97-4B74-9C7D-BC84F520AFDC}"/>
+                <a16:creationId xmlns="" xmlns:a16="http://schemas.microsoft.com/office/drawing/2014/main" id="{B0679E40-9E97-4B74-9C7D-BC84F520AFDC}"/>
               </a:ext>
             </a:extLst>
           </p:cNvPr>
@@ -6905,7 +6906,7 @@
           <p:cNvPr id="39" name="TextBox 38">
             <a:extLst>
               <a:ext uri="{FF2B5EF4-FFF2-40B4-BE49-F238E27FC236}">
-                <a16:creationId xmlns:a16="http://schemas.microsoft.com/office/drawing/2014/main" xmlns="" id="{364E99E8-A09C-4B3D-BEEE-5D23EC68C987}"/>
+                <a16:creationId xmlns="" xmlns:a16="http://schemas.microsoft.com/office/drawing/2014/main" id="{364E99E8-A09C-4B3D-BEEE-5D23EC68C987}"/>
               </a:ext>
             </a:extLst>
           </p:cNvPr>
@@ -6942,7 +6943,7 @@
           <p:cNvPr id="40" name="TextBox 39">
             <a:extLst>
               <a:ext uri="{FF2B5EF4-FFF2-40B4-BE49-F238E27FC236}">
-                <a16:creationId xmlns:a16="http://schemas.microsoft.com/office/drawing/2014/main" xmlns="" id="{C15776E0-C9E5-41A0-90EC-ED193AE8E9A2}"/>
+                <a16:creationId xmlns="" xmlns:a16="http://schemas.microsoft.com/office/drawing/2014/main" id="{C15776E0-C9E5-41A0-90EC-ED193AE8E9A2}"/>
               </a:ext>
             </a:extLst>
           </p:cNvPr>
@@ -6979,7 +6980,7 @@
           <p:cNvPr id="41" name="TextBox 40">
             <a:extLst>
               <a:ext uri="{FF2B5EF4-FFF2-40B4-BE49-F238E27FC236}">
-                <a16:creationId xmlns:a16="http://schemas.microsoft.com/office/drawing/2014/main" xmlns="" id="{5833ED93-0BC9-4777-BECA-C9478AC8027A}"/>
+                <a16:creationId xmlns="" xmlns:a16="http://schemas.microsoft.com/office/drawing/2014/main" id="{5833ED93-0BC9-4777-BECA-C9478AC8027A}"/>
               </a:ext>
             </a:extLst>
           </p:cNvPr>
@@ -7016,7 +7017,7 @@
           <p:cNvPr id="42" name="TextBox 41">
             <a:extLst>
               <a:ext uri="{FF2B5EF4-FFF2-40B4-BE49-F238E27FC236}">
-                <a16:creationId xmlns:a16="http://schemas.microsoft.com/office/drawing/2014/main" xmlns="" id="{0B54336C-54D2-4BC3-81A0-224422FF32CB}"/>
+                <a16:creationId xmlns="" xmlns:a16="http://schemas.microsoft.com/office/drawing/2014/main" id="{0B54336C-54D2-4BC3-81A0-224422FF32CB}"/>
               </a:ext>
             </a:extLst>
           </p:cNvPr>
@@ -7052,7 +7053,7 @@
           <p:cNvPr id="45" name="TextBox 44">
             <a:extLst>
               <a:ext uri="{FF2B5EF4-FFF2-40B4-BE49-F238E27FC236}">
-                <a16:creationId xmlns:a16="http://schemas.microsoft.com/office/drawing/2014/main" xmlns="" id="{2DE82AF6-A0E8-49D0-827D-E73A55F68FC1}"/>
+                <a16:creationId xmlns="" xmlns:a16="http://schemas.microsoft.com/office/drawing/2014/main" id="{2DE82AF6-A0E8-49D0-827D-E73A55F68FC1}"/>
               </a:ext>
             </a:extLst>
           </p:cNvPr>
@@ -7089,7 +7090,7 @@
           <p:cNvPr id="46" name="TextBox 45">
             <a:extLst>
               <a:ext uri="{FF2B5EF4-FFF2-40B4-BE49-F238E27FC236}">
-                <a16:creationId xmlns:a16="http://schemas.microsoft.com/office/drawing/2014/main" xmlns="" id="{DB1A34F2-31F8-463D-A344-14D2069A3DBA}"/>
+                <a16:creationId xmlns="" xmlns:a16="http://schemas.microsoft.com/office/drawing/2014/main" id="{DB1A34F2-31F8-463D-A344-14D2069A3DBA}"/>
               </a:ext>
             </a:extLst>
           </p:cNvPr>
@@ -7126,7 +7127,7 @@
           <p:cNvPr id="47" name="TextBox 46">
             <a:extLst>
               <a:ext uri="{FF2B5EF4-FFF2-40B4-BE49-F238E27FC236}">
-                <a16:creationId xmlns:a16="http://schemas.microsoft.com/office/drawing/2014/main" xmlns="" id="{949B3861-2E42-42D5-BAFB-F97BEE0E038B}"/>
+                <a16:creationId xmlns="" xmlns:a16="http://schemas.microsoft.com/office/drawing/2014/main" id="{949B3861-2E42-42D5-BAFB-F97BEE0E038B}"/>
               </a:ext>
             </a:extLst>
           </p:cNvPr>
@@ -7163,7 +7164,7 @@
           <p:cNvPr id="48" name="TextBox 47">
             <a:extLst>
               <a:ext uri="{FF2B5EF4-FFF2-40B4-BE49-F238E27FC236}">
-                <a16:creationId xmlns:a16="http://schemas.microsoft.com/office/drawing/2014/main" xmlns="" id="{D8C31931-2FC7-41F8-820E-70A0A6B9F179}"/>
+                <a16:creationId xmlns="" xmlns:a16="http://schemas.microsoft.com/office/drawing/2014/main" id="{D8C31931-2FC7-41F8-820E-70A0A6B9F179}"/>
               </a:ext>
             </a:extLst>
           </p:cNvPr>
@@ -7200,7 +7201,7 @@
           <p:cNvPr id="49" name="TextBox 48">
             <a:extLst>
               <a:ext uri="{FF2B5EF4-FFF2-40B4-BE49-F238E27FC236}">
-                <a16:creationId xmlns:a16="http://schemas.microsoft.com/office/drawing/2014/main" xmlns="" id="{9CDD0A07-C504-4B48-925A-F9A6BA21FB98}"/>
+                <a16:creationId xmlns="" xmlns:a16="http://schemas.microsoft.com/office/drawing/2014/main" id="{9CDD0A07-C504-4B48-925A-F9A6BA21FB98}"/>
               </a:ext>
             </a:extLst>
           </p:cNvPr>
@@ -7237,7 +7238,7 @@
           <p:cNvPr id="50" name="TextBox 49">
             <a:extLst>
               <a:ext uri="{FF2B5EF4-FFF2-40B4-BE49-F238E27FC236}">
-                <a16:creationId xmlns:a16="http://schemas.microsoft.com/office/drawing/2014/main" xmlns="" id="{A9ECA51C-C425-4946-BF9F-09407F2FBA4C}"/>
+                <a16:creationId xmlns="" xmlns:a16="http://schemas.microsoft.com/office/drawing/2014/main" id="{A9ECA51C-C425-4946-BF9F-09407F2FBA4C}"/>
               </a:ext>
             </a:extLst>
           </p:cNvPr>
@@ -7274,7 +7275,7 @@
           <p:cNvPr id="51" name="TextBox 50">
             <a:extLst>
               <a:ext uri="{FF2B5EF4-FFF2-40B4-BE49-F238E27FC236}">
-                <a16:creationId xmlns:a16="http://schemas.microsoft.com/office/drawing/2014/main" xmlns="" id="{55787D8D-9ED1-4999-A251-58AA218BB274}"/>
+                <a16:creationId xmlns="" xmlns:a16="http://schemas.microsoft.com/office/drawing/2014/main" id="{55787D8D-9ED1-4999-A251-58AA218BB274}"/>
               </a:ext>
             </a:extLst>
           </p:cNvPr>
@@ -7311,7 +7312,7 @@
           <p:cNvPr id="52" name="TextBox 51">
             <a:extLst>
               <a:ext uri="{FF2B5EF4-FFF2-40B4-BE49-F238E27FC236}">
-                <a16:creationId xmlns:a16="http://schemas.microsoft.com/office/drawing/2014/main" xmlns="" id="{7246F523-EC24-4694-AB85-D279B6B61AE7}"/>
+                <a16:creationId xmlns="" xmlns:a16="http://schemas.microsoft.com/office/drawing/2014/main" id="{7246F523-EC24-4694-AB85-D279B6B61AE7}"/>
               </a:ext>
             </a:extLst>
           </p:cNvPr>
@@ -7348,7 +7349,7 @@
           <p:cNvPr id="53" name="TextBox 52">
             <a:extLst>
               <a:ext uri="{FF2B5EF4-FFF2-40B4-BE49-F238E27FC236}">
-                <a16:creationId xmlns:a16="http://schemas.microsoft.com/office/drawing/2014/main" xmlns="" id="{37B73226-5AF4-417B-BB31-A3984DA358DA}"/>
+                <a16:creationId xmlns="" xmlns:a16="http://schemas.microsoft.com/office/drawing/2014/main" id="{37B73226-5AF4-417B-BB31-A3984DA358DA}"/>
               </a:ext>
             </a:extLst>
           </p:cNvPr>
@@ -7385,7 +7386,7 @@
           <p:cNvPr id="54" name="TextBox 53">
             <a:extLst>
               <a:ext uri="{FF2B5EF4-FFF2-40B4-BE49-F238E27FC236}">
-                <a16:creationId xmlns:a16="http://schemas.microsoft.com/office/drawing/2014/main" xmlns="" id="{785D348E-9980-4518-956E-53FAF8C0A198}"/>
+                <a16:creationId xmlns="" xmlns:a16="http://schemas.microsoft.com/office/drawing/2014/main" id="{785D348E-9980-4518-956E-53FAF8C0A198}"/>
               </a:ext>
             </a:extLst>
           </p:cNvPr>
@@ -7422,7 +7423,7 @@
           <p:cNvPr id="55" name="TextBox 54">
             <a:extLst>
               <a:ext uri="{FF2B5EF4-FFF2-40B4-BE49-F238E27FC236}">
-                <a16:creationId xmlns:a16="http://schemas.microsoft.com/office/drawing/2014/main" xmlns="" id="{0FDCA593-B62B-4F17-A809-EEA74578B5CC}"/>
+                <a16:creationId xmlns="" xmlns:a16="http://schemas.microsoft.com/office/drawing/2014/main" id="{0FDCA593-B62B-4F17-A809-EEA74578B5CC}"/>
               </a:ext>
             </a:extLst>
           </p:cNvPr>
@@ -7459,7 +7460,7 @@
           <p:cNvPr id="56" name="TextBox 55">
             <a:extLst>
               <a:ext uri="{FF2B5EF4-FFF2-40B4-BE49-F238E27FC236}">
-                <a16:creationId xmlns:a16="http://schemas.microsoft.com/office/drawing/2014/main" xmlns="" id="{FA7415B3-09A3-4F4A-90BE-D2862DCEC34A}"/>
+                <a16:creationId xmlns="" xmlns:a16="http://schemas.microsoft.com/office/drawing/2014/main" id="{FA7415B3-09A3-4F4A-90BE-D2862DCEC34A}"/>
               </a:ext>
             </a:extLst>
           </p:cNvPr>
@@ -7496,7 +7497,7 @@
           <p:cNvPr id="57" name="TextBox 56">
             <a:extLst>
               <a:ext uri="{FF2B5EF4-FFF2-40B4-BE49-F238E27FC236}">
-                <a16:creationId xmlns:a16="http://schemas.microsoft.com/office/drawing/2014/main" xmlns="" id="{00C4B18D-18C8-4A30-AD71-42EC99135D27}"/>
+                <a16:creationId xmlns="" xmlns:a16="http://schemas.microsoft.com/office/drawing/2014/main" id="{00C4B18D-18C8-4A30-AD71-42EC99135D27}"/>
               </a:ext>
             </a:extLst>
           </p:cNvPr>
@@ -7533,7 +7534,7 @@
           <p:cNvPr id="58" name="TextBox 57">
             <a:extLst>
               <a:ext uri="{FF2B5EF4-FFF2-40B4-BE49-F238E27FC236}">
-                <a16:creationId xmlns:a16="http://schemas.microsoft.com/office/drawing/2014/main" xmlns="" id="{D39CE8D5-65A0-4619-85EA-29EB83B11044}"/>
+                <a16:creationId xmlns="" xmlns:a16="http://schemas.microsoft.com/office/drawing/2014/main" id="{D39CE8D5-65A0-4619-85EA-29EB83B11044}"/>
               </a:ext>
             </a:extLst>
           </p:cNvPr>
@@ -7570,7 +7571,7 @@
           <p:cNvPr id="59" name="TextBox 58">
             <a:extLst>
               <a:ext uri="{FF2B5EF4-FFF2-40B4-BE49-F238E27FC236}">
-                <a16:creationId xmlns:a16="http://schemas.microsoft.com/office/drawing/2014/main" xmlns="" id="{61A1AAC2-E01E-4B68-9105-5902040CE611}"/>
+                <a16:creationId xmlns="" xmlns:a16="http://schemas.microsoft.com/office/drawing/2014/main" id="{61A1AAC2-E01E-4B68-9105-5902040CE611}"/>
               </a:ext>
             </a:extLst>
           </p:cNvPr>
@@ -7607,7 +7608,7 @@
           <p:cNvPr id="60" name="TextBox 59">
             <a:extLst>
               <a:ext uri="{FF2B5EF4-FFF2-40B4-BE49-F238E27FC236}">
-                <a16:creationId xmlns:a16="http://schemas.microsoft.com/office/drawing/2014/main" xmlns="" id="{ECDFC2DA-CC33-4844-8147-B9CFD9F1866A}"/>
+                <a16:creationId xmlns="" xmlns:a16="http://schemas.microsoft.com/office/drawing/2014/main" id="{ECDFC2DA-CC33-4844-8147-B9CFD9F1866A}"/>
               </a:ext>
             </a:extLst>
           </p:cNvPr>
@@ -7644,7 +7645,7 @@
           <p:cNvPr id="61" name="TextBox 60">
             <a:extLst>
               <a:ext uri="{FF2B5EF4-FFF2-40B4-BE49-F238E27FC236}">
-                <a16:creationId xmlns:a16="http://schemas.microsoft.com/office/drawing/2014/main" xmlns="" id="{95D8FD8B-B8B4-4B61-B289-3A7353D81078}"/>
+                <a16:creationId xmlns="" xmlns:a16="http://schemas.microsoft.com/office/drawing/2014/main" id="{95D8FD8B-B8B4-4B61-B289-3A7353D81078}"/>
               </a:ext>
             </a:extLst>
           </p:cNvPr>
@@ -7681,7 +7682,7 @@
           <p:cNvPr id="62" name="TextBox 61">
             <a:extLst>
               <a:ext uri="{FF2B5EF4-FFF2-40B4-BE49-F238E27FC236}">
-                <a16:creationId xmlns:a16="http://schemas.microsoft.com/office/drawing/2014/main" xmlns="" id="{B0314713-63C7-43FD-87B5-3FD8A8F977DC}"/>
+                <a16:creationId xmlns="" xmlns:a16="http://schemas.microsoft.com/office/drawing/2014/main" id="{B0314713-63C7-43FD-87B5-3FD8A8F977DC}"/>
               </a:ext>
             </a:extLst>
           </p:cNvPr>
@@ -7718,7 +7719,7 @@
           <p:cNvPr id="63" name="TextBox 62">
             <a:extLst>
               <a:ext uri="{FF2B5EF4-FFF2-40B4-BE49-F238E27FC236}">
-                <a16:creationId xmlns:a16="http://schemas.microsoft.com/office/drawing/2014/main" xmlns="" id="{F403DCF9-7C65-456B-BAFE-5DDACC83498C}"/>
+                <a16:creationId xmlns="" xmlns:a16="http://schemas.microsoft.com/office/drawing/2014/main" id="{F403DCF9-7C65-456B-BAFE-5DDACC83498C}"/>
               </a:ext>
             </a:extLst>
           </p:cNvPr>
@@ -7755,7 +7756,7 @@
           <p:cNvPr id="64" name="TextBox 63">
             <a:extLst>
               <a:ext uri="{FF2B5EF4-FFF2-40B4-BE49-F238E27FC236}">
-                <a16:creationId xmlns:a16="http://schemas.microsoft.com/office/drawing/2014/main" xmlns="" id="{932BD6CE-AFB2-4528-9C4A-863BDDAE8122}"/>
+                <a16:creationId xmlns="" xmlns:a16="http://schemas.microsoft.com/office/drawing/2014/main" id="{932BD6CE-AFB2-4528-9C4A-863BDDAE8122}"/>
               </a:ext>
             </a:extLst>
           </p:cNvPr>
@@ -7792,7 +7793,7 @@
           <p:cNvPr id="65" name="TextBox 64">
             <a:extLst>
               <a:ext uri="{FF2B5EF4-FFF2-40B4-BE49-F238E27FC236}">
-                <a16:creationId xmlns:a16="http://schemas.microsoft.com/office/drawing/2014/main" xmlns="" id="{3168B3D8-B14C-4711-941B-89D29183EF3C}"/>
+                <a16:creationId xmlns="" xmlns:a16="http://schemas.microsoft.com/office/drawing/2014/main" id="{3168B3D8-B14C-4711-941B-89D29183EF3C}"/>
               </a:ext>
             </a:extLst>
           </p:cNvPr>
@@ -7829,7 +7830,7 @@
           <p:cNvPr id="66" name="TextBox 65">
             <a:extLst>
               <a:ext uri="{FF2B5EF4-FFF2-40B4-BE49-F238E27FC236}">
-                <a16:creationId xmlns:a16="http://schemas.microsoft.com/office/drawing/2014/main" xmlns="" id="{5A6AB1F3-6B70-4C2D-B1CB-4E98B378EB7D}"/>
+                <a16:creationId xmlns="" xmlns:a16="http://schemas.microsoft.com/office/drawing/2014/main" id="{5A6AB1F3-6B70-4C2D-B1CB-4E98B378EB7D}"/>
               </a:ext>
             </a:extLst>
           </p:cNvPr>
@@ -7866,7 +7867,7 @@
           <p:cNvPr id="67" name="TextBox 66">
             <a:extLst>
               <a:ext uri="{FF2B5EF4-FFF2-40B4-BE49-F238E27FC236}">
-                <a16:creationId xmlns:a16="http://schemas.microsoft.com/office/drawing/2014/main" xmlns="" id="{F103C784-26E5-4FBC-A0B3-73FF0422AEEE}"/>
+                <a16:creationId xmlns="" xmlns:a16="http://schemas.microsoft.com/office/drawing/2014/main" id="{F103C784-26E5-4FBC-A0B3-73FF0422AEEE}"/>
               </a:ext>
             </a:extLst>
           </p:cNvPr>
@@ -7933,7 +7934,7 @@
           <p:cNvPr id="6" name="직선 연결선 5">
             <a:extLst>
               <a:ext uri="{FF2B5EF4-FFF2-40B4-BE49-F238E27FC236}">
-                <a16:creationId xmlns:a16="http://schemas.microsoft.com/office/drawing/2014/main" xmlns="" id="{31654EA8-B9F1-411B-924F-A39AFFF25FE4}"/>
+                <a16:creationId xmlns="" xmlns:a16="http://schemas.microsoft.com/office/drawing/2014/main" id="{31654EA8-B9F1-411B-924F-A39AFFF25FE4}"/>
               </a:ext>
             </a:extLst>
           </p:cNvPr>
@@ -7972,7 +7973,7 @@
           <p:cNvPr id="7" name="직선 연결선 6">
             <a:extLst>
               <a:ext uri="{FF2B5EF4-FFF2-40B4-BE49-F238E27FC236}">
-                <a16:creationId xmlns:a16="http://schemas.microsoft.com/office/drawing/2014/main" xmlns="" id="{4E07B35E-E95F-4959-B154-E7714662533C}"/>
+                <a16:creationId xmlns="" xmlns:a16="http://schemas.microsoft.com/office/drawing/2014/main" id="{4E07B35E-E95F-4959-B154-E7714662533C}"/>
               </a:ext>
             </a:extLst>
           </p:cNvPr>
@@ -8009,7 +8010,7 @@
           <p:cNvPr id="8" name="직선 연결선 7">
             <a:extLst>
               <a:ext uri="{FF2B5EF4-FFF2-40B4-BE49-F238E27FC236}">
-                <a16:creationId xmlns:a16="http://schemas.microsoft.com/office/drawing/2014/main" xmlns="" id="{E4FFF66C-C336-47F1-93F9-02E956F4091B}"/>
+                <a16:creationId xmlns="" xmlns:a16="http://schemas.microsoft.com/office/drawing/2014/main" id="{E4FFF66C-C336-47F1-93F9-02E956F4091B}"/>
               </a:ext>
             </a:extLst>
           </p:cNvPr>
@@ -8046,7 +8047,7 @@
           <p:cNvPr id="10" name="직선 연결선 9">
             <a:extLst>
               <a:ext uri="{FF2B5EF4-FFF2-40B4-BE49-F238E27FC236}">
-                <a16:creationId xmlns:a16="http://schemas.microsoft.com/office/drawing/2014/main" xmlns="" id="{F04DF4A3-A86D-4539-A457-19D81BC14F59}"/>
+                <a16:creationId xmlns="" xmlns:a16="http://schemas.microsoft.com/office/drawing/2014/main" id="{F04DF4A3-A86D-4539-A457-19D81BC14F59}"/>
               </a:ext>
             </a:extLst>
           </p:cNvPr>
@@ -8083,7 +8084,7 @@
           <p:cNvPr id="11" name="직선 연결선 10">
             <a:extLst>
               <a:ext uri="{FF2B5EF4-FFF2-40B4-BE49-F238E27FC236}">
-                <a16:creationId xmlns:a16="http://schemas.microsoft.com/office/drawing/2014/main" xmlns="" id="{64673F54-A7E0-4DB9-A52F-91F6F84A4C48}"/>
+                <a16:creationId xmlns="" xmlns:a16="http://schemas.microsoft.com/office/drawing/2014/main" id="{64673F54-A7E0-4DB9-A52F-91F6F84A4C48}"/>
               </a:ext>
             </a:extLst>
           </p:cNvPr>
@@ -8120,7 +8121,7 @@
           <p:cNvPr id="12" name="직선 연결선 11">
             <a:extLst>
               <a:ext uri="{FF2B5EF4-FFF2-40B4-BE49-F238E27FC236}">
-                <a16:creationId xmlns:a16="http://schemas.microsoft.com/office/drawing/2014/main" xmlns="" id="{6AE9AB7F-9042-41D0-8094-A670CFD71A82}"/>
+                <a16:creationId xmlns="" xmlns:a16="http://schemas.microsoft.com/office/drawing/2014/main" id="{6AE9AB7F-9042-41D0-8094-A670CFD71A82}"/>
               </a:ext>
             </a:extLst>
           </p:cNvPr>
@@ -8157,7 +8158,7 @@
           <p:cNvPr id="14" name="TextBox 13">
             <a:extLst>
               <a:ext uri="{FF2B5EF4-FFF2-40B4-BE49-F238E27FC236}">
-                <a16:creationId xmlns:a16="http://schemas.microsoft.com/office/drawing/2014/main" xmlns="" id="{E949D324-98A0-40F7-84A4-65067AE1B247}"/>
+                <a16:creationId xmlns="" xmlns:a16="http://schemas.microsoft.com/office/drawing/2014/main" id="{E949D324-98A0-40F7-84A4-65067AE1B247}"/>
               </a:ext>
             </a:extLst>
           </p:cNvPr>
@@ -8193,7 +8194,7 @@
           <p:cNvPr id="15" name="TextBox 14">
             <a:extLst>
               <a:ext uri="{FF2B5EF4-FFF2-40B4-BE49-F238E27FC236}">
-                <a16:creationId xmlns:a16="http://schemas.microsoft.com/office/drawing/2014/main" xmlns="" id="{5A89365F-595E-448D-8C11-2AD4E3EDA249}"/>
+                <a16:creationId xmlns="" xmlns:a16="http://schemas.microsoft.com/office/drawing/2014/main" id="{5A89365F-595E-448D-8C11-2AD4E3EDA249}"/>
               </a:ext>
             </a:extLst>
           </p:cNvPr>
@@ -8230,7 +8231,7 @@
           <p:cNvPr id="16" name="TextBox 15">
             <a:extLst>
               <a:ext uri="{FF2B5EF4-FFF2-40B4-BE49-F238E27FC236}">
-                <a16:creationId xmlns:a16="http://schemas.microsoft.com/office/drawing/2014/main" xmlns="" id="{C2D93AB9-1EB8-4A18-BEA3-CB6A1473383E}"/>
+                <a16:creationId xmlns="" xmlns:a16="http://schemas.microsoft.com/office/drawing/2014/main" id="{C2D93AB9-1EB8-4A18-BEA3-CB6A1473383E}"/>
               </a:ext>
             </a:extLst>
           </p:cNvPr>
@@ -8267,7 +8268,7 @@
           <p:cNvPr id="17" name="TextBox 16">
             <a:extLst>
               <a:ext uri="{FF2B5EF4-FFF2-40B4-BE49-F238E27FC236}">
-                <a16:creationId xmlns:a16="http://schemas.microsoft.com/office/drawing/2014/main" xmlns="" id="{119143F9-9662-4BFC-8C7E-8F5237C8D6C3}"/>
+                <a16:creationId xmlns="" xmlns:a16="http://schemas.microsoft.com/office/drawing/2014/main" id="{119143F9-9662-4BFC-8C7E-8F5237C8D6C3}"/>
               </a:ext>
             </a:extLst>
           </p:cNvPr>
@@ -8304,7 +8305,7 @@
           <p:cNvPr id="18" name="TextBox 17">
             <a:extLst>
               <a:ext uri="{FF2B5EF4-FFF2-40B4-BE49-F238E27FC236}">
-                <a16:creationId xmlns:a16="http://schemas.microsoft.com/office/drawing/2014/main" xmlns="" id="{D65CEA8C-7F03-47CF-8C8B-E71BA660DF53}"/>
+                <a16:creationId xmlns="" xmlns:a16="http://schemas.microsoft.com/office/drawing/2014/main" id="{D65CEA8C-7F03-47CF-8C8B-E71BA660DF53}"/>
               </a:ext>
             </a:extLst>
           </p:cNvPr>
@@ -8341,7 +8342,7 @@
           <p:cNvPr id="20" name="TextBox 19">
             <a:extLst>
               <a:ext uri="{FF2B5EF4-FFF2-40B4-BE49-F238E27FC236}">
-                <a16:creationId xmlns:a16="http://schemas.microsoft.com/office/drawing/2014/main" xmlns="" id="{124A2A46-0B07-44A3-B17A-50E4AC7A54C1}"/>
+                <a16:creationId xmlns="" xmlns:a16="http://schemas.microsoft.com/office/drawing/2014/main" id="{124A2A46-0B07-44A3-B17A-50E4AC7A54C1}"/>
               </a:ext>
             </a:extLst>
           </p:cNvPr>
@@ -8378,7 +8379,7 @@
           <p:cNvPr id="21" name="TextBox 20">
             <a:extLst>
               <a:ext uri="{FF2B5EF4-FFF2-40B4-BE49-F238E27FC236}">
-                <a16:creationId xmlns:a16="http://schemas.microsoft.com/office/drawing/2014/main" xmlns="" id="{127B6753-0375-4F50-8EBB-C3EBF58B25A0}"/>
+                <a16:creationId xmlns="" xmlns:a16="http://schemas.microsoft.com/office/drawing/2014/main" id="{127B6753-0375-4F50-8EBB-C3EBF58B25A0}"/>
               </a:ext>
             </a:extLst>
           </p:cNvPr>
@@ -8414,7 +8415,7 @@
           <p:cNvPr id="22" name="TextBox 21">
             <a:extLst>
               <a:ext uri="{FF2B5EF4-FFF2-40B4-BE49-F238E27FC236}">
-                <a16:creationId xmlns:a16="http://schemas.microsoft.com/office/drawing/2014/main" xmlns="" id="{B116CB62-58E4-4818-B572-748F45E877D0}"/>
+                <a16:creationId xmlns="" xmlns:a16="http://schemas.microsoft.com/office/drawing/2014/main" id="{B116CB62-58E4-4818-B572-748F45E877D0}"/>
               </a:ext>
             </a:extLst>
           </p:cNvPr>
@@ -8451,7 +8452,7 @@
           <p:cNvPr id="23" name="TextBox 22">
             <a:extLst>
               <a:ext uri="{FF2B5EF4-FFF2-40B4-BE49-F238E27FC236}">
-                <a16:creationId xmlns:a16="http://schemas.microsoft.com/office/drawing/2014/main" xmlns="" id="{083578AA-42ED-487F-B693-11DB0F61806B}"/>
+                <a16:creationId xmlns="" xmlns:a16="http://schemas.microsoft.com/office/drawing/2014/main" id="{083578AA-42ED-487F-B693-11DB0F61806B}"/>
               </a:ext>
             </a:extLst>
           </p:cNvPr>
@@ -8488,7 +8489,7 @@
           <p:cNvPr id="24" name="TextBox 23">
             <a:extLst>
               <a:ext uri="{FF2B5EF4-FFF2-40B4-BE49-F238E27FC236}">
-                <a16:creationId xmlns:a16="http://schemas.microsoft.com/office/drawing/2014/main" xmlns="" id="{5D84D04F-C822-4A52-A05E-744ABD508093}"/>
+                <a16:creationId xmlns="" xmlns:a16="http://schemas.microsoft.com/office/drawing/2014/main" id="{5D84D04F-C822-4A52-A05E-744ABD508093}"/>
               </a:ext>
             </a:extLst>
           </p:cNvPr>
@@ -8525,7 +8526,7 @@
           <p:cNvPr id="26" name="TextBox 25">
             <a:extLst>
               <a:ext uri="{FF2B5EF4-FFF2-40B4-BE49-F238E27FC236}">
-                <a16:creationId xmlns:a16="http://schemas.microsoft.com/office/drawing/2014/main" xmlns="" id="{41E6F538-9F9C-4553-9A66-9C05463EAB60}"/>
+                <a16:creationId xmlns="" xmlns:a16="http://schemas.microsoft.com/office/drawing/2014/main" id="{41E6F538-9F9C-4553-9A66-9C05463EAB60}"/>
               </a:ext>
             </a:extLst>
           </p:cNvPr>
@@ -8562,7 +8563,7 @@
           <p:cNvPr id="27" name="TextBox 26">
             <a:extLst>
               <a:ext uri="{FF2B5EF4-FFF2-40B4-BE49-F238E27FC236}">
-                <a16:creationId xmlns:a16="http://schemas.microsoft.com/office/drawing/2014/main" xmlns="" id="{BA05173D-B233-4D44-9BC7-E4670389830C}"/>
+                <a16:creationId xmlns="" xmlns:a16="http://schemas.microsoft.com/office/drawing/2014/main" id="{BA05173D-B233-4D44-9BC7-E4670389830C}"/>
               </a:ext>
             </a:extLst>
           </p:cNvPr>
@@ -8599,7 +8600,7 @@
           <p:cNvPr id="28" name="TextBox 27">
             <a:extLst>
               <a:ext uri="{FF2B5EF4-FFF2-40B4-BE49-F238E27FC236}">
-                <a16:creationId xmlns:a16="http://schemas.microsoft.com/office/drawing/2014/main" xmlns="" id="{E9547A23-6AB5-453B-9412-5817BE440F6C}"/>
+                <a16:creationId xmlns="" xmlns:a16="http://schemas.microsoft.com/office/drawing/2014/main" id="{E9547A23-6AB5-453B-9412-5817BE440F6C}"/>
               </a:ext>
             </a:extLst>
           </p:cNvPr>
@@ -8635,7 +8636,7 @@
           <p:cNvPr id="29" name="TextBox 28">
             <a:extLst>
               <a:ext uri="{FF2B5EF4-FFF2-40B4-BE49-F238E27FC236}">
-                <a16:creationId xmlns:a16="http://schemas.microsoft.com/office/drawing/2014/main" xmlns="" id="{D8D463D9-B497-4B82-88D7-4BC7471DF49C}"/>
+                <a16:creationId xmlns="" xmlns:a16="http://schemas.microsoft.com/office/drawing/2014/main" id="{D8D463D9-B497-4B82-88D7-4BC7471DF49C}"/>
               </a:ext>
             </a:extLst>
           </p:cNvPr>
@@ -8672,7 +8673,7 @@
           <p:cNvPr id="30" name="TextBox 29">
             <a:extLst>
               <a:ext uri="{FF2B5EF4-FFF2-40B4-BE49-F238E27FC236}">
-                <a16:creationId xmlns:a16="http://schemas.microsoft.com/office/drawing/2014/main" xmlns="" id="{39C5CF66-680C-47A0-ABB7-21ED54599E87}"/>
+                <a16:creationId xmlns="" xmlns:a16="http://schemas.microsoft.com/office/drawing/2014/main" id="{39C5CF66-680C-47A0-ABB7-21ED54599E87}"/>
               </a:ext>
             </a:extLst>
           </p:cNvPr>
@@ -8709,7 +8710,7 @@
           <p:cNvPr id="32" name="TextBox 31">
             <a:extLst>
               <a:ext uri="{FF2B5EF4-FFF2-40B4-BE49-F238E27FC236}">
-                <a16:creationId xmlns:a16="http://schemas.microsoft.com/office/drawing/2014/main" xmlns="" id="{EB1F1875-3A73-4A80-85F5-46EF251DCDC3}"/>
+                <a16:creationId xmlns="" xmlns:a16="http://schemas.microsoft.com/office/drawing/2014/main" id="{EB1F1875-3A73-4A80-85F5-46EF251DCDC3}"/>
               </a:ext>
             </a:extLst>
           </p:cNvPr>
@@ -8746,7 +8747,7 @@
           <p:cNvPr id="33" name="TextBox 32">
             <a:extLst>
               <a:ext uri="{FF2B5EF4-FFF2-40B4-BE49-F238E27FC236}">
-                <a16:creationId xmlns:a16="http://schemas.microsoft.com/office/drawing/2014/main" xmlns="" id="{C4F940DE-E250-451B-AC81-9B92E2FAD39D}"/>
+                <a16:creationId xmlns="" xmlns:a16="http://schemas.microsoft.com/office/drawing/2014/main" id="{C4F940DE-E250-451B-AC81-9B92E2FAD39D}"/>
               </a:ext>
             </a:extLst>
           </p:cNvPr>
@@ -8783,7 +8784,7 @@
           <p:cNvPr id="34" name="TextBox 33">
             <a:extLst>
               <a:ext uri="{FF2B5EF4-FFF2-40B4-BE49-F238E27FC236}">
-                <a16:creationId xmlns:a16="http://schemas.microsoft.com/office/drawing/2014/main" xmlns="" id="{D6FC296A-18B7-4E2C-89C5-F48681E0B45E}"/>
+                <a16:creationId xmlns="" xmlns:a16="http://schemas.microsoft.com/office/drawing/2014/main" id="{D6FC296A-18B7-4E2C-89C5-F48681E0B45E}"/>
               </a:ext>
             </a:extLst>
           </p:cNvPr>
@@ -8820,7 +8821,7 @@
           <p:cNvPr id="35" name="TextBox 34">
             <a:extLst>
               <a:ext uri="{FF2B5EF4-FFF2-40B4-BE49-F238E27FC236}">
-                <a16:creationId xmlns:a16="http://schemas.microsoft.com/office/drawing/2014/main" xmlns="" id="{03ADA3B6-5DD7-4A0E-9F82-235D39B06CAD}"/>
+                <a16:creationId xmlns="" xmlns:a16="http://schemas.microsoft.com/office/drawing/2014/main" id="{03ADA3B6-5DD7-4A0E-9F82-235D39B06CAD}"/>
               </a:ext>
             </a:extLst>
           </p:cNvPr>
@@ -8856,7 +8857,7 @@
           <p:cNvPr id="36" name="TextBox 35">
             <a:extLst>
               <a:ext uri="{FF2B5EF4-FFF2-40B4-BE49-F238E27FC236}">
-                <a16:creationId xmlns:a16="http://schemas.microsoft.com/office/drawing/2014/main" xmlns="" id="{E0D33BCD-4207-4D60-BD4A-E99A3202B09A}"/>
+                <a16:creationId xmlns="" xmlns:a16="http://schemas.microsoft.com/office/drawing/2014/main" id="{E0D33BCD-4207-4D60-BD4A-E99A3202B09A}"/>
               </a:ext>
             </a:extLst>
           </p:cNvPr>
@@ -8893,7 +8894,7 @@
           <p:cNvPr id="38" name="TextBox 37">
             <a:extLst>
               <a:ext uri="{FF2B5EF4-FFF2-40B4-BE49-F238E27FC236}">
-                <a16:creationId xmlns:a16="http://schemas.microsoft.com/office/drawing/2014/main" xmlns="" id="{B0679E40-9E97-4B74-9C7D-BC84F520AFDC}"/>
+                <a16:creationId xmlns="" xmlns:a16="http://schemas.microsoft.com/office/drawing/2014/main" id="{B0679E40-9E97-4B74-9C7D-BC84F520AFDC}"/>
               </a:ext>
             </a:extLst>
           </p:cNvPr>
@@ -8930,7 +8931,7 @@
           <p:cNvPr id="39" name="TextBox 38">
             <a:extLst>
               <a:ext uri="{FF2B5EF4-FFF2-40B4-BE49-F238E27FC236}">
-                <a16:creationId xmlns:a16="http://schemas.microsoft.com/office/drawing/2014/main" xmlns="" id="{364E99E8-A09C-4B3D-BEEE-5D23EC68C987}"/>
+                <a16:creationId xmlns="" xmlns:a16="http://schemas.microsoft.com/office/drawing/2014/main" id="{364E99E8-A09C-4B3D-BEEE-5D23EC68C987}"/>
               </a:ext>
             </a:extLst>
           </p:cNvPr>
@@ -8967,7 +8968,7 @@
           <p:cNvPr id="40" name="TextBox 39">
             <a:extLst>
               <a:ext uri="{FF2B5EF4-FFF2-40B4-BE49-F238E27FC236}">
-                <a16:creationId xmlns:a16="http://schemas.microsoft.com/office/drawing/2014/main" xmlns="" id="{C15776E0-C9E5-41A0-90EC-ED193AE8E9A2}"/>
+                <a16:creationId xmlns="" xmlns:a16="http://schemas.microsoft.com/office/drawing/2014/main" id="{C15776E0-C9E5-41A0-90EC-ED193AE8E9A2}"/>
               </a:ext>
             </a:extLst>
           </p:cNvPr>
@@ -9004,7 +9005,7 @@
           <p:cNvPr id="41" name="TextBox 40">
             <a:extLst>
               <a:ext uri="{FF2B5EF4-FFF2-40B4-BE49-F238E27FC236}">
-                <a16:creationId xmlns:a16="http://schemas.microsoft.com/office/drawing/2014/main" xmlns="" id="{5833ED93-0BC9-4777-BECA-C9478AC8027A}"/>
+                <a16:creationId xmlns="" xmlns:a16="http://schemas.microsoft.com/office/drawing/2014/main" id="{5833ED93-0BC9-4777-BECA-C9478AC8027A}"/>
               </a:ext>
             </a:extLst>
           </p:cNvPr>
@@ -9041,7 +9042,7 @@
           <p:cNvPr id="42" name="TextBox 41">
             <a:extLst>
               <a:ext uri="{FF2B5EF4-FFF2-40B4-BE49-F238E27FC236}">
-                <a16:creationId xmlns:a16="http://schemas.microsoft.com/office/drawing/2014/main" xmlns="" id="{0B54336C-54D2-4BC3-81A0-224422FF32CB}"/>
+                <a16:creationId xmlns="" xmlns:a16="http://schemas.microsoft.com/office/drawing/2014/main" id="{0B54336C-54D2-4BC3-81A0-224422FF32CB}"/>
               </a:ext>
             </a:extLst>
           </p:cNvPr>
@@ -9077,7 +9078,7 @@
           <p:cNvPr id="45" name="TextBox 44">
             <a:extLst>
               <a:ext uri="{FF2B5EF4-FFF2-40B4-BE49-F238E27FC236}">
-                <a16:creationId xmlns:a16="http://schemas.microsoft.com/office/drawing/2014/main" xmlns="" id="{2DE82AF6-A0E8-49D0-827D-E73A55F68FC1}"/>
+                <a16:creationId xmlns="" xmlns:a16="http://schemas.microsoft.com/office/drawing/2014/main" id="{2DE82AF6-A0E8-49D0-827D-E73A55F68FC1}"/>
               </a:ext>
             </a:extLst>
           </p:cNvPr>
@@ -9114,7 +9115,7 @@
           <p:cNvPr id="46" name="TextBox 45">
             <a:extLst>
               <a:ext uri="{FF2B5EF4-FFF2-40B4-BE49-F238E27FC236}">
-                <a16:creationId xmlns:a16="http://schemas.microsoft.com/office/drawing/2014/main" xmlns="" id="{DB1A34F2-31F8-463D-A344-14D2069A3DBA}"/>
+                <a16:creationId xmlns="" xmlns:a16="http://schemas.microsoft.com/office/drawing/2014/main" id="{DB1A34F2-31F8-463D-A344-14D2069A3DBA}"/>
               </a:ext>
             </a:extLst>
           </p:cNvPr>
@@ -9151,7 +9152,7 @@
           <p:cNvPr id="47" name="TextBox 46">
             <a:extLst>
               <a:ext uri="{FF2B5EF4-FFF2-40B4-BE49-F238E27FC236}">
-                <a16:creationId xmlns:a16="http://schemas.microsoft.com/office/drawing/2014/main" xmlns="" id="{949B3861-2E42-42D5-BAFB-F97BEE0E038B}"/>
+                <a16:creationId xmlns="" xmlns:a16="http://schemas.microsoft.com/office/drawing/2014/main" id="{949B3861-2E42-42D5-BAFB-F97BEE0E038B}"/>
               </a:ext>
             </a:extLst>
           </p:cNvPr>
@@ -9188,7 +9189,7 @@
           <p:cNvPr id="48" name="TextBox 47">
             <a:extLst>
               <a:ext uri="{FF2B5EF4-FFF2-40B4-BE49-F238E27FC236}">
-                <a16:creationId xmlns:a16="http://schemas.microsoft.com/office/drawing/2014/main" xmlns="" id="{D8C31931-2FC7-41F8-820E-70A0A6B9F179}"/>
+                <a16:creationId xmlns="" xmlns:a16="http://schemas.microsoft.com/office/drawing/2014/main" id="{D8C31931-2FC7-41F8-820E-70A0A6B9F179}"/>
               </a:ext>
             </a:extLst>
           </p:cNvPr>
@@ -9225,7 +9226,7 @@
           <p:cNvPr id="49" name="TextBox 48">
             <a:extLst>
               <a:ext uri="{FF2B5EF4-FFF2-40B4-BE49-F238E27FC236}">
-                <a16:creationId xmlns:a16="http://schemas.microsoft.com/office/drawing/2014/main" xmlns="" id="{9CDD0A07-C504-4B48-925A-F9A6BA21FB98}"/>
+                <a16:creationId xmlns="" xmlns:a16="http://schemas.microsoft.com/office/drawing/2014/main" id="{9CDD0A07-C504-4B48-925A-F9A6BA21FB98}"/>
               </a:ext>
             </a:extLst>
           </p:cNvPr>
@@ -9262,7 +9263,7 @@
           <p:cNvPr id="50" name="TextBox 49">
             <a:extLst>
               <a:ext uri="{FF2B5EF4-FFF2-40B4-BE49-F238E27FC236}">
-                <a16:creationId xmlns:a16="http://schemas.microsoft.com/office/drawing/2014/main" xmlns="" id="{A9ECA51C-C425-4946-BF9F-09407F2FBA4C}"/>
+                <a16:creationId xmlns="" xmlns:a16="http://schemas.microsoft.com/office/drawing/2014/main" id="{A9ECA51C-C425-4946-BF9F-09407F2FBA4C}"/>
               </a:ext>
             </a:extLst>
           </p:cNvPr>
@@ -9299,7 +9300,7 @@
           <p:cNvPr id="51" name="TextBox 50">
             <a:extLst>
               <a:ext uri="{FF2B5EF4-FFF2-40B4-BE49-F238E27FC236}">
-                <a16:creationId xmlns:a16="http://schemas.microsoft.com/office/drawing/2014/main" xmlns="" id="{55787D8D-9ED1-4999-A251-58AA218BB274}"/>
+                <a16:creationId xmlns="" xmlns:a16="http://schemas.microsoft.com/office/drawing/2014/main" id="{55787D8D-9ED1-4999-A251-58AA218BB274}"/>
               </a:ext>
             </a:extLst>
           </p:cNvPr>
@@ -9336,7 +9337,7 @@
           <p:cNvPr id="52" name="TextBox 51">
             <a:extLst>
               <a:ext uri="{FF2B5EF4-FFF2-40B4-BE49-F238E27FC236}">
-                <a16:creationId xmlns:a16="http://schemas.microsoft.com/office/drawing/2014/main" xmlns="" id="{7246F523-EC24-4694-AB85-D279B6B61AE7}"/>
+                <a16:creationId xmlns="" xmlns:a16="http://schemas.microsoft.com/office/drawing/2014/main" id="{7246F523-EC24-4694-AB85-D279B6B61AE7}"/>
               </a:ext>
             </a:extLst>
           </p:cNvPr>
@@ -9373,7 +9374,7 @@
           <p:cNvPr id="53" name="TextBox 52">
             <a:extLst>
               <a:ext uri="{FF2B5EF4-FFF2-40B4-BE49-F238E27FC236}">
-                <a16:creationId xmlns:a16="http://schemas.microsoft.com/office/drawing/2014/main" xmlns="" id="{37B73226-5AF4-417B-BB31-A3984DA358DA}"/>
+                <a16:creationId xmlns="" xmlns:a16="http://schemas.microsoft.com/office/drawing/2014/main" id="{37B73226-5AF4-417B-BB31-A3984DA358DA}"/>
               </a:ext>
             </a:extLst>
           </p:cNvPr>
@@ -9410,7 +9411,7 @@
           <p:cNvPr id="54" name="TextBox 53">
             <a:extLst>
               <a:ext uri="{FF2B5EF4-FFF2-40B4-BE49-F238E27FC236}">
-                <a16:creationId xmlns:a16="http://schemas.microsoft.com/office/drawing/2014/main" xmlns="" id="{785D348E-9980-4518-956E-53FAF8C0A198}"/>
+                <a16:creationId xmlns="" xmlns:a16="http://schemas.microsoft.com/office/drawing/2014/main" id="{785D348E-9980-4518-956E-53FAF8C0A198}"/>
               </a:ext>
             </a:extLst>
           </p:cNvPr>
@@ -9447,7 +9448,7 @@
           <p:cNvPr id="55" name="TextBox 54">
             <a:extLst>
               <a:ext uri="{FF2B5EF4-FFF2-40B4-BE49-F238E27FC236}">
-                <a16:creationId xmlns:a16="http://schemas.microsoft.com/office/drawing/2014/main" xmlns="" id="{0FDCA593-B62B-4F17-A809-EEA74578B5CC}"/>
+                <a16:creationId xmlns="" xmlns:a16="http://schemas.microsoft.com/office/drawing/2014/main" id="{0FDCA593-B62B-4F17-A809-EEA74578B5CC}"/>
               </a:ext>
             </a:extLst>
           </p:cNvPr>
@@ -9484,7 +9485,7 @@
           <p:cNvPr id="56" name="TextBox 55">
             <a:extLst>
               <a:ext uri="{FF2B5EF4-FFF2-40B4-BE49-F238E27FC236}">
-                <a16:creationId xmlns:a16="http://schemas.microsoft.com/office/drawing/2014/main" xmlns="" id="{FA7415B3-09A3-4F4A-90BE-D2862DCEC34A}"/>
+                <a16:creationId xmlns="" xmlns:a16="http://schemas.microsoft.com/office/drawing/2014/main" id="{FA7415B3-09A3-4F4A-90BE-D2862DCEC34A}"/>
               </a:ext>
             </a:extLst>
           </p:cNvPr>
@@ -9521,7 +9522,7 @@
           <p:cNvPr id="57" name="TextBox 56">
             <a:extLst>
               <a:ext uri="{FF2B5EF4-FFF2-40B4-BE49-F238E27FC236}">
-                <a16:creationId xmlns:a16="http://schemas.microsoft.com/office/drawing/2014/main" xmlns="" id="{00C4B18D-18C8-4A30-AD71-42EC99135D27}"/>
+                <a16:creationId xmlns="" xmlns:a16="http://schemas.microsoft.com/office/drawing/2014/main" id="{00C4B18D-18C8-4A30-AD71-42EC99135D27}"/>
               </a:ext>
             </a:extLst>
           </p:cNvPr>
@@ -9558,7 +9559,7 @@
           <p:cNvPr id="58" name="TextBox 57">
             <a:extLst>
               <a:ext uri="{FF2B5EF4-FFF2-40B4-BE49-F238E27FC236}">
-                <a16:creationId xmlns:a16="http://schemas.microsoft.com/office/drawing/2014/main" xmlns="" id="{D39CE8D5-65A0-4619-85EA-29EB83B11044}"/>
+                <a16:creationId xmlns="" xmlns:a16="http://schemas.microsoft.com/office/drawing/2014/main" id="{D39CE8D5-65A0-4619-85EA-29EB83B11044}"/>
               </a:ext>
             </a:extLst>
           </p:cNvPr>
@@ -9595,7 +9596,7 @@
           <p:cNvPr id="59" name="TextBox 58">
             <a:extLst>
               <a:ext uri="{FF2B5EF4-FFF2-40B4-BE49-F238E27FC236}">
-                <a16:creationId xmlns:a16="http://schemas.microsoft.com/office/drawing/2014/main" xmlns="" id="{61A1AAC2-E01E-4B68-9105-5902040CE611}"/>
+                <a16:creationId xmlns="" xmlns:a16="http://schemas.microsoft.com/office/drawing/2014/main" id="{61A1AAC2-E01E-4B68-9105-5902040CE611}"/>
               </a:ext>
             </a:extLst>
           </p:cNvPr>
@@ -9632,7 +9633,7 @@
           <p:cNvPr id="60" name="TextBox 59">
             <a:extLst>
               <a:ext uri="{FF2B5EF4-FFF2-40B4-BE49-F238E27FC236}">
-                <a16:creationId xmlns:a16="http://schemas.microsoft.com/office/drawing/2014/main" xmlns="" id="{ECDFC2DA-CC33-4844-8147-B9CFD9F1866A}"/>
+                <a16:creationId xmlns="" xmlns:a16="http://schemas.microsoft.com/office/drawing/2014/main" id="{ECDFC2DA-CC33-4844-8147-B9CFD9F1866A}"/>
               </a:ext>
             </a:extLst>
           </p:cNvPr>
@@ -9669,7 +9670,7 @@
           <p:cNvPr id="61" name="TextBox 60">
             <a:extLst>
               <a:ext uri="{FF2B5EF4-FFF2-40B4-BE49-F238E27FC236}">
-                <a16:creationId xmlns:a16="http://schemas.microsoft.com/office/drawing/2014/main" xmlns="" id="{95D8FD8B-B8B4-4B61-B289-3A7353D81078}"/>
+                <a16:creationId xmlns="" xmlns:a16="http://schemas.microsoft.com/office/drawing/2014/main" id="{95D8FD8B-B8B4-4B61-B289-3A7353D81078}"/>
               </a:ext>
             </a:extLst>
           </p:cNvPr>
@@ -9706,7 +9707,7 @@
           <p:cNvPr id="62" name="TextBox 61">
             <a:extLst>
               <a:ext uri="{FF2B5EF4-FFF2-40B4-BE49-F238E27FC236}">
-                <a16:creationId xmlns:a16="http://schemas.microsoft.com/office/drawing/2014/main" xmlns="" id="{B0314713-63C7-43FD-87B5-3FD8A8F977DC}"/>
+                <a16:creationId xmlns="" xmlns:a16="http://schemas.microsoft.com/office/drawing/2014/main" id="{B0314713-63C7-43FD-87B5-3FD8A8F977DC}"/>
               </a:ext>
             </a:extLst>
           </p:cNvPr>
@@ -9743,7 +9744,7 @@
           <p:cNvPr id="63" name="TextBox 62">
             <a:extLst>
               <a:ext uri="{FF2B5EF4-FFF2-40B4-BE49-F238E27FC236}">
-                <a16:creationId xmlns:a16="http://schemas.microsoft.com/office/drawing/2014/main" xmlns="" id="{F403DCF9-7C65-456B-BAFE-5DDACC83498C}"/>
+                <a16:creationId xmlns="" xmlns:a16="http://schemas.microsoft.com/office/drawing/2014/main" id="{F403DCF9-7C65-456B-BAFE-5DDACC83498C}"/>
               </a:ext>
             </a:extLst>
           </p:cNvPr>
@@ -9780,7 +9781,7 @@
           <p:cNvPr id="64" name="TextBox 63">
             <a:extLst>
               <a:ext uri="{FF2B5EF4-FFF2-40B4-BE49-F238E27FC236}">
-                <a16:creationId xmlns:a16="http://schemas.microsoft.com/office/drawing/2014/main" xmlns="" id="{932BD6CE-AFB2-4528-9C4A-863BDDAE8122}"/>
+                <a16:creationId xmlns="" xmlns:a16="http://schemas.microsoft.com/office/drawing/2014/main" id="{932BD6CE-AFB2-4528-9C4A-863BDDAE8122}"/>
               </a:ext>
             </a:extLst>
           </p:cNvPr>
@@ -9817,7 +9818,7 @@
           <p:cNvPr id="65" name="TextBox 64">
             <a:extLst>
               <a:ext uri="{FF2B5EF4-FFF2-40B4-BE49-F238E27FC236}">
-                <a16:creationId xmlns:a16="http://schemas.microsoft.com/office/drawing/2014/main" xmlns="" id="{3168B3D8-B14C-4711-941B-89D29183EF3C}"/>
+                <a16:creationId xmlns="" xmlns:a16="http://schemas.microsoft.com/office/drawing/2014/main" id="{3168B3D8-B14C-4711-941B-89D29183EF3C}"/>
               </a:ext>
             </a:extLst>
           </p:cNvPr>
@@ -9854,7 +9855,7 @@
           <p:cNvPr id="66" name="TextBox 65">
             <a:extLst>
               <a:ext uri="{FF2B5EF4-FFF2-40B4-BE49-F238E27FC236}">
-                <a16:creationId xmlns:a16="http://schemas.microsoft.com/office/drawing/2014/main" xmlns="" id="{5A6AB1F3-6B70-4C2D-B1CB-4E98B378EB7D}"/>
+                <a16:creationId xmlns="" xmlns:a16="http://schemas.microsoft.com/office/drawing/2014/main" id="{5A6AB1F3-6B70-4C2D-B1CB-4E98B378EB7D}"/>
               </a:ext>
             </a:extLst>
           </p:cNvPr>
@@ -9891,7 +9892,7 @@
           <p:cNvPr id="67" name="TextBox 66">
             <a:extLst>
               <a:ext uri="{FF2B5EF4-FFF2-40B4-BE49-F238E27FC236}">
-                <a16:creationId xmlns:a16="http://schemas.microsoft.com/office/drawing/2014/main" xmlns="" id="{F103C784-26E5-4FBC-A0B3-73FF0422AEEE}"/>
+                <a16:creationId xmlns="" xmlns:a16="http://schemas.microsoft.com/office/drawing/2014/main" id="{F103C784-26E5-4FBC-A0B3-73FF0422AEEE}"/>
               </a:ext>
             </a:extLst>
           </p:cNvPr>
@@ -9928,7 +9929,7 @@
           <p:cNvPr id="5" name="직선 연결선 4">
             <a:extLst>
               <a:ext uri="{FF2B5EF4-FFF2-40B4-BE49-F238E27FC236}">
-                <a16:creationId xmlns:a16="http://schemas.microsoft.com/office/drawing/2014/main" xmlns="" id="{C5C227FC-0406-44E9-9AC9-6A81FF50E9AB}"/>
+                <a16:creationId xmlns="" xmlns:a16="http://schemas.microsoft.com/office/drawing/2014/main" id="{C5C227FC-0406-44E9-9AC9-6A81FF50E9AB}"/>
               </a:ext>
             </a:extLst>
           </p:cNvPr>
@@ -9969,7 +9970,7 @@
           <p:cNvPr id="68" name="직선 연결선 67">
             <a:extLst>
               <a:ext uri="{FF2B5EF4-FFF2-40B4-BE49-F238E27FC236}">
-                <a16:creationId xmlns:a16="http://schemas.microsoft.com/office/drawing/2014/main" xmlns="" id="{21D8B38D-0F89-4873-9971-35606AA85404}"/>
+                <a16:creationId xmlns="" xmlns:a16="http://schemas.microsoft.com/office/drawing/2014/main" id="{21D8B38D-0F89-4873-9971-35606AA85404}"/>
               </a:ext>
             </a:extLst>
           </p:cNvPr>
@@ -10012,7 +10013,7 @@
           <p:cNvPr id="69" name="직선 연결선 68">
             <a:extLst>
               <a:ext uri="{FF2B5EF4-FFF2-40B4-BE49-F238E27FC236}">
-                <a16:creationId xmlns:a16="http://schemas.microsoft.com/office/drawing/2014/main" xmlns="" id="{3260DB80-3E3F-4E14-9BC0-EBB89FD55910}"/>
+                <a16:creationId xmlns="" xmlns:a16="http://schemas.microsoft.com/office/drawing/2014/main" id="{3260DB80-3E3F-4E14-9BC0-EBB89FD55910}"/>
               </a:ext>
             </a:extLst>
           </p:cNvPr>
@@ -10055,7 +10056,7 @@
           <p:cNvPr id="70" name="직선 연결선 69">
             <a:extLst>
               <a:ext uri="{FF2B5EF4-FFF2-40B4-BE49-F238E27FC236}">
-                <a16:creationId xmlns:a16="http://schemas.microsoft.com/office/drawing/2014/main" xmlns="" id="{0DAA53C9-6D2D-46A8-95EF-11AF58708348}"/>
+                <a16:creationId xmlns="" xmlns:a16="http://schemas.microsoft.com/office/drawing/2014/main" id="{0DAA53C9-6D2D-46A8-95EF-11AF58708348}"/>
               </a:ext>
             </a:extLst>
           </p:cNvPr>
@@ -10098,7 +10099,7 @@
           <p:cNvPr id="71" name="직선 연결선 70">
             <a:extLst>
               <a:ext uri="{FF2B5EF4-FFF2-40B4-BE49-F238E27FC236}">
-                <a16:creationId xmlns:a16="http://schemas.microsoft.com/office/drawing/2014/main" xmlns="" id="{7C989169-C91E-457F-8BE3-1BDDF19064DF}"/>
+                <a16:creationId xmlns="" xmlns:a16="http://schemas.microsoft.com/office/drawing/2014/main" id="{7C989169-C91E-457F-8BE3-1BDDF19064DF}"/>
               </a:ext>
             </a:extLst>
           </p:cNvPr>
@@ -10141,7 +10142,7 @@
           <p:cNvPr id="25" name="직선 연결선 24">
             <a:extLst>
               <a:ext uri="{FF2B5EF4-FFF2-40B4-BE49-F238E27FC236}">
-                <a16:creationId xmlns:a16="http://schemas.microsoft.com/office/drawing/2014/main" xmlns="" id="{3F4DB0AE-5C3A-4C4A-B9E8-41FEE24DBA39}"/>
+                <a16:creationId xmlns="" xmlns:a16="http://schemas.microsoft.com/office/drawing/2014/main" id="{3F4DB0AE-5C3A-4C4A-B9E8-41FEE24DBA39}"/>
               </a:ext>
             </a:extLst>
           </p:cNvPr>
@@ -10182,7 +10183,7 @@
           <p:cNvPr id="37" name="직선 연결선 36">
             <a:extLst>
               <a:ext uri="{FF2B5EF4-FFF2-40B4-BE49-F238E27FC236}">
-                <a16:creationId xmlns:a16="http://schemas.microsoft.com/office/drawing/2014/main" xmlns="" id="{D1CAE60B-2256-4113-BE19-C82C193F9394}"/>
+                <a16:creationId xmlns="" xmlns:a16="http://schemas.microsoft.com/office/drawing/2014/main" id="{D1CAE60B-2256-4113-BE19-C82C193F9394}"/>
               </a:ext>
             </a:extLst>
           </p:cNvPr>
@@ -10223,7 +10224,7 @@
           <p:cNvPr id="72" name="직선 연결선 71">
             <a:extLst>
               <a:ext uri="{FF2B5EF4-FFF2-40B4-BE49-F238E27FC236}">
-                <a16:creationId xmlns:a16="http://schemas.microsoft.com/office/drawing/2014/main" xmlns="" id="{61EF895A-63F5-42E2-AAF4-B1E7EB9BDD3C}"/>
+                <a16:creationId xmlns="" xmlns:a16="http://schemas.microsoft.com/office/drawing/2014/main" id="{61EF895A-63F5-42E2-AAF4-B1E7EB9BDD3C}"/>
               </a:ext>
             </a:extLst>
           </p:cNvPr>
@@ -10264,7 +10265,7 @@
           <p:cNvPr id="75" name="직선 연결선 74">
             <a:extLst>
               <a:ext uri="{FF2B5EF4-FFF2-40B4-BE49-F238E27FC236}">
-                <a16:creationId xmlns:a16="http://schemas.microsoft.com/office/drawing/2014/main" xmlns="" id="{E623654B-1E62-483B-B35C-1E335D6A9058}"/>
+                <a16:creationId xmlns="" xmlns:a16="http://schemas.microsoft.com/office/drawing/2014/main" id="{E623654B-1E62-483B-B35C-1E335D6A9058}"/>
               </a:ext>
             </a:extLst>
           </p:cNvPr>
@@ -10305,7 +10306,7 @@
           <p:cNvPr id="78" name="타원 77">
             <a:extLst>
               <a:ext uri="{FF2B5EF4-FFF2-40B4-BE49-F238E27FC236}">
-                <a16:creationId xmlns:a16="http://schemas.microsoft.com/office/drawing/2014/main" xmlns="" id="{E467CE54-DB05-4418-95A6-30E2DA187633}"/>
+                <a16:creationId xmlns="" xmlns:a16="http://schemas.microsoft.com/office/drawing/2014/main" id="{E467CE54-DB05-4418-95A6-30E2DA187633}"/>
               </a:ext>
             </a:extLst>
           </p:cNvPr>
@@ -10357,7 +10358,7 @@
           <p:cNvPr id="79" name="타원 78">
             <a:extLst>
               <a:ext uri="{FF2B5EF4-FFF2-40B4-BE49-F238E27FC236}">
-                <a16:creationId xmlns:a16="http://schemas.microsoft.com/office/drawing/2014/main" xmlns="" id="{DD6595A0-469E-495E-823D-02D648D249A2}"/>
+                <a16:creationId xmlns="" xmlns:a16="http://schemas.microsoft.com/office/drawing/2014/main" id="{DD6595A0-469E-495E-823D-02D648D249A2}"/>
               </a:ext>
             </a:extLst>
           </p:cNvPr>
@@ -10409,7 +10410,7 @@
           <p:cNvPr id="80" name="타원 79">
             <a:extLst>
               <a:ext uri="{FF2B5EF4-FFF2-40B4-BE49-F238E27FC236}">
-                <a16:creationId xmlns:a16="http://schemas.microsoft.com/office/drawing/2014/main" xmlns="" id="{380A52DE-386E-466E-8CE1-478CE99269CF}"/>
+                <a16:creationId xmlns="" xmlns:a16="http://schemas.microsoft.com/office/drawing/2014/main" id="{380A52DE-386E-466E-8CE1-478CE99269CF}"/>
               </a:ext>
             </a:extLst>
           </p:cNvPr>
@@ -10461,7 +10462,7 @@
           <p:cNvPr id="81" name="타원 80">
             <a:extLst>
               <a:ext uri="{FF2B5EF4-FFF2-40B4-BE49-F238E27FC236}">
-                <a16:creationId xmlns:a16="http://schemas.microsoft.com/office/drawing/2014/main" xmlns="" id="{EB6628E6-B359-4CCF-A13D-CB76A165A1F3}"/>
+                <a16:creationId xmlns="" xmlns:a16="http://schemas.microsoft.com/office/drawing/2014/main" id="{EB6628E6-B359-4CCF-A13D-CB76A165A1F3}"/>
               </a:ext>
             </a:extLst>
           </p:cNvPr>
@@ -10513,7 +10514,7 @@
           <p:cNvPr id="82" name="타원 81">
             <a:extLst>
               <a:ext uri="{FF2B5EF4-FFF2-40B4-BE49-F238E27FC236}">
-                <a16:creationId xmlns:a16="http://schemas.microsoft.com/office/drawing/2014/main" xmlns="" id="{2CE6625E-AA47-4389-AF07-AB4A18EDD60B}"/>
+                <a16:creationId xmlns="" xmlns:a16="http://schemas.microsoft.com/office/drawing/2014/main" id="{2CE6625E-AA47-4389-AF07-AB4A18EDD60B}"/>
               </a:ext>
             </a:extLst>
           </p:cNvPr>
@@ -10565,7 +10566,7 @@
           <p:cNvPr id="85" name="직선 화살표 연결선 84">
             <a:extLst>
               <a:ext uri="{FF2B5EF4-FFF2-40B4-BE49-F238E27FC236}">
-                <a16:creationId xmlns:a16="http://schemas.microsoft.com/office/drawing/2014/main" xmlns="" id="{AB4CEFE4-077C-4625-9E2C-5F761F8B95EC}"/>
+                <a16:creationId xmlns="" xmlns:a16="http://schemas.microsoft.com/office/drawing/2014/main" id="{AB4CEFE4-077C-4625-9E2C-5F761F8B95EC}"/>
               </a:ext>
             </a:extLst>
           </p:cNvPr>
@@ -10610,7 +10611,7 @@
           <p:cNvPr id="87" name="직선 화살표 연결선 86">
             <a:extLst>
               <a:ext uri="{FF2B5EF4-FFF2-40B4-BE49-F238E27FC236}">
-                <a16:creationId xmlns:a16="http://schemas.microsoft.com/office/drawing/2014/main" xmlns="" id="{6DE4627E-70EC-43FD-AEF4-AF38D604446E}"/>
+                <a16:creationId xmlns="" xmlns:a16="http://schemas.microsoft.com/office/drawing/2014/main" id="{6DE4627E-70EC-43FD-AEF4-AF38D604446E}"/>
               </a:ext>
             </a:extLst>
           </p:cNvPr>
@@ -10656,7 +10657,7 @@
           <p:cNvPr id="89" name="직선 화살표 연결선 88">
             <a:extLst>
               <a:ext uri="{FF2B5EF4-FFF2-40B4-BE49-F238E27FC236}">
-                <a16:creationId xmlns:a16="http://schemas.microsoft.com/office/drawing/2014/main" xmlns="" id="{637B0387-35E7-4F5A-A703-C67711D38E84}"/>
+                <a16:creationId xmlns="" xmlns:a16="http://schemas.microsoft.com/office/drawing/2014/main" id="{637B0387-35E7-4F5A-A703-C67711D38E84}"/>
               </a:ext>
             </a:extLst>
           </p:cNvPr>
@@ -10701,7 +10702,7 @@
           <p:cNvPr id="93" name="직선 화살표 연결선 92">
             <a:extLst>
               <a:ext uri="{FF2B5EF4-FFF2-40B4-BE49-F238E27FC236}">
-                <a16:creationId xmlns:a16="http://schemas.microsoft.com/office/drawing/2014/main" xmlns="" id="{DCBF479C-D0D8-4078-8289-246A5F9B67BD}"/>
+                <a16:creationId xmlns="" xmlns:a16="http://schemas.microsoft.com/office/drawing/2014/main" id="{DCBF479C-D0D8-4078-8289-246A5F9B67BD}"/>
               </a:ext>
             </a:extLst>
           </p:cNvPr>
@@ -10746,7 +10747,7 @@
           <p:cNvPr id="83" name="TextBox 82">
             <a:extLst>
               <a:ext uri="{FF2B5EF4-FFF2-40B4-BE49-F238E27FC236}">
-                <a16:creationId xmlns:a16="http://schemas.microsoft.com/office/drawing/2014/main" xmlns="" id="{7E47BFCE-9742-4373-962F-3EBCCC668E8B}"/>
+                <a16:creationId xmlns="" xmlns:a16="http://schemas.microsoft.com/office/drawing/2014/main" id="{7E47BFCE-9742-4373-962F-3EBCCC668E8B}"/>
               </a:ext>
             </a:extLst>
           </p:cNvPr>
@@ -10797,7 +10798,7 @@
           <p:cNvPr id="94" name="직선 화살표 연결선 93">
             <a:extLst>
               <a:ext uri="{FF2B5EF4-FFF2-40B4-BE49-F238E27FC236}">
-                <a16:creationId xmlns:a16="http://schemas.microsoft.com/office/drawing/2014/main" xmlns="" id="{CB888FCE-CC26-4673-A684-2B8A16A91E6B}"/>
+                <a16:creationId xmlns="" xmlns:a16="http://schemas.microsoft.com/office/drawing/2014/main" id="{CB888FCE-CC26-4673-A684-2B8A16A91E6B}"/>
               </a:ext>
             </a:extLst>
           </p:cNvPr>
@@ -10868,6 +10869,2755 @@
           <a:chExt cx="0" cy="0"/>
         </a:xfrm>
       </p:grpSpPr>
+      <p:cxnSp>
+        <p:nvCxnSpPr>
+          <p:cNvPr id="6" name="직선 연결선 5">
+            <a:extLst>
+              <a:ext uri="{FF2B5EF4-FFF2-40B4-BE49-F238E27FC236}">
+                <a16:creationId xmlns="" xmlns:a16="http://schemas.microsoft.com/office/drawing/2014/main" id="{31654EA8-B9F1-411B-924F-A39AFFF25FE4}"/>
+              </a:ext>
+            </a:extLst>
+          </p:cNvPr>
+          <p:cNvCxnSpPr>
+            <a:cxnSpLocks/>
+          </p:cNvCxnSpPr>
+          <p:nvPr/>
+        </p:nvCxnSpPr>
+        <p:spPr>
+          <a:xfrm>
+            <a:off x="3620145" y="1718452"/>
+            <a:ext cx="0" cy="3530975"/>
+          </a:xfrm>
+          <a:prstGeom prst="line">
+            <a:avLst/>
+          </a:prstGeom>
+          <a:ln w="19050"/>
+        </p:spPr>
+        <p:style>
+          <a:lnRef idx="1">
+            <a:schemeClr val="dk1"/>
+          </a:lnRef>
+          <a:fillRef idx="0">
+            <a:schemeClr val="dk1"/>
+          </a:fillRef>
+          <a:effectRef idx="0">
+            <a:schemeClr val="dk1"/>
+          </a:effectRef>
+          <a:fontRef idx="minor">
+            <a:schemeClr val="tx1"/>
+          </a:fontRef>
+        </p:style>
+      </p:cxnSp>
+      <p:cxnSp>
+        <p:nvCxnSpPr>
+          <p:cNvPr id="7" name="직선 연결선 6">
+            <a:extLst>
+              <a:ext uri="{FF2B5EF4-FFF2-40B4-BE49-F238E27FC236}">
+                <a16:creationId xmlns="" xmlns:a16="http://schemas.microsoft.com/office/drawing/2014/main" id="{4E07B35E-E95F-4959-B154-E7714662533C}"/>
+              </a:ext>
+            </a:extLst>
+          </p:cNvPr>
+          <p:cNvCxnSpPr/>
+          <p:nvPr/>
+        </p:nvCxnSpPr>
+        <p:spPr>
+          <a:xfrm>
+            <a:off x="3620145" y="1726776"/>
+            <a:ext cx="272051" cy="0"/>
+          </a:xfrm>
+          <a:prstGeom prst="line">
+            <a:avLst/>
+          </a:prstGeom>
+          <a:ln w="19050"/>
+        </p:spPr>
+        <p:style>
+          <a:lnRef idx="1">
+            <a:schemeClr val="dk1"/>
+          </a:lnRef>
+          <a:fillRef idx="0">
+            <a:schemeClr val="dk1"/>
+          </a:fillRef>
+          <a:effectRef idx="0">
+            <a:schemeClr val="dk1"/>
+          </a:effectRef>
+          <a:fontRef idx="minor">
+            <a:schemeClr val="tx1"/>
+          </a:fontRef>
+        </p:style>
+      </p:cxnSp>
+      <p:cxnSp>
+        <p:nvCxnSpPr>
+          <p:cNvPr id="8" name="직선 연결선 7">
+            <a:extLst>
+              <a:ext uri="{FF2B5EF4-FFF2-40B4-BE49-F238E27FC236}">
+                <a16:creationId xmlns="" xmlns:a16="http://schemas.microsoft.com/office/drawing/2014/main" id="{E4FFF66C-C336-47F1-93F9-02E956F4091B}"/>
+              </a:ext>
+            </a:extLst>
+          </p:cNvPr>
+          <p:cNvCxnSpPr/>
+          <p:nvPr/>
+        </p:nvCxnSpPr>
+        <p:spPr>
+          <a:xfrm>
+            <a:off x="3620145" y="5240261"/>
+            <a:ext cx="272051" cy="0"/>
+          </a:xfrm>
+          <a:prstGeom prst="line">
+            <a:avLst/>
+          </a:prstGeom>
+          <a:ln w="19050"/>
+        </p:spPr>
+        <p:style>
+          <a:lnRef idx="1">
+            <a:schemeClr val="dk1"/>
+          </a:lnRef>
+          <a:fillRef idx="0">
+            <a:schemeClr val="dk1"/>
+          </a:fillRef>
+          <a:effectRef idx="0">
+            <a:schemeClr val="dk1"/>
+          </a:effectRef>
+          <a:fontRef idx="minor">
+            <a:schemeClr val="tx1"/>
+          </a:fontRef>
+        </p:style>
+      </p:cxnSp>
+      <p:cxnSp>
+        <p:nvCxnSpPr>
+          <p:cNvPr id="10" name="직선 연결선 9">
+            <a:extLst>
+              <a:ext uri="{FF2B5EF4-FFF2-40B4-BE49-F238E27FC236}">
+                <a16:creationId xmlns="" xmlns:a16="http://schemas.microsoft.com/office/drawing/2014/main" id="{F04DF4A3-A86D-4539-A457-19D81BC14F59}"/>
+              </a:ext>
+            </a:extLst>
+          </p:cNvPr>
+          <p:cNvCxnSpPr/>
+          <p:nvPr/>
+        </p:nvCxnSpPr>
+        <p:spPr>
+          <a:xfrm flipH="1">
+            <a:off x="8571855" y="1718453"/>
+            <a:ext cx="0" cy="3530974"/>
+          </a:xfrm>
+          <a:prstGeom prst="line">
+            <a:avLst/>
+          </a:prstGeom>
+          <a:ln w="19050"/>
+        </p:spPr>
+        <p:style>
+          <a:lnRef idx="1">
+            <a:schemeClr val="dk1"/>
+          </a:lnRef>
+          <a:fillRef idx="0">
+            <a:schemeClr val="dk1"/>
+          </a:fillRef>
+          <a:effectRef idx="0">
+            <a:schemeClr val="dk1"/>
+          </a:effectRef>
+          <a:fontRef idx="minor">
+            <a:schemeClr val="tx1"/>
+          </a:fontRef>
+        </p:style>
+      </p:cxnSp>
+      <p:cxnSp>
+        <p:nvCxnSpPr>
+          <p:cNvPr id="11" name="직선 연결선 10">
+            <a:extLst>
+              <a:ext uri="{FF2B5EF4-FFF2-40B4-BE49-F238E27FC236}">
+                <a16:creationId xmlns="" xmlns:a16="http://schemas.microsoft.com/office/drawing/2014/main" id="{64673F54-A7E0-4DB9-A52F-91F6F84A4C48}"/>
+              </a:ext>
+            </a:extLst>
+          </p:cNvPr>
+          <p:cNvCxnSpPr/>
+          <p:nvPr/>
+        </p:nvCxnSpPr>
+        <p:spPr>
+          <a:xfrm flipH="1">
+            <a:off x="8299804" y="1726776"/>
+            <a:ext cx="272051" cy="0"/>
+          </a:xfrm>
+          <a:prstGeom prst="line">
+            <a:avLst/>
+          </a:prstGeom>
+          <a:ln w="19050"/>
+        </p:spPr>
+        <p:style>
+          <a:lnRef idx="1">
+            <a:schemeClr val="dk1"/>
+          </a:lnRef>
+          <a:fillRef idx="0">
+            <a:schemeClr val="dk1"/>
+          </a:fillRef>
+          <a:effectRef idx="0">
+            <a:schemeClr val="dk1"/>
+          </a:effectRef>
+          <a:fontRef idx="minor">
+            <a:schemeClr val="tx1"/>
+          </a:fontRef>
+        </p:style>
+      </p:cxnSp>
+      <p:cxnSp>
+        <p:nvCxnSpPr>
+          <p:cNvPr id="12" name="직선 연결선 11">
+            <a:extLst>
+              <a:ext uri="{FF2B5EF4-FFF2-40B4-BE49-F238E27FC236}">
+                <a16:creationId xmlns="" xmlns:a16="http://schemas.microsoft.com/office/drawing/2014/main" id="{6AE9AB7F-9042-41D0-8094-A670CFD71A82}"/>
+              </a:ext>
+            </a:extLst>
+          </p:cNvPr>
+          <p:cNvCxnSpPr/>
+          <p:nvPr/>
+        </p:nvCxnSpPr>
+        <p:spPr>
+          <a:xfrm flipH="1">
+            <a:off x="8299804" y="5240261"/>
+            <a:ext cx="272051" cy="0"/>
+          </a:xfrm>
+          <a:prstGeom prst="line">
+            <a:avLst/>
+          </a:prstGeom>
+          <a:ln w="19050"/>
+        </p:spPr>
+        <p:style>
+          <a:lnRef idx="1">
+            <a:schemeClr val="dk1"/>
+          </a:lnRef>
+          <a:fillRef idx="0">
+            <a:schemeClr val="dk1"/>
+          </a:fillRef>
+          <a:effectRef idx="0">
+            <a:schemeClr val="dk1"/>
+          </a:effectRef>
+          <a:fontRef idx="minor">
+            <a:schemeClr val="tx1"/>
+          </a:fontRef>
+        </p:style>
+      </p:cxnSp>
+      <p:sp>
+        <p:nvSpPr>
+          <p:cNvPr id="14" name="TextBox 13">
+            <a:extLst>
+              <a:ext uri="{FF2B5EF4-FFF2-40B4-BE49-F238E27FC236}">
+                <a16:creationId xmlns="" xmlns:a16="http://schemas.microsoft.com/office/drawing/2014/main" id="{E949D324-98A0-40F7-84A4-65067AE1B247}"/>
+              </a:ext>
+            </a:extLst>
+          </p:cNvPr>
+          <p:cNvSpPr txBox="1"/>
+          <p:nvPr/>
+        </p:nvSpPr>
+        <p:spPr>
+          <a:xfrm>
+            <a:off x="4004017" y="1608568"/>
+            <a:ext cx="381836" cy="523220"/>
+          </a:xfrm>
+          <a:prstGeom prst="rect">
+            <a:avLst/>
+          </a:prstGeom>
+          <a:noFill/>
+        </p:spPr>
+        <p:txBody>
+          <a:bodyPr wrap="none" rtlCol="0" anchor="ctr">
+            <a:spAutoFit/>
+          </a:bodyPr>
+          <a:lstStyle/>
+          <a:p>
+            <a:pPr algn="ctr"/>
+            <a:r>
+              <a:rPr lang="en-US" altLang="ko-KR" sz="2800" dirty="0" smtClean="0"/>
+              <a:t>1</a:t>
+            </a:r>
+            <a:endParaRPr lang="ko-KR" altLang="en-US" sz="2800" dirty="0"/>
+          </a:p>
+        </p:txBody>
+      </p:sp>
+      <p:sp>
+        <p:nvSpPr>
+          <p:cNvPr id="15" name="TextBox 14">
+            <a:extLst>
+              <a:ext uri="{FF2B5EF4-FFF2-40B4-BE49-F238E27FC236}">
+                <a16:creationId xmlns="" xmlns:a16="http://schemas.microsoft.com/office/drawing/2014/main" id="{5A89365F-595E-448D-8C11-2AD4E3EDA249}"/>
+              </a:ext>
+            </a:extLst>
+          </p:cNvPr>
+          <p:cNvSpPr txBox="1"/>
+          <p:nvPr/>
+        </p:nvSpPr>
+        <p:spPr>
+          <a:xfrm>
+            <a:off x="4004015" y="2244408"/>
+            <a:ext cx="381837" cy="523220"/>
+          </a:xfrm>
+          <a:prstGeom prst="rect">
+            <a:avLst/>
+          </a:prstGeom>
+          <a:noFill/>
+        </p:spPr>
+        <p:txBody>
+          <a:bodyPr wrap="none" rtlCol="0" anchor="ctr">
+            <a:spAutoFit/>
+          </a:bodyPr>
+          <a:lstStyle/>
+          <a:p>
+            <a:pPr algn="ctr"/>
+            <a:r>
+              <a:rPr lang="en-US" altLang="ko-KR" sz="2800" dirty="0"/>
+              <a:t>0</a:t>
+            </a:r>
+            <a:endParaRPr lang="ko-KR" altLang="en-US" sz="2800" dirty="0"/>
+          </a:p>
+        </p:txBody>
+      </p:sp>
+      <p:sp>
+        <p:nvSpPr>
+          <p:cNvPr id="16" name="TextBox 15">
+            <a:extLst>
+              <a:ext uri="{FF2B5EF4-FFF2-40B4-BE49-F238E27FC236}">
+                <a16:creationId xmlns="" xmlns:a16="http://schemas.microsoft.com/office/drawing/2014/main" id="{C2D93AB9-1EB8-4A18-BEA3-CB6A1473383E}"/>
+              </a:ext>
+            </a:extLst>
+          </p:cNvPr>
+          <p:cNvSpPr txBox="1"/>
+          <p:nvPr/>
+        </p:nvSpPr>
+        <p:spPr>
+          <a:xfrm>
+            <a:off x="4004017" y="2880248"/>
+            <a:ext cx="381835" cy="523220"/>
+          </a:xfrm>
+          <a:prstGeom prst="rect">
+            <a:avLst/>
+          </a:prstGeom>
+          <a:noFill/>
+        </p:spPr>
+        <p:txBody>
+          <a:bodyPr wrap="none" rtlCol="0" anchor="ctr">
+            <a:spAutoFit/>
+          </a:bodyPr>
+          <a:lstStyle/>
+          <a:p>
+            <a:pPr algn="ctr"/>
+            <a:r>
+              <a:rPr lang="en-US" altLang="ko-KR" sz="2800" dirty="0"/>
+              <a:t>0</a:t>
+            </a:r>
+            <a:endParaRPr lang="ko-KR" altLang="en-US" sz="2800" dirty="0"/>
+          </a:p>
+        </p:txBody>
+      </p:sp>
+      <p:sp>
+        <p:nvSpPr>
+          <p:cNvPr id="17" name="TextBox 16">
+            <a:extLst>
+              <a:ext uri="{FF2B5EF4-FFF2-40B4-BE49-F238E27FC236}">
+                <a16:creationId xmlns="" xmlns:a16="http://schemas.microsoft.com/office/drawing/2014/main" id="{119143F9-9662-4BFC-8C7E-8F5237C8D6C3}"/>
+              </a:ext>
+            </a:extLst>
+          </p:cNvPr>
+          <p:cNvSpPr txBox="1"/>
+          <p:nvPr/>
+        </p:nvSpPr>
+        <p:spPr>
+          <a:xfrm>
+            <a:off x="4004017" y="3516088"/>
+            <a:ext cx="381835" cy="523220"/>
+          </a:xfrm>
+          <a:prstGeom prst="rect">
+            <a:avLst/>
+          </a:prstGeom>
+          <a:noFill/>
+        </p:spPr>
+        <p:txBody>
+          <a:bodyPr wrap="none" rtlCol="0" anchor="ctr">
+            <a:spAutoFit/>
+          </a:bodyPr>
+          <a:lstStyle/>
+          <a:p>
+            <a:pPr algn="ctr"/>
+            <a:r>
+              <a:rPr lang="en-US" altLang="ko-KR" sz="2800" dirty="0"/>
+              <a:t>0</a:t>
+            </a:r>
+            <a:endParaRPr lang="ko-KR" altLang="en-US" sz="2800" dirty="0"/>
+          </a:p>
+        </p:txBody>
+      </p:sp>
+      <p:sp>
+        <p:nvSpPr>
+          <p:cNvPr id="18" name="TextBox 17">
+            <a:extLst>
+              <a:ext uri="{FF2B5EF4-FFF2-40B4-BE49-F238E27FC236}">
+                <a16:creationId xmlns="" xmlns:a16="http://schemas.microsoft.com/office/drawing/2014/main" id="{D65CEA8C-7F03-47CF-8C8B-E71BA660DF53}"/>
+              </a:ext>
+            </a:extLst>
+          </p:cNvPr>
+          <p:cNvSpPr txBox="1"/>
+          <p:nvPr/>
+        </p:nvSpPr>
+        <p:spPr>
+          <a:xfrm>
+            <a:off x="4004017" y="4151928"/>
+            <a:ext cx="381835" cy="523220"/>
+          </a:xfrm>
+          <a:prstGeom prst="rect">
+            <a:avLst/>
+          </a:prstGeom>
+          <a:noFill/>
+        </p:spPr>
+        <p:txBody>
+          <a:bodyPr wrap="none" rtlCol="0" anchor="ctr">
+            <a:spAutoFit/>
+          </a:bodyPr>
+          <a:lstStyle/>
+          <a:p>
+            <a:pPr algn="ctr"/>
+            <a:r>
+              <a:rPr lang="en-US" altLang="ko-KR" sz="2800" dirty="0"/>
+              <a:t>0</a:t>
+            </a:r>
+            <a:endParaRPr lang="ko-KR" altLang="en-US" sz="2800" dirty="0"/>
+          </a:p>
+        </p:txBody>
+      </p:sp>
+      <p:sp>
+        <p:nvSpPr>
+          <p:cNvPr id="20" name="TextBox 19">
+            <a:extLst>
+              <a:ext uri="{FF2B5EF4-FFF2-40B4-BE49-F238E27FC236}">
+                <a16:creationId xmlns="" xmlns:a16="http://schemas.microsoft.com/office/drawing/2014/main" id="{124A2A46-0B07-44A3-B17A-50E4AC7A54C1}"/>
+              </a:ext>
+            </a:extLst>
+          </p:cNvPr>
+          <p:cNvSpPr txBox="1"/>
+          <p:nvPr/>
+        </p:nvSpPr>
+        <p:spPr>
+          <a:xfrm>
+            <a:off x="4600785" y="1608568"/>
+            <a:ext cx="381836" cy="523220"/>
+          </a:xfrm>
+          <a:prstGeom prst="rect">
+            <a:avLst/>
+          </a:prstGeom>
+          <a:noFill/>
+        </p:spPr>
+        <p:txBody>
+          <a:bodyPr wrap="none" rtlCol="0" anchor="ctr">
+            <a:spAutoFit/>
+          </a:bodyPr>
+          <a:lstStyle/>
+          <a:p>
+            <a:pPr algn="ctr"/>
+            <a:r>
+              <a:rPr lang="en-US" altLang="ko-KR" sz="2800" dirty="0" smtClean="0"/>
+              <a:t>0</a:t>
+            </a:r>
+            <a:endParaRPr lang="ko-KR" altLang="en-US" sz="2800" dirty="0"/>
+          </a:p>
+        </p:txBody>
+      </p:sp>
+      <p:sp>
+        <p:nvSpPr>
+          <p:cNvPr id="21" name="TextBox 20">
+            <a:extLst>
+              <a:ext uri="{FF2B5EF4-FFF2-40B4-BE49-F238E27FC236}">
+                <a16:creationId xmlns="" xmlns:a16="http://schemas.microsoft.com/office/drawing/2014/main" id="{127B6753-0375-4F50-8EBB-C3EBF58B25A0}"/>
+              </a:ext>
+            </a:extLst>
+          </p:cNvPr>
+          <p:cNvSpPr txBox="1"/>
+          <p:nvPr/>
+        </p:nvSpPr>
+        <p:spPr>
+          <a:xfrm>
+            <a:off x="4600785" y="2244408"/>
+            <a:ext cx="381836" cy="523220"/>
+          </a:xfrm>
+          <a:prstGeom prst="rect">
+            <a:avLst/>
+          </a:prstGeom>
+          <a:noFill/>
+        </p:spPr>
+        <p:txBody>
+          <a:bodyPr wrap="none" rtlCol="0" anchor="ctr">
+            <a:spAutoFit/>
+          </a:bodyPr>
+          <a:lstStyle/>
+          <a:p>
+            <a:pPr algn="ctr"/>
+            <a:r>
+              <a:rPr lang="en-US" altLang="ko-KR" sz="2800" dirty="0" smtClean="0"/>
+              <a:t>1</a:t>
+            </a:r>
+            <a:endParaRPr lang="ko-KR" altLang="en-US" sz="2800" dirty="0"/>
+          </a:p>
+        </p:txBody>
+      </p:sp>
+      <p:sp>
+        <p:nvSpPr>
+          <p:cNvPr id="22" name="TextBox 21">
+            <a:extLst>
+              <a:ext uri="{FF2B5EF4-FFF2-40B4-BE49-F238E27FC236}">
+                <a16:creationId xmlns="" xmlns:a16="http://schemas.microsoft.com/office/drawing/2014/main" id="{B116CB62-58E4-4818-B572-748F45E877D0}"/>
+              </a:ext>
+            </a:extLst>
+          </p:cNvPr>
+          <p:cNvSpPr txBox="1"/>
+          <p:nvPr/>
+        </p:nvSpPr>
+        <p:spPr>
+          <a:xfrm>
+            <a:off x="4600786" y="2880248"/>
+            <a:ext cx="381835" cy="523220"/>
+          </a:xfrm>
+          <a:prstGeom prst="rect">
+            <a:avLst/>
+          </a:prstGeom>
+          <a:noFill/>
+        </p:spPr>
+        <p:txBody>
+          <a:bodyPr wrap="none" rtlCol="0" anchor="ctr">
+            <a:spAutoFit/>
+          </a:bodyPr>
+          <a:lstStyle/>
+          <a:p>
+            <a:pPr algn="ctr"/>
+            <a:r>
+              <a:rPr lang="en-US" altLang="ko-KR" sz="2800" dirty="0"/>
+              <a:t>0</a:t>
+            </a:r>
+            <a:endParaRPr lang="ko-KR" altLang="en-US" sz="2800" dirty="0"/>
+          </a:p>
+        </p:txBody>
+      </p:sp>
+      <p:sp>
+        <p:nvSpPr>
+          <p:cNvPr id="23" name="TextBox 22">
+            <a:extLst>
+              <a:ext uri="{FF2B5EF4-FFF2-40B4-BE49-F238E27FC236}">
+                <a16:creationId xmlns="" xmlns:a16="http://schemas.microsoft.com/office/drawing/2014/main" id="{083578AA-42ED-487F-B693-11DB0F61806B}"/>
+              </a:ext>
+            </a:extLst>
+          </p:cNvPr>
+          <p:cNvSpPr txBox="1"/>
+          <p:nvPr/>
+        </p:nvSpPr>
+        <p:spPr>
+          <a:xfrm>
+            <a:off x="4600786" y="3516088"/>
+            <a:ext cx="381835" cy="523220"/>
+          </a:xfrm>
+          <a:prstGeom prst="rect">
+            <a:avLst/>
+          </a:prstGeom>
+          <a:noFill/>
+        </p:spPr>
+        <p:txBody>
+          <a:bodyPr wrap="none" rtlCol="0" anchor="ctr">
+            <a:spAutoFit/>
+          </a:bodyPr>
+          <a:lstStyle/>
+          <a:p>
+            <a:pPr algn="ctr"/>
+            <a:r>
+              <a:rPr lang="en-US" altLang="ko-KR" sz="2800" dirty="0"/>
+              <a:t>0</a:t>
+            </a:r>
+            <a:endParaRPr lang="ko-KR" altLang="en-US" sz="2800" dirty="0"/>
+          </a:p>
+        </p:txBody>
+      </p:sp>
+      <p:sp>
+        <p:nvSpPr>
+          <p:cNvPr id="24" name="TextBox 23">
+            <a:extLst>
+              <a:ext uri="{FF2B5EF4-FFF2-40B4-BE49-F238E27FC236}">
+                <a16:creationId xmlns="" xmlns:a16="http://schemas.microsoft.com/office/drawing/2014/main" id="{5D84D04F-C822-4A52-A05E-744ABD508093}"/>
+              </a:ext>
+            </a:extLst>
+          </p:cNvPr>
+          <p:cNvSpPr txBox="1"/>
+          <p:nvPr/>
+        </p:nvSpPr>
+        <p:spPr>
+          <a:xfrm>
+            <a:off x="4600786" y="4151928"/>
+            <a:ext cx="381835" cy="523220"/>
+          </a:xfrm>
+          <a:prstGeom prst="rect">
+            <a:avLst/>
+          </a:prstGeom>
+          <a:noFill/>
+        </p:spPr>
+        <p:txBody>
+          <a:bodyPr wrap="none" rtlCol="0" anchor="ctr">
+            <a:spAutoFit/>
+          </a:bodyPr>
+          <a:lstStyle/>
+          <a:p>
+            <a:pPr algn="ctr"/>
+            <a:r>
+              <a:rPr lang="en-US" altLang="ko-KR" sz="2800" dirty="0"/>
+              <a:t>0</a:t>
+            </a:r>
+            <a:endParaRPr lang="ko-KR" altLang="en-US" sz="2800" dirty="0"/>
+          </a:p>
+        </p:txBody>
+      </p:sp>
+      <p:sp>
+        <p:nvSpPr>
+          <p:cNvPr id="26" name="TextBox 25">
+            <a:extLst>
+              <a:ext uri="{FF2B5EF4-FFF2-40B4-BE49-F238E27FC236}">
+                <a16:creationId xmlns="" xmlns:a16="http://schemas.microsoft.com/office/drawing/2014/main" id="{41E6F538-9F9C-4553-9A66-9C05463EAB60}"/>
+              </a:ext>
+            </a:extLst>
+          </p:cNvPr>
+          <p:cNvSpPr txBox="1"/>
+          <p:nvPr/>
+        </p:nvSpPr>
+        <p:spPr>
+          <a:xfrm>
+            <a:off x="5197554" y="1608568"/>
+            <a:ext cx="381836" cy="523220"/>
+          </a:xfrm>
+          <a:prstGeom prst="rect">
+            <a:avLst/>
+          </a:prstGeom>
+          <a:noFill/>
+        </p:spPr>
+        <p:txBody>
+          <a:bodyPr wrap="none" rtlCol="0" anchor="ctr">
+            <a:spAutoFit/>
+          </a:bodyPr>
+          <a:lstStyle/>
+          <a:p>
+            <a:pPr algn="ctr"/>
+            <a:r>
+              <a:rPr lang="en-US" altLang="ko-KR" sz="2800" dirty="0" smtClean="0"/>
+              <a:t>0</a:t>
+            </a:r>
+            <a:endParaRPr lang="ko-KR" altLang="en-US" sz="2800" dirty="0"/>
+          </a:p>
+        </p:txBody>
+      </p:sp>
+      <p:sp>
+        <p:nvSpPr>
+          <p:cNvPr id="27" name="TextBox 26">
+            <a:extLst>
+              <a:ext uri="{FF2B5EF4-FFF2-40B4-BE49-F238E27FC236}">
+                <a16:creationId xmlns="" xmlns:a16="http://schemas.microsoft.com/office/drawing/2014/main" id="{BA05173D-B233-4D44-9BC7-E4670389830C}"/>
+              </a:ext>
+            </a:extLst>
+          </p:cNvPr>
+          <p:cNvSpPr txBox="1"/>
+          <p:nvPr/>
+        </p:nvSpPr>
+        <p:spPr>
+          <a:xfrm>
+            <a:off x="5197553" y="2244408"/>
+            <a:ext cx="381836" cy="523220"/>
+          </a:xfrm>
+          <a:prstGeom prst="rect">
+            <a:avLst/>
+          </a:prstGeom>
+          <a:noFill/>
+        </p:spPr>
+        <p:txBody>
+          <a:bodyPr wrap="none" rtlCol="0" anchor="ctr">
+            <a:spAutoFit/>
+          </a:bodyPr>
+          <a:lstStyle/>
+          <a:p>
+            <a:pPr algn="ctr"/>
+            <a:r>
+              <a:rPr lang="en-US" altLang="ko-KR" sz="2800" dirty="0" smtClean="0"/>
+              <a:t>0</a:t>
+            </a:r>
+            <a:endParaRPr lang="ko-KR" altLang="en-US" sz="2800" dirty="0"/>
+          </a:p>
+        </p:txBody>
+      </p:sp>
+      <p:sp>
+        <p:nvSpPr>
+          <p:cNvPr id="28" name="TextBox 27">
+            <a:extLst>
+              <a:ext uri="{FF2B5EF4-FFF2-40B4-BE49-F238E27FC236}">
+                <a16:creationId xmlns="" xmlns:a16="http://schemas.microsoft.com/office/drawing/2014/main" id="{E9547A23-6AB5-453B-9412-5817BE440F6C}"/>
+              </a:ext>
+            </a:extLst>
+          </p:cNvPr>
+          <p:cNvSpPr txBox="1"/>
+          <p:nvPr/>
+        </p:nvSpPr>
+        <p:spPr>
+          <a:xfrm>
+            <a:off x="5197555" y="2880248"/>
+            <a:ext cx="381836" cy="523220"/>
+          </a:xfrm>
+          <a:prstGeom prst="rect">
+            <a:avLst/>
+          </a:prstGeom>
+          <a:noFill/>
+        </p:spPr>
+        <p:txBody>
+          <a:bodyPr wrap="none" rtlCol="0" anchor="ctr">
+            <a:spAutoFit/>
+          </a:bodyPr>
+          <a:lstStyle/>
+          <a:p>
+            <a:pPr algn="ctr"/>
+            <a:r>
+              <a:rPr lang="en-US" altLang="ko-KR" sz="2800" dirty="0" smtClean="0"/>
+              <a:t>1</a:t>
+            </a:r>
+            <a:endParaRPr lang="ko-KR" altLang="en-US" sz="2800" dirty="0"/>
+          </a:p>
+        </p:txBody>
+      </p:sp>
+      <p:sp>
+        <p:nvSpPr>
+          <p:cNvPr id="29" name="TextBox 28">
+            <a:extLst>
+              <a:ext uri="{FF2B5EF4-FFF2-40B4-BE49-F238E27FC236}">
+                <a16:creationId xmlns="" xmlns:a16="http://schemas.microsoft.com/office/drawing/2014/main" id="{D8D463D9-B497-4B82-88D7-4BC7471DF49C}"/>
+              </a:ext>
+            </a:extLst>
+          </p:cNvPr>
+          <p:cNvSpPr txBox="1"/>
+          <p:nvPr/>
+        </p:nvSpPr>
+        <p:spPr>
+          <a:xfrm>
+            <a:off x="5197555" y="3516088"/>
+            <a:ext cx="381835" cy="523220"/>
+          </a:xfrm>
+          <a:prstGeom prst="rect">
+            <a:avLst/>
+          </a:prstGeom>
+          <a:noFill/>
+        </p:spPr>
+        <p:txBody>
+          <a:bodyPr wrap="none" rtlCol="0" anchor="ctr">
+            <a:spAutoFit/>
+          </a:bodyPr>
+          <a:lstStyle/>
+          <a:p>
+            <a:pPr algn="ctr"/>
+            <a:r>
+              <a:rPr lang="en-US" altLang="ko-KR" sz="2800" dirty="0"/>
+              <a:t>0</a:t>
+            </a:r>
+            <a:endParaRPr lang="ko-KR" altLang="en-US" sz="2800" dirty="0"/>
+          </a:p>
+        </p:txBody>
+      </p:sp>
+      <p:sp>
+        <p:nvSpPr>
+          <p:cNvPr id="30" name="TextBox 29">
+            <a:extLst>
+              <a:ext uri="{FF2B5EF4-FFF2-40B4-BE49-F238E27FC236}">
+                <a16:creationId xmlns="" xmlns:a16="http://schemas.microsoft.com/office/drawing/2014/main" id="{39C5CF66-680C-47A0-ABB7-21ED54599E87}"/>
+              </a:ext>
+            </a:extLst>
+          </p:cNvPr>
+          <p:cNvSpPr txBox="1"/>
+          <p:nvPr/>
+        </p:nvSpPr>
+        <p:spPr>
+          <a:xfrm>
+            <a:off x="5197555" y="4151928"/>
+            <a:ext cx="381835" cy="523220"/>
+          </a:xfrm>
+          <a:prstGeom prst="rect">
+            <a:avLst/>
+          </a:prstGeom>
+          <a:noFill/>
+        </p:spPr>
+        <p:txBody>
+          <a:bodyPr wrap="none" rtlCol="0" anchor="ctr">
+            <a:spAutoFit/>
+          </a:bodyPr>
+          <a:lstStyle/>
+          <a:p>
+            <a:pPr algn="ctr"/>
+            <a:r>
+              <a:rPr lang="en-US" altLang="ko-KR" sz="2800" dirty="0"/>
+              <a:t>0</a:t>
+            </a:r>
+            <a:endParaRPr lang="ko-KR" altLang="en-US" sz="2800" dirty="0"/>
+          </a:p>
+        </p:txBody>
+      </p:sp>
+      <p:sp>
+        <p:nvSpPr>
+          <p:cNvPr id="32" name="TextBox 31">
+            <a:extLst>
+              <a:ext uri="{FF2B5EF4-FFF2-40B4-BE49-F238E27FC236}">
+                <a16:creationId xmlns="" xmlns:a16="http://schemas.microsoft.com/office/drawing/2014/main" id="{EB1F1875-3A73-4A80-85F5-46EF251DCDC3}"/>
+              </a:ext>
+            </a:extLst>
+          </p:cNvPr>
+          <p:cNvSpPr txBox="1"/>
+          <p:nvPr/>
+        </p:nvSpPr>
+        <p:spPr>
+          <a:xfrm>
+            <a:off x="5794324" y="1608568"/>
+            <a:ext cx="381836" cy="523220"/>
+          </a:xfrm>
+          <a:prstGeom prst="rect">
+            <a:avLst/>
+          </a:prstGeom>
+          <a:noFill/>
+        </p:spPr>
+        <p:txBody>
+          <a:bodyPr wrap="none" rtlCol="0" anchor="ctr">
+            <a:spAutoFit/>
+          </a:bodyPr>
+          <a:lstStyle/>
+          <a:p>
+            <a:pPr algn="ctr"/>
+            <a:r>
+              <a:rPr lang="en-US" altLang="ko-KR" sz="2800" dirty="0" smtClean="0"/>
+              <a:t>0</a:t>
+            </a:r>
+            <a:endParaRPr lang="ko-KR" altLang="en-US" sz="2800" dirty="0"/>
+          </a:p>
+        </p:txBody>
+      </p:sp>
+      <p:sp>
+        <p:nvSpPr>
+          <p:cNvPr id="33" name="TextBox 32">
+            <a:extLst>
+              <a:ext uri="{FF2B5EF4-FFF2-40B4-BE49-F238E27FC236}">
+                <a16:creationId xmlns="" xmlns:a16="http://schemas.microsoft.com/office/drawing/2014/main" id="{C4F940DE-E250-451B-AC81-9B92E2FAD39D}"/>
+              </a:ext>
+            </a:extLst>
+          </p:cNvPr>
+          <p:cNvSpPr txBox="1"/>
+          <p:nvPr/>
+        </p:nvSpPr>
+        <p:spPr>
+          <a:xfrm>
+            <a:off x="5794323" y="2244408"/>
+            <a:ext cx="381836" cy="523220"/>
+          </a:xfrm>
+          <a:prstGeom prst="rect">
+            <a:avLst/>
+          </a:prstGeom>
+          <a:noFill/>
+        </p:spPr>
+        <p:txBody>
+          <a:bodyPr wrap="none" rtlCol="0" anchor="ctr">
+            <a:spAutoFit/>
+          </a:bodyPr>
+          <a:lstStyle/>
+          <a:p>
+            <a:pPr algn="ctr"/>
+            <a:r>
+              <a:rPr lang="en-US" altLang="ko-KR" sz="2800" dirty="0" smtClean="0"/>
+              <a:t>0</a:t>
+            </a:r>
+            <a:endParaRPr lang="ko-KR" altLang="en-US" sz="2800" dirty="0"/>
+          </a:p>
+        </p:txBody>
+      </p:sp>
+      <p:sp>
+        <p:nvSpPr>
+          <p:cNvPr id="34" name="TextBox 33">
+            <a:extLst>
+              <a:ext uri="{FF2B5EF4-FFF2-40B4-BE49-F238E27FC236}">
+                <a16:creationId xmlns="" xmlns:a16="http://schemas.microsoft.com/office/drawing/2014/main" id="{D6FC296A-18B7-4E2C-89C5-F48681E0B45E}"/>
+              </a:ext>
+            </a:extLst>
+          </p:cNvPr>
+          <p:cNvSpPr txBox="1"/>
+          <p:nvPr/>
+        </p:nvSpPr>
+        <p:spPr>
+          <a:xfrm>
+            <a:off x="5794324" y="2880248"/>
+            <a:ext cx="381836" cy="523220"/>
+          </a:xfrm>
+          <a:prstGeom prst="rect">
+            <a:avLst/>
+          </a:prstGeom>
+          <a:noFill/>
+        </p:spPr>
+        <p:txBody>
+          <a:bodyPr wrap="none" rtlCol="0" anchor="ctr">
+            <a:spAutoFit/>
+          </a:bodyPr>
+          <a:lstStyle/>
+          <a:p>
+            <a:pPr algn="ctr"/>
+            <a:r>
+              <a:rPr lang="en-US" altLang="ko-KR" sz="2800" dirty="0" smtClean="0"/>
+              <a:t>0</a:t>
+            </a:r>
+            <a:endParaRPr lang="ko-KR" altLang="en-US" sz="2800" dirty="0"/>
+          </a:p>
+        </p:txBody>
+      </p:sp>
+      <p:sp>
+        <p:nvSpPr>
+          <p:cNvPr id="35" name="TextBox 34">
+            <a:extLst>
+              <a:ext uri="{FF2B5EF4-FFF2-40B4-BE49-F238E27FC236}">
+                <a16:creationId xmlns="" xmlns:a16="http://schemas.microsoft.com/office/drawing/2014/main" id="{03ADA3B6-5DD7-4A0E-9F82-235D39B06CAD}"/>
+              </a:ext>
+            </a:extLst>
+          </p:cNvPr>
+          <p:cNvSpPr txBox="1"/>
+          <p:nvPr/>
+        </p:nvSpPr>
+        <p:spPr>
+          <a:xfrm>
+            <a:off x="5794325" y="3516088"/>
+            <a:ext cx="381836" cy="523220"/>
+          </a:xfrm>
+          <a:prstGeom prst="rect">
+            <a:avLst/>
+          </a:prstGeom>
+          <a:noFill/>
+        </p:spPr>
+        <p:txBody>
+          <a:bodyPr wrap="none" rtlCol="0" anchor="ctr">
+            <a:spAutoFit/>
+          </a:bodyPr>
+          <a:lstStyle/>
+          <a:p>
+            <a:pPr algn="ctr"/>
+            <a:r>
+              <a:rPr lang="en-US" altLang="ko-KR" sz="2800" dirty="0" smtClean="0"/>
+              <a:t>1</a:t>
+            </a:r>
+            <a:endParaRPr lang="ko-KR" altLang="en-US" sz="2800" dirty="0"/>
+          </a:p>
+        </p:txBody>
+      </p:sp>
+      <p:sp>
+        <p:nvSpPr>
+          <p:cNvPr id="36" name="TextBox 35">
+            <a:extLst>
+              <a:ext uri="{FF2B5EF4-FFF2-40B4-BE49-F238E27FC236}">
+                <a16:creationId xmlns="" xmlns:a16="http://schemas.microsoft.com/office/drawing/2014/main" id="{E0D33BCD-4207-4D60-BD4A-E99A3202B09A}"/>
+              </a:ext>
+            </a:extLst>
+          </p:cNvPr>
+          <p:cNvSpPr txBox="1"/>
+          <p:nvPr/>
+        </p:nvSpPr>
+        <p:spPr>
+          <a:xfrm>
+            <a:off x="5794325" y="4151928"/>
+            <a:ext cx="381835" cy="523220"/>
+          </a:xfrm>
+          <a:prstGeom prst="rect">
+            <a:avLst/>
+          </a:prstGeom>
+          <a:noFill/>
+        </p:spPr>
+        <p:txBody>
+          <a:bodyPr wrap="none" rtlCol="0" anchor="ctr">
+            <a:spAutoFit/>
+          </a:bodyPr>
+          <a:lstStyle/>
+          <a:p>
+            <a:pPr algn="ctr"/>
+            <a:r>
+              <a:rPr lang="en-US" altLang="ko-KR" sz="2800" dirty="0"/>
+              <a:t>0</a:t>
+            </a:r>
+            <a:endParaRPr lang="ko-KR" altLang="en-US" sz="2800" dirty="0"/>
+          </a:p>
+        </p:txBody>
+      </p:sp>
+      <p:sp>
+        <p:nvSpPr>
+          <p:cNvPr id="38" name="TextBox 37">
+            <a:extLst>
+              <a:ext uri="{FF2B5EF4-FFF2-40B4-BE49-F238E27FC236}">
+                <a16:creationId xmlns="" xmlns:a16="http://schemas.microsoft.com/office/drawing/2014/main" id="{B0679E40-9E97-4B74-9C7D-BC84F520AFDC}"/>
+              </a:ext>
+            </a:extLst>
+          </p:cNvPr>
+          <p:cNvSpPr txBox="1"/>
+          <p:nvPr/>
+        </p:nvSpPr>
+        <p:spPr>
+          <a:xfrm>
+            <a:off x="7421640" y="1608568"/>
+            <a:ext cx="381836" cy="523220"/>
+          </a:xfrm>
+          <a:prstGeom prst="rect">
+            <a:avLst/>
+          </a:prstGeom>
+          <a:noFill/>
+        </p:spPr>
+        <p:txBody>
+          <a:bodyPr wrap="none" rtlCol="0" anchor="ctr">
+            <a:spAutoFit/>
+          </a:bodyPr>
+          <a:lstStyle/>
+          <a:p>
+            <a:pPr algn="ctr"/>
+            <a:r>
+              <a:rPr lang="en-US" altLang="ko-KR" sz="2800" dirty="0" smtClean="0"/>
+              <a:t>0</a:t>
+            </a:r>
+            <a:endParaRPr lang="ko-KR" altLang="en-US" sz="2800" dirty="0"/>
+          </a:p>
+        </p:txBody>
+      </p:sp>
+      <p:sp>
+        <p:nvSpPr>
+          <p:cNvPr id="39" name="TextBox 38">
+            <a:extLst>
+              <a:ext uri="{FF2B5EF4-FFF2-40B4-BE49-F238E27FC236}">
+                <a16:creationId xmlns="" xmlns:a16="http://schemas.microsoft.com/office/drawing/2014/main" id="{364E99E8-A09C-4B3D-BEEE-5D23EC68C987}"/>
+              </a:ext>
+            </a:extLst>
+          </p:cNvPr>
+          <p:cNvSpPr txBox="1"/>
+          <p:nvPr/>
+        </p:nvSpPr>
+        <p:spPr>
+          <a:xfrm>
+            <a:off x="7421639" y="2244408"/>
+            <a:ext cx="381836" cy="523220"/>
+          </a:xfrm>
+          <a:prstGeom prst="rect">
+            <a:avLst/>
+          </a:prstGeom>
+          <a:noFill/>
+        </p:spPr>
+        <p:txBody>
+          <a:bodyPr wrap="none" rtlCol="0" anchor="ctr">
+            <a:spAutoFit/>
+          </a:bodyPr>
+          <a:lstStyle/>
+          <a:p>
+            <a:pPr algn="ctr"/>
+            <a:r>
+              <a:rPr lang="en-US" altLang="ko-KR" sz="2800" dirty="0" smtClean="0"/>
+              <a:t>0</a:t>
+            </a:r>
+            <a:endParaRPr lang="ko-KR" altLang="en-US" sz="2800" dirty="0"/>
+          </a:p>
+        </p:txBody>
+      </p:sp>
+      <p:sp>
+        <p:nvSpPr>
+          <p:cNvPr id="40" name="TextBox 39">
+            <a:extLst>
+              <a:ext uri="{FF2B5EF4-FFF2-40B4-BE49-F238E27FC236}">
+                <a16:creationId xmlns="" xmlns:a16="http://schemas.microsoft.com/office/drawing/2014/main" id="{C15776E0-C9E5-41A0-90EC-ED193AE8E9A2}"/>
+              </a:ext>
+            </a:extLst>
+          </p:cNvPr>
+          <p:cNvSpPr txBox="1"/>
+          <p:nvPr/>
+        </p:nvSpPr>
+        <p:spPr>
+          <a:xfrm>
+            <a:off x="7421640" y="2880248"/>
+            <a:ext cx="381836" cy="523220"/>
+          </a:xfrm>
+          <a:prstGeom prst="rect">
+            <a:avLst/>
+          </a:prstGeom>
+          <a:noFill/>
+        </p:spPr>
+        <p:txBody>
+          <a:bodyPr wrap="none" rtlCol="0" anchor="ctr">
+            <a:spAutoFit/>
+          </a:bodyPr>
+          <a:lstStyle/>
+          <a:p>
+            <a:pPr algn="ctr"/>
+            <a:r>
+              <a:rPr lang="en-US" altLang="ko-KR" sz="2800" dirty="0" smtClean="0"/>
+              <a:t>0</a:t>
+            </a:r>
+            <a:endParaRPr lang="ko-KR" altLang="en-US" sz="2800" dirty="0"/>
+          </a:p>
+        </p:txBody>
+      </p:sp>
+      <p:sp>
+        <p:nvSpPr>
+          <p:cNvPr id="41" name="TextBox 40">
+            <a:extLst>
+              <a:ext uri="{FF2B5EF4-FFF2-40B4-BE49-F238E27FC236}">
+                <a16:creationId xmlns="" xmlns:a16="http://schemas.microsoft.com/office/drawing/2014/main" id="{5833ED93-0BC9-4777-BECA-C9478AC8027A}"/>
+              </a:ext>
+            </a:extLst>
+          </p:cNvPr>
+          <p:cNvSpPr txBox="1"/>
+          <p:nvPr/>
+        </p:nvSpPr>
+        <p:spPr>
+          <a:xfrm>
+            <a:off x="7421640" y="3516088"/>
+            <a:ext cx="381836" cy="523220"/>
+          </a:xfrm>
+          <a:prstGeom prst="rect">
+            <a:avLst/>
+          </a:prstGeom>
+          <a:noFill/>
+        </p:spPr>
+        <p:txBody>
+          <a:bodyPr wrap="none" rtlCol="0" anchor="ctr">
+            <a:spAutoFit/>
+          </a:bodyPr>
+          <a:lstStyle/>
+          <a:p>
+            <a:pPr algn="ctr"/>
+            <a:r>
+              <a:rPr lang="en-US" altLang="ko-KR" sz="2800" dirty="0" smtClean="0"/>
+              <a:t>0</a:t>
+            </a:r>
+            <a:endParaRPr lang="ko-KR" altLang="en-US" sz="2800" dirty="0"/>
+          </a:p>
+        </p:txBody>
+      </p:sp>
+      <p:sp>
+        <p:nvSpPr>
+          <p:cNvPr id="42" name="TextBox 41">
+            <a:extLst>
+              <a:ext uri="{FF2B5EF4-FFF2-40B4-BE49-F238E27FC236}">
+                <a16:creationId xmlns="" xmlns:a16="http://schemas.microsoft.com/office/drawing/2014/main" id="{0B54336C-54D2-4BC3-81A0-224422FF32CB}"/>
+              </a:ext>
+            </a:extLst>
+          </p:cNvPr>
+          <p:cNvSpPr txBox="1"/>
+          <p:nvPr/>
+        </p:nvSpPr>
+        <p:spPr>
+          <a:xfrm>
+            <a:off x="7421641" y="4151928"/>
+            <a:ext cx="381836" cy="523220"/>
+          </a:xfrm>
+          <a:prstGeom prst="rect">
+            <a:avLst/>
+          </a:prstGeom>
+          <a:noFill/>
+        </p:spPr>
+        <p:txBody>
+          <a:bodyPr wrap="none" rtlCol="0" anchor="ctr">
+            <a:spAutoFit/>
+          </a:bodyPr>
+          <a:lstStyle/>
+          <a:p>
+            <a:pPr algn="ctr"/>
+            <a:r>
+              <a:rPr lang="en-US" altLang="ko-KR" sz="2800" dirty="0" smtClean="0"/>
+              <a:t>1</a:t>
+            </a:r>
+            <a:endParaRPr lang="ko-KR" altLang="en-US" sz="2800" dirty="0"/>
+          </a:p>
+        </p:txBody>
+      </p:sp>
+      <p:sp>
+        <p:nvSpPr>
+          <p:cNvPr id="45" name="TextBox 44">
+            <a:extLst>
+              <a:ext uri="{FF2B5EF4-FFF2-40B4-BE49-F238E27FC236}">
+                <a16:creationId xmlns="" xmlns:a16="http://schemas.microsoft.com/office/drawing/2014/main" id="{2DE82AF6-A0E8-49D0-827D-E73A55F68FC1}"/>
+              </a:ext>
+            </a:extLst>
+          </p:cNvPr>
+          <p:cNvSpPr txBox="1"/>
+          <p:nvPr/>
+        </p:nvSpPr>
+        <p:spPr>
+          <a:xfrm>
+            <a:off x="7942815" y="1608568"/>
+            <a:ext cx="332142" cy="523220"/>
+          </a:xfrm>
+          <a:prstGeom prst="rect">
+            <a:avLst/>
+          </a:prstGeom>
+          <a:noFill/>
+        </p:spPr>
+        <p:txBody>
+          <a:bodyPr wrap="none" rtlCol="0" anchor="ctr">
+            <a:spAutoFit/>
+          </a:bodyPr>
+          <a:lstStyle/>
+          <a:p>
+            <a:pPr algn="ctr"/>
+            <a:r>
+              <a:rPr lang="en-US" altLang="ko-KR" sz="2800" dirty="0" smtClean="0"/>
+              <a:t>-</a:t>
+            </a:r>
+            <a:endParaRPr lang="ko-KR" altLang="en-US" sz="2800" dirty="0"/>
+          </a:p>
+        </p:txBody>
+      </p:sp>
+      <p:sp>
+        <p:nvSpPr>
+          <p:cNvPr id="46" name="TextBox 45">
+            <a:extLst>
+              <a:ext uri="{FF2B5EF4-FFF2-40B4-BE49-F238E27FC236}">
+                <a16:creationId xmlns="" xmlns:a16="http://schemas.microsoft.com/office/drawing/2014/main" id="{DB1A34F2-31F8-463D-A344-14D2069A3DBA}"/>
+              </a:ext>
+            </a:extLst>
+          </p:cNvPr>
+          <p:cNvSpPr txBox="1"/>
+          <p:nvPr/>
+        </p:nvSpPr>
+        <p:spPr>
+          <a:xfrm>
+            <a:off x="7942814" y="2244408"/>
+            <a:ext cx="332142" cy="523220"/>
+          </a:xfrm>
+          <a:prstGeom prst="rect">
+            <a:avLst/>
+          </a:prstGeom>
+          <a:noFill/>
+        </p:spPr>
+        <p:txBody>
+          <a:bodyPr wrap="none" rtlCol="0" anchor="ctr">
+            <a:spAutoFit/>
+          </a:bodyPr>
+          <a:lstStyle/>
+          <a:p>
+            <a:pPr algn="ctr"/>
+            <a:r>
+              <a:rPr lang="en-US" altLang="ko-KR" sz="2800" dirty="0" smtClean="0"/>
+              <a:t>-</a:t>
+            </a:r>
+            <a:endParaRPr lang="ko-KR" altLang="en-US" sz="2800" dirty="0"/>
+          </a:p>
+        </p:txBody>
+      </p:sp>
+      <p:sp>
+        <p:nvSpPr>
+          <p:cNvPr id="47" name="TextBox 46">
+            <a:extLst>
+              <a:ext uri="{FF2B5EF4-FFF2-40B4-BE49-F238E27FC236}">
+                <a16:creationId xmlns="" xmlns:a16="http://schemas.microsoft.com/office/drawing/2014/main" id="{949B3861-2E42-42D5-BAFB-F97BEE0E038B}"/>
+              </a:ext>
+            </a:extLst>
+          </p:cNvPr>
+          <p:cNvSpPr txBox="1"/>
+          <p:nvPr/>
+        </p:nvSpPr>
+        <p:spPr>
+          <a:xfrm>
+            <a:off x="7942815" y="2880248"/>
+            <a:ext cx="332142" cy="523220"/>
+          </a:xfrm>
+          <a:prstGeom prst="rect">
+            <a:avLst/>
+          </a:prstGeom>
+          <a:noFill/>
+        </p:spPr>
+        <p:txBody>
+          <a:bodyPr wrap="none" rtlCol="0" anchor="ctr">
+            <a:spAutoFit/>
+          </a:bodyPr>
+          <a:lstStyle/>
+          <a:p>
+            <a:pPr algn="ctr"/>
+            <a:r>
+              <a:rPr lang="en-US" altLang="ko-KR" sz="2800" dirty="0" smtClean="0"/>
+              <a:t>-</a:t>
+            </a:r>
+            <a:endParaRPr lang="ko-KR" altLang="en-US" sz="2800" dirty="0"/>
+          </a:p>
+        </p:txBody>
+      </p:sp>
+      <p:sp>
+        <p:nvSpPr>
+          <p:cNvPr id="48" name="TextBox 47">
+            <a:extLst>
+              <a:ext uri="{FF2B5EF4-FFF2-40B4-BE49-F238E27FC236}">
+                <a16:creationId xmlns="" xmlns:a16="http://schemas.microsoft.com/office/drawing/2014/main" id="{D8C31931-2FC7-41F8-820E-70A0A6B9F179}"/>
+              </a:ext>
+            </a:extLst>
+          </p:cNvPr>
+          <p:cNvSpPr txBox="1"/>
+          <p:nvPr/>
+        </p:nvSpPr>
+        <p:spPr>
+          <a:xfrm>
+            <a:off x="7942815" y="3516088"/>
+            <a:ext cx="332142" cy="523220"/>
+          </a:xfrm>
+          <a:prstGeom prst="rect">
+            <a:avLst/>
+          </a:prstGeom>
+          <a:noFill/>
+        </p:spPr>
+        <p:txBody>
+          <a:bodyPr wrap="none" rtlCol="0" anchor="ctr">
+            <a:spAutoFit/>
+          </a:bodyPr>
+          <a:lstStyle/>
+          <a:p>
+            <a:pPr algn="ctr"/>
+            <a:r>
+              <a:rPr lang="en-US" altLang="ko-KR" sz="2800" dirty="0" smtClean="0"/>
+              <a:t>-</a:t>
+            </a:r>
+            <a:endParaRPr lang="ko-KR" altLang="en-US" sz="2800" dirty="0"/>
+          </a:p>
+        </p:txBody>
+      </p:sp>
+      <p:sp>
+        <p:nvSpPr>
+          <p:cNvPr id="49" name="TextBox 48">
+            <a:extLst>
+              <a:ext uri="{FF2B5EF4-FFF2-40B4-BE49-F238E27FC236}">
+                <a16:creationId xmlns="" xmlns:a16="http://schemas.microsoft.com/office/drawing/2014/main" id="{9CDD0A07-C504-4B48-925A-F9A6BA21FB98}"/>
+              </a:ext>
+            </a:extLst>
+          </p:cNvPr>
+          <p:cNvSpPr txBox="1"/>
+          <p:nvPr/>
+        </p:nvSpPr>
+        <p:spPr>
+          <a:xfrm>
+            <a:off x="7942815" y="4151928"/>
+            <a:ext cx="332142" cy="523220"/>
+          </a:xfrm>
+          <a:prstGeom prst="rect">
+            <a:avLst/>
+          </a:prstGeom>
+          <a:noFill/>
+        </p:spPr>
+        <p:txBody>
+          <a:bodyPr wrap="none" rtlCol="0" anchor="ctr">
+            <a:spAutoFit/>
+          </a:bodyPr>
+          <a:lstStyle/>
+          <a:p>
+            <a:pPr algn="ctr"/>
+            <a:r>
+              <a:rPr lang="en-US" altLang="ko-KR" sz="2800" dirty="0" smtClean="0"/>
+              <a:t>-</a:t>
+            </a:r>
+            <a:endParaRPr lang="ko-KR" altLang="en-US" sz="2800" dirty="0"/>
+          </a:p>
+        </p:txBody>
+      </p:sp>
+      <p:sp>
+        <p:nvSpPr>
+          <p:cNvPr id="50" name="TextBox 49">
+            <a:extLst>
+              <a:ext uri="{FF2B5EF4-FFF2-40B4-BE49-F238E27FC236}">
+                <a16:creationId xmlns="" xmlns:a16="http://schemas.microsoft.com/office/drawing/2014/main" id="{A9ECA51C-C425-4946-BF9F-09407F2FBA4C}"/>
+              </a:ext>
+            </a:extLst>
+          </p:cNvPr>
+          <p:cNvSpPr txBox="1"/>
+          <p:nvPr/>
+        </p:nvSpPr>
+        <p:spPr>
+          <a:xfrm>
+            <a:off x="6348090" y="1608568"/>
+            <a:ext cx="332142" cy="523220"/>
+          </a:xfrm>
+          <a:prstGeom prst="rect">
+            <a:avLst/>
+          </a:prstGeom>
+          <a:noFill/>
+        </p:spPr>
+        <p:txBody>
+          <a:bodyPr wrap="none" rtlCol="0" anchor="ctr">
+            <a:spAutoFit/>
+          </a:bodyPr>
+          <a:lstStyle/>
+          <a:p>
+            <a:pPr algn="ctr"/>
+            <a:r>
+              <a:rPr lang="en-US" altLang="ko-KR" sz="2800" dirty="0" smtClean="0"/>
+              <a:t>-</a:t>
+            </a:r>
+            <a:endParaRPr lang="ko-KR" altLang="en-US" sz="2800" dirty="0"/>
+          </a:p>
+        </p:txBody>
+      </p:sp>
+      <p:sp>
+        <p:nvSpPr>
+          <p:cNvPr id="51" name="TextBox 50">
+            <a:extLst>
+              <a:ext uri="{FF2B5EF4-FFF2-40B4-BE49-F238E27FC236}">
+                <a16:creationId xmlns="" xmlns:a16="http://schemas.microsoft.com/office/drawing/2014/main" id="{55787D8D-9ED1-4999-A251-58AA218BB274}"/>
+              </a:ext>
+            </a:extLst>
+          </p:cNvPr>
+          <p:cNvSpPr txBox="1"/>
+          <p:nvPr/>
+        </p:nvSpPr>
+        <p:spPr>
+          <a:xfrm>
+            <a:off x="6348089" y="2244408"/>
+            <a:ext cx="332142" cy="523220"/>
+          </a:xfrm>
+          <a:prstGeom prst="rect">
+            <a:avLst/>
+          </a:prstGeom>
+          <a:noFill/>
+        </p:spPr>
+        <p:txBody>
+          <a:bodyPr wrap="none" rtlCol="0" anchor="ctr">
+            <a:spAutoFit/>
+          </a:bodyPr>
+          <a:lstStyle/>
+          <a:p>
+            <a:pPr algn="ctr"/>
+            <a:r>
+              <a:rPr lang="en-US" altLang="ko-KR" sz="2800" dirty="0" smtClean="0"/>
+              <a:t>-</a:t>
+            </a:r>
+            <a:endParaRPr lang="ko-KR" altLang="en-US" sz="2800" dirty="0"/>
+          </a:p>
+        </p:txBody>
+      </p:sp>
+      <p:sp>
+        <p:nvSpPr>
+          <p:cNvPr id="52" name="TextBox 51">
+            <a:extLst>
+              <a:ext uri="{FF2B5EF4-FFF2-40B4-BE49-F238E27FC236}">
+                <a16:creationId xmlns="" xmlns:a16="http://schemas.microsoft.com/office/drawing/2014/main" id="{7246F523-EC24-4694-AB85-D279B6B61AE7}"/>
+              </a:ext>
+            </a:extLst>
+          </p:cNvPr>
+          <p:cNvSpPr txBox="1"/>
+          <p:nvPr/>
+        </p:nvSpPr>
+        <p:spPr>
+          <a:xfrm>
+            <a:off x="6348089" y="2880248"/>
+            <a:ext cx="332143" cy="523220"/>
+          </a:xfrm>
+          <a:prstGeom prst="rect">
+            <a:avLst/>
+          </a:prstGeom>
+          <a:noFill/>
+        </p:spPr>
+        <p:txBody>
+          <a:bodyPr wrap="none" rtlCol="0" anchor="ctr">
+            <a:spAutoFit/>
+          </a:bodyPr>
+          <a:lstStyle/>
+          <a:p>
+            <a:pPr algn="ctr"/>
+            <a:r>
+              <a:rPr lang="en-US" altLang="ko-KR" sz="2800" dirty="0"/>
+              <a:t>-</a:t>
+            </a:r>
+            <a:endParaRPr lang="ko-KR" altLang="en-US" sz="2800" dirty="0"/>
+          </a:p>
+        </p:txBody>
+      </p:sp>
+      <p:sp>
+        <p:nvSpPr>
+          <p:cNvPr id="53" name="TextBox 52">
+            <a:extLst>
+              <a:ext uri="{FF2B5EF4-FFF2-40B4-BE49-F238E27FC236}">
+                <a16:creationId xmlns="" xmlns:a16="http://schemas.microsoft.com/office/drawing/2014/main" id="{37B73226-5AF4-417B-BB31-A3984DA358DA}"/>
+              </a:ext>
+            </a:extLst>
+          </p:cNvPr>
+          <p:cNvSpPr txBox="1"/>
+          <p:nvPr/>
+        </p:nvSpPr>
+        <p:spPr>
+          <a:xfrm>
+            <a:off x="6368930" y="3577642"/>
+            <a:ext cx="290464" cy="400110"/>
+          </a:xfrm>
+          <a:prstGeom prst="rect">
+            <a:avLst/>
+          </a:prstGeom>
+          <a:noFill/>
+        </p:spPr>
+        <p:txBody>
+          <a:bodyPr wrap="none" rtlCol="0" anchor="ctr">
+            <a:spAutoFit/>
+          </a:bodyPr>
+          <a:lstStyle/>
+          <a:p>
+            <a:pPr algn="ctr"/>
+            <a:r>
+              <a:rPr lang="en-US" altLang="ko-KR" sz="2000" dirty="0"/>
+              <a:t>-</a:t>
+            </a:r>
+            <a:endParaRPr lang="ko-KR" altLang="en-US" sz="2800" dirty="0"/>
+          </a:p>
+        </p:txBody>
+      </p:sp>
+      <p:sp>
+        <p:nvSpPr>
+          <p:cNvPr id="54" name="TextBox 53">
+            <a:extLst>
+              <a:ext uri="{FF2B5EF4-FFF2-40B4-BE49-F238E27FC236}">
+                <a16:creationId xmlns="" xmlns:a16="http://schemas.microsoft.com/office/drawing/2014/main" id="{785D348E-9980-4518-956E-53FAF8C0A198}"/>
+              </a:ext>
+            </a:extLst>
+          </p:cNvPr>
+          <p:cNvSpPr txBox="1"/>
+          <p:nvPr/>
+        </p:nvSpPr>
+        <p:spPr>
+          <a:xfrm>
+            <a:off x="6323244" y="4151928"/>
+            <a:ext cx="381835" cy="523220"/>
+          </a:xfrm>
+          <a:prstGeom prst="rect">
+            <a:avLst/>
+          </a:prstGeom>
+          <a:noFill/>
+        </p:spPr>
+        <p:txBody>
+          <a:bodyPr wrap="none" rtlCol="0" anchor="ctr">
+            <a:spAutoFit/>
+          </a:bodyPr>
+          <a:lstStyle/>
+          <a:p>
+            <a:pPr algn="ctr"/>
+            <a:r>
+              <a:rPr lang="en-US" altLang="ko-KR" sz="2800" dirty="0"/>
+              <a:t>0</a:t>
+            </a:r>
+            <a:endParaRPr lang="ko-KR" altLang="en-US" sz="2800" dirty="0"/>
+          </a:p>
+        </p:txBody>
+      </p:sp>
+      <p:sp>
+        <p:nvSpPr>
+          <p:cNvPr id="55" name="TextBox 54">
+            <a:extLst>
+              <a:ext uri="{FF2B5EF4-FFF2-40B4-BE49-F238E27FC236}">
+                <a16:creationId xmlns="" xmlns:a16="http://schemas.microsoft.com/office/drawing/2014/main" id="{0FDCA593-B62B-4F17-A809-EEA74578B5CC}"/>
+              </a:ext>
+            </a:extLst>
+          </p:cNvPr>
+          <p:cNvSpPr txBox="1"/>
+          <p:nvPr/>
+        </p:nvSpPr>
+        <p:spPr>
+          <a:xfrm>
+            <a:off x="6921893" y="1608568"/>
+            <a:ext cx="332142" cy="523220"/>
+          </a:xfrm>
+          <a:prstGeom prst="rect">
+            <a:avLst/>
+          </a:prstGeom>
+          <a:noFill/>
+        </p:spPr>
+        <p:txBody>
+          <a:bodyPr wrap="none" rtlCol="0" anchor="ctr">
+            <a:spAutoFit/>
+          </a:bodyPr>
+          <a:lstStyle/>
+          <a:p>
+            <a:pPr algn="ctr"/>
+            <a:r>
+              <a:rPr lang="en-US" altLang="ko-KR" sz="2800" dirty="0"/>
+              <a:t>-</a:t>
+            </a:r>
+            <a:endParaRPr lang="ko-KR" altLang="en-US" sz="2800" dirty="0"/>
+          </a:p>
+        </p:txBody>
+      </p:sp>
+      <p:sp>
+        <p:nvSpPr>
+          <p:cNvPr id="56" name="TextBox 55">
+            <a:extLst>
+              <a:ext uri="{FF2B5EF4-FFF2-40B4-BE49-F238E27FC236}">
+                <a16:creationId xmlns="" xmlns:a16="http://schemas.microsoft.com/office/drawing/2014/main" id="{FA7415B3-09A3-4F4A-90BE-D2862DCEC34A}"/>
+              </a:ext>
+            </a:extLst>
+          </p:cNvPr>
+          <p:cNvSpPr txBox="1"/>
+          <p:nvPr/>
+        </p:nvSpPr>
+        <p:spPr>
+          <a:xfrm>
+            <a:off x="6921892" y="2244408"/>
+            <a:ext cx="332142" cy="523220"/>
+          </a:xfrm>
+          <a:prstGeom prst="rect">
+            <a:avLst/>
+          </a:prstGeom>
+          <a:noFill/>
+        </p:spPr>
+        <p:txBody>
+          <a:bodyPr wrap="none" rtlCol="0" anchor="ctr">
+            <a:spAutoFit/>
+          </a:bodyPr>
+          <a:lstStyle/>
+          <a:p>
+            <a:pPr algn="ctr"/>
+            <a:r>
+              <a:rPr lang="en-US" altLang="ko-KR" sz="2800" dirty="0"/>
+              <a:t>-</a:t>
+            </a:r>
+            <a:endParaRPr lang="ko-KR" altLang="en-US" sz="2800" dirty="0"/>
+          </a:p>
+        </p:txBody>
+      </p:sp>
+      <p:sp>
+        <p:nvSpPr>
+          <p:cNvPr id="57" name="TextBox 56">
+            <a:extLst>
+              <a:ext uri="{FF2B5EF4-FFF2-40B4-BE49-F238E27FC236}">
+                <a16:creationId xmlns="" xmlns:a16="http://schemas.microsoft.com/office/drawing/2014/main" id="{00C4B18D-18C8-4A30-AD71-42EC99135D27}"/>
+              </a:ext>
+            </a:extLst>
+          </p:cNvPr>
+          <p:cNvSpPr txBox="1"/>
+          <p:nvPr/>
+        </p:nvSpPr>
+        <p:spPr>
+          <a:xfrm>
+            <a:off x="6921893" y="2880248"/>
+            <a:ext cx="332142" cy="523220"/>
+          </a:xfrm>
+          <a:prstGeom prst="rect">
+            <a:avLst/>
+          </a:prstGeom>
+          <a:noFill/>
+        </p:spPr>
+        <p:txBody>
+          <a:bodyPr wrap="none" rtlCol="0" anchor="ctr">
+            <a:spAutoFit/>
+          </a:bodyPr>
+          <a:lstStyle/>
+          <a:p>
+            <a:pPr algn="ctr"/>
+            <a:r>
+              <a:rPr lang="en-US" altLang="ko-KR" sz="2800" dirty="0"/>
+              <a:t>-</a:t>
+            </a:r>
+            <a:endParaRPr lang="ko-KR" altLang="en-US" sz="2800" dirty="0"/>
+          </a:p>
+        </p:txBody>
+      </p:sp>
+      <p:sp>
+        <p:nvSpPr>
+          <p:cNvPr id="58" name="TextBox 57">
+            <a:extLst>
+              <a:ext uri="{FF2B5EF4-FFF2-40B4-BE49-F238E27FC236}">
+                <a16:creationId xmlns="" xmlns:a16="http://schemas.microsoft.com/office/drawing/2014/main" id="{D39CE8D5-65A0-4619-85EA-29EB83B11044}"/>
+              </a:ext>
+            </a:extLst>
+          </p:cNvPr>
+          <p:cNvSpPr txBox="1"/>
+          <p:nvPr/>
+        </p:nvSpPr>
+        <p:spPr>
+          <a:xfrm>
+            <a:off x="6919489" y="3516088"/>
+            <a:ext cx="336951" cy="523220"/>
+          </a:xfrm>
+          <a:prstGeom prst="rect">
+            <a:avLst/>
+          </a:prstGeom>
+          <a:noFill/>
+        </p:spPr>
+        <p:txBody>
+          <a:bodyPr wrap="none" rtlCol="0" anchor="ctr">
+            <a:spAutoFit/>
+          </a:bodyPr>
+          <a:lstStyle/>
+          <a:p>
+            <a:pPr algn="ctr"/>
+            <a:r>
+              <a:rPr lang="en-US" altLang="ko-KR" sz="2800" dirty="0"/>
+              <a:t>-</a:t>
+            </a:r>
+            <a:endParaRPr lang="ko-KR" altLang="en-US" sz="2800" dirty="0"/>
+          </a:p>
+        </p:txBody>
+      </p:sp>
+      <p:sp>
+        <p:nvSpPr>
+          <p:cNvPr id="59" name="TextBox 58">
+            <a:extLst>
+              <a:ext uri="{FF2B5EF4-FFF2-40B4-BE49-F238E27FC236}">
+                <a16:creationId xmlns="" xmlns:a16="http://schemas.microsoft.com/office/drawing/2014/main" id="{61A1AAC2-E01E-4B68-9105-5902040CE611}"/>
+              </a:ext>
+            </a:extLst>
+          </p:cNvPr>
+          <p:cNvSpPr txBox="1"/>
+          <p:nvPr/>
+        </p:nvSpPr>
+        <p:spPr>
+          <a:xfrm>
+            <a:off x="6897047" y="4151928"/>
+            <a:ext cx="381835" cy="523220"/>
+          </a:xfrm>
+          <a:prstGeom prst="rect">
+            <a:avLst/>
+          </a:prstGeom>
+          <a:noFill/>
+        </p:spPr>
+        <p:txBody>
+          <a:bodyPr wrap="none" rtlCol="0" anchor="ctr">
+            <a:spAutoFit/>
+          </a:bodyPr>
+          <a:lstStyle/>
+          <a:p>
+            <a:pPr algn="ctr"/>
+            <a:r>
+              <a:rPr lang="en-US" altLang="ko-KR" sz="2800" dirty="0"/>
+              <a:t>0</a:t>
+            </a:r>
+            <a:endParaRPr lang="ko-KR" altLang="en-US" sz="2800" dirty="0"/>
+          </a:p>
+        </p:txBody>
+      </p:sp>
+      <p:sp>
+        <p:nvSpPr>
+          <p:cNvPr id="60" name="TextBox 59">
+            <a:extLst>
+              <a:ext uri="{FF2B5EF4-FFF2-40B4-BE49-F238E27FC236}">
+                <a16:creationId xmlns="" xmlns:a16="http://schemas.microsoft.com/office/drawing/2014/main" id="{ECDFC2DA-CC33-4844-8147-B9CFD9F1866A}"/>
+              </a:ext>
+            </a:extLst>
+          </p:cNvPr>
+          <p:cNvSpPr txBox="1"/>
+          <p:nvPr/>
+        </p:nvSpPr>
+        <p:spPr>
+          <a:xfrm>
+            <a:off x="4004017" y="4726212"/>
+            <a:ext cx="381835" cy="523220"/>
+          </a:xfrm>
+          <a:prstGeom prst="rect">
+            <a:avLst/>
+          </a:prstGeom>
+          <a:noFill/>
+        </p:spPr>
+        <p:txBody>
+          <a:bodyPr wrap="none" rtlCol="0" anchor="ctr">
+            <a:spAutoFit/>
+          </a:bodyPr>
+          <a:lstStyle/>
+          <a:p>
+            <a:pPr algn="ctr"/>
+            <a:r>
+              <a:rPr lang="en-US" altLang="ko-KR" sz="2800" dirty="0"/>
+              <a:t>0</a:t>
+            </a:r>
+            <a:endParaRPr lang="ko-KR" altLang="en-US" sz="2800" dirty="0"/>
+          </a:p>
+        </p:txBody>
+      </p:sp>
+      <p:sp>
+        <p:nvSpPr>
+          <p:cNvPr id="61" name="TextBox 60">
+            <a:extLst>
+              <a:ext uri="{FF2B5EF4-FFF2-40B4-BE49-F238E27FC236}">
+                <a16:creationId xmlns="" xmlns:a16="http://schemas.microsoft.com/office/drawing/2014/main" id="{95D8FD8B-B8B4-4B61-B289-3A7353D81078}"/>
+              </a:ext>
+            </a:extLst>
+          </p:cNvPr>
+          <p:cNvSpPr txBox="1"/>
+          <p:nvPr/>
+        </p:nvSpPr>
+        <p:spPr>
+          <a:xfrm>
+            <a:off x="4600786" y="4726212"/>
+            <a:ext cx="381835" cy="523220"/>
+          </a:xfrm>
+          <a:prstGeom prst="rect">
+            <a:avLst/>
+          </a:prstGeom>
+          <a:noFill/>
+        </p:spPr>
+        <p:txBody>
+          <a:bodyPr wrap="none" rtlCol="0" anchor="ctr">
+            <a:spAutoFit/>
+          </a:bodyPr>
+          <a:lstStyle/>
+          <a:p>
+            <a:pPr algn="ctr"/>
+            <a:r>
+              <a:rPr lang="en-US" altLang="ko-KR" sz="2800" dirty="0"/>
+              <a:t>0</a:t>
+            </a:r>
+            <a:endParaRPr lang="ko-KR" altLang="en-US" sz="2800" dirty="0"/>
+          </a:p>
+        </p:txBody>
+      </p:sp>
+      <p:sp>
+        <p:nvSpPr>
+          <p:cNvPr id="62" name="TextBox 61">
+            <a:extLst>
+              <a:ext uri="{FF2B5EF4-FFF2-40B4-BE49-F238E27FC236}">
+                <a16:creationId xmlns="" xmlns:a16="http://schemas.microsoft.com/office/drawing/2014/main" id="{B0314713-63C7-43FD-87B5-3FD8A8F977DC}"/>
+              </a:ext>
+            </a:extLst>
+          </p:cNvPr>
+          <p:cNvSpPr txBox="1"/>
+          <p:nvPr/>
+        </p:nvSpPr>
+        <p:spPr>
+          <a:xfrm>
+            <a:off x="5197555" y="4726212"/>
+            <a:ext cx="381835" cy="523220"/>
+          </a:xfrm>
+          <a:prstGeom prst="rect">
+            <a:avLst/>
+          </a:prstGeom>
+          <a:noFill/>
+        </p:spPr>
+        <p:txBody>
+          <a:bodyPr wrap="none" rtlCol="0" anchor="ctr">
+            <a:spAutoFit/>
+          </a:bodyPr>
+          <a:lstStyle/>
+          <a:p>
+            <a:pPr algn="ctr"/>
+            <a:r>
+              <a:rPr lang="en-US" altLang="ko-KR" sz="2800" dirty="0"/>
+              <a:t>0</a:t>
+            </a:r>
+            <a:endParaRPr lang="ko-KR" altLang="en-US" sz="2800" dirty="0"/>
+          </a:p>
+        </p:txBody>
+      </p:sp>
+      <p:sp>
+        <p:nvSpPr>
+          <p:cNvPr id="63" name="TextBox 62">
+            <a:extLst>
+              <a:ext uri="{FF2B5EF4-FFF2-40B4-BE49-F238E27FC236}">
+                <a16:creationId xmlns="" xmlns:a16="http://schemas.microsoft.com/office/drawing/2014/main" id="{F403DCF9-7C65-456B-BAFE-5DDACC83498C}"/>
+              </a:ext>
+            </a:extLst>
+          </p:cNvPr>
+          <p:cNvSpPr txBox="1"/>
+          <p:nvPr/>
+        </p:nvSpPr>
+        <p:spPr>
+          <a:xfrm>
+            <a:off x="5794325" y="4726212"/>
+            <a:ext cx="381835" cy="523220"/>
+          </a:xfrm>
+          <a:prstGeom prst="rect">
+            <a:avLst/>
+          </a:prstGeom>
+          <a:noFill/>
+        </p:spPr>
+        <p:txBody>
+          <a:bodyPr wrap="none" rtlCol="0" anchor="ctr">
+            <a:spAutoFit/>
+          </a:bodyPr>
+          <a:lstStyle/>
+          <a:p>
+            <a:pPr algn="ctr"/>
+            <a:r>
+              <a:rPr lang="en-US" altLang="ko-KR" sz="2800" dirty="0"/>
+              <a:t>0</a:t>
+            </a:r>
+            <a:endParaRPr lang="ko-KR" altLang="en-US" sz="2800" dirty="0"/>
+          </a:p>
+        </p:txBody>
+      </p:sp>
+      <p:sp>
+        <p:nvSpPr>
+          <p:cNvPr id="64" name="TextBox 63">
+            <a:extLst>
+              <a:ext uri="{FF2B5EF4-FFF2-40B4-BE49-F238E27FC236}">
+                <a16:creationId xmlns="" xmlns:a16="http://schemas.microsoft.com/office/drawing/2014/main" id="{932BD6CE-AFB2-4528-9C4A-863BDDAE8122}"/>
+              </a:ext>
+            </a:extLst>
+          </p:cNvPr>
+          <p:cNvSpPr txBox="1"/>
+          <p:nvPr/>
+        </p:nvSpPr>
+        <p:spPr>
+          <a:xfrm>
+            <a:off x="7421641" y="4726212"/>
+            <a:ext cx="381835" cy="523220"/>
+          </a:xfrm>
+          <a:prstGeom prst="rect">
+            <a:avLst/>
+          </a:prstGeom>
+          <a:noFill/>
+        </p:spPr>
+        <p:txBody>
+          <a:bodyPr wrap="none" rtlCol="0" anchor="ctr">
+            <a:spAutoFit/>
+          </a:bodyPr>
+          <a:lstStyle/>
+          <a:p>
+            <a:pPr algn="ctr"/>
+            <a:r>
+              <a:rPr lang="en-US" altLang="ko-KR" sz="2800" dirty="0"/>
+              <a:t>0</a:t>
+            </a:r>
+            <a:endParaRPr lang="ko-KR" altLang="en-US" sz="2800" dirty="0"/>
+          </a:p>
+        </p:txBody>
+      </p:sp>
+      <p:sp>
+        <p:nvSpPr>
+          <p:cNvPr id="65" name="TextBox 64">
+            <a:extLst>
+              <a:ext uri="{FF2B5EF4-FFF2-40B4-BE49-F238E27FC236}">
+                <a16:creationId xmlns="" xmlns:a16="http://schemas.microsoft.com/office/drawing/2014/main" id="{3168B3D8-B14C-4711-941B-89D29183EF3C}"/>
+              </a:ext>
+            </a:extLst>
+          </p:cNvPr>
+          <p:cNvSpPr txBox="1"/>
+          <p:nvPr/>
+        </p:nvSpPr>
+        <p:spPr>
+          <a:xfrm>
+            <a:off x="7917969" y="4726212"/>
+            <a:ext cx="381835" cy="523220"/>
+          </a:xfrm>
+          <a:prstGeom prst="rect">
+            <a:avLst/>
+          </a:prstGeom>
+          <a:noFill/>
+        </p:spPr>
+        <p:txBody>
+          <a:bodyPr wrap="none" rtlCol="0" anchor="ctr">
+            <a:spAutoFit/>
+          </a:bodyPr>
+          <a:lstStyle/>
+          <a:p>
+            <a:pPr algn="ctr"/>
+            <a:r>
+              <a:rPr lang="en-US" altLang="ko-KR" sz="2800" dirty="0"/>
+              <a:t>0</a:t>
+            </a:r>
+            <a:endParaRPr lang="ko-KR" altLang="en-US" sz="2800" dirty="0"/>
+          </a:p>
+        </p:txBody>
+      </p:sp>
+      <p:sp>
+        <p:nvSpPr>
+          <p:cNvPr id="66" name="TextBox 65">
+            <a:extLst>
+              <a:ext uri="{FF2B5EF4-FFF2-40B4-BE49-F238E27FC236}">
+                <a16:creationId xmlns="" xmlns:a16="http://schemas.microsoft.com/office/drawing/2014/main" id="{5A6AB1F3-6B70-4C2D-B1CB-4E98B378EB7D}"/>
+              </a:ext>
+            </a:extLst>
+          </p:cNvPr>
+          <p:cNvSpPr txBox="1"/>
+          <p:nvPr/>
+        </p:nvSpPr>
+        <p:spPr>
+          <a:xfrm>
+            <a:off x="6323244" y="4726212"/>
+            <a:ext cx="381835" cy="523220"/>
+          </a:xfrm>
+          <a:prstGeom prst="rect">
+            <a:avLst/>
+          </a:prstGeom>
+          <a:noFill/>
+        </p:spPr>
+        <p:txBody>
+          <a:bodyPr wrap="none" rtlCol="0" anchor="ctr">
+            <a:spAutoFit/>
+          </a:bodyPr>
+          <a:lstStyle/>
+          <a:p>
+            <a:pPr algn="ctr"/>
+            <a:r>
+              <a:rPr lang="en-US" altLang="ko-KR" sz="2800" dirty="0"/>
+              <a:t>0</a:t>
+            </a:r>
+            <a:endParaRPr lang="ko-KR" altLang="en-US" sz="2800" dirty="0"/>
+          </a:p>
+        </p:txBody>
+      </p:sp>
+      <p:sp>
+        <p:nvSpPr>
+          <p:cNvPr id="67" name="TextBox 66">
+            <a:extLst>
+              <a:ext uri="{FF2B5EF4-FFF2-40B4-BE49-F238E27FC236}">
+                <a16:creationId xmlns="" xmlns:a16="http://schemas.microsoft.com/office/drawing/2014/main" id="{F103C784-26E5-4FBC-A0B3-73FF0422AEEE}"/>
+              </a:ext>
+            </a:extLst>
+          </p:cNvPr>
+          <p:cNvSpPr txBox="1"/>
+          <p:nvPr/>
+        </p:nvSpPr>
+        <p:spPr>
+          <a:xfrm>
+            <a:off x="6897047" y="4726212"/>
+            <a:ext cx="381835" cy="523220"/>
+          </a:xfrm>
+          <a:prstGeom prst="rect">
+            <a:avLst/>
+          </a:prstGeom>
+          <a:noFill/>
+        </p:spPr>
+        <p:txBody>
+          <a:bodyPr wrap="none" rtlCol="0" anchor="ctr">
+            <a:spAutoFit/>
+          </a:bodyPr>
+          <a:lstStyle/>
+          <a:p>
+            <a:pPr algn="ctr"/>
+            <a:r>
+              <a:rPr lang="en-US" altLang="ko-KR" sz="2800" dirty="0"/>
+              <a:t>0</a:t>
+            </a:r>
+            <a:endParaRPr lang="ko-KR" altLang="en-US" sz="2800" dirty="0"/>
+          </a:p>
+        </p:txBody>
+      </p:sp>
+      <p:cxnSp>
+        <p:nvCxnSpPr>
+          <p:cNvPr id="5" name="직선 연결선 4">
+            <a:extLst>
+              <a:ext uri="{FF2B5EF4-FFF2-40B4-BE49-F238E27FC236}">
+                <a16:creationId xmlns="" xmlns:a16="http://schemas.microsoft.com/office/drawing/2014/main" id="{C5C227FC-0406-44E9-9AC9-6A81FF50E9AB}"/>
+              </a:ext>
+            </a:extLst>
+          </p:cNvPr>
+          <p:cNvCxnSpPr/>
+          <p:nvPr/>
+        </p:nvCxnSpPr>
+        <p:spPr>
+          <a:xfrm>
+            <a:off x="3915248" y="2174460"/>
+            <a:ext cx="574609" cy="0"/>
+          </a:xfrm>
+          <a:prstGeom prst="line">
+            <a:avLst/>
+          </a:prstGeom>
+          <a:ln w="38100">
+            <a:solidFill>
+              <a:schemeClr val="tx1"/>
+            </a:solidFill>
+          </a:ln>
+        </p:spPr>
+        <p:style>
+          <a:lnRef idx="1">
+            <a:schemeClr val="accent1"/>
+          </a:lnRef>
+          <a:fillRef idx="0">
+            <a:schemeClr val="accent1"/>
+          </a:fillRef>
+          <a:effectRef idx="0">
+            <a:schemeClr val="accent1"/>
+          </a:effectRef>
+          <a:fontRef idx="minor">
+            <a:schemeClr val="tx1"/>
+          </a:fontRef>
+        </p:style>
+      </p:cxnSp>
+      <p:cxnSp>
+        <p:nvCxnSpPr>
+          <p:cNvPr id="68" name="직선 연결선 67">
+            <a:extLst>
+              <a:ext uri="{FF2B5EF4-FFF2-40B4-BE49-F238E27FC236}">
+                <a16:creationId xmlns="" xmlns:a16="http://schemas.microsoft.com/office/drawing/2014/main" id="{21D8B38D-0F89-4873-9971-35606AA85404}"/>
+              </a:ext>
+            </a:extLst>
+          </p:cNvPr>
+          <p:cNvCxnSpPr>
+            <a:cxnSpLocks/>
+          </p:cNvCxnSpPr>
+          <p:nvPr/>
+        </p:nvCxnSpPr>
+        <p:spPr>
+          <a:xfrm>
+            <a:off x="4482237" y="2771912"/>
+            <a:ext cx="616663" cy="0"/>
+          </a:xfrm>
+          <a:prstGeom prst="line">
+            <a:avLst/>
+          </a:prstGeom>
+          <a:ln w="38100">
+            <a:solidFill>
+              <a:schemeClr val="tx1"/>
+            </a:solidFill>
+          </a:ln>
+        </p:spPr>
+        <p:style>
+          <a:lnRef idx="1">
+            <a:schemeClr val="accent1"/>
+          </a:lnRef>
+          <a:fillRef idx="0">
+            <a:schemeClr val="accent1"/>
+          </a:fillRef>
+          <a:effectRef idx="0">
+            <a:schemeClr val="accent1"/>
+          </a:effectRef>
+          <a:fontRef idx="minor">
+            <a:schemeClr val="tx1"/>
+          </a:fontRef>
+        </p:style>
+      </p:cxnSp>
+      <p:cxnSp>
+        <p:nvCxnSpPr>
+          <p:cNvPr id="69" name="직선 연결선 68">
+            <a:extLst>
+              <a:ext uri="{FF2B5EF4-FFF2-40B4-BE49-F238E27FC236}">
+                <a16:creationId xmlns="" xmlns:a16="http://schemas.microsoft.com/office/drawing/2014/main" id="{3260DB80-3E3F-4E14-9BC0-EBB89FD55910}"/>
+              </a:ext>
+            </a:extLst>
+          </p:cNvPr>
+          <p:cNvCxnSpPr>
+            <a:cxnSpLocks/>
+          </p:cNvCxnSpPr>
+          <p:nvPr/>
+        </p:nvCxnSpPr>
+        <p:spPr>
+          <a:xfrm>
+            <a:off x="5100087" y="3429000"/>
+            <a:ext cx="590736" cy="0"/>
+          </a:xfrm>
+          <a:prstGeom prst="line">
+            <a:avLst/>
+          </a:prstGeom>
+          <a:ln w="38100">
+            <a:solidFill>
+              <a:schemeClr val="tx1"/>
+            </a:solidFill>
+          </a:ln>
+        </p:spPr>
+        <p:style>
+          <a:lnRef idx="1">
+            <a:schemeClr val="accent1"/>
+          </a:lnRef>
+          <a:fillRef idx="0">
+            <a:schemeClr val="accent1"/>
+          </a:fillRef>
+          <a:effectRef idx="0">
+            <a:schemeClr val="accent1"/>
+          </a:effectRef>
+          <a:fontRef idx="minor">
+            <a:schemeClr val="tx1"/>
+          </a:fontRef>
+        </p:style>
+      </p:cxnSp>
+      <p:cxnSp>
+        <p:nvCxnSpPr>
+          <p:cNvPr id="70" name="직선 연결선 69">
+            <a:extLst>
+              <a:ext uri="{FF2B5EF4-FFF2-40B4-BE49-F238E27FC236}">
+                <a16:creationId xmlns="" xmlns:a16="http://schemas.microsoft.com/office/drawing/2014/main" id="{0DAA53C9-6D2D-46A8-95EF-11AF58708348}"/>
+              </a:ext>
+            </a:extLst>
+          </p:cNvPr>
+          <p:cNvCxnSpPr>
+            <a:cxnSpLocks/>
+          </p:cNvCxnSpPr>
+          <p:nvPr/>
+        </p:nvCxnSpPr>
+        <p:spPr>
+          <a:xfrm>
+            <a:off x="5673814" y="4065232"/>
+            <a:ext cx="1636430" cy="0"/>
+          </a:xfrm>
+          <a:prstGeom prst="line">
+            <a:avLst/>
+          </a:prstGeom>
+          <a:ln w="38100">
+            <a:solidFill>
+              <a:schemeClr val="tx1"/>
+            </a:solidFill>
+          </a:ln>
+        </p:spPr>
+        <p:style>
+          <a:lnRef idx="1">
+            <a:schemeClr val="accent1"/>
+          </a:lnRef>
+          <a:fillRef idx="0">
+            <a:schemeClr val="accent1"/>
+          </a:fillRef>
+          <a:effectRef idx="0">
+            <a:schemeClr val="accent1"/>
+          </a:effectRef>
+          <a:fontRef idx="minor">
+            <a:schemeClr val="tx1"/>
+          </a:fontRef>
+        </p:style>
+      </p:cxnSp>
+      <p:cxnSp>
+        <p:nvCxnSpPr>
+          <p:cNvPr id="71" name="직선 연결선 70">
+            <a:extLst>
+              <a:ext uri="{FF2B5EF4-FFF2-40B4-BE49-F238E27FC236}">
+                <a16:creationId xmlns="" xmlns:a16="http://schemas.microsoft.com/office/drawing/2014/main" id="{7C989169-C91E-457F-8BE3-1BDDF19064DF}"/>
+              </a:ext>
+            </a:extLst>
+          </p:cNvPr>
+          <p:cNvCxnSpPr>
+            <a:cxnSpLocks/>
+          </p:cNvCxnSpPr>
+          <p:nvPr/>
+        </p:nvCxnSpPr>
+        <p:spPr>
+          <a:xfrm>
+            <a:off x="7290770" y="4701464"/>
+            <a:ext cx="1262035" cy="0"/>
+          </a:xfrm>
+          <a:prstGeom prst="line">
+            <a:avLst/>
+          </a:prstGeom>
+          <a:ln w="38100">
+            <a:solidFill>
+              <a:schemeClr val="tx1"/>
+            </a:solidFill>
+          </a:ln>
+        </p:spPr>
+        <p:style>
+          <a:lnRef idx="1">
+            <a:schemeClr val="accent1"/>
+          </a:lnRef>
+          <a:fillRef idx="0">
+            <a:schemeClr val="accent1"/>
+          </a:fillRef>
+          <a:effectRef idx="0">
+            <a:schemeClr val="accent1"/>
+          </a:effectRef>
+          <a:fontRef idx="minor">
+            <a:schemeClr val="tx1"/>
+          </a:fontRef>
+        </p:style>
+      </p:cxnSp>
+      <p:cxnSp>
+        <p:nvCxnSpPr>
+          <p:cNvPr id="25" name="직선 연결선 24">
+            <a:extLst>
+              <a:ext uri="{FF2B5EF4-FFF2-40B4-BE49-F238E27FC236}">
+                <a16:creationId xmlns="" xmlns:a16="http://schemas.microsoft.com/office/drawing/2014/main" id="{3F4DB0AE-5C3A-4C4A-B9E8-41FEE24DBA39}"/>
+              </a:ext>
+            </a:extLst>
+          </p:cNvPr>
+          <p:cNvCxnSpPr/>
+          <p:nvPr/>
+        </p:nvCxnSpPr>
+        <p:spPr>
+          <a:xfrm>
+            <a:off x="4488994" y="2174460"/>
+            <a:ext cx="0" cy="593168"/>
+          </a:xfrm>
+          <a:prstGeom prst="line">
+            <a:avLst/>
+          </a:prstGeom>
+          <a:ln w="38100">
+            <a:solidFill>
+              <a:schemeClr val="tx1"/>
+            </a:solidFill>
+          </a:ln>
+        </p:spPr>
+        <p:style>
+          <a:lnRef idx="1">
+            <a:schemeClr val="accent1"/>
+          </a:lnRef>
+          <a:fillRef idx="0">
+            <a:schemeClr val="accent1"/>
+          </a:fillRef>
+          <a:effectRef idx="0">
+            <a:schemeClr val="accent1"/>
+          </a:effectRef>
+          <a:fontRef idx="minor">
+            <a:schemeClr val="tx1"/>
+          </a:fontRef>
+        </p:style>
+      </p:cxnSp>
+      <p:cxnSp>
+        <p:nvCxnSpPr>
+          <p:cNvPr id="37" name="직선 연결선 36">
+            <a:extLst>
+              <a:ext uri="{FF2B5EF4-FFF2-40B4-BE49-F238E27FC236}">
+                <a16:creationId xmlns="" xmlns:a16="http://schemas.microsoft.com/office/drawing/2014/main" id="{D1CAE60B-2256-4113-BE19-C82C193F9394}"/>
+              </a:ext>
+            </a:extLst>
+          </p:cNvPr>
+          <p:cNvCxnSpPr/>
+          <p:nvPr/>
+        </p:nvCxnSpPr>
+        <p:spPr>
+          <a:xfrm>
+            <a:off x="5098900" y="2767628"/>
+            <a:ext cx="0" cy="661372"/>
+          </a:xfrm>
+          <a:prstGeom prst="line">
+            <a:avLst/>
+          </a:prstGeom>
+          <a:ln w="38100">
+            <a:solidFill>
+              <a:schemeClr val="tx1"/>
+            </a:solidFill>
+          </a:ln>
+        </p:spPr>
+        <p:style>
+          <a:lnRef idx="1">
+            <a:schemeClr val="accent1"/>
+          </a:lnRef>
+          <a:fillRef idx="0">
+            <a:schemeClr val="accent1"/>
+          </a:fillRef>
+          <a:effectRef idx="0">
+            <a:schemeClr val="accent1"/>
+          </a:effectRef>
+          <a:fontRef idx="minor">
+            <a:schemeClr val="tx1"/>
+          </a:fontRef>
+        </p:style>
+      </p:cxnSp>
+      <p:cxnSp>
+        <p:nvCxnSpPr>
+          <p:cNvPr id="72" name="직선 연결선 71">
+            <a:extLst>
+              <a:ext uri="{FF2B5EF4-FFF2-40B4-BE49-F238E27FC236}">
+                <a16:creationId xmlns="" xmlns:a16="http://schemas.microsoft.com/office/drawing/2014/main" id="{61EF895A-63F5-42E2-AAF4-B1E7EB9BDD3C}"/>
+              </a:ext>
+            </a:extLst>
+          </p:cNvPr>
+          <p:cNvCxnSpPr/>
+          <p:nvPr/>
+        </p:nvCxnSpPr>
+        <p:spPr>
+          <a:xfrm>
+            <a:off x="5690823" y="3429000"/>
+            <a:ext cx="0" cy="636232"/>
+          </a:xfrm>
+          <a:prstGeom prst="line">
+            <a:avLst/>
+          </a:prstGeom>
+          <a:ln w="38100">
+            <a:solidFill>
+              <a:schemeClr val="tx1"/>
+            </a:solidFill>
+          </a:ln>
+        </p:spPr>
+        <p:style>
+          <a:lnRef idx="1">
+            <a:schemeClr val="accent1"/>
+          </a:lnRef>
+          <a:fillRef idx="0">
+            <a:schemeClr val="accent1"/>
+          </a:fillRef>
+          <a:effectRef idx="0">
+            <a:schemeClr val="accent1"/>
+          </a:effectRef>
+          <a:fontRef idx="minor">
+            <a:schemeClr val="tx1"/>
+          </a:fontRef>
+        </p:style>
+      </p:cxnSp>
+      <p:cxnSp>
+        <p:nvCxnSpPr>
+          <p:cNvPr id="75" name="직선 연결선 74">
+            <a:extLst>
+              <a:ext uri="{FF2B5EF4-FFF2-40B4-BE49-F238E27FC236}">
+                <a16:creationId xmlns="" xmlns:a16="http://schemas.microsoft.com/office/drawing/2014/main" id="{E623654B-1E62-483B-B35C-1E335D6A9058}"/>
+              </a:ext>
+            </a:extLst>
+          </p:cNvPr>
+          <p:cNvCxnSpPr/>
+          <p:nvPr/>
+        </p:nvCxnSpPr>
+        <p:spPr>
+          <a:xfrm>
+            <a:off x="7294122" y="4065232"/>
+            <a:ext cx="0" cy="636232"/>
+          </a:xfrm>
+          <a:prstGeom prst="line">
+            <a:avLst/>
+          </a:prstGeom>
+          <a:ln w="38100">
+            <a:solidFill>
+              <a:schemeClr val="tx1"/>
+            </a:solidFill>
+          </a:ln>
+        </p:spPr>
+        <p:style>
+          <a:lnRef idx="1">
+            <a:schemeClr val="accent1"/>
+          </a:lnRef>
+          <a:fillRef idx="0">
+            <a:schemeClr val="accent1"/>
+          </a:fillRef>
+          <a:effectRef idx="0">
+            <a:schemeClr val="accent1"/>
+          </a:effectRef>
+          <a:fontRef idx="minor">
+            <a:schemeClr val="tx1"/>
+          </a:fontRef>
+        </p:style>
+      </p:cxnSp>
+      <p:sp>
+        <p:nvSpPr>
+          <p:cNvPr id="78" name="타원 77">
+            <a:extLst>
+              <a:ext uri="{FF2B5EF4-FFF2-40B4-BE49-F238E27FC236}">
+                <a16:creationId xmlns="" xmlns:a16="http://schemas.microsoft.com/office/drawing/2014/main" id="{E467CE54-DB05-4418-95A6-30E2DA187633}"/>
+              </a:ext>
+            </a:extLst>
+          </p:cNvPr>
+          <p:cNvSpPr/>
+          <p:nvPr/>
+        </p:nvSpPr>
+        <p:spPr>
+          <a:xfrm>
+            <a:off x="3910773" y="1578751"/>
+            <a:ext cx="570177" cy="570177"/>
+          </a:xfrm>
+          <a:prstGeom prst="ellipse">
+            <a:avLst/>
+          </a:prstGeom>
+          <a:noFill/>
+          <a:ln w="38100">
+            <a:solidFill>
+              <a:schemeClr val="accent2"/>
+            </a:solidFill>
+          </a:ln>
+        </p:spPr>
+        <p:style>
+          <a:lnRef idx="2">
+            <a:schemeClr val="accent1">
+              <a:shade val="50000"/>
+            </a:schemeClr>
+          </a:lnRef>
+          <a:fillRef idx="1">
+            <a:schemeClr val="accent1"/>
+          </a:fillRef>
+          <a:effectRef idx="0">
+            <a:schemeClr val="accent1"/>
+          </a:effectRef>
+          <a:fontRef idx="minor">
+            <a:schemeClr val="lt1"/>
+          </a:fontRef>
+        </p:style>
+        <p:txBody>
+          <a:bodyPr rtlCol="0" anchor="ctr"/>
+          <a:lstStyle/>
+          <a:p>
+            <a:pPr algn="ctr"/>
+            <a:endParaRPr lang="ko-KR" altLang="en-US"/>
+          </a:p>
+        </p:txBody>
+      </p:sp>
+      <p:sp>
+        <p:nvSpPr>
+          <p:cNvPr id="79" name="타원 78">
+            <a:extLst>
+              <a:ext uri="{FF2B5EF4-FFF2-40B4-BE49-F238E27FC236}">
+                <a16:creationId xmlns="" xmlns:a16="http://schemas.microsoft.com/office/drawing/2014/main" id="{DD6595A0-469E-495E-823D-02D648D249A2}"/>
+              </a:ext>
+            </a:extLst>
+          </p:cNvPr>
+          <p:cNvSpPr/>
+          <p:nvPr/>
+        </p:nvSpPr>
+        <p:spPr>
+          <a:xfrm>
+            <a:off x="4506614" y="2191983"/>
+            <a:ext cx="570177" cy="570177"/>
+          </a:xfrm>
+          <a:prstGeom prst="ellipse">
+            <a:avLst/>
+          </a:prstGeom>
+          <a:noFill/>
+          <a:ln w="38100">
+            <a:solidFill>
+              <a:schemeClr val="accent2"/>
+            </a:solidFill>
+          </a:ln>
+        </p:spPr>
+        <p:style>
+          <a:lnRef idx="2">
+            <a:schemeClr val="accent1">
+              <a:shade val="50000"/>
+            </a:schemeClr>
+          </a:lnRef>
+          <a:fillRef idx="1">
+            <a:schemeClr val="accent1"/>
+          </a:fillRef>
+          <a:effectRef idx="0">
+            <a:schemeClr val="accent1"/>
+          </a:effectRef>
+          <a:fontRef idx="minor">
+            <a:schemeClr val="lt1"/>
+          </a:fontRef>
+        </p:style>
+        <p:txBody>
+          <a:bodyPr rtlCol="0" anchor="ctr"/>
+          <a:lstStyle/>
+          <a:p>
+            <a:pPr algn="ctr"/>
+            <a:endParaRPr lang="ko-KR" altLang="en-US"/>
+          </a:p>
+        </p:txBody>
+      </p:sp>
+      <p:sp>
+        <p:nvSpPr>
+          <p:cNvPr id="80" name="타원 79">
+            <a:extLst>
+              <a:ext uri="{FF2B5EF4-FFF2-40B4-BE49-F238E27FC236}">
+                <a16:creationId xmlns="" xmlns:a16="http://schemas.microsoft.com/office/drawing/2014/main" id="{380A52DE-386E-466E-8CE1-478CE99269CF}"/>
+              </a:ext>
+            </a:extLst>
+          </p:cNvPr>
+          <p:cNvSpPr/>
+          <p:nvPr/>
+        </p:nvSpPr>
+        <p:spPr>
+          <a:xfrm>
+            <a:off x="5100544" y="2860361"/>
+            <a:ext cx="570177" cy="570177"/>
+          </a:xfrm>
+          <a:prstGeom prst="ellipse">
+            <a:avLst/>
+          </a:prstGeom>
+          <a:noFill/>
+          <a:ln w="38100">
+            <a:solidFill>
+              <a:schemeClr val="accent2"/>
+            </a:solidFill>
+          </a:ln>
+        </p:spPr>
+        <p:style>
+          <a:lnRef idx="2">
+            <a:schemeClr val="accent1">
+              <a:shade val="50000"/>
+            </a:schemeClr>
+          </a:lnRef>
+          <a:fillRef idx="1">
+            <a:schemeClr val="accent1"/>
+          </a:fillRef>
+          <a:effectRef idx="0">
+            <a:schemeClr val="accent1"/>
+          </a:effectRef>
+          <a:fontRef idx="minor">
+            <a:schemeClr val="lt1"/>
+          </a:fontRef>
+        </p:style>
+        <p:txBody>
+          <a:bodyPr rtlCol="0" anchor="ctr"/>
+          <a:lstStyle/>
+          <a:p>
+            <a:pPr algn="ctr"/>
+            <a:endParaRPr lang="ko-KR" altLang="en-US"/>
+          </a:p>
+        </p:txBody>
+      </p:sp>
+      <p:sp>
+        <p:nvSpPr>
+          <p:cNvPr id="81" name="타원 80">
+            <a:extLst>
+              <a:ext uri="{FF2B5EF4-FFF2-40B4-BE49-F238E27FC236}">
+                <a16:creationId xmlns="" xmlns:a16="http://schemas.microsoft.com/office/drawing/2014/main" id="{EB6628E6-B359-4CCF-A13D-CB76A165A1F3}"/>
+              </a:ext>
+            </a:extLst>
+          </p:cNvPr>
+          <p:cNvSpPr/>
+          <p:nvPr/>
+        </p:nvSpPr>
+        <p:spPr>
+          <a:xfrm>
+            <a:off x="5702503" y="3492608"/>
+            <a:ext cx="570177" cy="570177"/>
+          </a:xfrm>
+          <a:prstGeom prst="ellipse">
+            <a:avLst/>
+          </a:prstGeom>
+          <a:noFill/>
+          <a:ln w="38100">
+            <a:solidFill>
+              <a:schemeClr val="accent2"/>
+            </a:solidFill>
+          </a:ln>
+        </p:spPr>
+        <p:style>
+          <a:lnRef idx="2">
+            <a:schemeClr val="accent1">
+              <a:shade val="50000"/>
+            </a:schemeClr>
+          </a:lnRef>
+          <a:fillRef idx="1">
+            <a:schemeClr val="accent1"/>
+          </a:fillRef>
+          <a:effectRef idx="0">
+            <a:schemeClr val="accent1"/>
+          </a:effectRef>
+          <a:fontRef idx="minor">
+            <a:schemeClr val="lt1"/>
+          </a:fontRef>
+        </p:style>
+        <p:txBody>
+          <a:bodyPr rtlCol="0" anchor="ctr"/>
+          <a:lstStyle/>
+          <a:p>
+            <a:pPr algn="ctr"/>
+            <a:endParaRPr lang="ko-KR" altLang="en-US"/>
+          </a:p>
+        </p:txBody>
+      </p:sp>
+      <p:sp>
+        <p:nvSpPr>
+          <p:cNvPr id="82" name="타원 81">
+            <a:extLst>
+              <a:ext uri="{FF2B5EF4-FFF2-40B4-BE49-F238E27FC236}">
+                <a16:creationId xmlns="" xmlns:a16="http://schemas.microsoft.com/office/drawing/2014/main" id="{2CE6625E-AA47-4389-AF07-AB4A18EDD60B}"/>
+              </a:ext>
+            </a:extLst>
+          </p:cNvPr>
+          <p:cNvSpPr/>
+          <p:nvPr/>
+        </p:nvSpPr>
+        <p:spPr>
+          <a:xfrm>
+            <a:off x="7333380" y="4104971"/>
+            <a:ext cx="570177" cy="570177"/>
+          </a:xfrm>
+          <a:prstGeom prst="ellipse">
+            <a:avLst/>
+          </a:prstGeom>
+          <a:noFill/>
+          <a:ln w="38100">
+            <a:solidFill>
+              <a:schemeClr val="accent2"/>
+            </a:solidFill>
+          </a:ln>
+        </p:spPr>
+        <p:style>
+          <a:lnRef idx="2">
+            <a:schemeClr val="accent1">
+              <a:shade val="50000"/>
+            </a:schemeClr>
+          </a:lnRef>
+          <a:fillRef idx="1">
+            <a:schemeClr val="accent1"/>
+          </a:fillRef>
+          <a:effectRef idx="0">
+            <a:schemeClr val="accent1"/>
+          </a:effectRef>
+          <a:fontRef idx="minor">
+            <a:schemeClr val="lt1"/>
+          </a:fontRef>
+        </p:style>
+        <p:txBody>
+          <a:bodyPr rtlCol="0" anchor="ctr"/>
+          <a:lstStyle/>
+          <a:p>
+            <a:pPr algn="ctr"/>
+            <a:endParaRPr lang="ko-KR" altLang="en-US"/>
+          </a:p>
+        </p:txBody>
+      </p:sp>
+      <p:sp>
+        <p:nvSpPr>
+          <p:cNvPr id="76" name="타원 75">
+            <a:extLst>
+              <a:ext uri="{FF2B5EF4-FFF2-40B4-BE49-F238E27FC236}">
+                <a16:creationId xmlns="" xmlns:a16="http://schemas.microsoft.com/office/drawing/2014/main" id="{E467CE54-DB05-4418-95A6-30E2DA187633}"/>
+              </a:ext>
+            </a:extLst>
+          </p:cNvPr>
+          <p:cNvSpPr/>
+          <p:nvPr/>
+        </p:nvSpPr>
+        <p:spPr>
+          <a:xfrm>
+            <a:off x="8797981" y="1578751"/>
+            <a:ext cx="570177" cy="570177"/>
+          </a:xfrm>
+          <a:prstGeom prst="ellipse">
+            <a:avLst/>
+          </a:prstGeom>
+          <a:noFill/>
+          <a:ln w="38100">
+            <a:solidFill>
+              <a:schemeClr val="accent2"/>
+            </a:solidFill>
+          </a:ln>
+        </p:spPr>
+        <p:style>
+          <a:lnRef idx="2">
+            <a:schemeClr val="accent1">
+              <a:shade val="50000"/>
+            </a:schemeClr>
+          </a:lnRef>
+          <a:fillRef idx="1">
+            <a:schemeClr val="accent1"/>
+          </a:fillRef>
+          <a:effectRef idx="0">
+            <a:schemeClr val="accent1"/>
+          </a:effectRef>
+          <a:fontRef idx="minor">
+            <a:schemeClr val="lt1"/>
+          </a:fontRef>
+        </p:style>
+        <p:txBody>
+          <a:bodyPr rtlCol="0" anchor="ctr"/>
+          <a:lstStyle/>
+          <a:p>
+            <a:pPr algn="ctr"/>
+            <a:endParaRPr lang="ko-KR" altLang="en-US"/>
+          </a:p>
+        </p:txBody>
+      </p:sp>
+      <p:sp>
+        <p:nvSpPr>
+          <p:cNvPr id="2" name="TextBox 1"/>
+          <p:cNvSpPr txBox="1"/>
+          <p:nvPr/>
+        </p:nvSpPr>
+        <p:spPr>
+          <a:xfrm>
+            <a:off x="9461500" y="1616851"/>
+            <a:ext cx="1152751" cy="461665"/>
+          </a:xfrm>
+          <a:prstGeom prst="rect">
+            <a:avLst/>
+          </a:prstGeom>
+          <a:noFill/>
+        </p:spPr>
+        <p:txBody>
+          <a:bodyPr wrap="none" rtlCol="0">
+            <a:spAutoFit/>
+          </a:bodyPr>
+          <a:lstStyle/>
+          <a:p>
+            <a:r>
+              <a:rPr lang="en-US" altLang="ko-KR" sz="2400" b="1" dirty="0" smtClean="0"/>
+              <a:t>:Pivots</a:t>
+            </a:r>
+            <a:endParaRPr lang="ko-KR" altLang="en-US" sz="2400" b="1" dirty="0"/>
+          </a:p>
+        </p:txBody>
+      </p:sp>
+    </p:spTree>
+    <p:extLst>
+      <p:ext uri="{BB962C8B-B14F-4D97-AF65-F5344CB8AC3E}">
+        <p14:creationId xmlns:p14="http://schemas.microsoft.com/office/powerpoint/2010/main" val="3232154069"/>
+      </p:ext>
+    </p:extLst>
+  </p:cSld>
+  <p:clrMapOvr>
+    <a:masterClrMapping/>
+  </p:clrMapOvr>
+</p:sld>
+</file>
+
+<file path=ppt/slides/slide5.xml><?xml version="1.0" encoding="utf-8"?>
+<p:sld xmlns:a="http://schemas.openxmlformats.org/drawingml/2006/main" xmlns:r="http://schemas.openxmlformats.org/officeDocument/2006/relationships" xmlns:p="http://schemas.openxmlformats.org/presentationml/2006/main">
+  <p:cSld>
+    <p:spTree>
+      <p:nvGrpSpPr>
+        <p:cNvPr id="1" name=""/>
+        <p:cNvGrpSpPr/>
+        <p:nvPr/>
+      </p:nvGrpSpPr>
+      <p:grpSpPr>
+        <a:xfrm>
+          <a:off x="0" y="0"/>
+          <a:ext cx="0" cy="0"/>
+          <a:chOff x="0" y="0"/>
+          <a:chExt cx="0" cy="0"/>
+        </a:xfrm>
+      </p:grpSpPr>
       <p:pic>
         <p:nvPicPr>
           <p:cNvPr id="1026" name="Picture 2"/>
@@ -10932,8 +13682,8 @@
           </a:extLst>
         </p:spPr>
       </p:pic>
-      <mc:AlternateContent xmlns:mc="http://schemas.openxmlformats.org/markup-compatibility/2006">
-        <mc:Choice xmlns:a14="http://schemas.microsoft.com/office/drawing/2010/main" Requires="a14">
+      <mc:AlternateContent xmlns:mc="http://schemas.openxmlformats.org/markup-compatibility/2006" xmlns:a14="http://schemas.microsoft.com/office/drawing/2010/main">
+        <mc:Choice Requires="a14">
           <p:sp>
             <p:nvSpPr>
               <p:cNvPr id="4" name="TextBox 3"/>
@@ -10961,6 +13711,7 @@
               </a:bodyPr>
               <a:lstStyle/>
               <a:p>
+                <a:pPr/>
                 <a14:m>
                   <m:oMathPara xmlns:m="http://schemas.openxmlformats.org/officeDocument/2006/math">
                     <m:oMathParaPr>
@@ -11015,7 +13766,7 @@
             </p:txBody>
           </p:sp>
         </mc:Choice>
-        <mc:Fallback>
+        <mc:Fallback xmlns="">
           <p:sp>
             <p:nvSpPr>
               <p:cNvPr id="4" name="TextBox 3"/>
@@ -11059,8 +13810,8 @@
           </p:sp>
         </mc:Fallback>
       </mc:AlternateContent>
-      <mc:AlternateContent xmlns:mc="http://schemas.openxmlformats.org/markup-compatibility/2006">
-        <mc:Choice xmlns:a14="http://schemas.microsoft.com/office/drawing/2010/main" Requires="a14">
+      <mc:AlternateContent xmlns:mc="http://schemas.openxmlformats.org/markup-compatibility/2006" xmlns:a14="http://schemas.microsoft.com/office/drawing/2010/main">
+        <mc:Choice Requires="a14">
           <p:sp>
             <p:nvSpPr>
               <p:cNvPr id="6" name="TextBox 5"/>
@@ -11088,6 +13839,7 @@
               </a:bodyPr>
               <a:lstStyle/>
               <a:p>
+                <a:pPr/>
                 <a14:m>
                   <m:oMathPara xmlns:m="http://schemas.openxmlformats.org/officeDocument/2006/math">
                     <m:oMathParaPr>
@@ -11142,7 +13894,7 @@
             </p:txBody>
           </p:sp>
         </mc:Choice>
-        <mc:Fallback>
+        <mc:Fallback xmlns="">
           <p:sp>
             <p:nvSpPr>
               <p:cNvPr id="6" name="TextBox 5"/>
@@ -11186,8 +13938,8 @@
           </p:sp>
         </mc:Fallback>
       </mc:AlternateContent>
-      <mc:AlternateContent xmlns:mc="http://schemas.openxmlformats.org/markup-compatibility/2006">
-        <mc:Choice xmlns:a14="http://schemas.microsoft.com/office/drawing/2010/main" Requires="a14">
+      <mc:AlternateContent xmlns:mc="http://schemas.openxmlformats.org/markup-compatibility/2006" xmlns:a14="http://schemas.microsoft.com/office/drawing/2010/main">
+        <mc:Choice Requires="a14">
           <p:sp>
             <p:nvSpPr>
               <p:cNvPr id="7" name="TextBox 6"/>
@@ -11215,6 +13967,7 @@
               </a:bodyPr>
               <a:lstStyle/>
               <a:p>
+                <a:pPr/>
                 <a14:m>
                   <m:oMathPara xmlns:m="http://schemas.openxmlformats.org/officeDocument/2006/math">
                     <m:oMathParaPr>
@@ -11269,7 +14022,7 @@
             </p:txBody>
           </p:sp>
         </mc:Choice>
-        <mc:Fallback>
+        <mc:Fallback xmlns="">
           <p:sp>
             <p:nvSpPr>
               <p:cNvPr id="7" name="TextBox 6"/>
@@ -11615,7 +14368,7 @@
   <a:extraClrSchemeLst/>
   <a:extLst>
     <a:ext uri="{05A4C25C-085E-4340-85A3-A5531E510DB2}">
-      <thm15:themeFamily xmlns:thm15="http://schemas.microsoft.com/office/thememl/2012/main" xmlns="" name="Office Theme" id="{62F939B6-93AF-4DB8-9C6B-D6C7DFDC589F}" vid="{4A3C46E8-61CC-4603-A589-7422A47A8E4A}"/>
+      <thm15:themeFamily xmlns="" xmlns:thm15="http://schemas.microsoft.com/office/thememl/2012/main" name="Office Theme" id="{62F939B6-93AF-4DB8-9C6B-D6C7DFDC589F}" vid="{4A3C46E8-61CC-4603-A589-7422A47A8E4A}"/>
     </a:ext>
   </a:extLst>
 </a:theme>

--- a/pics/2021-06-19-Gauss_elimination/pics.pptx
+++ b/pics/2021-06-19-Gauss_elimination/pics.pptx
@@ -10,6 +10,7 @@
     <p:sldId id="258" r:id="rId4"/>
     <p:sldId id="260" r:id="rId5"/>
     <p:sldId id="259" r:id="rId6"/>
+    <p:sldId id="261" r:id="rId7"/>
   </p:sldIdLst>
   <p:sldSz cx="12192000" cy="6858000"/>
   <p:notesSz cx="6858000" cy="9144000"/>
@@ -110,7 +111,7 @@
   </p:defaultTextStyle>
   <p:extLst>
     <p:ext uri="{EFAFB233-063F-42B5-8137-9DF3F51BA10A}">
-      <p15:sldGuideLst xmlns="" xmlns:p15="http://schemas.microsoft.com/office/powerpoint/2012/main"/>
+      <p15:sldGuideLst xmlns:p15="http://schemas.microsoft.com/office/powerpoint/2012/main" xmlns=""/>
     </p:ext>
   </p:extLst>
 </p:presentation>
@@ -138,7 +139,7 @@
           <p:cNvPr id="2" name="제목 1">
             <a:extLst>
               <a:ext uri="{FF2B5EF4-FFF2-40B4-BE49-F238E27FC236}">
-                <a16:creationId xmlns="" xmlns:a16="http://schemas.microsoft.com/office/drawing/2014/main" id="{82FD9A84-23B0-4DDC-9F1E-E4507843FC7F}"/>
+                <a16:creationId xmlns:a16="http://schemas.microsoft.com/office/drawing/2014/main" xmlns="" id="{82FD9A84-23B0-4DDC-9F1E-E4507843FC7F}"/>
               </a:ext>
             </a:extLst>
           </p:cNvPr>
@@ -175,7 +176,7 @@
           <p:cNvPr id="3" name="부제목 2">
             <a:extLst>
               <a:ext uri="{FF2B5EF4-FFF2-40B4-BE49-F238E27FC236}">
-                <a16:creationId xmlns="" xmlns:a16="http://schemas.microsoft.com/office/drawing/2014/main" id="{CEE0360A-1042-442A-85A5-39F4AB809954}"/>
+                <a16:creationId xmlns:a16="http://schemas.microsoft.com/office/drawing/2014/main" xmlns="" id="{CEE0360A-1042-442A-85A5-39F4AB809954}"/>
               </a:ext>
             </a:extLst>
           </p:cNvPr>
@@ -245,7 +246,7 @@
           <p:cNvPr id="4" name="날짜 개체 틀 3">
             <a:extLst>
               <a:ext uri="{FF2B5EF4-FFF2-40B4-BE49-F238E27FC236}">
-                <a16:creationId xmlns="" xmlns:a16="http://schemas.microsoft.com/office/drawing/2014/main" id="{AD31096B-81DE-476D-AC4A-548AB37F258F}"/>
+                <a16:creationId xmlns:a16="http://schemas.microsoft.com/office/drawing/2014/main" xmlns="" id="{AD31096B-81DE-476D-AC4A-548AB37F258F}"/>
               </a:ext>
             </a:extLst>
           </p:cNvPr>
@@ -274,7 +275,7 @@
           <p:cNvPr id="5" name="바닥글 개체 틀 4">
             <a:extLst>
               <a:ext uri="{FF2B5EF4-FFF2-40B4-BE49-F238E27FC236}">
-                <a16:creationId xmlns="" xmlns:a16="http://schemas.microsoft.com/office/drawing/2014/main" id="{82F78726-B95D-4F08-9EA8-A509EC1CB9BC}"/>
+                <a16:creationId xmlns:a16="http://schemas.microsoft.com/office/drawing/2014/main" xmlns="" id="{82F78726-B95D-4F08-9EA8-A509EC1CB9BC}"/>
               </a:ext>
             </a:extLst>
           </p:cNvPr>
@@ -299,7 +300,7 @@
           <p:cNvPr id="6" name="슬라이드 번호 개체 틀 5">
             <a:extLst>
               <a:ext uri="{FF2B5EF4-FFF2-40B4-BE49-F238E27FC236}">
-                <a16:creationId xmlns="" xmlns:a16="http://schemas.microsoft.com/office/drawing/2014/main" id="{41620B87-BC61-4D76-B365-8D154DF1FF5D}"/>
+                <a16:creationId xmlns:a16="http://schemas.microsoft.com/office/drawing/2014/main" xmlns="" id="{41620B87-BC61-4D76-B365-8D154DF1FF5D}"/>
               </a:ext>
             </a:extLst>
           </p:cNvPr>
@@ -358,7 +359,7 @@
           <p:cNvPr id="2" name="제목 1">
             <a:extLst>
               <a:ext uri="{FF2B5EF4-FFF2-40B4-BE49-F238E27FC236}">
-                <a16:creationId xmlns="" xmlns:a16="http://schemas.microsoft.com/office/drawing/2014/main" id="{F092569F-A8E8-4D91-9958-46BF3E408308}"/>
+                <a16:creationId xmlns:a16="http://schemas.microsoft.com/office/drawing/2014/main" xmlns="" id="{F092569F-A8E8-4D91-9958-46BF3E408308}"/>
               </a:ext>
             </a:extLst>
           </p:cNvPr>
@@ -386,7 +387,7 @@
           <p:cNvPr id="3" name="세로 텍스트 개체 틀 2">
             <a:extLst>
               <a:ext uri="{FF2B5EF4-FFF2-40B4-BE49-F238E27FC236}">
-                <a16:creationId xmlns="" xmlns:a16="http://schemas.microsoft.com/office/drawing/2014/main" id="{306F85FF-E03A-454B-A5C4-19883EBF5C8E}"/>
+                <a16:creationId xmlns:a16="http://schemas.microsoft.com/office/drawing/2014/main" xmlns="" id="{306F85FF-E03A-454B-A5C4-19883EBF5C8E}"/>
               </a:ext>
             </a:extLst>
           </p:cNvPr>
@@ -443,7 +444,7 @@
           <p:cNvPr id="4" name="날짜 개체 틀 3">
             <a:extLst>
               <a:ext uri="{FF2B5EF4-FFF2-40B4-BE49-F238E27FC236}">
-                <a16:creationId xmlns="" xmlns:a16="http://schemas.microsoft.com/office/drawing/2014/main" id="{677FC95D-B651-4BE5-B429-C9DD9D1A6AD9}"/>
+                <a16:creationId xmlns:a16="http://schemas.microsoft.com/office/drawing/2014/main" xmlns="" id="{677FC95D-B651-4BE5-B429-C9DD9D1A6AD9}"/>
               </a:ext>
             </a:extLst>
           </p:cNvPr>
@@ -472,7 +473,7 @@
           <p:cNvPr id="5" name="바닥글 개체 틀 4">
             <a:extLst>
               <a:ext uri="{FF2B5EF4-FFF2-40B4-BE49-F238E27FC236}">
-                <a16:creationId xmlns="" xmlns:a16="http://schemas.microsoft.com/office/drawing/2014/main" id="{17B0A179-6D78-4EDE-9BFB-FD6B9E8605DE}"/>
+                <a16:creationId xmlns:a16="http://schemas.microsoft.com/office/drawing/2014/main" xmlns="" id="{17B0A179-6D78-4EDE-9BFB-FD6B9E8605DE}"/>
               </a:ext>
             </a:extLst>
           </p:cNvPr>
@@ -497,7 +498,7 @@
           <p:cNvPr id="6" name="슬라이드 번호 개체 틀 5">
             <a:extLst>
               <a:ext uri="{FF2B5EF4-FFF2-40B4-BE49-F238E27FC236}">
-                <a16:creationId xmlns="" xmlns:a16="http://schemas.microsoft.com/office/drawing/2014/main" id="{CCE1120A-CB2A-4FDB-9008-1730415D7E77}"/>
+                <a16:creationId xmlns:a16="http://schemas.microsoft.com/office/drawing/2014/main" xmlns="" id="{CCE1120A-CB2A-4FDB-9008-1730415D7E77}"/>
               </a:ext>
             </a:extLst>
           </p:cNvPr>
@@ -556,7 +557,7 @@
           <p:cNvPr id="2" name="세로 제목 1">
             <a:extLst>
               <a:ext uri="{FF2B5EF4-FFF2-40B4-BE49-F238E27FC236}">
-                <a16:creationId xmlns="" xmlns:a16="http://schemas.microsoft.com/office/drawing/2014/main" id="{713EE1BA-9FF3-4680-AA0E-7568F9F26CA3}"/>
+                <a16:creationId xmlns:a16="http://schemas.microsoft.com/office/drawing/2014/main" xmlns="" id="{713EE1BA-9FF3-4680-AA0E-7568F9F26CA3}"/>
               </a:ext>
             </a:extLst>
           </p:cNvPr>
@@ -589,7 +590,7 @@
           <p:cNvPr id="3" name="세로 텍스트 개체 틀 2">
             <a:extLst>
               <a:ext uri="{FF2B5EF4-FFF2-40B4-BE49-F238E27FC236}">
-                <a16:creationId xmlns="" xmlns:a16="http://schemas.microsoft.com/office/drawing/2014/main" id="{F06BF7C5-6051-47BB-BC1E-8723B08B58C8}"/>
+                <a16:creationId xmlns:a16="http://schemas.microsoft.com/office/drawing/2014/main" xmlns="" id="{F06BF7C5-6051-47BB-BC1E-8723B08B58C8}"/>
               </a:ext>
             </a:extLst>
           </p:cNvPr>
@@ -651,7 +652,7 @@
           <p:cNvPr id="4" name="날짜 개체 틀 3">
             <a:extLst>
               <a:ext uri="{FF2B5EF4-FFF2-40B4-BE49-F238E27FC236}">
-                <a16:creationId xmlns="" xmlns:a16="http://schemas.microsoft.com/office/drawing/2014/main" id="{2DF38F08-8E8B-440A-A721-A229FD5C42BD}"/>
+                <a16:creationId xmlns:a16="http://schemas.microsoft.com/office/drawing/2014/main" xmlns="" id="{2DF38F08-8E8B-440A-A721-A229FD5C42BD}"/>
               </a:ext>
             </a:extLst>
           </p:cNvPr>
@@ -680,7 +681,7 @@
           <p:cNvPr id="5" name="바닥글 개체 틀 4">
             <a:extLst>
               <a:ext uri="{FF2B5EF4-FFF2-40B4-BE49-F238E27FC236}">
-                <a16:creationId xmlns="" xmlns:a16="http://schemas.microsoft.com/office/drawing/2014/main" id="{A115BB80-9B7F-469A-9E7C-7E99844C3373}"/>
+                <a16:creationId xmlns:a16="http://schemas.microsoft.com/office/drawing/2014/main" xmlns="" id="{A115BB80-9B7F-469A-9E7C-7E99844C3373}"/>
               </a:ext>
             </a:extLst>
           </p:cNvPr>
@@ -705,7 +706,7 @@
           <p:cNvPr id="6" name="슬라이드 번호 개체 틀 5">
             <a:extLst>
               <a:ext uri="{FF2B5EF4-FFF2-40B4-BE49-F238E27FC236}">
-                <a16:creationId xmlns="" xmlns:a16="http://schemas.microsoft.com/office/drawing/2014/main" id="{247323E3-93F3-45E3-B0B4-2C3083B2BD5D}"/>
+                <a16:creationId xmlns:a16="http://schemas.microsoft.com/office/drawing/2014/main" xmlns="" id="{247323E3-93F3-45E3-B0B4-2C3083B2BD5D}"/>
               </a:ext>
             </a:extLst>
           </p:cNvPr>
@@ -764,7 +765,7 @@
           <p:cNvPr id="2" name="제목 1">
             <a:extLst>
               <a:ext uri="{FF2B5EF4-FFF2-40B4-BE49-F238E27FC236}">
-                <a16:creationId xmlns="" xmlns:a16="http://schemas.microsoft.com/office/drawing/2014/main" id="{542E9315-D97B-4790-900C-A3A31E9BCA3F}"/>
+                <a16:creationId xmlns:a16="http://schemas.microsoft.com/office/drawing/2014/main" xmlns="" id="{542E9315-D97B-4790-900C-A3A31E9BCA3F}"/>
               </a:ext>
             </a:extLst>
           </p:cNvPr>
@@ -792,7 +793,7 @@
           <p:cNvPr id="3" name="내용 개체 틀 2">
             <a:extLst>
               <a:ext uri="{FF2B5EF4-FFF2-40B4-BE49-F238E27FC236}">
-                <a16:creationId xmlns="" xmlns:a16="http://schemas.microsoft.com/office/drawing/2014/main" id="{064D2570-1793-4554-A583-2AE03EB9AA28}"/>
+                <a16:creationId xmlns:a16="http://schemas.microsoft.com/office/drawing/2014/main" xmlns="" id="{064D2570-1793-4554-A583-2AE03EB9AA28}"/>
               </a:ext>
             </a:extLst>
           </p:cNvPr>
@@ -849,7 +850,7 @@
           <p:cNvPr id="4" name="날짜 개체 틀 3">
             <a:extLst>
               <a:ext uri="{FF2B5EF4-FFF2-40B4-BE49-F238E27FC236}">
-                <a16:creationId xmlns="" xmlns:a16="http://schemas.microsoft.com/office/drawing/2014/main" id="{E234608A-0B5E-4FB3-8769-43CBB3139D17}"/>
+                <a16:creationId xmlns:a16="http://schemas.microsoft.com/office/drawing/2014/main" xmlns="" id="{E234608A-0B5E-4FB3-8769-43CBB3139D17}"/>
               </a:ext>
             </a:extLst>
           </p:cNvPr>
@@ -878,7 +879,7 @@
           <p:cNvPr id="5" name="바닥글 개체 틀 4">
             <a:extLst>
               <a:ext uri="{FF2B5EF4-FFF2-40B4-BE49-F238E27FC236}">
-                <a16:creationId xmlns="" xmlns:a16="http://schemas.microsoft.com/office/drawing/2014/main" id="{219BE070-83CD-4A1F-9006-D11B22B3805E}"/>
+                <a16:creationId xmlns:a16="http://schemas.microsoft.com/office/drawing/2014/main" xmlns="" id="{219BE070-83CD-4A1F-9006-D11B22B3805E}"/>
               </a:ext>
             </a:extLst>
           </p:cNvPr>
@@ -903,7 +904,7 @@
           <p:cNvPr id="6" name="슬라이드 번호 개체 틀 5">
             <a:extLst>
               <a:ext uri="{FF2B5EF4-FFF2-40B4-BE49-F238E27FC236}">
-                <a16:creationId xmlns="" xmlns:a16="http://schemas.microsoft.com/office/drawing/2014/main" id="{9E996741-6FA4-4ECD-B30F-2C88B1566259}"/>
+                <a16:creationId xmlns:a16="http://schemas.microsoft.com/office/drawing/2014/main" xmlns="" id="{9E996741-6FA4-4ECD-B30F-2C88B1566259}"/>
               </a:ext>
             </a:extLst>
           </p:cNvPr>
@@ -962,7 +963,7 @@
           <p:cNvPr id="2" name="제목 1">
             <a:extLst>
               <a:ext uri="{FF2B5EF4-FFF2-40B4-BE49-F238E27FC236}">
-                <a16:creationId xmlns="" xmlns:a16="http://schemas.microsoft.com/office/drawing/2014/main" id="{0209848F-ED0D-4CD1-BFAD-B84A6CBC7C26}"/>
+                <a16:creationId xmlns:a16="http://schemas.microsoft.com/office/drawing/2014/main" xmlns="" id="{0209848F-ED0D-4CD1-BFAD-B84A6CBC7C26}"/>
               </a:ext>
             </a:extLst>
           </p:cNvPr>
@@ -999,7 +1000,7 @@
           <p:cNvPr id="3" name="텍스트 개체 틀 2">
             <a:extLst>
               <a:ext uri="{FF2B5EF4-FFF2-40B4-BE49-F238E27FC236}">
-                <a16:creationId xmlns="" xmlns:a16="http://schemas.microsoft.com/office/drawing/2014/main" id="{F8648BDA-D60E-490D-BAC6-13D7D8737F92}"/>
+                <a16:creationId xmlns:a16="http://schemas.microsoft.com/office/drawing/2014/main" xmlns="" id="{F8648BDA-D60E-490D-BAC6-13D7D8737F92}"/>
               </a:ext>
             </a:extLst>
           </p:cNvPr>
@@ -1124,7 +1125,7 @@
           <p:cNvPr id="4" name="날짜 개체 틀 3">
             <a:extLst>
               <a:ext uri="{FF2B5EF4-FFF2-40B4-BE49-F238E27FC236}">
-                <a16:creationId xmlns="" xmlns:a16="http://schemas.microsoft.com/office/drawing/2014/main" id="{194813D0-14E8-4168-A592-047383F27B22}"/>
+                <a16:creationId xmlns:a16="http://schemas.microsoft.com/office/drawing/2014/main" xmlns="" id="{194813D0-14E8-4168-A592-047383F27B22}"/>
               </a:ext>
             </a:extLst>
           </p:cNvPr>
@@ -1153,7 +1154,7 @@
           <p:cNvPr id="5" name="바닥글 개체 틀 4">
             <a:extLst>
               <a:ext uri="{FF2B5EF4-FFF2-40B4-BE49-F238E27FC236}">
-                <a16:creationId xmlns="" xmlns:a16="http://schemas.microsoft.com/office/drawing/2014/main" id="{E5F219B1-1116-4FDC-BF3E-B4A02B5CD1C2}"/>
+                <a16:creationId xmlns:a16="http://schemas.microsoft.com/office/drawing/2014/main" xmlns="" id="{E5F219B1-1116-4FDC-BF3E-B4A02B5CD1C2}"/>
               </a:ext>
             </a:extLst>
           </p:cNvPr>
@@ -1178,7 +1179,7 @@
           <p:cNvPr id="6" name="슬라이드 번호 개체 틀 5">
             <a:extLst>
               <a:ext uri="{FF2B5EF4-FFF2-40B4-BE49-F238E27FC236}">
-                <a16:creationId xmlns="" xmlns:a16="http://schemas.microsoft.com/office/drawing/2014/main" id="{673B3113-B1B8-48EA-B2B4-BB9616B0ECB6}"/>
+                <a16:creationId xmlns:a16="http://schemas.microsoft.com/office/drawing/2014/main" xmlns="" id="{673B3113-B1B8-48EA-B2B4-BB9616B0ECB6}"/>
               </a:ext>
             </a:extLst>
           </p:cNvPr>
@@ -1237,7 +1238,7 @@
           <p:cNvPr id="2" name="제목 1">
             <a:extLst>
               <a:ext uri="{FF2B5EF4-FFF2-40B4-BE49-F238E27FC236}">
-                <a16:creationId xmlns="" xmlns:a16="http://schemas.microsoft.com/office/drawing/2014/main" id="{5CC783B0-E58E-45E3-A956-71DDD1DEA916}"/>
+                <a16:creationId xmlns:a16="http://schemas.microsoft.com/office/drawing/2014/main" xmlns="" id="{5CC783B0-E58E-45E3-A956-71DDD1DEA916}"/>
               </a:ext>
             </a:extLst>
           </p:cNvPr>
@@ -1265,7 +1266,7 @@
           <p:cNvPr id="3" name="내용 개체 틀 2">
             <a:extLst>
               <a:ext uri="{FF2B5EF4-FFF2-40B4-BE49-F238E27FC236}">
-                <a16:creationId xmlns="" xmlns:a16="http://schemas.microsoft.com/office/drawing/2014/main" id="{E4B67569-DC9E-4BE2-813C-9F9E6B4178A6}"/>
+                <a16:creationId xmlns:a16="http://schemas.microsoft.com/office/drawing/2014/main" xmlns="" id="{E4B67569-DC9E-4BE2-813C-9F9E6B4178A6}"/>
               </a:ext>
             </a:extLst>
           </p:cNvPr>
@@ -1327,7 +1328,7 @@
           <p:cNvPr id="4" name="내용 개체 틀 3">
             <a:extLst>
               <a:ext uri="{FF2B5EF4-FFF2-40B4-BE49-F238E27FC236}">
-                <a16:creationId xmlns="" xmlns:a16="http://schemas.microsoft.com/office/drawing/2014/main" id="{ED021C7A-2BCA-42A1-9CF3-8B6B5C4D1757}"/>
+                <a16:creationId xmlns:a16="http://schemas.microsoft.com/office/drawing/2014/main" xmlns="" id="{ED021C7A-2BCA-42A1-9CF3-8B6B5C4D1757}"/>
               </a:ext>
             </a:extLst>
           </p:cNvPr>
@@ -1389,7 +1390,7 @@
           <p:cNvPr id="5" name="날짜 개체 틀 4">
             <a:extLst>
               <a:ext uri="{FF2B5EF4-FFF2-40B4-BE49-F238E27FC236}">
-                <a16:creationId xmlns="" xmlns:a16="http://schemas.microsoft.com/office/drawing/2014/main" id="{B874C3BA-9EDD-45E8-B90F-D6710AD56966}"/>
+                <a16:creationId xmlns:a16="http://schemas.microsoft.com/office/drawing/2014/main" xmlns="" id="{B874C3BA-9EDD-45E8-B90F-D6710AD56966}"/>
               </a:ext>
             </a:extLst>
           </p:cNvPr>
@@ -1418,7 +1419,7 @@
           <p:cNvPr id="6" name="바닥글 개체 틀 5">
             <a:extLst>
               <a:ext uri="{FF2B5EF4-FFF2-40B4-BE49-F238E27FC236}">
-                <a16:creationId xmlns="" xmlns:a16="http://schemas.microsoft.com/office/drawing/2014/main" id="{89D6A7A6-B6D3-4334-A4F6-4CAD144CEBC1}"/>
+                <a16:creationId xmlns:a16="http://schemas.microsoft.com/office/drawing/2014/main" xmlns="" id="{89D6A7A6-B6D3-4334-A4F6-4CAD144CEBC1}"/>
               </a:ext>
             </a:extLst>
           </p:cNvPr>
@@ -1443,7 +1444,7 @@
           <p:cNvPr id="7" name="슬라이드 번호 개체 틀 6">
             <a:extLst>
               <a:ext uri="{FF2B5EF4-FFF2-40B4-BE49-F238E27FC236}">
-                <a16:creationId xmlns="" xmlns:a16="http://schemas.microsoft.com/office/drawing/2014/main" id="{07D6CC4E-156B-4F4A-8806-33D280BA21A4}"/>
+                <a16:creationId xmlns:a16="http://schemas.microsoft.com/office/drawing/2014/main" xmlns="" id="{07D6CC4E-156B-4F4A-8806-33D280BA21A4}"/>
               </a:ext>
             </a:extLst>
           </p:cNvPr>
@@ -1502,7 +1503,7 @@
           <p:cNvPr id="2" name="제목 1">
             <a:extLst>
               <a:ext uri="{FF2B5EF4-FFF2-40B4-BE49-F238E27FC236}">
-                <a16:creationId xmlns="" xmlns:a16="http://schemas.microsoft.com/office/drawing/2014/main" id="{002E2470-6192-444B-A3B0-95C61C230D23}"/>
+                <a16:creationId xmlns:a16="http://schemas.microsoft.com/office/drawing/2014/main" xmlns="" id="{002E2470-6192-444B-A3B0-95C61C230D23}"/>
               </a:ext>
             </a:extLst>
           </p:cNvPr>
@@ -1535,7 +1536,7 @@
           <p:cNvPr id="3" name="텍스트 개체 틀 2">
             <a:extLst>
               <a:ext uri="{FF2B5EF4-FFF2-40B4-BE49-F238E27FC236}">
-                <a16:creationId xmlns="" xmlns:a16="http://schemas.microsoft.com/office/drawing/2014/main" id="{232C3042-B39A-4154-80D5-44979CC1897B}"/>
+                <a16:creationId xmlns:a16="http://schemas.microsoft.com/office/drawing/2014/main" xmlns="" id="{232C3042-B39A-4154-80D5-44979CC1897B}"/>
               </a:ext>
             </a:extLst>
           </p:cNvPr>
@@ -1606,7 +1607,7 @@
           <p:cNvPr id="4" name="내용 개체 틀 3">
             <a:extLst>
               <a:ext uri="{FF2B5EF4-FFF2-40B4-BE49-F238E27FC236}">
-                <a16:creationId xmlns="" xmlns:a16="http://schemas.microsoft.com/office/drawing/2014/main" id="{177A3D28-E61D-4637-9523-5AE51910C79E}"/>
+                <a16:creationId xmlns:a16="http://schemas.microsoft.com/office/drawing/2014/main" xmlns="" id="{177A3D28-E61D-4637-9523-5AE51910C79E}"/>
               </a:ext>
             </a:extLst>
           </p:cNvPr>
@@ -1668,7 +1669,7 @@
           <p:cNvPr id="5" name="텍스트 개체 틀 4">
             <a:extLst>
               <a:ext uri="{FF2B5EF4-FFF2-40B4-BE49-F238E27FC236}">
-                <a16:creationId xmlns="" xmlns:a16="http://schemas.microsoft.com/office/drawing/2014/main" id="{3B4CB177-8D51-466E-94D3-B942E6BDCAF1}"/>
+                <a16:creationId xmlns:a16="http://schemas.microsoft.com/office/drawing/2014/main" xmlns="" id="{3B4CB177-8D51-466E-94D3-B942E6BDCAF1}"/>
               </a:ext>
             </a:extLst>
           </p:cNvPr>
@@ -1739,7 +1740,7 @@
           <p:cNvPr id="6" name="내용 개체 틀 5">
             <a:extLst>
               <a:ext uri="{FF2B5EF4-FFF2-40B4-BE49-F238E27FC236}">
-                <a16:creationId xmlns="" xmlns:a16="http://schemas.microsoft.com/office/drawing/2014/main" id="{FCC27AE7-F123-4093-8D55-B1E7D886BAAE}"/>
+                <a16:creationId xmlns:a16="http://schemas.microsoft.com/office/drawing/2014/main" xmlns="" id="{FCC27AE7-F123-4093-8D55-B1E7D886BAAE}"/>
               </a:ext>
             </a:extLst>
           </p:cNvPr>
@@ -1801,7 +1802,7 @@
           <p:cNvPr id="7" name="날짜 개체 틀 6">
             <a:extLst>
               <a:ext uri="{FF2B5EF4-FFF2-40B4-BE49-F238E27FC236}">
-                <a16:creationId xmlns="" xmlns:a16="http://schemas.microsoft.com/office/drawing/2014/main" id="{4EF5F44B-4B10-4CE4-84DF-61CB982F46C4}"/>
+                <a16:creationId xmlns:a16="http://schemas.microsoft.com/office/drawing/2014/main" xmlns="" id="{4EF5F44B-4B10-4CE4-84DF-61CB982F46C4}"/>
               </a:ext>
             </a:extLst>
           </p:cNvPr>
@@ -1830,7 +1831,7 @@
           <p:cNvPr id="8" name="바닥글 개체 틀 7">
             <a:extLst>
               <a:ext uri="{FF2B5EF4-FFF2-40B4-BE49-F238E27FC236}">
-                <a16:creationId xmlns="" xmlns:a16="http://schemas.microsoft.com/office/drawing/2014/main" id="{985E034B-E71B-4030-9EFD-A4747CD80D8E}"/>
+                <a16:creationId xmlns:a16="http://schemas.microsoft.com/office/drawing/2014/main" xmlns="" id="{985E034B-E71B-4030-9EFD-A4747CD80D8E}"/>
               </a:ext>
             </a:extLst>
           </p:cNvPr>
@@ -1855,7 +1856,7 @@
           <p:cNvPr id="9" name="슬라이드 번호 개체 틀 8">
             <a:extLst>
               <a:ext uri="{FF2B5EF4-FFF2-40B4-BE49-F238E27FC236}">
-                <a16:creationId xmlns="" xmlns:a16="http://schemas.microsoft.com/office/drawing/2014/main" id="{AB72CB64-E8EE-46AA-A128-255F121799A8}"/>
+                <a16:creationId xmlns:a16="http://schemas.microsoft.com/office/drawing/2014/main" xmlns="" id="{AB72CB64-E8EE-46AA-A128-255F121799A8}"/>
               </a:ext>
             </a:extLst>
           </p:cNvPr>
@@ -1914,7 +1915,7 @@
           <p:cNvPr id="2" name="제목 1">
             <a:extLst>
               <a:ext uri="{FF2B5EF4-FFF2-40B4-BE49-F238E27FC236}">
-                <a16:creationId xmlns="" xmlns:a16="http://schemas.microsoft.com/office/drawing/2014/main" id="{AEF8F40F-4397-4FDF-A5D5-88B4E3513C2B}"/>
+                <a16:creationId xmlns:a16="http://schemas.microsoft.com/office/drawing/2014/main" xmlns="" id="{AEF8F40F-4397-4FDF-A5D5-88B4E3513C2B}"/>
               </a:ext>
             </a:extLst>
           </p:cNvPr>
@@ -1942,7 +1943,7 @@
           <p:cNvPr id="3" name="날짜 개체 틀 2">
             <a:extLst>
               <a:ext uri="{FF2B5EF4-FFF2-40B4-BE49-F238E27FC236}">
-                <a16:creationId xmlns="" xmlns:a16="http://schemas.microsoft.com/office/drawing/2014/main" id="{EBB36E9A-9689-47BC-AA19-5BFB91C597BF}"/>
+                <a16:creationId xmlns:a16="http://schemas.microsoft.com/office/drawing/2014/main" xmlns="" id="{EBB36E9A-9689-47BC-AA19-5BFB91C597BF}"/>
               </a:ext>
             </a:extLst>
           </p:cNvPr>
@@ -1971,7 +1972,7 @@
           <p:cNvPr id="4" name="바닥글 개체 틀 3">
             <a:extLst>
               <a:ext uri="{FF2B5EF4-FFF2-40B4-BE49-F238E27FC236}">
-                <a16:creationId xmlns="" xmlns:a16="http://schemas.microsoft.com/office/drawing/2014/main" id="{16ED28E3-FA87-4DC6-BBF5-2523AE235996}"/>
+                <a16:creationId xmlns:a16="http://schemas.microsoft.com/office/drawing/2014/main" xmlns="" id="{16ED28E3-FA87-4DC6-BBF5-2523AE235996}"/>
               </a:ext>
             </a:extLst>
           </p:cNvPr>
@@ -1996,7 +1997,7 @@
           <p:cNvPr id="5" name="슬라이드 번호 개체 틀 4">
             <a:extLst>
               <a:ext uri="{FF2B5EF4-FFF2-40B4-BE49-F238E27FC236}">
-                <a16:creationId xmlns="" xmlns:a16="http://schemas.microsoft.com/office/drawing/2014/main" id="{7B5FFF4C-5230-4EE9-A873-C55D50A00E20}"/>
+                <a16:creationId xmlns:a16="http://schemas.microsoft.com/office/drawing/2014/main" xmlns="" id="{7B5FFF4C-5230-4EE9-A873-C55D50A00E20}"/>
               </a:ext>
             </a:extLst>
           </p:cNvPr>
@@ -2055,7 +2056,7 @@
           <p:cNvPr id="2" name="날짜 개체 틀 1">
             <a:extLst>
               <a:ext uri="{FF2B5EF4-FFF2-40B4-BE49-F238E27FC236}">
-                <a16:creationId xmlns="" xmlns:a16="http://schemas.microsoft.com/office/drawing/2014/main" id="{35F21E98-0C1F-41DE-94BD-D0A36AD2D29C}"/>
+                <a16:creationId xmlns:a16="http://schemas.microsoft.com/office/drawing/2014/main" xmlns="" id="{35F21E98-0C1F-41DE-94BD-D0A36AD2D29C}"/>
               </a:ext>
             </a:extLst>
           </p:cNvPr>
@@ -2084,7 +2085,7 @@
           <p:cNvPr id="3" name="바닥글 개체 틀 2">
             <a:extLst>
               <a:ext uri="{FF2B5EF4-FFF2-40B4-BE49-F238E27FC236}">
-                <a16:creationId xmlns="" xmlns:a16="http://schemas.microsoft.com/office/drawing/2014/main" id="{D120FB64-D602-4C0B-B949-F06FDF4440C7}"/>
+                <a16:creationId xmlns:a16="http://schemas.microsoft.com/office/drawing/2014/main" xmlns="" id="{D120FB64-D602-4C0B-B949-F06FDF4440C7}"/>
               </a:ext>
             </a:extLst>
           </p:cNvPr>
@@ -2109,7 +2110,7 @@
           <p:cNvPr id="4" name="슬라이드 번호 개체 틀 3">
             <a:extLst>
               <a:ext uri="{FF2B5EF4-FFF2-40B4-BE49-F238E27FC236}">
-                <a16:creationId xmlns="" xmlns:a16="http://schemas.microsoft.com/office/drawing/2014/main" id="{7034A2F1-467E-4E0F-80BF-14F0BD523EF3}"/>
+                <a16:creationId xmlns:a16="http://schemas.microsoft.com/office/drawing/2014/main" xmlns="" id="{7034A2F1-467E-4E0F-80BF-14F0BD523EF3}"/>
               </a:ext>
             </a:extLst>
           </p:cNvPr>
@@ -2168,7 +2169,7 @@
           <p:cNvPr id="2" name="제목 1">
             <a:extLst>
               <a:ext uri="{FF2B5EF4-FFF2-40B4-BE49-F238E27FC236}">
-                <a16:creationId xmlns="" xmlns:a16="http://schemas.microsoft.com/office/drawing/2014/main" id="{6016A49F-5A88-41A2-83FE-688E4FE2F7A2}"/>
+                <a16:creationId xmlns:a16="http://schemas.microsoft.com/office/drawing/2014/main" xmlns="" id="{6016A49F-5A88-41A2-83FE-688E4FE2F7A2}"/>
               </a:ext>
             </a:extLst>
           </p:cNvPr>
@@ -2205,7 +2206,7 @@
           <p:cNvPr id="3" name="내용 개체 틀 2">
             <a:extLst>
               <a:ext uri="{FF2B5EF4-FFF2-40B4-BE49-F238E27FC236}">
-                <a16:creationId xmlns="" xmlns:a16="http://schemas.microsoft.com/office/drawing/2014/main" id="{3949AC53-B2A8-4903-9A08-5539EF9A0A71}"/>
+                <a16:creationId xmlns:a16="http://schemas.microsoft.com/office/drawing/2014/main" xmlns="" id="{3949AC53-B2A8-4903-9A08-5539EF9A0A71}"/>
               </a:ext>
             </a:extLst>
           </p:cNvPr>
@@ -2295,7 +2296,7 @@
           <p:cNvPr id="4" name="텍스트 개체 틀 3">
             <a:extLst>
               <a:ext uri="{FF2B5EF4-FFF2-40B4-BE49-F238E27FC236}">
-                <a16:creationId xmlns="" xmlns:a16="http://schemas.microsoft.com/office/drawing/2014/main" id="{A5A2EE3C-01CD-46FF-B520-0CB0E9C792FD}"/>
+                <a16:creationId xmlns:a16="http://schemas.microsoft.com/office/drawing/2014/main" xmlns="" id="{A5A2EE3C-01CD-46FF-B520-0CB0E9C792FD}"/>
               </a:ext>
             </a:extLst>
           </p:cNvPr>
@@ -2366,7 +2367,7 @@
           <p:cNvPr id="5" name="날짜 개체 틀 4">
             <a:extLst>
               <a:ext uri="{FF2B5EF4-FFF2-40B4-BE49-F238E27FC236}">
-                <a16:creationId xmlns="" xmlns:a16="http://schemas.microsoft.com/office/drawing/2014/main" id="{4410F14A-0993-4DD0-AEC0-57479592E028}"/>
+                <a16:creationId xmlns:a16="http://schemas.microsoft.com/office/drawing/2014/main" xmlns="" id="{4410F14A-0993-4DD0-AEC0-57479592E028}"/>
               </a:ext>
             </a:extLst>
           </p:cNvPr>
@@ -2395,7 +2396,7 @@
           <p:cNvPr id="6" name="바닥글 개체 틀 5">
             <a:extLst>
               <a:ext uri="{FF2B5EF4-FFF2-40B4-BE49-F238E27FC236}">
-                <a16:creationId xmlns="" xmlns:a16="http://schemas.microsoft.com/office/drawing/2014/main" id="{87BFC81E-59B1-40AA-9EF8-39726CCBC8C6}"/>
+                <a16:creationId xmlns:a16="http://schemas.microsoft.com/office/drawing/2014/main" xmlns="" id="{87BFC81E-59B1-40AA-9EF8-39726CCBC8C6}"/>
               </a:ext>
             </a:extLst>
           </p:cNvPr>
@@ -2420,7 +2421,7 @@
           <p:cNvPr id="7" name="슬라이드 번호 개체 틀 6">
             <a:extLst>
               <a:ext uri="{FF2B5EF4-FFF2-40B4-BE49-F238E27FC236}">
-                <a16:creationId xmlns="" xmlns:a16="http://schemas.microsoft.com/office/drawing/2014/main" id="{BE224A03-62D7-4837-A9B9-502B3CFF0CA1}"/>
+                <a16:creationId xmlns:a16="http://schemas.microsoft.com/office/drawing/2014/main" xmlns="" id="{BE224A03-62D7-4837-A9B9-502B3CFF0CA1}"/>
               </a:ext>
             </a:extLst>
           </p:cNvPr>
@@ -2479,7 +2480,7 @@
           <p:cNvPr id="2" name="제목 1">
             <a:extLst>
               <a:ext uri="{FF2B5EF4-FFF2-40B4-BE49-F238E27FC236}">
-                <a16:creationId xmlns="" xmlns:a16="http://schemas.microsoft.com/office/drawing/2014/main" id="{6820D006-DADA-4E0F-85F6-2AE0BF5F9BD9}"/>
+                <a16:creationId xmlns:a16="http://schemas.microsoft.com/office/drawing/2014/main" xmlns="" id="{6820D006-DADA-4E0F-85F6-2AE0BF5F9BD9}"/>
               </a:ext>
             </a:extLst>
           </p:cNvPr>
@@ -2516,7 +2517,7 @@
           <p:cNvPr id="3" name="그림 개체 틀 2">
             <a:extLst>
               <a:ext uri="{FF2B5EF4-FFF2-40B4-BE49-F238E27FC236}">
-                <a16:creationId xmlns="" xmlns:a16="http://schemas.microsoft.com/office/drawing/2014/main" id="{15065FCD-F315-4F45-8B8F-C8AA9CFE7558}"/>
+                <a16:creationId xmlns:a16="http://schemas.microsoft.com/office/drawing/2014/main" xmlns="" id="{15065FCD-F315-4F45-8B8F-C8AA9CFE7558}"/>
               </a:ext>
             </a:extLst>
           </p:cNvPr>
@@ -2583,7 +2584,7 @@
           <p:cNvPr id="4" name="텍스트 개체 틀 3">
             <a:extLst>
               <a:ext uri="{FF2B5EF4-FFF2-40B4-BE49-F238E27FC236}">
-                <a16:creationId xmlns="" xmlns:a16="http://schemas.microsoft.com/office/drawing/2014/main" id="{0B2F3633-7591-4EE6-80E2-B6BE56D06676}"/>
+                <a16:creationId xmlns:a16="http://schemas.microsoft.com/office/drawing/2014/main" xmlns="" id="{0B2F3633-7591-4EE6-80E2-B6BE56D06676}"/>
               </a:ext>
             </a:extLst>
           </p:cNvPr>
@@ -2654,7 +2655,7 @@
           <p:cNvPr id="5" name="날짜 개체 틀 4">
             <a:extLst>
               <a:ext uri="{FF2B5EF4-FFF2-40B4-BE49-F238E27FC236}">
-                <a16:creationId xmlns="" xmlns:a16="http://schemas.microsoft.com/office/drawing/2014/main" id="{668B9296-C06C-4BB0-9161-9BC987F25CBA}"/>
+                <a16:creationId xmlns:a16="http://schemas.microsoft.com/office/drawing/2014/main" xmlns="" id="{668B9296-C06C-4BB0-9161-9BC987F25CBA}"/>
               </a:ext>
             </a:extLst>
           </p:cNvPr>
@@ -2683,7 +2684,7 @@
           <p:cNvPr id="6" name="바닥글 개체 틀 5">
             <a:extLst>
               <a:ext uri="{FF2B5EF4-FFF2-40B4-BE49-F238E27FC236}">
-                <a16:creationId xmlns="" xmlns:a16="http://schemas.microsoft.com/office/drawing/2014/main" id="{89C9091E-2431-40B4-9754-89A845C10572}"/>
+                <a16:creationId xmlns:a16="http://schemas.microsoft.com/office/drawing/2014/main" xmlns="" id="{89C9091E-2431-40B4-9754-89A845C10572}"/>
               </a:ext>
             </a:extLst>
           </p:cNvPr>
@@ -2708,7 +2709,7 @@
           <p:cNvPr id="7" name="슬라이드 번호 개체 틀 6">
             <a:extLst>
               <a:ext uri="{FF2B5EF4-FFF2-40B4-BE49-F238E27FC236}">
-                <a16:creationId xmlns="" xmlns:a16="http://schemas.microsoft.com/office/drawing/2014/main" id="{7D3BA3A0-7973-4D9A-B31A-D8A7EDE38D0E}"/>
+                <a16:creationId xmlns:a16="http://schemas.microsoft.com/office/drawing/2014/main" xmlns="" id="{7D3BA3A0-7973-4D9A-B31A-D8A7EDE38D0E}"/>
               </a:ext>
             </a:extLst>
           </p:cNvPr>
@@ -2772,7 +2773,7 @@
           <p:cNvPr id="2" name="제목 개체 틀 1">
             <a:extLst>
               <a:ext uri="{FF2B5EF4-FFF2-40B4-BE49-F238E27FC236}">
-                <a16:creationId xmlns="" xmlns:a16="http://schemas.microsoft.com/office/drawing/2014/main" id="{03CAFE74-71B2-43D6-B59D-BB06350B4F98}"/>
+                <a16:creationId xmlns:a16="http://schemas.microsoft.com/office/drawing/2014/main" xmlns="" id="{03CAFE74-71B2-43D6-B59D-BB06350B4F98}"/>
               </a:ext>
             </a:extLst>
           </p:cNvPr>
@@ -2810,7 +2811,7 @@
           <p:cNvPr id="3" name="텍스트 개체 틀 2">
             <a:extLst>
               <a:ext uri="{FF2B5EF4-FFF2-40B4-BE49-F238E27FC236}">
-                <a16:creationId xmlns="" xmlns:a16="http://schemas.microsoft.com/office/drawing/2014/main" id="{AC1CDCF7-B90A-48CC-B538-E403C1797D13}"/>
+                <a16:creationId xmlns:a16="http://schemas.microsoft.com/office/drawing/2014/main" xmlns="" id="{AC1CDCF7-B90A-48CC-B538-E403C1797D13}"/>
               </a:ext>
             </a:extLst>
           </p:cNvPr>
@@ -2877,7 +2878,7 @@
           <p:cNvPr id="4" name="날짜 개체 틀 3">
             <a:extLst>
               <a:ext uri="{FF2B5EF4-FFF2-40B4-BE49-F238E27FC236}">
-                <a16:creationId xmlns="" xmlns:a16="http://schemas.microsoft.com/office/drawing/2014/main" id="{65080B58-1334-4397-815E-53DC3EF258B1}"/>
+                <a16:creationId xmlns:a16="http://schemas.microsoft.com/office/drawing/2014/main" xmlns="" id="{65080B58-1334-4397-815E-53DC3EF258B1}"/>
               </a:ext>
             </a:extLst>
           </p:cNvPr>
@@ -2924,7 +2925,7 @@
           <p:cNvPr id="5" name="바닥글 개체 틀 4">
             <a:extLst>
               <a:ext uri="{FF2B5EF4-FFF2-40B4-BE49-F238E27FC236}">
-                <a16:creationId xmlns="" xmlns:a16="http://schemas.microsoft.com/office/drawing/2014/main" id="{A2171A12-EC13-4527-9F01-81CD24D4FE7F}"/>
+                <a16:creationId xmlns:a16="http://schemas.microsoft.com/office/drawing/2014/main" xmlns="" id="{A2171A12-EC13-4527-9F01-81CD24D4FE7F}"/>
               </a:ext>
             </a:extLst>
           </p:cNvPr>
@@ -2967,7 +2968,7 @@
           <p:cNvPr id="6" name="슬라이드 번호 개체 틀 5">
             <a:extLst>
               <a:ext uri="{FF2B5EF4-FFF2-40B4-BE49-F238E27FC236}">
-                <a16:creationId xmlns="" xmlns:a16="http://schemas.microsoft.com/office/drawing/2014/main" id="{F6C9E1DD-87D5-4A6A-94C2-588923E6386C}"/>
+                <a16:creationId xmlns:a16="http://schemas.microsoft.com/office/drawing/2014/main" xmlns="" id="{F6C9E1DD-87D5-4A6A-94C2-588923E6386C}"/>
               </a:ext>
             </a:extLst>
           </p:cNvPr>
@@ -3337,7 +3338,7 @@
               <p:cNvPr id="4" name="TextBox 3">
                 <a:extLst>
                   <a:ext uri="{FF2B5EF4-FFF2-40B4-BE49-F238E27FC236}">
-                    <a16:creationId xmlns="" xmlns:a16="http://schemas.microsoft.com/office/drawing/2014/main" id="{F34F46D6-FE84-46CE-A94E-97A1E2B0B647}"/>
+                    <a16:creationId xmlns:a16="http://schemas.microsoft.com/office/drawing/2014/main" xmlns="" id="{F34F46D6-FE84-46CE-A94E-97A1E2B0B647}"/>
                   </a:ext>
                 </a:extLst>
               </p:cNvPr>
@@ -3445,7 +3446,7 @@
               <p:cNvPr id="5" name="TextBox 4">
                 <a:extLst>
                   <a:ext uri="{FF2B5EF4-FFF2-40B4-BE49-F238E27FC236}">
-                    <a16:creationId xmlns="" xmlns:a16="http://schemas.microsoft.com/office/drawing/2014/main" id="{4B7F7B80-DA81-41D1-AB8E-BC560CA90E42}"/>
+                    <a16:creationId xmlns:a16="http://schemas.microsoft.com/office/drawing/2014/main" xmlns="" id="{4B7F7B80-DA81-41D1-AB8E-BC560CA90E42}"/>
                   </a:ext>
                 </a:extLst>
               </p:cNvPr>
@@ -4072,7 +4073,7 @@
               <p:cNvPr id="7" name="TextBox 6">
                 <a:extLst>
                   <a:ext uri="{FF2B5EF4-FFF2-40B4-BE49-F238E27FC236}">
-                    <a16:creationId xmlns="" xmlns:a16="http://schemas.microsoft.com/office/drawing/2014/main" id="{37B607A9-E2C5-45FB-9311-6A4CF92D2B7F}"/>
+                    <a16:creationId xmlns:a16="http://schemas.microsoft.com/office/drawing/2014/main" xmlns="" id="{37B607A9-E2C5-45FB-9311-6A4CF92D2B7F}"/>
                   </a:ext>
                 </a:extLst>
               </p:cNvPr>
@@ -4186,7 +4187,7 @@
               <p:cNvPr id="8" name="TextBox 7">
                 <a:extLst>
                   <a:ext uri="{FF2B5EF4-FFF2-40B4-BE49-F238E27FC236}">
-                    <a16:creationId xmlns="" xmlns:a16="http://schemas.microsoft.com/office/drawing/2014/main" id="{74A4CDE9-564D-4577-9B20-F6BE76B49A11}"/>
+                    <a16:creationId xmlns:a16="http://schemas.microsoft.com/office/drawing/2014/main" xmlns="" id="{74A4CDE9-564D-4577-9B20-F6BE76B49A11}"/>
                   </a:ext>
                 </a:extLst>
               </p:cNvPr>
@@ -4753,7 +4754,7 @@
               <p:cNvPr id="9" name="TextBox 8">
                 <a:extLst>
                   <a:ext uri="{FF2B5EF4-FFF2-40B4-BE49-F238E27FC236}">
-                    <a16:creationId xmlns="" xmlns:a16="http://schemas.microsoft.com/office/drawing/2014/main" id="{5ECA733F-061C-4EE8-8AF3-82841742D6E1}"/>
+                    <a16:creationId xmlns:a16="http://schemas.microsoft.com/office/drawing/2014/main" xmlns="" id="{5ECA733F-061C-4EE8-8AF3-82841742D6E1}"/>
                   </a:ext>
                 </a:extLst>
               </p:cNvPr>
@@ -5528,7 +5529,7 @@
           <p:cNvPr id="11" name="직사각형 10">
             <a:extLst>
               <a:ext uri="{FF2B5EF4-FFF2-40B4-BE49-F238E27FC236}">
-                <a16:creationId xmlns="" xmlns:a16="http://schemas.microsoft.com/office/drawing/2014/main" id="{EC07FC50-5869-434D-B327-BA5A06AD9846}"/>
+                <a16:creationId xmlns:a16="http://schemas.microsoft.com/office/drawing/2014/main" xmlns="" id="{EC07FC50-5869-434D-B327-BA5A06AD9846}"/>
               </a:ext>
             </a:extLst>
           </p:cNvPr>
@@ -5580,7 +5581,7 @@
           <p:cNvPr id="12" name="직사각형 11">
             <a:extLst>
               <a:ext uri="{FF2B5EF4-FFF2-40B4-BE49-F238E27FC236}">
-                <a16:creationId xmlns="" xmlns:a16="http://schemas.microsoft.com/office/drawing/2014/main" id="{2985F8F7-35F1-4E55-A515-D79AEDF5390D}"/>
+                <a16:creationId xmlns:a16="http://schemas.microsoft.com/office/drawing/2014/main" xmlns="" id="{2985F8F7-35F1-4E55-A515-D79AEDF5390D}"/>
               </a:ext>
             </a:extLst>
           </p:cNvPr>
@@ -5632,7 +5633,7 @@
           <p:cNvPr id="13" name="직사각형 12">
             <a:extLst>
               <a:ext uri="{FF2B5EF4-FFF2-40B4-BE49-F238E27FC236}">
-                <a16:creationId xmlns="" xmlns:a16="http://schemas.microsoft.com/office/drawing/2014/main" id="{EC6677BE-F9DC-4204-94B2-CF9876300807}"/>
+                <a16:creationId xmlns:a16="http://schemas.microsoft.com/office/drawing/2014/main" xmlns="" id="{EC6677BE-F9DC-4204-94B2-CF9876300807}"/>
               </a:ext>
             </a:extLst>
           </p:cNvPr>
@@ -5684,7 +5685,7 @@
           <p:cNvPr id="15" name="연결선: 꺾임 14">
             <a:extLst>
               <a:ext uri="{FF2B5EF4-FFF2-40B4-BE49-F238E27FC236}">
-                <a16:creationId xmlns="" xmlns:a16="http://schemas.microsoft.com/office/drawing/2014/main" id="{5BF2169F-BCBB-4B4D-86D9-EF1F48FDA2DB}"/>
+                <a16:creationId xmlns:a16="http://schemas.microsoft.com/office/drawing/2014/main" xmlns="" id="{5BF2169F-BCBB-4B4D-86D9-EF1F48FDA2DB}"/>
               </a:ext>
             </a:extLst>
           </p:cNvPr>
@@ -5729,7 +5730,7 @@
           <p:cNvPr id="16" name="연결선: 꺾임 15">
             <a:extLst>
               <a:ext uri="{FF2B5EF4-FFF2-40B4-BE49-F238E27FC236}">
-                <a16:creationId xmlns="" xmlns:a16="http://schemas.microsoft.com/office/drawing/2014/main" id="{08DAF2D8-3CC9-484C-9F5D-3AFC6F51A9EB}"/>
+                <a16:creationId xmlns:a16="http://schemas.microsoft.com/office/drawing/2014/main" xmlns="" id="{08DAF2D8-3CC9-484C-9F5D-3AFC6F51A9EB}"/>
               </a:ext>
             </a:extLst>
           </p:cNvPr>
@@ -5774,7 +5775,7 @@
           <p:cNvPr id="22" name="직선 화살표 연결선 21">
             <a:extLst>
               <a:ext uri="{FF2B5EF4-FFF2-40B4-BE49-F238E27FC236}">
-                <a16:creationId xmlns="" xmlns:a16="http://schemas.microsoft.com/office/drawing/2014/main" id="{BAAAC0B8-DD48-4B1B-A5CF-7F66ACB4A93B}"/>
+                <a16:creationId xmlns:a16="http://schemas.microsoft.com/office/drawing/2014/main" xmlns="" id="{BAAAC0B8-DD48-4B1B-A5CF-7F66ACB4A93B}"/>
               </a:ext>
             </a:extLst>
           </p:cNvPr>
@@ -5820,7 +5821,7 @@
           <p:cNvPr id="23" name="TextBox 22">
             <a:extLst>
               <a:ext uri="{FF2B5EF4-FFF2-40B4-BE49-F238E27FC236}">
-                <a16:creationId xmlns="" xmlns:a16="http://schemas.microsoft.com/office/drawing/2014/main" id="{A6BCFE26-2DA0-4D5A-B7C6-79668BCF3812}"/>
+                <a16:creationId xmlns:a16="http://schemas.microsoft.com/office/drawing/2014/main" xmlns="" id="{A6BCFE26-2DA0-4D5A-B7C6-79668BCF3812}"/>
               </a:ext>
             </a:extLst>
           </p:cNvPr>
@@ -5909,7 +5910,7 @@
           <p:cNvPr id="6" name="직선 연결선 5">
             <a:extLst>
               <a:ext uri="{FF2B5EF4-FFF2-40B4-BE49-F238E27FC236}">
-                <a16:creationId xmlns="" xmlns:a16="http://schemas.microsoft.com/office/drawing/2014/main" id="{31654EA8-B9F1-411B-924F-A39AFFF25FE4}"/>
+                <a16:creationId xmlns:a16="http://schemas.microsoft.com/office/drawing/2014/main" xmlns="" id="{31654EA8-B9F1-411B-924F-A39AFFF25FE4}"/>
               </a:ext>
             </a:extLst>
           </p:cNvPr>
@@ -5948,7 +5949,7 @@
           <p:cNvPr id="7" name="직선 연결선 6">
             <a:extLst>
               <a:ext uri="{FF2B5EF4-FFF2-40B4-BE49-F238E27FC236}">
-                <a16:creationId xmlns="" xmlns:a16="http://schemas.microsoft.com/office/drawing/2014/main" id="{4E07B35E-E95F-4959-B154-E7714662533C}"/>
+                <a16:creationId xmlns:a16="http://schemas.microsoft.com/office/drawing/2014/main" xmlns="" id="{4E07B35E-E95F-4959-B154-E7714662533C}"/>
               </a:ext>
             </a:extLst>
           </p:cNvPr>
@@ -5985,7 +5986,7 @@
           <p:cNvPr id="8" name="직선 연결선 7">
             <a:extLst>
               <a:ext uri="{FF2B5EF4-FFF2-40B4-BE49-F238E27FC236}">
-                <a16:creationId xmlns="" xmlns:a16="http://schemas.microsoft.com/office/drawing/2014/main" id="{E4FFF66C-C336-47F1-93F9-02E956F4091B}"/>
+                <a16:creationId xmlns:a16="http://schemas.microsoft.com/office/drawing/2014/main" xmlns="" id="{E4FFF66C-C336-47F1-93F9-02E956F4091B}"/>
               </a:ext>
             </a:extLst>
           </p:cNvPr>
@@ -6022,7 +6023,7 @@
           <p:cNvPr id="10" name="직선 연결선 9">
             <a:extLst>
               <a:ext uri="{FF2B5EF4-FFF2-40B4-BE49-F238E27FC236}">
-                <a16:creationId xmlns="" xmlns:a16="http://schemas.microsoft.com/office/drawing/2014/main" id="{F04DF4A3-A86D-4539-A457-19D81BC14F59}"/>
+                <a16:creationId xmlns:a16="http://schemas.microsoft.com/office/drawing/2014/main" xmlns="" id="{F04DF4A3-A86D-4539-A457-19D81BC14F59}"/>
               </a:ext>
             </a:extLst>
           </p:cNvPr>
@@ -6059,7 +6060,7 @@
           <p:cNvPr id="11" name="직선 연결선 10">
             <a:extLst>
               <a:ext uri="{FF2B5EF4-FFF2-40B4-BE49-F238E27FC236}">
-                <a16:creationId xmlns="" xmlns:a16="http://schemas.microsoft.com/office/drawing/2014/main" id="{64673F54-A7E0-4DB9-A52F-91F6F84A4C48}"/>
+                <a16:creationId xmlns:a16="http://schemas.microsoft.com/office/drawing/2014/main" xmlns="" id="{64673F54-A7E0-4DB9-A52F-91F6F84A4C48}"/>
               </a:ext>
             </a:extLst>
           </p:cNvPr>
@@ -6096,7 +6097,7 @@
           <p:cNvPr id="12" name="직선 연결선 11">
             <a:extLst>
               <a:ext uri="{FF2B5EF4-FFF2-40B4-BE49-F238E27FC236}">
-                <a16:creationId xmlns="" xmlns:a16="http://schemas.microsoft.com/office/drawing/2014/main" id="{6AE9AB7F-9042-41D0-8094-A670CFD71A82}"/>
+                <a16:creationId xmlns:a16="http://schemas.microsoft.com/office/drawing/2014/main" xmlns="" id="{6AE9AB7F-9042-41D0-8094-A670CFD71A82}"/>
               </a:ext>
             </a:extLst>
           </p:cNvPr>
@@ -6133,7 +6134,7 @@
           <p:cNvPr id="14" name="TextBox 13">
             <a:extLst>
               <a:ext uri="{FF2B5EF4-FFF2-40B4-BE49-F238E27FC236}">
-                <a16:creationId xmlns="" xmlns:a16="http://schemas.microsoft.com/office/drawing/2014/main" id="{E949D324-98A0-40F7-84A4-65067AE1B247}"/>
+                <a16:creationId xmlns:a16="http://schemas.microsoft.com/office/drawing/2014/main" xmlns="" id="{E949D324-98A0-40F7-84A4-65067AE1B247}"/>
               </a:ext>
             </a:extLst>
           </p:cNvPr>
@@ -6169,7 +6170,7 @@
           <p:cNvPr id="15" name="TextBox 14">
             <a:extLst>
               <a:ext uri="{FF2B5EF4-FFF2-40B4-BE49-F238E27FC236}">
-                <a16:creationId xmlns="" xmlns:a16="http://schemas.microsoft.com/office/drawing/2014/main" id="{5A89365F-595E-448D-8C11-2AD4E3EDA249}"/>
+                <a16:creationId xmlns:a16="http://schemas.microsoft.com/office/drawing/2014/main" xmlns="" id="{5A89365F-595E-448D-8C11-2AD4E3EDA249}"/>
               </a:ext>
             </a:extLst>
           </p:cNvPr>
@@ -6206,7 +6207,7 @@
           <p:cNvPr id="16" name="TextBox 15">
             <a:extLst>
               <a:ext uri="{FF2B5EF4-FFF2-40B4-BE49-F238E27FC236}">
-                <a16:creationId xmlns="" xmlns:a16="http://schemas.microsoft.com/office/drawing/2014/main" id="{C2D93AB9-1EB8-4A18-BEA3-CB6A1473383E}"/>
+                <a16:creationId xmlns:a16="http://schemas.microsoft.com/office/drawing/2014/main" xmlns="" id="{C2D93AB9-1EB8-4A18-BEA3-CB6A1473383E}"/>
               </a:ext>
             </a:extLst>
           </p:cNvPr>
@@ -6243,7 +6244,7 @@
           <p:cNvPr id="17" name="TextBox 16">
             <a:extLst>
               <a:ext uri="{FF2B5EF4-FFF2-40B4-BE49-F238E27FC236}">
-                <a16:creationId xmlns="" xmlns:a16="http://schemas.microsoft.com/office/drawing/2014/main" id="{119143F9-9662-4BFC-8C7E-8F5237C8D6C3}"/>
+                <a16:creationId xmlns:a16="http://schemas.microsoft.com/office/drawing/2014/main" xmlns="" id="{119143F9-9662-4BFC-8C7E-8F5237C8D6C3}"/>
               </a:ext>
             </a:extLst>
           </p:cNvPr>
@@ -6280,7 +6281,7 @@
           <p:cNvPr id="18" name="TextBox 17">
             <a:extLst>
               <a:ext uri="{FF2B5EF4-FFF2-40B4-BE49-F238E27FC236}">
-                <a16:creationId xmlns="" xmlns:a16="http://schemas.microsoft.com/office/drawing/2014/main" id="{D65CEA8C-7F03-47CF-8C8B-E71BA660DF53}"/>
+                <a16:creationId xmlns:a16="http://schemas.microsoft.com/office/drawing/2014/main" xmlns="" id="{D65CEA8C-7F03-47CF-8C8B-E71BA660DF53}"/>
               </a:ext>
             </a:extLst>
           </p:cNvPr>
@@ -6317,7 +6318,7 @@
           <p:cNvPr id="20" name="TextBox 19">
             <a:extLst>
               <a:ext uri="{FF2B5EF4-FFF2-40B4-BE49-F238E27FC236}">
-                <a16:creationId xmlns="" xmlns:a16="http://schemas.microsoft.com/office/drawing/2014/main" id="{124A2A46-0B07-44A3-B17A-50E4AC7A54C1}"/>
+                <a16:creationId xmlns:a16="http://schemas.microsoft.com/office/drawing/2014/main" xmlns="" id="{124A2A46-0B07-44A3-B17A-50E4AC7A54C1}"/>
               </a:ext>
             </a:extLst>
           </p:cNvPr>
@@ -6354,7 +6355,7 @@
           <p:cNvPr id="21" name="TextBox 20">
             <a:extLst>
               <a:ext uri="{FF2B5EF4-FFF2-40B4-BE49-F238E27FC236}">
-                <a16:creationId xmlns="" xmlns:a16="http://schemas.microsoft.com/office/drawing/2014/main" id="{127B6753-0375-4F50-8EBB-C3EBF58B25A0}"/>
+                <a16:creationId xmlns:a16="http://schemas.microsoft.com/office/drawing/2014/main" xmlns="" id="{127B6753-0375-4F50-8EBB-C3EBF58B25A0}"/>
               </a:ext>
             </a:extLst>
           </p:cNvPr>
@@ -6390,7 +6391,7 @@
           <p:cNvPr id="22" name="TextBox 21">
             <a:extLst>
               <a:ext uri="{FF2B5EF4-FFF2-40B4-BE49-F238E27FC236}">
-                <a16:creationId xmlns="" xmlns:a16="http://schemas.microsoft.com/office/drawing/2014/main" id="{B116CB62-58E4-4818-B572-748F45E877D0}"/>
+                <a16:creationId xmlns:a16="http://schemas.microsoft.com/office/drawing/2014/main" xmlns="" id="{B116CB62-58E4-4818-B572-748F45E877D0}"/>
               </a:ext>
             </a:extLst>
           </p:cNvPr>
@@ -6427,7 +6428,7 @@
           <p:cNvPr id="23" name="TextBox 22">
             <a:extLst>
               <a:ext uri="{FF2B5EF4-FFF2-40B4-BE49-F238E27FC236}">
-                <a16:creationId xmlns="" xmlns:a16="http://schemas.microsoft.com/office/drawing/2014/main" id="{083578AA-42ED-487F-B693-11DB0F61806B}"/>
+                <a16:creationId xmlns:a16="http://schemas.microsoft.com/office/drawing/2014/main" xmlns="" id="{083578AA-42ED-487F-B693-11DB0F61806B}"/>
               </a:ext>
             </a:extLst>
           </p:cNvPr>
@@ -6464,7 +6465,7 @@
           <p:cNvPr id="24" name="TextBox 23">
             <a:extLst>
               <a:ext uri="{FF2B5EF4-FFF2-40B4-BE49-F238E27FC236}">
-                <a16:creationId xmlns="" xmlns:a16="http://schemas.microsoft.com/office/drawing/2014/main" id="{5D84D04F-C822-4A52-A05E-744ABD508093}"/>
+                <a16:creationId xmlns:a16="http://schemas.microsoft.com/office/drawing/2014/main" xmlns="" id="{5D84D04F-C822-4A52-A05E-744ABD508093}"/>
               </a:ext>
             </a:extLst>
           </p:cNvPr>
@@ -6501,7 +6502,7 @@
           <p:cNvPr id="26" name="TextBox 25">
             <a:extLst>
               <a:ext uri="{FF2B5EF4-FFF2-40B4-BE49-F238E27FC236}">
-                <a16:creationId xmlns="" xmlns:a16="http://schemas.microsoft.com/office/drawing/2014/main" id="{41E6F538-9F9C-4553-9A66-9C05463EAB60}"/>
+                <a16:creationId xmlns:a16="http://schemas.microsoft.com/office/drawing/2014/main" xmlns="" id="{41E6F538-9F9C-4553-9A66-9C05463EAB60}"/>
               </a:ext>
             </a:extLst>
           </p:cNvPr>
@@ -6538,7 +6539,7 @@
           <p:cNvPr id="27" name="TextBox 26">
             <a:extLst>
               <a:ext uri="{FF2B5EF4-FFF2-40B4-BE49-F238E27FC236}">
-                <a16:creationId xmlns="" xmlns:a16="http://schemas.microsoft.com/office/drawing/2014/main" id="{BA05173D-B233-4D44-9BC7-E4670389830C}"/>
+                <a16:creationId xmlns:a16="http://schemas.microsoft.com/office/drawing/2014/main" xmlns="" id="{BA05173D-B233-4D44-9BC7-E4670389830C}"/>
               </a:ext>
             </a:extLst>
           </p:cNvPr>
@@ -6575,7 +6576,7 @@
           <p:cNvPr id="28" name="TextBox 27">
             <a:extLst>
               <a:ext uri="{FF2B5EF4-FFF2-40B4-BE49-F238E27FC236}">
-                <a16:creationId xmlns="" xmlns:a16="http://schemas.microsoft.com/office/drawing/2014/main" id="{E9547A23-6AB5-453B-9412-5817BE440F6C}"/>
+                <a16:creationId xmlns:a16="http://schemas.microsoft.com/office/drawing/2014/main" xmlns="" id="{E9547A23-6AB5-453B-9412-5817BE440F6C}"/>
               </a:ext>
             </a:extLst>
           </p:cNvPr>
@@ -6611,7 +6612,7 @@
           <p:cNvPr id="29" name="TextBox 28">
             <a:extLst>
               <a:ext uri="{FF2B5EF4-FFF2-40B4-BE49-F238E27FC236}">
-                <a16:creationId xmlns="" xmlns:a16="http://schemas.microsoft.com/office/drawing/2014/main" id="{D8D463D9-B497-4B82-88D7-4BC7471DF49C}"/>
+                <a16:creationId xmlns:a16="http://schemas.microsoft.com/office/drawing/2014/main" xmlns="" id="{D8D463D9-B497-4B82-88D7-4BC7471DF49C}"/>
               </a:ext>
             </a:extLst>
           </p:cNvPr>
@@ -6648,7 +6649,7 @@
           <p:cNvPr id="30" name="TextBox 29">
             <a:extLst>
               <a:ext uri="{FF2B5EF4-FFF2-40B4-BE49-F238E27FC236}">
-                <a16:creationId xmlns="" xmlns:a16="http://schemas.microsoft.com/office/drawing/2014/main" id="{39C5CF66-680C-47A0-ABB7-21ED54599E87}"/>
+                <a16:creationId xmlns:a16="http://schemas.microsoft.com/office/drawing/2014/main" xmlns="" id="{39C5CF66-680C-47A0-ABB7-21ED54599E87}"/>
               </a:ext>
             </a:extLst>
           </p:cNvPr>
@@ -6685,7 +6686,7 @@
           <p:cNvPr id="32" name="TextBox 31">
             <a:extLst>
               <a:ext uri="{FF2B5EF4-FFF2-40B4-BE49-F238E27FC236}">
-                <a16:creationId xmlns="" xmlns:a16="http://schemas.microsoft.com/office/drawing/2014/main" id="{EB1F1875-3A73-4A80-85F5-46EF251DCDC3}"/>
+                <a16:creationId xmlns:a16="http://schemas.microsoft.com/office/drawing/2014/main" xmlns="" id="{EB1F1875-3A73-4A80-85F5-46EF251DCDC3}"/>
               </a:ext>
             </a:extLst>
           </p:cNvPr>
@@ -6722,7 +6723,7 @@
           <p:cNvPr id="33" name="TextBox 32">
             <a:extLst>
               <a:ext uri="{FF2B5EF4-FFF2-40B4-BE49-F238E27FC236}">
-                <a16:creationId xmlns="" xmlns:a16="http://schemas.microsoft.com/office/drawing/2014/main" id="{C4F940DE-E250-451B-AC81-9B92E2FAD39D}"/>
+                <a16:creationId xmlns:a16="http://schemas.microsoft.com/office/drawing/2014/main" xmlns="" id="{C4F940DE-E250-451B-AC81-9B92E2FAD39D}"/>
               </a:ext>
             </a:extLst>
           </p:cNvPr>
@@ -6759,7 +6760,7 @@
           <p:cNvPr id="34" name="TextBox 33">
             <a:extLst>
               <a:ext uri="{FF2B5EF4-FFF2-40B4-BE49-F238E27FC236}">
-                <a16:creationId xmlns="" xmlns:a16="http://schemas.microsoft.com/office/drawing/2014/main" id="{D6FC296A-18B7-4E2C-89C5-F48681E0B45E}"/>
+                <a16:creationId xmlns:a16="http://schemas.microsoft.com/office/drawing/2014/main" xmlns="" id="{D6FC296A-18B7-4E2C-89C5-F48681E0B45E}"/>
               </a:ext>
             </a:extLst>
           </p:cNvPr>
@@ -6796,7 +6797,7 @@
           <p:cNvPr id="35" name="TextBox 34">
             <a:extLst>
               <a:ext uri="{FF2B5EF4-FFF2-40B4-BE49-F238E27FC236}">
-                <a16:creationId xmlns="" xmlns:a16="http://schemas.microsoft.com/office/drawing/2014/main" id="{03ADA3B6-5DD7-4A0E-9F82-235D39B06CAD}"/>
+                <a16:creationId xmlns:a16="http://schemas.microsoft.com/office/drawing/2014/main" xmlns="" id="{03ADA3B6-5DD7-4A0E-9F82-235D39B06CAD}"/>
               </a:ext>
             </a:extLst>
           </p:cNvPr>
@@ -6832,7 +6833,7 @@
           <p:cNvPr id="36" name="TextBox 35">
             <a:extLst>
               <a:ext uri="{FF2B5EF4-FFF2-40B4-BE49-F238E27FC236}">
-                <a16:creationId xmlns="" xmlns:a16="http://schemas.microsoft.com/office/drawing/2014/main" id="{E0D33BCD-4207-4D60-BD4A-E99A3202B09A}"/>
+                <a16:creationId xmlns:a16="http://schemas.microsoft.com/office/drawing/2014/main" xmlns="" id="{E0D33BCD-4207-4D60-BD4A-E99A3202B09A}"/>
               </a:ext>
             </a:extLst>
           </p:cNvPr>
@@ -6869,7 +6870,7 @@
           <p:cNvPr id="38" name="TextBox 37">
             <a:extLst>
               <a:ext uri="{FF2B5EF4-FFF2-40B4-BE49-F238E27FC236}">
-                <a16:creationId xmlns="" xmlns:a16="http://schemas.microsoft.com/office/drawing/2014/main" id="{B0679E40-9E97-4B74-9C7D-BC84F520AFDC}"/>
+                <a16:creationId xmlns:a16="http://schemas.microsoft.com/office/drawing/2014/main" xmlns="" id="{B0679E40-9E97-4B74-9C7D-BC84F520AFDC}"/>
               </a:ext>
             </a:extLst>
           </p:cNvPr>
@@ -6906,7 +6907,7 @@
           <p:cNvPr id="39" name="TextBox 38">
             <a:extLst>
               <a:ext uri="{FF2B5EF4-FFF2-40B4-BE49-F238E27FC236}">
-                <a16:creationId xmlns="" xmlns:a16="http://schemas.microsoft.com/office/drawing/2014/main" id="{364E99E8-A09C-4B3D-BEEE-5D23EC68C987}"/>
+                <a16:creationId xmlns:a16="http://schemas.microsoft.com/office/drawing/2014/main" xmlns="" id="{364E99E8-A09C-4B3D-BEEE-5D23EC68C987}"/>
               </a:ext>
             </a:extLst>
           </p:cNvPr>
@@ -6943,7 +6944,7 @@
           <p:cNvPr id="40" name="TextBox 39">
             <a:extLst>
               <a:ext uri="{FF2B5EF4-FFF2-40B4-BE49-F238E27FC236}">
-                <a16:creationId xmlns="" xmlns:a16="http://schemas.microsoft.com/office/drawing/2014/main" id="{C15776E0-C9E5-41A0-90EC-ED193AE8E9A2}"/>
+                <a16:creationId xmlns:a16="http://schemas.microsoft.com/office/drawing/2014/main" xmlns="" id="{C15776E0-C9E5-41A0-90EC-ED193AE8E9A2}"/>
               </a:ext>
             </a:extLst>
           </p:cNvPr>
@@ -6980,7 +6981,7 @@
           <p:cNvPr id="41" name="TextBox 40">
             <a:extLst>
               <a:ext uri="{FF2B5EF4-FFF2-40B4-BE49-F238E27FC236}">
-                <a16:creationId xmlns="" xmlns:a16="http://schemas.microsoft.com/office/drawing/2014/main" id="{5833ED93-0BC9-4777-BECA-C9478AC8027A}"/>
+                <a16:creationId xmlns:a16="http://schemas.microsoft.com/office/drawing/2014/main" xmlns="" id="{5833ED93-0BC9-4777-BECA-C9478AC8027A}"/>
               </a:ext>
             </a:extLst>
           </p:cNvPr>
@@ -7017,7 +7018,7 @@
           <p:cNvPr id="42" name="TextBox 41">
             <a:extLst>
               <a:ext uri="{FF2B5EF4-FFF2-40B4-BE49-F238E27FC236}">
-                <a16:creationId xmlns="" xmlns:a16="http://schemas.microsoft.com/office/drawing/2014/main" id="{0B54336C-54D2-4BC3-81A0-224422FF32CB}"/>
+                <a16:creationId xmlns:a16="http://schemas.microsoft.com/office/drawing/2014/main" xmlns="" id="{0B54336C-54D2-4BC3-81A0-224422FF32CB}"/>
               </a:ext>
             </a:extLst>
           </p:cNvPr>
@@ -7053,7 +7054,7 @@
           <p:cNvPr id="45" name="TextBox 44">
             <a:extLst>
               <a:ext uri="{FF2B5EF4-FFF2-40B4-BE49-F238E27FC236}">
-                <a16:creationId xmlns="" xmlns:a16="http://schemas.microsoft.com/office/drawing/2014/main" id="{2DE82AF6-A0E8-49D0-827D-E73A55F68FC1}"/>
+                <a16:creationId xmlns:a16="http://schemas.microsoft.com/office/drawing/2014/main" xmlns="" id="{2DE82AF6-A0E8-49D0-827D-E73A55F68FC1}"/>
               </a:ext>
             </a:extLst>
           </p:cNvPr>
@@ -7090,7 +7091,7 @@
           <p:cNvPr id="46" name="TextBox 45">
             <a:extLst>
               <a:ext uri="{FF2B5EF4-FFF2-40B4-BE49-F238E27FC236}">
-                <a16:creationId xmlns="" xmlns:a16="http://schemas.microsoft.com/office/drawing/2014/main" id="{DB1A34F2-31F8-463D-A344-14D2069A3DBA}"/>
+                <a16:creationId xmlns:a16="http://schemas.microsoft.com/office/drawing/2014/main" xmlns="" id="{DB1A34F2-31F8-463D-A344-14D2069A3DBA}"/>
               </a:ext>
             </a:extLst>
           </p:cNvPr>
@@ -7127,7 +7128,7 @@
           <p:cNvPr id="47" name="TextBox 46">
             <a:extLst>
               <a:ext uri="{FF2B5EF4-FFF2-40B4-BE49-F238E27FC236}">
-                <a16:creationId xmlns="" xmlns:a16="http://schemas.microsoft.com/office/drawing/2014/main" id="{949B3861-2E42-42D5-BAFB-F97BEE0E038B}"/>
+                <a16:creationId xmlns:a16="http://schemas.microsoft.com/office/drawing/2014/main" xmlns="" id="{949B3861-2E42-42D5-BAFB-F97BEE0E038B}"/>
               </a:ext>
             </a:extLst>
           </p:cNvPr>
@@ -7164,7 +7165,7 @@
           <p:cNvPr id="48" name="TextBox 47">
             <a:extLst>
               <a:ext uri="{FF2B5EF4-FFF2-40B4-BE49-F238E27FC236}">
-                <a16:creationId xmlns="" xmlns:a16="http://schemas.microsoft.com/office/drawing/2014/main" id="{D8C31931-2FC7-41F8-820E-70A0A6B9F179}"/>
+                <a16:creationId xmlns:a16="http://schemas.microsoft.com/office/drawing/2014/main" xmlns="" id="{D8C31931-2FC7-41F8-820E-70A0A6B9F179}"/>
               </a:ext>
             </a:extLst>
           </p:cNvPr>
@@ -7201,7 +7202,7 @@
           <p:cNvPr id="49" name="TextBox 48">
             <a:extLst>
               <a:ext uri="{FF2B5EF4-FFF2-40B4-BE49-F238E27FC236}">
-                <a16:creationId xmlns="" xmlns:a16="http://schemas.microsoft.com/office/drawing/2014/main" id="{9CDD0A07-C504-4B48-925A-F9A6BA21FB98}"/>
+                <a16:creationId xmlns:a16="http://schemas.microsoft.com/office/drawing/2014/main" xmlns="" id="{9CDD0A07-C504-4B48-925A-F9A6BA21FB98}"/>
               </a:ext>
             </a:extLst>
           </p:cNvPr>
@@ -7238,7 +7239,7 @@
           <p:cNvPr id="50" name="TextBox 49">
             <a:extLst>
               <a:ext uri="{FF2B5EF4-FFF2-40B4-BE49-F238E27FC236}">
-                <a16:creationId xmlns="" xmlns:a16="http://schemas.microsoft.com/office/drawing/2014/main" id="{A9ECA51C-C425-4946-BF9F-09407F2FBA4C}"/>
+                <a16:creationId xmlns:a16="http://schemas.microsoft.com/office/drawing/2014/main" xmlns="" id="{A9ECA51C-C425-4946-BF9F-09407F2FBA4C}"/>
               </a:ext>
             </a:extLst>
           </p:cNvPr>
@@ -7275,7 +7276,7 @@
           <p:cNvPr id="51" name="TextBox 50">
             <a:extLst>
               <a:ext uri="{FF2B5EF4-FFF2-40B4-BE49-F238E27FC236}">
-                <a16:creationId xmlns="" xmlns:a16="http://schemas.microsoft.com/office/drawing/2014/main" id="{55787D8D-9ED1-4999-A251-58AA218BB274}"/>
+                <a16:creationId xmlns:a16="http://schemas.microsoft.com/office/drawing/2014/main" xmlns="" id="{55787D8D-9ED1-4999-A251-58AA218BB274}"/>
               </a:ext>
             </a:extLst>
           </p:cNvPr>
@@ -7312,7 +7313,7 @@
           <p:cNvPr id="52" name="TextBox 51">
             <a:extLst>
               <a:ext uri="{FF2B5EF4-FFF2-40B4-BE49-F238E27FC236}">
-                <a16:creationId xmlns="" xmlns:a16="http://schemas.microsoft.com/office/drawing/2014/main" id="{7246F523-EC24-4694-AB85-D279B6B61AE7}"/>
+                <a16:creationId xmlns:a16="http://schemas.microsoft.com/office/drawing/2014/main" xmlns="" id="{7246F523-EC24-4694-AB85-D279B6B61AE7}"/>
               </a:ext>
             </a:extLst>
           </p:cNvPr>
@@ -7349,7 +7350,7 @@
           <p:cNvPr id="53" name="TextBox 52">
             <a:extLst>
               <a:ext uri="{FF2B5EF4-FFF2-40B4-BE49-F238E27FC236}">
-                <a16:creationId xmlns="" xmlns:a16="http://schemas.microsoft.com/office/drawing/2014/main" id="{37B73226-5AF4-417B-BB31-A3984DA358DA}"/>
+                <a16:creationId xmlns:a16="http://schemas.microsoft.com/office/drawing/2014/main" xmlns="" id="{37B73226-5AF4-417B-BB31-A3984DA358DA}"/>
               </a:ext>
             </a:extLst>
           </p:cNvPr>
@@ -7386,7 +7387,7 @@
           <p:cNvPr id="54" name="TextBox 53">
             <a:extLst>
               <a:ext uri="{FF2B5EF4-FFF2-40B4-BE49-F238E27FC236}">
-                <a16:creationId xmlns="" xmlns:a16="http://schemas.microsoft.com/office/drawing/2014/main" id="{785D348E-9980-4518-956E-53FAF8C0A198}"/>
+                <a16:creationId xmlns:a16="http://schemas.microsoft.com/office/drawing/2014/main" xmlns="" id="{785D348E-9980-4518-956E-53FAF8C0A198}"/>
               </a:ext>
             </a:extLst>
           </p:cNvPr>
@@ -7423,7 +7424,7 @@
           <p:cNvPr id="55" name="TextBox 54">
             <a:extLst>
               <a:ext uri="{FF2B5EF4-FFF2-40B4-BE49-F238E27FC236}">
-                <a16:creationId xmlns="" xmlns:a16="http://schemas.microsoft.com/office/drawing/2014/main" id="{0FDCA593-B62B-4F17-A809-EEA74578B5CC}"/>
+                <a16:creationId xmlns:a16="http://schemas.microsoft.com/office/drawing/2014/main" xmlns="" id="{0FDCA593-B62B-4F17-A809-EEA74578B5CC}"/>
               </a:ext>
             </a:extLst>
           </p:cNvPr>
@@ -7460,7 +7461,7 @@
           <p:cNvPr id="56" name="TextBox 55">
             <a:extLst>
               <a:ext uri="{FF2B5EF4-FFF2-40B4-BE49-F238E27FC236}">
-                <a16:creationId xmlns="" xmlns:a16="http://schemas.microsoft.com/office/drawing/2014/main" id="{FA7415B3-09A3-4F4A-90BE-D2862DCEC34A}"/>
+                <a16:creationId xmlns:a16="http://schemas.microsoft.com/office/drawing/2014/main" xmlns="" id="{FA7415B3-09A3-4F4A-90BE-D2862DCEC34A}"/>
               </a:ext>
             </a:extLst>
           </p:cNvPr>
@@ -7497,7 +7498,7 @@
           <p:cNvPr id="57" name="TextBox 56">
             <a:extLst>
               <a:ext uri="{FF2B5EF4-FFF2-40B4-BE49-F238E27FC236}">
-                <a16:creationId xmlns="" xmlns:a16="http://schemas.microsoft.com/office/drawing/2014/main" id="{00C4B18D-18C8-4A30-AD71-42EC99135D27}"/>
+                <a16:creationId xmlns:a16="http://schemas.microsoft.com/office/drawing/2014/main" xmlns="" id="{00C4B18D-18C8-4A30-AD71-42EC99135D27}"/>
               </a:ext>
             </a:extLst>
           </p:cNvPr>
@@ -7534,7 +7535,7 @@
           <p:cNvPr id="58" name="TextBox 57">
             <a:extLst>
               <a:ext uri="{FF2B5EF4-FFF2-40B4-BE49-F238E27FC236}">
-                <a16:creationId xmlns="" xmlns:a16="http://schemas.microsoft.com/office/drawing/2014/main" id="{D39CE8D5-65A0-4619-85EA-29EB83B11044}"/>
+                <a16:creationId xmlns:a16="http://schemas.microsoft.com/office/drawing/2014/main" xmlns="" id="{D39CE8D5-65A0-4619-85EA-29EB83B11044}"/>
               </a:ext>
             </a:extLst>
           </p:cNvPr>
@@ -7571,7 +7572,7 @@
           <p:cNvPr id="59" name="TextBox 58">
             <a:extLst>
               <a:ext uri="{FF2B5EF4-FFF2-40B4-BE49-F238E27FC236}">
-                <a16:creationId xmlns="" xmlns:a16="http://schemas.microsoft.com/office/drawing/2014/main" id="{61A1AAC2-E01E-4B68-9105-5902040CE611}"/>
+                <a16:creationId xmlns:a16="http://schemas.microsoft.com/office/drawing/2014/main" xmlns="" id="{61A1AAC2-E01E-4B68-9105-5902040CE611}"/>
               </a:ext>
             </a:extLst>
           </p:cNvPr>
@@ -7608,7 +7609,7 @@
           <p:cNvPr id="60" name="TextBox 59">
             <a:extLst>
               <a:ext uri="{FF2B5EF4-FFF2-40B4-BE49-F238E27FC236}">
-                <a16:creationId xmlns="" xmlns:a16="http://schemas.microsoft.com/office/drawing/2014/main" id="{ECDFC2DA-CC33-4844-8147-B9CFD9F1866A}"/>
+                <a16:creationId xmlns:a16="http://schemas.microsoft.com/office/drawing/2014/main" xmlns="" id="{ECDFC2DA-CC33-4844-8147-B9CFD9F1866A}"/>
               </a:ext>
             </a:extLst>
           </p:cNvPr>
@@ -7645,7 +7646,7 @@
           <p:cNvPr id="61" name="TextBox 60">
             <a:extLst>
               <a:ext uri="{FF2B5EF4-FFF2-40B4-BE49-F238E27FC236}">
-                <a16:creationId xmlns="" xmlns:a16="http://schemas.microsoft.com/office/drawing/2014/main" id="{95D8FD8B-B8B4-4B61-B289-3A7353D81078}"/>
+                <a16:creationId xmlns:a16="http://schemas.microsoft.com/office/drawing/2014/main" xmlns="" id="{95D8FD8B-B8B4-4B61-B289-3A7353D81078}"/>
               </a:ext>
             </a:extLst>
           </p:cNvPr>
@@ -7682,7 +7683,7 @@
           <p:cNvPr id="62" name="TextBox 61">
             <a:extLst>
               <a:ext uri="{FF2B5EF4-FFF2-40B4-BE49-F238E27FC236}">
-                <a16:creationId xmlns="" xmlns:a16="http://schemas.microsoft.com/office/drawing/2014/main" id="{B0314713-63C7-43FD-87B5-3FD8A8F977DC}"/>
+                <a16:creationId xmlns:a16="http://schemas.microsoft.com/office/drawing/2014/main" xmlns="" id="{B0314713-63C7-43FD-87B5-3FD8A8F977DC}"/>
               </a:ext>
             </a:extLst>
           </p:cNvPr>
@@ -7719,7 +7720,7 @@
           <p:cNvPr id="63" name="TextBox 62">
             <a:extLst>
               <a:ext uri="{FF2B5EF4-FFF2-40B4-BE49-F238E27FC236}">
-                <a16:creationId xmlns="" xmlns:a16="http://schemas.microsoft.com/office/drawing/2014/main" id="{F403DCF9-7C65-456B-BAFE-5DDACC83498C}"/>
+                <a16:creationId xmlns:a16="http://schemas.microsoft.com/office/drawing/2014/main" xmlns="" id="{F403DCF9-7C65-456B-BAFE-5DDACC83498C}"/>
               </a:ext>
             </a:extLst>
           </p:cNvPr>
@@ -7756,7 +7757,7 @@
           <p:cNvPr id="64" name="TextBox 63">
             <a:extLst>
               <a:ext uri="{FF2B5EF4-FFF2-40B4-BE49-F238E27FC236}">
-                <a16:creationId xmlns="" xmlns:a16="http://schemas.microsoft.com/office/drawing/2014/main" id="{932BD6CE-AFB2-4528-9C4A-863BDDAE8122}"/>
+                <a16:creationId xmlns:a16="http://schemas.microsoft.com/office/drawing/2014/main" xmlns="" id="{932BD6CE-AFB2-4528-9C4A-863BDDAE8122}"/>
               </a:ext>
             </a:extLst>
           </p:cNvPr>
@@ -7793,7 +7794,7 @@
           <p:cNvPr id="65" name="TextBox 64">
             <a:extLst>
               <a:ext uri="{FF2B5EF4-FFF2-40B4-BE49-F238E27FC236}">
-                <a16:creationId xmlns="" xmlns:a16="http://schemas.microsoft.com/office/drawing/2014/main" id="{3168B3D8-B14C-4711-941B-89D29183EF3C}"/>
+                <a16:creationId xmlns:a16="http://schemas.microsoft.com/office/drawing/2014/main" xmlns="" id="{3168B3D8-B14C-4711-941B-89D29183EF3C}"/>
               </a:ext>
             </a:extLst>
           </p:cNvPr>
@@ -7830,7 +7831,7 @@
           <p:cNvPr id="66" name="TextBox 65">
             <a:extLst>
               <a:ext uri="{FF2B5EF4-FFF2-40B4-BE49-F238E27FC236}">
-                <a16:creationId xmlns="" xmlns:a16="http://schemas.microsoft.com/office/drawing/2014/main" id="{5A6AB1F3-6B70-4C2D-B1CB-4E98B378EB7D}"/>
+                <a16:creationId xmlns:a16="http://schemas.microsoft.com/office/drawing/2014/main" xmlns="" id="{5A6AB1F3-6B70-4C2D-B1CB-4E98B378EB7D}"/>
               </a:ext>
             </a:extLst>
           </p:cNvPr>
@@ -7867,7 +7868,7 @@
           <p:cNvPr id="67" name="TextBox 66">
             <a:extLst>
               <a:ext uri="{FF2B5EF4-FFF2-40B4-BE49-F238E27FC236}">
-                <a16:creationId xmlns="" xmlns:a16="http://schemas.microsoft.com/office/drawing/2014/main" id="{F103C784-26E5-4FBC-A0B3-73FF0422AEEE}"/>
+                <a16:creationId xmlns:a16="http://schemas.microsoft.com/office/drawing/2014/main" xmlns="" id="{F103C784-26E5-4FBC-A0B3-73FF0422AEEE}"/>
               </a:ext>
             </a:extLst>
           </p:cNvPr>
@@ -7934,7 +7935,7 @@
           <p:cNvPr id="6" name="직선 연결선 5">
             <a:extLst>
               <a:ext uri="{FF2B5EF4-FFF2-40B4-BE49-F238E27FC236}">
-                <a16:creationId xmlns="" xmlns:a16="http://schemas.microsoft.com/office/drawing/2014/main" id="{31654EA8-B9F1-411B-924F-A39AFFF25FE4}"/>
+                <a16:creationId xmlns:a16="http://schemas.microsoft.com/office/drawing/2014/main" xmlns="" id="{31654EA8-B9F1-411B-924F-A39AFFF25FE4}"/>
               </a:ext>
             </a:extLst>
           </p:cNvPr>
@@ -7973,7 +7974,7 @@
           <p:cNvPr id="7" name="직선 연결선 6">
             <a:extLst>
               <a:ext uri="{FF2B5EF4-FFF2-40B4-BE49-F238E27FC236}">
-                <a16:creationId xmlns="" xmlns:a16="http://schemas.microsoft.com/office/drawing/2014/main" id="{4E07B35E-E95F-4959-B154-E7714662533C}"/>
+                <a16:creationId xmlns:a16="http://schemas.microsoft.com/office/drawing/2014/main" xmlns="" id="{4E07B35E-E95F-4959-B154-E7714662533C}"/>
               </a:ext>
             </a:extLst>
           </p:cNvPr>
@@ -8010,7 +8011,7 @@
           <p:cNvPr id="8" name="직선 연결선 7">
             <a:extLst>
               <a:ext uri="{FF2B5EF4-FFF2-40B4-BE49-F238E27FC236}">
-                <a16:creationId xmlns="" xmlns:a16="http://schemas.microsoft.com/office/drawing/2014/main" id="{E4FFF66C-C336-47F1-93F9-02E956F4091B}"/>
+                <a16:creationId xmlns:a16="http://schemas.microsoft.com/office/drawing/2014/main" xmlns="" id="{E4FFF66C-C336-47F1-93F9-02E956F4091B}"/>
               </a:ext>
             </a:extLst>
           </p:cNvPr>
@@ -8047,7 +8048,7 @@
           <p:cNvPr id="10" name="직선 연결선 9">
             <a:extLst>
               <a:ext uri="{FF2B5EF4-FFF2-40B4-BE49-F238E27FC236}">
-                <a16:creationId xmlns="" xmlns:a16="http://schemas.microsoft.com/office/drawing/2014/main" id="{F04DF4A3-A86D-4539-A457-19D81BC14F59}"/>
+                <a16:creationId xmlns:a16="http://schemas.microsoft.com/office/drawing/2014/main" xmlns="" id="{F04DF4A3-A86D-4539-A457-19D81BC14F59}"/>
               </a:ext>
             </a:extLst>
           </p:cNvPr>
@@ -8084,7 +8085,7 @@
           <p:cNvPr id="11" name="직선 연결선 10">
             <a:extLst>
               <a:ext uri="{FF2B5EF4-FFF2-40B4-BE49-F238E27FC236}">
-                <a16:creationId xmlns="" xmlns:a16="http://schemas.microsoft.com/office/drawing/2014/main" id="{64673F54-A7E0-4DB9-A52F-91F6F84A4C48}"/>
+                <a16:creationId xmlns:a16="http://schemas.microsoft.com/office/drawing/2014/main" xmlns="" id="{64673F54-A7E0-4DB9-A52F-91F6F84A4C48}"/>
               </a:ext>
             </a:extLst>
           </p:cNvPr>
@@ -8121,7 +8122,7 @@
           <p:cNvPr id="12" name="직선 연결선 11">
             <a:extLst>
               <a:ext uri="{FF2B5EF4-FFF2-40B4-BE49-F238E27FC236}">
-                <a16:creationId xmlns="" xmlns:a16="http://schemas.microsoft.com/office/drawing/2014/main" id="{6AE9AB7F-9042-41D0-8094-A670CFD71A82}"/>
+                <a16:creationId xmlns:a16="http://schemas.microsoft.com/office/drawing/2014/main" xmlns="" id="{6AE9AB7F-9042-41D0-8094-A670CFD71A82}"/>
               </a:ext>
             </a:extLst>
           </p:cNvPr>
@@ -8158,7 +8159,7 @@
           <p:cNvPr id="14" name="TextBox 13">
             <a:extLst>
               <a:ext uri="{FF2B5EF4-FFF2-40B4-BE49-F238E27FC236}">
-                <a16:creationId xmlns="" xmlns:a16="http://schemas.microsoft.com/office/drawing/2014/main" id="{E949D324-98A0-40F7-84A4-65067AE1B247}"/>
+                <a16:creationId xmlns:a16="http://schemas.microsoft.com/office/drawing/2014/main" xmlns="" id="{E949D324-98A0-40F7-84A4-65067AE1B247}"/>
               </a:ext>
             </a:extLst>
           </p:cNvPr>
@@ -8194,7 +8195,7 @@
           <p:cNvPr id="15" name="TextBox 14">
             <a:extLst>
               <a:ext uri="{FF2B5EF4-FFF2-40B4-BE49-F238E27FC236}">
-                <a16:creationId xmlns="" xmlns:a16="http://schemas.microsoft.com/office/drawing/2014/main" id="{5A89365F-595E-448D-8C11-2AD4E3EDA249}"/>
+                <a16:creationId xmlns:a16="http://schemas.microsoft.com/office/drawing/2014/main" xmlns="" id="{5A89365F-595E-448D-8C11-2AD4E3EDA249}"/>
               </a:ext>
             </a:extLst>
           </p:cNvPr>
@@ -8231,7 +8232,7 @@
           <p:cNvPr id="16" name="TextBox 15">
             <a:extLst>
               <a:ext uri="{FF2B5EF4-FFF2-40B4-BE49-F238E27FC236}">
-                <a16:creationId xmlns="" xmlns:a16="http://schemas.microsoft.com/office/drawing/2014/main" id="{C2D93AB9-1EB8-4A18-BEA3-CB6A1473383E}"/>
+                <a16:creationId xmlns:a16="http://schemas.microsoft.com/office/drawing/2014/main" xmlns="" id="{C2D93AB9-1EB8-4A18-BEA3-CB6A1473383E}"/>
               </a:ext>
             </a:extLst>
           </p:cNvPr>
@@ -8268,7 +8269,7 @@
           <p:cNvPr id="17" name="TextBox 16">
             <a:extLst>
               <a:ext uri="{FF2B5EF4-FFF2-40B4-BE49-F238E27FC236}">
-                <a16:creationId xmlns="" xmlns:a16="http://schemas.microsoft.com/office/drawing/2014/main" id="{119143F9-9662-4BFC-8C7E-8F5237C8D6C3}"/>
+                <a16:creationId xmlns:a16="http://schemas.microsoft.com/office/drawing/2014/main" xmlns="" id="{119143F9-9662-4BFC-8C7E-8F5237C8D6C3}"/>
               </a:ext>
             </a:extLst>
           </p:cNvPr>
@@ -8305,7 +8306,7 @@
           <p:cNvPr id="18" name="TextBox 17">
             <a:extLst>
               <a:ext uri="{FF2B5EF4-FFF2-40B4-BE49-F238E27FC236}">
-                <a16:creationId xmlns="" xmlns:a16="http://schemas.microsoft.com/office/drawing/2014/main" id="{D65CEA8C-7F03-47CF-8C8B-E71BA660DF53}"/>
+                <a16:creationId xmlns:a16="http://schemas.microsoft.com/office/drawing/2014/main" xmlns="" id="{D65CEA8C-7F03-47CF-8C8B-E71BA660DF53}"/>
               </a:ext>
             </a:extLst>
           </p:cNvPr>
@@ -8342,7 +8343,7 @@
           <p:cNvPr id="20" name="TextBox 19">
             <a:extLst>
               <a:ext uri="{FF2B5EF4-FFF2-40B4-BE49-F238E27FC236}">
-                <a16:creationId xmlns="" xmlns:a16="http://schemas.microsoft.com/office/drawing/2014/main" id="{124A2A46-0B07-44A3-B17A-50E4AC7A54C1}"/>
+                <a16:creationId xmlns:a16="http://schemas.microsoft.com/office/drawing/2014/main" xmlns="" id="{124A2A46-0B07-44A3-B17A-50E4AC7A54C1}"/>
               </a:ext>
             </a:extLst>
           </p:cNvPr>
@@ -8379,7 +8380,7 @@
           <p:cNvPr id="21" name="TextBox 20">
             <a:extLst>
               <a:ext uri="{FF2B5EF4-FFF2-40B4-BE49-F238E27FC236}">
-                <a16:creationId xmlns="" xmlns:a16="http://schemas.microsoft.com/office/drawing/2014/main" id="{127B6753-0375-4F50-8EBB-C3EBF58B25A0}"/>
+                <a16:creationId xmlns:a16="http://schemas.microsoft.com/office/drawing/2014/main" xmlns="" id="{127B6753-0375-4F50-8EBB-C3EBF58B25A0}"/>
               </a:ext>
             </a:extLst>
           </p:cNvPr>
@@ -8415,7 +8416,7 @@
           <p:cNvPr id="22" name="TextBox 21">
             <a:extLst>
               <a:ext uri="{FF2B5EF4-FFF2-40B4-BE49-F238E27FC236}">
-                <a16:creationId xmlns="" xmlns:a16="http://schemas.microsoft.com/office/drawing/2014/main" id="{B116CB62-58E4-4818-B572-748F45E877D0}"/>
+                <a16:creationId xmlns:a16="http://schemas.microsoft.com/office/drawing/2014/main" xmlns="" id="{B116CB62-58E4-4818-B572-748F45E877D0}"/>
               </a:ext>
             </a:extLst>
           </p:cNvPr>
@@ -8452,7 +8453,7 @@
           <p:cNvPr id="23" name="TextBox 22">
             <a:extLst>
               <a:ext uri="{FF2B5EF4-FFF2-40B4-BE49-F238E27FC236}">
-                <a16:creationId xmlns="" xmlns:a16="http://schemas.microsoft.com/office/drawing/2014/main" id="{083578AA-42ED-487F-B693-11DB0F61806B}"/>
+                <a16:creationId xmlns:a16="http://schemas.microsoft.com/office/drawing/2014/main" xmlns="" id="{083578AA-42ED-487F-B693-11DB0F61806B}"/>
               </a:ext>
             </a:extLst>
           </p:cNvPr>
@@ -8489,7 +8490,7 @@
           <p:cNvPr id="24" name="TextBox 23">
             <a:extLst>
               <a:ext uri="{FF2B5EF4-FFF2-40B4-BE49-F238E27FC236}">
-                <a16:creationId xmlns="" xmlns:a16="http://schemas.microsoft.com/office/drawing/2014/main" id="{5D84D04F-C822-4A52-A05E-744ABD508093}"/>
+                <a16:creationId xmlns:a16="http://schemas.microsoft.com/office/drawing/2014/main" xmlns="" id="{5D84D04F-C822-4A52-A05E-744ABD508093}"/>
               </a:ext>
             </a:extLst>
           </p:cNvPr>
@@ -8526,7 +8527,7 @@
           <p:cNvPr id="26" name="TextBox 25">
             <a:extLst>
               <a:ext uri="{FF2B5EF4-FFF2-40B4-BE49-F238E27FC236}">
-                <a16:creationId xmlns="" xmlns:a16="http://schemas.microsoft.com/office/drawing/2014/main" id="{41E6F538-9F9C-4553-9A66-9C05463EAB60}"/>
+                <a16:creationId xmlns:a16="http://schemas.microsoft.com/office/drawing/2014/main" xmlns="" id="{41E6F538-9F9C-4553-9A66-9C05463EAB60}"/>
               </a:ext>
             </a:extLst>
           </p:cNvPr>
@@ -8563,7 +8564,7 @@
           <p:cNvPr id="27" name="TextBox 26">
             <a:extLst>
               <a:ext uri="{FF2B5EF4-FFF2-40B4-BE49-F238E27FC236}">
-                <a16:creationId xmlns="" xmlns:a16="http://schemas.microsoft.com/office/drawing/2014/main" id="{BA05173D-B233-4D44-9BC7-E4670389830C}"/>
+                <a16:creationId xmlns:a16="http://schemas.microsoft.com/office/drawing/2014/main" xmlns="" id="{BA05173D-B233-4D44-9BC7-E4670389830C}"/>
               </a:ext>
             </a:extLst>
           </p:cNvPr>
@@ -8600,7 +8601,7 @@
           <p:cNvPr id="28" name="TextBox 27">
             <a:extLst>
               <a:ext uri="{FF2B5EF4-FFF2-40B4-BE49-F238E27FC236}">
-                <a16:creationId xmlns="" xmlns:a16="http://schemas.microsoft.com/office/drawing/2014/main" id="{E9547A23-6AB5-453B-9412-5817BE440F6C}"/>
+                <a16:creationId xmlns:a16="http://schemas.microsoft.com/office/drawing/2014/main" xmlns="" id="{E9547A23-6AB5-453B-9412-5817BE440F6C}"/>
               </a:ext>
             </a:extLst>
           </p:cNvPr>
@@ -8636,7 +8637,7 @@
           <p:cNvPr id="29" name="TextBox 28">
             <a:extLst>
               <a:ext uri="{FF2B5EF4-FFF2-40B4-BE49-F238E27FC236}">
-                <a16:creationId xmlns="" xmlns:a16="http://schemas.microsoft.com/office/drawing/2014/main" id="{D8D463D9-B497-4B82-88D7-4BC7471DF49C}"/>
+                <a16:creationId xmlns:a16="http://schemas.microsoft.com/office/drawing/2014/main" xmlns="" id="{D8D463D9-B497-4B82-88D7-4BC7471DF49C}"/>
               </a:ext>
             </a:extLst>
           </p:cNvPr>
@@ -8673,7 +8674,7 @@
           <p:cNvPr id="30" name="TextBox 29">
             <a:extLst>
               <a:ext uri="{FF2B5EF4-FFF2-40B4-BE49-F238E27FC236}">
-                <a16:creationId xmlns="" xmlns:a16="http://schemas.microsoft.com/office/drawing/2014/main" id="{39C5CF66-680C-47A0-ABB7-21ED54599E87}"/>
+                <a16:creationId xmlns:a16="http://schemas.microsoft.com/office/drawing/2014/main" xmlns="" id="{39C5CF66-680C-47A0-ABB7-21ED54599E87}"/>
               </a:ext>
             </a:extLst>
           </p:cNvPr>
@@ -8710,7 +8711,7 @@
           <p:cNvPr id="32" name="TextBox 31">
             <a:extLst>
               <a:ext uri="{FF2B5EF4-FFF2-40B4-BE49-F238E27FC236}">
-                <a16:creationId xmlns="" xmlns:a16="http://schemas.microsoft.com/office/drawing/2014/main" id="{EB1F1875-3A73-4A80-85F5-46EF251DCDC3}"/>
+                <a16:creationId xmlns:a16="http://schemas.microsoft.com/office/drawing/2014/main" xmlns="" id="{EB1F1875-3A73-4A80-85F5-46EF251DCDC3}"/>
               </a:ext>
             </a:extLst>
           </p:cNvPr>
@@ -8747,7 +8748,7 @@
           <p:cNvPr id="33" name="TextBox 32">
             <a:extLst>
               <a:ext uri="{FF2B5EF4-FFF2-40B4-BE49-F238E27FC236}">
-                <a16:creationId xmlns="" xmlns:a16="http://schemas.microsoft.com/office/drawing/2014/main" id="{C4F940DE-E250-451B-AC81-9B92E2FAD39D}"/>
+                <a16:creationId xmlns:a16="http://schemas.microsoft.com/office/drawing/2014/main" xmlns="" id="{C4F940DE-E250-451B-AC81-9B92E2FAD39D}"/>
               </a:ext>
             </a:extLst>
           </p:cNvPr>
@@ -8784,7 +8785,7 @@
           <p:cNvPr id="34" name="TextBox 33">
             <a:extLst>
               <a:ext uri="{FF2B5EF4-FFF2-40B4-BE49-F238E27FC236}">
-                <a16:creationId xmlns="" xmlns:a16="http://schemas.microsoft.com/office/drawing/2014/main" id="{D6FC296A-18B7-4E2C-89C5-F48681E0B45E}"/>
+                <a16:creationId xmlns:a16="http://schemas.microsoft.com/office/drawing/2014/main" xmlns="" id="{D6FC296A-18B7-4E2C-89C5-F48681E0B45E}"/>
               </a:ext>
             </a:extLst>
           </p:cNvPr>
@@ -8821,7 +8822,7 @@
           <p:cNvPr id="35" name="TextBox 34">
             <a:extLst>
               <a:ext uri="{FF2B5EF4-FFF2-40B4-BE49-F238E27FC236}">
-                <a16:creationId xmlns="" xmlns:a16="http://schemas.microsoft.com/office/drawing/2014/main" id="{03ADA3B6-5DD7-4A0E-9F82-235D39B06CAD}"/>
+                <a16:creationId xmlns:a16="http://schemas.microsoft.com/office/drawing/2014/main" xmlns="" id="{03ADA3B6-5DD7-4A0E-9F82-235D39B06CAD}"/>
               </a:ext>
             </a:extLst>
           </p:cNvPr>
@@ -8857,7 +8858,7 @@
           <p:cNvPr id="36" name="TextBox 35">
             <a:extLst>
               <a:ext uri="{FF2B5EF4-FFF2-40B4-BE49-F238E27FC236}">
-                <a16:creationId xmlns="" xmlns:a16="http://schemas.microsoft.com/office/drawing/2014/main" id="{E0D33BCD-4207-4D60-BD4A-E99A3202B09A}"/>
+                <a16:creationId xmlns:a16="http://schemas.microsoft.com/office/drawing/2014/main" xmlns="" id="{E0D33BCD-4207-4D60-BD4A-E99A3202B09A}"/>
               </a:ext>
             </a:extLst>
           </p:cNvPr>
@@ -8894,7 +8895,7 @@
           <p:cNvPr id="38" name="TextBox 37">
             <a:extLst>
               <a:ext uri="{FF2B5EF4-FFF2-40B4-BE49-F238E27FC236}">
-                <a16:creationId xmlns="" xmlns:a16="http://schemas.microsoft.com/office/drawing/2014/main" id="{B0679E40-9E97-4B74-9C7D-BC84F520AFDC}"/>
+                <a16:creationId xmlns:a16="http://schemas.microsoft.com/office/drawing/2014/main" xmlns="" id="{B0679E40-9E97-4B74-9C7D-BC84F520AFDC}"/>
               </a:ext>
             </a:extLst>
           </p:cNvPr>
@@ -8931,7 +8932,7 @@
           <p:cNvPr id="39" name="TextBox 38">
             <a:extLst>
               <a:ext uri="{FF2B5EF4-FFF2-40B4-BE49-F238E27FC236}">
-                <a16:creationId xmlns="" xmlns:a16="http://schemas.microsoft.com/office/drawing/2014/main" id="{364E99E8-A09C-4B3D-BEEE-5D23EC68C987}"/>
+                <a16:creationId xmlns:a16="http://schemas.microsoft.com/office/drawing/2014/main" xmlns="" id="{364E99E8-A09C-4B3D-BEEE-5D23EC68C987}"/>
               </a:ext>
             </a:extLst>
           </p:cNvPr>
@@ -8968,7 +8969,7 @@
           <p:cNvPr id="40" name="TextBox 39">
             <a:extLst>
               <a:ext uri="{FF2B5EF4-FFF2-40B4-BE49-F238E27FC236}">
-                <a16:creationId xmlns="" xmlns:a16="http://schemas.microsoft.com/office/drawing/2014/main" id="{C15776E0-C9E5-41A0-90EC-ED193AE8E9A2}"/>
+                <a16:creationId xmlns:a16="http://schemas.microsoft.com/office/drawing/2014/main" xmlns="" id="{C15776E0-C9E5-41A0-90EC-ED193AE8E9A2}"/>
               </a:ext>
             </a:extLst>
           </p:cNvPr>
@@ -9005,7 +9006,7 @@
           <p:cNvPr id="41" name="TextBox 40">
             <a:extLst>
               <a:ext uri="{FF2B5EF4-FFF2-40B4-BE49-F238E27FC236}">
-                <a16:creationId xmlns="" xmlns:a16="http://schemas.microsoft.com/office/drawing/2014/main" id="{5833ED93-0BC9-4777-BECA-C9478AC8027A}"/>
+                <a16:creationId xmlns:a16="http://schemas.microsoft.com/office/drawing/2014/main" xmlns="" id="{5833ED93-0BC9-4777-BECA-C9478AC8027A}"/>
               </a:ext>
             </a:extLst>
           </p:cNvPr>
@@ -9042,7 +9043,7 @@
           <p:cNvPr id="42" name="TextBox 41">
             <a:extLst>
               <a:ext uri="{FF2B5EF4-FFF2-40B4-BE49-F238E27FC236}">
-                <a16:creationId xmlns="" xmlns:a16="http://schemas.microsoft.com/office/drawing/2014/main" id="{0B54336C-54D2-4BC3-81A0-224422FF32CB}"/>
+                <a16:creationId xmlns:a16="http://schemas.microsoft.com/office/drawing/2014/main" xmlns="" id="{0B54336C-54D2-4BC3-81A0-224422FF32CB}"/>
               </a:ext>
             </a:extLst>
           </p:cNvPr>
@@ -9078,7 +9079,7 @@
           <p:cNvPr id="45" name="TextBox 44">
             <a:extLst>
               <a:ext uri="{FF2B5EF4-FFF2-40B4-BE49-F238E27FC236}">
-                <a16:creationId xmlns="" xmlns:a16="http://schemas.microsoft.com/office/drawing/2014/main" id="{2DE82AF6-A0E8-49D0-827D-E73A55F68FC1}"/>
+                <a16:creationId xmlns:a16="http://schemas.microsoft.com/office/drawing/2014/main" xmlns="" id="{2DE82AF6-A0E8-49D0-827D-E73A55F68FC1}"/>
               </a:ext>
             </a:extLst>
           </p:cNvPr>
@@ -9115,7 +9116,7 @@
           <p:cNvPr id="46" name="TextBox 45">
             <a:extLst>
               <a:ext uri="{FF2B5EF4-FFF2-40B4-BE49-F238E27FC236}">
-                <a16:creationId xmlns="" xmlns:a16="http://schemas.microsoft.com/office/drawing/2014/main" id="{DB1A34F2-31F8-463D-A344-14D2069A3DBA}"/>
+                <a16:creationId xmlns:a16="http://schemas.microsoft.com/office/drawing/2014/main" xmlns="" id="{DB1A34F2-31F8-463D-A344-14D2069A3DBA}"/>
               </a:ext>
             </a:extLst>
           </p:cNvPr>
@@ -9152,7 +9153,7 @@
           <p:cNvPr id="47" name="TextBox 46">
             <a:extLst>
               <a:ext uri="{FF2B5EF4-FFF2-40B4-BE49-F238E27FC236}">
-                <a16:creationId xmlns="" xmlns:a16="http://schemas.microsoft.com/office/drawing/2014/main" id="{949B3861-2E42-42D5-BAFB-F97BEE0E038B}"/>
+                <a16:creationId xmlns:a16="http://schemas.microsoft.com/office/drawing/2014/main" xmlns="" id="{949B3861-2E42-42D5-BAFB-F97BEE0E038B}"/>
               </a:ext>
             </a:extLst>
           </p:cNvPr>
@@ -9189,7 +9190,7 @@
           <p:cNvPr id="48" name="TextBox 47">
             <a:extLst>
               <a:ext uri="{FF2B5EF4-FFF2-40B4-BE49-F238E27FC236}">
-                <a16:creationId xmlns="" xmlns:a16="http://schemas.microsoft.com/office/drawing/2014/main" id="{D8C31931-2FC7-41F8-820E-70A0A6B9F179}"/>
+                <a16:creationId xmlns:a16="http://schemas.microsoft.com/office/drawing/2014/main" xmlns="" id="{D8C31931-2FC7-41F8-820E-70A0A6B9F179}"/>
               </a:ext>
             </a:extLst>
           </p:cNvPr>
@@ -9226,7 +9227,7 @@
           <p:cNvPr id="49" name="TextBox 48">
             <a:extLst>
               <a:ext uri="{FF2B5EF4-FFF2-40B4-BE49-F238E27FC236}">
-                <a16:creationId xmlns="" xmlns:a16="http://schemas.microsoft.com/office/drawing/2014/main" id="{9CDD0A07-C504-4B48-925A-F9A6BA21FB98}"/>
+                <a16:creationId xmlns:a16="http://schemas.microsoft.com/office/drawing/2014/main" xmlns="" id="{9CDD0A07-C504-4B48-925A-F9A6BA21FB98}"/>
               </a:ext>
             </a:extLst>
           </p:cNvPr>
@@ -9263,7 +9264,7 @@
           <p:cNvPr id="50" name="TextBox 49">
             <a:extLst>
               <a:ext uri="{FF2B5EF4-FFF2-40B4-BE49-F238E27FC236}">
-                <a16:creationId xmlns="" xmlns:a16="http://schemas.microsoft.com/office/drawing/2014/main" id="{A9ECA51C-C425-4946-BF9F-09407F2FBA4C}"/>
+                <a16:creationId xmlns:a16="http://schemas.microsoft.com/office/drawing/2014/main" xmlns="" id="{A9ECA51C-C425-4946-BF9F-09407F2FBA4C}"/>
               </a:ext>
             </a:extLst>
           </p:cNvPr>
@@ -9300,7 +9301,7 @@
           <p:cNvPr id="51" name="TextBox 50">
             <a:extLst>
               <a:ext uri="{FF2B5EF4-FFF2-40B4-BE49-F238E27FC236}">
-                <a16:creationId xmlns="" xmlns:a16="http://schemas.microsoft.com/office/drawing/2014/main" id="{55787D8D-9ED1-4999-A251-58AA218BB274}"/>
+                <a16:creationId xmlns:a16="http://schemas.microsoft.com/office/drawing/2014/main" xmlns="" id="{55787D8D-9ED1-4999-A251-58AA218BB274}"/>
               </a:ext>
             </a:extLst>
           </p:cNvPr>
@@ -9337,7 +9338,7 @@
           <p:cNvPr id="52" name="TextBox 51">
             <a:extLst>
               <a:ext uri="{FF2B5EF4-FFF2-40B4-BE49-F238E27FC236}">
-                <a16:creationId xmlns="" xmlns:a16="http://schemas.microsoft.com/office/drawing/2014/main" id="{7246F523-EC24-4694-AB85-D279B6B61AE7}"/>
+                <a16:creationId xmlns:a16="http://schemas.microsoft.com/office/drawing/2014/main" xmlns="" id="{7246F523-EC24-4694-AB85-D279B6B61AE7}"/>
               </a:ext>
             </a:extLst>
           </p:cNvPr>
@@ -9374,7 +9375,7 @@
           <p:cNvPr id="53" name="TextBox 52">
             <a:extLst>
               <a:ext uri="{FF2B5EF4-FFF2-40B4-BE49-F238E27FC236}">
-                <a16:creationId xmlns="" xmlns:a16="http://schemas.microsoft.com/office/drawing/2014/main" id="{37B73226-5AF4-417B-BB31-A3984DA358DA}"/>
+                <a16:creationId xmlns:a16="http://schemas.microsoft.com/office/drawing/2014/main" xmlns="" id="{37B73226-5AF4-417B-BB31-A3984DA358DA}"/>
               </a:ext>
             </a:extLst>
           </p:cNvPr>
@@ -9411,7 +9412,7 @@
           <p:cNvPr id="54" name="TextBox 53">
             <a:extLst>
               <a:ext uri="{FF2B5EF4-FFF2-40B4-BE49-F238E27FC236}">
-                <a16:creationId xmlns="" xmlns:a16="http://schemas.microsoft.com/office/drawing/2014/main" id="{785D348E-9980-4518-956E-53FAF8C0A198}"/>
+                <a16:creationId xmlns:a16="http://schemas.microsoft.com/office/drawing/2014/main" xmlns="" id="{785D348E-9980-4518-956E-53FAF8C0A198}"/>
               </a:ext>
             </a:extLst>
           </p:cNvPr>
@@ -9448,7 +9449,7 @@
           <p:cNvPr id="55" name="TextBox 54">
             <a:extLst>
               <a:ext uri="{FF2B5EF4-FFF2-40B4-BE49-F238E27FC236}">
-                <a16:creationId xmlns="" xmlns:a16="http://schemas.microsoft.com/office/drawing/2014/main" id="{0FDCA593-B62B-4F17-A809-EEA74578B5CC}"/>
+                <a16:creationId xmlns:a16="http://schemas.microsoft.com/office/drawing/2014/main" xmlns="" id="{0FDCA593-B62B-4F17-A809-EEA74578B5CC}"/>
               </a:ext>
             </a:extLst>
           </p:cNvPr>
@@ -9485,7 +9486,7 @@
           <p:cNvPr id="56" name="TextBox 55">
             <a:extLst>
               <a:ext uri="{FF2B5EF4-FFF2-40B4-BE49-F238E27FC236}">
-                <a16:creationId xmlns="" xmlns:a16="http://schemas.microsoft.com/office/drawing/2014/main" id="{FA7415B3-09A3-4F4A-90BE-D2862DCEC34A}"/>
+                <a16:creationId xmlns:a16="http://schemas.microsoft.com/office/drawing/2014/main" xmlns="" id="{FA7415B3-09A3-4F4A-90BE-D2862DCEC34A}"/>
               </a:ext>
             </a:extLst>
           </p:cNvPr>
@@ -9522,7 +9523,7 @@
           <p:cNvPr id="57" name="TextBox 56">
             <a:extLst>
               <a:ext uri="{FF2B5EF4-FFF2-40B4-BE49-F238E27FC236}">
-                <a16:creationId xmlns="" xmlns:a16="http://schemas.microsoft.com/office/drawing/2014/main" id="{00C4B18D-18C8-4A30-AD71-42EC99135D27}"/>
+                <a16:creationId xmlns:a16="http://schemas.microsoft.com/office/drawing/2014/main" xmlns="" id="{00C4B18D-18C8-4A30-AD71-42EC99135D27}"/>
               </a:ext>
             </a:extLst>
           </p:cNvPr>
@@ -9559,7 +9560,7 @@
           <p:cNvPr id="58" name="TextBox 57">
             <a:extLst>
               <a:ext uri="{FF2B5EF4-FFF2-40B4-BE49-F238E27FC236}">
-                <a16:creationId xmlns="" xmlns:a16="http://schemas.microsoft.com/office/drawing/2014/main" id="{D39CE8D5-65A0-4619-85EA-29EB83B11044}"/>
+                <a16:creationId xmlns:a16="http://schemas.microsoft.com/office/drawing/2014/main" xmlns="" id="{D39CE8D5-65A0-4619-85EA-29EB83B11044}"/>
               </a:ext>
             </a:extLst>
           </p:cNvPr>
@@ -9596,7 +9597,7 @@
           <p:cNvPr id="59" name="TextBox 58">
             <a:extLst>
               <a:ext uri="{FF2B5EF4-FFF2-40B4-BE49-F238E27FC236}">
-                <a16:creationId xmlns="" xmlns:a16="http://schemas.microsoft.com/office/drawing/2014/main" id="{61A1AAC2-E01E-4B68-9105-5902040CE611}"/>
+                <a16:creationId xmlns:a16="http://schemas.microsoft.com/office/drawing/2014/main" xmlns="" id="{61A1AAC2-E01E-4B68-9105-5902040CE611}"/>
               </a:ext>
             </a:extLst>
           </p:cNvPr>
@@ -9633,7 +9634,7 @@
           <p:cNvPr id="60" name="TextBox 59">
             <a:extLst>
               <a:ext uri="{FF2B5EF4-FFF2-40B4-BE49-F238E27FC236}">
-                <a16:creationId xmlns="" xmlns:a16="http://schemas.microsoft.com/office/drawing/2014/main" id="{ECDFC2DA-CC33-4844-8147-B9CFD9F1866A}"/>
+                <a16:creationId xmlns:a16="http://schemas.microsoft.com/office/drawing/2014/main" xmlns="" id="{ECDFC2DA-CC33-4844-8147-B9CFD9F1866A}"/>
               </a:ext>
             </a:extLst>
           </p:cNvPr>
@@ -9670,7 +9671,7 @@
           <p:cNvPr id="61" name="TextBox 60">
             <a:extLst>
               <a:ext uri="{FF2B5EF4-FFF2-40B4-BE49-F238E27FC236}">
-                <a16:creationId xmlns="" xmlns:a16="http://schemas.microsoft.com/office/drawing/2014/main" id="{95D8FD8B-B8B4-4B61-B289-3A7353D81078}"/>
+                <a16:creationId xmlns:a16="http://schemas.microsoft.com/office/drawing/2014/main" xmlns="" id="{95D8FD8B-B8B4-4B61-B289-3A7353D81078}"/>
               </a:ext>
             </a:extLst>
           </p:cNvPr>
@@ -9707,7 +9708,7 @@
           <p:cNvPr id="62" name="TextBox 61">
             <a:extLst>
               <a:ext uri="{FF2B5EF4-FFF2-40B4-BE49-F238E27FC236}">
-                <a16:creationId xmlns="" xmlns:a16="http://schemas.microsoft.com/office/drawing/2014/main" id="{B0314713-63C7-43FD-87B5-3FD8A8F977DC}"/>
+                <a16:creationId xmlns:a16="http://schemas.microsoft.com/office/drawing/2014/main" xmlns="" id="{B0314713-63C7-43FD-87B5-3FD8A8F977DC}"/>
               </a:ext>
             </a:extLst>
           </p:cNvPr>
@@ -9744,7 +9745,7 @@
           <p:cNvPr id="63" name="TextBox 62">
             <a:extLst>
               <a:ext uri="{FF2B5EF4-FFF2-40B4-BE49-F238E27FC236}">
-                <a16:creationId xmlns="" xmlns:a16="http://schemas.microsoft.com/office/drawing/2014/main" id="{F403DCF9-7C65-456B-BAFE-5DDACC83498C}"/>
+                <a16:creationId xmlns:a16="http://schemas.microsoft.com/office/drawing/2014/main" xmlns="" id="{F403DCF9-7C65-456B-BAFE-5DDACC83498C}"/>
               </a:ext>
             </a:extLst>
           </p:cNvPr>
@@ -9781,7 +9782,7 @@
           <p:cNvPr id="64" name="TextBox 63">
             <a:extLst>
               <a:ext uri="{FF2B5EF4-FFF2-40B4-BE49-F238E27FC236}">
-                <a16:creationId xmlns="" xmlns:a16="http://schemas.microsoft.com/office/drawing/2014/main" id="{932BD6CE-AFB2-4528-9C4A-863BDDAE8122}"/>
+                <a16:creationId xmlns:a16="http://schemas.microsoft.com/office/drawing/2014/main" xmlns="" id="{932BD6CE-AFB2-4528-9C4A-863BDDAE8122}"/>
               </a:ext>
             </a:extLst>
           </p:cNvPr>
@@ -9818,7 +9819,7 @@
           <p:cNvPr id="65" name="TextBox 64">
             <a:extLst>
               <a:ext uri="{FF2B5EF4-FFF2-40B4-BE49-F238E27FC236}">
-                <a16:creationId xmlns="" xmlns:a16="http://schemas.microsoft.com/office/drawing/2014/main" id="{3168B3D8-B14C-4711-941B-89D29183EF3C}"/>
+                <a16:creationId xmlns:a16="http://schemas.microsoft.com/office/drawing/2014/main" xmlns="" id="{3168B3D8-B14C-4711-941B-89D29183EF3C}"/>
               </a:ext>
             </a:extLst>
           </p:cNvPr>
@@ -9855,7 +9856,7 @@
           <p:cNvPr id="66" name="TextBox 65">
             <a:extLst>
               <a:ext uri="{FF2B5EF4-FFF2-40B4-BE49-F238E27FC236}">
-                <a16:creationId xmlns="" xmlns:a16="http://schemas.microsoft.com/office/drawing/2014/main" id="{5A6AB1F3-6B70-4C2D-B1CB-4E98B378EB7D}"/>
+                <a16:creationId xmlns:a16="http://schemas.microsoft.com/office/drawing/2014/main" xmlns="" id="{5A6AB1F3-6B70-4C2D-B1CB-4E98B378EB7D}"/>
               </a:ext>
             </a:extLst>
           </p:cNvPr>
@@ -9892,7 +9893,7 @@
           <p:cNvPr id="67" name="TextBox 66">
             <a:extLst>
               <a:ext uri="{FF2B5EF4-FFF2-40B4-BE49-F238E27FC236}">
-                <a16:creationId xmlns="" xmlns:a16="http://schemas.microsoft.com/office/drawing/2014/main" id="{F103C784-26E5-4FBC-A0B3-73FF0422AEEE}"/>
+                <a16:creationId xmlns:a16="http://schemas.microsoft.com/office/drawing/2014/main" xmlns="" id="{F103C784-26E5-4FBC-A0B3-73FF0422AEEE}"/>
               </a:ext>
             </a:extLst>
           </p:cNvPr>
@@ -9929,7 +9930,7 @@
           <p:cNvPr id="5" name="직선 연결선 4">
             <a:extLst>
               <a:ext uri="{FF2B5EF4-FFF2-40B4-BE49-F238E27FC236}">
-                <a16:creationId xmlns="" xmlns:a16="http://schemas.microsoft.com/office/drawing/2014/main" id="{C5C227FC-0406-44E9-9AC9-6A81FF50E9AB}"/>
+                <a16:creationId xmlns:a16="http://schemas.microsoft.com/office/drawing/2014/main" xmlns="" id="{C5C227FC-0406-44E9-9AC9-6A81FF50E9AB}"/>
               </a:ext>
             </a:extLst>
           </p:cNvPr>
@@ -9970,7 +9971,7 @@
           <p:cNvPr id="68" name="직선 연결선 67">
             <a:extLst>
               <a:ext uri="{FF2B5EF4-FFF2-40B4-BE49-F238E27FC236}">
-                <a16:creationId xmlns="" xmlns:a16="http://schemas.microsoft.com/office/drawing/2014/main" id="{21D8B38D-0F89-4873-9971-35606AA85404}"/>
+                <a16:creationId xmlns:a16="http://schemas.microsoft.com/office/drawing/2014/main" xmlns="" id="{21D8B38D-0F89-4873-9971-35606AA85404}"/>
               </a:ext>
             </a:extLst>
           </p:cNvPr>
@@ -10013,7 +10014,7 @@
           <p:cNvPr id="69" name="직선 연결선 68">
             <a:extLst>
               <a:ext uri="{FF2B5EF4-FFF2-40B4-BE49-F238E27FC236}">
-                <a16:creationId xmlns="" xmlns:a16="http://schemas.microsoft.com/office/drawing/2014/main" id="{3260DB80-3E3F-4E14-9BC0-EBB89FD55910}"/>
+                <a16:creationId xmlns:a16="http://schemas.microsoft.com/office/drawing/2014/main" xmlns="" id="{3260DB80-3E3F-4E14-9BC0-EBB89FD55910}"/>
               </a:ext>
             </a:extLst>
           </p:cNvPr>
@@ -10056,7 +10057,7 @@
           <p:cNvPr id="70" name="직선 연결선 69">
             <a:extLst>
               <a:ext uri="{FF2B5EF4-FFF2-40B4-BE49-F238E27FC236}">
-                <a16:creationId xmlns="" xmlns:a16="http://schemas.microsoft.com/office/drawing/2014/main" id="{0DAA53C9-6D2D-46A8-95EF-11AF58708348}"/>
+                <a16:creationId xmlns:a16="http://schemas.microsoft.com/office/drawing/2014/main" xmlns="" id="{0DAA53C9-6D2D-46A8-95EF-11AF58708348}"/>
               </a:ext>
             </a:extLst>
           </p:cNvPr>
@@ -10099,7 +10100,7 @@
           <p:cNvPr id="71" name="직선 연결선 70">
             <a:extLst>
               <a:ext uri="{FF2B5EF4-FFF2-40B4-BE49-F238E27FC236}">
-                <a16:creationId xmlns="" xmlns:a16="http://schemas.microsoft.com/office/drawing/2014/main" id="{7C989169-C91E-457F-8BE3-1BDDF19064DF}"/>
+                <a16:creationId xmlns:a16="http://schemas.microsoft.com/office/drawing/2014/main" xmlns="" id="{7C989169-C91E-457F-8BE3-1BDDF19064DF}"/>
               </a:ext>
             </a:extLst>
           </p:cNvPr>
@@ -10142,7 +10143,7 @@
           <p:cNvPr id="25" name="직선 연결선 24">
             <a:extLst>
               <a:ext uri="{FF2B5EF4-FFF2-40B4-BE49-F238E27FC236}">
-                <a16:creationId xmlns="" xmlns:a16="http://schemas.microsoft.com/office/drawing/2014/main" id="{3F4DB0AE-5C3A-4C4A-B9E8-41FEE24DBA39}"/>
+                <a16:creationId xmlns:a16="http://schemas.microsoft.com/office/drawing/2014/main" xmlns="" id="{3F4DB0AE-5C3A-4C4A-B9E8-41FEE24DBA39}"/>
               </a:ext>
             </a:extLst>
           </p:cNvPr>
@@ -10183,7 +10184,7 @@
           <p:cNvPr id="37" name="직선 연결선 36">
             <a:extLst>
               <a:ext uri="{FF2B5EF4-FFF2-40B4-BE49-F238E27FC236}">
-                <a16:creationId xmlns="" xmlns:a16="http://schemas.microsoft.com/office/drawing/2014/main" id="{D1CAE60B-2256-4113-BE19-C82C193F9394}"/>
+                <a16:creationId xmlns:a16="http://schemas.microsoft.com/office/drawing/2014/main" xmlns="" id="{D1CAE60B-2256-4113-BE19-C82C193F9394}"/>
               </a:ext>
             </a:extLst>
           </p:cNvPr>
@@ -10224,7 +10225,7 @@
           <p:cNvPr id="72" name="직선 연결선 71">
             <a:extLst>
               <a:ext uri="{FF2B5EF4-FFF2-40B4-BE49-F238E27FC236}">
-                <a16:creationId xmlns="" xmlns:a16="http://schemas.microsoft.com/office/drawing/2014/main" id="{61EF895A-63F5-42E2-AAF4-B1E7EB9BDD3C}"/>
+                <a16:creationId xmlns:a16="http://schemas.microsoft.com/office/drawing/2014/main" xmlns="" id="{61EF895A-63F5-42E2-AAF4-B1E7EB9BDD3C}"/>
               </a:ext>
             </a:extLst>
           </p:cNvPr>
@@ -10265,7 +10266,7 @@
           <p:cNvPr id="75" name="직선 연결선 74">
             <a:extLst>
               <a:ext uri="{FF2B5EF4-FFF2-40B4-BE49-F238E27FC236}">
-                <a16:creationId xmlns="" xmlns:a16="http://schemas.microsoft.com/office/drawing/2014/main" id="{E623654B-1E62-483B-B35C-1E335D6A9058}"/>
+                <a16:creationId xmlns:a16="http://schemas.microsoft.com/office/drawing/2014/main" xmlns="" id="{E623654B-1E62-483B-B35C-1E335D6A9058}"/>
               </a:ext>
             </a:extLst>
           </p:cNvPr>
@@ -10306,7 +10307,7 @@
           <p:cNvPr id="78" name="타원 77">
             <a:extLst>
               <a:ext uri="{FF2B5EF4-FFF2-40B4-BE49-F238E27FC236}">
-                <a16:creationId xmlns="" xmlns:a16="http://schemas.microsoft.com/office/drawing/2014/main" id="{E467CE54-DB05-4418-95A6-30E2DA187633}"/>
+                <a16:creationId xmlns:a16="http://schemas.microsoft.com/office/drawing/2014/main" xmlns="" id="{E467CE54-DB05-4418-95A6-30E2DA187633}"/>
               </a:ext>
             </a:extLst>
           </p:cNvPr>
@@ -10358,7 +10359,7 @@
           <p:cNvPr id="79" name="타원 78">
             <a:extLst>
               <a:ext uri="{FF2B5EF4-FFF2-40B4-BE49-F238E27FC236}">
-                <a16:creationId xmlns="" xmlns:a16="http://schemas.microsoft.com/office/drawing/2014/main" id="{DD6595A0-469E-495E-823D-02D648D249A2}"/>
+                <a16:creationId xmlns:a16="http://schemas.microsoft.com/office/drawing/2014/main" xmlns="" id="{DD6595A0-469E-495E-823D-02D648D249A2}"/>
               </a:ext>
             </a:extLst>
           </p:cNvPr>
@@ -10410,7 +10411,7 @@
           <p:cNvPr id="80" name="타원 79">
             <a:extLst>
               <a:ext uri="{FF2B5EF4-FFF2-40B4-BE49-F238E27FC236}">
-                <a16:creationId xmlns="" xmlns:a16="http://schemas.microsoft.com/office/drawing/2014/main" id="{380A52DE-386E-466E-8CE1-478CE99269CF}"/>
+                <a16:creationId xmlns:a16="http://schemas.microsoft.com/office/drawing/2014/main" xmlns="" id="{380A52DE-386E-466E-8CE1-478CE99269CF}"/>
               </a:ext>
             </a:extLst>
           </p:cNvPr>
@@ -10462,7 +10463,7 @@
           <p:cNvPr id="81" name="타원 80">
             <a:extLst>
               <a:ext uri="{FF2B5EF4-FFF2-40B4-BE49-F238E27FC236}">
-                <a16:creationId xmlns="" xmlns:a16="http://schemas.microsoft.com/office/drawing/2014/main" id="{EB6628E6-B359-4CCF-A13D-CB76A165A1F3}"/>
+                <a16:creationId xmlns:a16="http://schemas.microsoft.com/office/drawing/2014/main" xmlns="" id="{EB6628E6-B359-4CCF-A13D-CB76A165A1F3}"/>
               </a:ext>
             </a:extLst>
           </p:cNvPr>
@@ -10514,7 +10515,7 @@
           <p:cNvPr id="82" name="타원 81">
             <a:extLst>
               <a:ext uri="{FF2B5EF4-FFF2-40B4-BE49-F238E27FC236}">
-                <a16:creationId xmlns="" xmlns:a16="http://schemas.microsoft.com/office/drawing/2014/main" id="{2CE6625E-AA47-4389-AF07-AB4A18EDD60B}"/>
+                <a16:creationId xmlns:a16="http://schemas.microsoft.com/office/drawing/2014/main" xmlns="" id="{2CE6625E-AA47-4389-AF07-AB4A18EDD60B}"/>
               </a:ext>
             </a:extLst>
           </p:cNvPr>
@@ -10566,7 +10567,7 @@
           <p:cNvPr id="85" name="직선 화살표 연결선 84">
             <a:extLst>
               <a:ext uri="{FF2B5EF4-FFF2-40B4-BE49-F238E27FC236}">
-                <a16:creationId xmlns="" xmlns:a16="http://schemas.microsoft.com/office/drawing/2014/main" id="{AB4CEFE4-077C-4625-9E2C-5F761F8B95EC}"/>
+                <a16:creationId xmlns:a16="http://schemas.microsoft.com/office/drawing/2014/main" xmlns="" id="{AB4CEFE4-077C-4625-9E2C-5F761F8B95EC}"/>
               </a:ext>
             </a:extLst>
           </p:cNvPr>
@@ -10611,7 +10612,7 @@
           <p:cNvPr id="87" name="직선 화살표 연결선 86">
             <a:extLst>
               <a:ext uri="{FF2B5EF4-FFF2-40B4-BE49-F238E27FC236}">
-                <a16:creationId xmlns="" xmlns:a16="http://schemas.microsoft.com/office/drawing/2014/main" id="{6DE4627E-70EC-43FD-AEF4-AF38D604446E}"/>
+                <a16:creationId xmlns:a16="http://schemas.microsoft.com/office/drawing/2014/main" xmlns="" id="{6DE4627E-70EC-43FD-AEF4-AF38D604446E}"/>
               </a:ext>
             </a:extLst>
           </p:cNvPr>
@@ -10657,7 +10658,7 @@
           <p:cNvPr id="89" name="직선 화살표 연결선 88">
             <a:extLst>
               <a:ext uri="{FF2B5EF4-FFF2-40B4-BE49-F238E27FC236}">
-                <a16:creationId xmlns="" xmlns:a16="http://schemas.microsoft.com/office/drawing/2014/main" id="{637B0387-35E7-4F5A-A703-C67711D38E84}"/>
+                <a16:creationId xmlns:a16="http://schemas.microsoft.com/office/drawing/2014/main" xmlns="" id="{637B0387-35E7-4F5A-A703-C67711D38E84}"/>
               </a:ext>
             </a:extLst>
           </p:cNvPr>
@@ -10702,7 +10703,7 @@
           <p:cNvPr id="93" name="직선 화살표 연결선 92">
             <a:extLst>
               <a:ext uri="{FF2B5EF4-FFF2-40B4-BE49-F238E27FC236}">
-                <a16:creationId xmlns="" xmlns:a16="http://schemas.microsoft.com/office/drawing/2014/main" id="{DCBF479C-D0D8-4078-8289-246A5F9B67BD}"/>
+                <a16:creationId xmlns:a16="http://schemas.microsoft.com/office/drawing/2014/main" xmlns="" id="{DCBF479C-D0D8-4078-8289-246A5F9B67BD}"/>
               </a:ext>
             </a:extLst>
           </p:cNvPr>
@@ -10747,7 +10748,7 @@
           <p:cNvPr id="83" name="TextBox 82">
             <a:extLst>
               <a:ext uri="{FF2B5EF4-FFF2-40B4-BE49-F238E27FC236}">
-                <a16:creationId xmlns="" xmlns:a16="http://schemas.microsoft.com/office/drawing/2014/main" id="{7E47BFCE-9742-4373-962F-3EBCCC668E8B}"/>
+                <a16:creationId xmlns:a16="http://schemas.microsoft.com/office/drawing/2014/main" xmlns="" id="{7E47BFCE-9742-4373-962F-3EBCCC668E8B}"/>
               </a:ext>
             </a:extLst>
           </p:cNvPr>
@@ -10798,7 +10799,7 @@
           <p:cNvPr id="94" name="직선 화살표 연결선 93">
             <a:extLst>
               <a:ext uri="{FF2B5EF4-FFF2-40B4-BE49-F238E27FC236}">
-                <a16:creationId xmlns="" xmlns:a16="http://schemas.microsoft.com/office/drawing/2014/main" id="{CB888FCE-CC26-4673-A684-2B8A16A91E6B}"/>
+                <a16:creationId xmlns:a16="http://schemas.microsoft.com/office/drawing/2014/main" xmlns="" id="{CB888FCE-CC26-4673-A684-2B8A16A91E6B}"/>
               </a:ext>
             </a:extLst>
           </p:cNvPr>
@@ -10874,7 +10875,7 @@
           <p:cNvPr id="6" name="직선 연결선 5">
             <a:extLst>
               <a:ext uri="{FF2B5EF4-FFF2-40B4-BE49-F238E27FC236}">
-                <a16:creationId xmlns="" xmlns:a16="http://schemas.microsoft.com/office/drawing/2014/main" id="{31654EA8-B9F1-411B-924F-A39AFFF25FE4}"/>
+                <a16:creationId xmlns:a16="http://schemas.microsoft.com/office/drawing/2014/main" xmlns="" id="{31654EA8-B9F1-411B-924F-A39AFFF25FE4}"/>
               </a:ext>
             </a:extLst>
           </p:cNvPr>
@@ -10913,7 +10914,7 @@
           <p:cNvPr id="7" name="직선 연결선 6">
             <a:extLst>
               <a:ext uri="{FF2B5EF4-FFF2-40B4-BE49-F238E27FC236}">
-                <a16:creationId xmlns="" xmlns:a16="http://schemas.microsoft.com/office/drawing/2014/main" id="{4E07B35E-E95F-4959-B154-E7714662533C}"/>
+                <a16:creationId xmlns:a16="http://schemas.microsoft.com/office/drawing/2014/main" xmlns="" id="{4E07B35E-E95F-4959-B154-E7714662533C}"/>
               </a:ext>
             </a:extLst>
           </p:cNvPr>
@@ -10950,7 +10951,7 @@
           <p:cNvPr id="8" name="직선 연결선 7">
             <a:extLst>
               <a:ext uri="{FF2B5EF4-FFF2-40B4-BE49-F238E27FC236}">
-                <a16:creationId xmlns="" xmlns:a16="http://schemas.microsoft.com/office/drawing/2014/main" id="{E4FFF66C-C336-47F1-93F9-02E956F4091B}"/>
+                <a16:creationId xmlns:a16="http://schemas.microsoft.com/office/drawing/2014/main" xmlns="" id="{E4FFF66C-C336-47F1-93F9-02E956F4091B}"/>
               </a:ext>
             </a:extLst>
           </p:cNvPr>
@@ -10987,7 +10988,7 @@
           <p:cNvPr id="10" name="직선 연결선 9">
             <a:extLst>
               <a:ext uri="{FF2B5EF4-FFF2-40B4-BE49-F238E27FC236}">
-                <a16:creationId xmlns="" xmlns:a16="http://schemas.microsoft.com/office/drawing/2014/main" id="{F04DF4A3-A86D-4539-A457-19D81BC14F59}"/>
+                <a16:creationId xmlns:a16="http://schemas.microsoft.com/office/drawing/2014/main" xmlns="" id="{F04DF4A3-A86D-4539-A457-19D81BC14F59}"/>
               </a:ext>
             </a:extLst>
           </p:cNvPr>
@@ -11024,7 +11025,7 @@
           <p:cNvPr id="11" name="직선 연결선 10">
             <a:extLst>
               <a:ext uri="{FF2B5EF4-FFF2-40B4-BE49-F238E27FC236}">
-                <a16:creationId xmlns="" xmlns:a16="http://schemas.microsoft.com/office/drawing/2014/main" id="{64673F54-A7E0-4DB9-A52F-91F6F84A4C48}"/>
+                <a16:creationId xmlns:a16="http://schemas.microsoft.com/office/drawing/2014/main" xmlns="" id="{64673F54-A7E0-4DB9-A52F-91F6F84A4C48}"/>
               </a:ext>
             </a:extLst>
           </p:cNvPr>
@@ -11061,7 +11062,7 @@
           <p:cNvPr id="12" name="직선 연결선 11">
             <a:extLst>
               <a:ext uri="{FF2B5EF4-FFF2-40B4-BE49-F238E27FC236}">
-                <a16:creationId xmlns="" xmlns:a16="http://schemas.microsoft.com/office/drawing/2014/main" id="{6AE9AB7F-9042-41D0-8094-A670CFD71A82}"/>
+                <a16:creationId xmlns:a16="http://schemas.microsoft.com/office/drawing/2014/main" xmlns="" id="{6AE9AB7F-9042-41D0-8094-A670CFD71A82}"/>
               </a:ext>
             </a:extLst>
           </p:cNvPr>
@@ -11098,7 +11099,7 @@
           <p:cNvPr id="14" name="TextBox 13">
             <a:extLst>
               <a:ext uri="{FF2B5EF4-FFF2-40B4-BE49-F238E27FC236}">
-                <a16:creationId xmlns="" xmlns:a16="http://schemas.microsoft.com/office/drawing/2014/main" id="{E949D324-98A0-40F7-84A4-65067AE1B247}"/>
+                <a16:creationId xmlns:a16="http://schemas.microsoft.com/office/drawing/2014/main" xmlns="" id="{E949D324-98A0-40F7-84A4-65067AE1B247}"/>
               </a:ext>
             </a:extLst>
           </p:cNvPr>
@@ -11135,7 +11136,7 @@
           <p:cNvPr id="15" name="TextBox 14">
             <a:extLst>
               <a:ext uri="{FF2B5EF4-FFF2-40B4-BE49-F238E27FC236}">
-                <a16:creationId xmlns="" xmlns:a16="http://schemas.microsoft.com/office/drawing/2014/main" id="{5A89365F-595E-448D-8C11-2AD4E3EDA249}"/>
+                <a16:creationId xmlns:a16="http://schemas.microsoft.com/office/drawing/2014/main" xmlns="" id="{5A89365F-595E-448D-8C11-2AD4E3EDA249}"/>
               </a:ext>
             </a:extLst>
           </p:cNvPr>
@@ -11172,7 +11173,7 @@
           <p:cNvPr id="16" name="TextBox 15">
             <a:extLst>
               <a:ext uri="{FF2B5EF4-FFF2-40B4-BE49-F238E27FC236}">
-                <a16:creationId xmlns="" xmlns:a16="http://schemas.microsoft.com/office/drawing/2014/main" id="{C2D93AB9-1EB8-4A18-BEA3-CB6A1473383E}"/>
+                <a16:creationId xmlns:a16="http://schemas.microsoft.com/office/drawing/2014/main" xmlns="" id="{C2D93AB9-1EB8-4A18-BEA3-CB6A1473383E}"/>
               </a:ext>
             </a:extLst>
           </p:cNvPr>
@@ -11209,7 +11210,7 @@
           <p:cNvPr id="17" name="TextBox 16">
             <a:extLst>
               <a:ext uri="{FF2B5EF4-FFF2-40B4-BE49-F238E27FC236}">
-                <a16:creationId xmlns="" xmlns:a16="http://schemas.microsoft.com/office/drawing/2014/main" id="{119143F9-9662-4BFC-8C7E-8F5237C8D6C3}"/>
+                <a16:creationId xmlns:a16="http://schemas.microsoft.com/office/drawing/2014/main" xmlns="" id="{119143F9-9662-4BFC-8C7E-8F5237C8D6C3}"/>
               </a:ext>
             </a:extLst>
           </p:cNvPr>
@@ -11246,7 +11247,7 @@
           <p:cNvPr id="18" name="TextBox 17">
             <a:extLst>
               <a:ext uri="{FF2B5EF4-FFF2-40B4-BE49-F238E27FC236}">
-                <a16:creationId xmlns="" xmlns:a16="http://schemas.microsoft.com/office/drawing/2014/main" id="{D65CEA8C-7F03-47CF-8C8B-E71BA660DF53}"/>
+                <a16:creationId xmlns:a16="http://schemas.microsoft.com/office/drawing/2014/main" xmlns="" id="{D65CEA8C-7F03-47CF-8C8B-E71BA660DF53}"/>
               </a:ext>
             </a:extLst>
           </p:cNvPr>
@@ -11283,7 +11284,7 @@
           <p:cNvPr id="20" name="TextBox 19">
             <a:extLst>
               <a:ext uri="{FF2B5EF4-FFF2-40B4-BE49-F238E27FC236}">
-                <a16:creationId xmlns="" xmlns:a16="http://schemas.microsoft.com/office/drawing/2014/main" id="{124A2A46-0B07-44A3-B17A-50E4AC7A54C1}"/>
+                <a16:creationId xmlns:a16="http://schemas.microsoft.com/office/drawing/2014/main" xmlns="" id="{124A2A46-0B07-44A3-B17A-50E4AC7A54C1}"/>
               </a:ext>
             </a:extLst>
           </p:cNvPr>
@@ -11320,7 +11321,7 @@
           <p:cNvPr id="21" name="TextBox 20">
             <a:extLst>
               <a:ext uri="{FF2B5EF4-FFF2-40B4-BE49-F238E27FC236}">
-                <a16:creationId xmlns="" xmlns:a16="http://schemas.microsoft.com/office/drawing/2014/main" id="{127B6753-0375-4F50-8EBB-C3EBF58B25A0}"/>
+                <a16:creationId xmlns:a16="http://schemas.microsoft.com/office/drawing/2014/main" xmlns="" id="{127B6753-0375-4F50-8EBB-C3EBF58B25A0}"/>
               </a:ext>
             </a:extLst>
           </p:cNvPr>
@@ -11357,7 +11358,7 @@
           <p:cNvPr id="22" name="TextBox 21">
             <a:extLst>
               <a:ext uri="{FF2B5EF4-FFF2-40B4-BE49-F238E27FC236}">
-                <a16:creationId xmlns="" xmlns:a16="http://schemas.microsoft.com/office/drawing/2014/main" id="{B116CB62-58E4-4818-B572-748F45E877D0}"/>
+                <a16:creationId xmlns:a16="http://schemas.microsoft.com/office/drawing/2014/main" xmlns="" id="{B116CB62-58E4-4818-B572-748F45E877D0}"/>
               </a:ext>
             </a:extLst>
           </p:cNvPr>
@@ -11394,7 +11395,7 @@
           <p:cNvPr id="23" name="TextBox 22">
             <a:extLst>
               <a:ext uri="{FF2B5EF4-FFF2-40B4-BE49-F238E27FC236}">
-                <a16:creationId xmlns="" xmlns:a16="http://schemas.microsoft.com/office/drawing/2014/main" id="{083578AA-42ED-487F-B693-11DB0F61806B}"/>
+                <a16:creationId xmlns:a16="http://schemas.microsoft.com/office/drawing/2014/main" xmlns="" id="{083578AA-42ED-487F-B693-11DB0F61806B}"/>
               </a:ext>
             </a:extLst>
           </p:cNvPr>
@@ -11431,7 +11432,7 @@
           <p:cNvPr id="24" name="TextBox 23">
             <a:extLst>
               <a:ext uri="{FF2B5EF4-FFF2-40B4-BE49-F238E27FC236}">
-                <a16:creationId xmlns="" xmlns:a16="http://schemas.microsoft.com/office/drawing/2014/main" id="{5D84D04F-C822-4A52-A05E-744ABD508093}"/>
+                <a16:creationId xmlns:a16="http://schemas.microsoft.com/office/drawing/2014/main" xmlns="" id="{5D84D04F-C822-4A52-A05E-744ABD508093}"/>
               </a:ext>
             </a:extLst>
           </p:cNvPr>
@@ -11468,7 +11469,7 @@
           <p:cNvPr id="26" name="TextBox 25">
             <a:extLst>
               <a:ext uri="{FF2B5EF4-FFF2-40B4-BE49-F238E27FC236}">
-                <a16:creationId xmlns="" xmlns:a16="http://schemas.microsoft.com/office/drawing/2014/main" id="{41E6F538-9F9C-4553-9A66-9C05463EAB60}"/>
+                <a16:creationId xmlns:a16="http://schemas.microsoft.com/office/drawing/2014/main" xmlns="" id="{41E6F538-9F9C-4553-9A66-9C05463EAB60}"/>
               </a:ext>
             </a:extLst>
           </p:cNvPr>
@@ -11505,7 +11506,7 @@
           <p:cNvPr id="27" name="TextBox 26">
             <a:extLst>
               <a:ext uri="{FF2B5EF4-FFF2-40B4-BE49-F238E27FC236}">
-                <a16:creationId xmlns="" xmlns:a16="http://schemas.microsoft.com/office/drawing/2014/main" id="{BA05173D-B233-4D44-9BC7-E4670389830C}"/>
+                <a16:creationId xmlns:a16="http://schemas.microsoft.com/office/drawing/2014/main" xmlns="" id="{BA05173D-B233-4D44-9BC7-E4670389830C}"/>
               </a:ext>
             </a:extLst>
           </p:cNvPr>
@@ -11542,7 +11543,7 @@
           <p:cNvPr id="28" name="TextBox 27">
             <a:extLst>
               <a:ext uri="{FF2B5EF4-FFF2-40B4-BE49-F238E27FC236}">
-                <a16:creationId xmlns="" xmlns:a16="http://schemas.microsoft.com/office/drawing/2014/main" id="{E9547A23-6AB5-453B-9412-5817BE440F6C}"/>
+                <a16:creationId xmlns:a16="http://schemas.microsoft.com/office/drawing/2014/main" xmlns="" id="{E9547A23-6AB5-453B-9412-5817BE440F6C}"/>
               </a:ext>
             </a:extLst>
           </p:cNvPr>
@@ -11579,7 +11580,7 @@
           <p:cNvPr id="29" name="TextBox 28">
             <a:extLst>
               <a:ext uri="{FF2B5EF4-FFF2-40B4-BE49-F238E27FC236}">
-                <a16:creationId xmlns="" xmlns:a16="http://schemas.microsoft.com/office/drawing/2014/main" id="{D8D463D9-B497-4B82-88D7-4BC7471DF49C}"/>
+                <a16:creationId xmlns:a16="http://schemas.microsoft.com/office/drawing/2014/main" xmlns="" id="{D8D463D9-B497-4B82-88D7-4BC7471DF49C}"/>
               </a:ext>
             </a:extLst>
           </p:cNvPr>
@@ -11616,7 +11617,7 @@
           <p:cNvPr id="30" name="TextBox 29">
             <a:extLst>
               <a:ext uri="{FF2B5EF4-FFF2-40B4-BE49-F238E27FC236}">
-                <a16:creationId xmlns="" xmlns:a16="http://schemas.microsoft.com/office/drawing/2014/main" id="{39C5CF66-680C-47A0-ABB7-21ED54599E87}"/>
+                <a16:creationId xmlns:a16="http://schemas.microsoft.com/office/drawing/2014/main" xmlns="" id="{39C5CF66-680C-47A0-ABB7-21ED54599E87}"/>
               </a:ext>
             </a:extLst>
           </p:cNvPr>
@@ -11653,7 +11654,7 @@
           <p:cNvPr id="32" name="TextBox 31">
             <a:extLst>
               <a:ext uri="{FF2B5EF4-FFF2-40B4-BE49-F238E27FC236}">
-                <a16:creationId xmlns="" xmlns:a16="http://schemas.microsoft.com/office/drawing/2014/main" id="{EB1F1875-3A73-4A80-85F5-46EF251DCDC3}"/>
+                <a16:creationId xmlns:a16="http://schemas.microsoft.com/office/drawing/2014/main" xmlns="" id="{EB1F1875-3A73-4A80-85F5-46EF251DCDC3}"/>
               </a:ext>
             </a:extLst>
           </p:cNvPr>
@@ -11690,7 +11691,7 @@
           <p:cNvPr id="33" name="TextBox 32">
             <a:extLst>
               <a:ext uri="{FF2B5EF4-FFF2-40B4-BE49-F238E27FC236}">
-                <a16:creationId xmlns="" xmlns:a16="http://schemas.microsoft.com/office/drawing/2014/main" id="{C4F940DE-E250-451B-AC81-9B92E2FAD39D}"/>
+                <a16:creationId xmlns:a16="http://schemas.microsoft.com/office/drawing/2014/main" xmlns="" id="{C4F940DE-E250-451B-AC81-9B92E2FAD39D}"/>
               </a:ext>
             </a:extLst>
           </p:cNvPr>
@@ -11727,7 +11728,7 @@
           <p:cNvPr id="34" name="TextBox 33">
             <a:extLst>
               <a:ext uri="{FF2B5EF4-FFF2-40B4-BE49-F238E27FC236}">
-                <a16:creationId xmlns="" xmlns:a16="http://schemas.microsoft.com/office/drawing/2014/main" id="{D6FC296A-18B7-4E2C-89C5-F48681E0B45E}"/>
+                <a16:creationId xmlns:a16="http://schemas.microsoft.com/office/drawing/2014/main" xmlns="" id="{D6FC296A-18B7-4E2C-89C5-F48681E0B45E}"/>
               </a:ext>
             </a:extLst>
           </p:cNvPr>
@@ -11764,7 +11765,7 @@
           <p:cNvPr id="35" name="TextBox 34">
             <a:extLst>
               <a:ext uri="{FF2B5EF4-FFF2-40B4-BE49-F238E27FC236}">
-                <a16:creationId xmlns="" xmlns:a16="http://schemas.microsoft.com/office/drawing/2014/main" id="{03ADA3B6-5DD7-4A0E-9F82-235D39B06CAD}"/>
+                <a16:creationId xmlns:a16="http://schemas.microsoft.com/office/drawing/2014/main" xmlns="" id="{03ADA3B6-5DD7-4A0E-9F82-235D39B06CAD}"/>
               </a:ext>
             </a:extLst>
           </p:cNvPr>
@@ -11801,7 +11802,7 @@
           <p:cNvPr id="36" name="TextBox 35">
             <a:extLst>
               <a:ext uri="{FF2B5EF4-FFF2-40B4-BE49-F238E27FC236}">
-                <a16:creationId xmlns="" xmlns:a16="http://schemas.microsoft.com/office/drawing/2014/main" id="{E0D33BCD-4207-4D60-BD4A-E99A3202B09A}"/>
+                <a16:creationId xmlns:a16="http://schemas.microsoft.com/office/drawing/2014/main" xmlns="" id="{E0D33BCD-4207-4D60-BD4A-E99A3202B09A}"/>
               </a:ext>
             </a:extLst>
           </p:cNvPr>
@@ -11838,7 +11839,7 @@
           <p:cNvPr id="38" name="TextBox 37">
             <a:extLst>
               <a:ext uri="{FF2B5EF4-FFF2-40B4-BE49-F238E27FC236}">
-                <a16:creationId xmlns="" xmlns:a16="http://schemas.microsoft.com/office/drawing/2014/main" id="{B0679E40-9E97-4B74-9C7D-BC84F520AFDC}"/>
+                <a16:creationId xmlns:a16="http://schemas.microsoft.com/office/drawing/2014/main" xmlns="" id="{B0679E40-9E97-4B74-9C7D-BC84F520AFDC}"/>
               </a:ext>
             </a:extLst>
           </p:cNvPr>
@@ -11875,7 +11876,7 @@
           <p:cNvPr id="39" name="TextBox 38">
             <a:extLst>
               <a:ext uri="{FF2B5EF4-FFF2-40B4-BE49-F238E27FC236}">
-                <a16:creationId xmlns="" xmlns:a16="http://schemas.microsoft.com/office/drawing/2014/main" id="{364E99E8-A09C-4B3D-BEEE-5D23EC68C987}"/>
+                <a16:creationId xmlns:a16="http://schemas.microsoft.com/office/drawing/2014/main" xmlns="" id="{364E99E8-A09C-4B3D-BEEE-5D23EC68C987}"/>
               </a:ext>
             </a:extLst>
           </p:cNvPr>
@@ -11912,7 +11913,7 @@
           <p:cNvPr id="40" name="TextBox 39">
             <a:extLst>
               <a:ext uri="{FF2B5EF4-FFF2-40B4-BE49-F238E27FC236}">
-                <a16:creationId xmlns="" xmlns:a16="http://schemas.microsoft.com/office/drawing/2014/main" id="{C15776E0-C9E5-41A0-90EC-ED193AE8E9A2}"/>
+                <a16:creationId xmlns:a16="http://schemas.microsoft.com/office/drawing/2014/main" xmlns="" id="{C15776E0-C9E5-41A0-90EC-ED193AE8E9A2}"/>
               </a:ext>
             </a:extLst>
           </p:cNvPr>
@@ -11949,7 +11950,7 @@
           <p:cNvPr id="41" name="TextBox 40">
             <a:extLst>
               <a:ext uri="{FF2B5EF4-FFF2-40B4-BE49-F238E27FC236}">
-                <a16:creationId xmlns="" xmlns:a16="http://schemas.microsoft.com/office/drawing/2014/main" id="{5833ED93-0BC9-4777-BECA-C9478AC8027A}"/>
+                <a16:creationId xmlns:a16="http://schemas.microsoft.com/office/drawing/2014/main" xmlns="" id="{5833ED93-0BC9-4777-BECA-C9478AC8027A}"/>
               </a:ext>
             </a:extLst>
           </p:cNvPr>
@@ -11986,7 +11987,7 @@
           <p:cNvPr id="42" name="TextBox 41">
             <a:extLst>
               <a:ext uri="{FF2B5EF4-FFF2-40B4-BE49-F238E27FC236}">
-                <a16:creationId xmlns="" xmlns:a16="http://schemas.microsoft.com/office/drawing/2014/main" id="{0B54336C-54D2-4BC3-81A0-224422FF32CB}"/>
+                <a16:creationId xmlns:a16="http://schemas.microsoft.com/office/drawing/2014/main" xmlns="" id="{0B54336C-54D2-4BC3-81A0-224422FF32CB}"/>
               </a:ext>
             </a:extLst>
           </p:cNvPr>
@@ -12023,7 +12024,7 @@
           <p:cNvPr id="45" name="TextBox 44">
             <a:extLst>
               <a:ext uri="{FF2B5EF4-FFF2-40B4-BE49-F238E27FC236}">
-                <a16:creationId xmlns="" xmlns:a16="http://schemas.microsoft.com/office/drawing/2014/main" id="{2DE82AF6-A0E8-49D0-827D-E73A55F68FC1}"/>
+                <a16:creationId xmlns:a16="http://schemas.microsoft.com/office/drawing/2014/main" xmlns="" id="{2DE82AF6-A0E8-49D0-827D-E73A55F68FC1}"/>
               </a:ext>
             </a:extLst>
           </p:cNvPr>
@@ -12060,7 +12061,7 @@
           <p:cNvPr id="46" name="TextBox 45">
             <a:extLst>
               <a:ext uri="{FF2B5EF4-FFF2-40B4-BE49-F238E27FC236}">
-                <a16:creationId xmlns="" xmlns:a16="http://schemas.microsoft.com/office/drawing/2014/main" id="{DB1A34F2-31F8-463D-A344-14D2069A3DBA}"/>
+                <a16:creationId xmlns:a16="http://schemas.microsoft.com/office/drawing/2014/main" xmlns="" id="{DB1A34F2-31F8-463D-A344-14D2069A3DBA}"/>
               </a:ext>
             </a:extLst>
           </p:cNvPr>
@@ -12097,7 +12098,7 @@
           <p:cNvPr id="47" name="TextBox 46">
             <a:extLst>
               <a:ext uri="{FF2B5EF4-FFF2-40B4-BE49-F238E27FC236}">
-                <a16:creationId xmlns="" xmlns:a16="http://schemas.microsoft.com/office/drawing/2014/main" id="{949B3861-2E42-42D5-BAFB-F97BEE0E038B}"/>
+                <a16:creationId xmlns:a16="http://schemas.microsoft.com/office/drawing/2014/main" xmlns="" id="{949B3861-2E42-42D5-BAFB-F97BEE0E038B}"/>
               </a:ext>
             </a:extLst>
           </p:cNvPr>
@@ -12134,7 +12135,7 @@
           <p:cNvPr id="48" name="TextBox 47">
             <a:extLst>
               <a:ext uri="{FF2B5EF4-FFF2-40B4-BE49-F238E27FC236}">
-                <a16:creationId xmlns="" xmlns:a16="http://schemas.microsoft.com/office/drawing/2014/main" id="{D8C31931-2FC7-41F8-820E-70A0A6B9F179}"/>
+                <a16:creationId xmlns:a16="http://schemas.microsoft.com/office/drawing/2014/main" xmlns="" id="{D8C31931-2FC7-41F8-820E-70A0A6B9F179}"/>
               </a:ext>
             </a:extLst>
           </p:cNvPr>
@@ -12171,7 +12172,7 @@
           <p:cNvPr id="49" name="TextBox 48">
             <a:extLst>
               <a:ext uri="{FF2B5EF4-FFF2-40B4-BE49-F238E27FC236}">
-                <a16:creationId xmlns="" xmlns:a16="http://schemas.microsoft.com/office/drawing/2014/main" id="{9CDD0A07-C504-4B48-925A-F9A6BA21FB98}"/>
+                <a16:creationId xmlns:a16="http://schemas.microsoft.com/office/drawing/2014/main" xmlns="" id="{9CDD0A07-C504-4B48-925A-F9A6BA21FB98}"/>
               </a:ext>
             </a:extLst>
           </p:cNvPr>
@@ -12208,7 +12209,7 @@
           <p:cNvPr id="50" name="TextBox 49">
             <a:extLst>
               <a:ext uri="{FF2B5EF4-FFF2-40B4-BE49-F238E27FC236}">
-                <a16:creationId xmlns="" xmlns:a16="http://schemas.microsoft.com/office/drawing/2014/main" id="{A9ECA51C-C425-4946-BF9F-09407F2FBA4C}"/>
+                <a16:creationId xmlns:a16="http://schemas.microsoft.com/office/drawing/2014/main" xmlns="" id="{A9ECA51C-C425-4946-BF9F-09407F2FBA4C}"/>
               </a:ext>
             </a:extLst>
           </p:cNvPr>
@@ -12245,7 +12246,7 @@
           <p:cNvPr id="51" name="TextBox 50">
             <a:extLst>
               <a:ext uri="{FF2B5EF4-FFF2-40B4-BE49-F238E27FC236}">
-                <a16:creationId xmlns="" xmlns:a16="http://schemas.microsoft.com/office/drawing/2014/main" id="{55787D8D-9ED1-4999-A251-58AA218BB274}"/>
+                <a16:creationId xmlns:a16="http://schemas.microsoft.com/office/drawing/2014/main" xmlns="" id="{55787D8D-9ED1-4999-A251-58AA218BB274}"/>
               </a:ext>
             </a:extLst>
           </p:cNvPr>
@@ -12282,7 +12283,7 @@
           <p:cNvPr id="52" name="TextBox 51">
             <a:extLst>
               <a:ext uri="{FF2B5EF4-FFF2-40B4-BE49-F238E27FC236}">
-                <a16:creationId xmlns="" xmlns:a16="http://schemas.microsoft.com/office/drawing/2014/main" id="{7246F523-EC24-4694-AB85-D279B6B61AE7}"/>
+                <a16:creationId xmlns:a16="http://schemas.microsoft.com/office/drawing/2014/main" xmlns="" id="{7246F523-EC24-4694-AB85-D279B6B61AE7}"/>
               </a:ext>
             </a:extLst>
           </p:cNvPr>
@@ -12319,7 +12320,7 @@
           <p:cNvPr id="53" name="TextBox 52">
             <a:extLst>
               <a:ext uri="{FF2B5EF4-FFF2-40B4-BE49-F238E27FC236}">
-                <a16:creationId xmlns="" xmlns:a16="http://schemas.microsoft.com/office/drawing/2014/main" id="{37B73226-5AF4-417B-BB31-A3984DA358DA}"/>
+                <a16:creationId xmlns:a16="http://schemas.microsoft.com/office/drawing/2014/main" xmlns="" id="{37B73226-5AF4-417B-BB31-A3984DA358DA}"/>
               </a:ext>
             </a:extLst>
           </p:cNvPr>
@@ -12356,7 +12357,7 @@
           <p:cNvPr id="54" name="TextBox 53">
             <a:extLst>
               <a:ext uri="{FF2B5EF4-FFF2-40B4-BE49-F238E27FC236}">
-                <a16:creationId xmlns="" xmlns:a16="http://schemas.microsoft.com/office/drawing/2014/main" id="{785D348E-9980-4518-956E-53FAF8C0A198}"/>
+                <a16:creationId xmlns:a16="http://schemas.microsoft.com/office/drawing/2014/main" xmlns="" id="{785D348E-9980-4518-956E-53FAF8C0A198}"/>
               </a:ext>
             </a:extLst>
           </p:cNvPr>
@@ -12393,7 +12394,7 @@
           <p:cNvPr id="55" name="TextBox 54">
             <a:extLst>
               <a:ext uri="{FF2B5EF4-FFF2-40B4-BE49-F238E27FC236}">
-                <a16:creationId xmlns="" xmlns:a16="http://schemas.microsoft.com/office/drawing/2014/main" id="{0FDCA593-B62B-4F17-A809-EEA74578B5CC}"/>
+                <a16:creationId xmlns:a16="http://schemas.microsoft.com/office/drawing/2014/main" xmlns="" id="{0FDCA593-B62B-4F17-A809-EEA74578B5CC}"/>
               </a:ext>
             </a:extLst>
           </p:cNvPr>
@@ -12430,7 +12431,7 @@
           <p:cNvPr id="56" name="TextBox 55">
             <a:extLst>
               <a:ext uri="{FF2B5EF4-FFF2-40B4-BE49-F238E27FC236}">
-                <a16:creationId xmlns="" xmlns:a16="http://schemas.microsoft.com/office/drawing/2014/main" id="{FA7415B3-09A3-4F4A-90BE-D2862DCEC34A}"/>
+                <a16:creationId xmlns:a16="http://schemas.microsoft.com/office/drawing/2014/main" xmlns="" id="{FA7415B3-09A3-4F4A-90BE-D2862DCEC34A}"/>
               </a:ext>
             </a:extLst>
           </p:cNvPr>
@@ -12467,7 +12468,7 @@
           <p:cNvPr id="57" name="TextBox 56">
             <a:extLst>
               <a:ext uri="{FF2B5EF4-FFF2-40B4-BE49-F238E27FC236}">
-                <a16:creationId xmlns="" xmlns:a16="http://schemas.microsoft.com/office/drawing/2014/main" id="{00C4B18D-18C8-4A30-AD71-42EC99135D27}"/>
+                <a16:creationId xmlns:a16="http://schemas.microsoft.com/office/drawing/2014/main" xmlns="" id="{00C4B18D-18C8-4A30-AD71-42EC99135D27}"/>
               </a:ext>
             </a:extLst>
           </p:cNvPr>
@@ -12504,7 +12505,7 @@
           <p:cNvPr id="58" name="TextBox 57">
             <a:extLst>
               <a:ext uri="{FF2B5EF4-FFF2-40B4-BE49-F238E27FC236}">
-                <a16:creationId xmlns="" xmlns:a16="http://schemas.microsoft.com/office/drawing/2014/main" id="{D39CE8D5-65A0-4619-85EA-29EB83B11044}"/>
+                <a16:creationId xmlns:a16="http://schemas.microsoft.com/office/drawing/2014/main" xmlns="" id="{D39CE8D5-65A0-4619-85EA-29EB83B11044}"/>
               </a:ext>
             </a:extLst>
           </p:cNvPr>
@@ -12541,7 +12542,7 @@
           <p:cNvPr id="59" name="TextBox 58">
             <a:extLst>
               <a:ext uri="{FF2B5EF4-FFF2-40B4-BE49-F238E27FC236}">
-                <a16:creationId xmlns="" xmlns:a16="http://schemas.microsoft.com/office/drawing/2014/main" id="{61A1AAC2-E01E-4B68-9105-5902040CE611}"/>
+                <a16:creationId xmlns:a16="http://schemas.microsoft.com/office/drawing/2014/main" xmlns="" id="{61A1AAC2-E01E-4B68-9105-5902040CE611}"/>
               </a:ext>
             </a:extLst>
           </p:cNvPr>
@@ -12578,7 +12579,7 @@
           <p:cNvPr id="60" name="TextBox 59">
             <a:extLst>
               <a:ext uri="{FF2B5EF4-FFF2-40B4-BE49-F238E27FC236}">
-                <a16:creationId xmlns="" xmlns:a16="http://schemas.microsoft.com/office/drawing/2014/main" id="{ECDFC2DA-CC33-4844-8147-B9CFD9F1866A}"/>
+                <a16:creationId xmlns:a16="http://schemas.microsoft.com/office/drawing/2014/main" xmlns="" id="{ECDFC2DA-CC33-4844-8147-B9CFD9F1866A}"/>
               </a:ext>
             </a:extLst>
           </p:cNvPr>
@@ -12615,7 +12616,7 @@
           <p:cNvPr id="61" name="TextBox 60">
             <a:extLst>
               <a:ext uri="{FF2B5EF4-FFF2-40B4-BE49-F238E27FC236}">
-                <a16:creationId xmlns="" xmlns:a16="http://schemas.microsoft.com/office/drawing/2014/main" id="{95D8FD8B-B8B4-4B61-B289-3A7353D81078}"/>
+                <a16:creationId xmlns:a16="http://schemas.microsoft.com/office/drawing/2014/main" xmlns="" id="{95D8FD8B-B8B4-4B61-B289-3A7353D81078}"/>
               </a:ext>
             </a:extLst>
           </p:cNvPr>
@@ -12652,7 +12653,7 @@
           <p:cNvPr id="62" name="TextBox 61">
             <a:extLst>
               <a:ext uri="{FF2B5EF4-FFF2-40B4-BE49-F238E27FC236}">
-                <a16:creationId xmlns="" xmlns:a16="http://schemas.microsoft.com/office/drawing/2014/main" id="{B0314713-63C7-43FD-87B5-3FD8A8F977DC}"/>
+                <a16:creationId xmlns:a16="http://schemas.microsoft.com/office/drawing/2014/main" xmlns="" id="{B0314713-63C7-43FD-87B5-3FD8A8F977DC}"/>
               </a:ext>
             </a:extLst>
           </p:cNvPr>
@@ -12689,7 +12690,7 @@
           <p:cNvPr id="63" name="TextBox 62">
             <a:extLst>
               <a:ext uri="{FF2B5EF4-FFF2-40B4-BE49-F238E27FC236}">
-                <a16:creationId xmlns="" xmlns:a16="http://schemas.microsoft.com/office/drawing/2014/main" id="{F403DCF9-7C65-456B-BAFE-5DDACC83498C}"/>
+                <a16:creationId xmlns:a16="http://schemas.microsoft.com/office/drawing/2014/main" xmlns="" id="{F403DCF9-7C65-456B-BAFE-5DDACC83498C}"/>
               </a:ext>
             </a:extLst>
           </p:cNvPr>
@@ -12726,7 +12727,7 @@
           <p:cNvPr id="64" name="TextBox 63">
             <a:extLst>
               <a:ext uri="{FF2B5EF4-FFF2-40B4-BE49-F238E27FC236}">
-                <a16:creationId xmlns="" xmlns:a16="http://schemas.microsoft.com/office/drawing/2014/main" id="{932BD6CE-AFB2-4528-9C4A-863BDDAE8122}"/>
+                <a16:creationId xmlns:a16="http://schemas.microsoft.com/office/drawing/2014/main" xmlns="" id="{932BD6CE-AFB2-4528-9C4A-863BDDAE8122}"/>
               </a:ext>
             </a:extLst>
           </p:cNvPr>
@@ -12763,7 +12764,7 @@
           <p:cNvPr id="65" name="TextBox 64">
             <a:extLst>
               <a:ext uri="{FF2B5EF4-FFF2-40B4-BE49-F238E27FC236}">
-                <a16:creationId xmlns="" xmlns:a16="http://schemas.microsoft.com/office/drawing/2014/main" id="{3168B3D8-B14C-4711-941B-89D29183EF3C}"/>
+                <a16:creationId xmlns:a16="http://schemas.microsoft.com/office/drawing/2014/main" xmlns="" id="{3168B3D8-B14C-4711-941B-89D29183EF3C}"/>
               </a:ext>
             </a:extLst>
           </p:cNvPr>
@@ -12800,7 +12801,7 @@
           <p:cNvPr id="66" name="TextBox 65">
             <a:extLst>
               <a:ext uri="{FF2B5EF4-FFF2-40B4-BE49-F238E27FC236}">
-                <a16:creationId xmlns="" xmlns:a16="http://schemas.microsoft.com/office/drawing/2014/main" id="{5A6AB1F3-6B70-4C2D-B1CB-4E98B378EB7D}"/>
+                <a16:creationId xmlns:a16="http://schemas.microsoft.com/office/drawing/2014/main" xmlns="" id="{5A6AB1F3-6B70-4C2D-B1CB-4E98B378EB7D}"/>
               </a:ext>
             </a:extLst>
           </p:cNvPr>
@@ -12837,7 +12838,7 @@
           <p:cNvPr id="67" name="TextBox 66">
             <a:extLst>
               <a:ext uri="{FF2B5EF4-FFF2-40B4-BE49-F238E27FC236}">
-                <a16:creationId xmlns="" xmlns:a16="http://schemas.microsoft.com/office/drawing/2014/main" id="{F103C784-26E5-4FBC-A0B3-73FF0422AEEE}"/>
+                <a16:creationId xmlns:a16="http://schemas.microsoft.com/office/drawing/2014/main" xmlns="" id="{F103C784-26E5-4FBC-A0B3-73FF0422AEEE}"/>
               </a:ext>
             </a:extLst>
           </p:cNvPr>
@@ -12874,7 +12875,7 @@
           <p:cNvPr id="5" name="직선 연결선 4">
             <a:extLst>
               <a:ext uri="{FF2B5EF4-FFF2-40B4-BE49-F238E27FC236}">
-                <a16:creationId xmlns="" xmlns:a16="http://schemas.microsoft.com/office/drawing/2014/main" id="{C5C227FC-0406-44E9-9AC9-6A81FF50E9AB}"/>
+                <a16:creationId xmlns:a16="http://schemas.microsoft.com/office/drawing/2014/main" xmlns="" id="{C5C227FC-0406-44E9-9AC9-6A81FF50E9AB}"/>
               </a:ext>
             </a:extLst>
           </p:cNvPr>
@@ -12915,7 +12916,7 @@
           <p:cNvPr id="68" name="직선 연결선 67">
             <a:extLst>
               <a:ext uri="{FF2B5EF4-FFF2-40B4-BE49-F238E27FC236}">
-                <a16:creationId xmlns="" xmlns:a16="http://schemas.microsoft.com/office/drawing/2014/main" id="{21D8B38D-0F89-4873-9971-35606AA85404}"/>
+                <a16:creationId xmlns:a16="http://schemas.microsoft.com/office/drawing/2014/main" xmlns="" id="{21D8B38D-0F89-4873-9971-35606AA85404}"/>
               </a:ext>
             </a:extLst>
           </p:cNvPr>
@@ -12958,7 +12959,7 @@
           <p:cNvPr id="69" name="직선 연결선 68">
             <a:extLst>
               <a:ext uri="{FF2B5EF4-FFF2-40B4-BE49-F238E27FC236}">
-                <a16:creationId xmlns="" xmlns:a16="http://schemas.microsoft.com/office/drawing/2014/main" id="{3260DB80-3E3F-4E14-9BC0-EBB89FD55910}"/>
+                <a16:creationId xmlns:a16="http://schemas.microsoft.com/office/drawing/2014/main" xmlns="" id="{3260DB80-3E3F-4E14-9BC0-EBB89FD55910}"/>
               </a:ext>
             </a:extLst>
           </p:cNvPr>
@@ -13001,7 +13002,7 @@
           <p:cNvPr id="70" name="직선 연결선 69">
             <a:extLst>
               <a:ext uri="{FF2B5EF4-FFF2-40B4-BE49-F238E27FC236}">
-                <a16:creationId xmlns="" xmlns:a16="http://schemas.microsoft.com/office/drawing/2014/main" id="{0DAA53C9-6D2D-46A8-95EF-11AF58708348}"/>
+                <a16:creationId xmlns:a16="http://schemas.microsoft.com/office/drawing/2014/main" xmlns="" id="{0DAA53C9-6D2D-46A8-95EF-11AF58708348}"/>
               </a:ext>
             </a:extLst>
           </p:cNvPr>
@@ -13044,7 +13045,7 @@
           <p:cNvPr id="71" name="직선 연결선 70">
             <a:extLst>
               <a:ext uri="{FF2B5EF4-FFF2-40B4-BE49-F238E27FC236}">
-                <a16:creationId xmlns="" xmlns:a16="http://schemas.microsoft.com/office/drawing/2014/main" id="{7C989169-C91E-457F-8BE3-1BDDF19064DF}"/>
+                <a16:creationId xmlns:a16="http://schemas.microsoft.com/office/drawing/2014/main" xmlns="" id="{7C989169-C91E-457F-8BE3-1BDDF19064DF}"/>
               </a:ext>
             </a:extLst>
           </p:cNvPr>
@@ -13087,7 +13088,7 @@
           <p:cNvPr id="25" name="직선 연결선 24">
             <a:extLst>
               <a:ext uri="{FF2B5EF4-FFF2-40B4-BE49-F238E27FC236}">
-                <a16:creationId xmlns="" xmlns:a16="http://schemas.microsoft.com/office/drawing/2014/main" id="{3F4DB0AE-5C3A-4C4A-B9E8-41FEE24DBA39}"/>
+                <a16:creationId xmlns:a16="http://schemas.microsoft.com/office/drawing/2014/main" xmlns="" id="{3F4DB0AE-5C3A-4C4A-B9E8-41FEE24DBA39}"/>
               </a:ext>
             </a:extLst>
           </p:cNvPr>
@@ -13128,7 +13129,7 @@
           <p:cNvPr id="37" name="직선 연결선 36">
             <a:extLst>
               <a:ext uri="{FF2B5EF4-FFF2-40B4-BE49-F238E27FC236}">
-                <a16:creationId xmlns="" xmlns:a16="http://schemas.microsoft.com/office/drawing/2014/main" id="{D1CAE60B-2256-4113-BE19-C82C193F9394}"/>
+                <a16:creationId xmlns:a16="http://schemas.microsoft.com/office/drawing/2014/main" xmlns="" id="{D1CAE60B-2256-4113-BE19-C82C193F9394}"/>
               </a:ext>
             </a:extLst>
           </p:cNvPr>
@@ -13169,7 +13170,7 @@
           <p:cNvPr id="72" name="직선 연결선 71">
             <a:extLst>
               <a:ext uri="{FF2B5EF4-FFF2-40B4-BE49-F238E27FC236}">
-                <a16:creationId xmlns="" xmlns:a16="http://schemas.microsoft.com/office/drawing/2014/main" id="{61EF895A-63F5-42E2-AAF4-B1E7EB9BDD3C}"/>
+                <a16:creationId xmlns:a16="http://schemas.microsoft.com/office/drawing/2014/main" xmlns="" id="{61EF895A-63F5-42E2-AAF4-B1E7EB9BDD3C}"/>
               </a:ext>
             </a:extLst>
           </p:cNvPr>
@@ -13210,7 +13211,7 @@
           <p:cNvPr id="75" name="직선 연결선 74">
             <a:extLst>
               <a:ext uri="{FF2B5EF4-FFF2-40B4-BE49-F238E27FC236}">
-                <a16:creationId xmlns="" xmlns:a16="http://schemas.microsoft.com/office/drawing/2014/main" id="{E623654B-1E62-483B-B35C-1E335D6A9058}"/>
+                <a16:creationId xmlns:a16="http://schemas.microsoft.com/office/drawing/2014/main" xmlns="" id="{E623654B-1E62-483B-B35C-1E335D6A9058}"/>
               </a:ext>
             </a:extLst>
           </p:cNvPr>
@@ -13251,7 +13252,7 @@
           <p:cNvPr id="78" name="타원 77">
             <a:extLst>
               <a:ext uri="{FF2B5EF4-FFF2-40B4-BE49-F238E27FC236}">
-                <a16:creationId xmlns="" xmlns:a16="http://schemas.microsoft.com/office/drawing/2014/main" id="{E467CE54-DB05-4418-95A6-30E2DA187633}"/>
+                <a16:creationId xmlns:a16="http://schemas.microsoft.com/office/drawing/2014/main" xmlns="" id="{E467CE54-DB05-4418-95A6-30E2DA187633}"/>
               </a:ext>
             </a:extLst>
           </p:cNvPr>
@@ -13303,7 +13304,7 @@
           <p:cNvPr id="79" name="타원 78">
             <a:extLst>
               <a:ext uri="{FF2B5EF4-FFF2-40B4-BE49-F238E27FC236}">
-                <a16:creationId xmlns="" xmlns:a16="http://schemas.microsoft.com/office/drawing/2014/main" id="{DD6595A0-469E-495E-823D-02D648D249A2}"/>
+                <a16:creationId xmlns:a16="http://schemas.microsoft.com/office/drawing/2014/main" xmlns="" id="{DD6595A0-469E-495E-823D-02D648D249A2}"/>
               </a:ext>
             </a:extLst>
           </p:cNvPr>
@@ -13355,7 +13356,7 @@
           <p:cNvPr id="80" name="타원 79">
             <a:extLst>
               <a:ext uri="{FF2B5EF4-FFF2-40B4-BE49-F238E27FC236}">
-                <a16:creationId xmlns="" xmlns:a16="http://schemas.microsoft.com/office/drawing/2014/main" id="{380A52DE-386E-466E-8CE1-478CE99269CF}"/>
+                <a16:creationId xmlns:a16="http://schemas.microsoft.com/office/drawing/2014/main" xmlns="" id="{380A52DE-386E-466E-8CE1-478CE99269CF}"/>
               </a:ext>
             </a:extLst>
           </p:cNvPr>
@@ -13407,7 +13408,7 @@
           <p:cNvPr id="81" name="타원 80">
             <a:extLst>
               <a:ext uri="{FF2B5EF4-FFF2-40B4-BE49-F238E27FC236}">
-                <a16:creationId xmlns="" xmlns:a16="http://schemas.microsoft.com/office/drawing/2014/main" id="{EB6628E6-B359-4CCF-A13D-CB76A165A1F3}"/>
+                <a16:creationId xmlns:a16="http://schemas.microsoft.com/office/drawing/2014/main" xmlns="" id="{EB6628E6-B359-4CCF-A13D-CB76A165A1F3}"/>
               </a:ext>
             </a:extLst>
           </p:cNvPr>
@@ -13459,7 +13460,7 @@
           <p:cNvPr id="82" name="타원 81">
             <a:extLst>
               <a:ext uri="{FF2B5EF4-FFF2-40B4-BE49-F238E27FC236}">
-                <a16:creationId xmlns="" xmlns:a16="http://schemas.microsoft.com/office/drawing/2014/main" id="{2CE6625E-AA47-4389-AF07-AB4A18EDD60B}"/>
+                <a16:creationId xmlns:a16="http://schemas.microsoft.com/office/drawing/2014/main" xmlns="" id="{2CE6625E-AA47-4389-AF07-AB4A18EDD60B}"/>
               </a:ext>
             </a:extLst>
           </p:cNvPr>
@@ -13511,7 +13512,7 @@
           <p:cNvPr id="76" name="타원 75">
             <a:extLst>
               <a:ext uri="{FF2B5EF4-FFF2-40B4-BE49-F238E27FC236}">
-                <a16:creationId xmlns="" xmlns:a16="http://schemas.microsoft.com/office/drawing/2014/main" id="{E467CE54-DB05-4418-95A6-30E2DA187633}"/>
+                <a16:creationId xmlns:a16="http://schemas.microsoft.com/office/drawing/2014/main" xmlns="" id="{E467CE54-DB05-4418-95A6-30E2DA187633}"/>
               </a:ext>
             </a:extLst>
           </p:cNvPr>
@@ -14079,6 +14080,100 @@
 </p:sld>
 </file>
 
+<file path=ppt/slides/slide6.xml><?xml version="1.0" encoding="utf-8"?>
+<p:sld xmlns:a="http://schemas.openxmlformats.org/drawingml/2006/main" xmlns:r="http://schemas.openxmlformats.org/officeDocument/2006/relationships" xmlns:p="http://schemas.openxmlformats.org/presentationml/2006/main">
+  <p:cSld>
+    <p:spTree>
+      <p:nvGrpSpPr>
+        <p:cNvPr id="1" name=""/>
+        <p:cNvGrpSpPr/>
+        <p:nvPr/>
+      </p:nvGrpSpPr>
+      <p:grpSpPr>
+        <a:xfrm>
+          <a:off x="0" y="0"/>
+          <a:ext cx="0" cy="0"/>
+          <a:chOff x="0" y="0"/>
+          <a:chExt cx="0" cy="0"/>
+        </a:xfrm>
+      </p:grpSpPr>
+      <p:pic>
+        <p:nvPicPr>
+          <p:cNvPr id="1026" name="Picture 2"/>
+          <p:cNvPicPr>
+            <a:picLocks noChangeAspect="1" noChangeArrowheads="1"/>
+          </p:cNvPicPr>
+          <p:nvPr/>
+        </p:nvPicPr>
+        <p:blipFill>
+          <a:blip r:embed="rId2">
+            <a:extLst>
+              <a:ext uri="{28A0092B-C50C-407E-A947-70E740481C1C}">
+                <a14:useLocalDpi xmlns:a14="http://schemas.microsoft.com/office/drawing/2010/main" val="0"/>
+              </a:ext>
+            </a:extLst>
+          </a:blip>
+          <a:srcRect/>
+          <a:stretch>
+            <a:fillRect/>
+          </a:stretch>
+        </p:blipFill>
+        <p:spPr bwMode="auto">
+          <a:xfrm>
+            <a:off x="3686175" y="2947988"/>
+            <a:ext cx="4819650" cy="962025"/>
+          </a:xfrm>
+          <a:prstGeom prst="rect">
+            <a:avLst/>
+          </a:prstGeom>
+          <a:noFill/>
+          <a:ln>
+            <a:noFill/>
+          </a:ln>
+          <a:effectLst/>
+          <a:extLst>
+            <a:ext uri="{909E8E84-426E-40DD-AFC4-6F175D3DCCD1}">
+              <a14:hiddenFill xmlns:a14="http://schemas.microsoft.com/office/drawing/2010/main">
+                <a:solidFill>
+                  <a:schemeClr val="accent1"/>
+                </a:solidFill>
+              </a14:hiddenFill>
+            </a:ext>
+            <a:ext uri="{91240B29-F687-4F45-9708-019B960494DF}">
+              <a14:hiddenLine xmlns:a14="http://schemas.microsoft.com/office/drawing/2010/main" w="9525">
+                <a:solidFill>
+                  <a:schemeClr val="tx1"/>
+                </a:solidFill>
+                <a:miter lim="800000"/>
+                <a:headEnd/>
+                <a:tailEnd/>
+              </a14:hiddenLine>
+            </a:ext>
+            <a:ext uri="{AF507438-7753-43E0-B8FC-AC1667EBCBE1}">
+              <a14:hiddenEffects xmlns:a14="http://schemas.microsoft.com/office/drawing/2010/main">
+                <a:effectLst>
+                  <a:outerShdw dist="35921" dir="2700000" algn="ctr" rotWithShape="0">
+                    <a:schemeClr val="bg2"/>
+                  </a:outerShdw>
+                </a:effectLst>
+              </a14:hiddenEffects>
+            </a:ext>
+          </a:extLst>
+        </p:spPr>
+      </p:pic>
+    </p:spTree>
+    <p:extLst>
+      <p:ext uri="{BB962C8B-B14F-4D97-AF65-F5344CB8AC3E}">
+        <p14:creationId xmlns:p14="http://schemas.microsoft.com/office/powerpoint/2010/main" val="4264460497"/>
+      </p:ext>
+    </p:extLst>
+  </p:cSld>
+  <p:clrMapOvr>
+    <a:masterClrMapping/>
+  </p:clrMapOvr>
+</p:sld>
+</file>
+
 <file path=ppt/theme/theme1.xml><?xml version="1.0" encoding="utf-8"?>
 <a:theme xmlns:a="http://schemas.openxmlformats.org/drawingml/2006/main" name="Office 테마">
   <a:themeElements>
@@ -14368,7 +14463,7 @@
   <a:extraClrSchemeLst/>
   <a:extLst>
     <a:ext uri="{05A4C25C-085E-4340-85A3-A5531E510DB2}">
-      <thm15:themeFamily xmlns="" xmlns:thm15="http://schemas.microsoft.com/office/thememl/2012/main" name="Office Theme" id="{62F939B6-93AF-4DB8-9C6B-D6C7DFDC589F}" vid="{4A3C46E8-61CC-4603-A589-7422A47A8E4A}"/>
+      <thm15:themeFamily xmlns:thm15="http://schemas.microsoft.com/office/thememl/2012/main" xmlns="" name="Office Theme" id="{62F939B6-93AF-4DB8-9C6B-D6C7DFDC589F}" vid="{4A3C46E8-61CC-4603-A589-7422A47A8E4A}"/>
     </a:ext>
   </a:extLst>
 </a:theme>

--- a/pics/2021-06-19-Gauss_elimination/pics.pptx
+++ b/pics/2021-06-19-Gauss_elimination/pics.pptx
@@ -111,7 +111,7 @@
   </p:defaultTextStyle>
   <p:extLst>
     <p:ext uri="{EFAFB233-063F-42B5-8137-9DF3F51BA10A}">
-      <p15:sldGuideLst xmlns:p15="http://schemas.microsoft.com/office/powerpoint/2012/main" xmlns=""/>
+      <p15:sldGuideLst xmlns="" xmlns:p15="http://schemas.microsoft.com/office/powerpoint/2012/main"/>
     </p:ext>
   </p:extLst>
 </p:presentation>
@@ -139,7 +139,7 @@
           <p:cNvPr id="2" name="제목 1">
             <a:extLst>
               <a:ext uri="{FF2B5EF4-FFF2-40B4-BE49-F238E27FC236}">
-                <a16:creationId xmlns:a16="http://schemas.microsoft.com/office/drawing/2014/main" xmlns="" id="{82FD9A84-23B0-4DDC-9F1E-E4507843FC7F}"/>
+                <a16:creationId xmlns="" xmlns:a16="http://schemas.microsoft.com/office/drawing/2014/main" id="{82FD9A84-23B0-4DDC-9F1E-E4507843FC7F}"/>
               </a:ext>
             </a:extLst>
           </p:cNvPr>
@@ -176,7 +176,7 @@
           <p:cNvPr id="3" name="부제목 2">
             <a:extLst>
               <a:ext uri="{FF2B5EF4-FFF2-40B4-BE49-F238E27FC236}">
-                <a16:creationId xmlns:a16="http://schemas.microsoft.com/office/drawing/2014/main" xmlns="" id="{CEE0360A-1042-442A-85A5-39F4AB809954}"/>
+                <a16:creationId xmlns="" xmlns:a16="http://schemas.microsoft.com/office/drawing/2014/main" id="{CEE0360A-1042-442A-85A5-39F4AB809954}"/>
               </a:ext>
             </a:extLst>
           </p:cNvPr>
@@ -246,7 +246,7 @@
           <p:cNvPr id="4" name="날짜 개체 틀 3">
             <a:extLst>
               <a:ext uri="{FF2B5EF4-FFF2-40B4-BE49-F238E27FC236}">
-                <a16:creationId xmlns:a16="http://schemas.microsoft.com/office/drawing/2014/main" xmlns="" id="{AD31096B-81DE-476D-AC4A-548AB37F258F}"/>
+                <a16:creationId xmlns="" xmlns:a16="http://schemas.microsoft.com/office/drawing/2014/main" id="{AD31096B-81DE-476D-AC4A-548AB37F258F}"/>
               </a:ext>
             </a:extLst>
           </p:cNvPr>
@@ -275,7 +275,7 @@
           <p:cNvPr id="5" name="바닥글 개체 틀 4">
             <a:extLst>
               <a:ext uri="{FF2B5EF4-FFF2-40B4-BE49-F238E27FC236}">
-                <a16:creationId xmlns:a16="http://schemas.microsoft.com/office/drawing/2014/main" xmlns="" id="{82F78726-B95D-4F08-9EA8-A509EC1CB9BC}"/>
+                <a16:creationId xmlns="" xmlns:a16="http://schemas.microsoft.com/office/drawing/2014/main" id="{82F78726-B95D-4F08-9EA8-A509EC1CB9BC}"/>
               </a:ext>
             </a:extLst>
           </p:cNvPr>
@@ -300,7 +300,7 @@
           <p:cNvPr id="6" name="슬라이드 번호 개체 틀 5">
             <a:extLst>
               <a:ext uri="{FF2B5EF4-FFF2-40B4-BE49-F238E27FC236}">
-                <a16:creationId xmlns:a16="http://schemas.microsoft.com/office/drawing/2014/main" xmlns="" id="{41620B87-BC61-4D76-B365-8D154DF1FF5D}"/>
+                <a16:creationId xmlns="" xmlns:a16="http://schemas.microsoft.com/office/drawing/2014/main" id="{41620B87-BC61-4D76-B365-8D154DF1FF5D}"/>
               </a:ext>
             </a:extLst>
           </p:cNvPr>
@@ -359,7 +359,7 @@
           <p:cNvPr id="2" name="제목 1">
             <a:extLst>
               <a:ext uri="{FF2B5EF4-FFF2-40B4-BE49-F238E27FC236}">
-                <a16:creationId xmlns:a16="http://schemas.microsoft.com/office/drawing/2014/main" xmlns="" id="{F092569F-A8E8-4D91-9958-46BF3E408308}"/>
+                <a16:creationId xmlns="" xmlns:a16="http://schemas.microsoft.com/office/drawing/2014/main" id="{F092569F-A8E8-4D91-9958-46BF3E408308}"/>
               </a:ext>
             </a:extLst>
           </p:cNvPr>
@@ -387,7 +387,7 @@
           <p:cNvPr id="3" name="세로 텍스트 개체 틀 2">
             <a:extLst>
               <a:ext uri="{FF2B5EF4-FFF2-40B4-BE49-F238E27FC236}">
-                <a16:creationId xmlns:a16="http://schemas.microsoft.com/office/drawing/2014/main" xmlns="" id="{306F85FF-E03A-454B-A5C4-19883EBF5C8E}"/>
+                <a16:creationId xmlns="" xmlns:a16="http://schemas.microsoft.com/office/drawing/2014/main" id="{306F85FF-E03A-454B-A5C4-19883EBF5C8E}"/>
               </a:ext>
             </a:extLst>
           </p:cNvPr>
@@ -444,7 +444,7 @@
           <p:cNvPr id="4" name="날짜 개체 틀 3">
             <a:extLst>
               <a:ext uri="{FF2B5EF4-FFF2-40B4-BE49-F238E27FC236}">
-                <a16:creationId xmlns:a16="http://schemas.microsoft.com/office/drawing/2014/main" xmlns="" id="{677FC95D-B651-4BE5-B429-C9DD9D1A6AD9}"/>
+                <a16:creationId xmlns="" xmlns:a16="http://schemas.microsoft.com/office/drawing/2014/main" id="{677FC95D-B651-4BE5-B429-C9DD9D1A6AD9}"/>
               </a:ext>
             </a:extLst>
           </p:cNvPr>
@@ -473,7 +473,7 @@
           <p:cNvPr id="5" name="바닥글 개체 틀 4">
             <a:extLst>
               <a:ext uri="{FF2B5EF4-FFF2-40B4-BE49-F238E27FC236}">
-                <a16:creationId xmlns:a16="http://schemas.microsoft.com/office/drawing/2014/main" xmlns="" id="{17B0A179-6D78-4EDE-9BFB-FD6B9E8605DE}"/>
+                <a16:creationId xmlns="" xmlns:a16="http://schemas.microsoft.com/office/drawing/2014/main" id="{17B0A179-6D78-4EDE-9BFB-FD6B9E8605DE}"/>
               </a:ext>
             </a:extLst>
           </p:cNvPr>
@@ -498,7 +498,7 @@
           <p:cNvPr id="6" name="슬라이드 번호 개체 틀 5">
             <a:extLst>
               <a:ext uri="{FF2B5EF4-FFF2-40B4-BE49-F238E27FC236}">
-                <a16:creationId xmlns:a16="http://schemas.microsoft.com/office/drawing/2014/main" xmlns="" id="{CCE1120A-CB2A-4FDB-9008-1730415D7E77}"/>
+                <a16:creationId xmlns="" xmlns:a16="http://schemas.microsoft.com/office/drawing/2014/main" id="{CCE1120A-CB2A-4FDB-9008-1730415D7E77}"/>
               </a:ext>
             </a:extLst>
           </p:cNvPr>
@@ -557,7 +557,7 @@
           <p:cNvPr id="2" name="세로 제목 1">
             <a:extLst>
               <a:ext uri="{FF2B5EF4-FFF2-40B4-BE49-F238E27FC236}">
-                <a16:creationId xmlns:a16="http://schemas.microsoft.com/office/drawing/2014/main" xmlns="" id="{713EE1BA-9FF3-4680-AA0E-7568F9F26CA3}"/>
+                <a16:creationId xmlns="" xmlns:a16="http://schemas.microsoft.com/office/drawing/2014/main" id="{713EE1BA-9FF3-4680-AA0E-7568F9F26CA3}"/>
               </a:ext>
             </a:extLst>
           </p:cNvPr>
@@ -590,7 +590,7 @@
           <p:cNvPr id="3" name="세로 텍스트 개체 틀 2">
             <a:extLst>
               <a:ext uri="{FF2B5EF4-FFF2-40B4-BE49-F238E27FC236}">
-                <a16:creationId xmlns:a16="http://schemas.microsoft.com/office/drawing/2014/main" xmlns="" id="{F06BF7C5-6051-47BB-BC1E-8723B08B58C8}"/>
+                <a16:creationId xmlns="" xmlns:a16="http://schemas.microsoft.com/office/drawing/2014/main" id="{F06BF7C5-6051-47BB-BC1E-8723B08B58C8}"/>
               </a:ext>
             </a:extLst>
           </p:cNvPr>
@@ -652,7 +652,7 @@
           <p:cNvPr id="4" name="날짜 개체 틀 3">
             <a:extLst>
               <a:ext uri="{FF2B5EF4-FFF2-40B4-BE49-F238E27FC236}">
-                <a16:creationId xmlns:a16="http://schemas.microsoft.com/office/drawing/2014/main" xmlns="" id="{2DF38F08-8E8B-440A-A721-A229FD5C42BD}"/>
+                <a16:creationId xmlns="" xmlns:a16="http://schemas.microsoft.com/office/drawing/2014/main" id="{2DF38F08-8E8B-440A-A721-A229FD5C42BD}"/>
               </a:ext>
             </a:extLst>
           </p:cNvPr>
@@ -681,7 +681,7 @@
           <p:cNvPr id="5" name="바닥글 개체 틀 4">
             <a:extLst>
               <a:ext uri="{FF2B5EF4-FFF2-40B4-BE49-F238E27FC236}">
-                <a16:creationId xmlns:a16="http://schemas.microsoft.com/office/drawing/2014/main" xmlns="" id="{A115BB80-9B7F-469A-9E7C-7E99844C3373}"/>
+                <a16:creationId xmlns="" xmlns:a16="http://schemas.microsoft.com/office/drawing/2014/main" id="{A115BB80-9B7F-469A-9E7C-7E99844C3373}"/>
               </a:ext>
             </a:extLst>
           </p:cNvPr>
@@ -706,7 +706,7 @@
           <p:cNvPr id="6" name="슬라이드 번호 개체 틀 5">
             <a:extLst>
               <a:ext uri="{FF2B5EF4-FFF2-40B4-BE49-F238E27FC236}">
-                <a16:creationId xmlns:a16="http://schemas.microsoft.com/office/drawing/2014/main" xmlns="" id="{247323E3-93F3-45E3-B0B4-2C3083B2BD5D}"/>
+                <a16:creationId xmlns="" xmlns:a16="http://schemas.microsoft.com/office/drawing/2014/main" id="{247323E3-93F3-45E3-B0B4-2C3083B2BD5D}"/>
               </a:ext>
             </a:extLst>
           </p:cNvPr>
@@ -765,7 +765,7 @@
           <p:cNvPr id="2" name="제목 1">
             <a:extLst>
               <a:ext uri="{FF2B5EF4-FFF2-40B4-BE49-F238E27FC236}">
-                <a16:creationId xmlns:a16="http://schemas.microsoft.com/office/drawing/2014/main" xmlns="" id="{542E9315-D97B-4790-900C-A3A31E9BCA3F}"/>
+                <a16:creationId xmlns="" xmlns:a16="http://schemas.microsoft.com/office/drawing/2014/main" id="{542E9315-D97B-4790-900C-A3A31E9BCA3F}"/>
               </a:ext>
             </a:extLst>
           </p:cNvPr>
@@ -793,7 +793,7 @@
           <p:cNvPr id="3" name="내용 개체 틀 2">
             <a:extLst>
               <a:ext uri="{FF2B5EF4-FFF2-40B4-BE49-F238E27FC236}">
-                <a16:creationId xmlns:a16="http://schemas.microsoft.com/office/drawing/2014/main" xmlns="" id="{064D2570-1793-4554-A583-2AE03EB9AA28}"/>
+                <a16:creationId xmlns="" xmlns:a16="http://schemas.microsoft.com/office/drawing/2014/main" id="{064D2570-1793-4554-A583-2AE03EB9AA28}"/>
               </a:ext>
             </a:extLst>
           </p:cNvPr>
@@ -850,7 +850,7 @@
           <p:cNvPr id="4" name="날짜 개체 틀 3">
             <a:extLst>
               <a:ext uri="{FF2B5EF4-FFF2-40B4-BE49-F238E27FC236}">
-                <a16:creationId xmlns:a16="http://schemas.microsoft.com/office/drawing/2014/main" xmlns="" id="{E234608A-0B5E-4FB3-8769-43CBB3139D17}"/>
+                <a16:creationId xmlns="" xmlns:a16="http://schemas.microsoft.com/office/drawing/2014/main" id="{E234608A-0B5E-4FB3-8769-43CBB3139D17}"/>
               </a:ext>
             </a:extLst>
           </p:cNvPr>
@@ -879,7 +879,7 @@
           <p:cNvPr id="5" name="바닥글 개체 틀 4">
             <a:extLst>
               <a:ext uri="{FF2B5EF4-FFF2-40B4-BE49-F238E27FC236}">
-                <a16:creationId xmlns:a16="http://schemas.microsoft.com/office/drawing/2014/main" xmlns="" id="{219BE070-83CD-4A1F-9006-D11B22B3805E}"/>
+                <a16:creationId xmlns="" xmlns:a16="http://schemas.microsoft.com/office/drawing/2014/main" id="{219BE070-83CD-4A1F-9006-D11B22B3805E}"/>
               </a:ext>
             </a:extLst>
           </p:cNvPr>
@@ -904,7 +904,7 @@
           <p:cNvPr id="6" name="슬라이드 번호 개체 틀 5">
             <a:extLst>
               <a:ext uri="{FF2B5EF4-FFF2-40B4-BE49-F238E27FC236}">
-                <a16:creationId xmlns:a16="http://schemas.microsoft.com/office/drawing/2014/main" xmlns="" id="{9E996741-6FA4-4ECD-B30F-2C88B1566259}"/>
+                <a16:creationId xmlns="" xmlns:a16="http://schemas.microsoft.com/office/drawing/2014/main" id="{9E996741-6FA4-4ECD-B30F-2C88B1566259}"/>
               </a:ext>
             </a:extLst>
           </p:cNvPr>
@@ -963,7 +963,7 @@
           <p:cNvPr id="2" name="제목 1">
             <a:extLst>
               <a:ext uri="{FF2B5EF4-FFF2-40B4-BE49-F238E27FC236}">
-                <a16:creationId xmlns:a16="http://schemas.microsoft.com/office/drawing/2014/main" xmlns="" id="{0209848F-ED0D-4CD1-BFAD-B84A6CBC7C26}"/>
+                <a16:creationId xmlns="" xmlns:a16="http://schemas.microsoft.com/office/drawing/2014/main" id="{0209848F-ED0D-4CD1-BFAD-B84A6CBC7C26}"/>
               </a:ext>
             </a:extLst>
           </p:cNvPr>
@@ -1000,7 +1000,7 @@
           <p:cNvPr id="3" name="텍스트 개체 틀 2">
             <a:extLst>
               <a:ext uri="{FF2B5EF4-FFF2-40B4-BE49-F238E27FC236}">
-                <a16:creationId xmlns:a16="http://schemas.microsoft.com/office/drawing/2014/main" xmlns="" id="{F8648BDA-D60E-490D-BAC6-13D7D8737F92}"/>
+                <a16:creationId xmlns="" xmlns:a16="http://schemas.microsoft.com/office/drawing/2014/main" id="{F8648BDA-D60E-490D-BAC6-13D7D8737F92}"/>
               </a:ext>
             </a:extLst>
           </p:cNvPr>
@@ -1125,7 +1125,7 @@
           <p:cNvPr id="4" name="날짜 개체 틀 3">
             <a:extLst>
               <a:ext uri="{FF2B5EF4-FFF2-40B4-BE49-F238E27FC236}">
-                <a16:creationId xmlns:a16="http://schemas.microsoft.com/office/drawing/2014/main" xmlns="" id="{194813D0-14E8-4168-A592-047383F27B22}"/>
+                <a16:creationId xmlns="" xmlns:a16="http://schemas.microsoft.com/office/drawing/2014/main" id="{194813D0-14E8-4168-A592-047383F27B22}"/>
               </a:ext>
             </a:extLst>
           </p:cNvPr>
@@ -1154,7 +1154,7 @@
           <p:cNvPr id="5" name="바닥글 개체 틀 4">
             <a:extLst>
               <a:ext uri="{FF2B5EF4-FFF2-40B4-BE49-F238E27FC236}">
-                <a16:creationId xmlns:a16="http://schemas.microsoft.com/office/drawing/2014/main" xmlns="" id="{E5F219B1-1116-4FDC-BF3E-B4A02B5CD1C2}"/>
+                <a16:creationId xmlns="" xmlns:a16="http://schemas.microsoft.com/office/drawing/2014/main" id="{E5F219B1-1116-4FDC-BF3E-B4A02B5CD1C2}"/>
               </a:ext>
             </a:extLst>
           </p:cNvPr>
@@ -1179,7 +1179,7 @@
           <p:cNvPr id="6" name="슬라이드 번호 개체 틀 5">
             <a:extLst>
               <a:ext uri="{FF2B5EF4-FFF2-40B4-BE49-F238E27FC236}">
-                <a16:creationId xmlns:a16="http://schemas.microsoft.com/office/drawing/2014/main" xmlns="" id="{673B3113-B1B8-48EA-B2B4-BB9616B0ECB6}"/>
+                <a16:creationId xmlns="" xmlns:a16="http://schemas.microsoft.com/office/drawing/2014/main" id="{673B3113-B1B8-48EA-B2B4-BB9616B0ECB6}"/>
               </a:ext>
             </a:extLst>
           </p:cNvPr>
@@ -1238,7 +1238,7 @@
           <p:cNvPr id="2" name="제목 1">
             <a:extLst>
               <a:ext uri="{FF2B5EF4-FFF2-40B4-BE49-F238E27FC236}">
-                <a16:creationId xmlns:a16="http://schemas.microsoft.com/office/drawing/2014/main" xmlns="" id="{5CC783B0-E58E-45E3-A956-71DDD1DEA916}"/>
+                <a16:creationId xmlns="" xmlns:a16="http://schemas.microsoft.com/office/drawing/2014/main" id="{5CC783B0-E58E-45E3-A956-71DDD1DEA916}"/>
               </a:ext>
             </a:extLst>
           </p:cNvPr>
@@ -1266,7 +1266,7 @@
           <p:cNvPr id="3" name="내용 개체 틀 2">
             <a:extLst>
               <a:ext uri="{FF2B5EF4-FFF2-40B4-BE49-F238E27FC236}">
-                <a16:creationId xmlns:a16="http://schemas.microsoft.com/office/drawing/2014/main" xmlns="" id="{E4B67569-DC9E-4BE2-813C-9F9E6B4178A6}"/>
+                <a16:creationId xmlns="" xmlns:a16="http://schemas.microsoft.com/office/drawing/2014/main" id="{E4B67569-DC9E-4BE2-813C-9F9E6B4178A6}"/>
               </a:ext>
             </a:extLst>
           </p:cNvPr>
@@ -1328,7 +1328,7 @@
           <p:cNvPr id="4" name="내용 개체 틀 3">
             <a:extLst>
               <a:ext uri="{FF2B5EF4-FFF2-40B4-BE49-F238E27FC236}">
-                <a16:creationId xmlns:a16="http://schemas.microsoft.com/office/drawing/2014/main" xmlns="" id="{ED021C7A-2BCA-42A1-9CF3-8B6B5C4D1757}"/>
+                <a16:creationId xmlns="" xmlns:a16="http://schemas.microsoft.com/office/drawing/2014/main" id="{ED021C7A-2BCA-42A1-9CF3-8B6B5C4D1757}"/>
               </a:ext>
             </a:extLst>
           </p:cNvPr>
@@ -1390,7 +1390,7 @@
           <p:cNvPr id="5" name="날짜 개체 틀 4">
             <a:extLst>
               <a:ext uri="{FF2B5EF4-FFF2-40B4-BE49-F238E27FC236}">
-                <a16:creationId xmlns:a16="http://schemas.microsoft.com/office/drawing/2014/main" xmlns="" id="{B874C3BA-9EDD-45E8-B90F-D6710AD56966}"/>
+                <a16:creationId xmlns="" xmlns:a16="http://schemas.microsoft.com/office/drawing/2014/main" id="{B874C3BA-9EDD-45E8-B90F-D6710AD56966}"/>
               </a:ext>
             </a:extLst>
           </p:cNvPr>
@@ -1419,7 +1419,7 @@
           <p:cNvPr id="6" name="바닥글 개체 틀 5">
             <a:extLst>
               <a:ext uri="{FF2B5EF4-FFF2-40B4-BE49-F238E27FC236}">
-                <a16:creationId xmlns:a16="http://schemas.microsoft.com/office/drawing/2014/main" xmlns="" id="{89D6A7A6-B6D3-4334-A4F6-4CAD144CEBC1}"/>
+                <a16:creationId xmlns="" xmlns:a16="http://schemas.microsoft.com/office/drawing/2014/main" id="{89D6A7A6-B6D3-4334-A4F6-4CAD144CEBC1}"/>
               </a:ext>
             </a:extLst>
           </p:cNvPr>
@@ -1444,7 +1444,7 @@
           <p:cNvPr id="7" name="슬라이드 번호 개체 틀 6">
             <a:extLst>
               <a:ext uri="{FF2B5EF4-FFF2-40B4-BE49-F238E27FC236}">
-                <a16:creationId xmlns:a16="http://schemas.microsoft.com/office/drawing/2014/main" xmlns="" id="{07D6CC4E-156B-4F4A-8806-33D280BA21A4}"/>
+                <a16:creationId xmlns="" xmlns:a16="http://schemas.microsoft.com/office/drawing/2014/main" id="{07D6CC4E-156B-4F4A-8806-33D280BA21A4}"/>
               </a:ext>
             </a:extLst>
           </p:cNvPr>
@@ -1503,7 +1503,7 @@
           <p:cNvPr id="2" name="제목 1">
             <a:extLst>
               <a:ext uri="{FF2B5EF4-FFF2-40B4-BE49-F238E27FC236}">
-                <a16:creationId xmlns:a16="http://schemas.microsoft.com/office/drawing/2014/main" xmlns="" id="{002E2470-6192-444B-A3B0-95C61C230D23}"/>
+                <a16:creationId xmlns="" xmlns:a16="http://schemas.microsoft.com/office/drawing/2014/main" id="{002E2470-6192-444B-A3B0-95C61C230D23}"/>
               </a:ext>
             </a:extLst>
           </p:cNvPr>
@@ -1536,7 +1536,7 @@
           <p:cNvPr id="3" name="텍스트 개체 틀 2">
             <a:extLst>
               <a:ext uri="{FF2B5EF4-FFF2-40B4-BE49-F238E27FC236}">
-                <a16:creationId xmlns:a16="http://schemas.microsoft.com/office/drawing/2014/main" xmlns="" id="{232C3042-B39A-4154-80D5-44979CC1897B}"/>
+                <a16:creationId xmlns="" xmlns:a16="http://schemas.microsoft.com/office/drawing/2014/main" id="{232C3042-B39A-4154-80D5-44979CC1897B}"/>
               </a:ext>
             </a:extLst>
           </p:cNvPr>
@@ -1607,7 +1607,7 @@
           <p:cNvPr id="4" name="내용 개체 틀 3">
             <a:extLst>
               <a:ext uri="{FF2B5EF4-FFF2-40B4-BE49-F238E27FC236}">
-                <a16:creationId xmlns:a16="http://schemas.microsoft.com/office/drawing/2014/main" xmlns="" id="{177A3D28-E61D-4637-9523-5AE51910C79E}"/>
+                <a16:creationId xmlns="" xmlns:a16="http://schemas.microsoft.com/office/drawing/2014/main" id="{177A3D28-E61D-4637-9523-5AE51910C79E}"/>
               </a:ext>
             </a:extLst>
           </p:cNvPr>
@@ -1669,7 +1669,7 @@
           <p:cNvPr id="5" name="텍스트 개체 틀 4">
             <a:extLst>
               <a:ext uri="{FF2B5EF4-FFF2-40B4-BE49-F238E27FC236}">
-                <a16:creationId xmlns:a16="http://schemas.microsoft.com/office/drawing/2014/main" xmlns="" id="{3B4CB177-8D51-466E-94D3-B942E6BDCAF1}"/>
+                <a16:creationId xmlns="" xmlns:a16="http://schemas.microsoft.com/office/drawing/2014/main" id="{3B4CB177-8D51-466E-94D3-B942E6BDCAF1}"/>
               </a:ext>
             </a:extLst>
           </p:cNvPr>
@@ -1740,7 +1740,7 @@
           <p:cNvPr id="6" name="내용 개체 틀 5">
             <a:extLst>
               <a:ext uri="{FF2B5EF4-FFF2-40B4-BE49-F238E27FC236}">
-                <a16:creationId xmlns:a16="http://schemas.microsoft.com/office/drawing/2014/main" xmlns="" id="{FCC27AE7-F123-4093-8D55-B1E7D886BAAE}"/>
+                <a16:creationId xmlns="" xmlns:a16="http://schemas.microsoft.com/office/drawing/2014/main" id="{FCC27AE7-F123-4093-8D55-B1E7D886BAAE}"/>
               </a:ext>
             </a:extLst>
           </p:cNvPr>
@@ -1802,7 +1802,7 @@
           <p:cNvPr id="7" name="날짜 개체 틀 6">
             <a:extLst>
               <a:ext uri="{FF2B5EF4-FFF2-40B4-BE49-F238E27FC236}">
-                <a16:creationId xmlns:a16="http://schemas.microsoft.com/office/drawing/2014/main" xmlns="" id="{4EF5F44B-4B10-4CE4-84DF-61CB982F46C4}"/>
+                <a16:creationId xmlns="" xmlns:a16="http://schemas.microsoft.com/office/drawing/2014/main" id="{4EF5F44B-4B10-4CE4-84DF-61CB982F46C4}"/>
               </a:ext>
             </a:extLst>
           </p:cNvPr>
@@ -1831,7 +1831,7 @@
           <p:cNvPr id="8" name="바닥글 개체 틀 7">
             <a:extLst>
               <a:ext uri="{FF2B5EF4-FFF2-40B4-BE49-F238E27FC236}">
-                <a16:creationId xmlns:a16="http://schemas.microsoft.com/office/drawing/2014/main" xmlns="" id="{985E034B-E71B-4030-9EFD-A4747CD80D8E}"/>
+                <a16:creationId xmlns="" xmlns:a16="http://schemas.microsoft.com/office/drawing/2014/main" id="{985E034B-E71B-4030-9EFD-A4747CD80D8E}"/>
               </a:ext>
             </a:extLst>
           </p:cNvPr>
@@ -1856,7 +1856,7 @@
           <p:cNvPr id="9" name="슬라이드 번호 개체 틀 8">
             <a:extLst>
               <a:ext uri="{FF2B5EF4-FFF2-40B4-BE49-F238E27FC236}">
-                <a16:creationId xmlns:a16="http://schemas.microsoft.com/office/drawing/2014/main" xmlns="" id="{AB72CB64-E8EE-46AA-A128-255F121799A8}"/>
+                <a16:creationId xmlns="" xmlns:a16="http://schemas.microsoft.com/office/drawing/2014/main" id="{AB72CB64-E8EE-46AA-A128-255F121799A8}"/>
               </a:ext>
             </a:extLst>
           </p:cNvPr>
@@ -1915,7 +1915,7 @@
           <p:cNvPr id="2" name="제목 1">
             <a:extLst>
               <a:ext uri="{FF2B5EF4-FFF2-40B4-BE49-F238E27FC236}">
-                <a16:creationId xmlns:a16="http://schemas.microsoft.com/office/drawing/2014/main" xmlns="" id="{AEF8F40F-4397-4FDF-A5D5-88B4E3513C2B}"/>
+                <a16:creationId xmlns="" xmlns:a16="http://schemas.microsoft.com/office/drawing/2014/main" id="{AEF8F40F-4397-4FDF-A5D5-88B4E3513C2B}"/>
               </a:ext>
             </a:extLst>
           </p:cNvPr>
@@ -1943,7 +1943,7 @@
           <p:cNvPr id="3" name="날짜 개체 틀 2">
             <a:extLst>
               <a:ext uri="{FF2B5EF4-FFF2-40B4-BE49-F238E27FC236}">
-                <a16:creationId xmlns:a16="http://schemas.microsoft.com/office/drawing/2014/main" xmlns="" id="{EBB36E9A-9689-47BC-AA19-5BFB91C597BF}"/>
+                <a16:creationId xmlns="" xmlns:a16="http://schemas.microsoft.com/office/drawing/2014/main" id="{EBB36E9A-9689-47BC-AA19-5BFB91C597BF}"/>
               </a:ext>
             </a:extLst>
           </p:cNvPr>
@@ -1972,7 +1972,7 @@
           <p:cNvPr id="4" name="바닥글 개체 틀 3">
             <a:extLst>
               <a:ext uri="{FF2B5EF4-FFF2-40B4-BE49-F238E27FC236}">
-                <a16:creationId xmlns:a16="http://schemas.microsoft.com/office/drawing/2014/main" xmlns="" id="{16ED28E3-FA87-4DC6-BBF5-2523AE235996}"/>
+                <a16:creationId xmlns="" xmlns:a16="http://schemas.microsoft.com/office/drawing/2014/main" id="{16ED28E3-FA87-4DC6-BBF5-2523AE235996}"/>
               </a:ext>
             </a:extLst>
           </p:cNvPr>
@@ -1997,7 +1997,7 @@
           <p:cNvPr id="5" name="슬라이드 번호 개체 틀 4">
             <a:extLst>
               <a:ext uri="{FF2B5EF4-FFF2-40B4-BE49-F238E27FC236}">
-                <a16:creationId xmlns:a16="http://schemas.microsoft.com/office/drawing/2014/main" xmlns="" id="{7B5FFF4C-5230-4EE9-A873-C55D50A00E20}"/>
+                <a16:creationId xmlns="" xmlns:a16="http://schemas.microsoft.com/office/drawing/2014/main" id="{7B5FFF4C-5230-4EE9-A873-C55D50A00E20}"/>
               </a:ext>
             </a:extLst>
           </p:cNvPr>
@@ -2056,7 +2056,7 @@
           <p:cNvPr id="2" name="날짜 개체 틀 1">
             <a:extLst>
               <a:ext uri="{FF2B5EF4-FFF2-40B4-BE49-F238E27FC236}">
-                <a16:creationId xmlns:a16="http://schemas.microsoft.com/office/drawing/2014/main" xmlns="" id="{35F21E98-0C1F-41DE-94BD-D0A36AD2D29C}"/>
+                <a16:creationId xmlns="" xmlns:a16="http://schemas.microsoft.com/office/drawing/2014/main" id="{35F21E98-0C1F-41DE-94BD-D0A36AD2D29C}"/>
               </a:ext>
             </a:extLst>
           </p:cNvPr>
@@ -2085,7 +2085,7 @@
           <p:cNvPr id="3" name="바닥글 개체 틀 2">
             <a:extLst>
               <a:ext uri="{FF2B5EF4-FFF2-40B4-BE49-F238E27FC236}">
-                <a16:creationId xmlns:a16="http://schemas.microsoft.com/office/drawing/2014/main" xmlns="" id="{D120FB64-D602-4C0B-B949-F06FDF4440C7}"/>
+                <a16:creationId xmlns="" xmlns:a16="http://schemas.microsoft.com/office/drawing/2014/main" id="{D120FB64-D602-4C0B-B949-F06FDF4440C7}"/>
               </a:ext>
             </a:extLst>
           </p:cNvPr>
@@ -2110,7 +2110,7 @@
           <p:cNvPr id="4" name="슬라이드 번호 개체 틀 3">
             <a:extLst>
               <a:ext uri="{FF2B5EF4-FFF2-40B4-BE49-F238E27FC236}">
-                <a16:creationId xmlns:a16="http://schemas.microsoft.com/office/drawing/2014/main" xmlns="" id="{7034A2F1-467E-4E0F-80BF-14F0BD523EF3}"/>
+                <a16:creationId xmlns="" xmlns:a16="http://schemas.microsoft.com/office/drawing/2014/main" id="{7034A2F1-467E-4E0F-80BF-14F0BD523EF3}"/>
               </a:ext>
             </a:extLst>
           </p:cNvPr>
@@ -2169,7 +2169,7 @@
           <p:cNvPr id="2" name="제목 1">
             <a:extLst>
               <a:ext uri="{FF2B5EF4-FFF2-40B4-BE49-F238E27FC236}">
-                <a16:creationId xmlns:a16="http://schemas.microsoft.com/office/drawing/2014/main" xmlns="" id="{6016A49F-5A88-41A2-83FE-688E4FE2F7A2}"/>
+                <a16:creationId xmlns="" xmlns:a16="http://schemas.microsoft.com/office/drawing/2014/main" id="{6016A49F-5A88-41A2-83FE-688E4FE2F7A2}"/>
               </a:ext>
             </a:extLst>
           </p:cNvPr>
@@ -2206,7 +2206,7 @@
           <p:cNvPr id="3" name="내용 개체 틀 2">
             <a:extLst>
               <a:ext uri="{FF2B5EF4-FFF2-40B4-BE49-F238E27FC236}">
-                <a16:creationId xmlns:a16="http://schemas.microsoft.com/office/drawing/2014/main" xmlns="" id="{3949AC53-B2A8-4903-9A08-5539EF9A0A71}"/>
+                <a16:creationId xmlns="" xmlns:a16="http://schemas.microsoft.com/office/drawing/2014/main" id="{3949AC53-B2A8-4903-9A08-5539EF9A0A71}"/>
               </a:ext>
             </a:extLst>
           </p:cNvPr>
@@ -2296,7 +2296,7 @@
           <p:cNvPr id="4" name="텍스트 개체 틀 3">
             <a:extLst>
               <a:ext uri="{FF2B5EF4-FFF2-40B4-BE49-F238E27FC236}">
-                <a16:creationId xmlns:a16="http://schemas.microsoft.com/office/drawing/2014/main" xmlns="" id="{A5A2EE3C-01CD-46FF-B520-0CB0E9C792FD}"/>
+                <a16:creationId xmlns="" xmlns:a16="http://schemas.microsoft.com/office/drawing/2014/main" id="{A5A2EE3C-01CD-46FF-B520-0CB0E9C792FD}"/>
               </a:ext>
             </a:extLst>
           </p:cNvPr>
@@ -2367,7 +2367,7 @@
           <p:cNvPr id="5" name="날짜 개체 틀 4">
             <a:extLst>
               <a:ext uri="{FF2B5EF4-FFF2-40B4-BE49-F238E27FC236}">
-                <a16:creationId xmlns:a16="http://schemas.microsoft.com/office/drawing/2014/main" xmlns="" id="{4410F14A-0993-4DD0-AEC0-57479592E028}"/>
+                <a16:creationId xmlns="" xmlns:a16="http://schemas.microsoft.com/office/drawing/2014/main" id="{4410F14A-0993-4DD0-AEC0-57479592E028}"/>
               </a:ext>
             </a:extLst>
           </p:cNvPr>
@@ -2396,7 +2396,7 @@
           <p:cNvPr id="6" name="바닥글 개체 틀 5">
             <a:extLst>
               <a:ext uri="{FF2B5EF4-FFF2-40B4-BE49-F238E27FC236}">
-                <a16:creationId xmlns:a16="http://schemas.microsoft.com/office/drawing/2014/main" xmlns="" id="{87BFC81E-59B1-40AA-9EF8-39726CCBC8C6}"/>
+                <a16:creationId xmlns="" xmlns:a16="http://schemas.microsoft.com/office/drawing/2014/main" id="{87BFC81E-59B1-40AA-9EF8-39726CCBC8C6}"/>
               </a:ext>
             </a:extLst>
           </p:cNvPr>
@@ -2421,7 +2421,7 @@
           <p:cNvPr id="7" name="슬라이드 번호 개체 틀 6">
             <a:extLst>
               <a:ext uri="{FF2B5EF4-FFF2-40B4-BE49-F238E27FC236}">
-                <a16:creationId xmlns:a16="http://schemas.microsoft.com/office/drawing/2014/main" xmlns="" id="{BE224A03-62D7-4837-A9B9-502B3CFF0CA1}"/>
+                <a16:creationId xmlns="" xmlns:a16="http://schemas.microsoft.com/office/drawing/2014/main" id="{BE224A03-62D7-4837-A9B9-502B3CFF0CA1}"/>
               </a:ext>
             </a:extLst>
           </p:cNvPr>
@@ -2480,7 +2480,7 @@
           <p:cNvPr id="2" name="제목 1">
             <a:extLst>
               <a:ext uri="{FF2B5EF4-FFF2-40B4-BE49-F238E27FC236}">
-                <a16:creationId xmlns:a16="http://schemas.microsoft.com/office/drawing/2014/main" xmlns="" id="{6820D006-DADA-4E0F-85F6-2AE0BF5F9BD9}"/>
+                <a16:creationId xmlns="" xmlns:a16="http://schemas.microsoft.com/office/drawing/2014/main" id="{6820D006-DADA-4E0F-85F6-2AE0BF5F9BD9}"/>
               </a:ext>
             </a:extLst>
           </p:cNvPr>
@@ -2517,7 +2517,7 @@
           <p:cNvPr id="3" name="그림 개체 틀 2">
             <a:extLst>
               <a:ext uri="{FF2B5EF4-FFF2-40B4-BE49-F238E27FC236}">
-                <a16:creationId xmlns:a16="http://schemas.microsoft.com/office/drawing/2014/main" xmlns="" id="{15065FCD-F315-4F45-8B8F-C8AA9CFE7558}"/>
+                <a16:creationId xmlns="" xmlns:a16="http://schemas.microsoft.com/office/drawing/2014/main" id="{15065FCD-F315-4F45-8B8F-C8AA9CFE7558}"/>
               </a:ext>
             </a:extLst>
           </p:cNvPr>
@@ -2584,7 +2584,7 @@
           <p:cNvPr id="4" name="텍스트 개체 틀 3">
             <a:extLst>
               <a:ext uri="{FF2B5EF4-FFF2-40B4-BE49-F238E27FC236}">
-                <a16:creationId xmlns:a16="http://schemas.microsoft.com/office/drawing/2014/main" xmlns="" id="{0B2F3633-7591-4EE6-80E2-B6BE56D06676}"/>
+                <a16:creationId xmlns="" xmlns:a16="http://schemas.microsoft.com/office/drawing/2014/main" id="{0B2F3633-7591-4EE6-80E2-B6BE56D06676}"/>
               </a:ext>
             </a:extLst>
           </p:cNvPr>
@@ -2655,7 +2655,7 @@
           <p:cNvPr id="5" name="날짜 개체 틀 4">
             <a:extLst>
               <a:ext uri="{FF2B5EF4-FFF2-40B4-BE49-F238E27FC236}">
-                <a16:creationId xmlns:a16="http://schemas.microsoft.com/office/drawing/2014/main" xmlns="" id="{668B9296-C06C-4BB0-9161-9BC987F25CBA}"/>
+                <a16:creationId xmlns="" xmlns:a16="http://schemas.microsoft.com/office/drawing/2014/main" id="{668B9296-C06C-4BB0-9161-9BC987F25CBA}"/>
               </a:ext>
             </a:extLst>
           </p:cNvPr>
@@ -2684,7 +2684,7 @@
           <p:cNvPr id="6" name="바닥글 개체 틀 5">
             <a:extLst>
               <a:ext uri="{FF2B5EF4-FFF2-40B4-BE49-F238E27FC236}">
-                <a16:creationId xmlns:a16="http://schemas.microsoft.com/office/drawing/2014/main" xmlns="" id="{89C9091E-2431-40B4-9754-89A845C10572}"/>
+                <a16:creationId xmlns="" xmlns:a16="http://schemas.microsoft.com/office/drawing/2014/main" id="{89C9091E-2431-40B4-9754-89A845C10572}"/>
               </a:ext>
             </a:extLst>
           </p:cNvPr>
@@ -2709,7 +2709,7 @@
           <p:cNvPr id="7" name="슬라이드 번호 개체 틀 6">
             <a:extLst>
               <a:ext uri="{FF2B5EF4-FFF2-40B4-BE49-F238E27FC236}">
-                <a16:creationId xmlns:a16="http://schemas.microsoft.com/office/drawing/2014/main" xmlns="" id="{7D3BA3A0-7973-4D9A-B31A-D8A7EDE38D0E}"/>
+                <a16:creationId xmlns="" xmlns:a16="http://schemas.microsoft.com/office/drawing/2014/main" id="{7D3BA3A0-7973-4D9A-B31A-D8A7EDE38D0E}"/>
               </a:ext>
             </a:extLst>
           </p:cNvPr>
@@ -2773,7 +2773,7 @@
           <p:cNvPr id="2" name="제목 개체 틀 1">
             <a:extLst>
               <a:ext uri="{FF2B5EF4-FFF2-40B4-BE49-F238E27FC236}">
-                <a16:creationId xmlns:a16="http://schemas.microsoft.com/office/drawing/2014/main" xmlns="" id="{03CAFE74-71B2-43D6-B59D-BB06350B4F98}"/>
+                <a16:creationId xmlns="" xmlns:a16="http://schemas.microsoft.com/office/drawing/2014/main" id="{03CAFE74-71B2-43D6-B59D-BB06350B4F98}"/>
               </a:ext>
             </a:extLst>
           </p:cNvPr>
@@ -2811,7 +2811,7 @@
           <p:cNvPr id="3" name="텍스트 개체 틀 2">
             <a:extLst>
               <a:ext uri="{FF2B5EF4-FFF2-40B4-BE49-F238E27FC236}">
-                <a16:creationId xmlns:a16="http://schemas.microsoft.com/office/drawing/2014/main" xmlns="" id="{AC1CDCF7-B90A-48CC-B538-E403C1797D13}"/>
+                <a16:creationId xmlns="" xmlns:a16="http://schemas.microsoft.com/office/drawing/2014/main" id="{AC1CDCF7-B90A-48CC-B538-E403C1797D13}"/>
               </a:ext>
             </a:extLst>
           </p:cNvPr>
@@ -2878,7 +2878,7 @@
           <p:cNvPr id="4" name="날짜 개체 틀 3">
             <a:extLst>
               <a:ext uri="{FF2B5EF4-FFF2-40B4-BE49-F238E27FC236}">
-                <a16:creationId xmlns:a16="http://schemas.microsoft.com/office/drawing/2014/main" xmlns="" id="{65080B58-1334-4397-815E-53DC3EF258B1}"/>
+                <a16:creationId xmlns="" xmlns:a16="http://schemas.microsoft.com/office/drawing/2014/main" id="{65080B58-1334-4397-815E-53DC3EF258B1}"/>
               </a:ext>
             </a:extLst>
           </p:cNvPr>
@@ -2925,7 +2925,7 @@
           <p:cNvPr id="5" name="바닥글 개체 틀 4">
             <a:extLst>
               <a:ext uri="{FF2B5EF4-FFF2-40B4-BE49-F238E27FC236}">
-                <a16:creationId xmlns:a16="http://schemas.microsoft.com/office/drawing/2014/main" xmlns="" id="{A2171A12-EC13-4527-9F01-81CD24D4FE7F}"/>
+                <a16:creationId xmlns="" xmlns:a16="http://schemas.microsoft.com/office/drawing/2014/main" id="{A2171A12-EC13-4527-9F01-81CD24D4FE7F}"/>
               </a:ext>
             </a:extLst>
           </p:cNvPr>
@@ -2968,7 +2968,7 @@
           <p:cNvPr id="6" name="슬라이드 번호 개체 틀 5">
             <a:extLst>
               <a:ext uri="{FF2B5EF4-FFF2-40B4-BE49-F238E27FC236}">
-                <a16:creationId xmlns:a16="http://schemas.microsoft.com/office/drawing/2014/main" xmlns="" id="{F6C9E1DD-87D5-4A6A-94C2-588923E6386C}"/>
+                <a16:creationId xmlns="" xmlns:a16="http://schemas.microsoft.com/office/drawing/2014/main" id="{F6C9E1DD-87D5-4A6A-94C2-588923E6386C}"/>
               </a:ext>
             </a:extLst>
           </p:cNvPr>
@@ -3338,7 +3338,7 @@
               <p:cNvPr id="4" name="TextBox 3">
                 <a:extLst>
                   <a:ext uri="{FF2B5EF4-FFF2-40B4-BE49-F238E27FC236}">
-                    <a16:creationId xmlns:a16="http://schemas.microsoft.com/office/drawing/2014/main" xmlns="" id="{F34F46D6-FE84-46CE-A94E-97A1E2B0B647}"/>
+                    <a16:creationId xmlns="" xmlns:a16="http://schemas.microsoft.com/office/drawing/2014/main" id="{F34F46D6-FE84-46CE-A94E-97A1E2B0B647}"/>
                   </a:ext>
                 </a:extLst>
               </p:cNvPr>
@@ -3446,7 +3446,7 @@
               <p:cNvPr id="5" name="TextBox 4">
                 <a:extLst>
                   <a:ext uri="{FF2B5EF4-FFF2-40B4-BE49-F238E27FC236}">
-                    <a16:creationId xmlns:a16="http://schemas.microsoft.com/office/drawing/2014/main" xmlns="" id="{4B7F7B80-DA81-41D1-AB8E-BC560CA90E42}"/>
+                    <a16:creationId xmlns="" xmlns:a16="http://schemas.microsoft.com/office/drawing/2014/main" id="{4B7F7B80-DA81-41D1-AB8E-BC560CA90E42}"/>
                   </a:ext>
                 </a:extLst>
               </p:cNvPr>
@@ -4073,7 +4073,7 @@
               <p:cNvPr id="7" name="TextBox 6">
                 <a:extLst>
                   <a:ext uri="{FF2B5EF4-FFF2-40B4-BE49-F238E27FC236}">
-                    <a16:creationId xmlns:a16="http://schemas.microsoft.com/office/drawing/2014/main" xmlns="" id="{37B607A9-E2C5-45FB-9311-6A4CF92D2B7F}"/>
+                    <a16:creationId xmlns="" xmlns:a16="http://schemas.microsoft.com/office/drawing/2014/main" id="{37B607A9-E2C5-45FB-9311-6A4CF92D2B7F}"/>
                   </a:ext>
                 </a:extLst>
               </p:cNvPr>
@@ -4187,7 +4187,7 @@
               <p:cNvPr id="8" name="TextBox 7">
                 <a:extLst>
                   <a:ext uri="{FF2B5EF4-FFF2-40B4-BE49-F238E27FC236}">
-                    <a16:creationId xmlns:a16="http://schemas.microsoft.com/office/drawing/2014/main" xmlns="" id="{74A4CDE9-564D-4577-9B20-F6BE76B49A11}"/>
+                    <a16:creationId xmlns="" xmlns:a16="http://schemas.microsoft.com/office/drawing/2014/main" id="{74A4CDE9-564D-4577-9B20-F6BE76B49A11}"/>
                   </a:ext>
                 </a:extLst>
               </p:cNvPr>
@@ -4754,7 +4754,7 @@
               <p:cNvPr id="9" name="TextBox 8">
                 <a:extLst>
                   <a:ext uri="{FF2B5EF4-FFF2-40B4-BE49-F238E27FC236}">
-                    <a16:creationId xmlns:a16="http://schemas.microsoft.com/office/drawing/2014/main" xmlns="" id="{5ECA733F-061C-4EE8-8AF3-82841742D6E1}"/>
+                    <a16:creationId xmlns="" xmlns:a16="http://schemas.microsoft.com/office/drawing/2014/main" id="{5ECA733F-061C-4EE8-8AF3-82841742D6E1}"/>
                   </a:ext>
                 </a:extLst>
               </p:cNvPr>
@@ -5529,7 +5529,7 @@
           <p:cNvPr id="11" name="직사각형 10">
             <a:extLst>
               <a:ext uri="{FF2B5EF4-FFF2-40B4-BE49-F238E27FC236}">
-                <a16:creationId xmlns:a16="http://schemas.microsoft.com/office/drawing/2014/main" xmlns="" id="{EC07FC50-5869-434D-B327-BA5A06AD9846}"/>
+                <a16:creationId xmlns="" xmlns:a16="http://schemas.microsoft.com/office/drawing/2014/main" id="{EC07FC50-5869-434D-B327-BA5A06AD9846}"/>
               </a:ext>
             </a:extLst>
           </p:cNvPr>
@@ -5581,7 +5581,7 @@
           <p:cNvPr id="12" name="직사각형 11">
             <a:extLst>
               <a:ext uri="{FF2B5EF4-FFF2-40B4-BE49-F238E27FC236}">
-                <a16:creationId xmlns:a16="http://schemas.microsoft.com/office/drawing/2014/main" xmlns="" id="{2985F8F7-35F1-4E55-A515-D79AEDF5390D}"/>
+                <a16:creationId xmlns="" xmlns:a16="http://schemas.microsoft.com/office/drawing/2014/main" id="{2985F8F7-35F1-4E55-A515-D79AEDF5390D}"/>
               </a:ext>
             </a:extLst>
           </p:cNvPr>
@@ -5633,7 +5633,7 @@
           <p:cNvPr id="13" name="직사각형 12">
             <a:extLst>
               <a:ext uri="{FF2B5EF4-FFF2-40B4-BE49-F238E27FC236}">
-                <a16:creationId xmlns:a16="http://schemas.microsoft.com/office/drawing/2014/main" xmlns="" id="{EC6677BE-F9DC-4204-94B2-CF9876300807}"/>
+                <a16:creationId xmlns="" xmlns:a16="http://schemas.microsoft.com/office/drawing/2014/main" id="{EC6677BE-F9DC-4204-94B2-CF9876300807}"/>
               </a:ext>
             </a:extLst>
           </p:cNvPr>
@@ -5685,7 +5685,7 @@
           <p:cNvPr id="15" name="연결선: 꺾임 14">
             <a:extLst>
               <a:ext uri="{FF2B5EF4-FFF2-40B4-BE49-F238E27FC236}">
-                <a16:creationId xmlns:a16="http://schemas.microsoft.com/office/drawing/2014/main" xmlns="" id="{5BF2169F-BCBB-4B4D-86D9-EF1F48FDA2DB}"/>
+                <a16:creationId xmlns="" xmlns:a16="http://schemas.microsoft.com/office/drawing/2014/main" id="{5BF2169F-BCBB-4B4D-86D9-EF1F48FDA2DB}"/>
               </a:ext>
             </a:extLst>
           </p:cNvPr>
@@ -5730,7 +5730,7 @@
           <p:cNvPr id="16" name="연결선: 꺾임 15">
             <a:extLst>
               <a:ext uri="{FF2B5EF4-FFF2-40B4-BE49-F238E27FC236}">
-                <a16:creationId xmlns:a16="http://schemas.microsoft.com/office/drawing/2014/main" xmlns="" id="{08DAF2D8-3CC9-484C-9F5D-3AFC6F51A9EB}"/>
+                <a16:creationId xmlns="" xmlns:a16="http://schemas.microsoft.com/office/drawing/2014/main" id="{08DAF2D8-3CC9-484C-9F5D-3AFC6F51A9EB}"/>
               </a:ext>
             </a:extLst>
           </p:cNvPr>
@@ -5775,7 +5775,7 @@
           <p:cNvPr id="22" name="직선 화살표 연결선 21">
             <a:extLst>
               <a:ext uri="{FF2B5EF4-FFF2-40B4-BE49-F238E27FC236}">
-                <a16:creationId xmlns:a16="http://schemas.microsoft.com/office/drawing/2014/main" xmlns="" id="{BAAAC0B8-DD48-4B1B-A5CF-7F66ACB4A93B}"/>
+                <a16:creationId xmlns="" xmlns:a16="http://schemas.microsoft.com/office/drawing/2014/main" id="{BAAAC0B8-DD48-4B1B-A5CF-7F66ACB4A93B}"/>
               </a:ext>
             </a:extLst>
           </p:cNvPr>
@@ -5821,7 +5821,7 @@
           <p:cNvPr id="23" name="TextBox 22">
             <a:extLst>
               <a:ext uri="{FF2B5EF4-FFF2-40B4-BE49-F238E27FC236}">
-                <a16:creationId xmlns:a16="http://schemas.microsoft.com/office/drawing/2014/main" xmlns="" id="{A6BCFE26-2DA0-4D5A-B7C6-79668BCF3812}"/>
+                <a16:creationId xmlns="" xmlns:a16="http://schemas.microsoft.com/office/drawing/2014/main" id="{A6BCFE26-2DA0-4D5A-B7C6-79668BCF3812}"/>
               </a:ext>
             </a:extLst>
           </p:cNvPr>
@@ -5910,7 +5910,7 @@
           <p:cNvPr id="6" name="직선 연결선 5">
             <a:extLst>
               <a:ext uri="{FF2B5EF4-FFF2-40B4-BE49-F238E27FC236}">
-                <a16:creationId xmlns:a16="http://schemas.microsoft.com/office/drawing/2014/main" xmlns="" id="{31654EA8-B9F1-411B-924F-A39AFFF25FE4}"/>
+                <a16:creationId xmlns="" xmlns:a16="http://schemas.microsoft.com/office/drawing/2014/main" id="{31654EA8-B9F1-411B-924F-A39AFFF25FE4}"/>
               </a:ext>
             </a:extLst>
           </p:cNvPr>
@@ -5949,7 +5949,7 @@
           <p:cNvPr id="7" name="직선 연결선 6">
             <a:extLst>
               <a:ext uri="{FF2B5EF4-FFF2-40B4-BE49-F238E27FC236}">
-                <a16:creationId xmlns:a16="http://schemas.microsoft.com/office/drawing/2014/main" xmlns="" id="{4E07B35E-E95F-4959-B154-E7714662533C}"/>
+                <a16:creationId xmlns="" xmlns:a16="http://schemas.microsoft.com/office/drawing/2014/main" id="{4E07B35E-E95F-4959-B154-E7714662533C}"/>
               </a:ext>
             </a:extLst>
           </p:cNvPr>
@@ -5986,7 +5986,7 @@
           <p:cNvPr id="8" name="직선 연결선 7">
             <a:extLst>
               <a:ext uri="{FF2B5EF4-FFF2-40B4-BE49-F238E27FC236}">
-                <a16:creationId xmlns:a16="http://schemas.microsoft.com/office/drawing/2014/main" xmlns="" id="{E4FFF66C-C336-47F1-93F9-02E956F4091B}"/>
+                <a16:creationId xmlns="" xmlns:a16="http://schemas.microsoft.com/office/drawing/2014/main" id="{E4FFF66C-C336-47F1-93F9-02E956F4091B}"/>
               </a:ext>
             </a:extLst>
           </p:cNvPr>
@@ -6023,7 +6023,7 @@
           <p:cNvPr id="10" name="직선 연결선 9">
             <a:extLst>
               <a:ext uri="{FF2B5EF4-FFF2-40B4-BE49-F238E27FC236}">
-                <a16:creationId xmlns:a16="http://schemas.microsoft.com/office/drawing/2014/main" xmlns="" id="{F04DF4A3-A86D-4539-A457-19D81BC14F59}"/>
+                <a16:creationId xmlns="" xmlns:a16="http://schemas.microsoft.com/office/drawing/2014/main" id="{F04DF4A3-A86D-4539-A457-19D81BC14F59}"/>
               </a:ext>
             </a:extLst>
           </p:cNvPr>
@@ -6060,7 +6060,7 @@
           <p:cNvPr id="11" name="직선 연결선 10">
             <a:extLst>
               <a:ext uri="{FF2B5EF4-FFF2-40B4-BE49-F238E27FC236}">
-                <a16:creationId xmlns:a16="http://schemas.microsoft.com/office/drawing/2014/main" xmlns="" id="{64673F54-A7E0-4DB9-A52F-91F6F84A4C48}"/>
+                <a16:creationId xmlns="" xmlns:a16="http://schemas.microsoft.com/office/drawing/2014/main" id="{64673F54-A7E0-4DB9-A52F-91F6F84A4C48}"/>
               </a:ext>
             </a:extLst>
           </p:cNvPr>
@@ -6097,7 +6097,7 @@
           <p:cNvPr id="12" name="직선 연결선 11">
             <a:extLst>
               <a:ext uri="{FF2B5EF4-FFF2-40B4-BE49-F238E27FC236}">
-                <a16:creationId xmlns:a16="http://schemas.microsoft.com/office/drawing/2014/main" xmlns="" id="{6AE9AB7F-9042-41D0-8094-A670CFD71A82}"/>
+                <a16:creationId xmlns="" xmlns:a16="http://schemas.microsoft.com/office/drawing/2014/main" id="{6AE9AB7F-9042-41D0-8094-A670CFD71A82}"/>
               </a:ext>
             </a:extLst>
           </p:cNvPr>
@@ -6134,7 +6134,7 @@
           <p:cNvPr id="14" name="TextBox 13">
             <a:extLst>
               <a:ext uri="{FF2B5EF4-FFF2-40B4-BE49-F238E27FC236}">
-                <a16:creationId xmlns:a16="http://schemas.microsoft.com/office/drawing/2014/main" xmlns="" id="{E949D324-98A0-40F7-84A4-65067AE1B247}"/>
+                <a16:creationId xmlns="" xmlns:a16="http://schemas.microsoft.com/office/drawing/2014/main" id="{E949D324-98A0-40F7-84A4-65067AE1B247}"/>
               </a:ext>
             </a:extLst>
           </p:cNvPr>
@@ -6170,7 +6170,7 @@
           <p:cNvPr id="15" name="TextBox 14">
             <a:extLst>
               <a:ext uri="{FF2B5EF4-FFF2-40B4-BE49-F238E27FC236}">
-                <a16:creationId xmlns:a16="http://schemas.microsoft.com/office/drawing/2014/main" xmlns="" id="{5A89365F-595E-448D-8C11-2AD4E3EDA249}"/>
+                <a16:creationId xmlns="" xmlns:a16="http://schemas.microsoft.com/office/drawing/2014/main" id="{5A89365F-595E-448D-8C11-2AD4E3EDA249}"/>
               </a:ext>
             </a:extLst>
           </p:cNvPr>
@@ -6207,7 +6207,7 @@
           <p:cNvPr id="16" name="TextBox 15">
             <a:extLst>
               <a:ext uri="{FF2B5EF4-FFF2-40B4-BE49-F238E27FC236}">
-                <a16:creationId xmlns:a16="http://schemas.microsoft.com/office/drawing/2014/main" xmlns="" id="{C2D93AB9-1EB8-4A18-BEA3-CB6A1473383E}"/>
+                <a16:creationId xmlns="" xmlns:a16="http://schemas.microsoft.com/office/drawing/2014/main" id="{C2D93AB9-1EB8-4A18-BEA3-CB6A1473383E}"/>
               </a:ext>
             </a:extLst>
           </p:cNvPr>
@@ -6244,7 +6244,7 @@
           <p:cNvPr id="17" name="TextBox 16">
             <a:extLst>
               <a:ext uri="{FF2B5EF4-FFF2-40B4-BE49-F238E27FC236}">
-                <a16:creationId xmlns:a16="http://schemas.microsoft.com/office/drawing/2014/main" xmlns="" id="{119143F9-9662-4BFC-8C7E-8F5237C8D6C3}"/>
+                <a16:creationId xmlns="" xmlns:a16="http://schemas.microsoft.com/office/drawing/2014/main" id="{119143F9-9662-4BFC-8C7E-8F5237C8D6C3}"/>
               </a:ext>
             </a:extLst>
           </p:cNvPr>
@@ -6281,7 +6281,7 @@
           <p:cNvPr id="18" name="TextBox 17">
             <a:extLst>
               <a:ext uri="{FF2B5EF4-FFF2-40B4-BE49-F238E27FC236}">
-                <a16:creationId xmlns:a16="http://schemas.microsoft.com/office/drawing/2014/main" xmlns="" id="{D65CEA8C-7F03-47CF-8C8B-E71BA660DF53}"/>
+                <a16:creationId xmlns="" xmlns:a16="http://schemas.microsoft.com/office/drawing/2014/main" id="{D65CEA8C-7F03-47CF-8C8B-E71BA660DF53}"/>
               </a:ext>
             </a:extLst>
           </p:cNvPr>
@@ -6318,7 +6318,7 @@
           <p:cNvPr id="20" name="TextBox 19">
             <a:extLst>
               <a:ext uri="{FF2B5EF4-FFF2-40B4-BE49-F238E27FC236}">
-                <a16:creationId xmlns:a16="http://schemas.microsoft.com/office/drawing/2014/main" xmlns="" id="{124A2A46-0B07-44A3-B17A-50E4AC7A54C1}"/>
+                <a16:creationId xmlns="" xmlns:a16="http://schemas.microsoft.com/office/drawing/2014/main" id="{124A2A46-0B07-44A3-B17A-50E4AC7A54C1}"/>
               </a:ext>
             </a:extLst>
           </p:cNvPr>
@@ -6355,7 +6355,7 @@
           <p:cNvPr id="21" name="TextBox 20">
             <a:extLst>
               <a:ext uri="{FF2B5EF4-FFF2-40B4-BE49-F238E27FC236}">
-                <a16:creationId xmlns:a16="http://schemas.microsoft.com/office/drawing/2014/main" xmlns="" id="{127B6753-0375-4F50-8EBB-C3EBF58B25A0}"/>
+                <a16:creationId xmlns="" xmlns:a16="http://schemas.microsoft.com/office/drawing/2014/main" id="{127B6753-0375-4F50-8EBB-C3EBF58B25A0}"/>
               </a:ext>
             </a:extLst>
           </p:cNvPr>
@@ -6391,7 +6391,7 @@
           <p:cNvPr id="22" name="TextBox 21">
             <a:extLst>
               <a:ext uri="{FF2B5EF4-FFF2-40B4-BE49-F238E27FC236}">
-                <a16:creationId xmlns:a16="http://schemas.microsoft.com/office/drawing/2014/main" xmlns="" id="{B116CB62-58E4-4818-B572-748F45E877D0}"/>
+                <a16:creationId xmlns="" xmlns:a16="http://schemas.microsoft.com/office/drawing/2014/main" id="{B116CB62-58E4-4818-B572-748F45E877D0}"/>
               </a:ext>
             </a:extLst>
           </p:cNvPr>
@@ -6428,7 +6428,7 @@
           <p:cNvPr id="23" name="TextBox 22">
             <a:extLst>
               <a:ext uri="{FF2B5EF4-FFF2-40B4-BE49-F238E27FC236}">
-                <a16:creationId xmlns:a16="http://schemas.microsoft.com/office/drawing/2014/main" xmlns="" id="{083578AA-42ED-487F-B693-11DB0F61806B}"/>
+                <a16:creationId xmlns="" xmlns:a16="http://schemas.microsoft.com/office/drawing/2014/main" id="{083578AA-42ED-487F-B693-11DB0F61806B}"/>
               </a:ext>
             </a:extLst>
           </p:cNvPr>
@@ -6465,7 +6465,7 @@
           <p:cNvPr id="24" name="TextBox 23">
             <a:extLst>
               <a:ext uri="{FF2B5EF4-FFF2-40B4-BE49-F238E27FC236}">
-                <a16:creationId xmlns:a16="http://schemas.microsoft.com/office/drawing/2014/main" xmlns="" id="{5D84D04F-C822-4A52-A05E-744ABD508093}"/>
+                <a16:creationId xmlns="" xmlns:a16="http://schemas.microsoft.com/office/drawing/2014/main" id="{5D84D04F-C822-4A52-A05E-744ABD508093}"/>
               </a:ext>
             </a:extLst>
           </p:cNvPr>
@@ -6502,7 +6502,7 @@
           <p:cNvPr id="26" name="TextBox 25">
             <a:extLst>
               <a:ext uri="{FF2B5EF4-FFF2-40B4-BE49-F238E27FC236}">
-                <a16:creationId xmlns:a16="http://schemas.microsoft.com/office/drawing/2014/main" xmlns="" id="{41E6F538-9F9C-4553-9A66-9C05463EAB60}"/>
+                <a16:creationId xmlns="" xmlns:a16="http://schemas.microsoft.com/office/drawing/2014/main" id="{41E6F538-9F9C-4553-9A66-9C05463EAB60}"/>
               </a:ext>
             </a:extLst>
           </p:cNvPr>
@@ -6539,7 +6539,7 @@
           <p:cNvPr id="27" name="TextBox 26">
             <a:extLst>
               <a:ext uri="{FF2B5EF4-FFF2-40B4-BE49-F238E27FC236}">
-                <a16:creationId xmlns:a16="http://schemas.microsoft.com/office/drawing/2014/main" xmlns="" id="{BA05173D-B233-4D44-9BC7-E4670389830C}"/>
+                <a16:creationId xmlns="" xmlns:a16="http://schemas.microsoft.com/office/drawing/2014/main" id="{BA05173D-B233-4D44-9BC7-E4670389830C}"/>
               </a:ext>
             </a:extLst>
           </p:cNvPr>
@@ -6576,7 +6576,7 @@
           <p:cNvPr id="28" name="TextBox 27">
             <a:extLst>
               <a:ext uri="{FF2B5EF4-FFF2-40B4-BE49-F238E27FC236}">
-                <a16:creationId xmlns:a16="http://schemas.microsoft.com/office/drawing/2014/main" xmlns="" id="{E9547A23-6AB5-453B-9412-5817BE440F6C}"/>
+                <a16:creationId xmlns="" xmlns:a16="http://schemas.microsoft.com/office/drawing/2014/main" id="{E9547A23-6AB5-453B-9412-5817BE440F6C}"/>
               </a:ext>
             </a:extLst>
           </p:cNvPr>
@@ -6612,7 +6612,7 @@
           <p:cNvPr id="29" name="TextBox 28">
             <a:extLst>
               <a:ext uri="{FF2B5EF4-FFF2-40B4-BE49-F238E27FC236}">
-                <a16:creationId xmlns:a16="http://schemas.microsoft.com/office/drawing/2014/main" xmlns="" id="{D8D463D9-B497-4B82-88D7-4BC7471DF49C}"/>
+                <a16:creationId xmlns="" xmlns:a16="http://schemas.microsoft.com/office/drawing/2014/main" id="{D8D463D9-B497-4B82-88D7-4BC7471DF49C}"/>
               </a:ext>
             </a:extLst>
           </p:cNvPr>
@@ -6649,7 +6649,7 @@
           <p:cNvPr id="30" name="TextBox 29">
             <a:extLst>
               <a:ext uri="{FF2B5EF4-FFF2-40B4-BE49-F238E27FC236}">
-                <a16:creationId xmlns:a16="http://schemas.microsoft.com/office/drawing/2014/main" xmlns="" id="{39C5CF66-680C-47A0-ABB7-21ED54599E87}"/>
+                <a16:creationId xmlns="" xmlns:a16="http://schemas.microsoft.com/office/drawing/2014/main" id="{39C5CF66-680C-47A0-ABB7-21ED54599E87}"/>
               </a:ext>
             </a:extLst>
           </p:cNvPr>
@@ -6686,7 +6686,7 @@
           <p:cNvPr id="32" name="TextBox 31">
             <a:extLst>
               <a:ext uri="{FF2B5EF4-FFF2-40B4-BE49-F238E27FC236}">
-                <a16:creationId xmlns:a16="http://schemas.microsoft.com/office/drawing/2014/main" xmlns="" id="{EB1F1875-3A73-4A80-85F5-46EF251DCDC3}"/>
+                <a16:creationId xmlns="" xmlns:a16="http://schemas.microsoft.com/office/drawing/2014/main" id="{EB1F1875-3A73-4A80-85F5-46EF251DCDC3}"/>
               </a:ext>
             </a:extLst>
           </p:cNvPr>
@@ -6723,7 +6723,7 @@
           <p:cNvPr id="33" name="TextBox 32">
             <a:extLst>
               <a:ext uri="{FF2B5EF4-FFF2-40B4-BE49-F238E27FC236}">
-                <a16:creationId xmlns:a16="http://schemas.microsoft.com/office/drawing/2014/main" xmlns="" id="{C4F940DE-E250-451B-AC81-9B92E2FAD39D}"/>
+                <a16:creationId xmlns="" xmlns:a16="http://schemas.microsoft.com/office/drawing/2014/main" id="{C4F940DE-E250-451B-AC81-9B92E2FAD39D}"/>
               </a:ext>
             </a:extLst>
           </p:cNvPr>
@@ -6760,7 +6760,7 @@
           <p:cNvPr id="34" name="TextBox 33">
             <a:extLst>
               <a:ext uri="{FF2B5EF4-FFF2-40B4-BE49-F238E27FC236}">
-                <a16:creationId xmlns:a16="http://schemas.microsoft.com/office/drawing/2014/main" xmlns="" id="{D6FC296A-18B7-4E2C-89C5-F48681E0B45E}"/>
+                <a16:creationId xmlns="" xmlns:a16="http://schemas.microsoft.com/office/drawing/2014/main" id="{D6FC296A-18B7-4E2C-89C5-F48681E0B45E}"/>
               </a:ext>
             </a:extLst>
           </p:cNvPr>
@@ -6797,7 +6797,7 @@
           <p:cNvPr id="35" name="TextBox 34">
             <a:extLst>
               <a:ext uri="{FF2B5EF4-FFF2-40B4-BE49-F238E27FC236}">
-                <a16:creationId xmlns:a16="http://schemas.microsoft.com/office/drawing/2014/main" xmlns="" id="{03ADA3B6-5DD7-4A0E-9F82-235D39B06CAD}"/>
+                <a16:creationId xmlns="" xmlns:a16="http://schemas.microsoft.com/office/drawing/2014/main" id="{03ADA3B6-5DD7-4A0E-9F82-235D39B06CAD}"/>
               </a:ext>
             </a:extLst>
           </p:cNvPr>
@@ -6833,7 +6833,7 @@
           <p:cNvPr id="36" name="TextBox 35">
             <a:extLst>
               <a:ext uri="{FF2B5EF4-FFF2-40B4-BE49-F238E27FC236}">
-                <a16:creationId xmlns:a16="http://schemas.microsoft.com/office/drawing/2014/main" xmlns="" id="{E0D33BCD-4207-4D60-BD4A-E99A3202B09A}"/>
+                <a16:creationId xmlns="" xmlns:a16="http://schemas.microsoft.com/office/drawing/2014/main" id="{E0D33BCD-4207-4D60-BD4A-E99A3202B09A}"/>
               </a:ext>
             </a:extLst>
           </p:cNvPr>
@@ -6870,7 +6870,7 @@
           <p:cNvPr id="38" name="TextBox 37">
             <a:extLst>
               <a:ext uri="{FF2B5EF4-FFF2-40B4-BE49-F238E27FC236}">
-                <a16:creationId xmlns:a16="http://schemas.microsoft.com/office/drawing/2014/main" xmlns="" id="{B0679E40-9E97-4B74-9C7D-BC84F520AFDC}"/>
+                <a16:creationId xmlns="" xmlns:a16="http://schemas.microsoft.com/office/drawing/2014/main" id="{B0679E40-9E97-4B74-9C7D-BC84F520AFDC}"/>
               </a:ext>
             </a:extLst>
           </p:cNvPr>
@@ -6907,7 +6907,7 @@
           <p:cNvPr id="39" name="TextBox 38">
             <a:extLst>
               <a:ext uri="{FF2B5EF4-FFF2-40B4-BE49-F238E27FC236}">
-                <a16:creationId xmlns:a16="http://schemas.microsoft.com/office/drawing/2014/main" xmlns="" id="{364E99E8-A09C-4B3D-BEEE-5D23EC68C987}"/>
+                <a16:creationId xmlns="" xmlns:a16="http://schemas.microsoft.com/office/drawing/2014/main" id="{364E99E8-A09C-4B3D-BEEE-5D23EC68C987}"/>
               </a:ext>
             </a:extLst>
           </p:cNvPr>
@@ -6944,7 +6944,7 @@
           <p:cNvPr id="40" name="TextBox 39">
             <a:extLst>
               <a:ext uri="{FF2B5EF4-FFF2-40B4-BE49-F238E27FC236}">
-                <a16:creationId xmlns:a16="http://schemas.microsoft.com/office/drawing/2014/main" xmlns="" id="{C15776E0-C9E5-41A0-90EC-ED193AE8E9A2}"/>
+                <a16:creationId xmlns="" xmlns:a16="http://schemas.microsoft.com/office/drawing/2014/main" id="{C15776E0-C9E5-41A0-90EC-ED193AE8E9A2}"/>
               </a:ext>
             </a:extLst>
           </p:cNvPr>
@@ -6981,7 +6981,7 @@
           <p:cNvPr id="41" name="TextBox 40">
             <a:extLst>
               <a:ext uri="{FF2B5EF4-FFF2-40B4-BE49-F238E27FC236}">
-                <a16:creationId xmlns:a16="http://schemas.microsoft.com/office/drawing/2014/main" xmlns="" id="{5833ED93-0BC9-4777-BECA-C9478AC8027A}"/>
+                <a16:creationId xmlns="" xmlns:a16="http://schemas.microsoft.com/office/drawing/2014/main" id="{5833ED93-0BC9-4777-BECA-C9478AC8027A}"/>
               </a:ext>
             </a:extLst>
           </p:cNvPr>
@@ -7018,7 +7018,7 @@
           <p:cNvPr id="42" name="TextBox 41">
             <a:extLst>
               <a:ext uri="{FF2B5EF4-FFF2-40B4-BE49-F238E27FC236}">
-                <a16:creationId xmlns:a16="http://schemas.microsoft.com/office/drawing/2014/main" xmlns="" id="{0B54336C-54D2-4BC3-81A0-224422FF32CB}"/>
+                <a16:creationId xmlns="" xmlns:a16="http://schemas.microsoft.com/office/drawing/2014/main" id="{0B54336C-54D2-4BC3-81A0-224422FF32CB}"/>
               </a:ext>
             </a:extLst>
           </p:cNvPr>
@@ -7054,7 +7054,7 @@
           <p:cNvPr id="45" name="TextBox 44">
             <a:extLst>
               <a:ext uri="{FF2B5EF4-FFF2-40B4-BE49-F238E27FC236}">
-                <a16:creationId xmlns:a16="http://schemas.microsoft.com/office/drawing/2014/main" xmlns="" id="{2DE82AF6-A0E8-49D0-827D-E73A55F68FC1}"/>
+                <a16:creationId xmlns="" xmlns:a16="http://schemas.microsoft.com/office/drawing/2014/main" id="{2DE82AF6-A0E8-49D0-827D-E73A55F68FC1}"/>
               </a:ext>
             </a:extLst>
           </p:cNvPr>
@@ -7091,7 +7091,7 @@
           <p:cNvPr id="46" name="TextBox 45">
             <a:extLst>
               <a:ext uri="{FF2B5EF4-FFF2-40B4-BE49-F238E27FC236}">
-                <a16:creationId xmlns:a16="http://schemas.microsoft.com/office/drawing/2014/main" xmlns="" id="{DB1A34F2-31F8-463D-A344-14D2069A3DBA}"/>
+                <a16:creationId xmlns="" xmlns:a16="http://schemas.microsoft.com/office/drawing/2014/main" id="{DB1A34F2-31F8-463D-A344-14D2069A3DBA}"/>
               </a:ext>
             </a:extLst>
           </p:cNvPr>
@@ -7128,7 +7128,7 @@
           <p:cNvPr id="47" name="TextBox 46">
             <a:extLst>
               <a:ext uri="{FF2B5EF4-FFF2-40B4-BE49-F238E27FC236}">
-                <a16:creationId xmlns:a16="http://schemas.microsoft.com/office/drawing/2014/main" xmlns="" id="{949B3861-2E42-42D5-BAFB-F97BEE0E038B}"/>
+                <a16:creationId xmlns="" xmlns:a16="http://schemas.microsoft.com/office/drawing/2014/main" id="{949B3861-2E42-42D5-BAFB-F97BEE0E038B}"/>
               </a:ext>
             </a:extLst>
           </p:cNvPr>
@@ -7165,7 +7165,7 @@
           <p:cNvPr id="48" name="TextBox 47">
             <a:extLst>
               <a:ext uri="{FF2B5EF4-FFF2-40B4-BE49-F238E27FC236}">
-                <a16:creationId xmlns:a16="http://schemas.microsoft.com/office/drawing/2014/main" xmlns="" id="{D8C31931-2FC7-41F8-820E-70A0A6B9F179}"/>
+                <a16:creationId xmlns="" xmlns:a16="http://schemas.microsoft.com/office/drawing/2014/main" id="{D8C31931-2FC7-41F8-820E-70A0A6B9F179}"/>
               </a:ext>
             </a:extLst>
           </p:cNvPr>
@@ -7202,7 +7202,7 @@
           <p:cNvPr id="49" name="TextBox 48">
             <a:extLst>
               <a:ext uri="{FF2B5EF4-FFF2-40B4-BE49-F238E27FC236}">
-                <a16:creationId xmlns:a16="http://schemas.microsoft.com/office/drawing/2014/main" xmlns="" id="{9CDD0A07-C504-4B48-925A-F9A6BA21FB98}"/>
+                <a16:creationId xmlns="" xmlns:a16="http://schemas.microsoft.com/office/drawing/2014/main" id="{9CDD0A07-C504-4B48-925A-F9A6BA21FB98}"/>
               </a:ext>
             </a:extLst>
           </p:cNvPr>
@@ -7239,7 +7239,7 @@
           <p:cNvPr id="50" name="TextBox 49">
             <a:extLst>
               <a:ext uri="{FF2B5EF4-FFF2-40B4-BE49-F238E27FC236}">
-                <a16:creationId xmlns:a16="http://schemas.microsoft.com/office/drawing/2014/main" xmlns="" id="{A9ECA51C-C425-4946-BF9F-09407F2FBA4C}"/>
+                <a16:creationId xmlns="" xmlns:a16="http://schemas.microsoft.com/office/drawing/2014/main" id="{A9ECA51C-C425-4946-BF9F-09407F2FBA4C}"/>
               </a:ext>
             </a:extLst>
           </p:cNvPr>
@@ -7276,7 +7276,7 @@
           <p:cNvPr id="51" name="TextBox 50">
             <a:extLst>
               <a:ext uri="{FF2B5EF4-FFF2-40B4-BE49-F238E27FC236}">
-                <a16:creationId xmlns:a16="http://schemas.microsoft.com/office/drawing/2014/main" xmlns="" id="{55787D8D-9ED1-4999-A251-58AA218BB274}"/>
+                <a16:creationId xmlns="" xmlns:a16="http://schemas.microsoft.com/office/drawing/2014/main" id="{55787D8D-9ED1-4999-A251-58AA218BB274}"/>
               </a:ext>
             </a:extLst>
           </p:cNvPr>
@@ -7313,7 +7313,7 @@
           <p:cNvPr id="52" name="TextBox 51">
             <a:extLst>
               <a:ext uri="{FF2B5EF4-FFF2-40B4-BE49-F238E27FC236}">
-                <a16:creationId xmlns:a16="http://schemas.microsoft.com/office/drawing/2014/main" xmlns="" id="{7246F523-EC24-4694-AB85-D279B6B61AE7}"/>
+                <a16:creationId xmlns="" xmlns:a16="http://schemas.microsoft.com/office/drawing/2014/main" id="{7246F523-EC24-4694-AB85-D279B6B61AE7}"/>
               </a:ext>
             </a:extLst>
           </p:cNvPr>
@@ -7350,7 +7350,7 @@
           <p:cNvPr id="53" name="TextBox 52">
             <a:extLst>
               <a:ext uri="{FF2B5EF4-FFF2-40B4-BE49-F238E27FC236}">
-                <a16:creationId xmlns:a16="http://schemas.microsoft.com/office/drawing/2014/main" xmlns="" id="{37B73226-5AF4-417B-BB31-A3984DA358DA}"/>
+                <a16:creationId xmlns="" xmlns:a16="http://schemas.microsoft.com/office/drawing/2014/main" id="{37B73226-5AF4-417B-BB31-A3984DA358DA}"/>
               </a:ext>
             </a:extLst>
           </p:cNvPr>
@@ -7387,7 +7387,7 @@
           <p:cNvPr id="54" name="TextBox 53">
             <a:extLst>
               <a:ext uri="{FF2B5EF4-FFF2-40B4-BE49-F238E27FC236}">
-                <a16:creationId xmlns:a16="http://schemas.microsoft.com/office/drawing/2014/main" xmlns="" id="{785D348E-9980-4518-956E-53FAF8C0A198}"/>
+                <a16:creationId xmlns="" xmlns:a16="http://schemas.microsoft.com/office/drawing/2014/main" id="{785D348E-9980-4518-956E-53FAF8C0A198}"/>
               </a:ext>
             </a:extLst>
           </p:cNvPr>
@@ -7424,7 +7424,7 @@
           <p:cNvPr id="55" name="TextBox 54">
             <a:extLst>
               <a:ext uri="{FF2B5EF4-FFF2-40B4-BE49-F238E27FC236}">
-                <a16:creationId xmlns:a16="http://schemas.microsoft.com/office/drawing/2014/main" xmlns="" id="{0FDCA593-B62B-4F17-A809-EEA74578B5CC}"/>
+                <a16:creationId xmlns="" xmlns:a16="http://schemas.microsoft.com/office/drawing/2014/main" id="{0FDCA593-B62B-4F17-A809-EEA74578B5CC}"/>
               </a:ext>
             </a:extLst>
           </p:cNvPr>
@@ -7461,7 +7461,7 @@
           <p:cNvPr id="56" name="TextBox 55">
             <a:extLst>
               <a:ext uri="{FF2B5EF4-FFF2-40B4-BE49-F238E27FC236}">
-                <a16:creationId xmlns:a16="http://schemas.microsoft.com/office/drawing/2014/main" xmlns="" id="{FA7415B3-09A3-4F4A-90BE-D2862DCEC34A}"/>
+                <a16:creationId xmlns="" xmlns:a16="http://schemas.microsoft.com/office/drawing/2014/main" id="{FA7415B3-09A3-4F4A-90BE-D2862DCEC34A}"/>
               </a:ext>
             </a:extLst>
           </p:cNvPr>
@@ -7498,7 +7498,7 @@
           <p:cNvPr id="57" name="TextBox 56">
             <a:extLst>
               <a:ext uri="{FF2B5EF4-FFF2-40B4-BE49-F238E27FC236}">
-                <a16:creationId xmlns:a16="http://schemas.microsoft.com/office/drawing/2014/main" xmlns="" id="{00C4B18D-18C8-4A30-AD71-42EC99135D27}"/>
+                <a16:creationId xmlns="" xmlns:a16="http://schemas.microsoft.com/office/drawing/2014/main" id="{00C4B18D-18C8-4A30-AD71-42EC99135D27}"/>
               </a:ext>
             </a:extLst>
           </p:cNvPr>
@@ -7535,7 +7535,7 @@
           <p:cNvPr id="58" name="TextBox 57">
             <a:extLst>
               <a:ext uri="{FF2B5EF4-FFF2-40B4-BE49-F238E27FC236}">
-                <a16:creationId xmlns:a16="http://schemas.microsoft.com/office/drawing/2014/main" xmlns="" id="{D39CE8D5-65A0-4619-85EA-29EB83B11044}"/>
+                <a16:creationId xmlns="" xmlns:a16="http://schemas.microsoft.com/office/drawing/2014/main" id="{D39CE8D5-65A0-4619-85EA-29EB83B11044}"/>
               </a:ext>
             </a:extLst>
           </p:cNvPr>
@@ -7572,7 +7572,7 @@
           <p:cNvPr id="59" name="TextBox 58">
             <a:extLst>
               <a:ext uri="{FF2B5EF4-FFF2-40B4-BE49-F238E27FC236}">
-                <a16:creationId xmlns:a16="http://schemas.microsoft.com/office/drawing/2014/main" xmlns="" id="{61A1AAC2-E01E-4B68-9105-5902040CE611}"/>
+                <a16:creationId xmlns="" xmlns:a16="http://schemas.microsoft.com/office/drawing/2014/main" id="{61A1AAC2-E01E-4B68-9105-5902040CE611}"/>
               </a:ext>
             </a:extLst>
           </p:cNvPr>
@@ -7609,7 +7609,7 @@
           <p:cNvPr id="60" name="TextBox 59">
             <a:extLst>
               <a:ext uri="{FF2B5EF4-FFF2-40B4-BE49-F238E27FC236}">
-                <a16:creationId xmlns:a16="http://schemas.microsoft.com/office/drawing/2014/main" xmlns="" id="{ECDFC2DA-CC33-4844-8147-B9CFD9F1866A}"/>
+                <a16:creationId xmlns="" xmlns:a16="http://schemas.microsoft.com/office/drawing/2014/main" id="{ECDFC2DA-CC33-4844-8147-B9CFD9F1866A}"/>
               </a:ext>
             </a:extLst>
           </p:cNvPr>
@@ -7646,7 +7646,7 @@
           <p:cNvPr id="61" name="TextBox 60">
             <a:extLst>
               <a:ext uri="{FF2B5EF4-FFF2-40B4-BE49-F238E27FC236}">
-                <a16:creationId xmlns:a16="http://schemas.microsoft.com/office/drawing/2014/main" xmlns="" id="{95D8FD8B-B8B4-4B61-B289-3A7353D81078}"/>
+                <a16:creationId xmlns="" xmlns:a16="http://schemas.microsoft.com/office/drawing/2014/main" id="{95D8FD8B-B8B4-4B61-B289-3A7353D81078}"/>
               </a:ext>
             </a:extLst>
           </p:cNvPr>
@@ -7683,7 +7683,7 @@
           <p:cNvPr id="62" name="TextBox 61">
             <a:extLst>
               <a:ext uri="{FF2B5EF4-FFF2-40B4-BE49-F238E27FC236}">
-                <a16:creationId xmlns:a16="http://schemas.microsoft.com/office/drawing/2014/main" xmlns="" id="{B0314713-63C7-43FD-87B5-3FD8A8F977DC}"/>
+                <a16:creationId xmlns="" xmlns:a16="http://schemas.microsoft.com/office/drawing/2014/main" id="{B0314713-63C7-43FD-87B5-3FD8A8F977DC}"/>
               </a:ext>
             </a:extLst>
           </p:cNvPr>
@@ -7720,7 +7720,7 @@
           <p:cNvPr id="63" name="TextBox 62">
             <a:extLst>
               <a:ext uri="{FF2B5EF4-FFF2-40B4-BE49-F238E27FC236}">
-                <a16:creationId xmlns:a16="http://schemas.microsoft.com/office/drawing/2014/main" xmlns="" id="{F403DCF9-7C65-456B-BAFE-5DDACC83498C}"/>
+                <a16:creationId xmlns="" xmlns:a16="http://schemas.microsoft.com/office/drawing/2014/main" id="{F403DCF9-7C65-456B-BAFE-5DDACC83498C}"/>
               </a:ext>
             </a:extLst>
           </p:cNvPr>
@@ -7757,7 +7757,7 @@
           <p:cNvPr id="64" name="TextBox 63">
             <a:extLst>
               <a:ext uri="{FF2B5EF4-FFF2-40B4-BE49-F238E27FC236}">
-                <a16:creationId xmlns:a16="http://schemas.microsoft.com/office/drawing/2014/main" xmlns="" id="{932BD6CE-AFB2-4528-9C4A-863BDDAE8122}"/>
+                <a16:creationId xmlns="" xmlns:a16="http://schemas.microsoft.com/office/drawing/2014/main" id="{932BD6CE-AFB2-4528-9C4A-863BDDAE8122}"/>
               </a:ext>
             </a:extLst>
           </p:cNvPr>
@@ -7794,7 +7794,7 @@
           <p:cNvPr id="65" name="TextBox 64">
             <a:extLst>
               <a:ext uri="{FF2B5EF4-FFF2-40B4-BE49-F238E27FC236}">
-                <a16:creationId xmlns:a16="http://schemas.microsoft.com/office/drawing/2014/main" xmlns="" id="{3168B3D8-B14C-4711-941B-89D29183EF3C}"/>
+                <a16:creationId xmlns="" xmlns:a16="http://schemas.microsoft.com/office/drawing/2014/main" id="{3168B3D8-B14C-4711-941B-89D29183EF3C}"/>
               </a:ext>
             </a:extLst>
           </p:cNvPr>
@@ -7831,7 +7831,7 @@
           <p:cNvPr id="66" name="TextBox 65">
             <a:extLst>
               <a:ext uri="{FF2B5EF4-FFF2-40B4-BE49-F238E27FC236}">
-                <a16:creationId xmlns:a16="http://schemas.microsoft.com/office/drawing/2014/main" xmlns="" id="{5A6AB1F3-6B70-4C2D-B1CB-4E98B378EB7D}"/>
+                <a16:creationId xmlns="" xmlns:a16="http://schemas.microsoft.com/office/drawing/2014/main" id="{5A6AB1F3-6B70-4C2D-B1CB-4E98B378EB7D}"/>
               </a:ext>
             </a:extLst>
           </p:cNvPr>
@@ -7868,7 +7868,7 @@
           <p:cNvPr id="67" name="TextBox 66">
             <a:extLst>
               <a:ext uri="{FF2B5EF4-FFF2-40B4-BE49-F238E27FC236}">
-                <a16:creationId xmlns:a16="http://schemas.microsoft.com/office/drawing/2014/main" xmlns="" id="{F103C784-26E5-4FBC-A0B3-73FF0422AEEE}"/>
+                <a16:creationId xmlns="" xmlns:a16="http://schemas.microsoft.com/office/drawing/2014/main" id="{F103C784-26E5-4FBC-A0B3-73FF0422AEEE}"/>
               </a:ext>
             </a:extLst>
           </p:cNvPr>
@@ -7935,7 +7935,7 @@
           <p:cNvPr id="6" name="직선 연결선 5">
             <a:extLst>
               <a:ext uri="{FF2B5EF4-FFF2-40B4-BE49-F238E27FC236}">
-                <a16:creationId xmlns:a16="http://schemas.microsoft.com/office/drawing/2014/main" xmlns="" id="{31654EA8-B9F1-411B-924F-A39AFFF25FE4}"/>
+                <a16:creationId xmlns="" xmlns:a16="http://schemas.microsoft.com/office/drawing/2014/main" id="{31654EA8-B9F1-411B-924F-A39AFFF25FE4}"/>
               </a:ext>
             </a:extLst>
           </p:cNvPr>
@@ -7974,7 +7974,7 @@
           <p:cNvPr id="7" name="직선 연결선 6">
             <a:extLst>
               <a:ext uri="{FF2B5EF4-FFF2-40B4-BE49-F238E27FC236}">
-                <a16:creationId xmlns:a16="http://schemas.microsoft.com/office/drawing/2014/main" xmlns="" id="{4E07B35E-E95F-4959-B154-E7714662533C}"/>
+                <a16:creationId xmlns="" xmlns:a16="http://schemas.microsoft.com/office/drawing/2014/main" id="{4E07B35E-E95F-4959-B154-E7714662533C}"/>
               </a:ext>
             </a:extLst>
           </p:cNvPr>
@@ -8011,7 +8011,7 @@
           <p:cNvPr id="8" name="직선 연결선 7">
             <a:extLst>
               <a:ext uri="{FF2B5EF4-FFF2-40B4-BE49-F238E27FC236}">
-                <a16:creationId xmlns:a16="http://schemas.microsoft.com/office/drawing/2014/main" xmlns="" id="{E4FFF66C-C336-47F1-93F9-02E956F4091B}"/>
+                <a16:creationId xmlns="" xmlns:a16="http://schemas.microsoft.com/office/drawing/2014/main" id="{E4FFF66C-C336-47F1-93F9-02E956F4091B}"/>
               </a:ext>
             </a:extLst>
           </p:cNvPr>
@@ -8048,7 +8048,7 @@
           <p:cNvPr id="10" name="직선 연결선 9">
             <a:extLst>
               <a:ext uri="{FF2B5EF4-FFF2-40B4-BE49-F238E27FC236}">
-                <a16:creationId xmlns:a16="http://schemas.microsoft.com/office/drawing/2014/main" xmlns="" id="{F04DF4A3-A86D-4539-A457-19D81BC14F59}"/>
+                <a16:creationId xmlns="" xmlns:a16="http://schemas.microsoft.com/office/drawing/2014/main" id="{F04DF4A3-A86D-4539-A457-19D81BC14F59}"/>
               </a:ext>
             </a:extLst>
           </p:cNvPr>
@@ -8085,7 +8085,7 @@
           <p:cNvPr id="11" name="직선 연결선 10">
             <a:extLst>
               <a:ext uri="{FF2B5EF4-FFF2-40B4-BE49-F238E27FC236}">
-                <a16:creationId xmlns:a16="http://schemas.microsoft.com/office/drawing/2014/main" xmlns="" id="{64673F54-A7E0-4DB9-A52F-91F6F84A4C48}"/>
+                <a16:creationId xmlns="" xmlns:a16="http://schemas.microsoft.com/office/drawing/2014/main" id="{64673F54-A7E0-4DB9-A52F-91F6F84A4C48}"/>
               </a:ext>
             </a:extLst>
           </p:cNvPr>
@@ -8122,7 +8122,7 @@
           <p:cNvPr id="12" name="직선 연결선 11">
             <a:extLst>
               <a:ext uri="{FF2B5EF4-FFF2-40B4-BE49-F238E27FC236}">
-                <a16:creationId xmlns:a16="http://schemas.microsoft.com/office/drawing/2014/main" xmlns="" id="{6AE9AB7F-9042-41D0-8094-A670CFD71A82}"/>
+                <a16:creationId xmlns="" xmlns:a16="http://schemas.microsoft.com/office/drawing/2014/main" id="{6AE9AB7F-9042-41D0-8094-A670CFD71A82}"/>
               </a:ext>
             </a:extLst>
           </p:cNvPr>
@@ -8159,7 +8159,7 @@
           <p:cNvPr id="14" name="TextBox 13">
             <a:extLst>
               <a:ext uri="{FF2B5EF4-FFF2-40B4-BE49-F238E27FC236}">
-                <a16:creationId xmlns:a16="http://schemas.microsoft.com/office/drawing/2014/main" xmlns="" id="{E949D324-98A0-40F7-84A4-65067AE1B247}"/>
+                <a16:creationId xmlns="" xmlns:a16="http://schemas.microsoft.com/office/drawing/2014/main" id="{E949D324-98A0-40F7-84A4-65067AE1B247}"/>
               </a:ext>
             </a:extLst>
           </p:cNvPr>
@@ -8195,7 +8195,7 @@
           <p:cNvPr id="15" name="TextBox 14">
             <a:extLst>
               <a:ext uri="{FF2B5EF4-FFF2-40B4-BE49-F238E27FC236}">
-                <a16:creationId xmlns:a16="http://schemas.microsoft.com/office/drawing/2014/main" xmlns="" id="{5A89365F-595E-448D-8C11-2AD4E3EDA249}"/>
+                <a16:creationId xmlns="" xmlns:a16="http://schemas.microsoft.com/office/drawing/2014/main" id="{5A89365F-595E-448D-8C11-2AD4E3EDA249}"/>
               </a:ext>
             </a:extLst>
           </p:cNvPr>
@@ -8232,7 +8232,7 @@
           <p:cNvPr id="16" name="TextBox 15">
             <a:extLst>
               <a:ext uri="{FF2B5EF4-FFF2-40B4-BE49-F238E27FC236}">
-                <a16:creationId xmlns:a16="http://schemas.microsoft.com/office/drawing/2014/main" xmlns="" id="{C2D93AB9-1EB8-4A18-BEA3-CB6A1473383E}"/>
+                <a16:creationId xmlns="" xmlns:a16="http://schemas.microsoft.com/office/drawing/2014/main" id="{C2D93AB9-1EB8-4A18-BEA3-CB6A1473383E}"/>
               </a:ext>
             </a:extLst>
           </p:cNvPr>
@@ -8269,7 +8269,7 @@
           <p:cNvPr id="17" name="TextBox 16">
             <a:extLst>
               <a:ext uri="{FF2B5EF4-FFF2-40B4-BE49-F238E27FC236}">
-                <a16:creationId xmlns:a16="http://schemas.microsoft.com/office/drawing/2014/main" xmlns="" id="{119143F9-9662-4BFC-8C7E-8F5237C8D6C3}"/>
+                <a16:creationId xmlns="" xmlns:a16="http://schemas.microsoft.com/office/drawing/2014/main" id="{119143F9-9662-4BFC-8C7E-8F5237C8D6C3}"/>
               </a:ext>
             </a:extLst>
           </p:cNvPr>
@@ -8306,7 +8306,7 @@
           <p:cNvPr id="18" name="TextBox 17">
             <a:extLst>
               <a:ext uri="{FF2B5EF4-FFF2-40B4-BE49-F238E27FC236}">
-                <a16:creationId xmlns:a16="http://schemas.microsoft.com/office/drawing/2014/main" xmlns="" id="{D65CEA8C-7F03-47CF-8C8B-E71BA660DF53}"/>
+                <a16:creationId xmlns="" xmlns:a16="http://schemas.microsoft.com/office/drawing/2014/main" id="{D65CEA8C-7F03-47CF-8C8B-E71BA660DF53}"/>
               </a:ext>
             </a:extLst>
           </p:cNvPr>
@@ -8343,7 +8343,7 @@
           <p:cNvPr id="20" name="TextBox 19">
             <a:extLst>
               <a:ext uri="{FF2B5EF4-FFF2-40B4-BE49-F238E27FC236}">
-                <a16:creationId xmlns:a16="http://schemas.microsoft.com/office/drawing/2014/main" xmlns="" id="{124A2A46-0B07-44A3-B17A-50E4AC7A54C1}"/>
+                <a16:creationId xmlns="" xmlns:a16="http://schemas.microsoft.com/office/drawing/2014/main" id="{124A2A46-0B07-44A3-B17A-50E4AC7A54C1}"/>
               </a:ext>
             </a:extLst>
           </p:cNvPr>
@@ -8380,7 +8380,7 @@
           <p:cNvPr id="21" name="TextBox 20">
             <a:extLst>
               <a:ext uri="{FF2B5EF4-FFF2-40B4-BE49-F238E27FC236}">
-                <a16:creationId xmlns:a16="http://schemas.microsoft.com/office/drawing/2014/main" xmlns="" id="{127B6753-0375-4F50-8EBB-C3EBF58B25A0}"/>
+                <a16:creationId xmlns="" xmlns:a16="http://schemas.microsoft.com/office/drawing/2014/main" id="{127B6753-0375-4F50-8EBB-C3EBF58B25A0}"/>
               </a:ext>
             </a:extLst>
           </p:cNvPr>
@@ -8416,7 +8416,7 @@
           <p:cNvPr id="22" name="TextBox 21">
             <a:extLst>
               <a:ext uri="{FF2B5EF4-FFF2-40B4-BE49-F238E27FC236}">
-                <a16:creationId xmlns:a16="http://schemas.microsoft.com/office/drawing/2014/main" xmlns="" id="{B116CB62-58E4-4818-B572-748F45E877D0}"/>
+                <a16:creationId xmlns="" xmlns:a16="http://schemas.microsoft.com/office/drawing/2014/main" id="{B116CB62-58E4-4818-B572-748F45E877D0}"/>
               </a:ext>
             </a:extLst>
           </p:cNvPr>
@@ -8453,7 +8453,7 @@
           <p:cNvPr id="23" name="TextBox 22">
             <a:extLst>
               <a:ext uri="{FF2B5EF4-FFF2-40B4-BE49-F238E27FC236}">
-                <a16:creationId xmlns:a16="http://schemas.microsoft.com/office/drawing/2014/main" xmlns="" id="{083578AA-42ED-487F-B693-11DB0F61806B}"/>
+                <a16:creationId xmlns="" xmlns:a16="http://schemas.microsoft.com/office/drawing/2014/main" id="{083578AA-42ED-487F-B693-11DB0F61806B}"/>
               </a:ext>
             </a:extLst>
           </p:cNvPr>
@@ -8490,7 +8490,7 @@
           <p:cNvPr id="24" name="TextBox 23">
             <a:extLst>
               <a:ext uri="{FF2B5EF4-FFF2-40B4-BE49-F238E27FC236}">
-                <a16:creationId xmlns:a16="http://schemas.microsoft.com/office/drawing/2014/main" xmlns="" id="{5D84D04F-C822-4A52-A05E-744ABD508093}"/>
+                <a16:creationId xmlns="" xmlns:a16="http://schemas.microsoft.com/office/drawing/2014/main" id="{5D84D04F-C822-4A52-A05E-744ABD508093}"/>
               </a:ext>
             </a:extLst>
           </p:cNvPr>
@@ -8527,7 +8527,7 @@
           <p:cNvPr id="26" name="TextBox 25">
             <a:extLst>
               <a:ext uri="{FF2B5EF4-FFF2-40B4-BE49-F238E27FC236}">
-                <a16:creationId xmlns:a16="http://schemas.microsoft.com/office/drawing/2014/main" xmlns="" id="{41E6F538-9F9C-4553-9A66-9C05463EAB60}"/>
+                <a16:creationId xmlns="" xmlns:a16="http://schemas.microsoft.com/office/drawing/2014/main" id="{41E6F538-9F9C-4553-9A66-9C05463EAB60}"/>
               </a:ext>
             </a:extLst>
           </p:cNvPr>
@@ -8564,7 +8564,7 @@
           <p:cNvPr id="27" name="TextBox 26">
             <a:extLst>
               <a:ext uri="{FF2B5EF4-FFF2-40B4-BE49-F238E27FC236}">
-                <a16:creationId xmlns:a16="http://schemas.microsoft.com/office/drawing/2014/main" xmlns="" id="{BA05173D-B233-4D44-9BC7-E4670389830C}"/>
+                <a16:creationId xmlns="" xmlns:a16="http://schemas.microsoft.com/office/drawing/2014/main" id="{BA05173D-B233-4D44-9BC7-E4670389830C}"/>
               </a:ext>
             </a:extLst>
           </p:cNvPr>
@@ -8601,7 +8601,7 @@
           <p:cNvPr id="28" name="TextBox 27">
             <a:extLst>
               <a:ext uri="{FF2B5EF4-FFF2-40B4-BE49-F238E27FC236}">
-                <a16:creationId xmlns:a16="http://schemas.microsoft.com/office/drawing/2014/main" xmlns="" id="{E9547A23-6AB5-453B-9412-5817BE440F6C}"/>
+                <a16:creationId xmlns="" xmlns:a16="http://schemas.microsoft.com/office/drawing/2014/main" id="{E9547A23-6AB5-453B-9412-5817BE440F6C}"/>
               </a:ext>
             </a:extLst>
           </p:cNvPr>
@@ -8637,7 +8637,7 @@
           <p:cNvPr id="29" name="TextBox 28">
             <a:extLst>
               <a:ext uri="{FF2B5EF4-FFF2-40B4-BE49-F238E27FC236}">
-                <a16:creationId xmlns:a16="http://schemas.microsoft.com/office/drawing/2014/main" xmlns="" id="{D8D463D9-B497-4B82-88D7-4BC7471DF49C}"/>
+                <a16:creationId xmlns="" xmlns:a16="http://schemas.microsoft.com/office/drawing/2014/main" id="{D8D463D9-B497-4B82-88D7-4BC7471DF49C}"/>
               </a:ext>
             </a:extLst>
           </p:cNvPr>
@@ -8674,7 +8674,7 @@
           <p:cNvPr id="30" name="TextBox 29">
             <a:extLst>
               <a:ext uri="{FF2B5EF4-FFF2-40B4-BE49-F238E27FC236}">
-                <a16:creationId xmlns:a16="http://schemas.microsoft.com/office/drawing/2014/main" xmlns="" id="{39C5CF66-680C-47A0-ABB7-21ED54599E87}"/>
+                <a16:creationId xmlns="" xmlns:a16="http://schemas.microsoft.com/office/drawing/2014/main" id="{39C5CF66-680C-47A0-ABB7-21ED54599E87}"/>
               </a:ext>
             </a:extLst>
           </p:cNvPr>
@@ -8711,7 +8711,7 @@
           <p:cNvPr id="32" name="TextBox 31">
             <a:extLst>
               <a:ext uri="{FF2B5EF4-FFF2-40B4-BE49-F238E27FC236}">
-                <a16:creationId xmlns:a16="http://schemas.microsoft.com/office/drawing/2014/main" xmlns="" id="{EB1F1875-3A73-4A80-85F5-46EF251DCDC3}"/>
+                <a16:creationId xmlns="" xmlns:a16="http://schemas.microsoft.com/office/drawing/2014/main" id="{EB1F1875-3A73-4A80-85F5-46EF251DCDC3}"/>
               </a:ext>
             </a:extLst>
           </p:cNvPr>
@@ -8748,7 +8748,7 @@
           <p:cNvPr id="33" name="TextBox 32">
             <a:extLst>
               <a:ext uri="{FF2B5EF4-FFF2-40B4-BE49-F238E27FC236}">
-                <a16:creationId xmlns:a16="http://schemas.microsoft.com/office/drawing/2014/main" xmlns="" id="{C4F940DE-E250-451B-AC81-9B92E2FAD39D}"/>
+                <a16:creationId xmlns="" xmlns:a16="http://schemas.microsoft.com/office/drawing/2014/main" id="{C4F940DE-E250-451B-AC81-9B92E2FAD39D}"/>
               </a:ext>
             </a:extLst>
           </p:cNvPr>
@@ -8785,7 +8785,7 @@
           <p:cNvPr id="34" name="TextBox 33">
             <a:extLst>
               <a:ext uri="{FF2B5EF4-FFF2-40B4-BE49-F238E27FC236}">
-                <a16:creationId xmlns:a16="http://schemas.microsoft.com/office/drawing/2014/main" xmlns="" id="{D6FC296A-18B7-4E2C-89C5-F48681E0B45E}"/>
+                <a16:creationId xmlns="" xmlns:a16="http://schemas.microsoft.com/office/drawing/2014/main" id="{D6FC296A-18B7-4E2C-89C5-F48681E0B45E}"/>
               </a:ext>
             </a:extLst>
           </p:cNvPr>
@@ -8822,7 +8822,7 @@
           <p:cNvPr id="35" name="TextBox 34">
             <a:extLst>
               <a:ext uri="{FF2B5EF4-FFF2-40B4-BE49-F238E27FC236}">
-                <a16:creationId xmlns:a16="http://schemas.microsoft.com/office/drawing/2014/main" xmlns="" id="{03ADA3B6-5DD7-4A0E-9F82-235D39B06CAD}"/>
+                <a16:creationId xmlns="" xmlns:a16="http://schemas.microsoft.com/office/drawing/2014/main" id="{03ADA3B6-5DD7-4A0E-9F82-235D39B06CAD}"/>
               </a:ext>
             </a:extLst>
           </p:cNvPr>
@@ -8858,7 +8858,7 @@
           <p:cNvPr id="36" name="TextBox 35">
             <a:extLst>
               <a:ext uri="{FF2B5EF4-FFF2-40B4-BE49-F238E27FC236}">
-                <a16:creationId xmlns:a16="http://schemas.microsoft.com/office/drawing/2014/main" xmlns="" id="{E0D33BCD-4207-4D60-BD4A-E99A3202B09A}"/>
+                <a16:creationId xmlns="" xmlns:a16="http://schemas.microsoft.com/office/drawing/2014/main" id="{E0D33BCD-4207-4D60-BD4A-E99A3202B09A}"/>
               </a:ext>
             </a:extLst>
           </p:cNvPr>
@@ -8895,7 +8895,7 @@
           <p:cNvPr id="38" name="TextBox 37">
             <a:extLst>
               <a:ext uri="{FF2B5EF4-FFF2-40B4-BE49-F238E27FC236}">
-                <a16:creationId xmlns:a16="http://schemas.microsoft.com/office/drawing/2014/main" xmlns="" id="{B0679E40-9E97-4B74-9C7D-BC84F520AFDC}"/>
+                <a16:creationId xmlns="" xmlns:a16="http://schemas.microsoft.com/office/drawing/2014/main" id="{B0679E40-9E97-4B74-9C7D-BC84F520AFDC}"/>
               </a:ext>
             </a:extLst>
           </p:cNvPr>
@@ -8932,7 +8932,7 @@
           <p:cNvPr id="39" name="TextBox 38">
             <a:extLst>
               <a:ext uri="{FF2B5EF4-FFF2-40B4-BE49-F238E27FC236}">
-                <a16:creationId xmlns:a16="http://schemas.microsoft.com/office/drawing/2014/main" xmlns="" id="{364E99E8-A09C-4B3D-BEEE-5D23EC68C987}"/>
+                <a16:creationId xmlns="" xmlns:a16="http://schemas.microsoft.com/office/drawing/2014/main" id="{364E99E8-A09C-4B3D-BEEE-5D23EC68C987}"/>
               </a:ext>
             </a:extLst>
           </p:cNvPr>
@@ -8969,7 +8969,7 @@
           <p:cNvPr id="40" name="TextBox 39">
             <a:extLst>
               <a:ext uri="{FF2B5EF4-FFF2-40B4-BE49-F238E27FC236}">
-                <a16:creationId xmlns:a16="http://schemas.microsoft.com/office/drawing/2014/main" xmlns="" id="{C15776E0-C9E5-41A0-90EC-ED193AE8E9A2}"/>
+                <a16:creationId xmlns="" xmlns:a16="http://schemas.microsoft.com/office/drawing/2014/main" id="{C15776E0-C9E5-41A0-90EC-ED193AE8E9A2}"/>
               </a:ext>
             </a:extLst>
           </p:cNvPr>
@@ -9006,7 +9006,7 @@
           <p:cNvPr id="41" name="TextBox 40">
             <a:extLst>
               <a:ext uri="{FF2B5EF4-FFF2-40B4-BE49-F238E27FC236}">
-                <a16:creationId xmlns:a16="http://schemas.microsoft.com/office/drawing/2014/main" xmlns="" id="{5833ED93-0BC9-4777-BECA-C9478AC8027A}"/>
+                <a16:creationId xmlns="" xmlns:a16="http://schemas.microsoft.com/office/drawing/2014/main" id="{5833ED93-0BC9-4777-BECA-C9478AC8027A}"/>
               </a:ext>
             </a:extLst>
           </p:cNvPr>
@@ -9043,7 +9043,7 @@
           <p:cNvPr id="42" name="TextBox 41">
             <a:extLst>
               <a:ext uri="{FF2B5EF4-FFF2-40B4-BE49-F238E27FC236}">
-                <a16:creationId xmlns:a16="http://schemas.microsoft.com/office/drawing/2014/main" xmlns="" id="{0B54336C-54D2-4BC3-81A0-224422FF32CB}"/>
+                <a16:creationId xmlns="" xmlns:a16="http://schemas.microsoft.com/office/drawing/2014/main" id="{0B54336C-54D2-4BC3-81A0-224422FF32CB}"/>
               </a:ext>
             </a:extLst>
           </p:cNvPr>
@@ -9079,7 +9079,7 @@
           <p:cNvPr id="45" name="TextBox 44">
             <a:extLst>
               <a:ext uri="{FF2B5EF4-FFF2-40B4-BE49-F238E27FC236}">
-                <a16:creationId xmlns:a16="http://schemas.microsoft.com/office/drawing/2014/main" xmlns="" id="{2DE82AF6-A0E8-49D0-827D-E73A55F68FC1}"/>
+                <a16:creationId xmlns="" xmlns:a16="http://schemas.microsoft.com/office/drawing/2014/main" id="{2DE82AF6-A0E8-49D0-827D-E73A55F68FC1}"/>
               </a:ext>
             </a:extLst>
           </p:cNvPr>
@@ -9116,7 +9116,7 @@
           <p:cNvPr id="46" name="TextBox 45">
             <a:extLst>
               <a:ext uri="{FF2B5EF4-FFF2-40B4-BE49-F238E27FC236}">
-                <a16:creationId xmlns:a16="http://schemas.microsoft.com/office/drawing/2014/main" xmlns="" id="{DB1A34F2-31F8-463D-A344-14D2069A3DBA}"/>
+                <a16:creationId xmlns="" xmlns:a16="http://schemas.microsoft.com/office/drawing/2014/main" id="{DB1A34F2-31F8-463D-A344-14D2069A3DBA}"/>
               </a:ext>
             </a:extLst>
           </p:cNvPr>
@@ -9153,7 +9153,7 @@
           <p:cNvPr id="47" name="TextBox 46">
             <a:extLst>
               <a:ext uri="{FF2B5EF4-FFF2-40B4-BE49-F238E27FC236}">
-                <a16:creationId xmlns:a16="http://schemas.microsoft.com/office/drawing/2014/main" xmlns="" id="{949B3861-2E42-42D5-BAFB-F97BEE0E038B}"/>
+                <a16:creationId xmlns="" xmlns:a16="http://schemas.microsoft.com/office/drawing/2014/main" id="{949B3861-2E42-42D5-BAFB-F97BEE0E038B}"/>
               </a:ext>
             </a:extLst>
           </p:cNvPr>
@@ -9190,7 +9190,7 @@
           <p:cNvPr id="48" name="TextBox 47">
             <a:extLst>
               <a:ext uri="{FF2B5EF4-FFF2-40B4-BE49-F238E27FC236}">
-                <a16:creationId xmlns:a16="http://schemas.microsoft.com/office/drawing/2014/main" xmlns="" id="{D8C31931-2FC7-41F8-820E-70A0A6B9F179}"/>
+                <a16:creationId xmlns="" xmlns:a16="http://schemas.microsoft.com/office/drawing/2014/main" id="{D8C31931-2FC7-41F8-820E-70A0A6B9F179}"/>
               </a:ext>
             </a:extLst>
           </p:cNvPr>
@@ -9227,7 +9227,7 @@
           <p:cNvPr id="49" name="TextBox 48">
             <a:extLst>
               <a:ext uri="{FF2B5EF4-FFF2-40B4-BE49-F238E27FC236}">
-                <a16:creationId xmlns:a16="http://schemas.microsoft.com/office/drawing/2014/main" xmlns="" id="{9CDD0A07-C504-4B48-925A-F9A6BA21FB98}"/>
+                <a16:creationId xmlns="" xmlns:a16="http://schemas.microsoft.com/office/drawing/2014/main" id="{9CDD0A07-C504-4B48-925A-F9A6BA21FB98}"/>
               </a:ext>
             </a:extLst>
           </p:cNvPr>
@@ -9264,7 +9264,7 @@
           <p:cNvPr id="50" name="TextBox 49">
             <a:extLst>
               <a:ext uri="{FF2B5EF4-FFF2-40B4-BE49-F238E27FC236}">
-                <a16:creationId xmlns:a16="http://schemas.microsoft.com/office/drawing/2014/main" xmlns="" id="{A9ECA51C-C425-4946-BF9F-09407F2FBA4C}"/>
+                <a16:creationId xmlns="" xmlns:a16="http://schemas.microsoft.com/office/drawing/2014/main" id="{A9ECA51C-C425-4946-BF9F-09407F2FBA4C}"/>
               </a:ext>
             </a:extLst>
           </p:cNvPr>
@@ -9301,7 +9301,7 @@
           <p:cNvPr id="51" name="TextBox 50">
             <a:extLst>
               <a:ext uri="{FF2B5EF4-FFF2-40B4-BE49-F238E27FC236}">
-                <a16:creationId xmlns:a16="http://schemas.microsoft.com/office/drawing/2014/main" xmlns="" id="{55787D8D-9ED1-4999-A251-58AA218BB274}"/>
+                <a16:creationId xmlns="" xmlns:a16="http://schemas.microsoft.com/office/drawing/2014/main" id="{55787D8D-9ED1-4999-A251-58AA218BB274}"/>
               </a:ext>
             </a:extLst>
           </p:cNvPr>
@@ -9338,7 +9338,7 @@
           <p:cNvPr id="52" name="TextBox 51">
             <a:extLst>
               <a:ext uri="{FF2B5EF4-FFF2-40B4-BE49-F238E27FC236}">
-                <a16:creationId xmlns:a16="http://schemas.microsoft.com/office/drawing/2014/main" xmlns="" id="{7246F523-EC24-4694-AB85-D279B6B61AE7}"/>
+                <a16:creationId xmlns="" xmlns:a16="http://schemas.microsoft.com/office/drawing/2014/main" id="{7246F523-EC24-4694-AB85-D279B6B61AE7}"/>
               </a:ext>
             </a:extLst>
           </p:cNvPr>
@@ -9375,7 +9375,7 @@
           <p:cNvPr id="53" name="TextBox 52">
             <a:extLst>
               <a:ext uri="{FF2B5EF4-FFF2-40B4-BE49-F238E27FC236}">
-                <a16:creationId xmlns:a16="http://schemas.microsoft.com/office/drawing/2014/main" xmlns="" id="{37B73226-5AF4-417B-BB31-A3984DA358DA}"/>
+                <a16:creationId xmlns="" xmlns:a16="http://schemas.microsoft.com/office/drawing/2014/main" id="{37B73226-5AF4-417B-BB31-A3984DA358DA}"/>
               </a:ext>
             </a:extLst>
           </p:cNvPr>
@@ -9412,7 +9412,7 @@
           <p:cNvPr id="54" name="TextBox 53">
             <a:extLst>
               <a:ext uri="{FF2B5EF4-FFF2-40B4-BE49-F238E27FC236}">
-                <a16:creationId xmlns:a16="http://schemas.microsoft.com/office/drawing/2014/main" xmlns="" id="{785D348E-9980-4518-956E-53FAF8C0A198}"/>
+                <a16:creationId xmlns="" xmlns:a16="http://schemas.microsoft.com/office/drawing/2014/main" id="{785D348E-9980-4518-956E-53FAF8C0A198}"/>
               </a:ext>
             </a:extLst>
           </p:cNvPr>
@@ -9449,7 +9449,7 @@
           <p:cNvPr id="55" name="TextBox 54">
             <a:extLst>
               <a:ext uri="{FF2B5EF4-FFF2-40B4-BE49-F238E27FC236}">
-                <a16:creationId xmlns:a16="http://schemas.microsoft.com/office/drawing/2014/main" xmlns="" id="{0FDCA593-B62B-4F17-A809-EEA74578B5CC}"/>
+                <a16:creationId xmlns="" xmlns:a16="http://schemas.microsoft.com/office/drawing/2014/main" id="{0FDCA593-B62B-4F17-A809-EEA74578B5CC}"/>
               </a:ext>
             </a:extLst>
           </p:cNvPr>
@@ -9486,7 +9486,7 @@
           <p:cNvPr id="56" name="TextBox 55">
             <a:extLst>
               <a:ext uri="{FF2B5EF4-FFF2-40B4-BE49-F238E27FC236}">
-                <a16:creationId xmlns:a16="http://schemas.microsoft.com/office/drawing/2014/main" xmlns="" id="{FA7415B3-09A3-4F4A-90BE-D2862DCEC34A}"/>
+                <a16:creationId xmlns="" xmlns:a16="http://schemas.microsoft.com/office/drawing/2014/main" id="{FA7415B3-09A3-4F4A-90BE-D2862DCEC34A}"/>
               </a:ext>
             </a:extLst>
           </p:cNvPr>
@@ -9523,7 +9523,7 @@
           <p:cNvPr id="57" name="TextBox 56">
             <a:extLst>
               <a:ext uri="{FF2B5EF4-FFF2-40B4-BE49-F238E27FC236}">
-                <a16:creationId xmlns:a16="http://schemas.microsoft.com/office/drawing/2014/main" xmlns="" id="{00C4B18D-18C8-4A30-AD71-42EC99135D27}"/>
+                <a16:creationId xmlns="" xmlns:a16="http://schemas.microsoft.com/office/drawing/2014/main" id="{00C4B18D-18C8-4A30-AD71-42EC99135D27}"/>
               </a:ext>
             </a:extLst>
           </p:cNvPr>
@@ -9560,7 +9560,7 @@
           <p:cNvPr id="58" name="TextBox 57">
             <a:extLst>
               <a:ext uri="{FF2B5EF4-FFF2-40B4-BE49-F238E27FC236}">
-                <a16:creationId xmlns:a16="http://schemas.microsoft.com/office/drawing/2014/main" xmlns="" id="{D39CE8D5-65A0-4619-85EA-29EB83B11044}"/>
+                <a16:creationId xmlns="" xmlns:a16="http://schemas.microsoft.com/office/drawing/2014/main" id="{D39CE8D5-65A0-4619-85EA-29EB83B11044}"/>
               </a:ext>
             </a:extLst>
           </p:cNvPr>
@@ -9597,7 +9597,7 @@
           <p:cNvPr id="59" name="TextBox 58">
             <a:extLst>
               <a:ext uri="{FF2B5EF4-FFF2-40B4-BE49-F238E27FC236}">
-                <a16:creationId xmlns:a16="http://schemas.microsoft.com/office/drawing/2014/main" xmlns="" id="{61A1AAC2-E01E-4B68-9105-5902040CE611}"/>
+                <a16:creationId xmlns="" xmlns:a16="http://schemas.microsoft.com/office/drawing/2014/main" id="{61A1AAC2-E01E-4B68-9105-5902040CE611}"/>
               </a:ext>
             </a:extLst>
           </p:cNvPr>
@@ -9634,7 +9634,7 @@
           <p:cNvPr id="60" name="TextBox 59">
             <a:extLst>
               <a:ext uri="{FF2B5EF4-FFF2-40B4-BE49-F238E27FC236}">
-                <a16:creationId xmlns:a16="http://schemas.microsoft.com/office/drawing/2014/main" xmlns="" id="{ECDFC2DA-CC33-4844-8147-B9CFD9F1866A}"/>
+                <a16:creationId xmlns="" xmlns:a16="http://schemas.microsoft.com/office/drawing/2014/main" id="{ECDFC2DA-CC33-4844-8147-B9CFD9F1866A}"/>
               </a:ext>
             </a:extLst>
           </p:cNvPr>
@@ -9671,7 +9671,7 @@
           <p:cNvPr id="61" name="TextBox 60">
             <a:extLst>
               <a:ext uri="{FF2B5EF4-FFF2-40B4-BE49-F238E27FC236}">
-                <a16:creationId xmlns:a16="http://schemas.microsoft.com/office/drawing/2014/main" xmlns="" id="{95D8FD8B-B8B4-4B61-B289-3A7353D81078}"/>
+                <a16:creationId xmlns="" xmlns:a16="http://schemas.microsoft.com/office/drawing/2014/main" id="{95D8FD8B-B8B4-4B61-B289-3A7353D81078}"/>
               </a:ext>
             </a:extLst>
           </p:cNvPr>
@@ -9708,7 +9708,7 @@
           <p:cNvPr id="62" name="TextBox 61">
             <a:extLst>
               <a:ext uri="{FF2B5EF4-FFF2-40B4-BE49-F238E27FC236}">
-                <a16:creationId xmlns:a16="http://schemas.microsoft.com/office/drawing/2014/main" xmlns="" id="{B0314713-63C7-43FD-87B5-3FD8A8F977DC}"/>
+                <a16:creationId xmlns="" xmlns:a16="http://schemas.microsoft.com/office/drawing/2014/main" id="{B0314713-63C7-43FD-87B5-3FD8A8F977DC}"/>
               </a:ext>
             </a:extLst>
           </p:cNvPr>
@@ -9745,7 +9745,7 @@
           <p:cNvPr id="63" name="TextBox 62">
             <a:extLst>
               <a:ext uri="{FF2B5EF4-FFF2-40B4-BE49-F238E27FC236}">
-                <a16:creationId xmlns:a16="http://schemas.microsoft.com/office/drawing/2014/main" xmlns="" id="{F403DCF9-7C65-456B-BAFE-5DDACC83498C}"/>
+                <a16:creationId xmlns="" xmlns:a16="http://schemas.microsoft.com/office/drawing/2014/main" id="{F403DCF9-7C65-456B-BAFE-5DDACC83498C}"/>
               </a:ext>
             </a:extLst>
           </p:cNvPr>
@@ -9782,7 +9782,7 @@
           <p:cNvPr id="64" name="TextBox 63">
             <a:extLst>
               <a:ext uri="{FF2B5EF4-FFF2-40B4-BE49-F238E27FC236}">
-                <a16:creationId xmlns:a16="http://schemas.microsoft.com/office/drawing/2014/main" xmlns="" id="{932BD6CE-AFB2-4528-9C4A-863BDDAE8122}"/>
+                <a16:creationId xmlns="" xmlns:a16="http://schemas.microsoft.com/office/drawing/2014/main" id="{932BD6CE-AFB2-4528-9C4A-863BDDAE8122}"/>
               </a:ext>
             </a:extLst>
           </p:cNvPr>
@@ -9819,7 +9819,7 @@
           <p:cNvPr id="65" name="TextBox 64">
             <a:extLst>
               <a:ext uri="{FF2B5EF4-FFF2-40B4-BE49-F238E27FC236}">
-                <a16:creationId xmlns:a16="http://schemas.microsoft.com/office/drawing/2014/main" xmlns="" id="{3168B3D8-B14C-4711-941B-89D29183EF3C}"/>
+                <a16:creationId xmlns="" xmlns:a16="http://schemas.microsoft.com/office/drawing/2014/main" id="{3168B3D8-B14C-4711-941B-89D29183EF3C}"/>
               </a:ext>
             </a:extLst>
           </p:cNvPr>
@@ -9856,7 +9856,7 @@
           <p:cNvPr id="66" name="TextBox 65">
             <a:extLst>
               <a:ext uri="{FF2B5EF4-FFF2-40B4-BE49-F238E27FC236}">
-                <a16:creationId xmlns:a16="http://schemas.microsoft.com/office/drawing/2014/main" xmlns="" id="{5A6AB1F3-6B70-4C2D-B1CB-4E98B378EB7D}"/>
+                <a16:creationId xmlns="" xmlns:a16="http://schemas.microsoft.com/office/drawing/2014/main" id="{5A6AB1F3-6B70-4C2D-B1CB-4E98B378EB7D}"/>
               </a:ext>
             </a:extLst>
           </p:cNvPr>
@@ -9893,7 +9893,7 @@
           <p:cNvPr id="67" name="TextBox 66">
             <a:extLst>
               <a:ext uri="{FF2B5EF4-FFF2-40B4-BE49-F238E27FC236}">
-                <a16:creationId xmlns:a16="http://schemas.microsoft.com/office/drawing/2014/main" xmlns="" id="{F103C784-26E5-4FBC-A0B3-73FF0422AEEE}"/>
+                <a16:creationId xmlns="" xmlns:a16="http://schemas.microsoft.com/office/drawing/2014/main" id="{F103C784-26E5-4FBC-A0B3-73FF0422AEEE}"/>
               </a:ext>
             </a:extLst>
           </p:cNvPr>
@@ -9930,7 +9930,7 @@
           <p:cNvPr id="5" name="직선 연결선 4">
             <a:extLst>
               <a:ext uri="{FF2B5EF4-FFF2-40B4-BE49-F238E27FC236}">
-                <a16:creationId xmlns:a16="http://schemas.microsoft.com/office/drawing/2014/main" xmlns="" id="{C5C227FC-0406-44E9-9AC9-6A81FF50E9AB}"/>
+                <a16:creationId xmlns="" xmlns:a16="http://schemas.microsoft.com/office/drawing/2014/main" id="{C5C227FC-0406-44E9-9AC9-6A81FF50E9AB}"/>
               </a:ext>
             </a:extLst>
           </p:cNvPr>
@@ -9971,7 +9971,7 @@
           <p:cNvPr id="68" name="직선 연결선 67">
             <a:extLst>
               <a:ext uri="{FF2B5EF4-FFF2-40B4-BE49-F238E27FC236}">
-                <a16:creationId xmlns:a16="http://schemas.microsoft.com/office/drawing/2014/main" xmlns="" id="{21D8B38D-0F89-4873-9971-35606AA85404}"/>
+                <a16:creationId xmlns="" xmlns:a16="http://schemas.microsoft.com/office/drawing/2014/main" id="{21D8B38D-0F89-4873-9971-35606AA85404}"/>
               </a:ext>
             </a:extLst>
           </p:cNvPr>
@@ -10014,7 +10014,7 @@
           <p:cNvPr id="69" name="직선 연결선 68">
             <a:extLst>
               <a:ext uri="{FF2B5EF4-FFF2-40B4-BE49-F238E27FC236}">
-                <a16:creationId xmlns:a16="http://schemas.microsoft.com/office/drawing/2014/main" xmlns="" id="{3260DB80-3E3F-4E14-9BC0-EBB89FD55910}"/>
+                <a16:creationId xmlns="" xmlns:a16="http://schemas.microsoft.com/office/drawing/2014/main" id="{3260DB80-3E3F-4E14-9BC0-EBB89FD55910}"/>
               </a:ext>
             </a:extLst>
           </p:cNvPr>
@@ -10057,7 +10057,7 @@
           <p:cNvPr id="70" name="직선 연결선 69">
             <a:extLst>
               <a:ext uri="{FF2B5EF4-FFF2-40B4-BE49-F238E27FC236}">
-                <a16:creationId xmlns:a16="http://schemas.microsoft.com/office/drawing/2014/main" xmlns="" id="{0DAA53C9-6D2D-46A8-95EF-11AF58708348}"/>
+                <a16:creationId xmlns="" xmlns:a16="http://schemas.microsoft.com/office/drawing/2014/main" id="{0DAA53C9-6D2D-46A8-95EF-11AF58708348}"/>
               </a:ext>
             </a:extLst>
           </p:cNvPr>
@@ -10100,7 +10100,7 @@
           <p:cNvPr id="71" name="직선 연결선 70">
             <a:extLst>
               <a:ext uri="{FF2B5EF4-FFF2-40B4-BE49-F238E27FC236}">
-                <a16:creationId xmlns:a16="http://schemas.microsoft.com/office/drawing/2014/main" xmlns="" id="{7C989169-C91E-457F-8BE3-1BDDF19064DF}"/>
+                <a16:creationId xmlns="" xmlns:a16="http://schemas.microsoft.com/office/drawing/2014/main" id="{7C989169-C91E-457F-8BE3-1BDDF19064DF}"/>
               </a:ext>
             </a:extLst>
           </p:cNvPr>
@@ -10143,7 +10143,7 @@
           <p:cNvPr id="25" name="직선 연결선 24">
             <a:extLst>
               <a:ext uri="{FF2B5EF4-FFF2-40B4-BE49-F238E27FC236}">
-                <a16:creationId xmlns:a16="http://schemas.microsoft.com/office/drawing/2014/main" xmlns="" id="{3F4DB0AE-5C3A-4C4A-B9E8-41FEE24DBA39}"/>
+                <a16:creationId xmlns="" xmlns:a16="http://schemas.microsoft.com/office/drawing/2014/main" id="{3F4DB0AE-5C3A-4C4A-B9E8-41FEE24DBA39}"/>
               </a:ext>
             </a:extLst>
           </p:cNvPr>
@@ -10184,7 +10184,7 @@
           <p:cNvPr id="37" name="직선 연결선 36">
             <a:extLst>
               <a:ext uri="{FF2B5EF4-FFF2-40B4-BE49-F238E27FC236}">
-                <a16:creationId xmlns:a16="http://schemas.microsoft.com/office/drawing/2014/main" xmlns="" id="{D1CAE60B-2256-4113-BE19-C82C193F9394}"/>
+                <a16:creationId xmlns="" xmlns:a16="http://schemas.microsoft.com/office/drawing/2014/main" id="{D1CAE60B-2256-4113-BE19-C82C193F9394}"/>
               </a:ext>
             </a:extLst>
           </p:cNvPr>
@@ -10225,7 +10225,7 @@
           <p:cNvPr id="72" name="직선 연결선 71">
             <a:extLst>
               <a:ext uri="{FF2B5EF4-FFF2-40B4-BE49-F238E27FC236}">
-                <a16:creationId xmlns:a16="http://schemas.microsoft.com/office/drawing/2014/main" xmlns="" id="{61EF895A-63F5-42E2-AAF4-B1E7EB9BDD3C}"/>
+                <a16:creationId xmlns="" xmlns:a16="http://schemas.microsoft.com/office/drawing/2014/main" id="{61EF895A-63F5-42E2-AAF4-B1E7EB9BDD3C}"/>
               </a:ext>
             </a:extLst>
           </p:cNvPr>
@@ -10266,7 +10266,7 @@
           <p:cNvPr id="75" name="직선 연결선 74">
             <a:extLst>
               <a:ext uri="{FF2B5EF4-FFF2-40B4-BE49-F238E27FC236}">
-                <a16:creationId xmlns:a16="http://schemas.microsoft.com/office/drawing/2014/main" xmlns="" id="{E623654B-1E62-483B-B35C-1E335D6A9058}"/>
+                <a16:creationId xmlns="" xmlns:a16="http://schemas.microsoft.com/office/drawing/2014/main" id="{E623654B-1E62-483B-B35C-1E335D6A9058}"/>
               </a:ext>
             </a:extLst>
           </p:cNvPr>
@@ -10307,7 +10307,7 @@
           <p:cNvPr id="78" name="타원 77">
             <a:extLst>
               <a:ext uri="{FF2B5EF4-FFF2-40B4-BE49-F238E27FC236}">
-                <a16:creationId xmlns:a16="http://schemas.microsoft.com/office/drawing/2014/main" xmlns="" id="{E467CE54-DB05-4418-95A6-30E2DA187633}"/>
+                <a16:creationId xmlns="" xmlns:a16="http://schemas.microsoft.com/office/drawing/2014/main" id="{E467CE54-DB05-4418-95A6-30E2DA187633}"/>
               </a:ext>
             </a:extLst>
           </p:cNvPr>
@@ -10359,7 +10359,7 @@
           <p:cNvPr id="79" name="타원 78">
             <a:extLst>
               <a:ext uri="{FF2B5EF4-FFF2-40B4-BE49-F238E27FC236}">
-                <a16:creationId xmlns:a16="http://schemas.microsoft.com/office/drawing/2014/main" xmlns="" id="{DD6595A0-469E-495E-823D-02D648D249A2}"/>
+                <a16:creationId xmlns="" xmlns:a16="http://schemas.microsoft.com/office/drawing/2014/main" id="{DD6595A0-469E-495E-823D-02D648D249A2}"/>
               </a:ext>
             </a:extLst>
           </p:cNvPr>
@@ -10411,7 +10411,7 @@
           <p:cNvPr id="80" name="타원 79">
             <a:extLst>
               <a:ext uri="{FF2B5EF4-FFF2-40B4-BE49-F238E27FC236}">
-                <a16:creationId xmlns:a16="http://schemas.microsoft.com/office/drawing/2014/main" xmlns="" id="{380A52DE-386E-466E-8CE1-478CE99269CF}"/>
+                <a16:creationId xmlns="" xmlns:a16="http://schemas.microsoft.com/office/drawing/2014/main" id="{380A52DE-386E-466E-8CE1-478CE99269CF}"/>
               </a:ext>
             </a:extLst>
           </p:cNvPr>
@@ -10463,7 +10463,7 @@
           <p:cNvPr id="81" name="타원 80">
             <a:extLst>
               <a:ext uri="{FF2B5EF4-FFF2-40B4-BE49-F238E27FC236}">
-                <a16:creationId xmlns:a16="http://schemas.microsoft.com/office/drawing/2014/main" xmlns="" id="{EB6628E6-B359-4CCF-A13D-CB76A165A1F3}"/>
+                <a16:creationId xmlns="" xmlns:a16="http://schemas.microsoft.com/office/drawing/2014/main" id="{EB6628E6-B359-4CCF-A13D-CB76A165A1F3}"/>
               </a:ext>
             </a:extLst>
           </p:cNvPr>
@@ -10515,7 +10515,7 @@
           <p:cNvPr id="82" name="타원 81">
             <a:extLst>
               <a:ext uri="{FF2B5EF4-FFF2-40B4-BE49-F238E27FC236}">
-                <a16:creationId xmlns:a16="http://schemas.microsoft.com/office/drawing/2014/main" xmlns="" id="{2CE6625E-AA47-4389-AF07-AB4A18EDD60B}"/>
+                <a16:creationId xmlns="" xmlns:a16="http://schemas.microsoft.com/office/drawing/2014/main" id="{2CE6625E-AA47-4389-AF07-AB4A18EDD60B}"/>
               </a:ext>
             </a:extLst>
           </p:cNvPr>
@@ -10567,7 +10567,7 @@
           <p:cNvPr id="85" name="직선 화살표 연결선 84">
             <a:extLst>
               <a:ext uri="{FF2B5EF4-FFF2-40B4-BE49-F238E27FC236}">
-                <a16:creationId xmlns:a16="http://schemas.microsoft.com/office/drawing/2014/main" xmlns="" id="{AB4CEFE4-077C-4625-9E2C-5F761F8B95EC}"/>
+                <a16:creationId xmlns="" xmlns:a16="http://schemas.microsoft.com/office/drawing/2014/main" id="{AB4CEFE4-077C-4625-9E2C-5F761F8B95EC}"/>
               </a:ext>
             </a:extLst>
           </p:cNvPr>
@@ -10612,7 +10612,7 @@
           <p:cNvPr id="87" name="직선 화살표 연결선 86">
             <a:extLst>
               <a:ext uri="{FF2B5EF4-FFF2-40B4-BE49-F238E27FC236}">
-                <a16:creationId xmlns:a16="http://schemas.microsoft.com/office/drawing/2014/main" xmlns="" id="{6DE4627E-70EC-43FD-AEF4-AF38D604446E}"/>
+                <a16:creationId xmlns="" xmlns:a16="http://schemas.microsoft.com/office/drawing/2014/main" id="{6DE4627E-70EC-43FD-AEF4-AF38D604446E}"/>
               </a:ext>
             </a:extLst>
           </p:cNvPr>
@@ -10658,7 +10658,7 @@
           <p:cNvPr id="89" name="직선 화살표 연결선 88">
             <a:extLst>
               <a:ext uri="{FF2B5EF4-FFF2-40B4-BE49-F238E27FC236}">
-                <a16:creationId xmlns:a16="http://schemas.microsoft.com/office/drawing/2014/main" xmlns="" id="{637B0387-35E7-4F5A-A703-C67711D38E84}"/>
+                <a16:creationId xmlns="" xmlns:a16="http://schemas.microsoft.com/office/drawing/2014/main" id="{637B0387-35E7-4F5A-A703-C67711D38E84}"/>
               </a:ext>
             </a:extLst>
           </p:cNvPr>
@@ -10703,7 +10703,7 @@
           <p:cNvPr id="93" name="직선 화살표 연결선 92">
             <a:extLst>
               <a:ext uri="{FF2B5EF4-FFF2-40B4-BE49-F238E27FC236}">
-                <a16:creationId xmlns:a16="http://schemas.microsoft.com/office/drawing/2014/main" xmlns="" id="{DCBF479C-D0D8-4078-8289-246A5F9B67BD}"/>
+                <a16:creationId xmlns="" xmlns:a16="http://schemas.microsoft.com/office/drawing/2014/main" id="{DCBF479C-D0D8-4078-8289-246A5F9B67BD}"/>
               </a:ext>
             </a:extLst>
           </p:cNvPr>
@@ -10748,7 +10748,7 @@
           <p:cNvPr id="83" name="TextBox 82">
             <a:extLst>
               <a:ext uri="{FF2B5EF4-FFF2-40B4-BE49-F238E27FC236}">
-                <a16:creationId xmlns:a16="http://schemas.microsoft.com/office/drawing/2014/main" xmlns="" id="{7E47BFCE-9742-4373-962F-3EBCCC668E8B}"/>
+                <a16:creationId xmlns="" xmlns:a16="http://schemas.microsoft.com/office/drawing/2014/main" id="{7E47BFCE-9742-4373-962F-3EBCCC668E8B}"/>
               </a:ext>
             </a:extLst>
           </p:cNvPr>
@@ -10799,7 +10799,7 @@
           <p:cNvPr id="94" name="직선 화살표 연결선 93">
             <a:extLst>
               <a:ext uri="{FF2B5EF4-FFF2-40B4-BE49-F238E27FC236}">
-                <a16:creationId xmlns:a16="http://schemas.microsoft.com/office/drawing/2014/main" xmlns="" id="{CB888FCE-CC26-4673-A684-2B8A16A91E6B}"/>
+                <a16:creationId xmlns="" xmlns:a16="http://schemas.microsoft.com/office/drawing/2014/main" id="{CB888FCE-CC26-4673-A684-2B8A16A91E6B}"/>
               </a:ext>
             </a:extLst>
           </p:cNvPr>
@@ -10875,7 +10875,7 @@
           <p:cNvPr id="6" name="직선 연결선 5">
             <a:extLst>
               <a:ext uri="{FF2B5EF4-FFF2-40B4-BE49-F238E27FC236}">
-                <a16:creationId xmlns:a16="http://schemas.microsoft.com/office/drawing/2014/main" xmlns="" id="{31654EA8-B9F1-411B-924F-A39AFFF25FE4}"/>
+                <a16:creationId xmlns="" xmlns:a16="http://schemas.microsoft.com/office/drawing/2014/main" id="{31654EA8-B9F1-411B-924F-A39AFFF25FE4}"/>
               </a:ext>
             </a:extLst>
           </p:cNvPr>
@@ -10914,7 +10914,7 @@
           <p:cNvPr id="7" name="직선 연결선 6">
             <a:extLst>
               <a:ext uri="{FF2B5EF4-FFF2-40B4-BE49-F238E27FC236}">
-                <a16:creationId xmlns:a16="http://schemas.microsoft.com/office/drawing/2014/main" xmlns="" id="{4E07B35E-E95F-4959-B154-E7714662533C}"/>
+                <a16:creationId xmlns="" xmlns:a16="http://schemas.microsoft.com/office/drawing/2014/main" id="{4E07B35E-E95F-4959-B154-E7714662533C}"/>
               </a:ext>
             </a:extLst>
           </p:cNvPr>
@@ -10951,7 +10951,7 @@
           <p:cNvPr id="8" name="직선 연결선 7">
             <a:extLst>
               <a:ext uri="{FF2B5EF4-FFF2-40B4-BE49-F238E27FC236}">
-                <a16:creationId xmlns:a16="http://schemas.microsoft.com/office/drawing/2014/main" xmlns="" id="{E4FFF66C-C336-47F1-93F9-02E956F4091B}"/>
+                <a16:creationId xmlns="" xmlns:a16="http://schemas.microsoft.com/office/drawing/2014/main" id="{E4FFF66C-C336-47F1-93F9-02E956F4091B}"/>
               </a:ext>
             </a:extLst>
           </p:cNvPr>
@@ -10988,7 +10988,7 @@
           <p:cNvPr id="10" name="직선 연결선 9">
             <a:extLst>
               <a:ext uri="{FF2B5EF4-FFF2-40B4-BE49-F238E27FC236}">
-                <a16:creationId xmlns:a16="http://schemas.microsoft.com/office/drawing/2014/main" xmlns="" id="{F04DF4A3-A86D-4539-A457-19D81BC14F59}"/>
+                <a16:creationId xmlns="" xmlns:a16="http://schemas.microsoft.com/office/drawing/2014/main" id="{F04DF4A3-A86D-4539-A457-19D81BC14F59}"/>
               </a:ext>
             </a:extLst>
           </p:cNvPr>
@@ -11025,7 +11025,7 @@
           <p:cNvPr id="11" name="직선 연결선 10">
             <a:extLst>
               <a:ext uri="{FF2B5EF4-FFF2-40B4-BE49-F238E27FC236}">
-                <a16:creationId xmlns:a16="http://schemas.microsoft.com/office/drawing/2014/main" xmlns="" id="{64673F54-A7E0-4DB9-A52F-91F6F84A4C48}"/>
+                <a16:creationId xmlns="" xmlns:a16="http://schemas.microsoft.com/office/drawing/2014/main" id="{64673F54-A7E0-4DB9-A52F-91F6F84A4C48}"/>
               </a:ext>
             </a:extLst>
           </p:cNvPr>
@@ -11062,7 +11062,7 @@
           <p:cNvPr id="12" name="직선 연결선 11">
             <a:extLst>
               <a:ext uri="{FF2B5EF4-FFF2-40B4-BE49-F238E27FC236}">
-                <a16:creationId xmlns:a16="http://schemas.microsoft.com/office/drawing/2014/main" xmlns="" id="{6AE9AB7F-9042-41D0-8094-A670CFD71A82}"/>
+                <a16:creationId xmlns="" xmlns:a16="http://schemas.microsoft.com/office/drawing/2014/main" id="{6AE9AB7F-9042-41D0-8094-A670CFD71A82}"/>
               </a:ext>
             </a:extLst>
           </p:cNvPr>
@@ -11099,7 +11099,7 @@
           <p:cNvPr id="14" name="TextBox 13">
             <a:extLst>
               <a:ext uri="{FF2B5EF4-FFF2-40B4-BE49-F238E27FC236}">
-                <a16:creationId xmlns:a16="http://schemas.microsoft.com/office/drawing/2014/main" xmlns="" id="{E949D324-98A0-40F7-84A4-65067AE1B247}"/>
+                <a16:creationId xmlns="" xmlns:a16="http://schemas.microsoft.com/office/drawing/2014/main" id="{E949D324-98A0-40F7-84A4-65067AE1B247}"/>
               </a:ext>
             </a:extLst>
           </p:cNvPr>
@@ -11136,7 +11136,7 @@
           <p:cNvPr id="15" name="TextBox 14">
             <a:extLst>
               <a:ext uri="{FF2B5EF4-FFF2-40B4-BE49-F238E27FC236}">
-                <a16:creationId xmlns:a16="http://schemas.microsoft.com/office/drawing/2014/main" xmlns="" id="{5A89365F-595E-448D-8C11-2AD4E3EDA249}"/>
+                <a16:creationId xmlns="" xmlns:a16="http://schemas.microsoft.com/office/drawing/2014/main" id="{5A89365F-595E-448D-8C11-2AD4E3EDA249}"/>
               </a:ext>
             </a:extLst>
           </p:cNvPr>
@@ -11173,7 +11173,7 @@
           <p:cNvPr id="16" name="TextBox 15">
             <a:extLst>
               <a:ext uri="{FF2B5EF4-FFF2-40B4-BE49-F238E27FC236}">
-                <a16:creationId xmlns:a16="http://schemas.microsoft.com/office/drawing/2014/main" xmlns="" id="{C2D93AB9-1EB8-4A18-BEA3-CB6A1473383E}"/>
+                <a16:creationId xmlns="" xmlns:a16="http://schemas.microsoft.com/office/drawing/2014/main" id="{C2D93AB9-1EB8-4A18-BEA3-CB6A1473383E}"/>
               </a:ext>
             </a:extLst>
           </p:cNvPr>
@@ -11210,7 +11210,7 @@
           <p:cNvPr id="17" name="TextBox 16">
             <a:extLst>
               <a:ext uri="{FF2B5EF4-FFF2-40B4-BE49-F238E27FC236}">
-                <a16:creationId xmlns:a16="http://schemas.microsoft.com/office/drawing/2014/main" xmlns="" id="{119143F9-9662-4BFC-8C7E-8F5237C8D6C3}"/>
+                <a16:creationId xmlns="" xmlns:a16="http://schemas.microsoft.com/office/drawing/2014/main" id="{119143F9-9662-4BFC-8C7E-8F5237C8D6C3}"/>
               </a:ext>
             </a:extLst>
           </p:cNvPr>
@@ -11247,7 +11247,7 @@
           <p:cNvPr id="18" name="TextBox 17">
             <a:extLst>
               <a:ext uri="{FF2B5EF4-FFF2-40B4-BE49-F238E27FC236}">
-                <a16:creationId xmlns:a16="http://schemas.microsoft.com/office/drawing/2014/main" xmlns="" id="{D65CEA8C-7F03-47CF-8C8B-E71BA660DF53}"/>
+                <a16:creationId xmlns="" xmlns:a16="http://schemas.microsoft.com/office/drawing/2014/main" id="{D65CEA8C-7F03-47CF-8C8B-E71BA660DF53}"/>
               </a:ext>
             </a:extLst>
           </p:cNvPr>
@@ -11284,7 +11284,7 @@
           <p:cNvPr id="20" name="TextBox 19">
             <a:extLst>
               <a:ext uri="{FF2B5EF4-FFF2-40B4-BE49-F238E27FC236}">
-                <a16:creationId xmlns:a16="http://schemas.microsoft.com/office/drawing/2014/main" xmlns="" id="{124A2A46-0B07-44A3-B17A-50E4AC7A54C1}"/>
+                <a16:creationId xmlns="" xmlns:a16="http://schemas.microsoft.com/office/drawing/2014/main" id="{124A2A46-0B07-44A3-B17A-50E4AC7A54C1}"/>
               </a:ext>
             </a:extLst>
           </p:cNvPr>
@@ -11321,7 +11321,7 @@
           <p:cNvPr id="21" name="TextBox 20">
             <a:extLst>
               <a:ext uri="{FF2B5EF4-FFF2-40B4-BE49-F238E27FC236}">
-                <a16:creationId xmlns:a16="http://schemas.microsoft.com/office/drawing/2014/main" xmlns="" id="{127B6753-0375-4F50-8EBB-C3EBF58B25A0}"/>
+                <a16:creationId xmlns="" xmlns:a16="http://schemas.microsoft.com/office/drawing/2014/main" id="{127B6753-0375-4F50-8EBB-C3EBF58B25A0}"/>
               </a:ext>
             </a:extLst>
           </p:cNvPr>
@@ -11358,7 +11358,7 @@
           <p:cNvPr id="22" name="TextBox 21">
             <a:extLst>
               <a:ext uri="{FF2B5EF4-FFF2-40B4-BE49-F238E27FC236}">
-                <a16:creationId xmlns:a16="http://schemas.microsoft.com/office/drawing/2014/main" xmlns="" id="{B116CB62-58E4-4818-B572-748F45E877D0}"/>
+                <a16:creationId xmlns="" xmlns:a16="http://schemas.microsoft.com/office/drawing/2014/main" id="{B116CB62-58E4-4818-B572-748F45E877D0}"/>
               </a:ext>
             </a:extLst>
           </p:cNvPr>
@@ -11395,7 +11395,7 @@
           <p:cNvPr id="23" name="TextBox 22">
             <a:extLst>
               <a:ext uri="{FF2B5EF4-FFF2-40B4-BE49-F238E27FC236}">
-                <a16:creationId xmlns:a16="http://schemas.microsoft.com/office/drawing/2014/main" xmlns="" id="{083578AA-42ED-487F-B693-11DB0F61806B}"/>
+                <a16:creationId xmlns="" xmlns:a16="http://schemas.microsoft.com/office/drawing/2014/main" id="{083578AA-42ED-487F-B693-11DB0F61806B}"/>
               </a:ext>
             </a:extLst>
           </p:cNvPr>
@@ -11432,7 +11432,7 @@
           <p:cNvPr id="24" name="TextBox 23">
             <a:extLst>
               <a:ext uri="{FF2B5EF4-FFF2-40B4-BE49-F238E27FC236}">
-                <a16:creationId xmlns:a16="http://schemas.microsoft.com/office/drawing/2014/main" xmlns="" id="{5D84D04F-C822-4A52-A05E-744ABD508093}"/>
+                <a16:creationId xmlns="" xmlns:a16="http://schemas.microsoft.com/office/drawing/2014/main" id="{5D84D04F-C822-4A52-A05E-744ABD508093}"/>
               </a:ext>
             </a:extLst>
           </p:cNvPr>
@@ -11469,7 +11469,7 @@
           <p:cNvPr id="26" name="TextBox 25">
             <a:extLst>
               <a:ext uri="{FF2B5EF4-FFF2-40B4-BE49-F238E27FC236}">
-                <a16:creationId xmlns:a16="http://schemas.microsoft.com/office/drawing/2014/main" xmlns="" id="{41E6F538-9F9C-4553-9A66-9C05463EAB60}"/>
+                <a16:creationId xmlns="" xmlns:a16="http://schemas.microsoft.com/office/drawing/2014/main" id="{41E6F538-9F9C-4553-9A66-9C05463EAB60}"/>
               </a:ext>
             </a:extLst>
           </p:cNvPr>
@@ -11506,7 +11506,7 @@
           <p:cNvPr id="27" name="TextBox 26">
             <a:extLst>
               <a:ext uri="{FF2B5EF4-FFF2-40B4-BE49-F238E27FC236}">
-                <a16:creationId xmlns:a16="http://schemas.microsoft.com/office/drawing/2014/main" xmlns="" id="{BA05173D-B233-4D44-9BC7-E4670389830C}"/>
+                <a16:creationId xmlns="" xmlns:a16="http://schemas.microsoft.com/office/drawing/2014/main" id="{BA05173D-B233-4D44-9BC7-E4670389830C}"/>
               </a:ext>
             </a:extLst>
           </p:cNvPr>
@@ -11543,7 +11543,7 @@
           <p:cNvPr id="28" name="TextBox 27">
             <a:extLst>
               <a:ext uri="{FF2B5EF4-FFF2-40B4-BE49-F238E27FC236}">
-                <a16:creationId xmlns:a16="http://schemas.microsoft.com/office/drawing/2014/main" xmlns="" id="{E9547A23-6AB5-453B-9412-5817BE440F6C}"/>
+                <a16:creationId xmlns="" xmlns:a16="http://schemas.microsoft.com/office/drawing/2014/main" id="{E9547A23-6AB5-453B-9412-5817BE440F6C}"/>
               </a:ext>
             </a:extLst>
           </p:cNvPr>
@@ -11580,7 +11580,7 @@
           <p:cNvPr id="29" name="TextBox 28">
             <a:extLst>
               <a:ext uri="{FF2B5EF4-FFF2-40B4-BE49-F238E27FC236}">
-                <a16:creationId xmlns:a16="http://schemas.microsoft.com/office/drawing/2014/main" xmlns="" id="{D8D463D9-B497-4B82-88D7-4BC7471DF49C}"/>
+                <a16:creationId xmlns="" xmlns:a16="http://schemas.microsoft.com/office/drawing/2014/main" id="{D8D463D9-B497-4B82-88D7-4BC7471DF49C}"/>
               </a:ext>
             </a:extLst>
           </p:cNvPr>
@@ -11617,7 +11617,7 @@
           <p:cNvPr id="30" name="TextBox 29">
             <a:extLst>
               <a:ext uri="{FF2B5EF4-FFF2-40B4-BE49-F238E27FC236}">
-                <a16:creationId xmlns:a16="http://schemas.microsoft.com/office/drawing/2014/main" xmlns="" id="{39C5CF66-680C-47A0-ABB7-21ED54599E87}"/>
+                <a16:creationId xmlns="" xmlns:a16="http://schemas.microsoft.com/office/drawing/2014/main" id="{39C5CF66-680C-47A0-ABB7-21ED54599E87}"/>
               </a:ext>
             </a:extLst>
           </p:cNvPr>
@@ -11654,7 +11654,7 @@
           <p:cNvPr id="32" name="TextBox 31">
             <a:extLst>
               <a:ext uri="{FF2B5EF4-FFF2-40B4-BE49-F238E27FC236}">
-                <a16:creationId xmlns:a16="http://schemas.microsoft.com/office/drawing/2014/main" xmlns="" id="{EB1F1875-3A73-4A80-85F5-46EF251DCDC3}"/>
+                <a16:creationId xmlns="" xmlns:a16="http://schemas.microsoft.com/office/drawing/2014/main" id="{EB1F1875-3A73-4A80-85F5-46EF251DCDC3}"/>
               </a:ext>
             </a:extLst>
           </p:cNvPr>
@@ -11691,7 +11691,7 @@
           <p:cNvPr id="33" name="TextBox 32">
             <a:extLst>
               <a:ext uri="{FF2B5EF4-FFF2-40B4-BE49-F238E27FC236}">
-                <a16:creationId xmlns:a16="http://schemas.microsoft.com/office/drawing/2014/main" xmlns="" id="{C4F940DE-E250-451B-AC81-9B92E2FAD39D}"/>
+                <a16:creationId xmlns="" xmlns:a16="http://schemas.microsoft.com/office/drawing/2014/main" id="{C4F940DE-E250-451B-AC81-9B92E2FAD39D}"/>
               </a:ext>
             </a:extLst>
           </p:cNvPr>
@@ -11728,7 +11728,7 @@
           <p:cNvPr id="34" name="TextBox 33">
             <a:extLst>
               <a:ext uri="{FF2B5EF4-FFF2-40B4-BE49-F238E27FC236}">
-                <a16:creationId xmlns:a16="http://schemas.microsoft.com/office/drawing/2014/main" xmlns="" id="{D6FC296A-18B7-4E2C-89C5-F48681E0B45E}"/>
+                <a16:creationId xmlns="" xmlns:a16="http://schemas.microsoft.com/office/drawing/2014/main" id="{D6FC296A-18B7-4E2C-89C5-F48681E0B45E}"/>
               </a:ext>
             </a:extLst>
           </p:cNvPr>
@@ -11765,7 +11765,7 @@
           <p:cNvPr id="35" name="TextBox 34">
             <a:extLst>
               <a:ext uri="{FF2B5EF4-FFF2-40B4-BE49-F238E27FC236}">
-                <a16:creationId xmlns:a16="http://schemas.microsoft.com/office/drawing/2014/main" xmlns="" id="{03ADA3B6-5DD7-4A0E-9F82-235D39B06CAD}"/>
+                <a16:creationId xmlns="" xmlns:a16="http://schemas.microsoft.com/office/drawing/2014/main" id="{03ADA3B6-5DD7-4A0E-9F82-235D39B06CAD}"/>
               </a:ext>
             </a:extLst>
           </p:cNvPr>
@@ -11802,7 +11802,7 @@
           <p:cNvPr id="36" name="TextBox 35">
             <a:extLst>
               <a:ext uri="{FF2B5EF4-FFF2-40B4-BE49-F238E27FC236}">
-                <a16:creationId xmlns:a16="http://schemas.microsoft.com/office/drawing/2014/main" xmlns="" id="{E0D33BCD-4207-4D60-BD4A-E99A3202B09A}"/>
+                <a16:creationId xmlns="" xmlns:a16="http://schemas.microsoft.com/office/drawing/2014/main" id="{E0D33BCD-4207-4D60-BD4A-E99A3202B09A}"/>
               </a:ext>
             </a:extLst>
           </p:cNvPr>
@@ -11839,7 +11839,7 @@
           <p:cNvPr id="38" name="TextBox 37">
             <a:extLst>
               <a:ext uri="{FF2B5EF4-FFF2-40B4-BE49-F238E27FC236}">
-                <a16:creationId xmlns:a16="http://schemas.microsoft.com/office/drawing/2014/main" xmlns="" id="{B0679E40-9E97-4B74-9C7D-BC84F520AFDC}"/>
+                <a16:creationId xmlns="" xmlns:a16="http://schemas.microsoft.com/office/drawing/2014/main" id="{B0679E40-9E97-4B74-9C7D-BC84F520AFDC}"/>
               </a:ext>
             </a:extLst>
           </p:cNvPr>
@@ -11876,7 +11876,7 @@
           <p:cNvPr id="39" name="TextBox 38">
             <a:extLst>
               <a:ext uri="{FF2B5EF4-FFF2-40B4-BE49-F238E27FC236}">
-                <a16:creationId xmlns:a16="http://schemas.microsoft.com/office/drawing/2014/main" xmlns="" id="{364E99E8-A09C-4B3D-BEEE-5D23EC68C987}"/>
+                <a16:creationId xmlns="" xmlns:a16="http://schemas.microsoft.com/office/drawing/2014/main" id="{364E99E8-A09C-4B3D-BEEE-5D23EC68C987}"/>
               </a:ext>
             </a:extLst>
           </p:cNvPr>
@@ -11913,7 +11913,7 @@
           <p:cNvPr id="40" name="TextBox 39">
             <a:extLst>
               <a:ext uri="{FF2B5EF4-FFF2-40B4-BE49-F238E27FC236}">
-                <a16:creationId xmlns:a16="http://schemas.microsoft.com/office/drawing/2014/main" xmlns="" id="{C15776E0-C9E5-41A0-90EC-ED193AE8E9A2}"/>
+                <a16:creationId xmlns="" xmlns:a16="http://schemas.microsoft.com/office/drawing/2014/main" id="{C15776E0-C9E5-41A0-90EC-ED193AE8E9A2}"/>
               </a:ext>
             </a:extLst>
           </p:cNvPr>
@@ -11950,7 +11950,7 @@
           <p:cNvPr id="41" name="TextBox 40">
             <a:extLst>
               <a:ext uri="{FF2B5EF4-FFF2-40B4-BE49-F238E27FC236}">
-                <a16:creationId xmlns:a16="http://schemas.microsoft.com/office/drawing/2014/main" xmlns="" id="{5833ED93-0BC9-4777-BECA-C9478AC8027A}"/>
+                <a16:creationId xmlns="" xmlns:a16="http://schemas.microsoft.com/office/drawing/2014/main" id="{5833ED93-0BC9-4777-BECA-C9478AC8027A}"/>
               </a:ext>
             </a:extLst>
           </p:cNvPr>
@@ -11987,7 +11987,7 @@
           <p:cNvPr id="42" name="TextBox 41">
             <a:extLst>
               <a:ext uri="{FF2B5EF4-FFF2-40B4-BE49-F238E27FC236}">
-                <a16:creationId xmlns:a16="http://schemas.microsoft.com/office/drawing/2014/main" xmlns="" id="{0B54336C-54D2-4BC3-81A0-224422FF32CB}"/>
+                <a16:creationId xmlns="" xmlns:a16="http://schemas.microsoft.com/office/drawing/2014/main" id="{0B54336C-54D2-4BC3-81A0-224422FF32CB}"/>
               </a:ext>
             </a:extLst>
           </p:cNvPr>
@@ -12024,7 +12024,7 @@
           <p:cNvPr id="45" name="TextBox 44">
             <a:extLst>
               <a:ext uri="{FF2B5EF4-FFF2-40B4-BE49-F238E27FC236}">
-                <a16:creationId xmlns:a16="http://schemas.microsoft.com/office/drawing/2014/main" xmlns="" id="{2DE82AF6-A0E8-49D0-827D-E73A55F68FC1}"/>
+                <a16:creationId xmlns="" xmlns:a16="http://schemas.microsoft.com/office/drawing/2014/main" id="{2DE82AF6-A0E8-49D0-827D-E73A55F68FC1}"/>
               </a:ext>
             </a:extLst>
           </p:cNvPr>
@@ -12061,7 +12061,7 @@
           <p:cNvPr id="46" name="TextBox 45">
             <a:extLst>
               <a:ext uri="{FF2B5EF4-FFF2-40B4-BE49-F238E27FC236}">
-                <a16:creationId xmlns:a16="http://schemas.microsoft.com/office/drawing/2014/main" xmlns="" id="{DB1A34F2-31F8-463D-A344-14D2069A3DBA}"/>
+                <a16:creationId xmlns="" xmlns:a16="http://schemas.microsoft.com/office/drawing/2014/main" id="{DB1A34F2-31F8-463D-A344-14D2069A3DBA}"/>
               </a:ext>
             </a:extLst>
           </p:cNvPr>
@@ -12098,7 +12098,7 @@
           <p:cNvPr id="47" name="TextBox 46">
             <a:extLst>
               <a:ext uri="{FF2B5EF4-FFF2-40B4-BE49-F238E27FC236}">
-                <a16:creationId xmlns:a16="http://schemas.microsoft.com/office/drawing/2014/main" xmlns="" id="{949B3861-2E42-42D5-BAFB-F97BEE0E038B}"/>
+                <a16:creationId xmlns="" xmlns:a16="http://schemas.microsoft.com/office/drawing/2014/main" id="{949B3861-2E42-42D5-BAFB-F97BEE0E038B}"/>
               </a:ext>
             </a:extLst>
           </p:cNvPr>
@@ -12135,7 +12135,7 @@
           <p:cNvPr id="48" name="TextBox 47">
             <a:extLst>
               <a:ext uri="{FF2B5EF4-FFF2-40B4-BE49-F238E27FC236}">
-                <a16:creationId xmlns:a16="http://schemas.microsoft.com/office/drawing/2014/main" xmlns="" id="{D8C31931-2FC7-41F8-820E-70A0A6B9F179}"/>
+                <a16:creationId xmlns="" xmlns:a16="http://schemas.microsoft.com/office/drawing/2014/main" id="{D8C31931-2FC7-41F8-820E-70A0A6B9F179}"/>
               </a:ext>
             </a:extLst>
           </p:cNvPr>
@@ -12172,7 +12172,7 @@
           <p:cNvPr id="49" name="TextBox 48">
             <a:extLst>
               <a:ext uri="{FF2B5EF4-FFF2-40B4-BE49-F238E27FC236}">
-                <a16:creationId xmlns:a16="http://schemas.microsoft.com/office/drawing/2014/main" xmlns="" id="{9CDD0A07-C504-4B48-925A-F9A6BA21FB98}"/>
+                <a16:creationId xmlns="" xmlns:a16="http://schemas.microsoft.com/office/drawing/2014/main" id="{9CDD0A07-C504-4B48-925A-F9A6BA21FB98}"/>
               </a:ext>
             </a:extLst>
           </p:cNvPr>
@@ -12209,7 +12209,7 @@
           <p:cNvPr id="50" name="TextBox 49">
             <a:extLst>
               <a:ext uri="{FF2B5EF4-FFF2-40B4-BE49-F238E27FC236}">
-                <a16:creationId xmlns:a16="http://schemas.microsoft.com/office/drawing/2014/main" xmlns="" id="{A9ECA51C-C425-4946-BF9F-09407F2FBA4C}"/>
+                <a16:creationId xmlns="" xmlns:a16="http://schemas.microsoft.com/office/drawing/2014/main" id="{A9ECA51C-C425-4946-BF9F-09407F2FBA4C}"/>
               </a:ext>
             </a:extLst>
           </p:cNvPr>
@@ -12246,7 +12246,7 @@
           <p:cNvPr id="51" name="TextBox 50">
             <a:extLst>
               <a:ext uri="{FF2B5EF4-FFF2-40B4-BE49-F238E27FC236}">
-                <a16:creationId xmlns:a16="http://schemas.microsoft.com/office/drawing/2014/main" xmlns="" id="{55787D8D-9ED1-4999-A251-58AA218BB274}"/>
+                <a16:creationId xmlns="" xmlns:a16="http://schemas.microsoft.com/office/drawing/2014/main" id="{55787D8D-9ED1-4999-A251-58AA218BB274}"/>
               </a:ext>
             </a:extLst>
           </p:cNvPr>
@@ -12283,7 +12283,7 @@
           <p:cNvPr id="52" name="TextBox 51">
             <a:extLst>
               <a:ext uri="{FF2B5EF4-FFF2-40B4-BE49-F238E27FC236}">
-                <a16:creationId xmlns:a16="http://schemas.microsoft.com/office/drawing/2014/main" xmlns="" id="{7246F523-EC24-4694-AB85-D279B6B61AE7}"/>
+                <a16:creationId xmlns="" xmlns:a16="http://schemas.microsoft.com/office/drawing/2014/main" id="{7246F523-EC24-4694-AB85-D279B6B61AE7}"/>
               </a:ext>
             </a:extLst>
           </p:cNvPr>
@@ -12320,7 +12320,7 @@
           <p:cNvPr id="53" name="TextBox 52">
             <a:extLst>
               <a:ext uri="{FF2B5EF4-FFF2-40B4-BE49-F238E27FC236}">
-                <a16:creationId xmlns:a16="http://schemas.microsoft.com/office/drawing/2014/main" xmlns="" id="{37B73226-5AF4-417B-BB31-A3984DA358DA}"/>
+                <a16:creationId xmlns="" xmlns:a16="http://schemas.microsoft.com/office/drawing/2014/main" id="{37B73226-5AF4-417B-BB31-A3984DA358DA}"/>
               </a:ext>
             </a:extLst>
           </p:cNvPr>
@@ -12357,7 +12357,7 @@
           <p:cNvPr id="54" name="TextBox 53">
             <a:extLst>
               <a:ext uri="{FF2B5EF4-FFF2-40B4-BE49-F238E27FC236}">
-                <a16:creationId xmlns:a16="http://schemas.microsoft.com/office/drawing/2014/main" xmlns="" id="{785D348E-9980-4518-956E-53FAF8C0A198}"/>
+                <a16:creationId xmlns="" xmlns:a16="http://schemas.microsoft.com/office/drawing/2014/main" id="{785D348E-9980-4518-956E-53FAF8C0A198}"/>
               </a:ext>
             </a:extLst>
           </p:cNvPr>
@@ -12394,7 +12394,7 @@
           <p:cNvPr id="55" name="TextBox 54">
             <a:extLst>
               <a:ext uri="{FF2B5EF4-FFF2-40B4-BE49-F238E27FC236}">
-                <a16:creationId xmlns:a16="http://schemas.microsoft.com/office/drawing/2014/main" xmlns="" id="{0FDCA593-B62B-4F17-A809-EEA74578B5CC}"/>
+                <a16:creationId xmlns="" xmlns:a16="http://schemas.microsoft.com/office/drawing/2014/main" id="{0FDCA593-B62B-4F17-A809-EEA74578B5CC}"/>
               </a:ext>
             </a:extLst>
           </p:cNvPr>
@@ -12431,7 +12431,7 @@
           <p:cNvPr id="56" name="TextBox 55">
             <a:extLst>
               <a:ext uri="{FF2B5EF4-FFF2-40B4-BE49-F238E27FC236}">
-                <a16:creationId xmlns:a16="http://schemas.microsoft.com/office/drawing/2014/main" xmlns="" id="{FA7415B3-09A3-4F4A-90BE-D2862DCEC34A}"/>
+                <a16:creationId xmlns="" xmlns:a16="http://schemas.microsoft.com/office/drawing/2014/main" id="{FA7415B3-09A3-4F4A-90BE-D2862DCEC34A}"/>
               </a:ext>
             </a:extLst>
           </p:cNvPr>
@@ -12468,7 +12468,7 @@
           <p:cNvPr id="57" name="TextBox 56">
             <a:extLst>
               <a:ext uri="{FF2B5EF4-FFF2-40B4-BE49-F238E27FC236}">
-                <a16:creationId xmlns:a16="http://schemas.microsoft.com/office/drawing/2014/main" xmlns="" id="{00C4B18D-18C8-4A30-AD71-42EC99135D27}"/>
+                <a16:creationId xmlns="" xmlns:a16="http://schemas.microsoft.com/office/drawing/2014/main" id="{00C4B18D-18C8-4A30-AD71-42EC99135D27}"/>
               </a:ext>
             </a:extLst>
           </p:cNvPr>
@@ -12505,7 +12505,7 @@
           <p:cNvPr id="58" name="TextBox 57">
             <a:extLst>
               <a:ext uri="{FF2B5EF4-FFF2-40B4-BE49-F238E27FC236}">
-                <a16:creationId xmlns:a16="http://schemas.microsoft.com/office/drawing/2014/main" xmlns="" id="{D39CE8D5-65A0-4619-85EA-29EB83B11044}"/>
+                <a16:creationId xmlns="" xmlns:a16="http://schemas.microsoft.com/office/drawing/2014/main" id="{D39CE8D5-65A0-4619-85EA-29EB83B11044}"/>
               </a:ext>
             </a:extLst>
           </p:cNvPr>
@@ -12542,7 +12542,7 @@
           <p:cNvPr id="59" name="TextBox 58">
             <a:extLst>
               <a:ext uri="{FF2B5EF4-FFF2-40B4-BE49-F238E27FC236}">
-                <a16:creationId xmlns:a16="http://schemas.microsoft.com/office/drawing/2014/main" xmlns="" id="{61A1AAC2-E01E-4B68-9105-5902040CE611}"/>
+                <a16:creationId xmlns="" xmlns:a16="http://schemas.microsoft.com/office/drawing/2014/main" id="{61A1AAC2-E01E-4B68-9105-5902040CE611}"/>
               </a:ext>
             </a:extLst>
           </p:cNvPr>
@@ -12579,7 +12579,7 @@
           <p:cNvPr id="60" name="TextBox 59">
             <a:extLst>
               <a:ext uri="{FF2B5EF4-FFF2-40B4-BE49-F238E27FC236}">
-                <a16:creationId xmlns:a16="http://schemas.microsoft.com/office/drawing/2014/main" xmlns="" id="{ECDFC2DA-CC33-4844-8147-B9CFD9F1866A}"/>
+                <a16:creationId xmlns="" xmlns:a16="http://schemas.microsoft.com/office/drawing/2014/main" id="{ECDFC2DA-CC33-4844-8147-B9CFD9F1866A}"/>
               </a:ext>
             </a:extLst>
           </p:cNvPr>
@@ -12616,7 +12616,7 @@
           <p:cNvPr id="61" name="TextBox 60">
             <a:extLst>
               <a:ext uri="{FF2B5EF4-FFF2-40B4-BE49-F238E27FC236}">
-                <a16:creationId xmlns:a16="http://schemas.microsoft.com/office/drawing/2014/main" xmlns="" id="{95D8FD8B-B8B4-4B61-B289-3A7353D81078}"/>
+                <a16:creationId xmlns="" xmlns:a16="http://schemas.microsoft.com/office/drawing/2014/main" id="{95D8FD8B-B8B4-4B61-B289-3A7353D81078}"/>
               </a:ext>
             </a:extLst>
           </p:cNvPr>
@@ -12653,7 +12653,7 @@
           <p:cNvPr id="62" name="TextBox 61">
             <a:extLst>
               <a:ext uri="{FF2B5EF4-FFF2-40B4-BE49-F238E27FC236}">
-                <a16:creationId xmlns:a16="http://schemas.microsoft.com/office/drawing/2014/main" xmlns="" id="{B0314713-63C7-43FD-87B5-3FD8A8F977DC}"/>
+                <a16:creationId xmlns="" xmlns:a16="http://schemas.microsoft.com/office/drawing/2014/main" id="{B0314713-63C7-43FD-87B5-3FD8A8F977DC}"/>
               </a:ext>
             </a:extLst>
           </p:cNvPr>
@@ -12690,7 +12690,7 @@
           <p:cNvPr id="63" name="TextBox 62">
             <a:extLst>
               <a:ext uri="{FF2B5EF4-FFF2-40B4-BE49-F238E27FC236}">
-                <a16:creationId xmlns:a16="http://schemas.microsoft.com/office/drawing/2014/main" xmlns="" id="{F403DCF9-7C65-456B-BAFE-5DDACC83498C}"/>
+                <a16:creationId xmlns="" xmlns:a16="http://schemas.microsoft.com/office/drawing/2014/main" id="{F403DCF9-7C65-456B-BAFE-5DDACC83498C}"/>
               </a:ext>
             </a:extLst>
           </p:cNvPr>
@@ -12727,7 +12727,7 @@
           <p:cNvPr id="64" name="TextBox 63">
             <a:extLst>
               <a:ext uri="{FF2B5EF4-FFF2-40B4-BE49-F238E27FC236}">
-                <a16:creationId xmlns:a16="http://schemas.microsoft.com/office/drawing/2014/main" xmlns="" id="{932BD6CE-AFB2-4528-9C4A-863BDDAE8122}"/>
+                <a16:creationId xmlns="" xmlns:a16="http://schemas.microsoft.com/office/drawing/2014/main" id="{932BD6CE-AFB2-4528-9C4A-863BDDAE8122}"/>
               </a:ext>
             </a:extLst>
           </p:cNvPr>
@@ -12764,7 +12764,7 @@
           <p:cNvPr id="65" name="TextBox 64">
             <a:extLst>
               <a:ext uri="{FF2B5EF4-FFF2-40B4-BE49-F238E27FC236}">
-                <a16:creationId xmlns:a16="http://schemas.microsoft.com/office/drawing/2014/main" xmlns="" id="{3168B3D8-B14C-4711-941B-89D29183EF3C}"/>
+                <a16:creationId xmlns="" xmlns:a16="http://schemas.microsoft.com/office/drawing/2014/main" id="{3168B3D8-B14C-4711-941B-89D29183EF3C}"/>
               </a:ext>
             </a:extLst>
           </p:cNvPr>
@@ -12801,7 +12801,7 @@
           <p:cNvPr id="66" name="TextBox 65">
             <a:extLst>
               <a:ext uri="{FF2B5EF4-FFF2-40B4-BE49-F238E27FC236}">
-                <a16:creationId xmlns:a16="http://schemas.microsoft.com/office/drawing/2014/main" xmlns="" id="{5A6AB1F3-6B70-4C2D-B1CB-4E98B378EB7D}"/>
+                <a16:creationId xmlns="" xmlns:a16="http://schemas.microsoft.com/office/drawing/2014/main" id="{5A6AB1F3-6B70-4C2D-B1CB-4E98B378EB7D}"/>
               </a:ext>
             </a:extLst>
           </p:cNvPr>
@@ -12838,7 +12838,7 @@
           <p:cNvPr id="67" name="TextBox 66">
             <a:extLst>
               <a:ext uri="{FF2B5EF4-FFF2-40B4-BE49-F238E27FC236}">
-                <a16:creationId xmlns:a16="http://schemas.microsoft.com/office/drawing/2014/main" xmlns="" id="{F103C784-26E5-4FBC-A0B3-73FF0422AEEE}"/>
+                <a16:creationId xmlns="" xmlns:a16="http://schemas.microsoft.com/office/drawing/2014/main" id="{F103C784-26E5-4FBC-A0B3-73FF0422AEEE}"/>
               </a:ext>
             </a:extLst>
           </p:cNvPr>
@@ -12875,7 +12875,7 @@
           <p:cNvPr id="5" name="직선 연결선 4">
             <a:extLst>
               <a:ext uri="{FF2B5EF4-FFF2-40B4-BE49-F238E27FC236}">
-                <a16:creationId xmlns:a16="http://schemas.microsoft.com/office/drawing/2014/main" xmlns="" id="{C5C227FC-0406-44E9-9AC9-6A81FF50E9AB}"/>
+                <a16:creationId xmlns="" xmlns:a16="http://schemas.microsoft.com/office/drawing/2014/main" id="{C5C227FC-0406-44E9-9AC9-6A81FF50E9AB}"/>
               </a:ext>
             </a:extLst>
           </p:cNvPr>
@@ -12916,7 +12916,7 @@
           <p:cNvPr id="68" name="직선 연결선 67">
             <a:extLst>
               <a:ext uri="{FF2B5EF4-FFF2-40B4-BE49-F238E27FC236}">
-                <a16:creationId xmlns:a16="http://schemas.microsoft.com/office/drawing/2014/main" xmlns="" id="{21D8B38D-0F89-4873-9971-35606AA85404}"/>
+                <a16:creationId xmlns="" xmlns:a16="http://schemas.microsoft.com/office/drawing/2014/main" id="{21D8B38D-0F89-4873-9971-35606AA85404}"/>
               </a:ext>
             </a:extLst>
           </p:cNvPr>
@@ -12959,7 +12959,7 @@
           <p:cNvPr id="69" name="직선 연결선 68">
             <a:extLst>
               <a:ext uri="{FF2B5EF4-FFF2-40B4-BE49-F238E27FC236}">
-                <a16:creationId xmlns:a16="http://schemas.microsoft.com/office/drawing/2014/main" xmlns="" id="{3260DB80-3E3F-4E14-9BC0-EBB89FD55910}"/>
+                <a16:creationId xmlns="" xmlns:a16="http://schemas.microsoft.com/office/drawing/2014/main" id="{3260DB80-3E3F-4E14-9BC0-EBB89FD55910}"/>
               </a:ext>
             </a:extLst>
           </p:cNvPr>
@@ -13002,7 +13002,7 @@
           <p:cNvPr id="70" name="직선 연결선 69">
             <a:extLst>
               <a:ext uri="{FF2B5EF4-FFF2-40B4-BE49-F238E27FC236}">
-                <a16:creationId xmlns:a16="http://schemas.microsoft.com/office/drawing/2014/main" xmlns="" id="{0DAA53C9-6D2D-46A8-95EF-11AF58708348}"/>
+                <a16:creationId xmlns="" xmlns:a16="http://schemas.microsoft.com/office/drawing/2014/main" id="{0DAA53C9-6D2D-46A8-95EF-11AF58708348}"/>
               </a:ext>
             </a:extLst>
           </p:cNvPr>
@@ -13045,7 +13045,7 @@
           <p:cNvPr id="71" name="직선 연결선 70">
             <a:extLst>
               <a:ext uri="{FF2B5EF4-FFF2-40B4-BE49-F238E27FC236}">
-                <a16:creationId xmlns:a16="http://schemas.microsoft.com/office/drawing/2014/main" xmlns="" id="{7C989169-C91E-457F-8BE3-1BDDF19064DF}"/>
+                <a16:creationId xmlns="" xmlns:a16="http://schemas.microsoft.com/office/drawing/2014/main" id="{7C989169-C91E-457F-8BE3-1BDDF19064DF}"/>
               </a:ext>
             </a:extLst>
           </p:cNvPr>
@@ -13088,7 +13088,7 @@
           <p:cNvPr id="25" name="직선 연결선 24">
             <a:extLst>
               <a:ext uri="{FF2B5EF4-FFF2-40B4-BE49-F238E27FC236}">
-                <a16:creationId xmlns:a16="http://schemas.microsoft.com/office/drawing/2014/main" xmlns="" id="{3F4DB0AE-5C3A-4C4A-B9E8-41FEE24DBA39}"/>
+                <a16:creationId xmlns="" xmlns:a16="http://schemas.microsoft.com/office/drawing/2014/main" id="{3F4DB0AE-5C3A-4C4A-B9E8-41FEE24DBA39}"/>
               </a:ext>
             </a:extLst>
           </p:cNvPr>
@@ -13129,7 +13129,7 @@
           <p:cNvPr id="37" name="직선 연결선 36">
             <a:extLst>
               <a:ext uri="{FF2B5EF4-FFF2-40B4-BE49-F238E27FC236}">
-                <a16:creationId xmlns:a16="http://schemas.microsoft.com/office/drawing/2014/main" xmlns="" id="{D1CAE60B-2256-4113-BE19-C82C193F9394}"/>
+                <a16:creationId xmlns="" xmlns:a16="http://schemas.microsoft.com/office/drawing/2014/main" id="{D1CAE60B-2256-4113-BE19-C82C193F9394}"/>
               </a:ext>
             </a:extLst>
           </p:cNvPr>
@@ -13170,7 +13170,7 @@
           <p:cNvPr id="72" name="직선 연결선 71">
             <a:extLst>
               <a:ext uri="{FF2B5EF4-FFF2-40B4-BE49-F238E27FC236}">
-                <a16:creationId xmlns:a16="http://schemas.microsoft.com/office/drawing/2014/main" xmlns="" id="{61EF895A-63F5-42E2-AAF4-B1E7EB9BDD3C}"/>
+                <a16:creationId xmlns="" xmlns:a16="http://schemas.microsoft.com/office/drawing/2014/main" id="{61EF895A-63F5-42E2-AAF4-B1E7EB9BDD3C}"/>
               </a:ext>
             </a:extLst>
           </p:cNvPr>
@@ -13211,7 +13211,7 @@
           <p:cNvPr id="75" name="직선 연결선 74">
             <a:extLst>
               <a:ext uri="{FF2B5EF4-FFF2-40B4-BE49-F238E27FC236}">
-                <a16:creationId xmlns:a16="http://schemas.microsoft.com/office/drawing/2014/main" xmlns="" id="{E623654B-1E62-483B-B35C-1E335D6A9058}"/>
+                <a16:creationId xmlns="" xmlns:a16="http://schemas.microsoft.com/office/drawing/2014/main" id="{E623654B-1E62-483B-B35C-1E335D6A9058}"/>
               </a:ext>
             </a:extLst>
           </p:cNvPr>
@@ -13252,7 +13252,7 @@
           <p:cNvPr id="78" name="타원 77">
             <a:extLst>
               <a:ext uri="{FF2B5EF4-FFF2-40B4-BE49-F238E27FC236}">
-                <a16:creationId xmlns:a16="http://schemas.microsoft.com/office/drawing/2014/main" xmlns="" id="{E467CE54-DB05-4418-95A6-30E2DA187633}"/>
+                <a16:creationId xmlns="" xmlns:a16="http://schemas.microsoft.com/office/drawing/2014/main" id="{E467CE54-DB05-4418-95A6-30E2DA187633}"/>
               </a:ext>
             </a:extLst>
           </p:cNvPr>
@@ -13304,7 +13304,7 @@
           <p:cNvPr id="79" name="타원 78">
             <a:extLst>
               <a:ext uri="{FF2B5EF4-FFF2-40B4-BE49-F238E27FC236}">
-                <a16:creationId xmlns:a16="http://schemas.microsoft.com/office/drawing/2014/main" xmlns="" id="{DD6595A0-469E-495E-823D-02D648D249A2}"/>
+                <a16:creationId xmlns="" xmlns:a16="http://schemas.microsoft.com/office/drawing/2014/main" id="{DD6595A0-469E-495E-823D-02D648D249A2}"/>
               </a:ext>
             </a:extLst>
           </p:cNvPr>
@@ -13356,7 +13356,7 @@
           <p:cNvPr id="80" name="타원 79">
             <a:extLst>
               <a:ext uri="{FF2B5EF4-FFF2-40B4-BE49-F238E27FC236}">
-                <a16:creationId xmlns:a16="http://schemas.microsoft.com/office/drawing/2014/main" xmlns="" id="{380A52DE-386E-466E-8CE1-478CE99269CF}"/>
+                <a16:creationId xmlns="" xmlns:a16="http://schemas.microsoft.com/office/drawing/2014/main" id="{380A52DE-386E-466E-8CE1-478CE99269CF}"/>
               </a:ext>
             </a:extLst>
           </p:cNvPr>
@@ -13408,7 +13408,7 @@
           <p:cNvPr id="81" name="타원 80">
             <a:extLst>
               <a:ext uri="{FF2B5EF4-FFF2-40B4-BE49-F238E27FC236}">
-                <a16:creationId xmlns:a16="http://schemas.microsoft.com/office/drawing/2014/main" xmlns="" id="{EB6628E6-B359-4CCF-A13D-CB76A165A1F3}"/>
+                <a16:creationId xmlns="" xmlns:a16="http://schemas.microsoft.com/office/drawing/2014/main" id="{EB6628E6-B359-4CCF-A13D-CB76A165A1F3}"/>
               </a:ext>
             </a:extLst>
           </p:cNvPr>
@@ -13460,7 +13460,7 @@
           <p:cNvPr id="82" name="타원 81">
             <a:extLst>
               <a:ext uri="{FF2B5EF4-FFF2-40B4-BE49-F238E27FC236}">
-                <a16:creationId xmlns:a16="http://schemas.microsoft.com/office/drawing/2014/main" xmlns="" id="{2CE6625E-AA47-4389-AF07-AB4A18EDD60B}"/>
+                <a16:creationId xmlns="" xmlns:a16="http://schemas.microsoft.com/office/drawing/2014/main" id="{2CE6625E-AA47-4389-AF07-AB4A18EDD60B}"/>
               </a:ext>
             </a:extLst>
           </p:cNvPr>
@@ -13512,7 +13512,7 @@
           <p:cNvPr id="76" name="타원 75">
             <a:extLst>
               <a:ext uri="{FF2B5EF4-FFF2-40B4-BE49-F238E27FC236}">
-                <a16:creationId xmlns:a16="http://schemas.microsoft.com/office/drawing/2014/main" xmlns="" id="{E467CE54-DB05-4418-95A6-30E2DA187633}"/>
+                <a16:creationId xmlns="" xmlns:a16="http://schemas.microsoft.com/office/drawing/2014/main" id="{E467CE54-DB05-4418-95A6-30E2DA187633}"/>
               </a:ext>
             </a:extLst>
           </p:cNvPr>
@@ -14097,70 +14097,921 @@
           <a:chExt cx="0" cy="0"/>
         </a:xfrm>
       </p:grpSpPr>
-      <p:pic>
-        <p:nvPicPr>
-          <p:cNvPr id="1026" name="Picture 2"/>
-          <p:cNvPicPr>
-            <a:picLocks noChangeAspect="1" noChangeArrowheads="1"/>
-          </p:cNvPicPr>
-          <p:nvPr/>
-        </p:nvPicPr>
-        <p:blipFill>
-          <a:blip r:embed="rId2">
-            <a:extLst>
-              <a:ext uri="{28A0092B-C50C-407E-A947-70E740481C1C}">
-                <a14:useLocalDpi xmlns:a14="http://schemas.microsoft.com/office/drawing/2010/main" val="0"/>
-              </a:ext>
-            </a:extLst>
-          </a:blip>
-          <a:srcRect/>
-          <a:stretch>
-            <a:fillRect/>
-          </a:stretch>
-        </p:blipFill>
-        <p:spPr bwMode="auto">
-          <a:xfrm>
-            <a:off x="3686175" y="2947988"/>
-            <a:ext cx="4819650" cy="962025"/>
-          </a:xfrm>
-          <a:prstGeom prst="rect">
-            <a:avLst/>
-          </a:prstGeom>
-          <a:noFill/>
-          <a:ln>
-            <a:noFill/>
+      <mc:AlternateContent xmlns:mc="http://schemas.openxmlformats.org/markup-compatibility/2006">
+        <mc:Choice xmlns:a14="http://schemas.microsoft.com/office/drawing/2010/main" Requires="a14">
+          <p:sp>
+            <p:nvSpPr>
+              <p:cNvPr id="2" name="TextBox 1"/>
+              <p:cNvSpPr txBox="1"/>
+              <p:nvPr/>
+            </p:nvSpPr>
+            <p:spPr>
+              <a:xfrm>
+                <a:off x="3947160" y="2632033"/>
+                <a:ext cx="1838965" cy="908134"/>
+              </a:xfrm>
+              <a:prstGeom prst="rect">
+                <a:avLst/>
+              </a:prstGeom>
+              <a:noFill/>
+            </p:spPr>
+            <p:txBody>
+              <a:bodyPr wrap="none" rtlCol="0">
+                <a:spAutoFit/>
+              </a:bodyPr>
+              <a:lstStyle/>
+              <a:p>
+                <a14:m>
+                  <m:oMathPara xmlns:m="http://schemas.openxmlformats.org/officeDocument/2006/math">
+                    <m:oMathParaPr>
+                      <m:jc m:val="centerGroup"/>
+                    </m:oMathParaPr>
+                    <m:oMath xmlns:m="http://schemas.openxmlformats.org/officeDocument/2006/math">
+                      <m:m>
+                        <m:mPr>
+                          <m:mcs>
+                            <m:mc>
+                              <m:mcPr>
+                                <m:count m:val="3"/>
+                                <m:mcJc m:val="center"/>
+                              </m:mcPr>
+                            </m:mc>
+                          </m:mcs>
+                          <m:ctrlPr>
+                            <a:rPr lang="en-US" altLang="ko-KR" i="1" smtClean="0">
+                              <a:latin typeface="Cambria Math"/>
+                            </a:rPr>
+                          </m:ctrlPr>
+                        </m:mPr>
+                        <m:mr>
+                          <m:e>
+                            <m:r>
+                              <m:rPr>
+                                <m:brk m:alnAt="7"/>
+                              </m:rPr>
+                              <a:rPr lang="en-US" altLang="ko-KR" b="0" i="1" smtClean="0">
+                                <a:latin typeface="Cambria Math"/>
+                              </a:rPr>
+                              <m:t>5</m:t>
+                            </m:r>
+                          </m:e>
+                          <m:e>
+                            <m:r>
+                              <a:rPr lang="en-US" altLang="ko-KR" b="0" i="1" smtClean="0">
+                                <a:latin typeface="Cambria Math"/>
+                              </a:rPr>
+                              <m:t>2</m:t>
+                            </m:r>
+                          </m:e>
+                          <m:e>
+                            <m:r>
+                              <a:rPr lang="en-US" altLang="ko-KR" b="0" i="1" smtClean="0">
+                                <a:latin typeface="Cambria Math"/>
+                              </a:rPr>
+                              <m:t>3</m:t>
+                            </m:r>
+                          </m:e>
+                        </m:mr>
+                        <m:mr>
+                          <m:e>
+                            <m:r>
+                              <a:rPr lang="en-US" altLang="ko-KR" b="0" i="1" smtClean="0">
+                                <a:latin typeface="Cambria Math"/>
+                              </a:rPr>
+                              <m:t>5/2</m:t>
+                            </m:r>
+                          </m:e>
+                          <m:e>
+                            <m:r>
+                              <a:rPr lang="en-US" altLang="ko-KR" b="0" i="1" smtClean="0">
+                                <a:latin typeface="Cambria Math"/>
+                              </a:rPr>
+                              <m:t>3/2</m:t>
+                            </m:r>
+                          </m:e>
+                          <m:e>
+                            <m:r>
+                              <a:rPr lang="en-US" altLang="ko-KR" b="0" i="1" smtClean="0">
+                                <a:latin typeface="Cambria Math"/>
+                              </a:rPr>
+                              <m:t>3/2</m:t>
+                            </m:r>
+                          </m:e>
+                        </m:mr>
+                        <m:mr>
+                          <m:e>
+                            <m:r>
+                              <a:rPr lang="en-US" altLang="ko-KR" b="0" i="1" smtClean="0">
+                                <a:latin typeface="Cambria Math"/>
+                              </a:rPr>
+                              <m:t>5/2</m:t>
+                            </m:r>
+                          </m:e>
+                          <m:e>
+                            <m:r>
+                              <a:rPr lang="en-US" altLang="ko-KR" b="0" i="1" smtClean="0">
+                                <a:latin typeface="Cambria Math"/>
+                              </a:rPr>
+                              <m:t>1/2</m:t>
+                            </m:r>
+                          </m:e>
+                          <m:e>
+                            <m:r>
+                              <a:rPr lang="en-US" altLang="ko-KR" b="0" i="1" smtClean="0">
+                                <a:latin typeface="Cambria Math"/>
+                              </a:rPr>
+                              <m:t>3/2</m:t>
+                            </m:r>
+                          </m:e>
+                        </m:mr>
+                      </m:m>
+                    </m:oMath>
+                  </m:oMathPara>
+                </a14:m>
+                <a:endParaRPr lang="ko-KR" altLang="en-US" dirty="0"/>
+              </a:p>
+            </p:txBody>
+          </p:sp>
+        </mc:Choice>
+        <mc:Fallback>
+          <p:sp>
+            <p:nvSpPr>
+              <p:cNvPr id="2" name="TextBox 1"/>
+              <p:cNvSpPr txBox="1">
+                <a:spLocks noRot="1" noChangeAspect="1" noMove="1" noResize="1" noEditPoints="1" noAdjustHandles="1" noChangeArrowheads="1" noChangeShapeType="1" noTextEdit="1"/>
+              </p:cNvSpPr>
+              <p:nvPr/>
+            </p:nvSpPr>
+            <p:spPr>
+              <a:xfrm>
+                <a:off x="3947160" y="2632033"/>
+                <a:ext cx="1838965" cy="908134"/>
+              </a:xfrm>
+              <a:prstGeom prst="rect">
+                <a:avLst/>
+              </a:prstGeom>
+              <a:blipFill rotWithShape="1">
+                <a:blip r:embed="rId2"/>
+                <a:stretch>
+                  <a:fillRect/>
+                </a:stretch>
+              </a:blipFill>
+            </p:spPr>
+            <p:txBody>
+              <a:bodyPr/>
+              <a:lstStyle/>
+              <a:p>
+                <a:r>
+                  <a:rPr lang="ko-KR" altLang="en-US">
+                    <a:noFill/>
+                  </a:rPr>
+                  <a:t> </a:t>
+                </a:r>
+              </a:p>
+            </p:txBody>
+          </p:sp>
+        </mc:Fallback>
+      </mc:AlternateContent>
+      <p:cxnSp>
+        <p:nvCxnSpPr>
+          <p:cNvPr id="4" name="직선 연결선 3"/>
+          <p:cNvCxnSpPr/>
+          <p:nvPr/>
+        </p:nvCxnSpPr>
+        <p:spPr>
+          <a:xfrm>
+            <a:off x="3947160" y="2598420"/>
+            <a:ext cx="0" cy="975360"/>
+          </a:xfrm>
+          <a:prstGeom prst="line">
+            <a:avLst/>
+          </a:prstGeom>
+          <a:ln w="19050">
+            <a:solidFill>
+              <a:schemeClr val="tx1"/>
+            </a:solidFill>
           </a:ln>
-          <a:effectLst/>
-          <a:extLst>
-            <a:ext uri="{909E8E84-426E-40DD-AFC4-6F175D3DCCD1}">
-              <a14:hiddenFill xmlns:a14="http://schemas.microsoft.com/office/drawing/2010/main">
-                <a:solidFill>
-                  <a:schemeClr val="accent1"/>
-                </a:solidFill>
-              </a14:hiddenFill>
-            </a:ext>
-            <a:ext uri="{91240B29-F687-4F45-9708-019B960494DF}">
-              <a14:hiddenLine xmlns:a14="http://schemas.microsoft.com/office/drawing/2010/main" w="9525">
-                <a:solidFill>
-                  <a:schemeClr val="tx1"/>
-                </a:solidFill>
-                <a:miter lim="800000"/>
-                <a:headEnd/>
-                <a:tailEnd/>
-              </a14:hiddenLine>
-            </a:ext>
-            <a:ext uri="{AF507438-7753-43E0-B8FC-AC1667EBCBE1}">
-              <a14:hiddenEffects xmlns:a14="http://schemas.microsoft.com/office/drawing/2010/main">
-                <a:effectLst>
-                  <a:outerShdw dist="35921" dir="2700000" algn="ctr" rotWithShape="0">
-                    <a:schemeClr val="bg2"/>
-                  </a:outerShdw>
-                </a:effectLst>
-              </a14:hiddenEffects>
-            </a:ext>
-          </a:extLst>
-        </p:spPr>
-      </p:pic>
+        </p:spPr>
+        <p:style>
+          <a:lnRef idx="1">
+            <a:schemeClr val="accent1"/>
+          </a:lnRef>
+          <a:fillRef idx="0">
+            <a:schemeClr val="accent1"/>
+          </a:fillRef>
+          <a:effectRef idx="0">
+            <a:schemeClr val="accent1"/>
+          </a:effectRef>
+          <a:fontRef idx="minor">
+            <a:schemeClr val="tx1"/>
+          </a:fontRef>
+        </p:style>
+      </p:cxnSp>
+      <p:cxnSp>
+        <p:nvCxnSpPr>
+          <p:cNvPr id="6" name="직선 연결선 5"/>
+          <p:cNvCxnSpPr/>
+          <p:nvPr/>
+        </p:nvCxnSpPr>
+        <p:spPr>
+          <a:xfrm>
+            <a:off x="3947160" y="3573780"/>
+            <a:ext cx="1838965" cy="0"/>
+          </a:xfrm>
+          <a:prstGeom prst="line">
+            <a:avLst/>
+          </a:prstGeom>
+          <a:ln w="19050">
+            <a:solidFill>
+              <a:schemeClr val="tx1"/>
+            </a:solidFill>
+          </a:ln>
+        </p:spPr>
+        <p:style>
+          <a:lnRef idx="1">
+            <a:schemeClr val="accent1"/>
+          </a:lnRef>
+          <a:fillRef idx="0">
+            <a:schemeClr val="accent1"/>
+          </a:fillRef>
+          <a:effectRef idx="0">
+            <a:schemeClr val="accent1"/>
+          </a:effectRef>
+          <a:fontRef idx="minor">
+            <a:schemeClr val="tx1"/>
+          </a:fontRef>
+        </p:style>
+      </p:cxnSp>
+      <mc:AlternateContent xmlns:mc="http://schemas.openxmlformats.org/markup-compatibility/2006">
+        <mc:Choice xmlns:a14="http://schemas.microsoft.com/office/drawing/2010/main" Requires="a14">
+          <p:sp>
+            <p:nvSpPr>
+              <p:cNvPr id="8" name="TextBox 7"/>
+              <p:cNvSpPr txBox="1"/>
+              <p:nvPr/>
+            </p:nvSpPr>
+            <p:spPr>
+              <a:xfrm>
+                <a:off x="5786125" y="2612745"/>
+                <a:ext cx="676980" cy="369332"/>
+              </a:xfrm>
+              <a:prstGeom prst="rect">
+                <a:avLst/>
+              </a:prstGeom>
+              <a:noFill/>
+            </p:spPr>
+            <p:txBody>
+              <a:bodyPr wrap="none" rtlCol="0">
+                <a:spAutoFit/>
+              </a:bodyPr>
+              <a:lstStyle/>
+              <a:p>
+                <a:r>
+                  <a:rPr lang="ko-KR" altLang="en-US" dirty="0" smtClean="0"/>
+                  <a:t>← </a:t>
+                </a:r>
+                <a14:m>
+                  <m:oMath xmlns:m="http://schemas.openxmlformats.org/officeDocument/2006/math">
+                    <m:sSub>
+                      <m:sSubPr>
+                        <m:ctrlPr>
+                          <a:rPr lang="en-US" altLang="ko-KR" b="0" i="1" smtClean="0">
+                            <a:latin typeface="Cambria Math"/>
+                          </a:rPr>
+                        </m:ctrlPr>
+                      </m:sSubPr>
+                      <m:e>
+                        <m:r>
+                          <a:rPr lang="en-US" altLang="ko-KR" b="0" i="1" smtClean="0">
+                            <a:latin typeface="Cambria Math"/>
+                          </a:rPr>
+                          <m:t>𝑟</m:t>
+                        </m:r>
+                      </m:e>
+                      <m:sub>
+                        <m:r>
+                          <a:rPr lang="en-US" altLang="ko-KR" b="0" i="1" smtClean="0">
+                            <a:latin typeface="Cambria Math"/>
+                          </a:rPr>
+                          <m:t>3</m:t>
+                        </m:r>
+                      </m:sub>
+                    </m:sSub>
+                  </m:oMath>
+                </a14:m>
+                <a:endParaRPr lang="ko-KR" altLang="en-US" dirty="0"/>
+              </a:p>
+            </p:txBody>
+          </p:sp>
+        </mc:Choice>
+        <mc:Fallback>
+          <p:sp>
+            <p:nvSpPr>
+              <p:cNvPr id="8" name="TextBox 7"/>
+              <p:cNvSpPr txBox="1">
+                <a:spLocks noRot="1" noChangeAspect="1" noMove="1" noResize="1" noEditPoints="1" noAdjustHandles="1" noChangeArrowheads="1" noChangeShapeType="1" noTextEdit="1"/>
+              </p:cNvSpPr>
+              <p:nvPr/>
+            </p:nvSpPr>
+            <p:spPr>
+              <a:xfrm>
+                <a:off x="5786125" y="2612745"/>
+                <a:ext cx="676980" cy="369332"/>
+              </a:xfrm>
+              <a:prstGeom prst="rect">
+                <a:avLst/>
+              </a:prstGeom>
+              <a:blipFill rotWithShape="1">
+                <a:blip r:embed="rId3"/>
+                <a:stretch>
+                  <a:fillRect l="-7207" t="-8333" b="-26667"/>
+                </a:stretch>
+              </a:blipFill>
+            </p:spPr>
+            <p:txBody>
+              <a:bodyPr/>
+              <a:lstStyle/>
+              <a:p>
+                <a:r>
+                  <a:rPr lang="ko-KR" altLang="en-US">
+                    <a:noFill/>
+                  </a:rPr>
+                  <a:t> </a:t>
+                </a:r>
+              </a:p>
+            </p:txBody>
+          </p:sp>
+        </mc:Fallback>
+      </mc:AlternateContent>
+      <mc:AlternateContent xmlns:mc="http://schemas.openxmlformats.org/markup-compatibility/2006">
+        <mc:Choice xmlns:a14="http://schemas.microsoft.com/office/drawing/2010/main" Requires="a14">
+          <p:sp>
+            <p:nvSpPr>
+              <p:cNvPr id="10" name="TextBox 9"/>
+              <p:cNvSpPr txBox="1"/>
+              <p:nvPr/>
+            </p:nvSpPr>
+            <p:spPr>
+              <a:xfrm>
+                <a:off x="5786125" y="2901434"/>
+                <a:ext cx="1011495" cy="369332"/>
+              </a:xfrm>
+              <a:prstGeom prst="rect">
+                <a:avLst/>
+              </a:prstGeom>
+              <a:noFill/>
+            </p:spPr>
+            <p:txBody>
+              <a:bodyPr wrap="none" rtlCol="0">
+                <a:spAutoFit/>
+              </a:bodyPr>
+              <a:lstStyle/>
+              <a:p>
+                <a:r>
+                  <a:rPr lang="ko-KR" altLang="en-US" dirty="0" smtClean="0"/>
+                  <a:t>←</a:t>
+                </a:r>
+                <a14:m>
+                  <m:oMath xmlns:m="http://schemas.openxmlformats.org/officeDocument/2006/math">
+                    <m:r>
+                      <a:rPr lang="en-US" altLang="ko-KR" b="0" i="1" smtClean="0">
+                        <a:latin typeface="Cambria Math"/>
+                      </a:rPr>
+                      <m:t>1/2 </m:t>
+                    </m:r>
+                    <m:sSub>
+                      <m:sSubPr>
+                        <m:ctrlPr>
+                          <a:rPr lang="en-US" altLang="ko-KR" b="0" i="1" smtClean="0">
+                            <a:latin typeface="Cambria Math"/>
+                          </a:rPr>
+                        </m:ctrlPr>
+                      </m:sSubPr>
+                      <m:e>
+                        <m:r>
+                          <a:rPr lang="en-US" altLang="ko-KR" b="0" i="1" smtClean="0">
+                            <a:latin typeface="Cambria Math"/>
+                          </a:rPr>
+                          <m:t>𝑟</m:t>
+                        </m:r>
+                      </m:e>
+                      <m:sub>
+                        <m:r>
+                          <a:rPr lang="en-US" altLang="ko-KR" b="0" i="1" smtClean="0">
+                            <a:latin typeface="Cambria Math"/>
+                          </a:rPr>
+                          <m:t>1</m:t>
+                        </m:r>
+                      </m:sub>
+                    </m:sSub>
+                  </m:oMath>
+                </a14:m>
+                <a:endParaRPr lang="ko-KR" altLang="en-US" dirty="0"/>
+              </a:p>
+            </p:txBody>
+          </p:sp>
+        </mc:Choice>
+        <mc:Fallback>
+          <p:sp>
+            <p:nvSpPr>
+              <p:cNvPr id="10" name="TextBox 9"/>
+              <p:cNvSpPr txBox="1">
+                <a:spLocks noRot="1" noChangeAspect="1" noMove="1" noResize="1" noEditPoints="1" noAdjustHandles="1" noChangeArrowheads="1" noChangeShapeType="1" noTextEdit="1"/>
+              </p:cNvSpPr>
+              <p:nvPr/>
+            </p:nvSpPr>
+            <p:spPr>
+              <a:xfrm>
+                <a:off x="5786125" y="2901434"/>
+                <a:ext cx="1011495" cy="369332"/>
+              </a:xfrm>
+              <a:prstGeom prst="rect">
+                <a:avLst/>
+              </a:prstGeom>
+              <a:blipFill rotWithShape="1">
+                <a:blip r:embed="rId4"/>
+                <a:stretch>
+                  <a:fillRect l="-4819" t="-8197" b="-24590"/>
+                </a:stretch>
+              </a:blipFill>
+            </p:spPr>
+            <p:txBody>
+              <a:bodyPr/>
+              <a:lstStyle/>
+              <a:p>
+                <a:r>
+                  <a:rPr lang="ko-KR" altLang="en-US">
+                    <a:noFill/>
+                  </a:rPr>
+                  <a:t> </a:t>
+                </a:r>
+              </a:p>
+            </p:txBody>
+          </p:sp>
+        </mc:Fallback>
+      </mc:AlternateContent>
+      <mc:AlternateContent xmlns:mc="http://schemas.openxmlformats.org/markup-compatibility/2006">
+        <mc:Choice xmlns:a14="http://schemas.microsoft.com/office/drawing/2010/main" Requires="a14">
+          <p:sp>
+            <p:nvSpPr>
+              <p:cNvPr id="12" name="TextBox 11"/>
+              <p:cNvSpPr txBox="1"/>
+              <p:nvPr/>
+            </p:nvSpPr>
+            <p:spPr>
+              <a:xfrm>
+                <a:off x="5786125" y="3170835"/>
+                <a:ext cx="1011495" cy="369332"/>
+              </a:xfrm>
+              <a:prstGeom prst="rect">
+                <a:avLst/>
+              </a:prstGeom>
+              <a:noFill/>
+            </p:spPr>
+            <p:txBody>
+              <a:bodyPr wrap="none" rtlCol="0">
+                <a:spAutoFit/>
+              </a:bodyPr>
+              <a:lstStyle/>
+              <a:p>
+                <a:r>
+                  <a:rPr lang="ko-KR" altLang="en-US" dirty="0" smtClean="0"/>
+                  <a:t>←</a:t>
+                </a:r>
+                <a14:m>
+                  <m:oMath xmlns:m="http://schemas.openxmlformats.org/officeDocument/2006/math">
+                    <m:r>
+                      <a:rPr lang="en-US" altLang="ko-KR" b="0" i="1" smtClean="0">
+                        <a:latin typeface="Cambria Math"/>
+                      </a:rPr>
+                      <m:t>1/2 </m:t>
+                    </m:r>
+                    <m:sSub>
+                      <m:sSubPr>
+                        <m:ctrlPr>
+                          <a:rPr lang="en-US" altLang="ko-KR" b="0" i="1" smtClean="0">
+                            <a:latin typeface="Cambria Math"/>
+                          </a:rPr>
+                        </m:ctrlPr>
+                      </m:sSubPr>
+                      <m:e>
+                        <m:r>
+                          <a:rPr lang="en-US" altLang="ko-KR" b="0" i="1" smtClean="0">
+                            <a:latin typeface="Cambria Math"/>
+                          </a:rPr>
+                          <m:t>𝑟</m:t>
+                        </m:r>
+                      </m:e>
+                      <m:sub>
+                        <m:r>
+                          <a:rPr lang="en-US" altLang="ko-KR" b="0" i="1" smtClean="0">
+                            <a:latin typeface="Cambria Math"/>
+                          </a:rPr>
+                          <m:t>2</m:t>
+                        </m:r>
+                      </m:sub>
+                    </m:sSub>
+                  </m:oMath>
+                </a14:m>
+                <a:endParaRPr lang="ko-KR" altLang="en-US" dirty="0"/>
+              </a:p>
+            </p:txBody>
+          </p:sp>
+        </mc:Choice>
+        <mc:Fallback>
+          <p:sp>
+            <p:nvSpPr>
+              <p:cNvPr id="12" name="TextBox 11"/>
+              <p:cNvSpPr txBox="1">
+                <a:spLocks noRot="1" noChangeAspect="1" noMove="1" noResize="1" noEditPoints="1" noAdjustHandles="1" noChangeArrowheads="1" noChangeShapeType="1" noTextEdit="1"/>
+              </p:cNvSpPr>
+              <p:nvPr/>
+            </p:nvSpPr>
+            <p:spPr>
+              <a:xfrm>
+                <a:off x="5786125" y="3170835"/>
+                <a:ext cx="1011495" cy="369332"/>
+              </a:xfrm>
+              <a:prstGeom prst="rect">
+                <a:avLst/>
+              </a:prstGeom>
+              <a:blipFill rotWithShape="1">
+                <a:blip r:embed="rId5"/>
+                <a:stretch>
+                  <a:fillRect l="-4819" t="-8197" b="-24590"/>
+                </a:stretch>
+              </a:blipFill>
+            </p:spPr>
+            <p:txBody>
+              <a:bodyPr/>
+              <a:lstStyle/>
+              <a:p>
+                <a:r>
+                  <a:rPr lang="ko-KR" altLang="en-US">
+                    <a:noFill/>
+                  </a:rPr>
+                  <a:t> </a:t>
+                </a:r>
+              </a:p>
+            </p:txBody>
+          </p:sp>
+        </mc:Fallback>
+      </mc:AlternateContent>
+      <p:sp>
+        <p:nvSpPr>
+          <p:cNvPr id="13" name="TextBox 12"/>
+          <p:cNvSpPr txBox="1"/>
+          <p:nvPr/>
+        </p:nvSpPr>
+        <p:spPr>
+          <a:xfrm>
+            <a:off x="3667916" y="3170835"/>
+            <a:ext cx="279244" cy="369332"/>
+          </a:xfrm>
+          <a:prstGeom prst="rect">
+            <a:avLst/>
+          </a:prstGeom>
+          <a:noFill/>
+        </p:spPr>
+        <p:txBody>
+          <a:bodyPr wrap="none" rtlCol="0">
+            <a:spAutoFit/>
+          </a:bodyPr>
+          <a:lstStyle/>
+          <a:p>
+            <a:r>
+              <a:rPr lang="en-US" altLang="ko-KR" dirty="0" smtClean="0"/>
+              <a:t>-</a:t>
+            </a:r>
+            <a:endParaRPr lang="ko-KR" altLang="en-US" dirty="0"/>
+          </a:p>
+        </p:txBody>
+      </p:sp>
+      <p:sp>
+        <p:nvSpPr>
+          <p:cNvPr id="14" name="TextBox 13"/>
+          <p:cNvSpPr txBox="1"/>
+          <p:nvPr/>
+        </p:nvSpPr>
+        <p:spPr>
+          <a:xfrm>
+            <a:off x="3667916" y="2901434"/>
+            <a:ext cx="279244" cy="369332"/>
+          </a:xfrm>
+          <a:prstGeom prst="rect">
+            <a:avLst/>
+          </a:prstGeom>
+          <a:noFill/>
+        </p:spPr>
+        <p:txBody>
+          <a:bodyPr wrap="none" rtlCol="0">
+            <a:spAutoFit/>
+          </a:bodyPr>
+          <a:lstStyle/>
+          <a:p>
+            <a:r>
+              <a:rPr lang="en-US" altLang="ko-KR" dirty="0" smtClean="0"/>
+              <a:t>-</a:t>
+            </a:r>
+            <a:endParaRPr lang="ko-KR" altLang="en-US" dirty="0"/>
+          </a:p>
+        </p:txBody>
+      </p:sp>
+      <mc:AlternateContent xmlns:mc="http://schemas.openxmlformats.org/markup-compatibility/2006">
+        <mc:Choice xmlns:a14="http://schemas.microsoft.com/office/drawing/2010/main" Requires="a14">
+          <p:sp>
+            <p:nvSpPr>
+              <p:cNvPr id="15" name="TextBox 14"/>
+              <p:cNvSpPr txBox="1"/>
+              <p:nvPr/>
+            </p:nvSpPr>
+            <p:spPr>
+              <a:xfrm>
+                <a:off x="4065394" y="3542868"/>
+                <a:ext cx="377066" cy="369332"/>
+              </a:xfrm>
+              <a:prstGeom prst="rect">
+                <a:avLst/>
+              </a:prstGeom>
+              <a:noFill/>
+            </p:spPr>
+            <p:txBody>
+              <a:bodyPr wrap="square" rtlCol="0">
+                <a:spAutoFit/>
+              </a:bodyPr>
+              <a:lstStyle/>
+              <a:p>
+                <a14:m>
+                  <m:oMathPara xmlns:m="http://schemas.openxmlformats.org/officeDocument/2006/math">
+                    <m:oMathParaPr>
+                      <m:jc m:val="centerGroup"/>
+                    </m:oMathParaPr>
+                    <m:oMath xmlns:m="http://schemas.openxmlformats.org/officeDocument/2006/math">
+                      <m:r>
+                        <a:rPr lang="en-US" altLang="ko-KR" i="1" smtClean="0">
+                          <a:latin typeface="Cambria Math"/>
+                        </a:rPr>
+                        <m:t>0</m:t>
+                      </m:r>
+                    </m:oMath>
+                  </m:oMathPara>
+                </a14:m>
+                <a:endParaRPr lang="ko-KR" altLang="en-US" dirty="0"/>
+              </a:p>
+            </p:txBody>
+          </p:sp>
+        </mc:Choice>
+        <mc:Fallback>
+          <p:sp>
+            <p:nvSpPr>
+              <p:cNvPr id="15" name="TextBox 14"/>
+              <p:cNvSpPr txBox="1">
+                <a:spLocks noRot="1" noChangeAspect="1" noMove="1" noResize="1" noEditPoints="1" noAdjustHandles="1" noChangeArrowheads="1" noChangeShapeType="1" noTextEdit="1"/>
+              </p:cNvSpPr>
+              <p:nvPr/>
+            </p:nvSpPr>
+            <p:spPr>
+              <a:xfrm>
+                <a:off x="4065394" y="3542868"/>
+                <a:ext cx="377066" cy="369332"/>
+              </a:xfrm>
+              <a:prstGeom prst="rect">
+                <a:avLst/>
+              </a:prstGeom>
+              <a:blipFill rotWithShape="1">
+                <a:blip r:embed="rId6"/>
+                <a:stretch>
+                  <a:fillRect/>
+                </a:stretch>
+              </a:blipFill>
+            </p:spPr>
+            <p:txBody>
+              <a:bodyPr/>
+              <a:lstStyle/>
+              <a:p>
+                <a:r>
+                  <a:rPr lang="ko-KR" altLang="en-US">
+                    <a:noFill/>
+                  </a:rPr>
+                  <a:t> </a:t>
+                </a:r>
+              </a:p>
+            </p:txBody>
+          </p:sp>
+        </mc:Fallback>
+      </mc:AlternateContent>
+      <mc:AlternateContent xmlns:mc="http://schemas.openxmlformats.org/markup-compatibility/2006">
+        <mc:Choice xmlns:a14="http://schemas.microsoft.com/office/drawing/2010/main" Requires="a14">
+          <p:sp>
+            <p:nvSpPr>
+              <p:cNvPr id="16" name="TextBox 15"/>
+              <p:cNvSpPr txBox="1"/>
+              <p:nvPr/>
+            </p:nvSpPr>
+            <p:spPr>
+              <a:xfrm>
+                <a:off x="4678109" y="3542868"/>
+                <a:ext cx="377066" cy="369332"/>
+              </a:xfrm>
+              <a:prstGeom prst="rect">
+                <a:avLst/>
+              </a:prstGeom>
+              <a:noFill/>
+            </p:spPr>
+            <p:txBody>
+              <a:bodyPr wrap="square" rtlCol="0">
+                <a:spAutoFit/>
+              </a:bodyPr>
+              <a:lstStyle/>
+              <a:p>
+                <a14:m>
+                  <m:oMathPara xmlns:m="http://schemas.openxmlformats.org/officeDocument/2006/math">
+                    <m:oMathParaPr>
+                      <m:jc m:val="centerGroup"/>
+                    </m:oMathParaPr>
+                    <m:oMath xmlns:m="http://schemas.openxmlformats.org/officeDocument/2006/math">
+                      <m:r>
+                        <a:rPr lang="en-US" altLang="ko-KR" i="1" smtClean="0">
+                          <a:latin typeface="Cambria Math"/>
+                        </a:rPr>
+                        <m:t>0</m:t>
+                      </m:r>
+                    </m:oMath>
+                  </m:oMathPara>
+                </a14:m>
+                <a:endParaRPr lang="ko-KR" altLang="en-US" dirty="0"/>
+              </a:p>
+            </p:txBody>
+          </p:sp>
+        </mc:Choice>
+        <mc:Fallback>
+          <p:sp>
+            <p:nvSpPr>
+              <p:cNvPr id="16" name="TextBox 15"/>
+              <p:cNvSpPr txBox="1">
+                <a:spLocks noRot="1" noChangeAspect="1" noMove="1" noResize="1" noEditPoints="1" noAdjustHandles="1" noChangeArrowheads="1" noChangeShapeType="1" noTextEdit="1"/>
+              </p:cNvSpPr>
+              <p:nvPr/>
+            </p:nvSpPr>
+            <p:spPr>
+              <a:xfrm>
+                <a:off x="4678109" y="3542868"/>
+                <a:ext cx="377066" cy="369332"/>
+              </a:xfrm>
+              <a:prstGeom prst="rect">
+                <a:avLst/>
+              </a:prstGeom>
+              <a:blipFill rotWithShape="1">
+                <a:blip r:embed="rId7"/>
+                <a:stretch>
+                  <a:fillRect/>
+                </a:stretch>
+              </a:blipFill>
+            </p:spPr>
+            <p:txBody>
+              <a:bodyPr/>
+              <a:lstStyle/>
+              <a:p>
+                <a:r>
+                  <a:rPr lang="ko-KR" altLang="en-US">
+                    <a:noFill/>
+                  </a:rPr>
+                  <a:t> </a:t>
+                </a:r>
+              </a:p>
+            </p:txBody>
+          </p:sp>
+        </mc:Fallback>
+      </mc:AlternateContent>
+      <mc:AlternateContent xmlns:mc="http://schemas.openxmlformats.org/markup-compatibility/2006">
+        <mc:Choice xmlns:a14="http://schemas.microsoft.com/office/drawing/2010/main" Requires="a14">
+          <p:sp>
+            <p:nvSpPr>
+              <p:cNvPr id="17" name="TextBox 16"/>
+              <p:cNvSpPr txBox="1"/>
+              <p:nvPr/>
+            </p:nvSpPr>
+            <p:spPr>
+              <a:xfrm>
+                <a:off x="5264849" y="3542868"/>
+                <a:ext cx="377066" cy="369332"/>
+              </a:xfrm>
+              <a:prstGeom prst="rect">
+                <a:avLst/>
+              </a:prstGeom>
+              <a:noFill/>
+            </p:spPr>
+            <p:txBody>
+              <a:bodyPr wrap="square" rtlCol="0">
+                <a:spAutoFit/>
+              </a:bodyPr>
+              <a:lstStyle/>
+              <a:p>
+                <a14:m>
+                  <m:oMathPara xmlns:m="http://schemas.openxmlformats.org/officeDocument/2006/math">
+                    <m:oMathParaPr>
+                      <m:jc m:val="centerGroup"/>
+                    </m:oMathParaPr>
+                    <m:oMath xmlns:m="http://schemas.openxmlformats.org/officeDocument/2006/math">
+                      <m:r>
+                        <a:rPr lang="en-US" altLang="ko-KR" i="1" smtClean="0">
+                          <a:latin typeface="Cambria Math"/>
+                        </a:rPr>
+                        <m:t>0</m:t>
+                      </m:r>
+                    </m:oMath>
+                  </m:oMathPara>
+                </a14:m>
+                <a:endParaRPr lang="ko-KR" altLang="en-US" dirty="0"/>
+              </a:p>
+            </p:txBody>
+          </p:sp>
+        </mc:Choice>
+        <mc:Fallback>
+          <p:sp>
+            <p:nvSpPr>
+              <p:cNvPr id="17" name="TextBox 16"/>
+              <p:cNvSpPr txBox="1">
+                <a:spLocks noRot="1" noChangeAspect="1" noMove="1" noResize="1" noEditPoints="1" noAdjustHandles="1" noChangeArrowheads="1" noChangeShapeType="1" noTextEdit="1"/>
+              </p:cNvSpPr>
+              <p:nvPr/>
+            </p:nvSpPr>
+            <p:spPr>
+              <a:xfrm>
+                <a:off x="5264849" y="3542868"/>
+                <a:ext cx="377066" cy="369332"/>
+              </a:xfrm>
+              <a:prstGeom prst="rect">
+                <a:avLst/>
+              </a:prstGeom>
+              <a:blipFill rotWithShape="1">
+                <a:blip r:embed="rId8"/>
+                <a:stretch>
+                  <a:fillRect/>
+                </a:stretch>
+              </a:blipFill>
+            </p:spPr>
+            <p:txBody>
+              <a:bodyPr/>
+              <a:lstStyle/>
+              <a:p>
+                <a:r>
+                  <a:rPr lang="ko-KR" altLang="en-US">
+                    <a:noFill/>
+                  </a:rPr>
+                  <a:t> </a:t>
+                </a:r>
+              </a:p>
+            </p:txBody>
+          </p:sp>
+        </mc:Fallback>
+      </mc:AlternateContent>
+      <p:sp>
+        <p:nvSpPr>
+          <p:cNvPr id="9" name="모서리가 둥근 직사각형 8"/>
+          <p:cNvSpPr/>
+          <p:nvPr/>
+        </p:nvSpPr>
+        <p:spPr>
+          <a:xfrm>
+            <a:off x="4003173" y="3601528"/>
+            <a:ext cx="1632955" cy="282925"/>
+          </a:xfrm>
+          <a:prstGeom prst="roundRect">
+            <a:avLst/>
+          </a:prstGeom>
+          <a:noFill/>
+          <a:ln w="19050">
+            <a:solidFill>
+              <a:srgbClr val="FF0000"/>
+            </a:solidFill>
+          </a:ln>
+        </p:spPr>
+        <p:style>
+          <a:lnRef idx="2">
+            <a:schemeClr val="accent1">
+              <a:shade val="50000"/>
+            </a:schemeClr>
+          </a:lnRef>
+          <a:fillRef idx="1">
+            <a:schemeClr val="accent1"/>
+          </a:fillRef>
+          <a:effectRef idx="0">
+            <a:schemeClr val="accent1"/>
+          </a:effectRef>
+          <a:fontRef idx="minor">
+            <a:schemeClr val="lt1"/>
+          </a:fontRef>
+        </p:style>
+        <p:txBody>
+          <a:bodyPr rtlCol="0" anchor="ctr"/>
+          <a:lstStyle/>
+          <a:p>
+            <a:pPr algn="ctr"/>
+            <a:endParaRPr lang="ko-KR" altLang="en-US"/>
+          </a:p>
+        </p:txBody>
+      </p:sp>
     </p:spTree>
     <p:extLst>
       <p:ext uri="{BB962C8B-B14F-4D97-AF65-F5344CB8AC3E}">
@@ -14463,7 +15314,7 @@
   <a:extraClrSchemeLst/>
   <a:extLst>
     <a:ext uri="{05A4C25C-085E-4340-85A3-A5531E510DB2}">
-      <thm15:themeFamily xmlns:thm15="http://schemas.microsoft.com/office/thememl/2012/main" xmlns="" name="Office Theme" id="{62F939B6-93AF-4DB8-9C6B-D6C7DFDC589F}" vid="{4A3C46E8-61CC-4603-A589-7422A47A8E4A}"/>
+      <thm15:themeFamily xmlns="" xmlns:thm15="http://schemas.microsoft.com/office/thememl/2012/main" name="Office Theme" id="{62F939B6-93AF-4DB8-9C6B-D6C7DFDC589F}" vid="{4A3C46E8-61CC-4603-A589-7422A47A8E4A}"/>
     </a:ext>
   </a:extLst>
 </a:theme>
